--- a/cpp/230223.pptx
+++ b/cpp/230223.pptx
@@ -11,6 +11,10 @@
     <p:sldId id="259" r:id="rId5"/>
     <p:sldId id="260" r:id="rId6"/>
     <p:sldId id="261" r:id="rId7"/>
+    <p:sldId id="262" r:id="rId8"/>
+    <p:sldId id="263" r:id="rId9"/>
+    <p:sldId id="264" r:id="rId10"/>
+    <p:sldId id="265" r:id="rId11"/>
   </p:sldIdLst>
   <p:sldSz cx="12192000" cy="6858000"/>
   <p:notesSz cx="6858000" cy="9144000"/>
@@ -109,6 +113,11 @@
       </a:defRPr>
     </a:lvl9pPr>
   </p:defaultTextStyle>
+  <p:extLst>
+    <p:ext uri="{EFAFB233-063F-42B5-8137-9DF3F51BA10A}">
+      <p15:sldGuideLst xmlns:p15="http://schemas.microsoft.com/office/powerpoint/2012/main"/>
+    </p:ext>
+  </p:extLst>
 </p:presentation>
 </file>
 
@@ -261,7 +270,7 @@
           <a:p>
             <a:fld id="{0141C073-73B4-1C4F-81DE-701205FF1F0A}" type="datetimeFigureOut">
               <a:rPr kumimoji="1" lang="ko-Kore-KR" altLang="en-US" smtClean="0"/>
-              <a:t>2023. 2. 23.</a:t>
+              <a:t>2023. 2. 27.</a:t>
             </a:fld>
             <a:endParaRPr kumimoji="1" lang="ko-Kore-KR" altLang="en-US"/>
           </a:p>
@@ -461,7 +470,7 @@
           <a:p>
             <a:fld id="{0141C073-73B4-1C4F-81DE-701205FF1F0A}" type="datetimeFigureOut">
               <a:rPr kumimoji="1" lang="ko-Kore-KR" altLang="en-US" smtClean="0"/>
-              <a:t>2023. 2. 23.</a:t>
+              <a:t>2023. 2. 27.</a:t>
             </a:fld>
             <a:endParaRPr kumimoji="1" lang="ko-Kore-KR" altLang="en-US"/>
           </a:p>
@@ -671,7 +680,7 @@
           <a:p>
             <a:fld id="{0141C073-73B4-1C4F-81DE-701205FF1F0A}" type="datetimeFigureOut">
               <a:rPr kumimoji="1" lang="ko-Kore-KR" altLang="en-US" smtClean="0"/>
-              <a:t>2023. 2. 23.</a:t>
+              <a:t>2023. 2. 27.</a:t>
             </a:fld>
             <a:endParaRPr kumimoji="1" lang="ko-Kore-KR" altLang="en-US"/>
           </a:p>
@@ -871,7 +880,7 @@
           <a:p>
             <a:fld id="{0141C073-73B4-1C4F-81DE-701205FF1F0A}" type="datetimeFigureOut">
               <a:rPr kumimoji="1" lang="ko-Kore-KR" altLang="en-US" smtClean="0"/>
-              <a:t>2023. 2. 23.</a:t>
+              <a:t>2023. 2. 27.</a:t>
             </a:fld>
             <a:endParaRPr kumimoji="1" lang="ko-Kore-KR" altLang="en-US"/>
           </a:p>
@@ -1147,7 +1156,7 @@
           <a:p>
             <a:fld id="{0141C073-73B4-1C4F-81DE-701205FF1F0A}" type="datetimeFigureOut">
               <a:rPr kumimoji="1" lang="ko-Kore-KR" altLang="en-US" smtClean="0"/>
-              <a:t>2023. 2. 23.</a:t>
+              <a:t>2023. 2. 27.</a:t>
             </a:fld>
             <a:endParaRPr kumimoji="1" lang="ko-Kore-KR" altLang="en-US"/>
           </a:p>
@@ -1415,7 +1424,7 @@
           <a:p>
             <a:fld id="{0141C073-73B4-1C4F-81DE-701205FF1F0A}" type="datetimeFigureOut">
               <a:rPr kumimoji="1" lang="ko-Kore-KR" altLang="en-US" smtClean="0"/>
-              <a:t>2023. 2. 23.</a:t>
+              <a:t>2023. 2. 27.</a:t>
             </a:fld>
             <a:endParaRPr kumimoji="1" lang="ko-Kore-KR" altLang="en-US"/>
           </a:p>
@@ -1830,7 +1839,7 @@
           <a:p>
             <a:fld id="{0141C073-73B4-1C4F-81DE-701205FF1F0A}" type="datetimeFigureOut">
               <a:rPr kumimoji="1" lang="ko-Kore-KR" altLang="en-US" smtClean="0"/>
-              <a:t>2023. 2. 23.</a:t>
+              <a:t>2023. 2. 27.</a:t>
             </a:fld>
             <a:endParaRPr kumimoji="1" lang="ko-Kore-KR" altLang="en-US"/>
           </a:p>
@@ -1972,7 +1981,7 @@
           <a:p>
             <a:fld id="{0141C073-73B4-1C4F-81DE-701205FF1F0A}" type="datetimeFigureOut">
               <a:rPr kumimoji="1" lang="ko-Kore-KR" altLang="en-US" smtClean="0"/>
-              <a:t>2023. 2. 23.</a:t>
+              <a:t>2023. 2. 27.</a:t>
             </a:fld>
             <a:endParaRPr kumimoji="1" lang="ko-Kore-KR" altLang="en-US"/>
           </a:p>
@@ -2085,7 +2094,7 @@
           <a:p>
             <a:fld id="{0141C073-73B4-1C4F-81DE-701205FF1F0A}" type="datetimeFigureOut">
               <a:rPr kumimoji="1" lang="ko-Kore-KR" altLang="en-US" smtClean="0"/>
-              <a:t>2023. 2. 23.</a:t>
+              <a:t>2023. 2. 27.</a:t>
             </a:fld>
             <a:endParaRPr kumimoji="1" lang="ko-Kore-KR" altLang="en-US"/>
           </a:p>
@@ -2398,7 +2407,7 @@
           <a:p>
             <a:fld id="{0141C073-73B4-1C4F-81DE-701205FF1F0A}" type="datetimeFigureOut">
               <a:rPr kumimoji="1" lang="ko-Kore-KR" altLang="en-US" smtClean="0"/>
-              <a:t>2023. 2. 23.</a:t>
+              <a:t>2023. 2. 27.</a:t>
             </a:fld>
             <a:endParaRPr kumimoji="1" lang="ko-Kore-KR" altLang="en-US"/>
           </a:p>
@@ -2687,7 +2696,7 @@
           <a:p>
             <a:fld id="{0141C073-73B4-1C4F-81DE-701205FF1F0A}" type="datetimeFigureOut">
               <a:rPr kumimoji="1" lang="ko-Kore-KR" altLang="en-US" smtClean="0"/>
-              <a:t>2023. 2. 23.</a:t>
+              <a:t>2023. 2. 27.</a:t>
             </a:fld>
             <a:endParaRPr kumimoji="1" lang="ko-Kore-KR" altLang="en-US"/>
           </a:p>
@@ -2930,7 +2939,7 @@
           <a:p>
             <a:fld id="{0141C073-73B4-1C4F-81DE-701205FF1F0A}" type="datetimeFigureOut">
               <a:rPr kumimoji="1" lang="ko-Kore-KR" altLang="en-US" smtClean="0"/>
-              <a:t>2023. 2. 23.</a:t>
+              <a:t>2023. 2. 27.</a:t>
             </a:fld>
             <a:endParaRPr kumimoji="1" lang="ko-Kore-KR" altLang="en-US"/>
           </a:p>
@@ -3851,6 +3860,975 @@
 </p:sld>
 </file>
 
+<file path=ppt/slides/slide10.xml><?xml version="1.0" encoding="utf-8"?>
+<p:sld xmlns:a="http://schemas.openxmlformats.org/drawingml/2006/main" xmlns:r="http://schemas.openxmlformats.org/officeDocument/2006/relationships" xmlns:p="http://schemas.openxmlformats.org/presentationml/2006/main">
+  <p:cSld>
+    <p:spTree>
+      <p:nvGrpSpPr>
+        <p:cNvPr id="1" name=""/>
+        <p:cNvGrpSpPr/>
+        <p:nvPr/>
+      </p:nvGrpSpPr>
+      <p:grpSpPr>
+        <a:xfrm>
+          <a:off x="0" y="0"/>
+          <a:ext cx="0" cy="0"/>
+          <a:chOff x="0" y="0"/>
+          <a:chExt cx="0" cy="0"/>
+        </a:xfrm>
+      </p:grpSpPr>
+      <p:sp>
+        <p:nvSpPr>
+          <p:cNvPr id="5" name="TextBox 4">
+            <a:extLst>
+              <a:ext uri="{FF2B5EF4-FFF2-40B4-BE49-F238E27FC236}">
+                <a16:creationId xmlns:a16="http://schemas.microsoft.com/office/drawing/2014/main" id="{BB53FD4A-3836-3E44-4FE5-590647D521DB}"/>
+              </a:ext>
+            </a:extLst>
+          </p:cNvPr>
+          <p:cNvSpPr txBox="1"/>
+          <p:nvPr/>
+        </p:nvSpPr>
+        <p:spPr>
+          <a:xfrm>
+            <a:off x="459356" y="242863"/>
+            <a:ext cx="5334000" cy="3970318"/>
+          </a:xfrm>
+          <a:prstGeom prst="rect">
+            <a:avLst/>
+          </a:prstGeom>
+          <a:noFill/>
+        </p:spPr>
+        <p:txBody>
+          <a:bodyPr wrap="square">
+            <a:spAutoFit/>
+          </a:bodyPr>
+          <a:lstStyle/>
+          <a:p>
+            <a:r>
+              <a:rPr lang="ko-Kore-KR" altLang="en-US" sz="1400" dirty="0">
+                <a:latin typeface="DM Mono" panose="020B0509040201040103" pitchFamily="49" charset="0"/>
+              </a:rPr>
+              <a:t>class Point {</a:t>
+            </a:r>
+          </a:p>
+          <a:p>
+            <a:r>
+              <a:rPr lang="ko-Kore-KR" altLang="en-US" sz="1400" dirty="0">
+                <a:latin typeface="DM Mono" panose="020B0509040201040103" pitchFamily="49" charset="0"/>
+              </a:rPr>
+              <a:t>    int x;</a:t>
+            </a:r>
+          </a:p>
+          <a:p>
+            <a:r>
+              <a:rPr lang="ko-Kore-KR" altLang="en-US" sz="1400" dirty="0">
+                <a:latin typeface="DM Mono" panose="020B0509040201040103" pitchFamily="49" charset="0"/>
+              </a:rPr>
+              <a:t>    int y;</a:t>
+            </a:r>
+          </a:p>
+          <a:p>
+            <a:endParaRPr lang="ko-Kore-KR" altLang="en-US" sz="1400" dirty="0">
+              <a:latin typeface="DM Mono" panose="020B0509040201040103" pitchFamily="49" charset="0"/>
+            </a:endParaRPr>
+          </a:p>
+          <a:p>
+            <a:r>
+              <a:rPr lang="ko-Kore-KR" altLang="en-US" sz="1400" dirty="0">
+                <a:latin typeface="DM Mono" panose="020B0509040201040103" pitchFamily="49" charset="0"/>
+              </a:rPr>
+              <a:t>public:</a:t>
+            </a:r>
+          </a:p>
+          <a:p>
+            <a:r>
+              <a:rPr lang="ko-Kore-KR" altLang="en-US" sz="1400" dirty="0">
+                <a:latin typeface="DM Mono" panose="020B0509040201040103" pitchFamily="49" charset="0"/>
+              </a:rPr>
+              <a:t>    void Set(int a, int b)</a:t>
+            </a:r>
+          </a:p>
+          <a:p>
+            <a:r>
+              <a:rPr lang="ko-Kore-KR" altLang="en-US" sz="1400" dirty="0">
+                <a:latin typeface="DM Mono" panose="020B0509040201040103" pitchFamily="49" charset="0"/>
+              </a:rPr>
+              <a:t>    {</a:t>
+            </a:r>
+          </a:p>
+          <a:p>
+            <a:r>
+              <a:rPr lang="ko-Kore-KR" altLang="en-US" sz="1400" dirty="0">
+                <a:latin typeface="DM Mono" panose="020B0509040201040103" pitchFamily="49" charset="0"/>
+              </a:rPr>
+              <a:t>        x = a;</a:t>
+            </a:r>
+          </a:p>
+          <a:p>
+            <a:r>
+              <a:rPr lang="ko-Kore-KR" altLang="en-US" sz="1400" dirty="0">
+                <a:latin typeface="DM Mono" panose="020B0509040201040103" pitchFamily="49" charset="0"/>
+              </a:rPr>
+              <a:t>        y = b;</a:t>
+            </a:r>
+          </a:p>
+          <a:p>
+            <a:r>
+              <a:rPr lang="ko-Kore-KR" altLang="en-US" sz="1400" dirty="0">
+                <a:latin typeface="DM Mono" panose="020B0509040201040103" pitchFamily="49" charset="0"/>
+              </a:rPr>
+              <a:t>    }</a:t>
+            </a:r>
+          </a:p>
+          <a:p>
+            <a:r>
+              <a:rPr lang="ko-Kore-KR" altLang="en-US" sz="1400" dirty="0">
+                <a:latin typeface="DM Mono" panose="020B0509040201040103" pitchFamily="49" charset="0"/>
+              </a:rPr>
+              <a:t>};</a:t>
+            </a:r>
+          </a:p>
+          <a:p>
+            <a:endParaRPr lang="ko-Kore-KR" altLang="en-US" sz="1400" dirty="0">
+              <a:latin typeface="DM Mono" panose="020B0509040201040103" pitchFamily="49" charset="0"/>
+            </a:endParaRPr>
+          </a:p>
+          <a:p>
+            <a:r>
+              <a:rPr lang="ko-Kore-KR" altLang="en-US" sz="1400" dirty="0">
+                <a:latin typeface="DM Mono" panose="020B0509040201040103" pitchFamily="49" charset="0"/>
+              </a:rPr>
+              <a:t>int main()</a:t>
+            </a:r>
+          </a:p>
+          <a:p>
+            <a:r>
+              <a:rPr lang="ko-Kore-KR" altLang="en-US" sz="1400" dirty="0">
+                <a:latin typeface="DM Mono" panose="020B0509040201040103" pitchFamily="49" charset="0"/>
+              </a:rPr>
+              <a:t>{</a:t>
+            </a:r>
+          </a:p>
+          <a:p>
+            <a:r>
+              <a:rPr lang="ko-Kore-KR" altLang="en-US" sz="1400" dirty="0">
+                <a:latin typeface="DM Mono" panose="020B0509040201040103" pitchFamily="49" charset="0"/>
+              </a:rPr>
+              <a:t>    Point p1, p2;</a:t>
+            </a:r>
+          </a:p>
+          <a:p>
+            <a:r>
+              <a:rPr lang="ko-Kore-KR" altLang="en-US" sz="1400" dirty="0">
+                <a:latin typeface="DM Mono" panose="020B0509040201040103" pitchFamily="49" charset="0"/>
+              </a:rPr>
+              <a:t>    p1.Set(10, 20);</a:t>
+            </a:r>
+            <a:r>
+              <a:rPr lang="en-US" altLang="ko-Kore-KR" sz="1400" dirty="0">
+                <a:latin typeface="DM Mono" panose="020B0509040201040103" pitchFamily="49" charset="0"/>
+              </a:rPr>
+              <a:t> </a:t>
+            </a:r>
+            <a:r>
+              <a:rPr lang="en-US" altLang="ko-Kore-KR" sz="1400" dirty="0">
+                <a:solidFill>
+                  <a:srgbClr val="FF0000"/>
+                </a:solidFill>
+                <a:latin typeface="DM Mono" panose="020B0509040201040103" pitchFamily="49" charset="0"/>
+              </a:rPr>
+              <a:t>Set(&amp;p1, 10, 20)</a:t>
+            </a:r>
+            <a:endParaRPr lang="ko-Kore-KR" altLang="en-US" sz="1400" dirty="0">
+              <a:solidFill>
+                <a:srgbClr val="FF0000"/>
+              </a:solidFill>
+              <a:latin typeface="DM Mono" panose="020B0509040201040103" pitchFamily="49" charset="0"/>
+            </a:endParaRPr>
+          </a:p>
+          <a:p>
+            <a:r>
+              <a:rPr lang="ko-Kore-KR" altLang="en-US" sz="1400" dirty="0">
+                <a:latin typeface="DM Mono" panose="020B0509040201040103" pitchFamily="49" charset="0"/>
+              </a:rPr>
+              <a:t>    p2.Set(30, 40);</a:t>
+            </a:r>
+            <a:r>
+              <a:rPr lang="en-US" altLang="ko-Kore-KR" sz="1400" dirty="0">
+                <a:latin typeface="DM Mono" panose="020B0509040201040103" pitchFamily="49" charset="0"/>
+              </a:rPr>
+              <a:t> </a:t>
+            </a:r>
+            <a:r>
+              <a:rPr lang="en-US" altLang="ko-Kore-KR" sz="1400" dirty="0">
+                <a:solidFill>
+                  <a:srgbClr val="FF0000"/>
+                </a:solidFill>
+                <a:latin typeface="DM Mono" panose="020B0509040201040103" pitchFamily="49" charset="0"/>
+              </a:rPr>
+              <a:t>Set(&amp;p2, 10, 20)</a:t>
+            </a:r>
+            <a:endParaRPr lang="ko-Kore-KR" altLang="en-US" sz="1400" dirty="0">
+              <a:latin typeface="DM Mono" panose="020B0509040201040103" pitchFamily="49" charset="0"/>
+            </a:endParaRPr>
+          </a:p>
+          <a:p>
+            <a:r>
+              <a:rPr lang="ko-Kore-KR" altLang="en-US" sz="1400" dirty="0">
+                <a:latin typeface="DM Mono" panose="020B0509040201040103" pitchFamily="49" charset="0"/>
+              </a:rPr>
+              <a:t>}</a:t>
+            </a:r>
+          </a:p>
+        </p:txBody>
+      </p:sp>
+      <p:sp>
+        <p:nvSpPr>
+          <p:cNvPr id="6" name="직사각형 5">
+            <a:extLst>
+              <a:ext uri="{FF2B5EF4-FFF2-40B4-BE49-F238E27FC236}">
+                <a16:creationId xmlns:a16="http://schemas.microsoft.com/office/drawing/2014/main" id="{74974F39-C98A-803A-2DCB-7CB7F7EE1EF3}"/>
+              </a:ext>
+            </a:extLst>
+          </p:cNvPr>
+          <p:cNvSpPr/>
+          <p:nvPr/>
+        </p:nvSpPr>
+        <p:spPr>
+          <a:xfrm>
+            <a:off x="5616514" y="612195"/>
+            <a:ext cx="4891177" cy="2665563"/>
+          </a:xfrm>
+          <a:prstGeom prst="rect">
+            <a:avLst/>
+          </a:prstGeom>
+          <a:solidFill>
+            <a:schemeClr val="bg1"/>
+          </a:solidFill>
+        </p:spPr>
+        <p:style>
+          <a:lnRef idx="2">
+            <a:schemeClr val="accent1">
+              <a:shade val="50000"/>
+            </a:schemeClr>
+          </a:lnRef>
+          <a:fillRef idx="1">
+            <a:schemeClr val="accent1"/>
+          </a:fillRef>
+          <a:effectRef idx="0">
+            <a:schemeClr val="accent1"/>
+          </a:effectRef>
+          <a:fontRef idx="minor">
+            <a:schemeClr val="lt1"/>
+          </a:fontRef>
+        </p:style>
+        <p:txBody>
+          <a:bodyPr rtlCol="0" anchor="ctr"/>
+          <a:lstStyle/>
+          <a:p>
+            <a:pPr algn="ctr"/>
+            <a:endParaRPr kumimoji="1" lang="ko-Kore-KR" altLang="en-US"/>
+          </a:p>
+        </p:txBody>
+      </p:sp>
+      <p:sp>
+        <p:nvSpPr>
+          <p:cNvPr id="7" name="TextBox 6">
+            <a:extLst>
+              <a:ext uri="{FF2B5EF4-FFF2-40B4-BE49-F238E27FC236}">
+                <a16:creationId xmlns:a16="http://schemas.microsoft.com/office/drawing/2014/main" id="{450134DE-FD3D-FCE6-785E-142B9B7F9E19}"/>
+              </a:ext>
+            </a:extLst>
+          </p:cNvPr>
+          <p:cNvSpPr txBox="1"/>
+          <p:nvPr/>
+        </p:nvSpPr>
+        <p:spPr>
+          <a:xfrm>
+            <a:off x="7644800" y="242863"/>
+            <a:ext cx="834606" cy="369332"/>
+          </a:xfrm>
+          <a:prstGeom prst="rect">
+            <a:avLst/>
+          </a:prstGeom>
+          <a:noFill/>
+        </p:spPr>
+        <p:txBody>
+          <a:bodyPr wrap="square">
+            <a:spAutoFit/>
+          </a:bodyPr>
+          <a:lstStyle/>
+          <a:p>
+            <a:r>
+              <a:rPr lang="ko-Kore-KR" altLang="en-US" sz="1800" dirty="0">
+                <a:latin typeface="DM Mono" panose="020B0509040201040103" pitchFamily="49" charset="0"/>
+              </a:rPr>
+              <a:t>main</a:t>
+            </a:r>
+            <a:endParaRPr lang="ko-Kore-KR" altLang="en-US" dirty="0"/>
+          </a:p>
+        </p:txBody>
+      </p:sp>
+      <p:sp>
+        <p:nvSpPr>
+          <p:cNvPr id="8" name="직사각형 7">
+            <a:extLst>
+              <a:ext uri="{FF2B5EF4-FFF2-40B4-BE49-F238E27FC236}">
+                <a16:creationId xmlns:a16="http://schemas.microsoft.com/office/drawing/2014/main" id="{99851F65-54A1-35C0-B7BE-41B34951B52E}"/>
+              </a:ext>
+            </a:extLst>
+          </p:cNvPr>
+          <p:cNvSpPr/>
+          <p:nvPr/>
+        </p:nvSpPr>
+        <p:spPr>
+          <a:xfrm>
+            <a:off x="6332508" y="1043868"/>
+            <a:ext cx="1242204" cy="543464"/>
+          </a:xfrm>
+          <a:prstGeom prst="rect">
+            <a:avLst/>
+          </a:prstGeom>
+          <a:solidFill>
+            <a:srgbClr val="FFFF00"/>
+          </a:solidFill>
+        </p:spPr>
+        <p:style>
+          <a:lnRef idx="2">
+            <a:schemeClr val="accent4">
+              <a:shade val="50000"/>
+            </a:schemeClr>
+          </a:lnRef>
+          <a:fillRef idx="1">
+            <a:schemeClr val="accent4"/>
+          </a:fillRef>
+          <a:effectRef idx="0">
+            <a:schemeClr val="accent4"/>
+          </a:effectRef>
+          <a:fontRef idx="minor">
+            <a:schemeClr val="lt1"/>
+          </a:fontRef>
+        </p:style>
+        <p:txBody>
+          <a:bodyPr rtlCol="0" anchor="ctr"/>
+          <a:lstStyle/>
+          <a:p>
+            <a:pPr algn="ctr"/>
+            <a:r>
+              <a:rPr kumimoji="1" lang="en-US" altLang="ko-Kore-KR" sz="1600" dirty="0">
+                <a:solidFill>
+                  <a:schemeClr val="tx1"/>
+                </a:solidFill>
+                <a:latin typeface="DM Mono" panose="020B0509040201040103" pitchFamily="49" charset="0"/>
+              </a:rPr>
+              <a:t>10</a:t>
+            </a:r>
+            <a:endParaRPr kumimoji="1" lang="ko-Kore-KR" altLang="en-US" sz="1600" dirty="0">
+              <a:solidFill>
+                <a:schemeClr val="tx1"/>
+              </a:solidFill>
+              <a:latin typeface="DM Mono" panose="020B0509040201040103" pitchFamily="49" charset="0"/>
+            </a:endParaRPr>
+          </a:p>
+        </p:txBody>
+      </p:sp>
+      <p:sp>
+        <p:nvSpPr>
+          <p:cNvPr id="9" name="TextBox 8">
+            <a:extLst>
+              <a:ext uri="{FF2B5EF4-FFF2-40B4-BE49-F238E27FC236}">
+                <a16:creationId xmlns:a16="http://schemas.microsoft.com/office/drawing/2014/main" id="{E8786816-AD3D-C4AC-4D56-14C5BFFAD6B0}"/>
+              </a:ext>
+            </a:extLst>
+          </p:cNvPr>
+          <p:cNvSpPr txBox="1"/>
+          <p:nvPr/>
+        </p:nvSpPr>
+        <p:spPr>
+          <a:xfrm>
+            <a:off x="6695896" y="674536"/>
+            <a:ext cx="515428" cy="369332"/>
+          </a:xfrm>
+          <a:prstGeom prst="rect">
+            <a:avLst/>
+          </a:prstGeom>
+          <a:noFill/>
+        </p:spPr>
+        <p:txBody>
+          <a:bodyPr wrap="square">
+            <a:spAutoFit/>
+          </a:bodyPr>
+          <a:lstStyle/>
+          <a:p>
+            <a:r>
+              <a:rPr lang="en-US" altLang="ko-Kore-KR" dirty="0">
+                <a:latin typeface="DM Mono" panose="020B0509040201040103" pitchFamily="49" charset="0"/>
+              </a:rPr>
+              <a:t>p1</a:t>
+            </a:r>
+            <a:endParaRPr lang="ko-Kore-KR" altLang="en-US" dirty="0"/>
+          </a:p>
+        </p:txBody>
+      </p:sp>
+      <p:sp>
+        <p:nvSpPr>
+          <p:cNvPr id="10" name="TextBox 9">
+            <a:extLst>
+              <a:ext uri="{FF2B5EF4-FFF2-40B4-BE49-F238E27FC236}">
+                <a16:creationId xmlns:a16="http://schemas.microsoft.com/office/drawing/2014/main" id="{14109F8E-AD45-52BC-8004-1B02D7227A7E}"/>
+              </a:ext>
+            </a:extLst>
+          </p:cNvPr>
+          <p:cNvSpPr txBox="1"/>
+          <p:nvPr/>
+        </p:nvSpPr>
+        <p:spPr>
+          <a:xfrm>
+            <a:off x="5971279" y="1130934"/>
+            <a:ext cx="361229" cy="369332"/>
+          </a:xfrm>
+          <a:prstGeom prst="rect">
+            <a:avLst/>
+          </a:prstGeom>
+          <a:noFill/>
+        </p:spPr>
+        <p:txBody>
+          <a:bodyPr wrap="square">
+            <a:spAutoFit/>
+          </a:bodyPr>
+          <a:lstStyle/>
+          <a:p>
+            <a:r>
+              <a:rPr lang="en-US" altLang="ko-Kore-KR" dirty="0">
+                <a:latin typeface="DM Mono" panose="020B0509040201040103" pitchFamily="49" charset="0"/>
+              </a:rPr>
+              <a:t>x</a:t>
+            </a:r>
+            <a:endParaRPr lang="ko-Kore-KR" altLang="en-US" dirty="0"/>
+          </a:p>
+        </p:txBody>
+      </p:sp>
+      <p:sp>
+        <p:nvSpPr>
+          <p:cNvPr id="12" name="직사각형 11">
+            <a:extLst>
+              <a:ext uri="{FF2B5EF4-FFF2-40B4-BE49-F238E27FC236}">
+                <a16:creationId xmlns:a16="http://schemas.microsoft.com/office/drawing/2014/main" id="{DF6B8C4D-5989-3181-DC09-BCCCF9F81E9F}"/>
+              </a:ext>
+            </a:extLst>
+          </p:cNvPr>
+          <p:cNvSpPr/>
+          <p:nvPr/>
+        </p:nvSpPr>
+        <p:spPr>
+          <a:xfrm>
+            <a:off x="6332508" y="1595958"/>
+            <a:ext cx="1242204" cy="543464"/>
+          </a:xfrm>
+          <a:prstGeom prst="rect">
+            <a:avLst/>
+          </a:prstGeom>
+          <a:solidFill>
+            <a:srgbClr val="FFFF00"/>
+          </a:solidFill>
+        </p:spPr>
+        <p:style>
+          <a:lnRef idx="2">
+            <a:schemeClr val="accent4">
+              <a:shade val="50000"/>
+            </a:schemeClr>
+          </a:lnRef>
+          <a:fillRef idx="1">
+            <a:schemeClr val="accent4"/>
+          </a:fillRef>
+          <a:effectRef idx="0">
+            <a:schemeClr val="accent4"/>
+          </a:effectRef>
+          <a:fontRef idx="minor">
+            <a:schemeClr val="lt1"/>
+          </a:fontRef>
+        </p:style>
+        <p:txBody>
+          <a:bodyPr rtlCol="0" anchor="ctr"/>
+          <a:lstStyle/>
+          <a:p>
+            <a:pPr algn="ctr"/>
+            <a:r>
+              <a:rPr kumimoji="1" lang="en-US" altLang="ko-Kore-KR" sz="1600" dirty="0">
+                <a:solidFill>
+                  <a:schemeClr val="tx1"/>
+                </a:solidFill>
+                <a:latin typeface="DM Mono" panose="020B0509040201040103" pitchFamily="49" charset="0"/>
+              </a:rPr>
+              <a:t>20</a:t>
+            </a:r>
+            <a:endParaRPr kumimoji="1" lang="ko-Kore-KR" altLang="en-US" sz="1600" dirty="0">
+              <a:solidFill>
+                <a:schemeClr val="tx1"/>
+              </a:solidFill>
+              <a:latin typeface="DM Mono" panose="020B0509040201040103" pitchFamily="49" charset="0"/>
+            </a:endParaRPr>
+          </a:p>
+        </p:txBody>
+      </p:sp>
+      <p:sp>
+        <p:nvSpPr>
+          <p:cNvPr id="13" name="TextBox 12">
+            <a:extLst>
+              <a:ext uri="{FF2B5EF4-FFF2-40B4-BE49-F238E27FC236}">
+                <a16:creationId xmlns:a16="http://schemas.microsoft.com/office/drawing/2014/main" id="{21D884D0-DB52-17B3-6DB1-9A80ADF3BA02}"/>
+              </a:ext>
+            </a:extLst>
+          </p:cNvPr>
+          <p:cNvSpPr txBox="1"/>
+          <p:nvPr/>
+        </p:nvSpPr>
+        <p:spPr>
+          <a:xfrm>
+            <a:off x="5971279" y="1683024"/>
+            <a:ext cx="361229" cy="369332"/>
+          </a:xfrm>
+          <a:prstGeom prst="rect">
+            <a:avLst/>
+          </a:prstGeom>
+          <a:noFill/>
+        </p:spPr>
+        <p:txBody>
+          <a:bodyPr wrap="square">
+            <a:spAutoFit/>
+          </a:bodyPr>
+          <a:lstStyle/>
+          <a:p>
+            <a:r>
+              <a:rPr lang="en-US" altLang="ko-Kore-KR" dirty="0">
+                <a:latin typeface="DM Mono" panose="020B0509040201040103" pitchFamily="49" charset="0"/>
+              </a:rPr>
+              <a:t>y</a:t>
+            </a:r>
+            <a:endParaRPr lang="ko-Kore-KR" altLang="en-US" dirty="0"/>
+          </a:p>
+        </p:txBody>
+      </p:sp>
+      <p:sp>
+        <p:nvSpPr>
+          <p:cNvPr id="14" name="직사각형 13">
+            <a:extLst>
+              <a:ext uri="{FF2B5EF4-FFF2-40B4-BE49-F238E27FC236}">
+                <a16:creationId xmlns:a16="http://schemas.microsoft.com/office/drawing/2014/main" id="{EEB0C483-2D37-A589-2D2E-519EB7B4DF38}"/>
+              </a:ext>
+            </a:extLst>
+          </p:cNvPr>
+          <p:cNvSpPr/>
+          <p:nvPr/>
+        </p:nvSpPr>
+        <p:spPr>
+          <a:xfrm>
+            <a:off x="8290706" y="1052494"/>
+            <a:ext cx="1242204" cy="543464"/>
+          </a:xfrm>
+          <a:prstGeom prst="rect">
+            <a:avLst/>
+          </a:prstGeom>
+          <a:solidFill>
+            <a:srgbClr val="FFFF00"/>
+          </a:solidFill>
+        </p:spPr>
+        <p:style>
+          <a:lnRef idx="2">
+            <a:schemeClr val="accent4">
+              <a:shade val="50000"/>
+            </a:schemeClr>
+          </a:lnRef>
+          <a:fillRef idx="1">
+            <a:schemeClr val="accent4"/>
+          </a:fillRef>
+          <a:effectRef idx="0">
+            <a:schemeClr val="accent4"/>
+          </a:effectRef>
+          <a:fontRef idx="minor">
+            <a:schemeClr val="lt1"/>
+          </a:fontRef>
+        </p:style>
+        <p:txBody>
+          <a:bodyPr rtlCol="0" anchor="ctr"/>
+          <a:lstStyle/>
+          <a:p>
+            <a:pPr algn="ctr"/>
+            <a:r>
+              <a:rPr kumimoji="1" lang="en-US" altLang="ko-Kore-KR" sz="1600" dirty="0">
+                <a:solidFill>
+                  <a:schemeClr val="tx1"/>
+                </a:solidFill>
+                <a:latin typeface="DM Mono" panose="020B0509040201040103" pitchFamily="49" charset="0"/>
+              </a:rPr>
+              <a:t>30</a:t>
+            </a:r>
+            <a:endParaRPr kumimoji="1" lang="ko-Kore-KR" altLang="en-US" sz="1600" dirty="0">
+              <a:solidFill>
+                <a:schemeClr val="tx1"/>
+              </a:solidFill>
+              <a:latin typeface="DM Mono" panose="020B0509040201040103" pitchFamily="49" charset="0"/>
+            </a:endParaRPr>
+          </a:p>
+        </p:txBody>
+      </p:sp>
+      <p:sp>
+        <p:nvSpPr>
+          <p:cNvPr id="15" name="TextBox 14">
+            <a:extLst>
+              <a:ext uri="{FF2B5EF4-FFF2-40B4-BE49-F238E27FC236}">
+                <a16:creationId xmlns:a16="http://schemas.microsoft.com/office/drawing/2014/main" id="{05D09AB7-04D4-1DF6-3F1A-FD39230A1EED}"/>
+              </a:ext>
+            </a:extLst>
+          </p:cNvPr>
+          <p:cNvSpPr txBox="1"/>
+          <p:nvPr/>
+        </p:nvSpPr>
+        <p:spPr>
+          <a:xfrm>
+            <a:off x="8654094" y="683162"/>
+            <a:ext cx="515428" cy="369332"/>
+          </a:xfrm>
+          <a:prstGeom prst="rect">
+            <a:avLst/>
+          </a:prstGeom>
+          <a:noFill/>
+        </p:spPr>
+        <p:txBody>
+          <a:bodyPr wrap="square">
+            <a:spAutoFit/>
+          </a:bodyPr>
+          <a:lstStyle/>
+          <a:p>
+            <a:r>
+              <a:rPr lang="en-US" altLang="ko-Kore-KR" dirty="0">
+                <a:latin typeface="DM Mono" panose="020B0509040201040103" pitchFamily="49" charset="0"/>
+              </a:rPr>
+              <a:t>p2</a:t>
+            </a:r>
+            <a:endParaRPr lang="ko-Kore-KR" altLang="en-US" dirty="0"/>
+          </a:p>
+        </p:txBody>
+      </p:sp>
+      <p:sp>
+        <p:nvSpPr>
+          <p:cNvPr id="16" name="TextBox 15">
+            <a:extLst>
+              <a:ext uri="{FF2B5EF4-FFF2-40B4-BE49-F238E27FC236}">
+                <a16:creationId xmlns:a16="http://schemas.microsoft.com/office/drawing/2014/main" id="{77244DE7-CA58-A439-70AA-3EF55890083D}"/>
+              </a:ext>
+            </a:extLst>
+          </p:cNvPr>
+          <p:cNvSpPr txBox="1"/>
+          <p:nvPr/>
+        </p:nvSpPr>
+        <p:spPr>
+          <a:xfrm>
+            <a:off x="7929477" y="1139560"/>
+            <a:ext cx="361229" cy="369332"/>
+          </a:xfrm>
+          <a:prstGeom prst="rect">
+            <a:avLst/>
+          </a:prstGeom>
+          <a:noFill/>
+        </p:spPr>
+        <p:txBody>
+          <a:bodyPr wrap="square">
+            <a:spAutoFit/>
+          </a:bodyPr>
+          <a:lstStyle/>
+          <a:p>
+            <a:r>
+              <a:rPr lang="en-US" altLang="ko-Kore-KR" dirty="0">
+                <a:latin typeface="DM Mono" panose="020B0509040201040103" pitchFamily="49" charset="0"/>
+              </a:rPr>
+              <a:t>x</a:t>
+            </a:r>
+            <a:endParaRPr lang="ko-Kore-KR" altLang="en-US" dirty="0"/>
+          </a:p>
+        </p:txBody>
+      </p:sp>
+      <p:sp>
+        <p:nvSpPr>
+          <p:cNvPr id="17" name="직사각형 16">
+            <a:extLst>
+              <a:ext uri="{FF2B5EF4-FFF2-40B4-BE49-F238E27FC236}">
+                <a16:creationId xmlns:a16="http://schemas.microsoft.com/office/drawing/2014/main" id="{64BB7848-AD18-B460-5889-3708F679E9B5}"/>
+              </a:ext>
+            </a:extLst>
+          </p:cNvPr>
+          <p:cNvSpPr/>
+          <p:nvPr/>
+        </p:nvSpPr>
+        <p:spPr>
+          <a:xfrm>
+            <a:off x="8290706" y="1604584"/>
+            <a:ext cx="1242204" cy="543464"/>
+          </a:xfrm>
+          <a:prstGeom prst="rect">
+            <a:avLst/>
+          </a:prstGeom>
+          <a:solidFill>
+            <a:srgbClr val="FFFF00"/>
+          </a:solidFill>
+        </p:spPr>
+        <p:style>
+          <a:lnRef idx="2">
+            <a:schemeClr val="accent4">
+              <a:shade val="50000"/>
+            </a:schemeClr>
+          </a:lnRef>
+          <a:fillRef idx="1">
+            <a:schemeClr val="accent4"/>
+          </a:fillRef>
+          <a:effectRef idx="0">
+            <a:schemeClr val="accent4"/>
+          </a:effectRef>
+          <a:fontRef idx="minor">
+            <a:schemeClr val="lt1"/>
+          </a:fontRef>
+        </p:style>
+        <p:txBody>
+          <a:bodyPr rtlCol="0" anchor="ctr"/>
+          <a:lstStyle/>
+          <a:p>
+            <a:pPr algn="ctr"/>
+            <a:r>
+              <a:rPr kumimoji="1" lang="en-US" altLang="ko-Kore-KR" sz="1600" dirty="0">
+                <a:solidFill>
+                  <a:schemeClr val="tx1"/>
+                </a:solidFill>
+                <a:latin typeface="DM Mono" panose="020B0509040201040103" pitchFamily="49" charset="0"/>
+              </a:rPr>
+              <a:t>40</a:t>
+            </a:r>
+            <a:endParaRPr kumimoji="1" lang="ko-Kore-KR" altLang="en-US" sz="1600" dirty="0">
+              <a:solidFill>
+                <a:schemeClr val="tx1"/>
+              </a:solidFill>
+              <a:latin typeface="DM Mono" panose="020B0509040201040103" pitchFamily="49" charset="0"/>
+            </a:endParaRPr>
+          </a:p>
+        </p:txBody>
+      </p:sp>
+      <p:sp>
+        <p:nvSpPr>
+          <p:cNvPr id="18" name="TextBox 17">
+            <a:extLst>
+              <a:ext uri="{FF2B5EF4-FFF2-40B4-BE49-F238E27FC236}">
+                <a16:creationId xmlns:a16="http://schemas.microsoft.com/office/drawing/2014/main" id="{4ACA1E14-3F69-3BE7-672B-275A2DED7925}"/>
+              </a:ext>
+            </a:extLst>
+          </p:cNvPr>
+          <p:cNvSpPr txBox="1"/>
+          <p:nvPr/>
+        </p:nvSpPr>
+        <p:spPr>
+          <a:xfrm>
+            <a:off x="7929477" y="1691650"/>
+            <a:ext cx="361229" cy="369332"/>
+          </a:xfrm>
+          <a:prstGeom prst="rect">
+            <a:avLst/>
+          </a:prstGeom>
+          <a:noFill/>
+        </p:spPr>
+        <p:txBody>
+          <a:bodyPr wrap="square">
+            <a:spAutoFit/>
+          </a:bodyPr>
+          <a:lstStyle/>
+          <a:p>
+            <a:r>
+              <a:rPr lang="en-US" altLang="ko-Kore-KR" dirty="0">
+                <a:latin typeface="DM Mono" panose="020B0509040201040103" pitchFamily="49" charset="0"/>
+              </a:rPr>
+              <a:t>y</a:t>
+            </a:r>
+            <a:endParaRPr lang="ko-Kore-KR" altLang="en-US" dirty="0"/>
+          </a:p>
+        </p:txBody>
+      </p:sp>
+      <p:sp>
+        <p:nvSpPr>
+          <p:cNvPr id="20" name="TextBox 19">
+            <a:extLst>
+              <a:ext uri="{FF2B5EF4-FFF2-40B4-BE49-F238E27FC236}">
+                <a16:creationId xmlns:a16="http://schemas.microsoft.com/office/drawing/2014/main" id="{73B27EAE-3DDB-DBDF-C9DD-4E03AEED301C}"/>
+              </a:ext>
+            </a:extLst>
+          </p:cNvPr>
+          <p:cNvSpPr txBox="1"/>
+          <p:nvPr/>
+        </p:nvSpPr>
+        <p:spPr>
+          <a:xfrm>
+            <a:off x="5012667" y="4074946"/>
+            <a:ext cx="6719977" cy="1477328"/>
+          </a:xfrm>
+          <a:prstGeom prst="rect">
+            <a:avLst/>
+          </a:prstGeom>
+          <a:noFill/>
+        </p:spPr>
+        <p:txBody>
+          <a:bodyPr wrap="square">
+            <a:spAutoFit/>
+          </a:bodyPr>
+          <a:lstStyle/>
+          <a:p>
+            <a:r>
+              <a:rPr lang="ko-Kore-KR" altLang="en-US" dirty="0">
+                <a:latin typeface="DM Mono" panose="020B0509040201040103" pitchFamily="49" charset="0"/>
+              </a:rPr>
+              <a:t> void Set(</a:t>
+            </a:r>
+            <a:r>
+              <a:rPr lang="en-US" altLang="ko-Kore-KR" dirty="0">
+                <a:solidFill>
+                  <a:srgbClr val="FF0000"/>
+                </a:solidFill>
+                <a:latin typeface="DM Mono" panose="020B0509040201040103" pitchFamily="49" charset="0"/>
+              </a:rPr>
+              <a:t>Point* this, </a:t>
+            </a:r>
+            <a:r>
+              <a:rPr lang="ko-Kore-KR" altLang="en-US" dirty="0">
+                <a:latin typeface="DM Mono" panose="020B0509040201040103" pitchFamily="49" charset="0"/>
+              </a:rPr>
+              <a:t>int a, int b)</a:t>
+            </a:r>
+          </a:p>
+          <a:p>
+            <a:r>
+              <a:rPr lang="en-US" altLang="ko-Kore-KR" dirty="0">
+                <a:latin typeface="DM Mono" panose="020B0509040201040103" pitchFamily="49" charset="0"/>
+              </a:rPr>
+              <a:t> </a:t>
+            </a:r>
+            <a:r>
+              <a:rPr lang="ko-Kore-KR" altLang="en-US" dirty="0">
+                <a:latin typeface="DM Mono" panose="020B0509040201040103" pitchFamily="49" charset="0"/>
+              </a:rPr>
+              <a:t>{</a:t>
+            </a:r>
+          </a:p>
+          <a:p>
+            <a:r>
+              <a:rPr lang="ko-Kore-KR" altLang="en-US" dirty="0">
+                <a:latin typeface="DM Mono" panose="020B0509040201040103" pitchFamily="49" charset="0"/>
+              </a:rPr>
+              <a:t>   </a:t>
+            </a:r>
+            <a:r>
+              <a:rPr lang="en-US" altLang="ko-Kore-KR" dirty="0">
+                <a:solidFill>
+                  <a:srgbClr val="FF0000"/>
+                </a:solidFill>
+                <a:latin typeface="DM Mono" panose="020B0509040201040103" pitchFamily="49" charset="0"/>
+              </a:rPr>
+              <a:t>this-&gt;</a:t>
+            </a:r>
+            <a:r>
+              <a:rPr lang="ko-Kore-KR" altLang="en-US" dirty="0">
+                <a:latin typeface="DM Mono" panose="020B0509040201040103" pitchFamily="49" charset="0"/>
+              </a:rPr>
+              <a:t>x = a;</a:t>
+            </a:r>
+          </a:p>
+          <a:p>
+            <a:r>
+              <a:rPr lang="ko-Kore-KR" altLang="en-US" dirty="0">
+                <a:latin typeface="DM Mono" panose="020B0509040201040103" pitchFamily="49" charset="0"/>
+              </a:rPr>
+              <a:t>   </a:t>
+            </a:r>
+            <a:r>
+              <a:rPr lang="en-US" altLang="ko-Kore-KR" dirty="0">
+                <a:solidFill>
+                  <a:srgbClr val="FF0000"/>
+                </a:solidFill>
+                <a:latin typeface="DM Mono" panose="020B0509040201040103" pitchFamily="49" charset="0"/>
+              </a:rPr>
+              <a:t>this-&gt;</a:t>
+            </a:r>
+            <a:r>
+              <a:rPr lang="ko-Kore-KR" altLang="en-US" dirty="0">
+                <a:latin typeface="DM Mono" panose="020B0509040201040103" pitchFamily="49" charset="0"/>
+              </a:rPr>
+              <a:t>y = b;</a:t>
+            </a:r>
+          </a:p>
+          <a:p>
+            <a:r>
+              <a:rPr lang="ko-Kore-KR" altLang="en-US" dirty="0">
+                <a:latin typeface="DM Mono" panose="020B0509040201040103" pitchFamily="49" charset="0"/>
+              </a:rPr>
+              <a:t> }</a:t>
+            </a:r>
+            <a:endParaRPr lang="ko-Kore-KR" altLang="en-US" dirty="0"/>
+          </a:p>
+        </p:txBody>
+      </p:sp>
+      <p:cxnSp>
+        <p:nvCxnSpPr>
+          <p:cNvPr id="23" name="구부러진 연결선[U] 22">
+            <a:extLst>
+              <a:ext uri="{FF2B5EF4-FFF2-40B4-BE49-F238E27FC236}">
+                <a16:creationId xmlns:a16="http://schemas.microsoft.com/office/drawing/2014/main" id="{7890510B-B95D-B91B-0CD1-9104A92C9CBE}"/>
+              </a:ext>
+            </a:extLst>
+          </p:cNvPr>
+          <p:cNvCxnSpPr>
+            <a:cxnSpLocks/>
+            <a:endCxn id="14" idx="3"/>
+          </p:cNvCxnSpPr>
+          <p:nvPr/>
+        </p:nvCxnSpPr>
+        <p:spPr>
+          <a:xfrm rot="5400000" flipH="1" flipV="1">
+            <a:off x="7108254" y="1788526"/>
+            <a:ext cx="2888956" cy="1960356"/>
+          </a:xfrm>
+          <a:prstGeom prst="curvedConnector4">
+            <a:avLst>
+              <a:gd name="adj1" fmla="val 45297"/>
+              <a:gd name="adj2" fmla="val 145544"/>
+            </a:avLst>
+          </a:prstGeom>
+          <a:ln>
+            <a:tailEnd type="triangle"/>
+          </a:ln>
+        </p:spPr>
+        <p:style>
+          <a:lnRef idx="1">
+            <a:schemeClr val="dk1"/>
+          </a:lnRef>
+          <a:fillRef idx="0">
+            <a:schemeClr val="dk1"/>
+          </a:fillRef>
+          <a:effectRef idx="0">
+            <a:schemeClr val="dk1"/>
+          </a:effectRef>
+          <a:fontRef idx="minor">
+            <a:schemeClr val="tx1"/>
+          </a:fontRef>
+        </p:style>
+      </p:cxnSp>
+    </p:spTree>
+    <p:extLst>
+      <p:ext uri="{BB962C8B-B14F-4D97-AF65-F5344CB8AC3E}">
+        <p14:creationId xmlns:p14="http://schemas.microsoft.com/office/powerpoint/2010/main" val="224171855"/>
+      </p:ext>
+    </p:extLst>
+  </p:cSld>
+  <p:clrMapOvr>
+    <a:masterClrMapping/>
+  </p:clrMapOvr>
+</p:sld>
+</file>
+
 <file path=ppt/slides/slide2.xml><?xml version="1.0" encoding="utf-8"?>
 <p:sld xmlns:a="http://schemas.openxmlformats.org/drawingml/2006/main" xmlns:r="http://schemas.openxmlformats.org/officeDocument/2006/relationships" xmlns:p="http://schemas.openxmlformats.org/presentationml/2006/main">
   <p:cSld>
@@ -5981,6 +6959,2862 @@
     <p:extLst>
       <p:ext uri="{BB962C8B-B14F-4D97-AF65-F5344CB8AC3E}">
         <p14:creationId xmlns:p14="http://schemas.microsoft.com/office/powerpoint/2010/main" val="3633232432"/>
+      </p:ext>
+    </p:extLst>
+  </p:cSld>
+  <p:clrMapOvr>
+    <a:masterClrMapping/>
+  </p:clrMapOvr>
+</p:sld>
+</file>
+
+<file path=ppt/slides/slide7.xml><?xml version="1.0" encoding="utf-8"?>
+<p:sld xmlns:a="http://schemas.openxmlformats.org/drawingml/2006/main" xmlns:r="http://schemas.openxmlformats.org/officeDocument/2006/relationships" xmlns:p="http://schemas.openxmlformats.org/presentationml/2006/main">
+  <p:cSld>
+    <p:spTree>
+      <p:nvGrpSpPr>
+        <p:cNvPr id="1" name=""/>
+        <p:cNvGrpSpPr/>
+        <p:nvPr/>
+      </p:nvGrpSpPr>
+      <p:grpSpPr>
+        <a:xfrm>
+          <a:off x="0" y="0"/>
+          <a:ext cx="0" cy="0"/>
+          <a:chOff x="0" y="0"/>
+          <a:chExt cx="0" cy="0"/>
+        </a:xfrm>
+      </p:grpSpPr>
+      <p:sp>
+        <p:nvSpPr>
+          <p:cNvPr id="5" name="TextBox 4">
+            <a:extLst>
+              <a:ext uri="{FF2B5EF4-FFF2-40B4-BE49-F238E27FC236}">
+                <a16:creationId xmlns:a16="http://schemas.microsoft.com/office/drawing/2014/main" id="{BB53FD4A-3836-3E44-4FE5-590647D521DB}"/>
+              </a:ext>
+            </a:extLst>
+          </p:cNvPr>
+          <p:cNvSpPr txBox="1"/>
+          <p:nvPr/>
+        </p:nvSpPr>
+        <p:spPr>
+          <a:xfrm>
+            <a:off x="459356" y="242863"/>
+            <a:ext cx="4173029" cy="5078313"/>
+          </a:xfrm>
+          <a:prstGeom prst="rect">
+            <a:avLst/>
+          </a:prstGeom>
+          <a:noFill/>
+        </p:spPr>
+        <p:txBody>
+          <a:bodyPr wrap="square">
+            <a:spAutoFit/>
+          </a:bodyPr>
+          <a:lstStyle/>
+          <a:p>
+            <a:r>
+              <a:rPr lang="ko-Kore-KR" altLang="en-US" dirty="0">
+                <a:latin typeface="DM Mono" panose="020B0509040201040103" pitchFamily="49" charset="0"/>
+              </a:rPr>
+              <a:t>class Point {</a:t>
+            </a:r>
+          </a:p>
+          <a:p>
+            <a:r>
+              <a:rPr lang="ko-Kore-KR" altLang="en-US" dirty="0">
+                <a:latin typeface="DM Mono" panose="020B0509040201040103" pitchFamily="49" charset="0"/>
+              </a:rPr>
+              <a:t>    int x;</a:t>
+            </a:r>
+          </a:p>
+          <a:p>
+            <a:r>
+              <a:rPr lang="ko-Kore-KR" altLang="en-US" dirty="0">
+                <a:latin typeface="DM Mono" panose="020B0509040201040103" pitchFamily="49" charset="0"/>
+              </a:rPr>
+              <a:t>    int y;</a:t>
+            </a:r>
+          </a:p>
+          <a:p>
+            <a:endParaRPr lang="ko-Kore-KR" altLang="en-US" dirty="0">
+              <a:latin typeface="DM Mono" panose="020B0509040201040103" pitchFamily="49" charset="0"/>
+            </a:endParaRPr>
+          </a:p>
+          <a:p>
+            <a:r>
+              <a:rPr lang="ko-Kore-KR" altLang="en-US" dirty="0">
+                <a:latin typeface="DM Mono" panose="020B0509040201040103" pitchFamily="49" charset="0"/>
+              </a:rPr>
+              <a:t>public:</a:t>
+            </a:r>
+          </a:p>
+          <a:p>
+            <a:r>
+              <a:rPr lang="ko-Kore-KR" altLang="en-US" dirty="0">
+                <a:latin typeface="DM Mono" panose="020B0509040201040103" pitchFamily="49" charset="0"/>
+              </a:rPr>
+              <a:t>    void Set(int a, int b)</a:t>
+            </a:r>
+          </a:p>
+          <a:p>
+            <a:r>
+              <a:rPr lang="ko-Kore-KR" altLang="en-US" dirty="0">
+                <a:latin typeface="DM Mono" panose="020B0509040201040103" pitchFamily="49" charset="0"/>
+              </a:rPr>
+              <a:t>    {</a:t>
+            </a:r>
+          </a:p>
+          <a:p>
+            <a:r>
+              <a:rPr lang="ko-Kore-KR" altLang="en-US" dirty="0">
+                <a:latin typeface="DM Mono" panose="020B0509040201040103" pitchFamily="49" charset="0"/>
+              </a:rPr>
+              <a:t>        x = a;</a:t>
+            </a:r>
+          </a:p>
+          <a:p>
+            <a:r>
+              <a:rPr lang="ko-Kore-KR" altLang="en-US" dirty="0">
+                <a:latin typeface="DM Mono" panose="020B0509040201040103" pitchFamily="49" charset="0"/>
+              </a:rPr>
+              <a:t>        y = b;</a:t>
+            </a:r>
+          </a:p>
+          <a:p>
+            <a:r>
+              <a:rPr lang="ko-Kore-KR" altLang="en-US" dirty="0">
+                <a:latin typeface="DM Mono" panose="020B0509040201040103" pitchFamily="49" charset="0"/>
+              </a:rPr>
+              <a:t>    }</a:t>
+            </a:r>
+          </a:p>
+          <a:p>
+            <a:r>
+              <a:rPr lang="ko-Kore-KR" altLang="en-US" dirty="0">
+                <a:latin typeface="DM Mono" panose="020B0509040201040103" pitchFamily="49" charset="0"/>
+              </a:rPr>
+              <a:t>};</a:t>
+            </a:r>
+          </a:p>
+          <a:p>
+            <a:endParaRPr lang="ko-Kore-KR" altLang="en-US" dirty="0">
+              <a:latin typeface="DM Mono" panose="020B0509040201040103" pitchFamily="49" charset="0"/>
+            </a:endParaRPr>
+          </a:p>
+          <a:p>
+            <a:r>
+              <a:rPr lang="ko-Kore-KR" altLang="en-US" dirty="0">
+                <a:latin typeface="DM Mono" panose="020B0509040201040103" pitchFamily="49" charset="0"/>
+              </a:rPr>
+              <a:t>int main()</a:t>
+            </a:r>
+          </a:p>
+          <a:p>
+            <a:r>
+              <a:rPr lang="ko-Kore-KR" altLang="en-US" dirty="0">
+                <a:latin typeface="DM Mono" panose="020B0509040201040103" pitchFamily="49" charset="0"/>
+              </a:rPr>
+              <a:t>{</a:t>
+            </a:r>
+          </a:p>
+          <a:p>
+            <a:r>
+              <a:rPr lang="ko-Kore-KR" altLang="en-US" dirty="0">
+                <a:latin typeface="DM Mono" panose="020B0509040201040103" pitchFamily="49" charset="0"/>
+              </a:rPr>
+              <a:t>    Point p1, p2;</a:t>
+            </a:r>
+          </a:p>
+          <a:p>
+            <a:r>
+              <a:rPr lang="ko-Kore-KR" altLang="en-US" dirty="0">
+                <a:latin typeface="DM Mono" panose="020B0509040201040103" pitchFamily="49" charset="0"/>
+              </a:rPr>
+              <a:t>    p1.Set(10, 20);</a:t>
+            </a:r>
+          </a:p>
+          <a:p>
+            <a:r>
+              <a:rPr lang="ko-Kore-KR" altLang="en-US" dirty="0">
+                <a:latin typeface="DM Mono" panose="020B0509040201040103" pitchFamily="49" charset="0"/>
+              </a:rPr>
+              <a:t>    p2.Set(30, 40);</a:t>
+            </a:r>
+          </a:p>
+          <a:p>
+            <a:r>
+              <a:rPr lang="ko-Kore-KR" altLang="en-US" dirty="0">
+                <a:latin typeface="DM Mono" panose="020B0509040201040103" pitchFamily="49" charset="0"/>
+              </a:rPr>
+              <a:t>}</a:t>
+            </a:r>
+          </a:p>
+        </p:txBody>
+      </p:sp>
+      <p:sp>
+        <p:nvSpPr>
+          <p:cNvPr id="6" name="직사각형 5">
+            <a:extLst>
+              <a:ext uri="{FF2B5EF4-FFF2-40B4-BE49-F238E27FC236}">
+                <a16:creationId xmlns:a16="http://schemas.microsoft.com/office/drawing/2014/main" id="{74974F39-C98A-803A-2DCB-7CB7F7EE1EF3}"/>
+              </a:ext>
+            </a:extLst>
+          </p:cNvPr>
+          <p:cNvSpPr/>
+          <p:nvPr/>
+        </p:nvSpPr>
+        <p:spPr>
+          <a:xfrm>
+            <a:off x="4735900" y="1233225"/>
+            <a:ext cx="4891177" cy="2665563"/>
+          </a:xfrm>
+          <a:prstGeom prst="rect">
+            <a:avLst/>
+          </a:prstGeom>
+          <a:solidFill>
+            <a:schemeClr val="bg1"/>
+          </a:solidFill>
+        </p:spPr>
+        <p:style>
+          <a:lnRef idx="2">
+            <a:schemeClr val="accent1">
+              <a:shade val="50000"/>
+            </a:schemeClr>
+          </a:lnRef>
+          <a:fillRef idx="1">
+            <a:schemeClr val="accent1"/>
+          </a:fillRef>
+          <a:effectRef idx="0">
+            <a:schemeClr val="accent1"/>
+          </a:effectRef>
+          <a:fontRef idx="minor">
+            <a:schemeClr val="lt1"/>
+          </a:fontRef>
+        </p:style>
+        <p:txBody>
+          <a:bodyPr rtlCol="0" anchor="ctr"/>
+          <a:lstStyle/>
+          <a:p>
+            <a:pPr algn="ctr"/>
+            <a:endParaRPr kumimoji="1" lang="ko-Kore-KR" altLang="en-US"/>
+          </a:p>
+        </p:txBody>
+      </p:sp>
+      <p:sp>
+        <p:nvSpPr>
+          <p:cNvPr id="7" name="TextBox 6">
+            <a:extLst>
+              <a:ext uri="{FF2B5EF4-FFF2-40B4-BE49-F238E27FC236}">
+                <a16:creationId xmlns:a16="http://schemas.microsoft.com/office/drawing/2014/main" id="{450134DE-FD3D-FCE6-785E-142B9B7F9E19}"/>
+              </a:ext>
+            </a:extLst>
+          </p:cNvPr>
+          <p:cNvSpPr txBox="1"/>
+          <p:nvPr/>
+        </p:nvSpPr>
+        <p:spPr>
+          <a:xfrm>
+            <a:off x="6764186" y="863893"/>
+            <a:ext cx="834606" cy="369332"/>
+          </a:xfrm>
+          <a:prstGeom prst="rect">
+            <a:avLst/>
+          </a:prstGeom>
+          <a:noFill/>
+        </p:spPr>
+        <p:txBody>
+          <a:bodyPr wrap="square">
+            <a:spAutoFit/>
+          </a:bodyPr>
+          <a:lstStyle/>
+          <a:p>
+            <a:r>
+              <a:rPr lang="ko-Kore-KR" altLang="en-US" sz="1800" dirty="0">
+                <a:latin typeface="DM Mono" panose="020B0509040201040103" pitchFamily="49" charset="0"/>
+              </a:rPr>
+              <a:t>main</a:t>
+            </a:r>
+            <a:endParaRPr lang="ko-Kore-KR" altLang="en-US" dirty="0"/>
+          </a:p>
+        </p:txBody>
+      </p:sp>
+      <p:sp>
+        <p:nvSpPr>
+          <p:cNvPr id="8" name="직사각형 7">
+            <a:extLst>
+              <a:ext uri="{FF2B5EF4-FFF2-40B4-BE49-F238E27FC236}">
+                <a16:creationId xmlns:a16="http://schemas.microsoft.com/office/drawing/2014/main" id="{99851F65-54A1-35C0-B7BE-41B34951B52E}"/>
+              </a:ext>
+            </a:extLst>
+          </p:cNvPr>
+          <p:cNvSpPr/>
+          <p:nvPr/>
+        </p:nvSpPr>
+        <p:spPr>
+          <a:xfrm>
+            <a:off x="5451894" y="1664898"/>
+            <a:ext cx="1242204" cy="543464"/>
+          </a:xfrm>
+          <a:prstGeom prst="rect">
+            <a:avLst/>
+          </a:prstGeom>
+          <a:solidFill>
+            <a:srgbClr val="FFFF00"/>
+          </a:solidFill>
+        </p:spPr>
+        <p:style>
+          <a:lnRef idx="2">
+            <a:schemeClr val="accent4">
+              <a:shade val="50000"/>
+            </a:schemeClr>
+          </a:lnRef>
+          <a:fillRef idx="1">
+            <a:schemeClr val="accent4"/>
+          </a:fillRef>
+          <a:effectRef idx="0">
+            <a:schemeClr val="accent4"/>
+          </a:effectRef>
+          <a:fontRef idx="minor">
+            <a:schemeClr val="lt1"/>
+          </a:fontRef>
+        </p:style>
+        <p:txBody>
+          <a:bodyPr rtlCol="0" anchor="ctr"/>
+          <a:lstStyle/>
+          <a:p>
+            <a:pPr algn="ctr"/>
+            <a:endParaRPr kumimoji="1" lang="ko-Kore-KR" altLang="en-US" sz="1600" dirty="0">
+              <a:solidFill>
+                <a:schemeClr val="tx1"/>
+              </a:solidFill>
+              <a:latin typeface="DM Mono" panose="020B0509040201040103" pitchFamily="49" charset="0"/>
+            </a:endParaRPr>
+          </a:p>
+        </p:txBody>
+      </p:sp>
+      <p:sp>
+        <p:nvSpPr>
+          <p:cNvPr id="9" name="TextBox 8">
+            <a:extLst>
+              <a:ext uri="{FF2B5EF4-FFF2-40B4-BE49-F238E27FC236}">
+                <a16:creationId xmlns:a16="http://schemas.microsoft.com/office/drawing/2014/main" id="{E8786816-AD3D-C4AC-4D56-14C5BFFAD6B0}"/>
+              </a:ext>
+            </a:extLst>
+          </p:cNvPr>
+          <p:cNvSpPr txBox="1"/>
+          <p:nvPr/>
+        </p:nvSpPr>
+        <p:spPr>
+          <a:xfrm>
+            <a:off x="5815282" y="1295566"/>
+            <a:ext cx="515428" cy="369332"/>
+          </a:xfrm>
+          <a:prstGeom prst="rect">
+            <a:avLst/>
+          </a:prstGeom>
+          <a:noFill/>
+        </p:spPr>
+        <p:txBody>
+          <a:bodyPr wrap="square">
+            <a:spAutoFit/>
+          </a:bodyPr>
+          <a:lstStyle/>
+          <a:p>
+            <a:r>
+              <a:rPr lang="en-US" altLang="ko-Kore-KR" dirty="0">
+                <a:latin typeface="DM Mono" panose="020B0509040201040103" pitchFamily="49" charset="0"/>
+              </a:rPr>
+              <a:t>p1</a:t>
+            </a:r>
+            <a:endParaRPr lang="ko-Kore-KR" altLang="en-US" dirty="0"/>
+          </a:p>
+        </p:txBody>
+      </p:sp>
+      <p:sp>
+        <p:nvSpPr>
+          <p:cNvPr id="10" name="TextBox 9">
+            <a:extLst>
+              <a:ext uri="{FF2B5EF4-FFF2-40B4-BE49-F238E27FC236}">
+                <a16:creationId xmlns:a16="http://schemas.microsoft.com/office/drawing/2014/main" id="{14109F8E-AD45-52BC-8004-1B02D7227A7E}"/>
+              </a:ext>
+            </a:extLst>
+          </p:cNvPr>
+          <p:cNvSpPr txBox="1"/>
+          <p:nvPr/>
+        </p:nvSpPr>
+        <p:spPr>
+          <a:xfrm>
+            <a:off x="5090665" y="1751964"/>
+            <a:ext cx="361229" cy="369332"/>
+          </a:xfrm>
+          <a:prstGeom prst="rect">
+            <a:avLst/>
+          </a:prstGeom>
+          <a:noFill/>
+        </p:spPr>
+        <p:txBody>
+          <a:bodyPr wrap="square">
+            <a:spAutoFit/>
+          </a:bodyPr>
+          <a:lstStyle/>
+          <a:p>
+            <a:r>
+              <a:rPr lang="en-US" altLang="ko-Kore-KR" dirty="0">
+                <a:latin typeface="DM Mono" panose="020B0509040201040103" pitchFamily="49" charset="0"/>
+              </a:rPr>
+              <a:t>x</a:t>
+            </a:r>
+            <a:endParaRPr lang="ko-Kore-KR" altLang="en-US" dirty="0"/>
+          </a:p>
+        </p:txBody>
+      </p:sp>
+      <p:sp>
+        <p:nvSpPr>
+          <p:cNvPr id="12" name="직사각형 11">
+            <a:extLst>
+              <a:ext uri="{FF2B5EF4-FFF2-40B4-BE49-F238E27FC236}">
+                <a16:creationId xmlns:a16="http://schemas.microsoft.com/office/drawing/2014/main" id="{DF6B8C4D-5989-3181-DC09-BCCCF9F81E9F}"/>
+              </a:ext>
+            </a:extLst>
+          </p:cNvPr>
+          <p:cNvSpPr/>
+          <p:nvPr/>
+        </p:nvSpPr>
+        <p:spPr>
+          <a:xfrm>
+            <a:off x="5451894" y="2216988"/>
+            <a:ext cx="1242204" cy="543464"/>
+          </a:xfrm>
+          <a:prstGeom prst="rect">
+            <a:avLst/>
+          </a:prstGeom>
+          <a:solidFill>
+            <a:srgbClr val="FFFF00"/>
+          </a:solidFill>
+        </p:spPr>
+        <p:style>
+          <a:lnRef idx="2">
+            <a:schemeClr val="accent4">
+              <a:shade val="50000"/>
+            </a:schemeClr>
+          </a:lnRef>
+          <a:fillRef idx="1">
+            <a:schemeClr val="accent4"/>
+          </a:fillRef>
+          <a:effectRef idx="0">
+            <a:schemeClr val="accent4"/>
+          </a:effectRef>
+          <a:fontRef idx="minor">
+            <a:schemeClr val="lt1"/>
+          </a:fontRef>
+        </p:style>
+        <p:txBody>
+          <a:bodyPr rtlCol="0" anchor="ctr"/>
+          <a:lstStyle/>
+          <a:p>
+            <a:pPr algn="ctr"/>
+            <a:endParaRPr kumimoji="1" lang="ko-Kore-KR" altLang="en-US" sz="1600" dirty="0">
+              <a:solidFill>
+                <a:schemeClr val="tx1"/>
+              </a:solidFill>
+              <a:latin typeface="DM Mono" panose="020B0509040201040103" pitchFamily="49" charset="0"/>
+            </a:endParaRPr>
+          </a:p>
+        </p:txBody>
+      </p:sp>
+      <p:sp>
+        <p:nvSpPr>
+          <p:cNvPr id="13" name="TextBox 12">
+            <a:extLst>
+              <a:ext uri="{FF2B5EF4-FFF2-40B4-BE49-F238E27FC236}">
+                <a16:creationId xmlns:a16="http://schemas.microsoft.com/office/drawing/2014/main" id="{21D884D0-DB52-17B3-6DB1-9A80ADF3BA02}"/>
+              </a:ext>
+            </a:extLst>
+          </p:cNvPr>
+          <p:cNvSpPr txBox="1"/>
+          <p:nvPr/>
+        </p:nvSpPr>
+        <p:spPr>
+          <a:xfrm>
+            <a:off x="5090665" y="2304054"/>
+            <a:ext cx="361229" cy="369332"/>
+          </a:xfrm>
+          <a:prstGeom prst="rect">
+            <a:avLst/>
+          </a:prstGeom>
+          <a:noFill/>
+        </p:spPr>
+        <p:txBody>
+          <a:bodyPr wrap="square">
+            <a:spAutoFit/>
+          </a:bodyPr>
+          <a:lstStyle/>
+          <a:p>
+            <a:r>
+              <a:rPr lang="en-US" altLang="ko-Kore-KR" dirty="0">
+                <a:latin typeface="DM Mono" panose="020B0509040201040103" pitchFamily="49" charset="0"/>
+              </a:rPr>
+              <a:t>y</a:t>
+            </a:r>
+            <a:endParaRPr lang="ko-Kore-KR" altLang="en-US" dirty="0"/>
+          </a:p>
+        </p:txBody>
+      </p:sp>
+      <p:sp>
+        <p:nvSpPr>
+          <p:cNvPr id="14" name="직사각형 13">
+            <a:extLst>
+              <a:ext uri="{FF2B5EF4-FFF2-40B4-BE49-F238E27FC236}">
+                <a16:creationId xmlns:a16="http://schemas.microsoft.com/office/drawing/2014/main" id="{EEB0C483-2D37-A589-2D2E-519EB7B4DF38}"/>
+              </a:ext>
+            </a:extLst>
+          </p:cNvPr>
+          <p:cNvSpPr/>
+          <p:nvPr/>
+        </p:nvSpPr>
+        <p:spPr>
+          <a:xfrm>
+            <a:off x="7410092" y="1673524"/>
+            <a:ext cx="1242204" cy="543464"/>
+          </a:xfrm>
+          <a:prstGeom prst="rect">
+            <a:avLst/>
+          </a:prstGeom>
+          <a:solidFill>
+            <a:srgbClr val="FFFF00"/>
+          </a:solidFill>
+        </p:spPr>
+        <p:style>
+          <a:lnRef idx="2">
+            <a:schemeClr val="accent4">
+              <a:shade val="50000"/>
+            </a:schemeClr>
+          </a:lnRef>
+          <a:fillRef idx="1">
+            <a:schemeClr val="accent4"/>
+          </a:fillRef>
+          <a:effectRef idx="0">
+            <a:schemeClr val="accent4"/>
+          </a:effectRef>
+          <a:fontRef idx="minor">
+            <a:schemeClr val="lt1"/>
+          </a:fontRef>
+        </p:style>
+        <p:txBody>
+          <a:bodyPr rtlCol="0" anchor="ctr"/>
+          <a:lstStyle/>
+          <a:p>
+            <a:pPr algn="ctr"/>
+            <a:endParaRPr kumimoji="1" lang="ko-Kore-KR" altLang="en-US" sz="1600" dirty="0">
+              <a:solidFill>
+                <a:schemeClr val="tx1"/>
+              </a:solidFill>
+              <a:latin typeface="DM Mono" panose="020B0509040201040103" pitchFamily="49" charset="0"/>
+            </a:endParaRPr>
+          </a:p>
+        </p:txBody>
+      </p:sp>
+      <p:sp>
+        <p:nvSpPr>
+          <p:cNvPr id="15" name="TextBox 14">
+            <a:extLst>
+              <a:ext uri="{FF2B5EF4-FFF2-40B4-BE49-F238E27FC236}">
+                <a16:creationId xmlns:a16="http://schemas.microsoft.com/office/drawing/2014/main" id="{05D09AB7-04D4-1DF6-3F1A-FD39230A1EED}"/>
+              </a:ext>
+            </a:extLst>
+          </p:cNvPr>
+          <p:cNvSpPr txBox="1"/>
+          <p:nvPr/>
+        </p:nvSpPr>
+        <p:spPr>
+          <a:xfrm>
+            <a:off x="7773480" y="1304192"/>
+            <a:ext cx="515428" cy="369332"/>
+          </a:xfrm>
+          <a:prstGeom prst="rect">
+            <a:avLst/>
+          </a:prstGeom>
+          <a:noFill/>
+        </p:spPr>
+        <p:txBody>
+          <a:bodyPr wrap="square">
+            <a:spAutoFit/>
+          </a:bodyPr>
+          <a:lstStyle/>
+          <a:p>
+            <a:r>
+              <a:rPr lang="en-US" altLang="ko-Kore-KR" dirty="0">
+                <a:latin typeface="DM Mono" panose="020B0509040201040103" pitchFamily="49" charset="0"/>
+              </a:rPr>
+              <a:t>p2</a:t>
+            </a:r>
+            <a:endParaRPr lang="ko-Kore-KR" altLang="en-US" dirty="0"/>
+          </a:p>
+        </p:txBody>
+      </p:sp>
+      <p:sp>
+        <p:nvSpPr>
+          <p:cNvPr id="16" name="TextBox 15">
+            <a:extLst>
+              <a:ext uri="{FF2B5EF4-FFF2-40B4-BE49-F238E27FC236}">
+                <a16:creationId xmlns:a16="http://schemas.microsoft.com/office/drawing/2014/main" id="{77244DE7-CA58-A439-70AA-3EF55890083D}"/>
+              </a:ext>
+            </a:extLst>
+          </p:cNvPr>
+          <p:cNvSpPr txBox="1"/>
+          <p:nvPr/>
+        </p:nvSpPr>
+        <p:spPr>
+          <a:xfrm>
+            <a:off x="7048863" y="1760590"/>
+            <a:ext cx="361229" cy="369332"/>
+          </a:xfrm>
+          <a:prstGeom prst="rect">
+            <a:avLst/>
+          </a:prstGeom>
+          <a:noFill/>
+        </p:spPr>
+        <p:txBody>
+          <a:bodyPr wrap="square">
+            <a:spAutoFit/>
+          </a:bodyPr>
+          <a:lstStyle/>
+          <a:p>
+            <a:r>
+              <a:rPr lang="en-US" altLang="ko-Kore-KR" dirty="0">
+                <a:latin typeface="DM Mono" panose="020B0509040201040103" pitchFamily="49" charset="0"/>
+              </a:rPr>
+              <a:t>x</a:t>
+            </a:r>
+            <a:endParaRPr lang="ko-Kore-KR" altLang="en-US" dirty="0"/>
+          </a:p>
+        </p:txBody>
+      </p:sp>
+      <p:sp>
+        <p:nvSpPr>
+          <p:cNvPr id="17" name="직사각형 16">
+            <a:extLst>
+              <a:ext uri="{FF2B5EF4-FFF2-40B4-BE49-F238E27FC236}">
+                <a16:creationId xmlns:a16="http://schemas.microsoft.com/office/drawing/2014/main" id="{64BB7848-AD18-B460-5889-3708F679E9B5}"/>
+              </a:ext>
+            </a:extLst>
+          </p:cNvPr>
+          <p:cNvSpPr/>
+          <p:nvPr/>
+        </p:nvSpPr>
+        <p:spPr>
+          <a:xfrm>
+            <a:off x="7410092" y="2225614"/>
+            <a:ext cx="1242204" cy="543464"/>
+          </a:xfrm>
+          <a:prstGeom prst="rect">
+            <a:avLst/>
+          </a:prstGeom>
+          <a:solidFill>
+            <a:srgbClr val="FFFF00"/>
+          </a:solidFill>
+        </p:spPr>
+        <p:style>
+          <a:lnRef idx="2">
+            <a:schemeClr val="accent4">
+              <a:shade val="50000"/>
+            </a:schemeClr>
+          </a:lnRef>
+          <a:fillRef idx="1">
+            <a:schemeClr val="accent4"/>
+          </a:fillRef>
+          <a:effectRef idx="0">
+            <a:schemeClr val="accent4"/>
+          </a:effectRef>
+          <a:fontRef idx="minor">
+            <a:schemeClr val="lt1"/>
+          </a:fontRef>
+        </p:style>
+        <p:txBody>
+          <a:bodyPr rtlCol="0" anchor="ctr"/>
+          <a:lstStyle/>
+          <a:p>
+            <a:pPr algn="ctr"/>
+            <a:endParaRPr kumimoji="1" lang="ko-Kore-KR" altLang="en-US" sz="1600" dirty="0">
+              <a:solidFill>
+                <a:schemeClr val="tx1"/>
+              </a:solidFill>
+              <a:latin typeface="DM Mono" panose="020B0509040201040103" pitchFamily="49" charset="0"/>
+            </a:endParaRPr>
+          </a:p>
+        </p:txBody>
+      </p:sp>
+      <p:sp>
+        <p:nvSpPr>
+          <p:cNvPr id="18" name="TextBox 17">
+            <a:extLst>
+              <a:ext uri="{FF2B5EF4-FFF2-40B4-BE49-F238E27FC236}">
+                <a16:creationId xmlns:a16="http://schemas.microsoft.com/office/drawing/2014/main" id="{4ACA1E14-3F69-3BE7-672B-275A2DED7925}"/>
+              </a:ext>
+            </a:extLst>
+          </p:cNvPr>
+          <p:cNvSpPr txBox="1"/>
+          <p:nvPr/>
+        </p:nvSpPr>
+        <p:spPr>
+          <a:xfrm>
+            <a:off x="7048863" y="2312680"/>
+            <a:ext cx="361229" cy="369332"/>
+          </a:xfrm>
+          <a:prstGeom prst="rect">
+            <a:avLst/>
+          </a:prstGeom>
+          <a:noFill/>
+        </p:spPr>
+        <p:txBody>
+          <a:bodyPr wrap="square">
+            <a:spAutoFit/>
+          </a:bodyPr>
+          <a:lstStyle/>
+          <a:p>
+            <a:r>
+              <a:rPr lang="en-US" altLang="ko-Kore-KR" dirty="0">
+                <a:latin typeface="DM Mono" panose="020B0509040201040103" pitchFamily="49" charset="0"/>
+              </a:rPr>
+              <a:t>y</a:t>
+            </a:r>
+            <a:endParaRPr lang="ko-Kore-KR" altLang="en-US" dirty="0"/>
+          </a:p>
+        </p:txBody>
+      </p:sp>
+      <p:sp>
+        <p:nvSpPr>
+          <p:cNvPr id="20" name="TextBox 19">
+            <a:extLst>
+              <a:ext uri="{FF2B5EF4-FFF2-40B4-BE49-F238E27FC236}">
+                <a16:creationId xmlns:a16="http://schemas.microsoft.com/office/drawing/2014/main" id="{73B27EAE-3DDB-DBDF-C9DD-4E03AEED301C}"/>
+              </a:ext>
+            </a:extLst>
+          </p:cNvPr>
+          <p:cNvSpPr txBox="1"/>
+          <p:nvPr/>
+        </p:nvSpPr>
+        <p:spPr>
+          <a:xfrm>
+            <a:off x="4735900" y="4260297"/>
+            <a:ext cx="3553008" cy="1477328"/>
+          </a:xfrm>
+          <a:prstGeom prst="rect">
+            <a:avLst/>
+          </a:prstGeom>
+          <a:noFill/>
+        </p:spPr>
+        <p:txBody>
+          <a:bodyPr wrap="square">
+            <a:spAutoFit/>
+          </a:bodyPr>
+          <a:lstStyle/>
+          <a:p>
+            <a:r>
+              <a:rPr lang="ko-Kore-KR" altLang="en-US" dirty="0">
+                <a:latin typeface="DM Mono" panose="020B0509040201040103" pitchFamily="49" charset="0"/>
+              </a:rPr>
+              <a:t> void Set(int a, int b)</a:t>
+            </a:r>
+          </a:p>
+          <a:p>
+            <a:r>
+              <a:rPr lang="en-US" altLang="ko-Kore-KR" dirty="0">
+                <a:latin typeface="DM Mono" panose="020B0509040201040103" pitchFamily="49" charset="0"/>
+              </a:rPr>
+              <a:t> </a:t>
+            </a:r>
+            <a:r>
+              <a:rPr lang="ko-Kore-KR" altLang="en-US" dirty="0">
+                <a:latin typeface="DM Mono" panose="020B0509040201040103" pitchFamily="49" charset="0"/>
+              </a:rPr>
+              <a:t>{</a:t>
+            </a:r>
+          </a:p>
+          <a:p>
+            <a:r>
+              <a:rPr lang="ko-Kore-KR" altLang="en-US" dirty="0">
+                <a:latin typeface="DM Mono" panose="020B0509040201040103" pitchFamily="49" charset="0"/>
+              </a:rPr>
+              <a:t>   x = a;</a:t>
+            </a:r>
+          </a:p>
+          <a:p>
+            <a:r>
+              <a:rPr lang="ko-Kore-KR" altLang="en-US" dirty="0">
+                <a:latin typeface="DM Mono" panose="020B0509040201040103" pitchFamily="49" charset="0"/>
+              </a:rPr>
+              <a:t>   y = b;</a:t>
+            </a:r>
+          </a:p>
+          <a:p>
+            <a:r>
+              <a:rPr lang="ko-Kore-KR" altLang="en-US" dirty="0">
+                <a:latin typeface="DM Mono" panose="020B0509040201040103" pitchFamily="49" charset="0"/>
+              </a:rPr>
+              <a:t> }</a:t>
+            </a:r>
+            <a:endParaRPr lang="ko-Kore-KR" altLang="en-US" dirty="0"/>
+          </a:p>
+        </p:txBody>
+      </p:sp>
+      <p:sp>
+        <p:nvSpPr>
+          <p:cNvPr id="21" name="TextBox 20">
+            <a:extLst>
+              <a:ext uri="{FF2B5EF4-FFF2-40B4-BE49-F238E27FC236}">
+                <a16:creationId xmlns:a16="http://schemas.microsoft.com/office/drawing/2014/main" id="{FAF2F85E-A345-99FB-F3F0-43160633268D}"/>
+              </a:ext>
+            </a:extLst>
+          </p:cNvPr>
+          <p:cNvSpPr txBox="1"/>
+          <p:nvPr/>
+        </p:nvSpPr>
+        <p:spPr>
+          <a:xfrm>
+            <a:off x="8187186" y="4339087"/>
+            <a:ext cx="3553008" cy="1477328"/>
+          </a:xfrm>
+          <a:prstGeom prst="rect">
+            <a:avLst/>
+          </a:prstGeom>
+          <a:noFill/>
+        </p:spPr>
+        <p:txBody>
+          <a:bodyPr wrap="square">
+            <a:spAutoFit/>
+          </a:bodyPr>
+          <a:lstStyle/>
+          <a:p>
+            <a:r>
+              <a:rPr lang="ko-Kore-KR" altLang="en-US" dirty="0">
+                <a:latin typeface="DM Mono" panose="020B0509040201040103" pitchFamily="49" charset="0"/>
+              </a:rPr>
+              <a:t> void Set(int a, int b)</a:t>
+            </a:r>
+          </a:p>
+          <a:p>
+            <a:r>
+              <a:rPr lang="en-US" altLang="ko-Kore-KR" dirty="0">
+                <a:latin typeface="DM Mono" panose="020B0509040201040103" pitchFamily="49" charset="0"/>
+              </a:rPr>
+              <a:t> </a:t>
+            </a:r>
+            <a:r>
+              <a:rPr lang="ko-Kore-KR" altLang="en-US" dirty="0">
+                <a:latin typeface="DM Mono" panose="020B0509040201040103" pitchFamily="49" charset="0"/>
+              </a:rPr>
+              <a:t>{</a:t>
+            </a:r>
+          </a:p>
+          <a:p>
+            <a:r>
+              <a:rPr lang="ko-Kore-KR" altLang="en-US" dirty="0">
+                <a:latin typeface="DM Mono" panose="020B0509040201040103" pitchFamily="49" charset="0"/>
+              </a:rPr>
+              <a:t>   x = a;</a:t>
+            </a:r>
+          </a:p>
+          <a:p>
+            <a:r>
+              <a:rPr lang="ko-Kore-KR" altLang="en-US" dirty="0">
+                <a:latin typeface="DM Mono" panose="020B0509040201040103" pitchFamily="49" charset="0"/>
+              </a:rPr>
+              <a:t>   y = b;</a:t>
+            </a:r>
+          </a:p>
+          <a:p>
+            <a:r>
+              <a:rPr lang="ko-Kore-KR" altLang="en-US" dirty="0">
+                <a:latin typeface="DM Mono" panose="020B0509040201040103" pitchFamily="49" charset="0"/>
+              </a:rPr>
+              <a:t> }</a:t>
+            </a:r>
+            <a:endParaRPr lang="ko-Kore-KR" altLang="en-US" dirty="0"/>
+          </a:p>
+        </p:txBody>
+      </p:sp>
+      <p:cxnSp>
+        <p:nvCxnSpPr>
+          <p:cNvPr id="23" name="구부러진 연결선[U] 22">
+            <a:extLst>
+              <a:ext uri="{FF2B5EF4-FFF2-40B4-BE49-F238E27FC236}">
+                <a16:creationId xmlns:a16="http://schemas.microsoft.com/office/drawing/2014/main" id="{7890510B-B95D-B91B-0CD1-9104A92C9CBE}"/>
+              </a:ext>
+            </a:extLst>
+          </p:cNvPr>
+          <p:cNvCxnSpPr>
+            <a:stCxn id="12" idx="2"/>
+            <a:endCxn id="20" idx="0"/>
+          </p:cNvCxnSpPr>
+          <p:nvPr/>
+        </p:nvCxnSpPr>
+        <p:spPr>
+          <a:xfrm rot="16200000" flipH="1">
+            <a:off x="5542778" y="3290670"/>
+            <a:ext cx="1499845" cy="439408"/>
+          </a:xfrm>
+          <a:prstGeom prst="curvedConnector3">
+            <a:avLst/>
+          </a:prstGeom>
+          <a:ln>
+            <a:tailEnd type="triangle"/>
+          </a:ln>
+        </p:spPr>
+        <p:style>
+          <a:lnRef idx="1">
+            <a:schemeClr val="dk1"/>
+          </a:lnRef>
+          <a:fillRef idx="0">
+            <a:schemeClr val="dk1"/>
+          </a:fillRef>
+          <a:effectRef idx="0">
+            <a:schemeClr val="dk1"/>
+          </a:effectRef>
+          <a:fontRef idx="minor">
+            <a:schemeClr val="tx1"/>
+          </a:fontRef>
+        </p:style>
+      </p:cxnSp>
+      <p:cxnSp>
+        <p:nvCxnSpPr>
+          <p:cNvPr id="24" name="구부러진 연결선[U] 23">
+            <a:extLst>
+              <a:ext uri="{FF2B5EF4-FFF2-40B4-BE49-F238E27FC236}">
+                <a16:creationId xmlns:a16="http://schemas.microsoft.com/office/drawing/2014/main" id="{CB03C617-EA0D-BF29-6687-2C0BDA9B7560}"/>
+              </a:ext>
+            </a:extLst>
+          </p:cNvPr>
+          <p:cNvCxnSpPr>
+            <a:cxnSpLocks/>
+            <a:stCxn id="17" idx="2"/>
+            <a:endCxn id="21" idx="0"/>
+          </p:cNvCxnSpPr>
+          <p:nvPr/>
+        </p:nvCxnSpPr>
+        <p:spPr>
+          <a:xfrm rot="16200000" flipH="1">
+            <a:off x="8212438" y="2587834"/>
+            <a:ext cx="1570009" cy="1932496"/>
+          </a:xfrm>
+          <a:prstGeom prst="curvedConnector3">
+            <a:avLst>
+              <a:gd name="adj1" fmla="val 50000"/>
+            </a:avLst>
+          </a:prstGeom>
+          <a:ln>
+            <a:tailEnd type="triangle"/>
+          </a:ln>
+        </p:spPr>
+        <p:style>
+          <a:lnRef idx="1">
+            <a:schemeClr val="dk1"/>
+          </a:lnRef>
+          <a:fillRef idx="0">
+            <a:schemeClr val="dk1"/>
+          </a:fillRef>
+          <a:effectRef idx="0">
+            <a:schemeClr val="dk1"/>
+          </a:effectRef>
+          <a:fontRef idx="minor">
+            <a:schemeClr val="tx1"/>
+          </a:fontRef>
+        </p:style>
+      </p:cxnSp>
+    </p:spTree>
+    <p:extLst>
+      <p:ext uri="{BB962C8B-B14F-4D97-AF65-F5344CB8AC3E}">
+        <p14:creationId xmlns:p14="http://schemas.microsoft.com/office/powerpoint/2010/main" val="2635772862"/>
+      </p:ext>
+    </p:extLst>
+  </p:cSld>
+  <p:clrMapOvr>
+    <a:masterClrMapping/>
+  </p:clrMapOvr>
+</p:sld>
+</file>
+
+<file path=ppt/slides/slide8.xml><?xml version="1.0" encoding="utf-8"?>
+<p:sld xmlns:a="http://schemas.openxmlformats.org/drawingml/2006/main" xmlns:r="http://schemas.openxmlformats.org/officeDocument/2006/relationships" xmlns:p="http://schemas.openxmlformats.org/presentationml/2006/main">
+  <p:cSld>
+    <p:spTree>
+      <p:nvGrpSpPr>
+        <p:cNvPr id="1" name=""/>
+        <p:cNvGrpSpPr/>
+        <p:nvPr/>
+      </p:nvGrpSpPr>
+      <p:grpSpPr>
+        <a:xfrm>
+          <a:off x="0" y="0"/>
+          <a:ext cx="0" cy="0"/>
+          <a:chOff x="0" y="0"/>
+          <a:chExt cx="0" cy="0"/>
+        </a:xfrm>
+      </p:grpSpPr>
+      <p:sp>
+        <p:nvSpPr>
+          <p:cNvPr id="5" name="TextBox 4">
+            <a:extLst>
+              <a:ext uri="{FF2B5EF4-FFF2-40B4-BE49-F238E27FC236}">
+                <a16:creationId xmlns:a16="http://schemas.microsoft.com/office/drawing/2014/main" id="{BB53FD4A-3836-3E44-4FE5-590647D521DB}"/>
+              </a:ext>
+            </a:extLst>
+          </p:cNvPr>
+          <p:cNvSpPr txBox="1"/>
+          <p:nvPr/>
+        </p:nvSpPr>
+        <p:spPr>
+          <a:xfrm>
+            <a:off x="459356" y="242863"/>
+            <a:ext cx="4173029" cy="5078313"/>
+          </a:xfrm>
+          <a:prstGeom prst="rect">
+            <a:avLst/>
+          </a:prstGeom>
+          <a:noFill/>
+        </p:spPr>
+        <p:txBody>
+          <a:bodyPr wrap="square">
+            <a:spAutoFit/>
+          </a:bodyPr>
+          <a:lstStyle/>
+          <a:p>
+            <a:r>
+              <a:rPr lang="ko-Kore-KR" altLang="en-US" dirty="0">
+                <a:latin typeface="DM Mono" panose="020B0509040201040103" pitchFamily="49" charset="0"/>
+              </a:rPr>
+              <a:t>class Point {</a:t>
+            </a:r>
+          </a:p>
+          <a:p>
+            <a:r>
+              <a:rPr lang="ko-Kore-KR" altLang="en-US" dirty="0">
+                <a:latin typeface="DM Mono" panose="020B0509040201040103" pitchFamily="49" charset="0"/>
+              </a:rPr>
+              <a:t>    int x;</a:t>
+            </a:r>
+          </a:p>
+          <a:p>
+            <a:r>
+              <a:rPr lang="ko-Kore-KR" altLang="en-US" dirty="0">
+                <a:latin typeface="DM Mono" panose="020B0509040201040103" pitchFamily="49" charset="0"/>
+              </a:rPr>
+              <a:t>    int y;</a:t>
+            </a:r>
+          </a:p>
+          <a:p>
+            <a:endParaRPr lang="ko-Kore-KR" altLang="en-US" dirty="0">
+              <a:latin typeface="DM Mono" panose="020B0509040201040103" pitchFamily="49" charset="0"/>
+            </a:endParaRPr>
+          </a:p>
+          <a:p>
+            <a:r>
+              <a:rPr lang="ko-Kore-KR" altLang="en-US" dirty="0">
+                <a:latin typeface="DM Mono" panose="020B0509040201040103" pitchFamily="49" charset="0"/>
+              </a:rPr>
+              <a:t>public:</a:t>
+            </a:r>
+          </a:p>
+          <a:p>
+            <a:r>
+              <a:rPr lang="ko-Kore-KR" altLang="en-US" dirty="0">
+                <a:latin typeface="DM Mono" panose="020B0509040201040103" pitchFamily="49" charset="0"/>
+              </a:rPr>
+              <a:t>    void Set(int a, int b)</a:t>
+            </a:r>
+          </a:p>
+          <a:p>
+            <a:r>
+              <a:rPr lang="ko-Kore-KR" altLang="en-US" dirty="0">
+                <a:latin typeface="DM Mono" panose="020B0509040201040103" pitchFamily="49" charset="0"/>
+              </a:rPr>
+              <a:t>    {</a:t>
+            </a:r>
+          </a:p>
+          <a:p>
+            <a:r>
+              <a:rPr lang="ko-Kore-KR" altLang="en-US" dirty="0">
+                <a:latin typeface="DM Mono" panose="020B0509040201040103" pitchFamily="49" charset="0"/>
+              </a:rPr>
+              <a:t>        x = a;</a:t>
+            </a:r>
+          </a:p>
+          <a:p>
+            <a:r>
+              <a:rPr lang="ko-Kore-KR" altLang="en-US" dirty="0">
+                <a:latin typeface="DM Mono" panose="020B0509040201040103" pitchFamily="49" charset="0"/>
+              </a:rPr>
+              <a:t>        y = b;</a:t>
+            </a:r>
+          </a:p>
+          <a:p>
+            <a:r>
+              <a:rPr lang="ko-Kore-KR" altLang="en-US" dirty="0">
+                <a:latin typeface="DM Mono" panose="020B0509040201040103" pitchFamily="49" charset="0"/>
+              </a:rPr>
+              <a:t>    }</a:t>
+            </a:r>
+          </a:p>
+          <a:p>
+            <a:r>
+              <a:rPr lang="ko-Kore-KR" altLang="en-US" dirty="0">
+                <a:latin typeface="DM Mono" panose="020B0509040201040103" pitchFamily="49" charset="0"/>
+              </a:rPr>
+              <a:t>};</a:t>
+            </a:r>
+          </a:p>
+          <a:p>
+            <a:endParaRPr lang="ko-Kore-KR" altLang="en-US" dirty="0">
+              <a:latin typeface="DM Mono" panose="020B0509040201040103" pitchFamily="49" charset="0"/>
+            </a:endParaRPr>
+          </a:p>
+          <a:p>
+            <a:r>
+              <a:rPr lang="ko-Kore-KR" altLang="en-US" dirty="0">
+                <a:latin typeface="DM Mono" panose="020B0509040201040103" pitchFamily="49" charset="0"/>
+              </a:rPr>
+              <a:t>int main()</a:t>
+            </a:r>
+          </a:p>
+          <a:p>
+            <a:r>
+              <a:rPr lang="ko-Kore-KR" altLang="en-US" dirty="0">
+                <a:latin typeface="DM Mono" panose="020B0509040201040103" pitchFamily="49" charset="0"/>
+              </a:rPr>
+              <a:t>{</a:t>
+            </a:r>
+          </a:p>
+          <a:p>
+            <a:r>
+              <a:rPr lang="ko-Kore-KR" altLang="en-US" dirty="0">
+                <a:latin typeface="DM Mono" panose="020B0509040201040103" pitchFamily="49" charset="0"/>
+              </a:rPr>
+              <a:t>    Point p1, p2;</a:t>
+            </a:r>
+          </a:p>
+          <a:p>
+            <a:r>
+              <a:rPr lang="ko-Kore-KR" altLang="en-US" dirty="0">
+                <a:latin typeface="DM Mono" panose="020B0509040201040103" pitchFamily="49" charset="0"/>
+              </a:rPr>
+              <a:t>    p1.Set(10, 20);</a:t>
+            </a:r>
+          </a:p>
+          <a:p>
+            <a:r>
+              <a:rPr lang="ko-Kore-KR" altLang="en-US" dirty="0">
+                <a:latin typeface="DM Mono" panose="020B0509040201040103" pitchFamily="49" charset="0"/>
+              </a:rPr>
+              <a:t>    p2.Set(30, 40);</a:t>
+            </a:r>
+          </a:p>
+          <a:p>
+            <a:r>
+              <a:rPr lang="ko-Kore-KR" altLang="en-US" dirty="0">
+                <a:latin typeface="DM Mono" panose="020B0509040201040103" pitchFamily="49" charset="0"/>
+              </a:rPr>
+              <a:t>}</a:t>
+            </a:r>
+          </a:p>
+        </p:txBody>
+      </p:sp>
+      <p:sp>
+        <p:nvSpPr>
+          <p:cNvPr id="6" name="직사각형 5">
+            <a:extLst>
+              <a:ext uri="{FF2B5EF4-FFF2-40B4-BE49-F238E27FC236}">
+                <a16:creationId xmlns:a16="http://schemas.microsoft.com/office/drawing/2014/main" id="{74974F39-C98A-803A-2DCB-7CB7F7EE1EF3}"/>
+              </a:ext>
+            </a:extLst>
+          </p:cNvPr>
+          <p:cNvSpPr/>
+          <p:nvPr/>
+        </p:nvSpPr>
+        <p:spPr>
+          <a:xfrm>
+            <a:off x="4735900" y="1233225"/>
+            <a:ext cx="4891177" cy="2665563"/>
+          </a:xfrm>
+          <a:prstGeom prst="rect">
+            <a:avLst/>
+          </a:prstGeom>
+          <a:solidFill>
+            <a:schemeClr val="bg1"/>
+          </a:solidFill>
+        </p:spPr>
+        <p:style>
+          <a:lnRef idx="2">
+            <a:schemeClr val="accent1">
+              <a:shade val="50000"/>
+            </a:schemeClr>
+          </a:lnRef>
+          <a:fillRef idx="1">
+            <a:schemeClr val="accent1"/>
+          </a:fillRef>
+          <a:effectRef idx="0">
+            <a:schemeClr val="accent1"/>
+          </a:effectRef>
+          <a:fontRef idx="minor">
+            <a:schemeClr val="lt1"/>
+          </a:fontRef>
+        </p:style>
+        <p:txBody>
+          <a:bodyPr rtlCol="0" anchor="ctr"/>
+          <a:lstStyle/>
+          <a:p>
+            <a:pPr algn="ctr"/>
+            <a:endParaRPr kumimoji="1" lang="ko-Kore-KR" altLang="en-US"/>
+          </a:p>
+        </p:txBody>
+      </p:sp>
+      <p:sp>
+        <p:nvSpPr>
+          <p:cNvPr id="7" name="TextBox 6">
+            <a:extLst>
+              <a:ext uri="{FF2B5EF4-FFF2-40B4-BE49-F238E27FC236}">
+                <a16:creationId xmlns:a16="http://schemas.microsoft.com/office/drawing/2014/main" id="{450134DE-FD3D-FCE6-785E-142B9B7F9E19}"/>
+              </a:ext>
+            </a:extLst>
+          </p:cNvPr>
+          <p:cNvSpPr txBox="1"/>
+          <p:nvPr/>
+        </p:nvSpPr>
+        <p:spPr>
+          <a:xfrm>
+            <a:off x="6764186" y="863893"/>
+            <a:ext cx="834606" cy="369332"/>
+          </a:xfrm>
+          <a:prstGeom prst="rect">
+            <a:avLst/>
+          </a:prstGeom>
+          <a:noFill/>
+        </p:spPr>
+        <p:txBody>
+          <a:bodyPr wrap="square">
+            <a:spAutoFit/>
+          </a:bodyPr>
+          <a:lstStyle/>
+          <a:p>
+            <a:r>
+              <a:rPr lang="ko-Kore-KR" altLang="en-US" sz="1800" dirty="0">
+                <a:latin typeface="DM Mono" panose="020B0509040201040103" pitchFamily="49" charset="0"/>
+              </a:rPr>
+              <a:t>main</a:t>
+            </a:r>
+            <a:endParaRPr lang="ko-Kore-KR" altLang="en-US" dirty="0"/>
+          </a:p>
+        </p:txBody>
+      </p:sp>
+      <p:sp>
+        <p:nvSpPr>
+          <p:cNvPr id="8" name="직사각형 7">
+            <a:extLst>
+              <a:ext uri="{FF2B5EF4-FFF2-40B4-BE49-F238E27FC236}">
+                <a16:creationId xmlns:a16="http://schemas.microsoft.com/office/drawing/2014/main" id="{99851F65-54A1-35C0-B7BE-41B34951B52E}"/>
+              </a:ext>
+            </a:extLst>
+          </p:cNvPr>
+          <p:cNvSpPr/>
+          <p:nvPr/>
+        </p:nvSpPr>
+        <p:spPr>
+          <a:xfrm>
+            <a:off x="5451894" y="1664898"/>
+            <a:ext cx="1242204" cy="543464"/>
+          </a:xfrm>
+          <a:prstGeom prst="rect">
+            <a:avLst/>
+          </a:prstGeom>
+          <a:solidFill>
+            <a:srgbClr val="FFFF00"/>
+          </a:solidFill>
+        </p:spPr>
+        <p:style>
+          <a:lnRef idx="2">
+            <a:schemeClr val="accent4">
+              <a:shade val="50000"/>
+            </a:schemeClr>
+          </a:lnRef>
+          <a:fillRef idx="1">
+            <a:schemeClr val="accent4"/>
+          </a:fillRef>
+          <a:effectRef idx="0">
+            <a:schemeClr val="accent4"/>
+          </a:effectRef>
+          <a:fontRef idx="minor">
+            <a:schemeClr val="lt1"/>
+          </a:fontRef>
+        </p:style>
+        <p:txBody>
+          <a:bodyPr rtlCol="0" anchor="ctr"/>
+          <a:lstStyle/>
+          <a:p>
+            <a:pPr algn="ctr"/>
+            <a:endParaRPr kumimoji="1" lang="ko-Kore-KR" altLang="en-US" sz="1600" dirty="0">
+              <a:solidFill>
+                <a:schemeClr val="tx1"/>
+              </a:solidFill>
+              <a:latin typeface="DM Mono" panose="020B0509040201040103" pitchFamily="49" charset="0"/>
+            </a:endParaRPr>
+          </a:p>
+        </p:txBody>
+      </p:sp>
+      <p:sp>
+        <p:nvSpPr>
+          <p:cNvPr id="9" name="TextBox 8">
+            <a:extLst>
+              <a:ext uri="{FF2B5EF4-FFF2-40B4-BE49-F238E27FC236}">
+                <a16:creationId xmlns:a16="http://schemas.microsoft.com/office/drawing/2014/main" id="{E8786816-AD3D-C4AC-4D56-14C5BFFAD6B0}"/>
+              </a:ext>
+            </a:extLst>
+          </p:cNvPr>
+          <p:cNvSpPr txBox="1"/>
+          <p:nvPr/>
+        </p:nvSpPr>
+        <p:spPr>
+          <a:xfrm>
+            <a:off x="5815282" y="1295566"/>
+            <a:ext cx="515428" cy="369332"/>
+          </a:xfrm>
+          <a:prstGeom prst="rect">
+            <a:avLst/>
+          </a:prstGeom>
+          <a:noFill/>
+        </p:spPr>
+        <p:txBody>
+          <a:bodyPr wrap="square">
+            <a:spAutoFit/>
+          </a:bodyPr>
+          <a:lstStyle/>
+          <a:p>
+            <a:r>
+              <a:rPr lang="en-US" altLang="ko-Kore-KR" dirty="0">
+                <a:latin typeface="DM Mono" panose="020B0509040201040103" pitchFamily="49" charset="0"/>
+              </a:rPr>
+              <a:t>p1</a:t>
+            </a:r>
+            <a:endParaRPr lang="ko-Kore-KR" altLang="en-US" dirty="0"/>
+          </a:p>
+        </p:txBody>
+      </p:sp>
+      <p:sp>
+        <p:nvSpPr>
+          <p:cNvPr id="10" name="TextBox 9">
+            <a:extLst>
+              <a:ext uri="{FF2B5EF4-FFF2-40B4-BE49-F238E27FC236}">
+                <a16:creationId xmlns:a16="http://schemas.microsoft.com/office/drawing/2014/main" id="{14109F8E-AD45-52BC-8004-1B02D7227A7E}"/>
+              </a:ext>
+            </a:extLst>
+          </p:cNvPr>
+          <p:cNvSpPr txBox="1"/>
+          <p:nvPr/>
+        </p:nvSpPr>
+        <p:spPr>
+          <a:xfrm>
+            <a:off x="5090665" y="1751964"/>
+            <a:ext cx="361229" cy="369332"/>
+          </a:xfrm>
+          <a:prstGeom prst="rect">
+            <a:avLst/>
+          </a:prstGeom>
+          <a:noFill/>
+        </p:spPr>
+        <p:txBody>
+          <a:bodyPr wrap="square">
+            <a:spAutoFit/>
+          </a:bodyPr>
+          <a:lstStyle/>
+          <a:p>
+            <a:r>
+              <a:rPr lang="en-US" altLang="ko-Kore-KR" dirty="0">
+                <a:latin typeface="DM Mono" panose="020B0509040201040103" pitchFamily="49" charset="0"/>
+              </a:rPr>
+              <a:t>x</a:t>
+            </a:r>
+            <a:endParaRPr lang="ko-Kore-KR" altLang="en-US" dirty="0"/>
+          </a:p>
+        </p:txBody>
+      </p:sp>
+      <p:sp>
+        <p:nvSpPr>
+          <p:cNvPr id="12" name="직사각형 11">
+            <a:extLst>
+              <a:ext uri="{FF2B5EF4-FFF2-40B4-BE49-F238E27FC236}">
+                <a16:creationId xmlns:a16="http://schemas.microsoft.com/office/drawing/2014/main" id="{DF6B8C4D-5989-3181-DC09-BCCCF9F81E9F}"/>
+              </a:ext>
+            </a:extLst>
+          </p:cNvPr>
+          <p:cNvSpPr/>
+          <p:nvPr/>
+        </p:nvSpPr>
+        <p:spPr>
+          <a:xfrm>
+            <a:off x="5451894" y="2216988"/>
+            <a:ext cx="1242204" cy="543464"/>
+          </a:xfrm>
+          <a:prstGeom prst="rect">
+            <a:avLst/>
+          </a:prstGeom>
+          <a:solidFill>
+            <a:srgbClr val="FFFF00"/>
+          </a:solidFill>
+        </p:spPr>
+        <p:style>
+          <a:lnRef idx="2">
+            <a:schemeClr val="accent4">
+              <a:shade val="50000"/>
+            </a:schemeClr>
+          </a:lnRef>
+          <a:fillRef idx="1">
+            <a:schemeClr val="accent4"/>
+          </a:fillRef>
+          <a:effectRef idx="0">
+            <a:schemeClr val="accent4"/>
+          </a:effectRef>
+          <a:fontRef idx="minor">
+            <a:schemeClr val="lt1"/>
+          </a:fontRef>
+        </p:style>
+        <p:txBody>
+          <a:bodyPr rtlCol="0" anchor="ctr"/>
+          <a:lstStyle/>
+          <a:p>
+            <a:pPr algn="ctr"/>
+            <a:endParaRPr kumimoji="1" lang="ko-Kore-KR" altLang="en-US" sz="1600" dirty="0">
+              <a:solidFill>
+                <a:schemeClr val="tx1"/>
+              </a:solidFill>
+              <a:latin typeface="DM Mono" panose="020B0509040201040103" pitchFamily="49" charset="0"/>
+            </a:endParaRPr>
+          </a:p>
+        </p:txBody>
+      </p:sp>
+      <p:sp>
+        <p:nvSpPr>
+          <p:cNvPr id="13" name="TextBox 12">
+            <a:extLst>
+              <a:ext uri="{FF2B5EF4-FFF2-40B4-BE49-F238E27FC236}">
+                <a16:creationId xmlns:a16="http://schemas.microsoft.com/office/drawing/2014/main" id="{21D884D0-DB52-17B3-6DB1-9A80ADF3BA02}"/>
+              </a:ext>
+            </a:extLst>
+          </p:cNvPr>
+          <p:cNvSpPr txBox="1"/>
+          <p:nvPr/>
+        </p:nvSpPr>
+        <p:spPr>
+          <a:xfrm>
+            <a:off x="5090665" y="2304054"/>
+            <a:ext cx="361229" cy="369332"/>
+          </a:xfrm>
+          <a:prstGeom prst="rect">
+            <a:avLst/>
+          </a:prstGeom>
+          <a:noFill/>
+        </p:spPr>
+        <p:txBody>
+          <a:bodyPr wrap="square">
+            <a:spAutoFit/>
+          </a:bodyPr>
+          <a:lstStyle/>
+          <a:p>
+            <a:r>
+              <a:rPr lang="en-US" altLang="ko-Kore-KR" dirty="0">
+                <a:latin typeface="DM Mono" panose="020B0509040201040103" pitchFamily="49" charset="0"/>
+              </a:rPr>
+              <a:t>y</a:t>
+            </a:r>
+            <a:endParaRPr lang="ko-Kore-KR" altLang="en-US" dirty="0"/>
+          </a:p>
+        </p:txBody>
+      </p:sp>
+      <p:sp>
+        <p:nvSpPr>
+          <p:cNvPr id="14" name="직사각형 13">
+            <a:extLst>
+              <a:ext uri="{FF2B5EF4-FFF2-40B4-BE49-F238E27FC236}">
+                <a16:creationId xmlns:a16="http://schemas.microsoft.com/office/drawing/2014/main" id="{EEB0C483-2D37-A589-2D2E-519EB7B4DF38}"/>
+              </a:ext>
+            </a:extLst>
+          </p:cNvPr>
+          <p:cNvSpPr/>
+          <p:nvPr/>
+        </p:nvSpPr>
+        <p:spPr>
+          <a:xfrm>
+            <a:off x="7410092" y="1673524"/>
+            <a:ext cx="1242204" cy="543464"/>
+          </a:xfrm>
+          <a:prstGeom prst="rect">
+            <a:avLst/>
+          </a:prstGeom>
+          <a:solidFill>
+            <a:srgbClr val="FFFF00"/>
+          </a:solidFill>
+        </p:spPr>
+        <p:style>
+          <a:lnRef idx="2">
+            <a:schemeClr val="accent4">
+              <a:shade val="50000"/>
+            </a:schemeClr>
+          </a:lnRef>
+          <a:fillRef idx="1">
+            <a:schemeClr val="accent4"/>
+          </a:fillRef>
+          <a:effectRef idx="0">
+            <a:schemeClr val="accent4"/>
+          </a:effectRef>
+          <a:fontRef idx="minor">
+            <a:schemeClr val="lt1"/>
+          </a:fontRef>
+        </p:style>
+        <p:txBody>
+          <a:bodyPr rtlCol="0" anchor="ctr"/>
+          <a:lstStyle/>
+          <a:p>
+            <a:pPr algn="ctr"/>
+            <a:endParaRPr kumimoji="1" lang="ko-Kore-KR" altLang="en-US" sz="1600" dirty="0">
+              <a:solidFill>
+                <a:schemeClr val="tx1"/>
+              </a:solidFill>
+              <a:latin typeface="DM Mono" panose="020B0509040201040103" pitchFamily="49" charset="0"/>
+            </a:endParaRPr>
+          </a:p>
+        </p:txBody>
+      </p:sp>
+      <p:sp>
+        <p:nvSpPr>
+          <p:cNvPr id="15" name="TextBox 14">
+            <a:extLst>
+              <a:ext uri="{FF2B5EF4-FFF2-40B4-BE49-F238E27FC236}">
+                <a16:creationId xmlns:a16="http://schemas.microsoft.com/office/drawing/2014/main" id="{05D09AB7-04D4-1DF6-3F1A-FD39230A1EED}"/>
+              </a:ext>
+            </a:extLst>
+          </p:cNvPr>
+          <p:cNvSpPr txBox="1"/>
+          <p:nvPr/>
+        </p:nvSpPr>
+        <p:spPr>
+          <a:xfrm>
+            <a:off x="7773480" y="1304192"/>
+            <a:ext cx="515428" cy="369332"/>
+          </a:xfrm>
+          <a:prstGeom prst="rect">
+            <a:avLst/>
+          </a:prstGeom>
+          <a:noFill/>
+        </p:spPr>
+        <p:txBody>
+          <a:bodyPr wrap="square">
+            <a:spAutoFit/>
+          </a:bodyPr>
+          <a:lstStyle/>
+          <a:p>
+            <a:r>
+              <a:rPr lang="en-US" altLang="ko-Kore-KR" dirty="0">
+                <a:latin typeface="DM Mono" panose="020B0509040201040103" pitchFamily="49" charset="0"/>
+              </a:rPr>
+              <a:t>p2</a:t>
+            </a:r>
+            <a:endParaRPr lang="ko-Kore-KR" altLang="en-US" dirty="0"/>
+          </a:p>
+        </p:txBody>
+      </p:sp>
+      <p:sp>
+        <p:nvSpPr>
+          <p:cNvPr id="16" name="TextBox 15">
+            <a:extLst>
+              <a:ext uri="{FF2B5EF4-FFF2-40B4-BE49-F238E27FC236}">
+                <a16:creationId xmlns:a16="http://schemas.microsoft.com/office/drawing/2014/main" id="{77244DE7-CA58-A439-70AA-3EF55890083D}"/>
+              </a:ext>
+            </a:extLst>
+          </p:cNvPr>
+          <p:cNvSpPr txBox="1"/>
+          <p:nvPr/>
+        </p:nvSpPr>
+        <p:spPr>
+          <a:xfrm>
+            <a:off x="7048863" y="1760590"/>
+            <a:ext cx="361229" cy="369332"/>
+          </a:xfrm>
+          <a:prstGeom prst="rect">
+            <a:avLst/>
+          </a:prstGeom>
+          <a:noFill/>
+        </p:spPr>
+        <p:txBody>
+          <a:bodyPr wrap="square">
+            <a:spAutoFit/>
+          </a:bodyPr>
+          <a:lstStyle/>
+          <a:p>
+            <a:r>
+              <a:rPr lang="en-US" altLang="ko-Kore-KR" dirty="0">
+                <a:latin typeface="DM Mono" panose="020B0509040201040103" pitchFamily="49" charset="0"/>
+              </a:rPr>
+              <a:t>x</a:t>
+            </a:r>
+            <a:endParaRPr lang="ko-Kore-KR" altLang="en-US" dirty="0"/>
+          </a:p>
+        </p:txBody>
+      </p:sp>
+      <p:sp>
+        <p:nvSpPr>
+          <p:cNvPr id="17" name="직사각형 16">
+            <a:extLst>
+              <a:ext uri="{FF2B5EF4-FFF2-40B4-BE49-F238E27FC236}">
+                <a16:creationId xmlns:a16="http://schemas.microsoft.com/office/drawing/2014/main" id="{64BB7848-AD18-B460-5889-3708F679E9B5}"/>
+              </a:ext>
+            </a:extLst>
+          </p:cNvPr>
+          <p:cNvSpPr/>
+          <p:nvPr/>
+        </p:nvSpPr>
+        <p:spPr>
+          <a:xfrm>
+            <a:off x="7410092" y="2225614"/>
+            <a:ext cx="1242204" cy="543464"/>
+          </a:xfrm>
+          <a:prstGeom prst="rect">
+            <a:avLst/>
+          </a:prstGeom>
+          <a:solidFill>
+            <a:srgbClr val="FFFF00"/>
+          </a:solidFill>
+        </p:spPr>
+        <p:style>
+          <a:lnRef idx="2">
+            <a:schemeClr val="accent4">
+              <a:shade val="50000"/>
+            </a:schemeClr>
+          </a:lnRef>
+          <a:fillRef idx="1">
+            <a:schemeClr val="accent4"/>
+          </a:fillRef>
+          <a:effectRef idx="0">
+            <a:schemeClr val="accent4"/>
+          </a:effectRef>
+          <a:fontRef idx="minor">
+            <a:schemeClr val="lt1"/>
+          </a:fontRef>
+        </p:style>
+        <p:txBody>
+          <a:bodyPr rtlCol="0" anchor="ctr"/>
+          <a:lstStyle/>
+          <a:p>
+            <a:pPr algn="ctr"/>
+            <a:endParaRPr kumimoji="1" lang="ko-Kore-KR" altLang="en-US" sz="1600" dirty="0">
+              <a:solidFill>
+                <a:schemeClr val="tx1"/>
+              </a:solidFill>
+              <a:latin typeface="DM Mono" panose="020B0509040201040103" pitchFamily="49" charset="0"/>
+            </a:endParaRPr>
+          </a:p>
+        </p:txBody>
+      </p:sp>
+      <p:sp>
+        <p:nvSpPr>
+          <p:cNvPr id="18" name="TextBox 17">
+            <a:extLst>
+              <a:ext uri="{FF2B5EF4-FFF2-40B4-BE49-F238E27FC236}">
+                <a16:creationId xmlns:a16="http://schemas.microsoft.com/office/drawing/2014/main" id="{4ACA1E14-3F69-3BE7-672B-275A2DED7925}"/>
+              </a:ext>
+            </a:extLst>
+          </p:cNvPr>
+          <p:cNvSpPr txBox="1"/>
+          <p:nvPr/>
+        </p:nvSpPr>
+        <p:spPr>
+          <a:xfrm>
+            <a:off x="7048863" y="2312680"/>
+            <a:ext cx="361229" cy="369332"/>
+          </a:xfrm>
+          <a:prstGeom prst="rect">
+            <a:avLst/>
+          </a:prstGeom>
+          <a:noFill/>
+        </p:spPr>
+        <p:txBody>
+          <a:bodyPr wrap="square">
+            <a:spAutoFit/>
+          </a:bodyPr>
+          <a:lstStyle/>
+          <a:p>
+            <a:r>
+              <a:rPr lang="en-US" altLang="ko-Kore-KR" dirty="0">
+                <a:latin typeface="DM Mono" panose="020B0509040201040103" pitchFamily="49" charset="0"/>
+              </a:rPr>
+              <a:t>y</a:t>
+            </a:r>
+            <a:endParaRPr lang="ko-Kore-KR" altLang="en-US" dirty="0"/>
+          </a:p>
+        </p:txBody>
+      </p:sp>
+      <p:sp>
+        <p:nvSpPr>
+          <p:cNvPr id="20" name="TextBox 19">
+            <a:extLst>
+              <a:ext uri="{FF2B5EF4-FFF2-40B4-BE49-F238E27FC236}">
+                <a16:creationId xmlns:a16="http://schemas.microsoft.com/office/drawing/2014/main" id="{73B27EAE-3DDB-DBDF-C9DD-4E03AEED301C}"/>
+              </a:ext>
+            </a:extLst>
+          </p:cNvPr>
+          <p:cNvSpPr txBox="1"/>
+          <p:nvPr/>
+        </p:nvSpPr>
+        <p:spPr>
+          <a:xfrm>
+            <a:off x="4132053" y="4695976"/>
+            <a:ext cx="6719977" cy="1477328"/>
+          </a:xfrm>
+          <a:prstGeom prst="rect">
+            <a:avLst/>
+          </a:prstGeom>
+          <a:noFill/>
+        </p:spPr>
+        <p:txBody>
+          <a:bodyPr wrap="square">
+            <a:spAutoFit/>
+          </a:bodyPr>
+          <a:lstStyle/>
+          <a:p>
+            <a:r>
+              <a:rPr lang="ko-Kore-KR" altLang="en-US" dirty="0">
+                <a:latin typeface="DM Mono" panose="020B0509040201040103" pitchFamily="49" charset="0"/>
+              </a:rPr>
+              <a:t> void Set(</a:t>
+            </a:r>
+            <a:r>
+              <a:rPr lang="en-US" altLang="ko-Kore-KR" dirty="0">
+                <a:solidFill>
+                  <a:srgbClr val="FF0000"/>
+                </a:solidFill>
+                <a:latin typeface="DM Mono" panose="020B0509040201040103" pitchFamily="49" charset="0"/>
+              </a:rPr>
+              <a:t>Point* this, </a:t>
+            </a:r>
+            <a:r>
+              <a:rPr lang="ko-Kore-KR" altLang="en-US" dirty="0">
+                <a:latin typeface="DM Mono" panose="020B0509040201040103" pitchFamily="49" charset="0"/>
+              </a:rPr>
+              <a:t>int a, int b)</a:t>
+            </a:r>
+          </a:p>
+          <a:p>
+            <a:r>
+              <a:rPr lang="en-US" altLang="ko-Kore-KR" dirty="0">
+                <a:latin typeface="DM Mono" panose="020B0509040201040103" pitchFamily="49" charset="0"/>
+              </a:rPr>
+              <a:t> </a:t>
+            </a:r>
+            <a:r>
+              <a:rPr lang="ko-Kore-KR" altLang="en-US" dirty="0">
+                <a:latin typeface="DM Mono" panose="020B0509040201040103" pitchFamily="49" charset="0"/>
+              </a:rPr>
+              <a:t>{</a:t>
+            </a:r>
+          </a:p>
+          <a:p>
+            <a:r>
+              <a:rPr lang="ko-Kore-KR" altLang="en-US" dirty="0">
+                <a:latin typeface="DM Mono" panose="020B0509040201040103" pitchFamily="49" charset="0"/>
+              </a:rPr>
+              <a:t>   </a:t>
+            </a:r>
+            <a:r>
+              <a:rPr lang="en-US" altLang="ko-Kore-KR" dirty="0">
+                <a:solidFill>
+                  <a:srgbClr val="FF0000"/>
+                </a:solidFill>
+                <a:latin typeface="DM Mono" panose="020B0509040201040103" pitchFamily="49" charset="0"/>
+              </a:rPr>
+              <a:t>this-&gt;</a:t>
+            </a:r>
+            <a:r>
+              <a:rPr lang="ko-Kore-KR" altLang="en-US" dirty="0">
+                <a:latin typeface="DM Mono" panose="020B0509040201040103" pitchFamily="49" charset="0"/>
+              </a:rPr>
+              <a:t>x = a;</a:t>
+            </a:r>
+          </a:p>
+          <a:p>
+            <a:r>
+              <a:rPr lang="ko-Kore-KR" altLang="en-US" dirty="0">
+                <a:latin typeface="DM Mono" panose="020B0509040201040103" pitchFamily="49" charset="0"/>
+              </a:rPr>
+              <a:t>   </a:t>
+            </a:r>
+            <a:r>
+              <a:rPr lang="en-US" altLang="ko-Kore-KR" dirty="0">
+                <a:solidFill>
+                  <a:srgbClr val="FF0000"/>
+                </a:solidFill>
+                <a:latin typeface="DM Mono" panose="020B0509040201040103" pitchFamily="49" charset="0"/>
+              </a:rPr>
+              <a:t>this-&gt;</a:t>
+            </a:r>
+            <a:r>
+              <a:rPr lang="ko-Kore-KR" altLang="en-US" dirty="0">
+                <a:latin typeface="DM Mono" panose="020B0509040201040103" pitchFamily="49" charset="0"/>
+              </a:rPr>
+              <a:t>y = b;</a:t>
+            </a:r>
+          </a:p>
+          <a:p>
+            <a:r>
+              <a:rPr lang="ko-Kore-KR" altLang="en-US" dirty="0">
+                <a:latin typeface="DM Mono" panose="020B0509040201040103" pitchFamily="49" charset="0"/>
+              </a:rPr>
+              <a:t> }</a:t>
+            </a:r>
+            <a:endParaRPr lang="ko-Kore-KR" altLang="en-US" dirty="0"/>
+          </a:p>
+        </p:txBody>
+      </p:sp>
+      <p:cxnSp>
+        <p:nvCxnSpPr>
+          <p:cNvPr id="23" name="구부러진 연결선[U] 22">
+            <a:extLst>
+              <a:ext uri="{FF2B5EF4-FFF2-40B4-BE49-F238E27FC236}">
+                <a16:creationId xmlns:a16="http://schemas.microsoft.com/office/drawing/2014/main" id="{7890510B-B95D-B91B-0CD1-9104A92C9CBE}"/>
+              </a:ext>
+            </a:extLst>
+          </p:cNvPr>
+          <p:cNvCxnSpPr>
+            <a:cxnSpLocks/>
+            <a:stCxn id="12" idx="2"/>
+            <a:endCxn id="20" idx="0"/>
+          </p:cNvCxnSpPr>
+          <p:nvPr/>
+        </p:nvCxnSpPr>
+        <p:spPr>
+          <a:xfrm rot="16200000" flipH="1">
+            <a:off x="5814757" y="3018691"/>
+            <a:ext cx="1935524" cy="1419046"/>
+          </a:xfrm>
+          <a:prstGeom prst="curvedConnector3">
+            <a:avLst/>
+          </a:prstGeom>
+          <a:ln>
+            <a:tailEnd type="triangle"/>
+          </a:ln>
+        </p:spPr>
+        <p:style>
+          <a:lnRef idx="1">
+            <a:schemeClr val="dk1"/>
+          </a:lnRef>
+          <a:fillRef idx="0">
+            <a:schemeClr val="dk1"/>
+          </a:fillRef>
+          <a:effectRef idx="0">
+            <a:schemeClr val="dk1"/>
+          </a:effectRef>
+          <a:fontRef idx="minor">
+            <a:schemeClr val="tx1"/>
+          </a:fontRef>
+        </p:style>
+      </p:cxnSp>
+      <p:cxnSp>
+        <p:nvCxnSpPr>
+          <p:cNvPr id="24" name="구부러진 연결선[U] 23">
+            <a:extLst>
+              <a:ext uri="{FF2B5EF4-FFF2-40B4-BE49-F238E27FC236}">
+                <a16:creationId xmlns:a16="http://schemas.microsoft.com/office/drawing/2014/main" id="{CB03C617-EA0D-BF29-6687-2C0BDA9B7560}"/>
+              </a:ext>
+            </a:extLst>
+          </p:cNvPr>
+          <p:cNvCxnSpPr>
+            <a:cxnSpLocks/>
+            <a:stCxn id="17" idx="2"/>
+            <a:endCxn id="20" idx="0"/>
+          </p:cNvCxnSpPr>
+          <p:nvPr/>
+        </p:nvCxnSpPr>
+        <p:spPr>
+          <a:xfrm rot="5400000">
+            <a:off x="6798169" y="3462951"/>
+            <a:ext cx="1926898" cy="539152"/>
+          </a:xfrm>
+          <a:prstGeom prst="curvedConnector3">
+            <a:avLst>
+              <a:gd name="adj1" fmla="val 50000"/>
+            </a:avLst>
+          </a:prstGeom>
+          <a:ln>
+            <a:tailEnd type="triangle"/>
+          </a:ln>
+        </p:spPr>
+        <p:style>
+          <a:lnRef idx="1">
+            <a:schemeClr val="dk1"/>
+          </a:lnRef>
+          <a:fillRef idx="0">
+            <a:schemeClr val="dk1"/>
+          </a:fillRef>
+          <a:effectRef idx="0">
+            <a:schemeClr val="dk1"/>
+          </a:effectRef>
+          <a:fontRef idx="minor">
+            <a:schemeClr val="tx1"/>
+          </a:fontRef>
+        </p:style>
+      </p:cxnSp>
+    </p:spTree>
+    <p:extLst>
+      <p:ext uri="{BB962C8B-B14F-4D97-AF65-F5344CB8AC3E}">
+        <p14:creationId xmlns:p14="http://schemas.microsoft.com/office/powerpoint/2010/main" val="1279546167"/>
+      </p:ext>
+    </p:extLst>
+  </p:cSld>
+  <p:clrMapOvr>
+    <a:masterClrMapping/>
+  </p:clrMapOvr>
+</p:sld>
+</file>
+
+<file path=ppt/slides/slide9.xml><?xml version="1.0" encoding="utf-8"?>
+<p:sld xmlns:a="http://schemas.openxmlformats.org/drawingml/2006/main" xmlns:r="http://schemas.openxmlformats.org/officeDocument/2006/relationships" xmlns:p="http://schemas.openxmlformats.org/presentationml/2006/main">
+  <p:cSld>
+    <p:spTree>
+      <p:nvGrpSpPr>
+        <p:cNvPr id="1" name=""/>
+        <p:cNvGrpSpPr/>
+        <p:nvPr/>
+      </p:nvGrpSpPr>
+      <p:grpSpPr>
+        <a:xfrm>
+          <a:off x="0" y="0"/>
+          <a:ext cx="0" cy="0"/>
+          <a:chOff x="0" y="0"/>
+          <a:chExt cx="0" cy="0"/>
+        </a:xfrm>
+      </p:grpSpPr>
+      <p:sp>
+        <p:nvSpPr>
+          <p:cNvPr id="5" name="TextBox 4">
+            <a:extLst>
+              <a:ext uri="{FF2B5EF4-FFF2-40B4-BE49-F238E27FC236}">
+                <a16:creationId xmlns:a16="http://schemas.microsoft.com/office/drawing/2014/main" id="{BB53FD4A-3836-3E44-4FE5-590647D521DB}"/>
+              </a:ext>
+            </a:extLst>
+          </p:cNvPr>
+          <p:cNvSpPr txBox="1"/>
+          <p:nvPr/>
+        </p:nvSpPr>
+        <p:spPr>
+          <a:xfrm>
+            <a:off x="459356" y="242863"/>
+            <a:ext cx="5334000" cy="3970318"/>
+          </a:xfrm>
+          <a:prstGeom prst="rect">
+            <a:avLst/>
+          </a:prstGeom>
+          <a:noFill/>
+        </p:spPr>
+        <p:txBody>
+          <a:bodyPr wrap="square">
+            <a:spAutoFit/>
+          </a:bodyPr>
+          <a:lstStyle/>
+          <a:p>
+            <a:r>
+              <a:rPr lang="ko-Kore-KR" altLang="en-US" sz="1400" dirty="0">
+                <a:latin typeface="DM Mono" panose="020B0509040201040103" pitchFamily="49" charset="0"/>
+              </a:rPr>
+              <a:t>class Point {</a:t>
+            </a:r>
+          </a:p>
+          <a:p>
+            <a:r>
+              <a:rPr lang="ko-Kore-KR" altLang="en-US" sz="1400" dirty="0">
+                <a:latin typeface="DM Mono" panose="020B0509040201040103" pitchFamily="49" charset="0"/>
+              </a:rPr>
+              <a:t>    int x;</a:t>
+            </a:r>
+          </a:p>
+          <a:p>
+            <a:r>
+              <a:rPr lang="ko-Kore-KR" altLang="en-US" sz="1400" dirty="0">
+                <a:latin typeface="DM Mono" panose="020B0509040201040103" pitchFamily="49" charset="0"/>
+              </a:rPr>
+              <a:t>    int y;</a:t>
+            </a:r>
+          </a:p>
+          <a:p>
+            <a:endParaRPr lang="ko-Kore-KR" altLang="en-US" sz="1400" dirty="0">
+              <a:latin typeface="DM Mono" panose="020B0509040201040103" pitchFamily="49" charset="0"/>
+            </a:endParaRPr>
+          </a:p>
+          <a:p>
+            <a:r>
+              <a:rPr lang="ko-Kore-KR" altLang="en-US" sz="1400" dirty="0">
+                <a:latin typeface="DM Mono" panose="020B0509040201040103" pitchFamily="49" charset="0"/>
+              </a:rPr>
+              <a:t>public:</a:t>
+            </a:r>
+          </a:p>
+          <a:p>
+            <a:r>
+              <a:rPr lang="ko-Kore-KR" altLang="en-US" sz="1400" dirty="0">
+                <a:latin typeface="DM Mono" panose="020B0509040201040103" pitchFamily="49" charset="0"/>
+              </a:rPr>
+              <a:t>    void Set(int a, int b)</a:t>
+            </a:r>
+          </a:p>
+          <a:p>
+            <a:r>
+              <a:rPr lang="ko-Kore-KR" altLang="en-US" sz="1400" dirty="0">
+                <a:latin typeface="DM Mono" panose="020B0509040201040103" pitchFamily="49" charset="0"/>
+              </a:rPr>
+              <a:t>    {</a:t>
+            </a:r>
+          </a:p>
+          <a:p>
+            <a:r>
+              <a:rPr lang="ko-Kore-KR" altLang="en-US" sz="1400" dirty="0">
+                <a:latin typeface="DM Mono" panose="020B0509040201040103" pitchFamily="49" charset="0"/>
+              </a:rPr>
+              <a:t>        x = a;</a:t>
+            </a:r>
+          </a:p>
+          <a:p>
+            <a:r>
+              <a:rPr lang="ko-Kore-KR" altLang="en-US" sz="1400" dirty="0">
+                <a:latin typeface="DM Mono" panose="020B0509040201040103" pitchFamily="49" charset="0"/>
+              </a:rPr>
+              <a:t>        y = b;</a:t>
+            </a:r>
+          </a:p>
+          <a:p>
+            <a:r>
+              <a:rPr lang="ko-Kore-KR" altLang="en-US" sz="1400" dirty="0">
+                <a:latin typeface="DM Mono" panose="020B0509040201040103" pitchFamily="49" charset="0"/>
+              </a:rPr>
+              <a:t>    }</a:t>
+            </a:r>
+          </a:p>
+          <a:p>
+            <a:r>
+              <a:rPr lang="ko-Kore-KR" altLang="en-US" sz="1400" dirty="0">
+                <a:latin typeface="DM Mono" panose="020B0509040201040103" pitchFamily="49" charset="0"/>
+              </a:rPr>
+              <a:t>};</a:t>
+            </a:r>
+          </a:p>
+          <a:p>
+            <a:endParaRPr lang="ko-Kore-KR" altLang="en-US" sz="1400" dirty="0">
+              <a:latin typeface="DM Mono" panose="020B0509040201040103" pitchFamily="49" charset="0"/>
+            </a:endParaRPr>
+          </a:p>
+          <a:p>
+            <a:r>
+              <a:rPr lang="ko-Kore-KR" altLang="en-US" sz="1400" dirty="0">
+                <a:latin typeface="DM Mono" panose="020B0509040201040103" pitchFamily="49" charset="0"/>
+              </a:rPr>
+              <a:t>int main()</a:t>
+            </a:r>
+          </a:p>
+          <a:p>
+            <a:r>
+              <a:rPr lang="ko-Kore-KR" altLang="en-US" sz="1400" dirty="0">
+                <a:latin typeface="DM Mono" panose="020B0509040201040103" pitchFamily="49" charset="0"/>
+              </a:rPr>
+              <a:t>{</a:t>
+            </a:r>
+          </a:p>
+          <a:p>
+            <a:r>
+              <a:rPr lang="ko-Kore-KR" altLang="en-US" sz="1400" dirty="0">
+                <a:latin typeface="DM Mono" panose="020B0509040201040103" pitchFamily="49" charset="0"/>
+              </a:rPr>
+              <a:t>    Point p1, p2;</a:t>
+            </a:r>
+          </a:p>
+          <a:p>
+            <a:r>
+              <a:rPr lang="ko-Kore-KR" altLang="en-US" sz="1400" dirty="0">
+                <a:latin typeface="DM Mono" panose="020B0509040201040103" pitchFamily="49" charset="0"/>
+              </a:rPr>
+              <a:t>    p1.Set(10, 20);</a:t>
+            </a:r>
+            <a:r>
+              <a:rPr lang="en-US" altLang="ko-Kore-KR" sz="1400" dirty="0">
+                <a:latin typeface="DM Mono" panose="020B0509040201040103" pitchFamily="49" charset="0"/>
+              </a:rPr>
+              <a:t> </a:t>
+            </a:r>
+            <a:r>
+              <a:rPr lang="en-US" altLang="ko-Kore-KR" sz="1400" dirty="0">
+                <a:solidFill>
+                  <a:srgbClr val="FF0000"/>
+                </a:solidFill>
+                <a:latin typeface="DM Mono" panose="020B0509040201040103" pitchFamily="49" charset="0"/>
+              </a:rPr>
+              <a:t>Set(&amp;p1, 10, 20)</a:t>
+            </a:r>
+            <a:endParaRPr lang="ko-Kore-KR" altLang="en-US" sz="1400" dirty="0">
+              <a:solidFill>
+                <a:srgbClr val="FF0000"/>
+              </a:solidFill>
+              <a:latin typeface="DM Mono" panose="020B0509040201040103" pitchFamily="49" charset="0"/>
+            </a:endParaRPr>
+          </a:p>
+          <a:p>
+            <a:r>
+              <a:rPr lang="ko-Kore-KR" altLang="en-US" sz="1400" dirty="0">
+                <a:latin typeface="DM Mono" panose="020B0509040201040103" pitchFamily="49" charset="0"/>
+              </a:rPr>
+              <a:t>    p2.Set(30, 40);</a:t>
+            </a:r>
+            <a:r>
+              <a:rPr lang="en-US" altLang="ko-Kore-KR" sz="1400" dirty="0">
+                <a:latin typeface="DM Mono" panose="020B0509040201040103" pitchFamily="49" charset="0"/>
+              </a:rPr>
+              <a:t> </a:t>
+            </a:r>
+            <a:r>
+              <a:rPr lang="en-US" altLang="ko-Kore-KR" sz="1400" dirty="0">
+                <a:solidFill>
+                  <a:srgbClr val="FF0000"/>
+                </a:solidFill>
+                <a:latin typeface="DM Mono" panose="020B0509040201040103" pitchFamily="49" charset="0"/>
+              </a:rPr>
+              <a:t>Set(&amp;p2, 10, 20)</a:t>
+            </a:r>
+            <a:endParaRPr lang="ko-Kore-KR" altLang="en-US" sz="1400" dirty="0">
+              <a:latin typeface="DM Mono" panose="020B0509040201040103" pitchFamily="49" charset="0"/>
+            </a:endParaRPr>
+          </a:p>
+          <a:p>
+            <a:r>
+              <a:rPr lang="ko-Kore-KR" altLang="en-US" sz="1400" dirty="0">
+                <a:latin typeface="DM Mono" panose="020B0509040201040103" pitchFamily="49" charset="0"/>
+              </a:rPr>
+              <a:t>}</a:t>
+            </a:r>
+          </a:p>
+        </p:txBody>
+      </p:sp>
+      <p:sp>
+        <p:nvSpPr>
+          <p:cNvPr id="6" name="직사각형 5">
+            <a:extLst>
+              <a:ext uri="{FF2B5EF4-FFF2-40B4-BE49-F238E27FC236}">
+                <a16:creationId xmlns:a16="http://schemas.microsoft.com/office/drawing/2014/main" id="{74974F39-C98A-803A-2DCB-7CB7F7EE1EF3}"/>
+              </a:ext>
+            </a:extLst>
+          </p:cNvPr>
+          <p:cNvSpPr/>
+          <p:nvPr/>
+        </p:nvSpPr>
+        <p:spPr>
+          <a:xfrm>
+            <a:off x="5616514" y="612195"/>
+            <a:ext cx="4891177" cy="2665563"/>
+          </a:xfrm>
+          <a:prstGeom prst="rect">
+            <a:avLst/>
+          </a:prstGeom>
+          <a:solidFill>
+            <a:schemeClr val="bg1"/>
+          </a:solidFill>
+        </p:spPr>
+        <p:style>
+          <a:lnRef idx="2">
+            <a:schemeClr val="accent1">
+              <a:shade val="50000"/>
+            </a:schemeClr>
+          </a:lnRef>
+          <a:fillRef idx="1">
+            <a:schemeClr val="accent1"/>
+          </a:fillRef>
+          <a:effectRef idx="0">
+            <a:schemeClr val="accent1"/>
+          </a:effectRef>
+          <a:fontRef idx="minor">
+            <a:schemeClr val="lt1"/>
+          </a:fontRef>
+        </p:style>
+        <p:txBody>
+          <a:bodyPr rtlCol="0" anchor="ctr"/>
+          <a:lstStyle/>
+          <a:p>
+            <a:pPr algn="ctr"/>
+            <a:endParaRPr kumimoji="1" lang="ko-Kore-KR" altLang="en-US"/>
+          </a:p>
+        </p:txBody>
+      </p:sp>
+      <p:sp>
+        <p:nvSpPr>
+          <p:cNvPr id="7" name="TextBox 6">
+            <a:extLst>
+              <a:ext uri="{FF2B5EF4-FFF2-40B4-BE49-F238E27FC236}">
+                <a16:creationId xmlns:a16="http://schemas.microsoft.com/office/drawing/2014/main" id="{450134DE-FD3D-FCE6-785E-142B9B7F9E19}"/>
+              </a:ext>
+            </a:extLst>
+          </p:cNvPr>
+          <p:cNvSpPr txBox="1"/>
+          <p:nvPr/>
+        </p:nvSpPr>
+        <p:spPr>
+          <a:xfrm>
+            <a:off x="7644800" y="242863"/>
+            <a:ext cx="834606" cy="369332"/>
+          </a:xfrm>
+          <a:prstGeom prst="rect">
+            <a:avLst/>
+          </a:prstGeom>
+          <a:noFill/>
+        </p:spPr>
+        <p:txBody>
+          <a:bodyPr wrap="square">
+            <a:spAutoFit/>
+          </a:bodyPr>
+          <a:lstStyle/>
+          <a:p>
+            <a:r>
+              <a:rPr lang="ko-Kore-KR" altLang="en-US" sz="1800" dirty="0">
+                <a:latin typeface="DM Mono" panose="020B0509040201040103" pitchFamily="49" charset="0"/>
+              </a:rPr>
+              <a:t>main</a:t>
+            </a:r>
+            <a:endParaRPr lang="ko-Kore-KR" altLang="en-US" dirty="0"/>
+          </a:p>
+        </p:txBody>
+      </p:sp>
+      <p:sp>
+        <p:nvSpPr>
+          <p:cNvPr id="8" name="직사각형 7">
+            <a:extLst>
+              <a:ext uri="{FF2B5EF4-FFF2-40B4-BE49-F238E27FC236}">
+                <a16:creationId xmlns:a16="http://schemas.microsoft.com/office/drawing/2014/main" id="{99851F65-54A1-35C0-B7BE-41B34951B52E}"/>
+              </a:ext>
+            </a:extLst>
+          </p:cNvPr>
+          <p:cNvSpPr/>
+          <p:nvPr/>
+        </p:nvSpPr>
+        <p:spPr>
+          <a:xfrm>
+            <a:off x="6332508" y="1043868"/>
+            <a:ext cx="1242204" cy="543464"/>
+          </a:xfrm>
+          <a:prstGeom prst="rect">
+            <a:avLst/>
+          </a:prstGeom>
+          <a:solidFill>
+            <a:srgbClr val="FFFF00"/>
+          </a:solidFill>
+        </p:spPr>
+        <p:style>
+          <a:lnRef idx="2">
+            <a:schemeClr val="accent4">
+              <a:shade val="50000"/>
+            </a:schemeClr>
+          </a:lnRef>
+          <a:fillRef idx="1">
+            <a:schemeClr val="accent4"/>
+          </a:fillRef>
+          <a:effectRef idx="0">
+            <a:schemeClr val="accent4"/>
+          </a:effectRef>
+          <a:fontRef idx="minor">
+            <a:schemeClr val="lt1"/>
+          </a:fontRef>
+        </p:style>
+        <p:txBody>
+          <a:bodyPr rtlCol="0" anchor="ctr"/>
+          <a:lstStyle/>
+          <a:p>
+            <a:pPr algn="ctr"/>
+            <a:r>
+              <a:rPr kumimoji="1" lang="en-US" altLang="ko-Kore-KR" sz="1600" dirty="0">
+                <a:solidFill>
+                  <a:schemeClr val="tx1"/>
+                </a:solidFill>
+                <a:latin typeface="DM Mono" panose="020B0509040201040103" pitchFamily="49" charset="0"/>
+              </a:rPr>
+              <a:t>10</a:t>
+            </a:r>
+            <a:endParaRPr kumimoji="1" lang="ko-Kore-KR" altLang="en-US" sz="1600" dirty="0">
+              <a:solidFill>
+                <a:schemeClr val="tx1"/>
+              </a:solidFill>
+              <a:latin typeface="DM Mono" panose="020B0509040201040103" pitchFamily="49" charset="0"/>
+            </a:endParaRPr>
+          </a:p>
+        </p:txBody>
+      </p:sp>
+      <p:sp>
+        <p:nvSpPr>
+          <p:cNvPr id="9" name="TextBox 8">
+            <a:extLst>
+              <a:ext uri="{FF2B5EF4-FFF2-40B4-BE49-F238E27FC236}">
+                <a16:creationId xmlns:a16="http://schemas.microsoft.com/office/drawing/2014/main" id="{E8786816-AD3D-C4AC-4D56-14C5BFFAD6B0}"/>
+              </a:ext>
+            </a:extLst>
+          </p:cNvPr>
+          <p:cNvSpPr txBox="1"/>
+          <p:nvPr/>
+        </p:nvSpPr>
+        <p:spPr>
+          <a:xfrm>
+            <a:off x="6695896" y="674536"/>
+            <a:ext cx="515428" cy="369332"/>
+          </a:xfrm>
+          <a:prstGeom prst="rect">
+            <a:avLst/>
+          </a:prstGeom>
+          <a:noFill/>
+        </p:spPr>
+        <p:txBody>
+          <a:bodyPr wrap="square">
+            <a:spAutoFit/>
+          </a:bodyPr>
+          <a:lstStyle/>
+          <a:p>
+            <a:r>
+              <a:rPr lang="en-US" altLang="ko-Kore-KR" dirty="0">
+                <a:latin typeface="DM Mono" panose="020B0509040201040103" pitchFamily="49" charset="0"/>
+              </a:rPr>
+              <a:t>p1</a:t>
+            </a:r>
+            <a:endParaRPr lang="ko-Kore-KR" altLang="en-US" dirty="0"/>
+          </a:p>
+        </p:txBody>
+      </p:sp>
+      <p:sp>
+        <p:nvSpPr>
+          <p:cNvPr id="10" name="TextBox 9">
+            <a:extLst>
+              <a:ext uri="{FF2B5EF4-FFF2-40B4-BE49-F238E27FC236}">
+                <a16:creationId xmlns:a16="http://schemas.microsoft.com/office/drawing/2014/main" id="{14109F8E-AD45-52BC-8004-1B02D7227A7E}"/>
+              </a:ext>
+            </a:extLst>
+          </p:cNvPr>
+          <p:cNvSpPr txBox="1"/>
+          <p:nvPr/>
+        </p:nvSpPr>
+        <p:spPr>
+          <a:xfrm>
+            <a:off x="5971279" y="1130934"/>
+            <a:ext cx="361229" cy="369332"/>
+          </a:xfrm>
+          <a:prstGeom prst="rect">
+            <a:avLst/>
+          </a:prstGeom>
+          <a:noFill/>
+        </p:spPr>
+        <p:txBody>
+          <a:bodyPr wrap="square">
+            <a:spAutoFit/>
+          </a:bodyPr>
+          <a:lstStyle/>
+          <a:p>
+            <a:r>
+              <a:rPr lang="en-US" altLang="ko-Kore-KR" dirty="0">
+                <a:latin typeface="DM Mono" panose="020B0509040201040103" pitchFamily="49" charset="0"/>
+              </a:rPr>
+              <a:t>x</a:t>
+            </a:r>
+            <a:endParaRPr lang="ko-Kore-KR" altLang="en-US" dirty="0"/>
+          </a:p>
+        </p:txBody>
+      </p:sp>
+      <p:sp>
+        <p:nvSpPr>
+          <p:cNvPr id="12" name="직사각형 11">
+            <a:extLst>
+              <a:ext uri="{FF2B5EF4-FFF2-40B4-BE49-F238E27FC236}">
+                <a16:creationId xmlns:a16="http://schemas.microsoft.com/office/drawing/2014/main" id="{DF6B8C4D-5989-3181-DC09-BCCCF9F81E9F}"/>
+              </a:ext>
+            </a:extLst>
+          </p:cNvPr>
+          <p:cNvSpPr/>
+          <p:nvPr/>
+        </p:nvSpPr>
+        <p:spPr>
+          <a:xfrm>
+            <a:off x="6332508" y="1595958"/>
+            <a:ext cx="1242204" cy="543464"/>
+          </a:xfrm>
+          <a:prstGeom prst="rect">
+            <a:avLst/>
+          </a:prstGeom>
+          <a:solidFill>
+            <a:srgbClr val="FFFF00"/>
+          </a:solidFill>
+        </p:spPr>
+        <p:style>
+          <a:lnRef idx="2">
+            <a:schemeClr val="accent4">
+              <a:shade val="50000"/>
+            </a:schemeClr>
+          </a:lnRef>
+          <a:fillRef idx="1">
+            <a:schemeClr val="accent4"/>
+          </a:fillRef>
+          <a:effectRef idx="0">
+            <a:schemeClr val="accent4"/>
+          </a:effectRef>
+          <a:fontRef idx="minor">
+            <a:schemeClr val="lt1"/>
+          </a:fontRef>
+        </p:style>
+        <p:txBody>
+          <a:bodyPr rtlCol="0" anchor="ctr"/>
+          <a:lstStyle/>
+          <a:p>
+            <a:pPr algn="ctr"/>
+            <a:r>
+              <a:rPr kumimoji="1" lang="en-US" altLang="ko-Kore-KR" sz="1600" dirty="0">
+                <a:solidFill>
+                  <a:schemeClr val="tx1"/>
+                </a:solidFill>
+                <a:latin typeface="DM Mono" panose="020B0509040201040103" pitchFamily="49" charset="0"/>
+              </a:rPr>
+              <a:t>20</a:t>
+            </a:r>
+            <a:endParaRPr kumimoji="1" lang="ko-Kore-KR" altLang="en-US" sz="1600" dirty="0">
+              <a:solidFill>
+                <a:schemeClr val="tx1"/>
+              </a:solidFill>
+              <a:latin typeface="DM Mono" panose="020B0509040201040103" pitchFamily="49" charset="0"/>
+            </a:endParaRPr>
+          </a:p>
+        </p:txBody>
+      </p:sp>
+      <p:sp>
+        <p:nvSpPr>
+          <p:cNvPr id="13" name="TextBox 12">
+            <a:extLst>
+              <a:ext uri="{FF2B5EF4-FFF2-40B4-BE49-F238E27FC236}">
+                <a16:creationId xmlns:a16="http://schemas.microsoft.com/office/drawing/2014/main" id="{21D884D0-DB52-17B3-6DB1-9A80ADF3BA02}"/>
+              </a:ext>
+            </a:extLst>
+          </p:cNvPr>
+          <p:cNvSpPr txBox="1"/>
+          <p:nvPr/>
+        </p:nvSpPr>
+        <p:spPr>
+          <a:xfrm>
+            <a:off x="5971279" y="1683024"/>
+            <a:ext cx="361229" cy="369332"/>
+          </a:xfrm>
+          <a:prstGeom prst="rect">
+            <a:avLst/>
+          </a:prstGeom>
+          <a:noFill/>
+        </p:spPr>
+        <p:txBody>
+          <a:bodyPr wrap="square">
+            <a:spAutoFit/>
+          </a:bodyPr>
+          <a:lstStyle/>
+          <a:p>
+            <a:r>
+              <a:rPr lang="en-US" altLang="ko-Kore-KR" dirty="0">
+                <a:latin typeface="DM Mono" panose="020B0509040201040103" pitchFamily="49" charset="0"/>
+              </a:rPr>
+              <a:t>y</a:t>
+            </a:r>
+            <a:endParaRPr lang="ko-Kore-KR" altLang="en-US" dirty="0"/>
+          </a:p>
+        </p:txBody>
+      </p:sp>
+      <p:sp>
+        <p:nvSpPr>
+          <p:cNvPr id="14" name="직사각형 13">
+            <a:extLst>
+              <a:ext uri="{FF2B5EF4-FFF2-40B4-BE49-F238E27FC236}">
+                <a16:creationId xmlns:a16="http://schemas.microsoft.com/office/drawing/2014/main" id="{EEB0C483-2D37-A589-2D2E-519EB7B4DF38}"/>
+              </a:ext>
+            </a:extLst>
+          </p:cNvPr>
+          <p:cNvSpPr/>
+          <p:nvPr/>
+        </p:nvSpPr>
+        <p:spPr>
+          <a:xfrm>
+            <a:off x="8290706" y="1052494"/>
+            <a:ext cx="1242204" cy="543464"/>
+          </a:xfrm>
+          <a:prstGeom prst="rect">
+            <a:avLst/>
+          </a:prstGeom>
+          <a:solidFill>
+            <a:srgbClr val="FFFF00"/>
+          </a:solidFill>
+        </p:spPr>
+        <p:style>
+          <a:lnRef idx="2">
+            <a:schemeClr val="accent4">
+              <a:shade val="50000"/>
+            </a:schemeClr>
+          </a:lnRef>
+          <a:fillRef idx="1">
+            <a:schemeClr val="accent4"/>
+          </a:fillRef>
+          <a:effectRef idx="0">
+            <a:schemeClr val="accent4"/>
+          </a:effectRef>
+          <a:fontRef idx="minor">
+            <a:schemeClr val="lt1"/>
+          </a:fontRef>
+        </p:style>
+        <p:txBody>
+          <a:bodyPr rtlCol="0" anchor="ctr"/>
+          <a:lstStyle/>
+          <a:p>
+            <a:pPr algn="ctr"/>
+            <a:endParaRPr kumimoji="1" lang="ko-Kore-KR" altLang="en-US" sz="1600" dirty="0">
+              <a:solidFill>
+                <a:schemeClr val="tx1"/>
+              </a:solidFill>
+              <a:latin typeface="DM Mono" panose="020B0509040201040103" pitchFamily="49" charset="0"/>
+            </a:endParaRPr>
+          </a:p>
+        </p:txBody>
+      </p:sp>
+      <p:sp>
+        <p:nvSpPr>
+          <p:cNvPr id="15" name="TextBox 14">
+            <a:extLst>
+              <a:ext uri="{FF2B5EF4-FFF2-40B4-BE49-F238E27FC236}">
+                <a16:creationId xmlns:a16="http://schemas.microsoft.com/office/drawing/2014/main" id="{05D09AB7-04D4-1DF6-3F1A-FD39230A1EED}"/>
+              </a:ext>
+            </a:extLst>
+          </p:cNvPr>
+          <p:cNvSpPr txBox="1"/>
+          <p:nvPr/>
+        </p:nvSpPr>
+        <p:spPr>
+          <a:xfrm>
+            <a:off x="8654094" y="683162"/>
+            <a:ext cx="515428" cy="369332"/>
+          </a:xfrm>
+          <a:prstGeom prst="rect">
+            <a:avLst/>
+          </a:prstGeom>
+          <a:noFill/>
+        </p:spPr>
+        <p:txBody>
+          <a:bodyPr wrap="square">
+            <a:spAutoFit/>
+          </a:bodyPr>
+          <a:lstStyle/>
+          <a:p>
+            <a:r>
+              <a:rPr lang="en-US" altLang="ko-Kore-KR" dirty="0">
+                <a:latin typeface="DM Mono" panose="020B0509040201040103" pitchFamily="49" charset="0"/>
+              </a:rPr>
+              <a:t>p2</a:t>
+            </a:r>
+            <a:endParaRPr lang="ko-Kore-KR" altLang="en-US" dirty="0"/>
+          </a:p>
+        </p:txBody>
+      </p:sp>
+      <p:sp>
+        <p:nvSpPr>
+          <p:cNvPr id="16" name="TextBox 15">
+            <a:extLst>
+              <a:ext uri="{FF2B5EF4-FFF2-40B4-BE49-F238E27FC236}">
+                <a16:creationId xmlns:a16="http://schemas.microsoft.com/office/drawing/2014/main" id="{77244DE7-CA58-A439-70AA-3EF55890083D}"/>
+              </a:ext>
+            </a:extLst>
+          </p:cNvPr>
+          <p:cNvSpPr txBox="1"/>
+          <p:nvPr/>
+        </p:nvSpPr>
+        <p:spPr>
+          <a:xfrm>
+            <a:off x="7929477" y="1139560"/>
+            <a:ext cx="361229" cy="369332"/>
+          </a:xfrm>
+          <a:prstGeom prst="rect">
+            <a:avLst/>
+          </a:prstGeom>
+          <a:noFill/>
+        </p:spPr>
+        <p:txBody>
+          <a:bodyPr wrap="square">
+            <a:spAutoFit/>
+          </a:bodyPr>
+          <a:lstStyle/>
+          <a:p>
+            <a:r>
+              <a:rPr lang="en-US" altLang="ko-Kore-KR" dirty="0">
+                <a:latin typeface="DM Mono" panose="020B0509040201040103" pitchFamily="49" charset="0"/>
+              </a:rPr>
+              <a:t>x</a:t>
+            </a:r>
+            <a:endParaRPr lang="ko-Kore-KR" altLang="en-US" dirty="0"/>
+          </a:p>
+        </p:txBody>
+      </p:sp>
+      <p:sp>
+        <p:nvSpPr>
+          <p:cNvPr id="17" name="직사각형 16">
+            <a:extLst>
+              <a:ext uri="{FF2B5EF4-FFF2-40B4-BE49-F238E27FC236}">
+                <a16:creationId xmlns:a16="http://schemas.microsoft.com/office/drawing/2014/main" id="{64BB7848-AD18-B460-5889-3708F679E9B5}"/>
+              </a:ext>
+            </a:extLst>
+          </p:cNvPr>
+          <p:cNvSpPr/>
+          <p:nvPr/>
+        </p:nvSpPr>
+        <p:spPr>
+          <a:xfrm>
+            <a:off x="8290706" y="1604584"/>
+            <a:ext cx="1242204" cy="543464"/>
+          </a:xfrm>
+          <a:prstGeom prst="rect">
+            <a:avLst/>
+          </a:prstGeom>
+          <a:solidFill>
+            <a:srgbClr val="FFFF00"/>
+          </a:solidFill>
+        </p:spPr>
+        <p:style>
+          <a:lnRef idx="2">
+            <a:schemeClr val="accent4">
+              <a:shade val="50000"/>
+            </a:schemeClr>
+          </a:lnRef>
+          <a:fillRef idx="1">
+            <a:schemeClr val="accent4"/>
+          </a:fillRef>
+          <a:effectRef idx="0">
+            <a:schemeClr val="accent4"/>
+          </a:effectRef>
+          <a:fontRef idx="minor">
+            <a:schemeClr val="lt1"/>
+          </a:fontRef>
+        </p:style>
+        <p:txBody>
+          <a:bodyPr rtlCol="0" anchor="ctr"/>
+          <a:lstStyle/>
+          <a:p>
+            <a:pPr algn="ctr"/>
+            <a:endParaRPr kumimoji="1" lang="ko-Kore-KR" altLang="en-US" sz="1600" dirty="0">
+              <a:solidFill>
+                <a:schemeClr val="tx1"/>
+              </a:solidFill>
+              <a:latin typeface="DM Mono" panose="020B0509040201040103" pitchFamily="49" charset="0"/>
+            </a:endParaRPr>
+          </a:p>
+        </p:txBody>
+      </p:sp>
+      <p:sp>
+        <p:nvSpPr>
+          <p:cNvPr id="18" name="TextBox 17">
+            <a:extLst>
+              <a:ext uri="{FF2B5EF4-FFF2-40B4-BE49-F238E27FC236}">
+                <a16:creationId xmlns:a16="http://schemas.microsoft.com/office/drawing/2014/main" id="{4ACA1E14-3F69-3BE7-672B-275A2DED7925}"/>
+              </a:ext>
+            </a:extLst>
+          </p:cNvPr>
+          <p:cNvSpPr txBox="1"/>
+          <p:nvPr/>
+        </p:nvSpPr>
+        <p:spPr>
+          <a:xfrm>
+            <a:off x="7929477" y="1691650"/>
+            <a:ext cx="361229" cy="369332"/>
+          </a:xfrm>
+          <a:prstGeom prst="rect">
+            <a:avLst/>
+          </a:prstGeom>
+          <a:noFill/>
+        </p:spPr>
+        <p:txBody>
+          <a:bodyPr wrap="square">
+            <a:spAutoFit/>
+          </a:bodyPr>
+          <a:lstStyle/>
+          <a:p>
+            <a:r>
+              <a:rPr lang="en-US" altLang="ko-Kore-KR" dirty="0">
+                <a:latin typeface="DM Mono" panose="020B0509040201040103" pitchFamily="49" charset="0"/>
+              </a:rPr>
+              <a:t>y</a:t>
+            </a:r>
+            <a:endParaRPr lang="ko-Kore-KR" altLang="en-US" dirty="0"/>
+          </a:p>
+        </p:txBody>
+      </p:sp>
+      <p:sp>
+        <p:nvSpPr>
+          <p:cNvPr id="20" name="TextBox 19">
+            <a:extLst>
+              <a:ext uri="{FF2B5EF4-FFF2-40B4-BE49-F238E27FC236}">
+                <a16:creationId xmlns:a16="http://schemas.microsoft.com/office/drawing/2014/main" id="{73B27EAE-3DDB-DBDF-C9DD-4E03AEED301C}"/>
+              </a:ext>
+            </a:extLst>
+          </p:cNvPr>
+          <p:cNvSpPr txBox="1"/>
+          <p:nvPr/>
+        </p:nvSpPr>
+        <p:spPr>
+          <a:xfrm>
+            <a:off x="5012667" y="4074946"/>
+            <a:ext cx="6719977" cy="1477328"/>
+          </a:xfrm>
+          <a:prstGeom prst="rect">
+            <a:avLst/>
+          </a:prstGeom>
+          <a:noFill/>
+        </p:spPr>
+        <p:txBody>
+          <a:bodyPr wrap="square">
+            <a:spAutoFit/>
+          </a:bodyPr>
+          <a:lstStyle/>
+          <a:p>
+            <a:r>
+              <a:rPr lang="ko-Kore-KR" altLang="en-US" dirty="0">
+                <a:latin typeface="DM Mono" panose="020B0509040201040103" pitchFamily="49" charset="0"/>
+              </a:rPr>
+              <a:t> void Set(</a:t>
+            </a:r>
+            <a:r>
+              <a:rPr lang="en-US" altLang="ko-Kore-KR" dirty="0">
+                <a:solidFill>
+                  <a:srgbClr val="FF0000"/>
+                </a:solidFill>
+                <a:latin typeface="DM Mono" panose="020B0509040201040103" pitchFamily="49" charset="0"/>
+              </a:rPr>
+              <a:t>Point* this, </a:t>
+            </a:r>
+            <a:r>
+              <a:rPr lang="ko-Kore-KR" altLang="en-US" dirty="0">
+                <a:latin typeface="DM Mono" panose="020B0509040201040103" pitchFamily="49" charset="0"/>
+              </a:rPr>
+              <a:t>int a, int b)</a:t>
+            </a:r>
+          </a:p>
+          <a:p>
+            <a:r>
+              <a:rPr lang="en-US" altLang="ko-Kore-KR" dirty="0">
+                <a:latin typeface="DM Mono" panose="020B0509040201040103" pitchFamily="49" charset="0"/>
+              </a:rPr>
+              <a:t> </a:t>
+            </a:r>
+            <a:r>
+              <a:rPr lang="ko-Kore-KR" altLang="en-US" dirty="0">
+                <a:latin typeface="DM Mono" panose="020B0509040201040103" pitchFamily="49" charset="0"/>
+              </a:rPr>
+              <a:t>{</a:t>
+            </a:r>
+          </a:p>
+          <a:p>
+            <a:r>
+              <a:rPr lang="ko-Kore-KR" altLang="en-US" dirty="0">
+                <a:latin typeface="DM Mono" panose="020B0509040201040103" pitchFamily="49" charset="0"/>
+              </a:rPr>
+              <a:t>   </a:t>
+            </a:r>
+            <a:r>
+              <a:rPr lang="en-US" altLang="ko-Kore-KR" dirty="0">
+                <a:solidFill>
+                  <a:srgbClr val="FF0000"/>
+                </a:solidFill>
+                <a:latin typeface="DM Mono" panose="020B0509040201040103" pitchFamily="49" charset="0"/>
+              </a:rPr>
+              <a:t>this-&gt;</a:t>
+            </a:r>
+            <a:r>
+              <a:rPr lang="ko-Kore-KR" altLang="en-US" dirty="0">
+                <a:latin typeface="DM Mono" panose="020B0509040201040103" pitchFamily="49" charset="0"/>
+              </a:rPr>
+              <a:t>x = a;</a:t>
+            </a:r>
+          </a:p>
+          <a:p>
+            <a:r>
+              <a:rPr lang="ko-Kore-KR" altLang="en-US" dirty="0">
+                <a:latin typeface="DM Mono" panose="020B0509040201040103" pitchFamily="49" charset="0"/>
+              </a:rPr>
+              <a:t>   </a:t>
+            </a:r>
+            <a:r>
+              <a:rPr lang="en-US" altLang="ko-Kore-KR" dirty="0">
+                <a:solidFill>
+                  <a:srgbClr val="FF0000"/>
+                </a:solidFill>
+                <a:latin typeface="DM Mono" panose="020B0509040201040103" pitchFamily="49" charset="0"/>
+              </a:rPr>
+              <a:t>this-&gt;</a:t>
+            </a:r>
+            <a:r>
+              <a:rPr lang="ko-Kore-KR" altLang="en-US" dirty="0">
+                <a:latin typeface="DM Mono" panose="020B0509040201040103" pitchFamily="49" charset="0"/>
+              </a:rPr>
+              <a:t>y = b;</a:t>
+            </a:r>
+          </a:p>
+          <a:p>
+            <a:r>
+              <a:rPr lang="ko-Kore-KR" altLang="en-US" dirty="0">
+                <a:latin typeface="DM Mono" panose="020B0509040201040103" pitchFamily="49" charset="0"/>
+              </a:rPr>
+              <a:t> }</a:t>
+            </a:r>
+            <a:endParaRPr lang="ko-Kore-KR" altLang="en-US" dirty="0"/>
+          </a:p>
+        </p:txBody>
+      </p:sp>
+      <p:cxnSp>
+        <p:nvCxnSpPr>
+          <p:cNvPr id="23" name="구부러진 연결선[U] 22">
+            <a:extLst>
+              <a:ext uri="{FF2B5EF4-FFF2-40B4-BE49-F238E27FC236}">
+                <a16:creationId xmlns:a16="http://schemas.microsoft.com/office/drawing/2014/main" id="{7890510B-B95D-B91B-0CD1-9104A92C9CBE}"/>
+              </a:ext>
+            </a:extLst>
+          </p:cNvPr>
+          <p:cNvCxnSpPr>
+            <a:cxnSpLocks/>
+            <a:endCxn id="8" idx="0"/>
+          </p:cNvCxnSpPr>
+          <p:nvPr/>
+        </p:nvCxnSpPr>
+        <p:spPr>
+          <a:xfrm rot="16200000" flipV="1">
+            <a:off x="5678426" y="2319053"/>
+            <a:ext cx="3169313" cy="618943"/>
+          </a:xfrm>
+          <a:prstGeom prst="curvedConnector5">
+            <a:avLst>
+              <a:gd name="adj1" fmla="val 41426"/>
+              <a:gd name="adj2" fmla="val 453312"/>
+              <a:gd name="adj3" fmla="val 107213"/>
+            </a:avLst>
+          </a:prstGeom>
+          <a:ln>
+            <a:tailEnd type="triangle"/>
+          </a:ln>
+        </p:spPr>
+        <p:style>
+          <a:lnRef idx="1">
+            <a:schemeClr val="dk1"/>
+          </a:lnRef>
+          <a:fillRef idx="0">
+            <a:schemeClr val="dk1"/>
+          </a:fillRef>
+          <a:effectRef idx="0">
+            <a:schemeClr val="dk1"/>
+          </a:effectRef>
+          <a:fontRef idx="minor">
+            <a:schemeClr val="tx1"/>
+          </a:fontRef>
+        </p:style>
+      </p:cxnSp>
+    </p:spTree>
+    <p:extLst>
+      <p:ext uri="{BB962C8B-B14F-4D97-AF65-F5344CB8AC3E}">
+        <p14:creationId xmlns:p14="http://schemas.microsoft.com/office/powerpoint/2010/main" val="1875078603"/>
       </p:ext>
     </p:extLst>
   </p:cSld>

--- a/cpp/230223.pptx
+++ b/cpp/230223.pptx
@@ -15,6 +15,10 @@
     <p:sldId id="263" r:id="rId9"/>
     <p:sldId id="264" r:id="rId10"/>
     <p:sldId id="265" r:id="rId11"/>
+    <p:sldId id="266" r:id="rId12"/>
+    <p:sldId id="267" r:id="rId13"/>
+    <p:sldId id="268" r:id="rId14"/>
+    <p:sldId id="270" r:id="rId15"/>
   </p:sldIdLst>
   <p:sldSz cx="12192000" cy="6858000"/>
   <p:notesSz cx="6858000" cy="9144000"/>
@@ -4820,6 +4824,3540 @@
     <p:extLst>
       <p:ext uri="{BB962C8B-B14F-4D97-AF65-F5344CB8AC3E}">
         <p14:creationId xmlns:p14="http://schemas.microsoft.com/office/powerpoint/2010/main" val="224171855"/>
+      </p:ext>
+    </p:extLst>
+  </p:cSld>
+  <p:clrMapOvr>
+    <a:masterClrMapping/>
+  </p:clrMapOvr>
+</p:sld>
+</file>
+
+<file path=ppt/slides/slide11.xml><?xml version="1.0" encoding="utf-8"?>
+<p:sld xmlns:a="http://schemas.openxmlformats.org/drawingml/2006/main" xmlns:r="http://schemas.openxmlformats.org/officeDocument/2006/relationships" xmlns:p="http://schemas.openxmlformats.org/presentationml/2006/main">
+  <p:cSld>
+    <p:spTree>
+      <p:nvGrpSpPr>
+        <p:cNvPr id="1" name=""/>
+        <p:cNvGrpSpPr/>
+        <p:nvPr/>
+      </p:nvGrpSpPr>
+      <p:grpSpPr>
+        <a:xfrm>
+          <a:off x="0" y="0"/>
+          <a:ext cx="0" cy="0"/>
+          <a:chOff x="0" y="0"/>
+          <a:chExt cx="0" cy="0"/>
+        </a:xfrm>
+      </p:grpSpPr>
+      <p:sp>
+        <p:nvSpPr>
+          <p:cNvPr id="5" name="TextBox 4">
+            <a:extLst>
+              <a:ext uri="{FF2B5EF4-FFF2-40B4-BE49-F238E27FC236}">
+                <a16:creationId xmlns:a16="http://schemas.microsoft.com/office/drawing/2014/main" id="{A9C408B7-EB2C-4D9F-4A24-834069D4D7F1}"/>
+              </a:ext>
+            </a:extLst>
+          </p:cNvPr>
+          <p:cNvSpPr txBox="1"/>
+          <p:nvPr/>
+        </p:nvSpPr>
+        <p:spPr>
+          <a:xfrm>
+            <a:off x="476609" y="445128"/>
+            <a:ext cx="6094562" cy="5047536"/>
+          </a:xfrm>
+          <a:prstGeom prst="rect">
+            <a:avLst/>
+          </a:prstGeom>
+          <a:noFill/>
+        </p:spPr>
+        <p:txBody>
+          <a:bodyPr wrap="square">
+            <a:spAutoFit/>
+          </a:bodyPr>
+          <a:lstStyle/>
+          <a:p>
+            <a:r>
+              <a:rPr lang="ko-Kore-KR" altLang="en-US" sz="1400" dirty="0">
+                <a:latin typeface="DM Mono" panose="020B0509040201040103" pitchFamily="49" charset="0"/>
+              </a:rPr>
+              <a:t>class User {</a:t>
+            </a:r>
+          </a:p>
+          <a:p>
+            <a:r>
+              <a:rPr lang="ko-Kore-KR" altLang="en-US" sz="1400" dirty="0">
+                <a:latin typeface="DM Mono" panose="020B0509040201040103" pitchFamily="49" charset="0"/>
+              </a:rPr>
+              <a:t>    char* name;</a:t>
+            </a:r>
+          </a:p>
+          <a:p>
+            <a:r>
+              <a:rPr lang="ko-Kore-KR" altLang="en-US" sz="1400" dirty="0">
+                <a:latin typeface="DM Mono" panose="020B0509040201040103" pitchFamily="49" charset="0"/>
+              </a:rPr>
+              <a:t>    int age;</a:t>
+            </a:r>
+          </a:p>
+          <a:p>
+            <a:endParaRPr lang="ko-Kore-KR" altLang="en-US" sz="1400" dirty="0">
+              <a:latin typeface="DM Mono" panose="020B0509040201040103" pitchFamily="49" charset="0"/>
+            </a:endParaRPr>
+          </a:p>
+          <a:p>
+            <a:r>
+              <a:rPr lang="ko-Kore-KR" altLang="en-US" sz="1400" dirty="0">
+                <a:latin typeface="DM Mono" panose="020B0509040201040103" pitchFamily="49" charset="0"/>
+              </a:rPr>
+              <a:t>public:</a:t>
+            </a:r>
+          </a:p>
+          <a:p>
+            <a:r>
+              <a:rPr lang="ko-Kore-KR" altLang="en-US" sz="1400" dirty="0">
+                <a:latin typeface="DM Mono" panose="020B0509040201040103" pitchFamily="49" charset="0"/>
+              </a:rPr>
+              <a:t>    ~User() { delete[] name; }</a:t>
+            </a:r>
+          </a:p>
+          <a:p>
+            <a:endParaRPr lang="ko-Kore-KR" altLang="en-US" sz="1400" dirty="0">
+              <a:latin typeface="DM Mono" panose="020B0509040201040103" pitchFamily="49" charset="0"/>
+            </a:endParaRPr>
+          </a:p>
+          <a:p>
+            <a:r>
+              <a:rPr lang="ko-Kore-KR" altLang="en-US" sz="1400" dirty="0">
+                <a:latin typeface="DM Mono" panose="020B0509040201040103" pitchFamily="49" charset="0"/>
+              </a:rPr>
+              <a:t>    User(const char* s, int n)</a:t>
+            </a:r>
+          </a:p>
+          <a:p>
+            <a:r>
+              <a:rPr lang="ko-Kore-KR" altLang="en-US" sz="1400" dirty="0">
+                <a:latin typeface="DM Mono" panose="020B0509040201040103" pitchFamily="49" charset="0"/>
+              </a:rPr>
+              <a:t>        : age(n)</a:t>
+            </a:r>
+          </a:p>
+          <a:p>
+            <a:r>
+              <a:rPr lang="ko-Kore-KR" altLang="en-US" sz="1400" dirty="0">
+                <a:latin typeface="DM Mono" panose="020B0509040201040103" pitchFamily="49" charset="0"/>
+              </a:rPr>
+              <a:t>    {</a:t>
+            </a:r>
+          </a:p>
+          <a:p>
+            <a:r>
+              <a:rPr lang="ko-Kore-KR" altLang="en-US" sz="1400" dirty="0">
+                <a:latin typeface="DM Mono" panose="020B0509040201040103" pitchFamily="49" charset="0"/>
+              </a:rPr>
+              <a:t>        name = new char[strlen(s) + 1];</a:t>
+            </a:r>
+          </a:p>
+          <a:p>
+            <a:r>
+              <a:rPr lang="ko-Kore-KR" altLang="en-US" sz="1400" dirty="0">
+                <a:latin typeface="DM Mono" panose="020B0509040201040103" pitchFamily="49" charset="0"/>
+              </a:rPr>
+              <a:t>        strcpy(name, s);</a:t>
+            </a:r>
+          </a:p>
+          <a:p>
+            <a:r>
+              <a:rPr lang="ko-Kore-KR" altLang="en-US" sz="1400" dirty="0">
+                <a:latin typeface="DM Mono" panose="020B0509040201040103" pitchFamily="49" charset="0"/>
+              </a:rPr>
+              <a:t>    }</a:t>
+            </a:r>
+          </a:p>
+          <a:p>
+            <a:r>
+              <a:rPr lang="ko-Kore-KR" altLang="en-US" sz="1400" dirty="0">
+                <a:latin typeface="DM Mono" panose="020B0509040201040103" pitchFamily="49" charset="0"/>
+              </a:rPr>
+              <a:t>};</a:t>
+            </a:r>
+          </a:p>
+          <a:p>
+            <a:endParaRPr lang="ko-Kore-KR" altLang="en-US" sz="1400" dirty="0">
+              <a:latin typeface="DM Mono" panose="020B0509040201040103" pitchFamily="49" charset="0"/>
+            </a:endParaRPr>
+          </a:p>
+          <a:p>
+            <a:r>
+              <a:rPr lang="ko-Kore-KR" altLang="en-US" sz="1400" dirty="0">
+                <a:latin typeface="DM Mono" panose="020B0509040201040103" pitchFamily="49" charset="0"/>
+              </a:rPr>
+              <a:t>int main()</a:t>
+            </a:r>
+          </a:p>
+          <a:p>
+            <a:r>
+              <a:rPr lang="ko-Kore-KR" altLang="en-US" sz="1400" dirty="0">
+                <a:latin typeface="DM Mono" panose="020B0509040201040103" pitchFamily="49" charset="0"/>
+              </a:rPr>
+              <a:t>{</a:t>
+            </a:r>
+          </a:p>
+          <a:p>
+            <a:r>
+              <a:rPr lang="ko-Kore-KR" altLang="en-US" sz="1400" dirty="0">
+                <a:latin typeface="DM Mono" panose="020B0509040201040103" pitchFamily="49" charset="0"/>
+              </a:rPr>
+              <a:t>    User user1("Tom", 42);</a:t>
+            </a:r>
+          </a:p>
+          <a:p>
+            <a:r>
+              <a:rPr lang="ko-Kore-KR" altLang="en-US" sz="1400" dirty="0">
+                <a:latin typeface="DM Mono" panose="020B0509040201040103" pitchFamily="49" charset="0"/>
+              </a:rPr>
+              <a:t>    user1.Print();</a:t>
+            </a:r>
+          </a:p>
+          <a:p>
+            <a:endParaRPr lang="ko-Kore-KR" altLang="en-US" sz="1400" dirty="0">
+              <a:latin typeface="DM Mono" panose="020B0509040201040103" pitchFamily="49" charset="0"/>
+            </a:endParaRPr>
+          </a:p>
+          <a:p>
+            <a:r>
+              <a:rPr lang="ko-Kore-KR" altLang="en-US" sz="1400" dirty="0">
+                <a:latin typeface="DM Mono" panose="020B0509040201040103" pitchFamily="49" charset="0"/>
+              </a:rPr>
+              <a:t>    User user2(user1);</a:t>
+            </a:r>
+          </a:p>
+          <a:p>
+            <a:r>
+              <a:rPr lang="ko-Kore-KR" altLang="en-US" sz="1400" dirty="0">
+                <a:latin typeface="DM Mono" panose="020B0509040201040103" pitchFamily="49" charset="0"/>
+              </a:rPr>
+              <a:t>    user2.Print();</a:t>
+            </a:r>
+          </a:p>
+          <a:p>
+            <a:r>
+              <a:rPr lang="ko-Kore-KR" altLang="en-US" sz="1400" dirty="0">
+                <a:latin typeface="DM Mono" panose="020B0509040201040103" pitchFamily="49" charset="0"/>
+              </a:rPr>
+              <a:t>}</a:t>
+            </a:r>
+          </a:p>
+        </p:txBody>
+      </p:sp>
+      <p:sp>
+        <p:nvSpPr>
+          <p:cNvPr id="6" name="직사각형 5">
+            <a:extLst>
+              <a:ext uri="{FF2B5EF4-FFF2-40B4-BE49-F238E27FC236}">
+                <a16:creationId xmlns:a16="http://schemas.microsoft.com/office/drawing/2014/main" id="{C0CD5A7C-DCA0-1464-3C57-55040947D5C1}"/>
+              </a:ext>
+            </a:extLst>
+          </p:cNvPr>
+          <p:cNvSpPr/>
+          <p:nvPr/>
+        </p:nvSpPr>
+        <p:spPr>
+          <a:xfrm>
+            <a:off x="4391563" y="3429000"/>
+            <a:ext cx="4891177" cy="2665563"/>
+          </a:xfrm>
+          <a:prstGeom prst="rect">
+            <a:avLst/>
+          </a:prstGeom>
+          <a:solidFill>
+            <a:schemeClr val="bg1"/>
+          </a:solidFill>
+        </p:spPr>
+        <p:style>
+          <a:lnRef idx="2">
+            <a:schemeClr val="accent1">
+              <a:shade val="50000"/>
+            </a:schemeClr>
+          </a:lnRef>
+          <a:fillRef idx="1">
+            <a:schemeClr val="accent1"/>
+          </a:fillRef>
+          <a:effectRef idx="0">
+            <a:schemeClr val="accent1"/>
+          </a:effectRef>
+          <a:fontRef idx="minor">
+            <a:schemeClr val="lt1"/>
+          </a:fontRef>
+        </p:style>
+        <p:txBody>
+          <a:bodyPr rtlCol="0" anchor="ctr"/>
+          <a:lstStyle/>
+          <a:p>
+            <a:pPr algn="ctr"/>
+            <a:endParaRPr kumimoji="1" lang="ko-Kore-KR" altLang="en-US"/>
+          </a:p>
+        </p:txBody>
+      </p:sp>
+      <p:sp>
+        <p:nvSpPr>
+          <p:cNvPr id="7" name="TextBox 6">
+            <a:extLst>
+              <a:ext uri="{FF2B5EF4-FFF2-40B4-BE49-F238E27FC236}">
+                <a16:creationId xmlns:a16="http://schemas.microsoft.com/office/drawing/2014/main" id="{95A02362-E5AB-6671-7474-3C62A2CB9350}"/>
+              </a:ext>
+            </a:extLst>
+          </p:cNvPr>
+          <p:cNvSpPr txBox="1"/>
+          <p:nvPr/>
+        </p:nvSpPr>
+        <p:spPr>
+          <a:xfrm>
+            <a:off x="6419849" y="3059668"/>
+            <a:ext cx="834606" cy="369332"/>
+          </a:xfrm>
+          <a:prstGeom prst="rect">
+            <a:avLst/>
+          </a:prstGeom>
+          <a:noFill/>
+        </p:spPr>
+        <p:txBody>
+          <a:bodyPr wrap="square">
+            <a:spAutoFit/>
+          </a:bodyPr>
+          <a:lstStyle/>
+          <a:p>
+            <a:r>
+              <a:rPr lang="ko-Kore-KR" altLang="en-US" sz="1800" dirty="0">
+                <a:latin typeface="DM Mono" panose="020B0509040201040103" pitchFamily="49" charset="0"/>
+              </a:rPr>
+              <a:t>main</a:t>
+            </a:r>
+            <a:endParaRPr lang="ko-Kore-KR" altLang="en-US" dirty="0"/>
+          </a:p>
+        </p:txBody>
+      </p:sp>
+      <p:sp>
+        <p:nvSpPr>
+          <p:cNvPr id="8" name="직사각형 7">
+            <a:extLst>
+              <a:ext uri="{FF2B5EF4-FFF2-40B4-BE49-F238E27FC236}">
+                <a16:creationId xmlns:a16="http://schemas.microsoft.com/office/drawing/2014/main" id="{B3BF2BFC-0B55-160D-55C6-F3BD3753D6EA}"/>
+              </a:ext>
+            </a:extLst>
+          </p:cNvPr>
+          <p:cNvSpPr/>
+          <p:nvPr/>
+        </p:nvSpPr>
+        <p:spPr>
+          <a:xfrm>
+            <a:off x="5107557" y="3860673"/>
+            <a:ext cx="1242204" cy="543464"/>
+          </a:xfrm>
+          <a:prstGeom prst="rect">
+            <a:avLst/>
+          </a:prstGeom>
+          <a:solidFill>
+            <a:srgbClr val="FFFF00"/>
+          </a:solidFill>
+        </p:spPr>
+        <p:style>
+          <a:lnRef idx="2">
+            <a:schemeClr val="accent4">
+              <a:shade val="50000"/>
+            </a:schemeClr>
+          </a:lnRef>
+          <a:fillRef idx="1">
+            <a:schemeClr val="accent4"/>
+          </a:fillRef>
+          <a:effectRef idx="0">
+            <a:schemeClr val="accent4"/>
+          </a:effectRef>
+          <a:fontRef idx="minor">
+            <a:schemeClr val="lt1"/>
+          </a:fontRef>
+        </p:style>
+        <p:txBody>
+          <a:bodyPr rtlCol="0" anchor="ctr"/>
+          <a:lstStyle/>
+          <a:p>
+            <a:pPr algn="ctr"/>
+            <a:endParaRPr kumimoji="1" lang="ko-Kore-KR" altLang="en-US" sz="1600" dirty="0">
+              <a:solidFill>
+                <a:schemeClr val="tx1"/>
+              </a:solidFill>
+              <a:latin typeface="DM Mono" panose="020B0509040201040103" pitchFamily="49" charset="0"/>
+            </a:endParaRPr>
+          </a:p>
+        </p:txBody>
+      </p:sp>
+      <p:sp>
+        <p:nvSpPr>
+          <p:cNvPr id="9" name="TextBox 8">
+            <a:extLst>
+              <a:ext uri="{FF2B5EF4-FFF2-40B4-BE49-F238E27FC236}">
+                <a16:creationId xmlns:a16="http://schemas.microsoft.com/office/drawing/2014/main" id="{40F5470D-37AD-B379-4FF8-25D26C48836B}"/>
+              </a:ext>
+            </a:extLst>
+          </p:cNvPr>
+          <p:cNvSpPr txBox="1"/>
+          <p:nvPr/>
+        </p:nvSpPr>
+        <p:spPr>
+          <a:xfrm>
+            <a:off x="5289251" y="3482715"/>
+            <a:ext cx="878816" cy="369332"/>
+          </a:xfrm>
+          <a:prstGeom prst="rect">
+            <a:avLst/>
+          </a:prstGeom>
+          <a:noFill/>
+        </p:spPr>
+        <p:txBody>
+          <a:bodyPr wrap="square">
+            <a:spAutoFit/>
+          </a:bodyPr>
+          <a:lstStyle/>
+          <a:p>
+            <a:r>
+              <a:rPr lang="en-US" altLang="ko-Kore-KR" dirty="0">
+                <a:latin typeface="DM Mono" panose="020B0509040201040103" pitchFamily="49" charset="0"/>
+              </a:rPr>
+              <a:t>user1</a:t>
+            </a:r>
+            <a:endParaRPr lang="ko-Kore-KR" altLang="en-US" dirty="0"/>
+          </a:p>
+        </p:txBody>
+      </p:sp>
+      <p:sp>
+        <p:nvSpPr>
+          <p:cNvPr id="10" name="TextBox 9">
+            <a:extLst>
+              <a:ext uri="{FF2B5EF4-FFF2-40B4-BE49-F238E27FC236}">
+                <a16:creationId xmlns:a16="http://schemas.microsoft.com/office/drawing/2014/main" id="{D1EE629E-DEFC-2D6D-FFFE-81A1816C48D8}"/>
+              </a:ext>
+            </a:extLst>
+          </p:cNvPr>
+          <p:cNvSpPr txBox="1"/>
+          <p:nvPr/>
+        </p:nvSpPr>
+        <p:spPr>
+          <a:xfrm>
+            <a:off x="4313208" y="3947739"/>
+            <a:ext cx="794349" cy="369332"/>
+          </a:xfrm>
+          <a:prstGeom prst="rect">
+            <a:avLst/>
+          </a:prstGeom>
+          <a:noFill/>
+        </p:spPr>
+        <p:txBody>
+          <a:bodyPr wrap="square">
+            <a:spAutoFit/>
+          </a:bodyPr>
+          <a:lstStyle/>
+          <a:p>
+            <a:pPr algn="r"/>
+            <a:r>
+              <a:rPr lang="en-US" altLang="ko-Kore-KR" dirty="0">
+                <a:latin typeface="DM Mono" panose="020B0509040201040103" pitchFamily="49" charset="0"/>
+              </a:rPr>
+              <a:t>name</a:t>
+            </a:r>
+            <a:endParaRPr lang="ko-Kore-KR" altLang="en-US" dirty="0"/>
+          </a:p>
+        </p:txBody>
+      </p:sp>
+      <p:sp>
+        <p:nvSpPr>
+          <p:cNvPr id="11" name="직사각형 10">
+            <a:extLst>
+              <a:ext uri="{FF2B5EF4-FFF2-40B4-BE49-F238E27FC236}">
+                <a16:creationId xmlns:a16="http://schemas.microsoft.com/office/drawing/2014/main" id="{C8AFE9BD-EC5A-74EA-40A2-B58CD85470F8}"/>
+              </a:ext>
+            </a:extLst>
+          </p:cNvPr>
+          <p:cNvSpPr/>
+          <p:nvPr/>
+        </p:nvSpPr>
+        <p:spPr>
+          <a:xfrm>
+            <a:off x="5107557" y="4412763"/>
+            <a:ext cx="1242204" cy="543464"/>
+          </a:xfrm>
+          <a:prstGeom prst="rect">
+            <a:avLst/>
+          </a:prstGeom>
+          <a:solidFill>
+            <a:srgbClr val="FFFF00"/>
+          </a:solidFill>
+        </p:spPr>
+        <p:style>
+          <a:lnRef idx="2">
+            <a:schemeClr val="accent4">
+              <a:shade val="50000"/>
+            </a:schemeClr>
+          </a:lnRef>
+          <a:fillRef idx="1">
+            <a:schemeClr val="accent4"/>
+          </a:fillRef>
+          <a:effectRef idx="0">
+            <a:schemeClr val="accent4"/>
+          </a:effectRef>
+          <a:fontRef idx="minor">
+            <a:schemeClr val="lt1"/>
+          </a:fontRef>
+        </p:style>
+        <p:txBody>
+          <a:bodyPr rtlCol="0" anchor="ctr"/>
+          <a:lstStyle/>
+          <a:p>
+            <a:pPr algn="ctr"/>
+            <a:r>
+              <a:rPr kumimoji="1" lang="en-US" altLang="ko-Kore-KR" sz="1600" dirty="0">
+                <a:solidFill>
+                  <a:schemeClr val="tx1"/>
+                </a:solidFill>
+                <a:latin typeface="DM Mono" panose="020B0509040201040103" pitchFamily="49" charset="0"/>
+              </a:rPr>
+              <a:t>42</a:t>
+            </a:r>
+            <a:endParaRPr kumimoji="1" lang="ko-Kore-KR" altLang="en-US" sz="1600" dirty="0">
+              <a:solidFill>
+                <a:schemeClr val="tx1"/>
+              </a:solidFill>
+              <a:latin typeface="DM Mono" panose="020B0509040201040103" pitchFamily="49" charset="0"/>
+            </a:endParaRPr>
+          </a:p>
+        </p:txBody>
+      </p:sp>
+      <p:sp>
+        <p:nvSpPr>
+          <p:cNvPr id="12" name="TextBox 11">
+            <a:extLst>
+              <a:ext uri="{FF2B5EF4-FFF2-40B4-BE49-F238E27FC236}">
+                <a16:creationId xmlns:a16="http://schemas.microsoft.com/office/drawing/2014/main" id="{61E071AD-26B0-2AD5-0544-429B60751643}"/>
+              </a:ext>
+            </a:extLst>
+          </p:cNvPr>
+          <p:cNvSpPr txBox="1"/>
+          <p:nvPr/>
+        </p:nvSpPr>
+        <p:spPr>
+          <a:xfrm>
+            <a:off x="4247058" y="4499829"/>
+            <a:ext cx="860499" cy="369332"/>
+          </a:xfrm>
+          <a:prstGeom prst="rect">
+            <a:avLst/>
+          </a:prstGeom>
+          <a:noFill/>
+        </p:spPr>
+        <p:txBody>
+          <a:bodyPr wrap="square">
+            <a:spAutoFit/>
+          </a:bodyPr>
+          <a:lstStyle/>
+          <a:p>
+            <a:pPr algn="r"/>
+            <a:r>
+              <a:rPr lang="en-US" altLang="ko-Kore-KR" dirty="0">
+                <a:latin typeface="DM Mono" panose="020B0509040201040103" pitchFamily="49" charset="0"/>
+              </a:rPr>
+              <a:t>age</a:t>
+            </a:r>
+            <a:endParaRPr lang="ko-Kore-KR" altLang="en-US" dirty="0"/>
+          </a:p>
+        </p:txBody>
+      </p:sp>
+      <p:sp>
+        <p:nvSpPr>
+          <p:cNvPr id="13" name="직사각형 12">
+            <a:extLst>
+              <a:ext uri="{FF2B5EF4-FFF2-40B4-BE49-F238E27FC236}">
+                <a16:creationId xmlns:a16="http://schemas.microsoft.com/office/drawing/2014/main" id="{59B76654-A045-AC5D-7DD6-7340D6D98C38}"/>
+              </a:ext>
+            </a:extLst>
+          </p:cNvPr>
+          <p:cNvSpPr/>
+          <p:nvPr/>
+        </p:nvSpPr>
+        <p:spPr>
+          <a:xfrm>
+            <a:off x="9409263" y="605639"/>
+            <a:ext cx="1242204" cy="543464"/>
+          </a:xfrm>
+          <a:prstGeom prst="rect">
+            <a:avLst/>
+          </a:prstGeom>
+          <a:solidFill>
+            <a:srgbClr val="FFFF00"/>
+          </a:solidFill>
+        </p:spPr>
+        <p:style>
+          <a:lnRef idx="2">
+            <a:schemeClr val="accent4">
+              <a:shade val="50000"/>
+            </a:schemeClr>
+          </a:lnRef>
+          <a:fillRef idx="1">
+            <a:schemeClr val="accent4"/>
+          </a:fillRef>
+          <a:effectRef idx="0">
+            <a:schemeClr val="accent4"/>
+          </a:effectRef>
+          <a:fontRef idx="minor">
+            <a:schemeClr val="lt1"/>
+          </a:fontRef>
+        </p:style>
+        <p:txBody>
+          <a:bodyPr rtlCol="0" anchor="ctr"/>
+          <a:lstStyle/>
+          <a:p>
+            <a:pPr algn="ctr"/>
+            <a:r>
+              <a:rPr kumimoji="1" lang="en-US" altLang="ko-Kore-KR" sz="1600" dirty="0">
+                <a:solidFill>
+                  <a:schemeClr val="tx1"/>
+                </a:solidFill>
+                <a:latin typeface="DM Mono" panose="020B0509040201040103" pitchFamily="49" charset="0"/>
+              </a:rPr>
+              <a:t>“Tom”</a:t>
+            </a:r>
+            <a:endParaRPr kumimoji="1" lang="ko-Kore-KR" altLang="en-US" sz="1600" dirty="0">
+              <a:solidFill>
+                <a:schemeClr val="tx1"/>
+              </a:solidFill>
+              <a:latin typeface="DM Mono" panose="020B0509040201040103" pitchFamily="49" charset="0"/>
+            </a:endParaRPr>
+          </a:p>
+        </p:txBody>
+      </p:sp>
+      <p:cxnSp>
+        <p:nvCxnSpPr>
+          <p:cNvPr id="15" name="구부러진 연결선[U] 14">
+            <a:extLst>
+              <a:ext uri="{FF2B5EF4-FFF2-40B4-BE49-F238E27FC236}">
+                <a16:creationId xmlns:a16="http://schemas.microsoft.com/office/drawing/2014/main" id="{38BEF0C6-0D84-A648-D8BD-80B5DDB76218}"/>
+              </a:ext>
+            </a:extLst>
+          </p:cNvPr>
+          <p:cNvCxnSpPr>
+            <a:cxnSpLocks/>
+            <a:stCxn id="8" idx="3"/>
+            <a:endCxn id="13" idx="1"/>
+          </p:cNvCxnSpPr>
+          <p:nvPr/>
+        </p:nvCxnSpPr>
+        <p:spPr>
+          <a:xfrm flipV="1">
+            <a:off x="6349761" y="877371"/>
+            <a:ext cx="3059502" cy="3255034"/>
+          </a:xfrm>
+          <a:prstGeom prst="curvedConnector3">
+            <a:avLst>
+              <a:gd name="adj1" fmla="val 50000"/>
+            </a:avLst>
+          </a:prstGeom>
+          <a:ln>
+            <a:tailEnd type="triangle"/>
+          </a:ln>
+        </p:spPr>
+        <p:style>
+          <a:lnRef idx="1">
+            <a:schemeClr val="dk1"/>
+          </a:lnRef>
+          <a:fillRef idx="0">
+            <a:schemeClr val="dk1"/>
+          </a:fillRef>
+          <a:effectRef idx="0">
+            <a:schemeClr val="dk1"/>
+          </a:effectRef>
+          <a:fontRef idx="minor">
+            <a:schemeClr val="tx1"/>
+          </a:fontRef>
+        </p:style>
+      </p:cxnSp>
+    </p:spTree>
+    <p:extLst>
+      <p:ext uri="{BB962C8B-B14F-4D97-AF65-F5344CB8AC3E}">
+        <p14:creationId xmlns:p14="http://schemas.microsoft.com/office/powerpoint/2010/main" val="1941476950"/>
+      </p:ext>
+    </p:extLst>
+  </p:cSld>
+  <p:clrMapOvr>
+    <a:masterClrMapping/>
+  </p:clrMapOvr>
+</p:sld>
+</file>
+
+<file path=ppt/slides/slide12.xml><?xml version="1.0" encoding="utf-8"?>
+<p:sld xmlns:a="http://schemas.openxmlformats.org/drawingml/2006/main" xmlns:r="http://schemas.openxmlformats.org/officeDocument/2006/relationships" xmlns:p="http://schemas.openxmlformats.org/presentationml/2006/main">
+  <p:cSld>
+    <p:spTree>
+      <p:nvGrpSpPr>
+        <p:cNvPr id="1" name=""/>
+        <p:cNvGrpSpPr/>
+        <p:nvPr/>
+      </p:nvGrpSpPr>
+      <p:grpSpPr>
+        <a:xfrm>
+          <a:off x="0" y="0"/>
+          <a:ext cx="0" cy="0"/>
+          <a:chOff x="0" y="0"/>
+          <a:chExt cx="0" cy="0"/>
+        </a:xfrm>
+      </p:grpSpPr>
+      <p:sp>
+        <p:nvSpPr>
+          <p:cNvPr id="5" name="TextBox 4">
+            <a:extLst>
+              <a:ext uri="{FF2B5EF4-FFF2-40B4-BE49-F238E27FC236}">
+                <a16:creationId xmlns:a16="http://schemas.microsoft.com/office/drawing/2014/main" id="{A9C408B7-EB2C-4D9F-4A24-834069D4D7F1}"/>
+              </a:ext>
+            </a:extLst>
+          </p:cNvPr>
+          <p:cNvSpPr txBox="1"/>
+          <p:nvPr/>
+        </p:nvSpPr>
+        <p:spPr>
+          <a:xfrm>
+            <a:off x="476609" y="445128"/>
+            <a:ext cx="6094562" cy="5047536"/>
+          </a:xfrm>
+          <a:prstGeom prst="rect">
+            <a:avLst/>
+          </a:prstGeom>
+          <a:noFill/>
+        </p:spPr>
+        <p:txBody>
+          <a:bodyPr wrap="square">
+            <a:spAutoFit/>
+          </a:bodyPr>
+          <a:lstStyle/>
+          <a:p>
+            <a:r>
+              <a:rPr lang="ko-Kore-KR" altLang="en-US" sz="1400" dirty="0">
+                <a:latin typeface="DM Mono" panose="020B0509040201040103" pitchFamily="49" charset="0"/>
+              </a:rPr>
+              <a:t>class User {</a:t>
+            </a:r>
+          </a:p>
+          <a:p>
+            <a:r>
+              <a:rPr lang="ko-Kore-KR" altLang="en-US" sz="1400" dirty="0">
+                <a:latin typeface="DM Mono" panose="020B0509040201040103" pitchFamily="49" charset="0"/>
+              </a:rPr>
+              <a:t>    char* name;</a:t>
+            </a:r>
+          </a:p>
+          <a:p>
+            <a:r>
+              <a:rPr lang="ko-Kore-KR" altLang="en-US" sz="1400" dirty="0">
+                <a:latin typeface="DM Mono" panose="020B0509040201040103" pitchFamily="49" charset="0"/>
+              </a:rPr>
+              <a:t>    int age;</a:t>
+            </a:r>
+          </a:p>
+          <a:p>
+            <a:endParaRPr lang="ko-Kore-KR" altLang="en-US" sz="1400" dirty="0">
+              <a:latin typeface="DM Mono" panose="020B0509040201040103" pitchFamily="49" charset="0"/>
+            </a:endParaRPr>
+          </a:p>
+          <a:p>
+            <a:r>
+              <a:rPr lang="ko-Kore-KR" altLang="en-US" sz="1400" dirty="0">
+                <a:latin typeface="DM Mono" panose="020B0509040201040103" pitchFamily="49" charset="0"/>
+              </a:rPr>
+              <a:t>public:</a:t>
+            </a:r>
+          </a:p>
+          <a:p>
+            <a:r>
+              <a:rPr lang="ko-Kore-KR" altLang="en-US" sz="1400" dirty="0">
+                <a:latin typeface="DM Mono" panose="020B0509040201040103" pitchFamily="49" charset="0"/>
+              </a:rPr>
+              <a:t>    ~User() { delete[] name; }</a:t>
+            </a:r>
+          </a:p>
+          <a:p>
+            <a:endParaRPr lang="ko-Kore-KR" altLang="en-US" sz="1400" dirty="0">
+              <a:latin typeface="DM Mono" panose="020B0509040201040103" pitchFamily="49" charset="0"/>
+            </a:endParaRPr>
+          </a:p>
+          <a:p>
+            <a:r>
+              <a:rPr lang="ko-Kore-KR" altLang="en-US" sz="1400" dirty="0">
+                <a:latin typeface="DM Mono" panose="020B0509040201040103" pitchFamily="49" charset="0"/>
+              </a:rPr>
+              <a:t>    User(const char* s, int n)</a:t>
+            </a:r>
+          </a:p>
+          <a:p>
+            <a:r>
+              <a:rPr lang="ko-Kore-KR" altLang="en-US" sz="1400" dirty="0">
+                <a:latin typeface="DM Mono" panose="020B0509040201040103" pitchFamily="49" charset="0"/>
+              </a:rPr>
+              <a:t>        : age(n)</a:t>
+            </a:r>
+          </a:p>
+          <a:p>
+            <a:r>
+              <a:rPr lang="ko-Kore-KR" altLang="en-US" sz="1400" dirty="0">
+                <a:latin typeface="DM Mono" panose="020B0509040201040103" pitchFamily="49" charset="0"/>
+              </a:rPr>
+              <a:t>    {</a:t>
+            </a:r>
+          </a:p>
+          <a:p>
+            <a:r>
+              <a:rPr lang="ko-Kore-KR" altLang="en-US" sz="1400" dirty="0">
+                <a:latin typeface="DM Mono" panose="020B0509040201040103" pitchFamily="49" charset="0"/>
+              </a:rPr>
+              <a:t>        name = new char[strlen(s) + 1];</a:t>
+            </a:r>
+          </a:p>
+          <a:p>
+            <a:r>
+              <a:rPr lang="ko-Kore-KR" altLang="en-US" sz="1400" dirty="0">
+                <a:latin typeface="DM Mono" panose="020B0509040201040103" pitchFamily="49" charset="0"/>
+              </a:rPr>
+              <a:t>        strcpy(name, s);</a:t>
+            </a:r>
+          </a:p>
+          <a:p>
+            <a:r>
+              <a:rPr lang="ko-Kore-KR" altLang="en-US" sz="1400" dirty="0">
+                <a:latin typeface="DM Mono" panose="020B0509040201040103" pitchFamily="49" charset="0"/>
+              </a:rPr>
+              <a:t>    }</a:t>
+            </a:r>
+          </a:p>
+          <a:p>
+            <a:r>
+              <a:rPr lang="ko-Kore-KR" altLang="en-US" sz="1400" dirty="0">
+                <a:latin typeface="DM Mono" panose="020B0509040201040103" pitchFamily="49" charset="0"/>
+              </a:rPr>
+              <a:t>};</a:t>
+            </a:r>
+          </a:p>
+          <a:p>
+            <a:endParaRPr lang="ko-Kore-KR" altLang="en-US" sz="1400" dirty="0">
+              <a:latin typeface="DM Mono" panose="020B0509040201040103" pitchFamily="49" charset="0"/>
+            </a:endParaRPr>
+          </a:p>
+          <a:p>
+            <a:r>
+              <a:rPr lang="ko-Kore-KR" altLang="en-US" sz="1400" dirty="0">
+                <a:latin typeface="DM Mono" panose="020B0509040201040103" pitchFamily="49" charset="0"/>
+              </a:rPr>
+              <a:t>int main()</a:t>
+            </a:r>
+          </a:p>
+          <a:p>
+            <a:r>
+              <a:rPr lang="ko-Kore-KR" altLang="en-US" sz="1400" dirty="0">
+                <a:latin typeface="DM Mono" panose="020B0509040201040103" pitchFamily="49" charset="0"/>
+              </a:rPr>
+              <a:t>{</a:t>
+            </a:r>
+          </a:p>
+          <a:p>
+            <a:r>
+              <a:rPr lang="ko-Kore-KR" altLang="en-US" sz="1400" dirty="0">
+                <a:latin typeface="DM Mono" panose="020B0509040201040103" pitchFamily="49" charset="0"/>
+              </a:rPr>
+              <a:t>    User user1("Tom", 42);</a:t>
+            </a:r>
+          </a:p>
+          <a:p>
+            <a:r>
+              <a:rPr lang="ko-Kore-KR" altLang="en-US" sz="1400" dirty="0">
+                <a:latin typeface="DM Mono" panose="020B0509040201040103" pitchFamily="49" charset="0"/>
+              </a:rPr>
+              <a:t>    user1.Print();</a:t>
+            </a:r>
+          </a:p>
+          <a:p>
+            <a:endParaRPr lang="ko-Kore-KR" altLang="en-US" sz="1400" dirty="0">
+              <a:latin typeface="DM Mono" panose="020B0509040201040103" pitchFamily="49" charset="0"/>
+            </a:endParaRPr>
+          </a:p>
+          <a:p>
+            <a:r>
+              <a:rPr lang="ko-Kore-KR" altLang="en-US" sz="1400" dirty="0">
+                <a:solidFill>
+                  <a:srgbClr val="FF0000"/>
+                </a:solidFill>
+                <a:latin typeface="DM Mono" panose="020B0509040201040103" pitchFamily="49" charset="0"/>
+              </a:rPr>
+              <a:t>    User user2(user1);</a:t>
+            </a:r>
+          </a:p>
+          <a:p>
+            <a:r>
+              <a:rPr lang="ko-Kore-KR" altLang="en-US" sz="1400" dirty="0">
+                <a:latin typeface="DM Mono" panose="020B0509040201040103" pitchFamily="49" charset="0"/>
+              </a:rPr>
+              <a:t>    user2.Print();</a:t>
+            </a:r>
+          </a:p>
+          <a:p>
+            <a:r>
+              <a:rPr lang="ko-Kore-KR" altLang="en-US" sz="1400" dirty="0">
+                <a:latin typeface="DM Mono" panose="020B0509040201040103" pitchFamily="49" charset="0"/>
+              </a:rPr>
+              <a:t>}</a:t>
+            </a:r>
+          </a:p>
+        </p:txBody>
+      </p:sp>
+      <p:sp>
+        <p:nvSpPr>
+          <p:cNvPr id="6" name="직사각형 5">
+            <a:extLst>
+              <a:ext uri="{FF2B5EF4-FFF2-40B4-BE49-F238E27FC236}">
+                <a16:creationId xmlns:a16="http://schemas.microsoft.com/office/drawing/2014/main" id="{C0CD5A7C-DCA0-1464-3C57-55040947D5C1}"/>
+              </a:ext>
+            </a:extLst>
+          </p:cNvPr>
+          <p:cNvSpPr/>
+          <p:nvPr/>
+        </p:nvSpPr>
+        <p:spPr>
+          <a:xfrm>
+            <a:off x="4391563" y="3429000"/>
+            <a:ext cx="4891177" cy="2665563"/>
+          </a:xfrm>
+          <a:prstGeom prst="rect">
+            <a:avLst/>
+          </a:prstGeom>
+          <a:solidFill>
+            <a:schemeClr val="bg1"/>
+          </a:solidFill>
+        </p:spPr>
+        <p:style>
+          <a:lnRef idx="2">
+            <a:schemeClr val="accent1">
+              <a:shade val="50000"/>
+            </a:schemeClr>
+          </a:lnRef>
+          <a:fillRef idx="1">
+            <a:schemeClr val="accent1"/>
+          </a:fillRef>
+          <a:effectRef idx="0">
+            <a:schemeClr val="accent1"/>
+          </a:effectRef>
+          <a:fontRef idx="minor">
+            <a:schemeClr val="lt1"/>
+          </a:fontRef>
+        </p:style>
+        <p:txBody>
+          <a:bodyPr rtlCol="0" anchor="ctr"/>
+          <a:lstStyle/>
+          <a:p>
+            <a:pPr algn="ctr"/>
+            <a:endParaRPr kumimoji="1" lang="ko-Kore-KR" altLang="en-US"/>
+          </a:p>
+        </p:txBody>
+      </p:sp>
+      <p:sp>
+        <p:nvSpPr>
+          <p:cNvPr id="7" name="TextBox 6">
+            <a:extLst>
+              <a:ext uri="{FF2B5EF4-FFF2-40B4-BE49-F238E27FC236}">
+                <a16:creationId xmlns:a16="http://schemas.microsoft.com/office/drawing/2014/main" id="{95A02362-E5AB-6671-7474-3C62A2CB9350}"/>
+              </a:ext>
+            </a:extLst>
+          </p:cNvPr>
+          <p:cNvSpPr txBox="1"/>
+          <p:nvPr/>
+        </p:nvSpPr>
+        <p:spPr>
+          <a:xfrm>
+            <a:off x="6419849" y="3059668"/>
+            <a:ext cx="834606" cy="369332"/>
+          </a:xfrm>
+          <a:prstGeom prst="rect">
+            <a:avLst/>
+          </a:prstGeom>
+          <a:noFill/>
+        </p:spPr>
+        <p:txBody>
+          <a:bodyPr wrap="square">
+            <a:spAutoFit/>
+          </a:bodyPr>
+          <a:lstStyle/>
+          <a:p>
+            <a:r>
+              <a:rPr lang="ko-Kore-KR" altLang="en-US" sz="1800" dirty="0">
+                <a:latin typeface="DM Mono" panose="020B0509040201040103" pitchFamily="49" charset="0"/>
+              </a:rPr>
+              <a:t>main</a:t>
+            </a:r>
+            <a:endParaRPr lang="ko-Kore-KR" altLang="en-US" dirty="0"/>
+          </a:p>
+        </p:txBody>
+      </p:sp>
+      <p:sp>
+        <p:nvSpPr>
+          <p:cNvPr id="8" name="직사각형 7">
+            <a:extLst>
+              <a:ext uri="{FF2B5EF4-FFF2-40B4-BE49-F238E27FC236}">
+                <a16:creationId xmlns:a16="http://schemas.microsoft.com/office/drawing/2014/main" id="{B3BF2BFC-0B55-160D-55C6-F3BD3753D6EA}"/>
+              </a:ext>
+            </a:extLst>
+          </p:cNvPr>
+          <p:cNvSpPr/>
+          <p:nvPr/>
+        </p:nvSpPr>
+        <p:spPr>
+          <a:xfrm>
+            <a:off x="5107557" y="3860673"/>
+            <a:ext cx="1242204" cy="543464"/>
+          </a:xfrm>
+          <a:prstGeom prst="rect">
+            <a:avLst/>
+          </a:prstGeom>
+          <a:solidFill>
+            <a:srgbClr val="FFFF00"/>
+          </a:solidFill>
+        </p:spPr>
+        <p:style>
+          <a:lnRef idx="2">
+            <a:schemeClr val="accent4">
+              <a:shade val="50000"/>
+            </a:schemeClr>
+          </a:lnRef>
+          <a:fillRef idx="1">
+            <a:schemeClr val="accent4"/>
+          </a:fillRef>
+          <a:effectRef idx="0">
+            <a:schemeClr val="accent4"/>
+          </a:effectRef>
+          <a:fontRef idx="minor">
+            <a:schemeClr val="lt1"/>
+          </a:fontRef>
+        </p:style>
+        <p:txBody>
+          <a:bodyPr rtlCol="0" anchor="ctr"/>
+          <a:lstStyle/>
+          <a:p>
+            <a:pPr algn="ctr"/>
+            <a:endParaRPr kumimoji="1" lang="ko-Kore-KR" altLang="en-US" sz="1600" dirty="0">
+              <a:solidFill>
+                <a:schemeClr val="tx1"/>
+              </a:solidFill>
+              <a:latin typeface="DM Mono" panose="020B0509040201040103" pitchFamily="49" charset="0"/>
+            </a:endParaRPr>
+          </a:p>
+        </p:txBody>
+      </p:sp>
+      <p:sp>
+        <p:nvSpPr>
+          <p:cNvPr id="9" name="TextBox 8">
+            <a:extLst>
+              <a:ext uri="{FF2B5EF4-FFF2-40B4-BE49-F238E27FC236}">
+                <a16:creationId xmlns:a16="http://schemas.microsoft.com/office/drawing/2014/main" id="{40F5470D-37AD-B379-4FF8-25D26C48836B}"/>
+              </a:ext>
+            </a:extLst>
+          </p:cNvPr>
+          <p:cNvSpPr txBox="1"/>
+          <p:nvPr/>
+        </p:nvSpPr>
+        <p:spPr>
+          <a:xfrm>
+            <a:off x="5289251" y="3482715"/>
+            <a:ext cx="878816" cy="369332"/>
+          </a:xfrm>
+          <a:prstGeom prst="rect">
+            <a:avLst/>
+          </a:prstGeom>
+          <a:noFill/>
+        </p:spPr>
+        <p:txBody>
+          <a:bodyPr wrap="square">
+            <a:spAutoFit/>
+          </a:bodyPr>
+          <a:lstStyle/>
+          <a:p>
+            <a:r>
+              <a:rPr lang="en-US" altLang="ko-Kore-KR" dirty="0">
+                <a:latin typeface="DM Mono" panose="020B0509040201040103" pitchFamily="49" charset="0"/>
+              </a:rPr>
+              <a:t>user1</a:t>
+            </a:r>
+            <a:endParaRPr lang="ko-Kore-KR" altLang="en-US" dirty="0"/>
+          </a:p>
+        </p:txBody>
+      </p:sp>
+      <p:sp>
+        <p:nvSpPr>
+          <p:cNvPr id="10" name="TextBox 9">
+            <a:extLst>
+              <a:ext uri="{FF2B5EF4-FFF2-40B4-BE49-F238E27FC236}">
+                <a16:creationId xmlns:a16="http://schemas.microsoft.com/office/drawing/2014/main" id="{D1EE629E-DEFC-2D6D-FFFE-81A1816C48D8}"/>
+              </a:ext>
+            </a:extLst>
+          </p:cNvPr>
+          <p:cNvSpPr txBox="1"/>
+          <p:nvPr/>
+        </p:nvSpPr>
+        <p:spPr>
+          <a:xfrm>
+            <a:off x="4313208" y="3947739"/>
+            <a:ext cx="794349" cy="369332"/>
+          </a:xfrm>
+          <a:prstGeom prst="rect">
+            <a:avLst/>
+          </a:prstGeom>
+          <a:noFill/>
+        </p:spPr>
+        <p:txBody>
+          <a:bodyPr wrap="square">
+            <a:spAutoFit/>
+          </a:bodyPr>
+          <a:lstStyle/>
+          <a:p>
+            <a:pPr algn="r"/>
+            <a:r>
+              <a:rPr lang="en-US" altLang="ko-Kore-KR" dirty="0">
+                <a:latin typeface="DM Mono" panose="020B0509040201040103" pitchFamily="49" charset="0"/>
+              </a:rPr>
+              <a:t>name</a:t>
+            </a:r>
+            <a:endParaRPr lang="ko-Kore-KR" altLang="en-US" dirty="0"/>
+          </a:p>
+        </p:txBody>
+      </p:sp>
+      <p:sp>
+        <p:nvSpPr>
+          <p:cNvPr id="11" name="직사각형 10">
+            <a:extLst>
+              <a:ext uri="{FF2B5EF4-FFF2-40B4-BE49-F238E27FC236}">
+                <a16:creationId xmlns:a16="http://schemas.microsoft.com/office/drawing/2014/main" id="{C8AFE9BD-EC5A-74EA-40A2-B58CD85470F8}"/>
+              </a:ext>
+            </a:extLst>
+          </p:cNvPr>
+          <p:cNvSpPr/>
+          <p:nvPr/>
+        </p:nvSpPr>
+        <p:spPr>
+          <a:xfrm>
+            <a:off x="5107557" y="4412763"/>
+            <a:ext cx="1242204" cy="543464"/>
+          </a:xfrm>
+          <a:prstGeom prst="rect">
+            <a:avLst/>
+          </a:prstGeom>
+          <a:solidFill>
+            <a:srgbClr val="FFFF00"/>
+          </a:solidFill>
+        </p:spPr>
+        <p:style>
+          <a:lnRef idx="2">
+            <a:schemeClr val="accent4">
+              <a:shade val="50000"/>
+            </a:schemeClr>
+          </a:lnRef>
+          <a:fillRef idx="1">
+            <a:schemeClr val="accent4"/>
+          </a:fillRef>
+          <a:effectRef idx="0">
+            <a:schemeClr val="accent4"/>
+          </a:effectRef>
+          <a:fontRef idx="minor">
+            <a:schemeClr val="lt1"/>
+          </a:fontRef>
+        </p:style>
+        <p:txBody>
+          <a:bodyPr rtlCol="0" anchor="ctr"/>
+          <a:lstStyle/>
+          <a:p>
+            <a:pPr algn="ctr"/>
+            <a:r>
+              <a:rPr kumimoji="1" lang="en-US" altLang="ko-Kore-KR" sz="1600" dirty="0">
+                <a:solidFill>
+                  <a:schemeClr val="tx1"/>
+                </a:solidFill>
+                <a:latin typeface="DM Mono" panose="020B0509040201040103" pitchFamily="49" charset="0"/>
+              </a:rPr>
+              <a:t>42</a:t>
+            </a:r>
+            <a:endParaRPr kumimoji="1" lang="ko-Kore-KR" altLang="en-US" sz="1600" dirty="0">
+              <a:solidFill>
+                <a:schemeClr val="tx1"/>
+              </a:solidFill>
+              <a:latin typeface="DM Mono" panose="020B0509040201040103" pitchFamily="49" charset="0"/>
+            </a:endParaRPr>
+          </a:p>
+        </p:txBody>
+      </p:sp>
+      <p:sp>
+        <p:nvSpPr>
+          <p:cNvPr id="12" name="TextBox 11">
+            <a:extLst>
+              <a:ext uri="{FF2B5EF4-FFF2-40B4-BE49-F238E27FC236}">
+                <a16:creationId xmlns:a16="http://schemas.microsoft.com/office/drawing/2014/main" id="{61E071AD-26B0-2AD5-0544-429B60751643}"/>
+              </a:ext>
+            </a:extLst>
+          </p:cNvPr>
+          <p:cNvSpPr txBox="1"/>
+          <p:nvPr/>
+        </p:nvSpPr>
+        <p:spPr>
+          <a:xfrm>
+            <a:off x="4247058" y="4499829"/>
+            <a:ext cx="860499" cy="369332"/>
+          </a:xfrm>
+          <a:prstGeom prst="rect">
+            <a:avLst/>
+          </a:prstGeom>
+          <a:noFill/>
+        </p:spPr>
+        <p:txBody>
+          <a:bodyPr wrap="square">
+            <a:spAutoFit/>
+          </a:bodyPr>
+          <a:lstStyle/>
+          <a:p>
+            <a:pPr algn="r"/>
+            <a:r>
+              <a:rPr lang="en-US" altLang="ko-Kore-KR" dirty="0">
+                <a:latin typeface="DM Mono" panose="020B0509040201040103" pitchFamily="49" charset="0"/>
+              </a:rPr>
+              <a:t>age</a:t>
+            </a:r>
+            <a:endParaRPr lang="ko-Kore-KR" altLang="en-US" dirty="0"/>
+          </a:p>
+        </p:txBody>
+      </p:sp>
+      <p:sp>
+        <p:nvSpPr>
+          <p:cNvPr id="13" name="직사각형 12">
+            <a:extLst>
+              <a:ext uri="{FF2B5EF4-FFF2-40B4-BE49-F238E27FC236}">
+                <a16:creationId xmlns:a16="http://schemas.microsoft.com/office/drawing/2014/main" id="{59B76654-A045-AC5D-7DD6-7340D6D98C38}"/>
+              </a:ext>
+            </a:extLst>
+          </p:cNvPr>
+          <p:cNvSpPr/>
+          <p:nvPr/>
+        </p:nvSpPr>
+        <p:spPr>
+          <a:xfrm>
+            <a:off x="10153334" y="1591757"/>
+            <a:ext cx="1242204" cy="543464"/>
+          </a:xfrm>
+          <a:prstGeom prst="rect">
+            <a:avLst/>
+          </a:prstGeom>
+          <a:solidFill>
+            <a:srgbClr val="FFFF00"/>
+          </a:solidFill>
+        </p:spPr>
+        <p:style>
+          <a:lnRef idx="2">
+            <a:schemeClr val="accent4">
+              <a:shade val="50000"/>
+            </a:schemeClr>
+          </a:lnRef>
+          <a:fillRef idx="1">
+            <a:schemeClr val="accent4"/>
+          </a:fillRef>
+          <a:effectRef idx="0">
+            <a:schemeClr val="accent4"/>
+          </a:effectRef>
+          <a:fontRef idx="minor">
+            <a:schemeClr val="lt1"/>
+          </a:fontRef>
+        </p:style>
+        <p:txBody>
+          <a:bodyPr rtlCol="0" anchor="ctr"/>
+          <a:lstStyle/>
+          <a:p>
+            <a:pPr algn="ctr"/>
+            <a:r>
+              <a:rPr kumimoji="1" lang="en-US" altLang="ko-Kore-KR" sz="1600" dirty="0">
+                <a:solidFill>
+                  <a:schemeClr val="tx1"/>
+                </a:solidFill>
+                <a:latin typeface="DM Mono" panose="020B0509040201040103" pitchFamily="49" charset="0"/>
+              </a:rPr>
+              <a:t>“Tom”</a:t>
+            </a:r>
+            <a:endParaRPr kumimoji="1" lang="ko-Kore-KR" altLang="en-US" sz="1600" dirty="0">
+              <a:solidFill>
+                <a:schemeClr val="tx1"/>
+              </a:solidFill>
+              <a:latin typeface="DM Mono" panose="020B0509040201040103" pitchFamily="49" charset="0"/>
+            </a:endParaRPr>
+          </a:p>
+        </p:txBody>
+      </p:sp>
+      <p:cxnSp>
+        <p:nvCxnSpPr>
+          <p:cNvPr id="15" name="구부러진 연결선[U] 14">
+            <a:extLst>
+              <a:ext uri="{FF2B5EF4-FFF2-40B4-BE49-F238E27FC236}">
+                <a16:creationId xmlns:a16="http://schemas.microsoft.com/office/drawing/2014/main" id="{38BEF0C6-0D84-A648-D8BD-80B5DDB76218}"/>
+              </a:ext>
+            </a:extLst>
+          </p:cNvPr>
+          <p:cNvCxnSpPr>
+            <a:cxnSpLocks/>
+            <a:stCxn id="8" idx="3"/>
+            <a:endCxn id="13" idx="1"/>
+          </p:cNvCxnSpPr>
+          <p:nvPr/>
+        </p:nvCxnSpPr>
+        <p:spPr>
+          <a:xfrm flipV="1">
+            <a:off x="6349761" y="1863489"/>
+            <a:ext cx="3803573" cy="2268916"/>
+          </a:xfrm>
+          <a:prstGeom prst="curvedConnector3">
+            <a:avLst>
+              <a:gd name="adj1" fmla="val 50000"/>
+            </a:avLst>
+          </a:prstGeom>
+          <a:ln>
+            <a:tailEnd type="triangle"/>
+          </a:ln>
+        </p:spPr>
+        <p:style>
+          <a:lnRef idx="1">
+            <a:schemeClr val="dk1"/>
+          </a:lnRef>
+          <a:fillRef idx="0">
+            <a:schemeClr val="dk1"/>
+          </a:fillRef>
+          <a:effectRef idx="0">
+            <a:schemeClr val="dk1"/>
+          </a:effectRef>
+          <a:fontRef idx="minor">
+            <a:schemeClr val="tx1"/>
+          </a:fontRef>
+        </p:style>
+      </p:cxnSp>
+      <p:sp>
+        <p:nvSpPr>
+          <p:cNvPr id="2" name="직사각형 1">
+            <a:extLst>
+              <a:ext uri="{FF2B5EF4-FFF2-40B4-BE49-F238E27FC236}">
+                <a16:creationId xmlns:a16="http://schemas.microsoft.com/office/drawing/2014/main" id="{82194EF2-3ACF-612A-27AC-20F06D04420E}"/>
+              </a:ext>
+            </a:extLst>
+          </p:cNvPr>
+          <p:cNvSpPr/>
+          <p:nvPr/>
+        </p:nvSpPr>
+        <p:spPr>
+          <a:xfrm>
+            <a:off x="7686857" y="3878831"/>
+            <a:ext cx="1242204" cy="543464"/>
+          </a:xfrm>
+          <a:prstGeom prst="rect">
+            <a:avLst/>
+          </a:prstGeom>
+          <a:solidFill>
+            <a:srgbClr val="FFFF00"/>
+          </a:solidFill>
+        </p:spPr>
+        <p:style>
+          <a:lnRef idx="2">
+            <a:schemeClr val="accent4">
+              <a:shade val="50000"/>
+            </a:schemeClr>
+          </a:lnRef>
+          <a:fillRef idx="1">
+            <a:schemeClr val="accent4"/>
+          </a:fillRef>
+          <a:effectRef idx="0">
+            <a:schemeClr val="accent4"/>
+          </a:effectRef>
+          <a:fontRef idx="minor">
+            <a:schemeClr val="lt1"/>
+          </a:fontRef>
+        </p:style>
+        <p:txBody>
+          <a:bodyPr rtlCol="0" anchor="ctr"/>
+          <a:lstStyle/>
+          <a:p>
+            <a:pPr algn="ctr"/>
+            <a:endParaRPr kumimoji="1" lang="ko-Kore-KR" altLang="en-US" sz="1600" dirty="0">
+              <a:solidFill>
+                <a:schemeClr val="tx1"/>
+              </a:solidFill>
+              <a:latin typeface="DM Mono" panose="020B0509040201040103" pitchFamily="49" charset="0"/>
+            </a:endParaRPr>
+          </a:p>
+        </p:txBody>
+      </p:sp>
+      <p:sp>
+        <p:nvSpPr>
+          <p:cNvPr id="3" name="TextBox 2">
+            <a:extLst>
+              <a:ext uri="{FF2B5EF4-FFF2-40B4-BE49-F238E27FC236}">
+                <a16:creationId xmlns:a16="http://schemas.microsoft.com/office/drawing/2014/main" id="{E0563128-19AB-B557-086E-C95C824036F7}"/>
+              </a:ext>
+            </a:extLst>
+          </p:cNvPr>
+          <p:cNvSpPr txBox="1"/>
+          <p:nvPr/>
+        </p:nvSpPr>
+        <p:spPr>
+          <a:xfrm>
+            <a:off x="7868551" y="3500873"/>
+            <a:ext cx="878816" cy="369332"/>
+          </a:xfrm>
+          <a:prstGeom prst="rect">
+            <a:avLst/>
+          </a:prstGeom>
+          <a:noFill/>
+        </p:spPr>
+        <p:txBody>
+          <a:bodyPr wrap="square">
+            <a:spAutoFit/>
+          </a:bodyPr>
+          <a:lstStyle/>
+          <a:p>
+            <a:r>
+              <a:rPr lang="en-US" altLang="ko-Kore-KR" dirty="0">
+                <a:latin typeface="DM Mono" panose="020B0509040201040103" pitchFamily="49" charset="0"/>
+              </a:rPr>
+              <a:t>user2</a:t>
+            </a:r>
+            <a:endParaRPr lang="ko-Kore-KR" altLang="en-US" dirty="0"/>
+          </a:p>
+        </p:txBody>
+      </p:sp>
+      <p:sp>
+        <p:nvSpPr>
+          <p:cNvPr id="4" name="TextBox 3">
+            <a:extLst>
+              <a:ext uri="{FF2B5EF4-FFF2-40B4-BE49-F238E27FC236}">
+                <a16:creationId xmlns:a16="http://schemas.microsoft.com/office/drawing/2014/main" id="{566746D6-8853-3474-1D8F-C0A108C7D879}"/>
+              </a:ext>
+            </a:extLst>
+          </p:cNvPr>
+          <p:cNvSpPr txBox="1"/>
+          <p:nvPr/>
+        </p:nvSpPr>
+        <p:spPr>
+          <a:xfrm>
+            <a:off x="6892508" y="3965897"/>
+            <a:ext cx="794349" cy="369332"/>
+          </a:xfrm>
+          <a:prstGeom prst="rect">
+            <a:avLst/>
+          </a:prstGeom>
+          <a:noFill/>
+        </p:spPr>
+        <p:txBody>
+          <a:bodyPr wrap="square">
+            <a:spAutoFit/>
+          </a:bodyPr>
+          <a:lstStyle/>
+          <a:p>
+            <a:pPr algn="r"/>
+            <a:r>
+              <a:rPr lang="en-US" altLang="ko-Kore-KR" dirty="0">
+                <a:latin typeface="DM Mono" panose="020B0509040201040103" pitchFamily="49" charset="0"/>
+              </a:rPr>
+              <a:t>name</a:t>
+            </a:r>
+            <a:endParaRPr lang="ko-Kore-KR" altLang="en-US" dirty="0"/>
+          </a:p>
+        </p:txBody>
+      </p:sp>
+      <p:sp>
+        <p:nvSpPr>
+          <p:cNvPr id="14" name="직사각형 13">
+            <a:extLst>
+              <a:ext uri="{FF2B5EF4-FFF2-40B4-BE49-F238E27FC236}">
+                <a16:creationId xmlns:a16="http://schemas.microsoft.com/office/drawing/2014/main" id="{25BA75C2-35B2-E465-ABFC-71772779B1FD}"/>
+              </a:ext>
+            </a:extLst>
+          </p:cNvPr>
+          <p:cNvSpPr/>
+          <p:nvPr/>
+        </p:nvSpPr>
+        <p:spPr>
+          <a:xfrm>
+            <a:off x="7686857" y="4430921"/>
+            <a:ext cx="1242204" cy="543464"/>
+          </a:xfrm>
+          <a:prstGeom prst="rect">
+            <a:avLst/>
+          </a:prstGeom>
+          <a:solidFill>
+            <a:srgbClr val="FFFF00"/>
+          </a:solidFill>
+        </p:spPr>
+        <p:style>
+          <a:lnRef idx="2">
+            <a:schemeClr val="accent4">
+              <a:shade val="50000"/>
+            </a:schemeClr>
+          </a:lnRef>
+          <a:fillRef idx="1">
+            <a:schemeClr val="accent4"/>
+          </a:fillRef>
+          <a:effectRef idx="0">
+            <a:schemeClr val="accent4"/>
+          </a:effectRef>
+          <a:fontRef idx="minor">
+            <a:schemeClr val="lt1"/>
+          </a:fontRef>
+        </p:style>
+        <p:txBody>
+          <a:bodyPr rtlCol="0" anchor="ctr"/>
+          <a:lstStyle/>
+          <a:p>
+            <a:pPr algn="ctr"/>
+            <a:r>
+              <a:rPr kumimoji="1" lang="en-US" altLang="ko-Kore-KR" sz="1600" dirty="0">
+                <a:solidFill>
+                  <a:schemeClr val="tx1"/>
+                </a:solidFill>
+                <a:latin typeface="DM Mono" panose="020B0509040201040103" pitchFamily="49" charset="0"/>
+              </a:rPr>
+              <a:t>42</a:t>
+            </a:r>
+            <a:endParaRPr kumimoji="1" lang="ko-Kore-KR" altLang="en-US" sz="1600" dirty="0">
+              <a:solidFill>
+                <a:schemeClr val="tx1"/>
+              </a:solidFill>
+              <a:latin typeface="DM Mono" panose="020B0509040201040103" pitchFamily="49" charset="0"/>
+            </a:endParaRPr>
+          </a:p>
+        </p:txBody>
+      </p:sp>
+      <p:sp>
+        <p:nvSpPr>
+          <p:cNvPr id="16" name="TextBox 15">
+            <a:extLst>
+              <a:ext uri="{FF2B5EF4-FFF2-40B4-BE49-F238E27FC236}">
+                <a16:creationId xmlns:a16="http://schemas.microsoft.com/office/drawing/2014/main" id="{21CD2002-71C4-9FFE-39B0-BBFE9D93B654}"/>
+              </a:ext>
+            </a:extLst>
+          </p:cNvPr>
+          <p:cNvSpPr txBox="1"/>
+          <p:nvPr/>
+        </p:nvSpPr>
+        <p:spPr>
+          <a:xfrm>
+            <a:off x="6826358" y="4517987"/>
+            <a:ext cx="860499" cy="369332"/>
+          </a:xfrm>
+          <a:prstGeom prst="rect">
+            <a:avLst/>
+          </a:prstGeom>
+          <a:noFill/>
+        </p:spPr>
+        <p:txBody>
+          <a:bodyPr wrap="square">
+            <a:spAutoFit/>
+          </a:bodyPr>
+          <a:lstStyle/>
+          <a:p>
+            <a:pPr algn="r"/>
+            <a:r>
+              <a:rPr lang="en-US" altLang="ko-Kore-KR" dirty="0">
+                <a:latin typeface="DM Mono" panose="020B0509040201040103" pitchFamily="49" charset="0"/>
+              </a:rPr>
+              <a:t>age</a:t>
+            </a:r>
+            <a:endParaRPr lang="ko-Kore-KR" altLang="en-US" dirty="0"/>
+          </a:p>
+        </p:txBody>
+      </p:sp>
+      <p:cxnSp>
+        <p:nvCxnSpPr>
+          <p:cNvPr id="17" name="구부러진 연결선[U] 16">
+            <a:extLst>
+              <a:ext uri="{FF2B5EF4-FFF2-40B4-BE49-F238E27FC236}">
+                <a16:creationId xmlns:a16="http://schemas.microsoft.com/office/drawing/2014/main" id="{256BB9B0-87FC-33B9-3360-B9DEC2C3A98B}"/>
+              </a:ext>
+            </a:extLst>
+          </p:cNvPr>
+          <p:cNvCxnSpPr>
+            <a:cxnSpLocks/>
+            <a:stCxn id="2" idx="3"/>
+            <a:endCxn id="13" idx="1"/>
+          </p:cNvCxnSpPr>
+          <p:nvPr/>
+        </p:nvCxnSpPr>
+        <p:spPr>
+          <a:xfrm flipV="1">
+            <a:off x="8929061" y="1863489"/>
+            <a:ext cx="1224273" cy="2287074"/>
+          </a:xfrm>
+          <a:prstGeom prst="curvedConnector3">
+            <a:avLst>
+              <a:gd name="adj1" fmla="val 50000"/>
+            </a:avLst>
+          </a:prstGeom>
+          <a:ln>
+            <a:tailEnd type="triangle"/>
+          </a:ln>
+        </p:spPr>
+        <p:style>
+          <a:lnRef idx="1">
+            <a:schemeClr val="dk1"/>
+          </a:lnRef>
+          <a:fillRef idx="0">
+            <a:schemeClr val="dk1"/>
+          </a:fillRef>
+          <a:effectRef idx="0">
+            <a:schemeClr val="dk1"/>
+          </a:effectRef>
+          <a:fontRef idx="minor">
+            <a:schemeClr val="tx1"/>
+          </a:fontRef>
+        </p:style>
+      </p:cxnSp>
+    </p:spTree>
+    <p:extLst>
+      <p:ext uri="{BB962C8B-B14F-4D97-AF65-F5344CB8AC3E}">
+        <p14:creationId xmlns:p14="http://schemas.microsoft.com/office/powerpoint/2010/main" val="3929356248"/>
+      </p:ext>
+    </p:extLst>
+  </p:cSld>
+  <p:clrMapOvr>
+    <a:masterClrMapping/>
+  </p:clrMapOvr>
+</p:sld>
+</file>
+
+<file path=ppt/slides/slide13.xml><?xml version="1.0" encoding="utf-8"?>
+<p:sld xmlns:a="http://schemas.openxmlformats.org/drawingml/2006/main" xmlns:r="http://schemas.openxmlformats.org/officeDocument/2006/relationships" xmlns:p="http://schemas.openxmlformats.org/presentationml/2006/main">
+  <p:cSld>
+    <p:spTree>
+      <p:nvGrpSpPr>
+        <p:cNvPr id="1" name=""/>
+        <p:cNvGrpSpPr/>
+        <p:nvPr/>
+      </p:nvGrpSpPr>
+      <p:grpSpPr>
+        <a:xfrm>
+          <a:off x="0" y="0"/>
+          <a:ext cx="0" cy="0"/>
+          <a:chOff x="0" y="0"/>
+          <a:chExt cx="0" cy="0"/>
+        </a:xfrm>
+      </p:grpSpPr>
+      <p:sp>
+        <p:nvSpPr>
+          <p:cNvPr id="5" name="TextBox 4">
+            <a:extLst>
+              <a:ext uri="{FF2B5EF4-FFF2-40B4-BE49-F238E27FC236}">
+                <a16:creationId xmlns:a16="http://schemas.microsoft.com/office/drawing/2014/main" id="{A9C408B7-EB2C-4D9F-4A24-834069D4D7F1}"/>
+              </a:ext>
+            </a:extLst>
+          </p:cNvPr>
+          <p:cNvSpPr txBox="1"/>
+          <p:nvPr/>
+        </p:nvSpPr>
+        <p:spPr>
+          <a:xfrm>
+            <a:off x="476609" y="445128"/>
+            <a:ext cx="6094562" cy="5047536"/>
+          </a:xfrm>
+          <a:prstGeom prst="rect">
+            <a:avLst/>
+          </a:prstGeom>
+          <a:noFill/>
+        </p:spPr>
+        <p:txBody>
+          <a:bodyPr wrap="square">
+            <a:spAutoFit/>
+          </a:bodyPr>
+          <a:lstStyle/>
+          <a:p>
+            <a:r>
+              <a:rPr lang="ko-Kore-KR" altLang="en-US" sz="1400" dirty="0">
+                <a:latin typeface="DM Mono" panose="020B0509040201040103" pitchFamily="49" charset="0"/>
+              </a:rPr>
+              <a:t>class User {</a:t>
+            </a:r>
+          </a:p>
+          <a:p>
+            <a:r>
+              <a:rPr lang="ko-Kore-KR" altLang="en-US" sz="1400" dirty="0">
+                <a:latin typeface="DM Mono" panose="020B0509040201040103" pitchFamily="49" charset="0"/>
+              </a:rPr>
+              <a:t>    char* name;</a:t>
+            </a:r>
+          </a:p>
+          <a:p>
+            <a:r>
+              <a:rPr lang="ko-Kore-KR" altLang="en-US" sz="1400" dirty="0">
+                <a:latin typeface="DM Mono" panose="020B0509040201040103" pitchFamily="49" charset="0"/>
+              </a:rPr>
+              <a:t>    int age;</a:t>
+            </a:r>
+          </a:p>
+          <a:p>
+            <a:endParaRPr lang="ko-Kore-KR" altLang="en-US" sz="1400" dirty="0">
+              <a:latin typeface="DM Mono" panose="020B0509040201040103" pitchFamily="49" charset="0"/>
+            </a:endParaRPr>
+          </a:p>
+          <a:p>
+            <a:r>
+              <a:rPr lang="ko-Kore-KR" altLang="en-US" sz="1400" dirty="0">
+                <a:latin typeface="DM Mono" panose="020B0509040201040103" pitchFamily="49" charset="0"/>
+              </a:rPr>
+              <a:t>public:</a:t>
+            </a:r>
+          </a:p>
+          <a:p>
+            <a:r>
+              <a:rPr lang="ko-Kore-KR" altLang="en-US" sz="1400" dirty="0">
+                <a:latin typeface="DM Mono" panose="020B0509040201040103" pitchFamily="49" charset="0"/>
+              </a:rPr>
+              <a:t>    ~User() { delete[] name; }</a:t>
+            </a:r>
+          </a:p>
+          <a:p>
+            <a:endParaRPr lang="ko-Kore-KR" altLang="en-US" sz="1400" dirty="0">
+              <a:latin typeface="DM Mono" panose="020B0509040201040103" pitchFamily="49" charset="0"/>
+            </a:endParaRPr>
+          </a:p>
+          <a:p>
+            <a:r>
+              <a:rPr lang="ko-Kore-KR" altLang="en-US" sz="1400" dirty="0">
+                <a:latin typeface="DM Mono" panose="020B0509040201040103" pitchFamily="49" charset="0"/>
+              </a:rPr>
+              <a:t>    User(const char* s, int n)</a:t>
+            </a:r>
+          </a:p>
+          <a:p>
+            <a:r>
+              <a:rPr lang="ko-Kore-KR" altLang="en-US" sz="1400" dirty="0">
+                <a:latin typeface="DM Mono" panose="020B0509040201040103" pitchFamily="49" charset="0"/>
+              </a:rPr>
+              <a:t>        : age(n)</a:t>
+            </a:r>
+          </a:p>
+          <a:p>
+            <a:r>
+              <a:rPr lang="ko-Kore-KR" altLang="en-US" sz="1400" dirty="0">
+                <a:latin typeface="DM Mono" panose="020B0509040201040103" pitchFamily="49" charset="0"/>
+              </a:rPr>
+              <a:t>    {</a:t>
+            </a:r>
+          </a:p>
+          <a:p>
+            <a:r>
+              <a:rPr lang="ko-Kore-KR" altLang="en-US" sz="1400" dirty="0">
+                <a:latin typeface="DM Mono" panose="020B0509040201040103" pitchFamily="49" charset="0"/>
+              </a:rPr>
+              <a:t>        name = new char[strlen(s) + 1];</a:t>
+            </a:r>
+          </a:p>
+          <a:p>
+            <a:r>
+              <a:rPr lang="ko-Kore-KR" altLang="en-US" sz="1400" dirty="0">
+                <a:latin typeface="DM Mono" panose="020B0509040201040103" pitchFamily="49" charset="0"/>
+              </a:rPr>
+              <a:t>        strcpy(name, s);</a:t>
+            </a:r>
+          </a:p>
+          <a:p>
+            <a:r>
+              <a:rPr lang="ko-Kore-KR" altLang="en-US" sz="1400" dirty="0">
+                <a:latin typeface="DM Mono" panose="020B0509040201040103" pitchFamily="49" charset="0"/>
+              </a:rPr>
+              <a:t>    }</a:t>
+            </a:r>
+          </a:p>
+          <a:p>
+            <a:r>
+              <a:rPr lang="ko-Kore-KR" altLang="en-US" sz="1400" dirty="0">
+                <a:latin typeface="DM Mono" panose="020B0509040201040103" pitchFamily="49" charset="0"/>
+              </a:rPr>
+              <a:t>};</a:t>
+            </a:r>
+          </a:p>
+          <a:p>
+            <a:endParaRPr lang="ko-Kore-KR" altLang="en-US" sz="1400" dirty="0">
+              <a:latin typeface="DM Mono" panose="020B0509040201040103" pitchFamily="49" charset="0"/>
+            </a:endParaRPr>
+          </a:p>
+          <a:p>
+            <a:r>
+              <a:rPr lang="ko-Kore-KR" altLang="en-US" sz="1400" dirty="0">
+                <a:latin typeface="DM Mono" panose="020B0509040201040103" pitchFamily="49" charset="0"/>
+              </a:rPr>
+              <a:t>int main()</a:t>
+            </a:r>
+          </a:p>
+          <a:p>
+            <a:r>
+              <a:rPr lang="ko-Kore-KR" altLang="en-US" sz="1400" dirty="0">
+                <a:latin typeface="DM Mono" panose="020B0509040201040103" pitchFamily="49" charset="0"/>
+              </a:rPr>
+              <a:t>{</a:t>
+            </a:r>
+          </a:p>
+          <a:p>
+            <a:r>
+              <a:rPr lang="ko-Kore-KR" altLang="en-US" sz="1400" dirty="0">
+                <a:latin typeface="DM Mono" panose="020B0509040201040103" pitchFamily="49" charset="0"/>
+              </a:rPr>
+              <a:t>    User user1("Tom", 42);</a:t>
+            </a:r>
+          </a:p>
+          <a:p>
+            <a:r>
+              <a:rPr lang="ko-Kore-KR" altLang="en-US" sz="1400" dirty="0">
+                <a:latin typeface="DM Mono" panose="020B0509040201040103" pitchFamily="49" charset="0"/>
+              </a:rPr>
+              <a:t>    user1.Print();</a:t>
+            </a:r>
+          </a:p>
+          <a:p>
+            <a:endParaRPr lang="ko-Kore-KR" altLang="en-US" sz="1400" dirty="0">
+              <a:latin typeface="DM Mono" panose="020B0509040201040103" pitchFamily="49" charset="0"/>
+            </a:endParaRPr>
+          </a:p>
+          <a:p>
+            <a:r>
+              <a:rPr lang="ko-Kore-KR" altLang="en-US" sz="1400" dirty="0">
+                <a:solidFill>
+                  <a:srgbClr val="FF0000"/>
+                </a:solidFill>
+                <a:latin typeface="DM Mono" panose="020B0509040201040103" pitchFamily="49" charset="0"/>
+              </a:rPr>
+              <a:t>    User user2(user1);</a:t>
+            </a:r>
+          </a:p>
+          <a:p>
+            <a:r>
+              <a:rPr lang="ko-Kore-KR" altLang="en-US" sz="1400" dirty="0">
+                <a:latin typeface="DM Mono" panose="020B0509040201040103" pitchFamily="49" charset="0"/>
+              </a:rPr>
+              <a:t>    user2.Print();</a:t>
+            </a:r>
+          </a:p>
+          <a:p>
+            <a:r>
+              <a:rPr lang="ko-Kore-KR" altLang="en-US" sz="1400" dirty="0">
+                <a:latin typeface="DM Mono" panose="020B0509040201040103" pitchFamily="49" charset="0"/>
+              </a:rPr>
+              <a:t>}</a:t>
+            </a:r>
+          </a:p>
+        </p:txBody>
+      </p:sp>
+      <p:sp>
+        <p:nvSpPr>
+          <p:cNvPr id="6" name="직사각형 5">
+            <a:extLst>
+              <a:ext uri="{FF2B5EF4-FFF2-40B4-BE49-F238E27FC236}">
+                <a16:creationId xmlns:a16="http://schemas.microsoft.com/office/drawing/2014/main" id="{C0CD5A7C-DCA0-1464-3C57-55040947D5C1}"/>
+              </a:ext>
+            </a:extLst>
+          </p:cNvPr>
+          <p:cNvSpPr/>
+          <p:nvPr/>
+        </p:nvSpPr>
+        <p:spPr>
+          <a:xfrm>
+            <a:off x="4391563" y="3429000"/>
+            <a:ext cx="4891177" cy="2665563"/>
+          </a:xfrm>
+          <a:prstGeom prst="rect">
+            <a:avLst/>
+          </a:prstGeom>
+          <a:solidFill>
+            <a:schemeClr val="bg1"/>
+          </a:solidFill>
+        </p:spPr>
+        <p:style>
+          <a:lnRef idx="2">
+            <a:schemeClr val="accent1">
+              <a:shade val="50000"/>
+            </a:schemeClr>
+          </a:lnRef>
+          <a:fillRef idx="1">
+            <a:schemeClr val="accent1"/>
+          </a:fillRef>
+          <a:effectRef idx="0">
+            <a:schemeClr val="accent1"/>
+          </a:effectRef>
+          <a:fontRef idx="minor">
+            <a:schemeClr val="lt1"/>
+          </a:fontRef>
+        </p:style>
+        <p:txBody>
+          <a:bodyPr rtlCol="0" anchor="ctr"/>
+          <a:lstStyle/>
+          <a:p>
+            <a:pPr algn="ctr"/>
+            <a:endParaRPr kumimoji="1" lang="ko-Kore-KR" altLang="en-US"/>
+          </a:p>
+        </p:txBody>
+      </p:sp>
+      <p:sp>
+        <p:nvSpPr>
+          <p:cNvPr id="7" name="TextBox 6">
+            <a:extLst>
+              <a:ext uri="{FF2B5EF4-FFF2-40B4-BE49-F238E27FC236}">
+                <a16:creationId xmlns:a16="http://schemas.microsoft.com/office/drawing/2014/main" id="{95A02362-E5AB-6671-7474-3C62A2CB9350}"/>
+              </a:ext>
+            </a:extLst>
+          </p:cNvPr>
+          <p:cNvSpPr txBox="1"/>
+          <p:nvPr/>
+        </p:nvSpPr>
+        <p:spPr>
+          <a:xfrm>
+            <a:off x="6419849" y="3059668"/>
+            <a:ext cx="834606" cy="369332"/>
+          </a:xfrm>
+          <a:prstGeom prst="rect">
+            <a:avLst/>
+          </a:prstGeom>
+          <a:noFill/>
+        </p:spPr>
+        <p:txBody>
+          <a:bodyPr wrap="square">
+            <a:spAutoFit/>
+          </a:bodyPr>
+          <a:lstStyle/>
+          <a:p>
+            <a:r>
+              <a:rPr lang="ko-Kore-KR" altLang="en-US" sz="1800" dirty="0">
+                <a:latin typeface="DM Mono" panose="020B0509040201040103" pitchFamily="49" charset="0"/>
+              </a:rPr>
+              <a:t>main</a:t>
+            </a:r>
+            <a:endParaRPr lang="ko-Kore-KR" altLang="en-US" dirty="0"/>
+          </a:p>
+        </p:txBody>
+      </p:sp>
+      <p:sp>
+        <p:nvSpPr>
+          <p:cNvPr id="8" name="직사각형 7">
+            <a:extLst>
+              <a:ext uri="{FF2B5EF4-FFF2-40B4-BE49-F238E27FC236}">
+                <a16:creationId xmlns:a16="http://schemas.microsoft.com/office/drawing/2014/main" id="{B3BF2BFC-0B55-160D-55C6-F3BD3753D6EA}"/>
+              </a:ext>
+            </a:extLst>
+          </p:cNvPr>
+          <p:cNvSpPr/>
+          <p:nvPr/>
+        </p:nvSpPr>
+        <p:spPr>
+          <a:xfrm>
+            <a:off x="5107557" y="3860673"/>
+            <a:ext cx="1242204" cy="543464"/>
+          </a:xfrm>
+          <a:prstGeom prst="rect">
+            <a:avLst/>
+          </a:prstGeom>
+          <a:solidFill>
+            <a:srgbClr val="FFFF00"/>
+          </a:solidFill>
+        </p:spPr>
+        <p:style>
+          <a:lnRef idx="2">
+            <a:schemeClr val="accent4">
+              <a:shade val="50000"/>
+            </a:schemeClr>
+          </a:lnRef>
+          <a:fillRef idx="1">
+            <a:schemeClr val="accent4"/>
+          </a:fillRef>
+          <a:effectRef idx="0">
+            <a:schemeClr val="accent4"/>
+          </a:effectRef>
+          <a:fontRef idx="minor">
+            <a:schemeClr val="lt1"/>
+          </a:fontRef>
+        </p:style>
+        <p:txBody>
+          <a:bodyPr rtlCol="0" anchor="ctr"/>
+          <a:lstStyle/>
+          <a:p>
+            <a:pPr algn="ctr"/>
+            <a:endParaRPr kumimoji="1" lang="ko-Kore-KR" altLang="en-US" sz="1600" dirty="0">
+              <a:solidFill>
+                <a:schemeClr val="tx1"/>
+              </a:solidFill>
+              <a:latin typeface="DM Mono" panose="020B0509040201040103" pitchFamily="49" charset="0"/>
+            </a:endParaRPr>
+          </a:p>
+        </p:txBody>
+      </p:sp>
+      <p:sp>
+        <p:nvSpPr>
+          <p:cNvPr id="9" name="TextBox 8">
+            <a:extLst>
+              <a:ext uri="{FF2B5EF4-FFF2-40B4-BE49-F238E27FC236}">
+                <a16:creationId xmlns:a16="http://schemas.microsoft.com/office/drawing/2014/main" id="{40F5470D-37AD-B379-4FF8-25D26C48836B}"/>
+              </a:ext>
+            </a:extLst>
+          </p:cNvPr>
+          <p:cNvSpPr txBox="1"/>
+          <p:nvPr/>
+        </p:nvSpPr>
+        <p:spPr>
+          <a:xfrm>
+            <a:off x="5289251" y="3482715"/>
+            <a:ext cx="878816" cy="369332"/>
+          </a:xfrm>
+          <a:prstGeom prst="rect">
+            <a:avLst/>
+          </a:prstGeom>
+          <a:noFill/>
+        </p:spPr>
+        <p:txBody>
+          <a:bodyPr wrap="square">
+            <a:spAutoFit/>
+          </a:bodyPr>
+          <a:lstStyle/>
+          <a:p>
+            <a:r>
+              <a:rPr lang="en-US" altLang="ko-Kore-KR" dirty="0">
+                <a:latin typeface="DM Mono" panose="020B0509040201040103" pitchFamily="49" charset="0"/>
+              </a:rPr>
+              <a:t>user1</a:t>
+            </a:r>
+            <a:endParaRPr lang="ko-Kore-KR" altLang="en-US" dirty="0"/>
+          </a:p>
+        </p:txBody>
+      </p:sp>
+      <p:sp>
+        <p:nvSpPr>
+          <p:cNvPr id="10" name="TextBox 9">
+            <a:extLst>
+              <a:ext uri="{FF2B5EF4-FFF2-40B4-BE49-F238E27FC236}">
+                <a16:creationId xmlns:a16="http://schemas.microsoft.com/office/drawing/2014/main" id="{D1EE629E-DEFC-2D6D-FFFE-81A1816C48D8}"/>
+              </a:ext>
+            </a:extLst>
+          </p:cNvPr>
+          <p:cNvSpPr txBox="1"/>
+          <p:nvPr/>
+        </p:nvSpPr>
+        <p:spPr>
+          <a:xfrm>
+            <a:off x="4313208" y="3947739"/>
+            <a:ext cx="794349" cy="369332"/>
+          </a:xfrm>
+          <a:prstGeom prst="rect">
+            <a:avLst/>
+          </a:prstGeom>
+          <a:noFill/>
+        </p:spPr>
+        <p:txBody>
+          <a:bodyPr wrap="square">
+            <a:spAutoFit/>
+          </a:bodyPr>
+          <a:lstStyle/>
+          <a:p>
+            <a:pPr algn="r"/>
+            <a:r>
+              <a:rPr lang="en-US" altLang="ko-Kore-KR" dirty="0">
+                <a:latin typeface="DM Mono" panose="020B0509040201040103" pitchFamily="49" charset="0"/>
+              </a:rPr>
+              <a:t>name</a:t>
+            </a:r>
+            <a:endParaRPr lang="ko-Kore-KR" altLang="en-US" dirty="0"/>
+          </a:p>
+        </p:txBody>
+      </p:sp>
+      <p:sp>
+        <p:nvSpPr>
+          <p:cNvPr id="11" name="직사각형 10">
+            <a:extLst>
+              <a:ext uri="{FF2B5EF4-FFF2-40B4-BE49-F238E27FC236}">
+                <a16:creationId xmlns:a16="http://schemas.microsoft.com/office/drawing/2014/main" id="{C8AFE9BD-EC5A-74EA-40A2-B58CD85470F8}"/>
+              </a:ext>
+            </a:extLst>
+          </p:cNvPr>
+          <p:cNvSpPr/>
+          <p:nvPr/>
+        </p:nvSpPr>
+        <p:spPr>
+          <a:xfrm>
+            <a:off x="5107557" y="4412763"/>
+            <a:ext cx="1242204" cy="543464"/>
+          </a:xfrm>
+          <a:prstGeom prst="rect">
+            <a:avLst/>
+          </a:prstGeom>
+          <a:solidFill>
+            <a:srgbClr val="FFFF00"/>
+          </a:solidFill>
+        </p:spPr>
+        <p:style>
+          <a:lnRef idx="2">
+            <a:schemeClr val="accent4">
+              <a:shade val="50000"/>
+            </a:schemeClr>
+          </a:lnRef>
+          <a:fillRef idx="1">
+            <a:schemeClr val="accent4"/>
+          </a:fillRef>
+          <a:effectRef idx="0">
+            <a:schemeClr val="accent4"/>
+          </a:effectRef>
+          <a:fontRef idx="minor">
+            <a:schemeClr val="lt1"/>
+          </a:fontRef>
+        </p:style>
+        <p:txBody>
+          <a:bodyPr rtlCol="0" anchor="ctr"/>
+          <a:lstStyle/>
+          <a:p>
+            <a:pPr algn="ctr"/>
+            <a:r>
+              <a:rPr kumimoji="1" lang="en-US" altLang="ko-Kore-KR" sz="1600" dirty="0">
+                <a:solidFill>
+                  <a:schemeClr val="tx1"/>
+                </a:solidFill>
+                <a:latin typeface="DM Mono" panose="020B0509040201040103" pitchFamily="49" charset="0"/>
+              </a:rPr>
+              <a:t>42</a:t>
+            </a:r>
+            <a:endParaRPr kumimoji="1" lang="ko-Kore-KR" altLang="en-US" sz="1600" dirty="0">
+              <a:solidFill>
+                <a:schemeClr val="tx1"/>
+              </a:solidFill>
+              <a:latin typeface="DM Mono" panose="020B0509040201040103" pitchFamily="49" charset="0"/>
+            </a:endParaRPr>
+          </a:p>
+        </p:txBody>
+      </p:sp>
+      <p:sp>
+        <p:nvSpPr>
+          <p:cNvPr id="12" name="TextBox 11">
+            <a:extLst>
+              <a:ext uri="{FF2B5EF4-FFF2-40B4-BE49-F238E27FC236}">
+                <a16:creationId xmlns:a16="http://schemas.microsoft.com/office/drawing/2014/main" id="{61E071AD-26B0-2AD5-0544-429B60751643}"/>
+              </a:ext>
+            </a:extLst>
+          </p:cNvPr>
+          <p:cNvSpPr txBox="1"/>
+          <p:nvPr/>
+        </p:nvSpPr>
+        <p:spPr>
+          <a:xfrm>
+            <a:off x="4247058" y="4499829"/>
+            <a:ext cx="860499" cy="369332"/>
+          </a:xfrm>
+          <a:prstGeom prst="rect">
+            <a:avLst/>
+          </a:prstGeom>
+          <a:noFill/>
+        </p:spPr>
+        <p:txBody>
+          <a:bodyPr wrap="square">
+            <a:spAutoFit/>
+          </a:bodyPr>
+          <a:lstStyle/>
+          <a:p>
+            <a:pPr algn="r"/>
+            <a:r>
+              <a:rPr lang="en-US" altLang="ko-Kore-KR" dirty="0">
+                <a:latin typeface="DM Mono" panose="020B0509040201040103" pitchFamily="49" charset="0"/>
+              </a:rPr>
+              <a:t>age</a:t>
+            </a:r>
+            <a:endParaRPr lang="ko-Kore-KR" altLang="en-US" dirty="0"/>
+          </a:p>
+        </p:txBody>
+      </p:sp>
+      <p:sp>
+        <p:nvSpPr>
+          <p:cNvPr id="13" name="직사각형 12">
+            <a:extLst>
+              <a:ext uri="{FF2B5EF4-FFF2-40B4-BE49-F238E27FC236}">
+                <a16:creationId xmlns:a16="http://schemas.microsoft.com/office/drawing/2014/main" id="{59B76654-A045-AC5D-7DD6-7340D6D98C38}"/>
+              </a:ext>
+            </a:extLst>
+          </p:cNvPr>
+          <p:cNvSpPr/>
+          <p:nvPr/>
+        </p:nvSpPr>
+        <p:spPr>
+          <a:xfrm>
+            <a:off x="10153334" y="1591757"/>
+            <a:ext cx="1242204" cy="543464"/>
+          </a:xfrm>
+          <a:prstGeom prst="rect">
+            <a:avLst/>
+          </a:prstGeom>
+          <a:solidFill>
+            <a:schemeClr val="accent2"/>
+          </a:solidFill>
+        </p:spPr>
+        <p:style>
+          <a:lnRef idx="2">
+            <a:schemeClr val="accent4">
+              <a:shade val="50000"/>
+            </a:schemeClr>
+          </a:lnRef>
+          <a:fillRef idx="1">
+            <a:schemeClr val="accent4"/>
+          </a:fillRef>
+          <a:effectRef idx="0">
+            <a:schemeClr val="accent4"/>
+          </a:effectRef>
+          <a:fontRef idx="minor">
+            <a:schemeClr val="lt1"/>
+          </a:fontRef>
+        </p:style>
+        <p:txBody>
+          <a:bodyPr rtlCol="0" anchor="ctr"/>
+          <a:lstStyle/>
+          <a:p>
+            <a:pPr algn="ctr"/>
+            <a:r>
+              <a:rPr kumimoji="1" lang="en-US" altLang="ko-Kore-KR" sz="1600" dirty="0">
+                <a:solidFill>
+                  <a:schemeClr val="tx1"/>
+                </a:solidFill>
+                <a:latin typeface="DM Mono" panose="020B0509040201040103" pitchFamily="49" charset="0"/>
+              </a:rPr>
+              <a:t>“Tom”</a:t>
+            </a:r>
+            <a:endParaRPr kumimoji="1" lang="ko-Kore-KR" altLang="en-US" sz="1600" dirty="0">
+              <a:solidFill>
+                <a:schemeClr val="tx1"/>
+              </a:solidFill>
+              <a:latin typeface="DM Mono" panose="020B0509040201040103" pitchFamily="49" charset="0"/>
+            </a:endParaRPr>
+          </a:p>
+        </p:txBody>
+      </p:sp>
+      <p:sp>
+        <p:nvSpPr>
+          <p:cNvPr id="2" name="직사각형 1">
+            <a:extLst>
+              <a:ext uri="{FF2B5EF4-FFF2-40B4-BE49-F238E27FC236}">
+                <a16:creationId xmlns:a16="http://schemas.microsoft.com/office/drawing/2014/main" id="{82194EF2-3ACF-612A-27AC-20F06D04420E}"/>
+              </a:ext>
+            </a:extLst>
+          </p:cNvPr>
+          <p:cNvSpPr/>
+          <p:nvPr/>
+        </p:nvSpPr>
+        <p:spPr>
+          <a:xfrm>
+            <a:off x="7686857" y="3878831"/>
+            <a:ext cx="1242204" cy="543464"/>
+          </a:xfrm>
+          <a:prstGeom prst="rect">
+            <a:avLst/>
+          </a:prstGeom>
+          <a:solidFill>
+            <a:srgbClr val="FFFF00"/>
+          </a:solidFill>
+        </p:spPr>
+        <p:style>
+          <a:lnRef idx="2">
+            <a:schemeClr val="accent4">
+              <a:shade val="50000"/>
+            </a:schemeClr>
+          </a:lnRef>
+          <a:fillRef idx="1">
+            <a:schemeClr val="accent4"/>
+          </a:fillRef>
+          <a:effectRef idx="0">
+            <a:schemeClr val="accent4"/>
+          </a:effectRef>
+          <a:fontRef idx="minor">
+            <a:schemeClr val="lt1"/>
+          </a:fontRef>
+        </p:style>
+        <p:txBody>
+          <a:bodyPr rtlCol="0" anchor="ctr"/>
+          <a:lstStyle/>
+          <a:p>
+            <a:pPr algn="ctr"/>
+            <a:endParaRPr kumimoji="1" lang="ko-Kore-KR" altLang="en-US" sz="1600" dirty="0">
+              <a:solidFill>
+                <a:schemeClr val="tx1"/>
+              </a:solidFill>
+              <a:latin typeface="DM Mono" panose="020B0509040201040103" pitchFamily="49" charset="0"/>
+            </a:endParaRPr>
+          </a:p>
+        </p:txBody>
+      </p:sp>
+      <p:sp>
+        <p:nvSpPr>
+          <p:cNvPr id="3" name="TextBox 2">
+            <a:extLst>
+              <a:ext uri="{FF2B5EF4-FFF2-40B4-BE49-F238E27FC236}">
+                <a16:creationId xmlns:a16="http://schemas.microsoft.com/office/drawing/2014/main" id="{E0563128-19AB-B557-086E-C95C824036F7}"/>
+              </a:ext>
+            </a:extLst>
+          </p:cNvPr>
+          <p:cNvSpPr txBox="1"/>
+          <p:nvPr/>
+        </p:nvSpPr>
+        <p:spPr>
+          <a:xfrm>
+            <a:off x="7868551" y="3500873"/>
+            <a:ext cx="878816" cy="369332"/>
+          </a:xfrm>
+          <a:prstGeom prst="rect">
+            <a:avLst/>
+          </a:prstGeom>
+          <a:noFill/>
+        </p:spPr>
+        <p:txBody>
+          <a:bodyPr wrap="square">
+            <a:spAutoFit/>
+          </a:bodyPr>
+          <a:lstStyle/>
+          <a:p>
+            <a:r>
+              <a:rPr lang="en-US" altLang="ko-Kore-KR" dirty="0">
+                <a:latin typeface="DM Mono" panose="020B0509040201040103" pitchFamily="49" charset="0"/>
+              </a:rPr>
+              <a:t>user2</a:t>
+            </a:r>
+            <a:endParaRPr lang="ko-Kore-KR" altLang="en-US" dirty="0"/>
+          </a:p>
+        </p:txBody>
+      </p:sp>
+      <p:sp>
+        <p:nvSpPr>
+          <p:cNvPr id="4" name="TextBox 3">
+            <a:extLst>
+              <a:ext uri="{FF2B5EF4-FFF2-40B4-BE49-F238E27FC236}">
+                <a16:creationId xmlns:a16="http://schemas.microsoft.com/office/drawing/2014/main" id="{566746D6-8853-3474-1D8F-C0A108C7D879}"/>
+              </a:ext>
+            </a:extLst>
+          </p:cNvPr>
+          <p:cNvSpPr txBox="1"/>
+          <p:nvPr/>
+        </p:nvSpPr>
+        <p:spPr>
+          <a:xfrm>
+            <a:off x="6892508" y="3965897"/>
+            <a:ext cx="794349" cy="369332"/>
+          </a:xfrm>
+          <a:prstGeom prst="rect">
+            <a:avLst/>
+          </a:prstGeom>
+          <a:noFill/>
+        </p:spPr>
+        <p:txBody>
+          <a:bodyPr wrap="square">
+            <a:spAutoFit/>
+          </a:bodyPr>
+          <a:lstStyle/>
+          <a:p>
+            <a:pPr algn="r"/>
+            <a:r>
+              <a:rPr lang="en-US" altLang="ko-Kore-KR" dirty="0">
+                <a:latin typeface="DM Mono" panose="020B0509040201040103" pitchFamily="49" charset="0"/>
+              </a:rPr>
+              <a:t>name</a:t>
+            </a:r>
+            <a:endParaRPr lang="ko-Kore-KR" altLang="en-US" dirty="0"/>
+          </a:p>
+        </p:txBody>
+      </p:sp>
+      <p:sp>
+        <p:nvSpPr>
+          <p:cNvPr id="14" name="직사각형 13">
+            <a:extLst>
+              <a:ext uri="{FF2B5EF4-FFF2-40B4-BE49-F238E27FC236}">
+                <a16:creationId xmlns:a16="http://schemas.microsoft.com/office/drawing/2014/main" id="{25BA75C2-35B2-E465-ABFC-71772779B1FD}"/>
+              </a:ext>
+            </a:extLst>
+          </p:cNvPr>
+          <p:cNvSpPr/>
+          <p:nvPr/>
+        </p:nvSpPr>
+        <p:spPr>
+          <a:xfrm>
+            <a:off x="7686857" y="4430921"/>
+            <a:ext cx="1242204" cy="543464"/>
+          </a:xfrm>
+          <a:prstGeom prst="rect">
+            <a:avLst/>
+          </a:prstGeom>
+          <a:solidFill>
+            <a:srgbClr val="FFFF00"/>
+          </a:solidFill>
+        </p:spPr>
+        <p:style>
+          <a:lnRef idx="2">
+            <a:schemeClr val="accent4">
+              <a:shade val="50000"/>
+            </a:schemeClr>
+          </a:lnRef>
+          <a:fillRef idx="1">
+            <a:schemeClr val="accent4"/>
+          </a:fillRef>
+          <a:effectRef idx="0">
+            <a:schemeClr val="accent4"/>
+          </a:effectRef>
+          <a:fontRef idx="minor">
+            <a:schemeClr val="lt1"/>
+          </a:fontRef>
+        </p:style>
+        <p:txBody>
+          <a:bodyPr rtlCol="0" anchor="ctr"/>
+          <a:lstStyle/>
+          <a:p>
+            <a:pPr algn="ctr"/>
+            <a:r>
+              <a:rPr kumimoji="1" lang="en-US" altLang="ko-Kore-KR" sz="1600" dirty="0">
+                <a:solidFill>
+                  <a:schemeClr val="tx1"/>
+                </a:solidFill>
+                <a:latin typeface="DM Mono" panose="020B0509040201040103" pitchFamily="49" charset="0"/>
+              </a:rPr>
+              <a:t>42</a:t>
+            </a:r>
+            <a:endParaRPr kumimoji="1" lang="ko-Kore-KR" altLang="en-US" sz="1600" dirty="0">
+              <a:solidFill>
+                <a:schemeClr val="tx1"/>
+              </a:solidFill>
+              <a:latin typeface="DM Mono" panose="020B0509040201040103" pitchFamily="49" charset="0"/>
+            </a:endParaRPr>
+          </a:p>
+        </p:txBody>
+      </p:sp>
+      <p:sp>
+        <p:nvSpPr>
+          <p:cNvPr id="16" name="TextBox 15">
+            <a:extLst>
+              <a:ext uri="{FF2B5EF4-FFF2-40B4-BE49-F238E27FC236}">
+                <a16:creationId xmlns:a16="http://schemas.microsoft.com/office/drawing/2014/main" id="{21CD2002-71C4-9FFE-39B0-BBFE9D93B654}"/>
+              </a:ext>
+            </a:extLst>
+          </p:cNvPr>
+          <p:cNvSpPr txBox="1"/>
+          <p:nvPr/>
+        </p:nvSpPr>
+        <p:spPr>
+          <a:xfrm>
+            <a:off x="6826358" y="4517987"/>
+            <a:ext cx="860499" cy="369332"/>
+          </a:xfrm>
+          <a:prstGeom prst="rect">
+            <a:avLst/>
+          </a:prstGeom>
+          <a:noFill/>
+        </p:spPr>
+        <p:txBody>
+          <a:bodyPr wrap="square">
+            <a:spAutoFit/>
+          </a:bodyPr>
+          <a:lstStyle/>
+          <a:p>
+            <a:pPr algn="r"/>
+            <a:r>
+              <a:rPr lang="en-US" altLang="ko-Kore-KR" dirty="0">
+                <a:latin typeface="DM Mono" panose="020B0509040201040103" pitchFamily="49" charset="0"/>
+              </a:rPr>
+              <a:t>age</a:t>
+            </a:r>
+            <a:endParaRPr lang="ko-Kore-KR" altLang="en-US" dirty="0"/>
+          </a:p>
+        </p:txBody>
+      </p:sp>
+      <p:cxnSp>
+        <p:nvCxnSpPr>
+          <p:cNvPr id="17" name="구부러진 연결선[U] 16">
+            <a:extLst>
+              <a:ext uri="{FF2B5EF4-FFF2-40B4-BE49-F238E27FC236}">
+                <a16:creationId xmlns:a16="http://schemas.microsoft.com/office/drawing/2014/main" id="{256BB9B0-87FC-33B9-3360-B9DEC2C3A98B}"/>
+              </a:ext>
+            </a:extLst>
+          </p:cNvPr>
+          <p:cNvCxnSpPr>
+            <a:cxnSpLocks/>
+            <a:stCxn id="2" idx="3"/>
+            <a:endCxn id="13" idx="1"/>
+          </p:cNvCxnSpPr>
+          <p:nvPr/>
+        </p:nvCxnSpPr>
+        <p:spPr>
+          <a:xfrm flipV="1">
+            <a:off x="8929061" y="1863489"/>
+            <a:ext cx="1224273" cy="2287074"/>
+          </a:xfrm>
+          <a:prstGeom prst="curvedConnector3">
+            <a:avLst>
+              <a:gd name="adj1" fmla="val 50000"/>
+            </a:avLst>
+          </a:prstGeom>
+          <a:ln>
+            <a:tailEnd type="triangle"/>
+          </a:ln>
+        </p:spPr>
+        <p:style>
+          <a:lnRef idx="1">
+            <a:schemeClr val="dk1"/>
+          </a:lnRef>
+          <a:fillRef idx="0">
+            <a:schemeClr val="dk1"/>
+          </a:fillRef>
+          <a:effectRef idx="0">
+            <a:schemeClr val="dk1"/>
+          </a:effectRef>
+          <a:fontRef idx="minor">
+            <a:schemeClr val="tx1"/>
+          </a:fontRef>
+        </p:style>
+      </p:cxnSp>
+      <p:sp>
+        <p:nvSpPr>
+          <p:cNvPr id="19" name="TextBox 18">
+            <a:extLst>
+              <a:ext uri="{FF2B5EF4-FFF2-40B4-BE49-F238E27FC236}">
+                <a16:creationId xmlns:a16="http://schemas.microsoft.com/office/drawing/2014/main" id="{AECE43FC-5B17-98A7-FC9B-EF2BDAE031BF}"/>
+              </a:ext>
+            </a:extLst>
+          </p:cNvPr>
+          <p:cNvSpPr txBox="1"/>
+          <p:nvPr/>
+        </p:nvSpPr>
+        <p:spPr>
+          <a:xfrm>
+            <a:off x="5881061" y="364570"/>
+            <a:ext cx="6096000" cy="954107"/>
+          </a:xfrm>
+          <a:prstGeom prst="rect">
+            <a:avLst/>
+          </a:prstGeom>
+          <a:noFill/>
+        </p:spPr>
+        <p:txBody>
+          <a:bodyPr wrap="square">
+            <a:spAutoFit/>
+          </a:bodyPr>
+          <a:lstStyle/>
+          <a:p>
+            <a:r>
+              <a:rPr lang="ko-Kore-KR" altLang="en-US" sz="1400" dirty="0">
+                <a:latin typeface="DM Mono" panose="020B0509040201040103" pitchFamily="49" charset="0"/>
+              </a:rPr>
+              <a:t>a.out(13466,0x1fec0c140) malloc: Double free of object 0x142606b00</a:t>
+            </a:r>
+          </a:p>
+          <a:p>
+            <a:r>
+              <a:rPr lang="ko-Kore-KR" altLang="en-US" sz="1400" dirty="0">
+                <a:latin typeface="DM Mono" panose="020B0509040201040103" pitchFamily="49" charset="0"/>
+              </a:rPr>
+              <a:t>a.out(13466,0x1fec0c140) malloc: *** set a breakpoint in malloc_error_break to debug</a:t>
+            </a:r>
+          </a:p>
+        </p:txBody>
+      </p:sp>
+    </p:spTree>
+    <p:extLst>
+      <p:ext uri="{BB962C8B-B14F-4D97-AF65-F5344CB8AC3E}">
+        <p14:creationId xmlns:p14="http://schemas.microsoft.com/office/powerpoint/2010/main" val="4269174465"/>
+      </p:ext>
+    </p:extLst>
+  </p:cSld>
+  <p:clrMapOvr>
+    <a:masterClrMapping/>
+  </p:clrMapOvr>
+</p:sld>
+</file>
+
+<file path=ppt/slides/slide14.xml><?xml version="1.0" encoding="utf-8"?>
+<p:sld xmlns:a="http://schemas.openxmlformats.org/drawingml/2006/main" xmlns:r="http://schemas.openxmlformats.org/officeDocument/2006/relationships" xmlns:p="http://schemas.openxmlformats.org/presentationml/2006/main">
+  <p:cSld>
+    <p:spTree>
+      <p:nvGrpSpPr>
+        <p:cNvPr id="1" name=""/>
+        <p:cNvGrpSpPr/>
+        <p:nvPr/>
+      </p:nvGrpSpPr>
+      <p:grpSpPr>
+        <a:xfrm>
+          <a:off x="0" y="0"/>
+          <a:ext cx="0" cy="0"/>
+          <a:chOff x="0" y="0"/>
+          <a:chExt cx="0" cy="0"/>
+        </a:xfrm>
+      </p:grpSpPr>
+      <p:sp>
+        <p:nvSpPr>
+          <p:cNvPr id="5" name="TextBox 4">
+            <a:extLst>
+              <a:ext uri="{FF2B5EF4-FFF2-40B4-BE49-F238E27FC236}">
+                <a16:creationId xmlns:a16="http://schemas.microsoft.com/office/drawing/2014/main" id="{A9C408B7-EB2C-4D9F-4A24-834069D4D7F1}"/>
+              </a:ext>
+            </a:extLst>
+          </p:cNvPr>
+          <p:cNvSpPr txBox="1"/>
+          <p:nvPr/>
+        </p:nvSpPr>
+        <p:spPr>
+          <a:xfrm>
+            <a:off x="476609" y="445128"/>
+            <a:ext cx="6094562" cy="1600438"/>
+          </a:xfrm>
+          <a:prstGeom prst="rect">
+            <a:avLst/>
+          </a:prstGeom>
+          <a:noFill/>
+        </p:spPr>
+        <p:txBody>
+          <a:bodyPr wrap="square">
+            <a:spAutoFit/>
+          </a:bodyPr>
+          <a:lstStyle/>
+          <a:p>
+            <a:r>
+              <a:rPr lang="ko-KR" altLang="en-US" sz="1400" dirty="0">
+                <a:latin typeface="DM Mono" panose="020B0509040201040103" pitchFamily="49" charset="0"/>
+              </a:rPr>
+              <a:t> </a:t>
+            </a:r>
+            <a:r>
+              <a:rPr lang="en-US" altLang="ko-KR" sz="1400" dirty="0">
+                <a:latin typeface="DM Mono" panose="020B0509040201040103" pitchFamily="49" charset="0"/>
+              </a:rPr>
+              <a:t>// </a:t>
+            </a:r>
+            <a:r>
+              <a:rPr lang="ko-KR" altLang="en-US" sz="1400" dirty="0">
+                <a:latin typeface="DM Mono" panose="020B0509040201040103" pitchFamily="49" charset="0"/>
+              </a:rPr>
+              <a:t>깊은 복사</a:t>
+            </a:r>
+          </a:p>
+          <a:p>
+            <a:r>
+              <a:rPr lang="ko-KR" altLang="en-US" sz="1400" dirty="0">
+                <a:latin typeface="DM Mono" panose="020B0509040201040103" pitchFamily="49" charset="0"/>
+              </a:rPr>
+              <a:t>    </a:t>
+            </a:r>
+            <a:r>
+              <a:rPr lang="en" altLang="ko-Kore-KR" sz="1400" dirty="0">
+                <a:latin typeface="DM Mono" panose="020B0509040201040103" pitchFamily="49" charset="0"/>
+              </a:rPr>
+              <a:t>User(const User&amp; </a:t>
+            </a:r>
+            <a:r>
+              <a:rPr lang="en" altLang="ko-Kore-KR" sz="1400" dirty="0" err="1">
+                <a:latin typeface="DM Mono" panose="020B0509040201040103" pitchFamily="49" charset="0"/>
+              </a:rPr>
+              <a:t>rhs</a:t>
+            </a:r>
+            <a:r>
+              <a:rPr lang="en" altLang="ko-Kore-KR" sz="1400" dirty="0">
+                <a:latin typeface="DM Mono" panose="020B0509040201040103" pitchFamily="49" charset="0"/>
+              </a:rPr>
+              <a:t>)</a:t>
+            </a:r>
+          </a:p>
+          <a:p>
+            <a:r>
+              <a:rPr lang="en" altLang="ko-Kore-KR" sz="1400" dirty="0">
+                <a:latin typeface="DM Mono" panose="020B0509040201040103" pitchFamily="49" charset="0"/>
+              </a:rPr>
+              <a:t>        : age(</a:t>
+            </a:r>
+            <a:r>
+              <a:rPr lang="en" altLang="ko-Kore-KR" sz="1400" dirty="0" err="1">
+                <a:latin typeface="DM Mono" panose="020B0509040201040103" pitchFamily="49" charset="0"/>
+              </a:rPr>
+              <a:t>rhs.age</a:t>
+            </a:r>
+            <a:r>
+              <a:rPr lang="en" altLang="ko-Kore-KR" sz="1400" dirty="0">
+                <a:latin typeface="DM Mono" panose="020B0509040201040103" pitchFamily="49" charset="0"/>
+              </a:rPr>
+              <a:t>) // </a:t>
+            </a:r>
+            <a:r>
+              <a:rPr lang="ko-KR" altLang="en-US" sz="1400" dirty="0">
+                <a:latin typeface="DM Mono" panose="020B0509040201040103" pitchFamily="49" charset="0"/>
+              </a:rPr>
+              <a:t>포인터 아닌 멤버에 대한 복사</a:t>
+            </a:r>
+          </a:p>
+          <a:p>
+            <a:r>
+              <a:rPr lang="ko-KR" altLang="en-US" sz="1400" dirty="0">
+                <a:latin typeface="DM Mono" panose="020B0509040201040103" pitchFamily="49" charset="0"/>
+              </a:rPr>
+              <a:t>    </a:t>
+            </a:r>
+            <a:r>
+              <a:rPr lang="en-US" altLang="ko-KR" sz="1400" dirty="0">
+                <a:latin typeface="DM Mono" panose="020B0509040201040103" pitchFamily="49" charset="0"/>
+              </a:rPr>
+              <a:t>{</a:t>
+            </a:r>
+          </a:p>
+          <a:p>
+            <a:r>
+              <a:rPr lang="en-US" altLang="ko-KR" sz="1400" dirty="0">
+                <a:latin typeface="DM Mono" panose="020B0509040201040103" pitchFamily="49" charset="0"/>
+              </a:rPr>
+              <a:t>        </a:t>
+            </a:r>
+            <a:r>
+              <a:rPr lang="en" altLang="ko-Kore-KR" sz="1400" dirty="0">
+                <a:latin typeface="DM Mono" panose="020B0509040201040103" pitchFamily="49" charset="0"/>
+              </a:rPr>
+              <a:t>name = new char[</a:t>
+            </a:r>
+            <a:r>
+              <a:rPr lang="en" altLang="ko-Kore-KR" sz="1400" dirty="0" err="1">
+                <a:latin typeface="DM Mono" panose="020B0509040201040103" pitchFamily="49" charset="0"/>
+              </a:rPr>
+              <a:t>strlen</a:t>
+            </a:r>
+            <a:r>
+              <a:rPr lang="en" altLang="ko-Kore-KR" sz="1400" dirty="0">
+                <a:latin typeface="DM Mono" panose="020B0509040201040103" pitchFamily="49" charset="0"/>
+              </a:rPr>
+              <a:t>(</a:t>
+            </a:r>
+            <a:r>
+              <a:rPr lang="en" altLang="ko-Kore-KR" sz="1400" dirty="0" err="1">
+                <a:latin typeface="DM Mono" panose="020B0509040201040103" pitchFamily="49" charset="0"/>
+              </a:rPr>
+              <a:t>rhs.name</a:t>
+            </a:r>
+            <a:r>
+              <a:rPr lang="en" altLang="ko-Kore-KR" sz="1400" dirty="0">
+                <a:latin typeface="DM Mono" panose="020B0509040201040103" pitchFamily="49" charset="0"/>
+              </a:rPr>
+              <a:t>) + 1];</a:t>
+            </a:r>
+          </a:p>
+          <a:p>
+            <a:r>
+              <a:rPr lang="en" altLang="ko-Kore-KR" sz="1400" dirty="0">
+                <a:latin typeface="DM Mono" panose="020B0509040201040103" pitchFamily="49" charset="0"/>
+              </a:rPr>
+              <a:t>        </a:t>
+            </a:r>
+            <a:r>
+              <a:rPr lang="en" altLang="ko-Kore-KR" sz="1400" dirty="0" err="1">
+                <a:latin typeface="DM Mono" panose="020B0509040201040103" pitchFamily="49" charset="0"/>
+              </a:rPr>
+              <a:t>strcpy</a:t>
+            </a:r>
+            <a:r>
+              <a:rPr lang="en" altLang="ko-Kore-KR" sz="1400" dirty="0">
+                <a:latin typeface="DM Mono" panose="020B0509040201040103" pitchFamily="49" charset="0"/>
+              </a:rPr>
+              <a:t>(name, </a:t>
+            </a:r>
+            <a:r>
+              <a:rPr lang="en" altLang="ko-Kore-KR" sz="1400" dirty="0" err="1">
+                <a:latin typeface="DM Mono" panose="020B0509040201040103" pitchFamily="49" charset="0"/>
+              </a:rPr>
+              <a:t>rhs.name</a:t>
+            </a:r>
+            <a:r>
+              <a:rPr lang="en" altLang="ko-Kore-KR" sz="1400" dirty="0">
+                <a:latin typeface="DM Mono" panose="020B0509040201040103" pitchFamily="49" charset="0"/>
+              </a:rPr>
+              <a:t>);</a:t>
+            </a:r>
+          </a:p>
+          <a:p>
+            <a:r>
+              <a:rPr lang="en" altLang="ko-Kore-KR" sz="1400" dirty="0">
+                <a:latin typeface="DM Mono" panose="020B0509040201040103" pitchFamily="49" charset="0"/>
+              </a:rPr>
+              <a:t>    }</a:t>
+            </a:r>
+            <a:endParaRPr lang="ko-Kore-KR" altLang="en-US" sz="1400" dirty="0">
+              <a:latin typeface="DM Mono" panose="020B0509040201040103" pitchFamily="49" charset="0"/>
+            </a:endParaRPr>
+          </a:p>
+        </p:txBody>
+      </p:sp>
+      <p:sp>
+        <p:nvSpPr>
+          <p:cNvPr id="6" name="직사각형 5">
+            <a:extLst>
+              <a:ext uri="{FF2B5EF4-FFF2-40B4-BE49-F238E27FC236}">
+                <a16:creationId xmlns:a16="http://schemas.microsoft.com/office/drawing/2014/main" id="{C0CD5A7C-DCA0-1464-3C57-55040947D5C1}"/>
+              </a:ext>
+            </a:extLst>
+          </p:cNvPr>
+          <p:cNvSpPr/>
+          <p:nvPr/>
+        </p:nvSpPr>
+        <p:spPr>
+          <a:xfrm>
+            <a:off x="2742057" y="2505635"/>
+            <a:ext cx="4891177" cy="2665563"/>
+          </a:xfrm>
+          <a:prstGeom prst="rect">
+            <a:avLst/>
+          </a:prstGeom>
+          <a:solidFill>
+            <a:schemeClr val="bg1"/>
+          </a:solidFill>
+        </p:spPr>
+        <p:style>
+          <a:lnRef idx="2">
+            <a:schemeClr val="accent1">
+              <a:shade val="50000"/>
+            </a:schemeClr>
+          </a:lnRef>
+          <a:fillRef idx="1">
+            <a:schemeClr val="accent1"/>
+          </a:fillRef>
+          <a:effectRef idx="0">
+            <a:schemeClr val="accent1"/>
+          </a:effectRef>
+          <a:fontRef idx="minor">
+            <a:schemeClr val="lt1"/>
+          </a:fontRef>
+        </p:style>
+        <p:txBody>
+          <a:bodyPr rtlCol="0" anchor="ctr"/>
+          <a:lstStyle/>
+          <a:p>
+            <a:pPr algn="ctr"/>
+            <a:endParaRPr kumimoji="1" lang="ko-Kore-KR" altLang="en-US"/>
+          </a:p>
+        </p:txBody>
+      </p:sp>
+      <p:sp>
+        <p:nvSpPr>
+          <p:cNvPr id="7" name="TextBox 6">
+            <a:extLst>
+              <a:ext uri="{FF2B5EF4-FFF2-40B4-BE49-F238E27FC236}">
+                <a16:creationId xmlns:a16="http://schemas.microsoft.com/office/drawing/2014/main" id="{95A02362-E5AB-6671-7474-3C62A2CB9350}"/>
+              </a:ext>
+            </a:extLst>
+          </p:cNvPr>
+          <p:cNvSpPr txBox="1"/>
+          <p:nvPr/>
+        </p:nvSpPr>
+        <p:spPr>
+          <a:xfrm>
+            <a:off x="4770343" y="2136303"/>
+            <a:ext cx="834606" cy="369332"/>
+          </a:xfrm>
+          <a:prstGeom prst="rect">
+            <a:avLst/>
+          </a:prstGeom>
+          <a:noFill/>
+        </p:spPr>
+        <p:txBody>
+          <a:bodyPr wrap="square">
+            <a:spAutoFit/>
+          </a:bodyPr>
+          <a:lstStyle/>
+          <a:p>
+            <a:r>
+              <a:rPr lang="ko-Kore-KR" altLang="en-US" sz="1800" dirty="0">
+                <a:latin typeface="DM Mono" panose="020B0509040201040103" pitchFamily="49" charset="0"/>
+              </a:rPr>
+              <a:t>main</a:t>
+            </a:r>
+            <a:endParaRPr lang="ko-Kore-KR" altLang="en-US" dirty="0"/>
+          </a:p>
+        </p:txBody>
+      </p:sp>
+      <p:sp>
+        <p:nvSpPr>
+          <p:cNvPr id="8" name="직사각형 7">
+            <a:extLst>
+              <a:ext uri="{FF2B5EF4-FFF2-40B4-BE49-F238E27FC236}">
+                <a16:creationId xmlns:a16="http://schemas.microsoft.com/office/drawing/2014/main" id="{B3BF2BFC-0B55-160D-55C6-F3BD3753D6EA}"/>
+              </a:ext>
+            </a:extLst>
+          </p:cNvPr>
+          <p:cNvSpPr/>
+          <p:nvPr/>
+        </p:nvSpPr>
+        <p:spPr>
+          <a:xfrm>
+            <a:off x="3458051" y="2937308"/>
+            <a:ext cx="1242204" cy="543464"/>
+          </a:xfrm>
+          <a:prstGeom prst="rect">
+            <a:avLst/>
+          </a:prstGeom>
+          <a:solidFill>
+            <a:srgbClr val="FFFF00"/>
+          </a:solidFill>
+        </p:spPr>
+        <p:style>
+          <a:lnRef idx="2">
+            <a:schemeClr val="accent4">
+              <a:shade val="50000"/>
+            </a:schemeClr>
+          </a:lnRef>
+          <a:fillRef idx="1">
+            <a:schemeClr val="accent4"/>
+          </a:fillRef>
+          <a:effectRef idx="0">
+            <a:schemeClr val="accent4"/>
+          </a:effectRef>
+          <a:fontRef idx="minor">
+            <a:schemeClr val="lt1"/>
+          </a:fontRef>
+        </p:style>
+        <p:txBody>
+          <a:bodyPr rtlCol="0" anchor="ctr"/>
+          <a:lstStyle/>
+          <a:p>
+            <a:pPr algn="ctr"/>
+            <a:endParaRPr kumimoji="1" lang="ko-Kore-KR" altLang="en-US" sz="1600" dirty="0">
+              <a:solidFill>
+                <a:schemeClr val="tx1"/>
+              </a:solidFill>
+              <a:latin typeface="DM Mono" panose="020B0509040201040103" pitchFamily="49" charset="0"/>
+            </a:endParaRPr>
+          </a:p>
+        </p:txBody>
+      </p:sp>
+      <p:sp>
+        <p:nvSpPr>
+          <p:cNvPr id="9" name="TextBox 8">
+            <a:extLst>
+              <a:ext uri="{FF2B5EF4-FFF2-40B4-BE49-F238E27FC236}">
+                <a16:creationId xmlns:a16="http://schemas.microsoft.com/office/drawing/2014/main" id="{40F5470D-37AD-B379-4FF8-25D26C48836B}"/>
+              </a:ext>
+            </a:extLst>
+          </p:cNvPr>
+          <p:cNvSpPr txBox="1"/>
+          <p:nvPr/>
+        </p:nvSpPr>
+        <p:spPr>
+          <a:xfrm>
+            <a:off x="3639745" y="2559350"/>
+            <a:ext cx="878816" cy="369332"/>
+          </a:xfrm>
+          <a:prstGeom prst="rect">
+            <a:avLst/>
+          </a:prstGeom>
+          <a:noFill/>
+        </p:spPr>
+        <p:txBody>
+          <a:bodyPr wrap="square">
+            <a:spAutoFit/>
+          </a:bodyPr>
+          <a:lstStyle/>
+          <a:p>
+            <a:r>
+              <a:rPr lang="en-US" altLang="ko-Kore-KR" dirty="0">
+                <a:latin typeface="DM Mono" panose="020B0509040201040103" pitchFamily="49" charset="0"/>
+              </a:rPr>
+              <a:t>user1</a:t>
+            </a:r>
+            <a:endParaRPr lang="ko-Kore-KR" altLang="en-US" dirty="0"/>
+          </a:p>
+        </p:txBody>
+      </p:sp>
+      <p:sp>
+        <p:nvSpPr>
+          <p:cNvPr id="10" name="TextBox 9">
+            <a:extLst>
+              <a:ext uri="{FF2B5EF4-FFF2-40B4-BE49-F238E27FC236}">
+                <a16:creationId xmlns:a16="http://schemas.microsoft.com/office/drawing/2014/main" id="{D1EE629E-DEFC-2D6D-FFFE-81A1816C48D8}"/>
+              </a:ext>
+            </a:extLst>
+          </p:cNvPr>
+          <p:cNvSpPr txBox="1"/>
+          <p:nvPr/>
+        </p:nvSpPr>
+        <p:spPr>
+          <a:xfrm>
+            <a:off x="2663702" y="3024374"/>
+            <a:ext cx="794349" cy="369332"/>
+          </a:xfrm>
+          <a:prstGeom prst="rect">
+            <a:avLst/>
+          </a:prstGeom>
+          <a:noFill/>
+        </p:spPr>
+        <p:txBody>
+          <a:bodyPr wrap="square">
+            <a:spAutoFit/>
+          </a:bodyPr>
+          <a:lstStyle/>
+          <a:p>
+            <a:pPr algn="r"/>
+            <a:r>
+              <a:rPr lang="en-US" altLang="ko-Kore-KR" dirty="0">
+                <a:latin typeface="DM Mono" panose="020B0509040201040103" pitchFamily="49" charset="0"/>
+              </a:rPr>
+              <a:t>name</a:t>
+            </a:r>
+            <a:endParaRPr lang="ko-Kore-KR" altLang="en-US" dirty="0"/>
+          </a:p>
+        </p:txBody>
+      </p:sp>
+      <p:sp>
+        <p:nvSpPr>
+          <p:cNvPr id="11" name="직사각형 10">
+            <a:extLst>
+              <a:ext uri="{FF2B5EF4-FFF2-40B4-BE49-F238E27FC236}">
+                <a16:creationId xmlns:a16="http://schemas.microsoft.com/office/drawing/2014/main" id="{C8AFE9BD-EC5A-74EA-40A2-B58CD85470F8}"/>
+              </a:ext>
+            </a:extLst>
+          </p:cNvPr>
+          <p:cNvSpPr/>
+          <p:nvPr/>
+        </p:nvSpPr>
+        <p:spPr>
+          <a:xfrm>
+            <a:off x="3458051" y="3489398"/>
+            <a:ext cx="1242204" cy="543464"/>
+          </a:xfrm>
+          <a:prstGeom prst="rect">
+            <a:avLst/>
+          </a:prstGeom>
+          <a:solidFill>
+            <a:srgbClr val="FFFF00"/>
+          </a:solidFill>
+        </p:spPr>
+        <p:style>
+          <a:lnRef idx="2">
+            <a:schemeClr val="accent4">
+              <a:shade val="50000"/>
+            </a:schemeClr>
+          </a:lnRef>
+          <a:fillRef idx="1">
+            <a:schemeClr val="accent4"/>
+          </a:fillRef>
+          <a:effectRef idx="0">
+            <a:schemeClr val="accent4"/>
+          </a:effectRef>
+          <a:fontRef idx="minor">
+            <a:schemeClr val="lt1"/>
+          </a:fontRef>
+        </p:style>
+        <p:txBody>
+          <a:bodyPr rtlCol="0" anchor="ctr"/>
+          <a:lstStyle/>
+          <a:p>
+            <a:pPr algn="ctr"/>
+            <a:r>
+              <a:rPr kumimoji="1" lang="en-US" altLang="ko-Kore-KR" sz="1600" dirty="0">
+                <a:solidFill>
+                  <a:schemeClr val="tx1"/>
+                </a:solidFill>
+                <a:latin typeface="DM Mono" panose="020B0509040201040103" pitchFamily="49" charset="0"/>
+              </a:rPr>
+              <a:t>42</a:t>
+            </a:r>
+            <a:endParaRPr kumimoji="1" lang="ko-Kore-KR" altLang="en-US" sz="1600" dirty="0">
+              <a:solidFill>
+                <a:schemeClr val="tx1"/>
+              </a:solidFill>
+              <a:latin typeface="DM Mono" panose="020B0509040201040103" pitchFamily="49" charset="0"/>
+            </a:endParaRPr>
+          </a:p>
+        </p:txBody>
+      </p:sp>
+      <p:sp>
+        <p:nvSpPr>
+          <p:cNvPr id="12" name="TextBox 11">
+            <a:extLst>
+              <a:ext uri="{FF2B5EF4-FFF2-40B4-BE49-F238E27FC236}">
+                <a16:creationId xmlns:a16="http://schemas.microsoft.com/office/drawing/2014/main" id="{61E071AD-26B0-2AD5-0544-429B60751643}"/>
+              </a:ext>
+            </a:extLst>
+          </p:cNvPr>
+          <p:cNvSpPr txBox="1"/>
+          <p:nvPr/>
+        </p:nvSpPr>
+        <p:spPr>
+          <a:xfrm>
+            <a:off x="2597552" y="3576464"/>
+            <a:ext cx="860499" cy="369332"/>
+          </a:xfrm>
+          <a:prstGeom prst="rect">
+            <a:avLst/>
+          </a:prstGeom>
+          <a:noFill/>
+        </p:spPr>
+        <p:txBody>
+          <a:bodyPr wrap="square">
+            <a:spAutoFit/>
+          </a:bodyPr>
+          <a:lstStyle/>
+          <a:p>
+            <a:pPr algn="r"/>
+            <a:r>
+              <a:rPr lang="en-US" altLang="ko-Kore-KR" dirty="0">
+                <a:latin typeface="DM Mono" panose="020B0509040201040103" pitchFamily="49" charset="0"/>
+              </a:rPr>
+              <a:t>age</a:t>
+            </a:r>
+            <a:endParaRPr lang="ko-Kore-KR" altLang="en-US" dirty="0"/>
+          </a:p>
+        </p:txBody>
+      </p:sp>
+      <p:sp>
+        <p:nvSpPr>
+          <p:cNvPr id="13" name="직사각형 12">
+            <a:extLst>
+              <a:ext uri="{FF2B5EF4-FFF2-40B4-BE49-F238E27FC236}">
+                <a16:creationId xmlns:a16="http://schemas.microsoft.com/office/drawing/2014/main" id="{59B76654-A045-AC5D-7DD6-7340D6D98C38}"/>
+              </a:ext>
+            </a:extLst>
+          </p:cNvPr>
+          <p:cNvSpPr/>
+          <p:nvPr/>
+        </p:nvSpPr>
+        <p:spPr>
+          <a:xfrm>
+            <a:off x="9409263" y="605639"/>
+            <a:ext cx="1242204" cy="543464"/>
+          </a:xfrm>
+          <a:prstGeom prst="rect">
+            <a:avLst/>
+          </a:prstGeom>
+          <a:solidFill>
+            <a:srgbClr val="FFFF00"/>
+          </a:solidFill>
+        </p:spPr>
+        <p:style>
+          <a:lnRef idx="2">
+            <a:schemeClr val="accent4">
+              <a:shade val="50000"/>
+            </a:schemeClr>
+          </a:lnRef>
+          <a:fillRef idx="1">
+            <a:schemeClr val="accent4"/>
+          </a:fillRef>
+          <a:effectRef idx="0">
+            <a:schemeClr val="accent4"/>
+          </a:effectRef>
+          <a:fontRef idx="minor">
+            <a:schemeClr val="lt1"/>
+          </a:fontRef>
+        </p:style>
+        <p:txBody>
+          <a:bodyPr rtlCol="0" anchor="ctr"/>
+          <a:lstStyle/>
+          <a:p>
+            <a:pPr algn="ctr"/>
+            <a:r>
+              <a:rPr kumimoji="1" lang="en-US" altLang="ko-Kore-KR" sz="1600" dirty="0">
+                <a:solidFill>
+                  <a:schemeClr val="tx1"/>
+                </a:solidFill>
+                <a:latin typeface="DM Mono" panose="020B0509040201040103" pitchFamily="49" charset="0"/>
+              </a:rPr>
+              <a:t>“Tom”</a:t>
+            </a:r>
+            <a:endParaRPr kumimoji="1" lang="ko-Kore-KR" altLang="en-US" sz="1600" dirty="0">
+              <a:solidFill>
+                <a:schemeClr val="tx1"/>
+              </a:solidFill>
+              <a:latin typeface="DM Mono" panose="020B0509040201040103" pitchFamily="49" charset="0"/>
+            </a:endParaRPr>
+          </a:p>
+        </p:txBody>
+      </p:sp>
+      <p:cxnSp>
+        <p:nvCxnSpPr>
+          <p:cNvPr id="15" name="구부러진 연결선[U] 14">
+            <a:extLst>
+              <a:ext uri="{FF2B5EF4-FFF2-40B4-BE49-F238E27FC236}">
+                <a16:creationId xmlns:a16="http://schemas.microsoft.com/office/drawing/2014/main" id="{38BEF0C6-0D84-A648-D8BD-80B5DDB76218}"/>
+              </a:ext>
+            </a:extLst>
+          </p:cNvPr>
+          <p:cNvCxnSpPr>
+            <a:cxnSpLocks/>
+            <a:stCxn id="8" idx="3"/>
+            <a:endCxn id="13" idx="1"/>
+          </p:cNvCxnSpPr>
+          <p:nvPr/>
+        </p:nvCxnSpPr>
+        <p:spPr>
+          <a:xfrm flipV="1">
+            <a:off x="4700255" y="877371"/>
+            <a:ext cx="4709008" cy="2331669"/>
+          </a:xfrm>
+          <a:prstGeom prst="curvedConnector3">
+            <a:avLst>
+              <a:gd name="adj1" fmla="val 50000"/>
+            </a:avLst>
+          </a:prstGeom>
+          <a:ln>
+            <a:tailEnd type="triangle"/>
+          </a:ln>
+        </p:spPr>
+        <p:style>
+          <a:lnRef idx="1">
+            <a:schemeClr val="dk1"/>
+          </a:lnRef>
+          <a:fillRef idx="0">
+            <a:schemeClr val="dk1"/>
+          </a:fillRef>
+          <a:effectRef idx="0">
+            <a:schemeClr val="dk1"/>
+          </a:effectRef>
+          <a:fontRef idx="minor">
+            <a:schemeClr val="tx1"/>
+          </a:fontRef>
+        </p:style>
+      </p:cxnSp>
+      <p:sp>
+        <p:nvSpPr>
+          <p:cNvPr id="3" name="직사각형 2">
+            <a:extLst>
+              <a:ext uri="{FF2B5EF4-FFF2-40B4-BE49-F238E27FC236}">
+                <a16:creationId xmlns:a16="http://schemas.microsoft.com/office/drawing/2014/main" id="{FC0C6677-9300-CE05-B8EB-F8C6D7156B28}"/>
+              </a:ext>
+            </a:extLst>
+          </p:cNvPr>
+          <p:cNvSpPr/>
+          <p:nvPr/>
+        </p:nvSpPr>
+        <p:spPr>
+          <a:xfrm>
+            <a:off x="5608327" y="3741750"/>
+            <a:ext cx="1242204" cy="543464"/>
+          </a:xfrm>
+          <a:prstGeom prst="rect">
+            <a:avLst/>
+          </a:prstGeom>
+          <a:solidFill>
+            <a:srgbClr val="FFFF00"/>
+          </a:solidFill>
+        </p:spPr>
+        <p:style>
+          <a:lnRef idx="2">
+            <a:schemeClr val="accent4">
+              <a:shade val="50000"/>
+            </a:schemeClr>
+          </a:lnRef>
+          <a:fillRef idx="1">
+            <a:schemeClr val="accent4"/>
+          </a:fillRef>
+          <a:effectRef idx="0">
+            <a:schemeClr val="accent4"/>
+          </a:effectRef>
+          <a:fontRef idx="minor">
+            <a:schemeClr val="lt1"/>
+          </a:fontRef>
+        </p:style>
+        <p:txBody>
+          <a:bodyPr rtlCol="0" anchor="ctr"/>
+          <a:lstStyle/>
+          <a:p>
+            <a:pPr algn="ctr"/>
+            <a:endParaRPr kumimoji="1" lang="ko-Kore-KR" altLang="en-US" sz="1600" dirty="0">
+              <a:solidFill>
+                <a:schemeClr val="tx1"/>
+              </a:solidFill>
+              <a:latin typeface="DM Mono" panose="020B0509040201040103" pitchFamily="49" charset="0"/>
+            </a:endParaRPr>
+          </a:p>
+        </p:txBody>
+      </p:sp>
+      <p:sp>
+        <p:nvSpPr>
+          <p:cNvPr id="4" name="TextBox 3">
+            <a:extLst>
+              <a:ext uri="{FF2B5EF4-FFF2-40B4-BE49-F238E27FC236}">
+                <a16:creationId xmlns:a16="http://schemas.microsoft.com/office/drawing/2014/main" id="{3AEE1F5E-D599-834A-B257-69D3D175AD94}"/>
+              </a:ext>
+            </a:extLst>
+          </p:cNvPr>
+          <p:cNvSpPr txBox="1"/>
+          <p:nvPr/>
+        </p:nvSpPr>
+        <p:spPr>
+          <a:xfrm>
+            <a:off x="5790021" y="3363792"/>
+            <a:ext cx="878816" cy="369332"/>
+          </a:xfrm>
+          <a:prstGeom prst="rect">
+            <a:avLst/>
+          </a:prstGeom>
+          <a:noFill/>
+        </p:spPr>
+        <p:txBody>
+          <a:bodyPr wrap="square">
+            <a:spAutoFit/>
+          </a:bodyPr>
+          <a:lstStyle/>
+          <a:p>
+            <a:r>
+              <a:rPr lang="en-US" altLang="ko-Kore-KR" dirty="0">
+                <a:latin typeface="DM Mono" panose="020B0509040201040103" pitchFamily="49" charset="0"/>
+              </a:rPr>
+              <a:t>user2</a:t>
+            </a:r>
+            <a:endParaRPr lang="ko-Kore-KR" altLang="en-US" dirty="0"/>
+          </a:p>
+        </p:txBody>
+      </p:sp>
+      <p:sp>
+        <p:nvSpPr>
+          <p:cNvPr id="14" name="TextBox 13">
+            <a:extLst>
+              <a:ext uri="{FF2B5EF4-FFF2-40B4-BE49-F238E27FC236}">
+                <a16:creationId xmlns:a16="http://schemas.microsoft.com/office/drawing/2014/main" id="{CEB04603-2D0B-9842-C910-6F1B3781049A}"/>
+              </a:ext>
+            </a:extLst>
+          </p:cNvPr>
+          <p:cNvSpPr txBox="1"/>
+          <p:nvPr/>
+        </p:nvSpPr>
+        <p:spPr>
+          <a:xfrm>
+            <a:off x="4813978" y="3828816"/>
+            <a:ext cx="794349" cy="369332"/>
+          </a:xfrm>
+          <a:prstGeom prst="rect">
+            <a:avLst/>
+          </a:prstGeom>
+          <a:noFill/>
+        </p:spPr>
+        <p:txBody>
+          <a:bodyPr wrap="square">
+            <a:spAutoFit/>
+          </a:bodyPr>
+          <a:lstStyle/>
+          <a:p>
+            <a:pPr algn="r"/>
+            <a:r>
+              <a:rPr lang="en-US" altLang="ko-Kore-KR" dirty="0">
+                <a:latin typeface="DM Mono" panose="020B0509040201040103" pitchFamily="49" charset="0"/>
+              </a:rPr>
+              <a:t>name</a:t>
+            </a:r>
+            <a:endParaRPr lang="ko-Kore-KR" altLang="en-US" dirty="0"/>
+          </a:p>
+        </p:txBody>
+      </p:sp>
+      <p:sp>
+        <p:nvSpPr>
+          <p:cNvPr id="16" name="직사각형 15">
+            <a:extLst>
+              <a:ext uri="{FF2B5EF4-FFF2-40B4-BE49-F238E27FC236}">
+                <a16:creationId xmlns:a16="http://schemas.microsoft.com/office/drawing/2014/main" id="{A45FC98D-2091-B06F-0CEE-784E9E354FDA}"/>
+              </a:ext>
+            </a:extLst>
+          </p:cNvPr>
+          <p:cNvSpPr/>
+          <p:nvPr/>
+        </p:nvSpPr>
+        <p:spPr>
+          <a:xfrm>
+            <a:off x="5608327" y="4293840"/>
+            <a:ext cx="1242204" cy="543464"/>
+          </a:xfrm>
+          <a:prstGeom prst="rect">
+            <a:avLst/>
+          </a:prstGeom>
+          <a:solidFill>
+            <a:srgbClr val="FFFF00"/>
+          </a:solidFill>
+        </p:spPr>
+        <p:style>
+          <a:lnRef idx="2">
+            <a:schemeClr val="accent4">
+              <a:shade val="50000"/>
+            </a:schemeClr>
+          </a:lnRef>
+          <a:fillRef idx="1">
+            <a:schemeClr val="accent4"/>
+          </a:fillRef>
+          <a:effectRef idx="0">
+            <a:schemeClr val="accent4"/>
+          </a:effectRef>
+          <a:fontRef idx="minor">
+            <a:schemeClr val="lt1"/>
+          </a:fontRef>
+        </p:style>
+        <p:txBody>
+          <a:bodyPr rtlCol="0" anchor="ctr"/>
+          <a:lstStyle/>
+          <a:p>
+            <a:pPr algn="ctr"/>
+            <a:r>
+              <a:rPr kumimoji="1" lang="en-US" altLang="ko-Kore-KR" sz="1600" dirty="0">
+                <a:solidFill>
+                  <a:srgbClr val="FF0000"/>
+                </a:solidFill>
+                <a:latin typeface="DM Mono" panose="020B0509040201040103" pitchFamily="49" charset="0"/>
+              </a:rPr>
+              <a:t>42</a:t>
+            </a:r>
+            <a:endParaRPr kumimoji="1" lang="ko-Kore-KR" altLang="en-US" sz="1600" dirty="0">
+              <a:solidFill>
+                <a:srgbClr val="FF0000"/>
+              </a:solidFill>
+              <a:latin typeface="DM Mono" panose="020B0509040201040103" pitchFamily="49" charset="0"/>
+            </a:endParaRPr>
+          </a:p>
+        </p:txBody>
+      </p:sp>
+      <p:sp>
+        <p:nvSpPr>
+          <p:cNvPr id="17" name="TextBox 16">
+            <a:extLst>
+              <a:ext uri="{FF2B5EF4-FFF2-40B4-BE49-F238E27FC236}">
+                <a16:creationId xmlns:a16="http://schemas.microsoft.com/office/drawing/2014/main" id="{2EB42016-C226-914B-27C1-A1EE70B29834}"/>
+              </a:ext>
+            </a:extLst>
+          </p:cNvPr>
+          <p:cNvSpPr txBox="1"/>
+          <p:nvPr/>
+        </p:nvSpPr>
+        <p:spPr>
+          <a:xfrm>
+            <a:off x="4747828" y="4380906"/>
+            <a:ext cx="860499" cy="369332"/>
+          </a:xfrm>
+          <a:prstGeom prst="rect">
+            <a:avLst/>
+          </a:prstGeom>
+          <a:noFill/>
+        </p:spPr>
+        <p:txBody>
+          <a:bodyPr wrap="square">
+            <a:spAutoFit/>
+          </a:bodyPr>
+          <a:lstStyle/>
+          <a:p>
+            <a:pPr algn="r"/>
+            <a:r>
+              <a:rPr lang="en-US" altLang="ko-Kore-KR" dirty="0">
+                <a:latin typeface="DM Mono" panose="020B0509040201040103" pitchFamily="49" charset="0"/>
+              </a:rPr>
+              <a:t>age</a:t>
+            </a:r>
+            <a:endParaRPr lang="ko-Kore-KR" altLang="en-US" dirty="0"/>
+          </a:p>
+        </p:txBody>
+      </p:sp>
+      <p:sp>
+        <p:nvSpPr>
+          <p:cNvPr id="19" name="직사각형 18">
+            <a:extLst>
+              <a:ext uri="{FF2B5EF4-FFF2-40B4-BE49-F238E27FC236}">
+                <a16:creationId xmlns:a16="http://schemas.microsoft.com/office/drawing/2014/main" id="{5B17B3E4-8F3F-397F-C137-5F1F429CC8F8}"/>
+              </a:ext>
+            </a:extLst>
+          </p:cNvPr>
+          <p:cNvSpPr/>
+          <p:nvPr/>
+        </p:nvSpPr>
+        <p:spPr>
+          <a:xfrm>
+            <a:off x="9409263" y="2111030"/>
+            <a:ext cx="1242204" cy="543464"/>
+          </a:xfrm>
+          <a:prstGeom prst="rect">
+            <a:avLst/>
+          </a:prstGeom>
+          <a:solidFill>
+            <a:srgbClr val="FFFF00"/>
+          </a:solidFill>
+        </p:spPr>
+        <p:style>
+          <a:lnRef idx="2">
+            <a:schemeClr val="accent4">
+              <a:shade val="50000"/>
+            </a:schemeClr>
+          </a:lnRef>
+          <a:fillRef idx="1">
+            <a:schemeClr val="accent4"/>
+          </a:fillRef>
+          <a:effectRef idx="0">
+            <a:schemeClr val="accent4"/>
+          </a:effectRef>
+          <a:fontRef idx="minor">
+            <a:schemeClr val="lt1"/>
+          </a:fontRef>
+        </p:style>
+        <p:txBody>
+          <a:bodyPr rtlCol="0" anchor="ctr"/>
+          <a:lstStyle/>
+          <a:p>
+            <a:pPr algn="ctr"/>
+            <a:r>
+              <a:rPr kumimoji="1" lang="en-US" altLang="ko-Kore-KR" sz="1600" dirty="0">
+                <a:solidFill>
+                  <a:srgbClr val="FF0000"/>
+                </a:solidFill>
+                <a:latin typeface="DM Mono" panose="020B0509040201040103" pitchFamily="49" charset="0"/>
+              </a:rPr>
+              <a:t>“Tom”</a:t>
+            </a:r>
+            <a:endParaRPr kumimoji="1" lang="ko-Kore-KR" altLang="en-US" sz="1600" dirty="0">
+              <a:solidFill>
+                <a:srgbClr val="FF0000"/>
+              </a:solidFill>
+              <a:latin typeface="DM Mono" panose="020B0509040201040103" pitchFamily="49" charset="0"/>
+            </a:endParaRPr>
+          </a:p>
+        </p:txBody>
+      </p:sp>
+      <p:cxnSp>
+        <p:nvCxnSpPr>
+          <p:cNvPr id="20" name="구부러진 연결선[U] 19">
+            <a:extLst>
+              <a:ext uri="{FF2B5EF4-FFF2-40B4-BE49-F238E27FC236}">
+                <a16:creationId xmlns:a16="http://schemas.microsoft.com/office/drawing/2014/main" id="{A0F3BFC4-522C-E000-6DAF-D19F7C6EEA09}"/>
+              </a:ext>
+            </a:extLst>
+          </p:cNvPr>
+          <p:cNvCxnSpPr>
+            <a:cxnSpLocks/>
+            <a:stCxn id="3" idx="3"/>
+            <a:endCxn id="19" idx="1"/>
+          </p:cNvCxnSpPr>
+          <p:nvPr/>
+        </p:nvCxnSpPr>
+        <p:spPr>
+          <a:xfrm flipV="1">
+            <a:off x="6850531" y="2382762"/>
+            <a:ext cx="2558732" cy="1630720"/>
+          </a:xfrm>
+          <a:prstGeom prst="curvedConnector3">
+            <a:avLst>
+              <a:gd name="adj1" fmla="val 50000"/>
+            </a:avLst>
+          </a:prstGeom>
+          <a:ln>
+            <a:tailEnd type="triangle"/>
+          </a:ln>
+        </p:spPr>
+        <p:style>
+          <a:lnRef idx="1">
+            <a:schemeClr val="dk1"/>
+          </a:lnRef>
+          <a:fillRef idx="0">
+            <a:schemeClr val="dk1"/>
+          </a:fillRef>
+          <a:effectRef idx="0">
+            <a:schemeClr val="dk1"/>
+          </a:effectRef>
+          <a:fontRef idx="minor">
+            <a:schemeClr val="tx1"/>
+          </a:fontRef>
+        </p:style>
+      </p:cxnSp>
+    </p:spTree>
+    <p:extLst>
+      <p:ext uri="{BB962C8B-B14F-4D97-AF65-F5344CB8AC3E}">
+        <p14:creationId xmlns:p14="http://schemas.microsoft.com/office/powerpoint/2010/main" val="3476622459"/>
       </p:ext>
     </p:extLst>
   </p:cSld>

--- a/cpp/230223.pptx
+++ b/cpp/230223.pptx
@@ -19,6 +19,12 @@
     <p:sldId id="267" r:id="rId13"/>
     <p:sldId id="268" r:id="rId14"/>
     <p:sldId id="270" r:id="rId15"/>
+    <p:sldId id="272" r:id="rId16"/>
+    <p:sldId id="273" r:id="rId17"/>
+    <p:sldId id="274" r:id="rId18"/>
+    <p:sldId id="275" r:id="rId19"/>
+    <p:sldId id="276" r:id="rId20"/>
+    <p:sldId id="277" r:id="rId21"/>
   </p:sldIdLst>
   <p:sldSz cx="12192000" cy="6858000"/>
   <p:notesSz cx="6858000" cy="9144000"/>
@@ -8367,6 +8373,5362 @@
 </p:sld>
 </file>
 
+<file path=ppt/slides/slide15.xml><?xml version="1.0" encoding="utf-8"?>
+<p:sld xmlns:a="http://schemas.openxmlformats.org/drawingml/2006/main" xmlns:r="http://schemas.openxmlformats.org/officeDocument/2006/relationships" xmlns:p="http://schemas.openxmlformats.org/presentationml/2006/main">
+  <p:cSld>
+    <p:spTree>
+      <p:nvGrpSpPr>
+        <p:cNvPr id="1" name=""/>
+        <p:cNvGrpSpPr/>
+        <p:nvPr/>
+      </p:nvGrpSpPr>
+      <p:grpSpPr>
+        <a:xfrm>
+          <a:off x="0" y="0"/>
+          <a:ext cx="0" cy="0"/>
+          <a:chOff x="0" y="0"/>
+          <a:chExt cx="0" cy="0"/>
+        </a:xfrm>
+      </p:grpSpPr>
+      <p:sp>
+        <p:nvSpPr>
+          <p:cNvPr id="8" name="직사각형 7">
+            <a:extLst>
+              <a:ext uri="{FF2B5EF4-FFF2-40B4-BE49-F238E27FC236}">
+                <a16:creationId xmlns:a16="http://schemas.microsoft.com/office/drawing/2014/main" id="{B3BF2BFC-0B55-160D-55C6-F3BD3753D6EA}"/>
+              </a:ext>
+            </a:extLst>
+          </p:cNvPr>
+          <p:cNvSpPr/>
+          <p:nvPr/>
+        </p:nvSpPr>
+        <p:spPr>
+          <a:xfrm>
+            <a:off x="4605534" y="877371"/>
+            <a:ext cx="1242204" cy="543464"/>
+          </a:xfrm>
+          <a:prstGeom prst="rect">
+            <a:avLst/>
+          </a:prstGeom>
+          <a:solidFill>
+            <a:srgbClr val="FFFF00"/>
+          </a:solidFill>
+        </p:spPr>
+        <p:style>
+          <a:lnRef idx="2">
+            <a:schemeClr val="accent4">
+              <a:shade val="50000"/>
+            </a:schemeClr>
+          </a:lnRef>
+          <a:fillRef idx="1">
+            <a:schemeClr val="accent4"/>
+          </a:fillRef>
+          <a:effectRef idx="0">
+            <a:schemeClr val="accent4"/>
+          </a:effectRef>
+          <a:fontRef idx="minor">
+            <a:schemeClr val="lt1"/>
+          </a:fontRef>
+        </p:style>
+        <p:txBody>
+          <a:bodyPr rtlCol="0" anchor="ctr"/>
+          <a:lstStyle/>
+          <a:p>
+            <a:pPr algn="ctr"/>
+            <a:endParaRPr kumimoji="1" lang="ko-Kore-KR" altLang="en-US" sz="1600" dirty="0">
+              <a:solidFill>
+                <a:schemeClr val="tx1"/>
+              </a:solidFill>
+              <a:latin typeface="DM Mono" panose="020B0509040201040103" pitchFamily="49" charset="0"/>
+            </a:endParaRPr>
+          </a:p>
+        </p:txBody>
+      </p:sp>
+      <p:sp>
+        <p:nvSpPr>
+          <p:cNvPr id="9" name="TextBox 8">
+            <a:extLst>
+              <a:ext uri="{FF2B5EF4-FFF2-40B4-BE49-F238E27FC236}">
+                <a16:creationId xmlns:a16="http://schemas.microsoft.com/office/drawing/2014/main" id="{40F5470D-37AD-B379-4FF8-25D26C48836B}"/>
+              </a:ext>
+            </a:extLst>
+          </p:cNvPr>
+          <p:cNvSpPr txBox="1"/>
+          <p:nvPr/>
+        </p:nvSpPr>
+        <p:spPr>
+          <a:xfrm>
+            <a:off x="4787228" y="499413"/>
+            <a:ext cx="878816" cy="369332"/>
+          </a:xfrm>
+          <a:prstGeom prst="rect">
+            <a:avLst/>
+          </a:prstGeom>
+          <a:noFill/>
+        </p:spPr>
+        <p:txBody>
+          <a:bodyPr wrap="square">
+            <a:spAutoFit/>
+          </a:bodyPr>
+          <a:lstStyle/>
+          <a:p>
+            <a:r>
+              <a:rPr lang="en-US" altLang="ko-Kore-KR" dirty="0">
+                <a:latin typeface="DM Mono" panose="020B0509040201040103" pitchFamily="49" charset="0"/>
+              </a:rPr>
+              <a:t>user1</a:t>
+            </a:r>
+            <a:endParaRPr lang="ko-Kore-KR" altLang="en-US" dirty="0"/>
+          </a:p>
+        </p:txBody>
+      </p:sp>
+      <p:sp>
+        <p:nvSpPr>
+          <p:cNvPr id="10" name="TextBox 9">
+            <a:extLst>
+              <a:ext uri="{FF2B5EF4-FFF2-40B4-BE49-F238E27FC236}">
+                <a16:creationId xmlns:a16="http://schemas.microsoft.com/office/drawing/2014/main" id="{D1EE629E-DEFC-2D6D-FFFE-81A1816C48D8}"/>
+              </a:ext>
+            </a:extLst>
+          </p:cNvPr>
+          <p:cNvSpPr txBox="1"/>
+          <p:nvPr/>
+        </p:nvSpPr>
+        <p:spPr>
+          <a:xfrm>
+            <a:off x="3811185" y="964437"/>
+            <a:ext cx="794349" cy="369332"/>
+          </a:xfrm>
+          <a:prstGeom prst="rect">
+            <a:avLst/>
+          </a:prstGeom>
+          <a:noFill/>
+        </p:spPr>
+        <p:txBody>
+          <a:bodyPr wrap="square">
+            <a:spAutoFit/>
+          </a:bodyPr>
+          <a:lstStyle/>
+          <a:p>
+            <a:pPr algn="r"/>
+            <a:r>
+              <a:rPr lang="en-US" altLang="ko-Kore-KR" dirty="0">
+                <a:latin typeface="DM Mono" panose="020B0509040201040103" pitchFamily="49" charset="0"/>
+              </a:rPr>
+              <a:t>name</a:t>
+            </a:r>
+            <a:endParaRPr lang="ko-Kore-KR" altLang="en-US" dirty="0"/>
+          </a:p>
+        </p:txBody>
+      </p:sp>
+      <p:sp>
+        <p:nvSpPr>
+          <p:cNvPr id="11" name="직사각형 10">
+            <a:extLst>
+              <a:ext uri="{FF2B5EF4-FFF2-40B4-BE49-F238E27FC236}">
+                <a16:creationId xmlns:a16="http://schemas.microsoft.com/office/drawing/2014/main" id="{C8AFE9BD-EC5A-74EA-40A2-B58CD85470F8}"/>
+              </a:ext>
+            </a:extLst>
+          </p:cNvPr>
+          <p:cNvSpPr/>
+          <p:nvPr/>
+        </p:nvSpPr>
+        <p:spPr>
+          <a:xfrm>
+            <a:off x="4605534" y="1429461"/>
+            <a:ext cx="1242204" cy="543464"/>
+          </a:xfrm>
+          <a:prstGeom prst="rect">
+            <a:avLst/>
+          </a:prstGeom>
+          <a:solidFill>
+            <a:srgbClr val="FFFF00"/>
+          </a:solidFill>
+        </p:spPr>
+        <p:style>
+          <a:lnRef idx="2">
+            <a:schemeClr val="accent4">
+              <a:shade val="50000"/>
+            </a:schemeClr>
+          </a:lnRef>
+          <a:fillRef idx="1">
+            <a:schemeClr val="accent4"/>
+          </a:fillRef>
+          <a:effectRef idx="0">
+            <a:schemeClr val="accent4"/>
+          </a:effectRef>
+          <a:fontRef idx="minor">
+            <a:schemeClr val="lt1"/>
+          </a:fontRef>
+        </p:style>
+        <p:txBody>
+          <a:bodyPr rtlCol="0" anchor="ctr"/>
+          <a:lstStyle/>
+          <a:p>
+            <a:pPr algn="ctr"/>
+            <a:r>
+              <a:rPr kumimoji="1" lang="en-US" altLang="ko-Kore-KR" sz="1600" dirty="0">
+                <a:solidFill>
+                  <a:schemeClr val="tx1"/>
+                </a:solidFill>
+                <a:latin typeface="DM Mono" panose="020B0509040201040103" pitchFamily="49" charset="0"/>
+              </a:rPr>
+              <a:t>42</a:t>
+            </a:r>
+            <a:endParaRPr kumimoji="1" lang="ko-Kore-KR" altLang="en-US" sz="1600" dirty="0">
+              <a:solidFill>
+                <a:schemeClr val="tx1"/>
+              </a:solidFill>
+              <a:latin typeface="DM Mono" panose="020B0509040201040103" pitchFamily="49" charset="0"/>
+            </a:endParaRPr>
+          </a:p>
+        </p:txBody>
+      </p:sp>
+      <p:sp>
+        <p:nvSpPr>
+          <p:cNvPr id="12" name="TextBox 11">
+            <a:extLst>
+              <a:ext uri="{FF2B5EF4-FFF2-40B4-BE49-F238E27FC236}">
+                <a16:creationId xmlns:a16="http://schemas.microsoft.com/office/drawing/2014/main" id="{61E071AD-26B0-2AD5-0544-429B60751643}"/>
+              </a:ext>
+            </a:extLst>
+          </p:cNvPr>
+          <p:cNvSpPr txBox="1"/>
+          <p:nvPr/>
+        </p:nvSpPr>
+        <p:spPr>
+          <a:xfrm>
+            <a:off x="3745035" y="1516527"/>
+            <a:ext cx="860499" cy="369332"/>
+          </a:xfrm>
+          <a:prstGeom prst="rect">
+            <a:avLst/>
+          </a:prstGeom>
+          <a:noFill/>
+        </p:spPr>
+        <p:txBody>
+          <a:bodyPr wrap="square">
+            <a:spAutoFit/>
+          </a:bodyPr>
+          <a:lstStyle/>
+          <a:p>
+            <a:pPr algn="r"/>
+            <a:r>
+              <a:rPr lang="en-US" altLang="ko-Kore-KR" dirty="0">
+                <a:latin typeface="DM Mono" panose="020B0509040201040103" pitchFamily="49" charset="0"/>
+              </a:rPr>
+              <a:t>age</a:t>
+            </a:r>
+            <a:endParaRPr lang="ko-Kore-KR" altLang="en-US" dirty="0"/>
+          </a:p>
+        </p:txBody>
+      </p:sp>
+      <p:sp>
+        <p:nvSpPr>
+          <p:cNvPr id="13" name="직사각형 12">
+            <a:extLst>
+              <a:ext uri="{FF2B5EF4-FFF2-40B4-BE49-F238E27FC236}">
+                <a16:creationId xmlns:a16="http://schemas.microsoft.com/office/drawing/2014/main" id="{59B76654-A045-AC5D-7DD6-7340D6D98C38}"/>
+              </a:ext>
+            </a:extLst>
+          </p:cNvPr>
+          <p:cNvSpPr/>
+          <p:nvPr/>
+        </p:nvSpPr>
+        <p:spPr>
+          <a:xfrm>
+            <a:off x="9409263" y="605639"/>
+            <a:ext cx="1242204" cy="543464"/>
+          </a:xfrm>
+          <a:prstGeom prst="rect">
+            <a:avLst/>
+          </a:prstGeom>
+          <a:solidFill>
+            <a:srgbClr val="FFFF00"/>
+          </a:solidFill>
+        </p:spPr>
+        <p:style>
+          <a:lnRef idx="2">
+            <a:schemeClr val="accent4">
+              <a:shade val="50000"/>
+            </a:schemeClr>
+          </a:lnRef>
+          <a:fillRef idx="1">
+            <a:schemeClr val="accent4"/>
+          </a:fillRef>
+          <a:effectRef idx="0">
+            <a:schemeClr val="accent4"/>
+          </a:effectRef>
+          <a:fontRef idx="minor">
+            <a:schemeClr val="lt1"/>
+          </a:fontRef>
+        </p:style>
+        <p:txBody>
+          <a:bodyPr rtlCol="0" anchor="ctr"/>
+          <a:lstStyle/>
+          <a:p>
+            <a:pPr algn="ctr"/>
+            <a:r>
+              <a:rPr kumimoji="1" lang="en-US" altLang="ko-Kore-KR" sz="1600" dirty="0">
+                <a:solidFill>
+                  <a:schemeClr val="tx1"/>
+                </a:solidFill>
+                <a:latin typeface="DM Mono" panose="020B0509040201040103" pitchFamily="49" charset="0"/>
+              </a:rPr>
+              <a:t>“Tom”</a:t>
+            </a:r>
+            <a:endParaRPr kumimoji="1" lang="ko-Kore-KR" altLang="en-US" sz="1600" dirty="0">
+              <a:solidFill>
+                <a:schemeClr val="tx1"/>
+              </a:solidFill>
+              <a:latin typeface="DM Mono" panose="020B0509040201040103" pitchFamily="49" charset="0"/>
+            </a:endParaRPr>
+          </a:p>
+        </p:txBody>
+      </p:sp>
+      <p:cxnSp>
+        <p:nvCxnSpPr>
+          <p:cNvPr id="15" name="구부러진 연결선[U] 14">
+            <a:extLst>
+              <a:ext uri="{FF2B5EF4-FFF2-40B4-BE49-F238E27FC236}">
+                <a16:creationId xmlns:a16="http://schemas.microsoft.com/office/drawing/2014/main" id="{38BEF0C6-0D84-A648-D8BD-80B5DDB76218}"/>
+              </a:ext>
+            </a:extLst>
+          </p:cNvPr>
+          <p:cNvCxnSpPr>
+            <a:cxnSpLocks/>
+            <a:stCxn id="8" idx="3"/>
+            <a:endCxn id="13" idx="1"/>
+          </p:cNvCxnSpPr>
+          <p:nvPr/>
+        </p:nvCxnSpPr>
+        <p:spPr>
+          <a:xfrm flipV="1">
+            <a:off x="5847738" y="877371"/>
+            <a:ext cx="3561525" cy="271732"/>
+          </a:xfrm>
+          <a:prstGeom prst="curvedConnector3">
+            <a:avLst>
+              <a:gd name="adj1" fmla="val 50000"/>
+            </a:avLst>
+          </a:prstGeom>
+          <a:ln>
+            <a:tailEnd type="triangle"/>
+          </a:ln>
+        </p:spPr>
+        <p:style>
+          <a:lnRef idx="1">
+            <a:schemeClr val="dk1"/>
+          </a:lnRef>
+          <a:fillRef idx="0">
+            <a:schemeClr val="dk1"/>
+          </a:fillRef>
+          <a:effectRef idx="0">
+            <a:schemeClr val="dk1"/>
+          </a:effectRef>
+          <a:fontRef idx="minor">
+            <a:schemeClr val="tx1"/>
+          </a:fontRef>
+        </p:style>
+      </p:cxnSp>
+      <p:sp>
+        <p:nvSpPr>
+          <p:cNvPr id="2" name="직사각형 1">
+            <a:extLst>
+              <a:ext uri="{FF2B5EF4-FFF2-40B4-BE49-F238E27FC236}">
+                <a16:creationId xmlns:a16="http://schemas.microsoft.com/office/drawing/2014/main" id="{C95C37C7-2244-9AB9-7EBD-03DE16F29FF8}"/>
+              </a:ext>
+            </a:extLst>
+          </p:cNvPr>
+          <p:cNvSpPr/>
+          <p:nvPr/>
+        </p:nvSpPr>
+        <p:spPr>
+          <a:xfrm>
+            <a:off x="4614848" y="1998629"/>
+            <a:ext cx="1242204" cy="543464"/>
+          </a:xfrm>
+          <a:prstGeom prst="rect">
+            <a:avLst/>
+          </a:prstGeom>
+          <a:solidFill>
+            <a:srgbClr val="FFFF00"/>
+          </a:solidFill>
+        </p:spPr>
+        <p:style>
+          <a:lnRef idx="2">
+            <a:schemeClr val="accent4">
+              <a:shade val="50000"/>
+            </a:schemeClr>
+          </a:lnRef>
+          <a:fillRef idx="1">
+            <a:schemeClr val="accent4"/>
+          </a:fillRef>
+          <a:effectRef idx="0">
+            <a:schemeClr val="accent4"/>
+          </a:effectRef>
+          <a:fontRef idx="minor">
+            <a:schemeClr val="lt1"/>
+          </a:fontRef>
+        </p:style>
+        <p:txBody>
+          <a:bodyPr rtlCol="0" anchor="ctr"/>
+          <a:lstStyle/>
+          <a:p>
+            <a:pPr algn="ctr"/>
+            <a:endParaRPr kumimoji="1" lang="ko-Kore-KR" altLang="en-US" sz="1600" dirty="0">
+              <a:solidFill>
+                <a:schemeClr val="tx1"/>
+              </a:solidFill>
+              <a:latin typeface="DM Mono" panose="020B0509040201040103" pitchFamily="49" charset="0"/>
+            </a:endParaRPr>
+          </a:p>
+        </p:txBody>
+      </p:sp>
+      <p:sp>
+        <p:nvSpPr>
+          <p:cNvPr id="3" name="TextBox 2">
+            <a:extLst>
+              <a:ext uri="{FF2B5EF4-FFF2-40B4-BE49-F238E27FC236}">
+                <a16:creationId xmlns:a16="http://schemas.microsoft.com/office/drawing/2014/main" id="{2A189152-95FA-6318-D681-B44321D61697}"/>
+              </a:ext>
+            </a:extLst>
+          </p:cNvPr>
+          <p:cNvSpPr txBox="1"/>
+          <p:nvPr/>
+        </p:nvSpPr>
+        <p:spPr>
+          <a:xfrm>
+            <a:off x="3754349" y="2085695"/>
+            <a:ext cx="860499" cy="369332"/>
+          </a:xfrm>
+          <a:prstGeom prst="rect">
+            <a:avLst/>
+          </a:prstGeom>
+          <a:noFill/>
+        </p:spPr>
+        <p:txBody>
+          <a:bodyPr wrap="square">
+            <a:spAutoFit/>
+          </a:bodyPr>
+          <a:lstStyle/>
+          <a:p>
+            <a:pPr algn="r"/>
+            <a:r>
+              <a:rPr lang="en-US" altLang="ko-Kore-KR" dirty="0">
+                <a:latin typeface="DM Mono" panose="020B0509040201040103" pitchFamily="49" charset="0"/>
+              </a:rPr>
+              <a:t>ref</a:t>
+            </a:r>
+            <a:endParaRPr lang="ko-Kore-KR" altLang="en-US" dirty="0"/>
+          </a:p>
+        </p:txBody>
+      </p:sp>
+      <p:cxnSp>
+        <p:nvCxnSpPr>
+          <p:cNvPr id="4" name="구부러진 연결선[U] 3">
+            <a:extLst>
+              <a:ext uri="{FF2B5EF4-FFF2-40B4-BE49-F238E27FC236}">
+                <a16:creationId xmlns:a16="http://schemas.microsoft.com/office/drawing/2014/main" id="{81473FCD-36DE-44AC-FAFE-417D603220A6}"/>
+              </a:ext>
+            </a:extLst>
+          </p:cNvPr>
+          <p:cNvCxnSpPr>
+            <a:cxnSpLocks/>
+            <a:stCxn id="2" idx="3"/>
+            <a:endCxn id="16" idx="1"/>
+          </p:cNvCxnSpPr>
+          <p:nvPr/>
+        </p:nvCxnSpPr>
+        <p:spPr>
+          <a:xfrm flipV="1">
+            <a:off x="5857052" y="1971066"/>
+            <a:ext cx="4081128" cy="299295"/>
+          </a:xfrm>
+          <a:prstGeom prst="curvedConnector3">
+            <a:avLst>
+              <a:gd name="adj1" fmla="val 50000"/>
+            </a:avLst>
+          </a:prstGeom>
+          <a:ln>
+            <a:tailEnd type="triangle"/>
+          </a:ln>
+        </p:spPr>
+        <p:style>
+          <a:lnRef idx="1">
+            <a:schemeClr val="dk1"/>
+          </a:lnRef>
+          <a:fillRef idx="0">
+            <a:schemeClr val="dk1"/>
+          </a:fillRef>
+          <a:effectRef idx="0">
+            <a:schemeClr val="dk1"/>
+          </a:effectRef>
+          <a:fontRef idx="minor">
+            <a:schemeClr val="tx1"/>
+          </a:fontRef>
+        </p:style>
+      </p:cxnSp>
+      <p:sp>
+        <p:nvSpPr>
+          <p:cNvPr id="16" name="직사각형 15">
+            <a:extLst>
+              <a:ext uri="{FF2B5EF4-FFF2-40B4-BE49-F238E27FC236}">
+                <a16:creationId xmlns:a16="http://schemas.microsoft.com/office/drawing/2014/main" id="{E16BEFDB-5B75-CF39-00B5-DB8999CF238A}"/>
+              </a:ext>
+            </a:extLst>
+          </p:cNvPr>
+          <p:cNvSpPr/>
+          <p:nvPr/>
+        </p:nvSpPr>
+        <p:spPr>
+          <a:xfrm>
+            <a:off x="9938180" y="1699334"/>
+            <a:ext cx="1242204" cy="543464"/>
+          </a:xfrm>
+          <a:prstGeom prst="rect">
+            <a:avLst/>
+          </a:prstGeom>
+          <a:solidFill>
+            <a:srgbClr val="FFFF00"/>
+          </a:solidFill>
+        </p:spPr>
+        <p:style>
+          <a:lnRef idx="2">
+            <a:schemeClr val="accent4">
+              <a:shade val="50000"/>
+            </a:schemeClr>
+          </a:lnRef>
+          <a:fillRef idx="1">
+            <a:schemeClr val="accent4"/>
+          </a:fillRef>
+          <a:effectRef idx="0">
+            <a:schemeClr val="accent4"/>
+          </a:effectRef>
+          <a:fontRef idx="minor">
+            <a:schemeClr val="lt1"/>
+          </a:fontRef>
+        </p:style>
+        <p:txBody>
+          <a:bodyPr rtlCol="0" anchor="ctr"/>
+          <a:lstStyle/>
+          <a:p>
+            <a:pPr algn="ctr"/>
+            <a:r>
+              <a:rPr kumimoji="1" lang="en-US" altLang="ko-Kore-KR" sz="1600" dirty="0">
+                <a:solidFill>
+                  <a:schemeClr val="tx1"/>
+                </a:solidFill>
+                <a:latin typeface="DM Mono" panose="020B0509040201040103" pitchFamily="49" charset="0"/>
+              </a:rPr>
+              <a:t>1</a:t>
+            </a:r>
+            <a:endParaRPr kumimoji="1" lang="ko-Kore-KR" altLang="en-US" sz="1600" dirty="0">
+              <a:solidFill>
+                <a:schemeClr val="tx1"/>
+              </a:solidFill>
+              <a:latin typeface="DM Mono" panose="020B0509040201040103" pitchFamily="49" charset="0"/>
+            </a:endParaRPr>
+          </a:p>
+        </p:txBody>
+      </p:sp>
+    </p:spTree>
+    <p:extLst>
+      <p:ext uri="{BB962C8B-B14F-4D97-AF65-F5344CB8AC3E}">
+        <p14:creationId xmlns:p14="http://schemas.microsoft.com/office/powerpoint/2010/main" val="552463010"/>
+      </p:ext>
+    </p:extLst>
+  </p:cSld>
+  <p:clrMapOvr>
+    <a:masterClrMapping/>
+  </p:clrMapOvr>
+</p:sld>
+</file>
+
+<file path=ppt/slides/slide16.xml><?xml version="1.0" encoding="utf-8"?>
+<p:sld xmlns:a="http://schemas.openxmlformats.org/drawingml/2006/main" xmlns:r="http://schemas.openxmlformats.org/officeDocument/2006/relationships" xmlns:p="http://schemas.openxmlformats.org/presentationml/2006/main">
+  <p:cSld>
+    <p:spTree>
+      <p:nvGrpSpPr>
+        <p:cNvPr id="1" name=""/>
+        <p:cNvGrpSpPr/>
+        <p:nvPr/>
+      </p:nvGrpSpPr>
+      <p:grpSpPr>
+        <a:xfrm>
+          <a:off x="0" y="0"/>
+          <a:ext cx="0" cy="0"/>
+          <a:chOff x="0" y="0"/>
+          <a:chExt cx="0" cy="0"/>
+        </a:xfrm>
+      </p:grpSpPr>
+      <p:sp>
+        <p:nvSpPr>
+          <p:cNvPr id="8" name="직사각형 7">
+            <a:extLst>
+              <a:ext uri="{FF2B5EF4-FFF2-40B4-BE49-F238E27FC236}">
+                <a16:creationId xmlns:a16="http://schemas.microsoft.com/office/drawing/2014/main" id="{B3BF2BFC-0B55-160D-55C6-F3BD3753D6EA}"/>
+              </a:ext>
+            </a:extLst>
+          </p:cNvPr>
+          <p:cNvSpPr/>
+          <p:nvPr/>
+        </p:nvSpPr>
+        <p:spPr>
+          <a:xfrm>
+            <a:off x="4605534" y="877371"/>
+            <a:ext cx="1242204" cy="543464"/>
+          </a:xfrm>
+          <a:prstGeom prst="rect">
+            <a:avLst/>
+          </a:prstGeom>
+          <a:solidFill>
+            <a:srgbClr val="FFFF00"/>
+          </a:solidFill>
+        </p:spPr>
+        <p:style>
+          <a:lnRef idx="2">
+            <a:schemeClr val="accent4">
+              <a:shade val="50000"/>
+            </a:schemeClr>
+          </a:lnRef>
+          <a:fillRef idx="1">
+            <a:schemeClr val="accent4"/>
+          </a:fillRef>
+          <a:effectRef idx="0">
+            <a:schemeClr val="accent4"/>
+          </a:effectRef>
+          <a:fontRef idx="minor">
+            <a:schemeClr val="lt1"/>
+          </a:fontRef>
+        </p:style>
+        <p:txBody>
+          <a:bodyPr rtlCol="0" anchor="ctr"/>
+          <a:lstStyle/>
+          <a:p>
+            <a:pPr algn="ctr"/>
+            <a:endParaRPr kumimoji="1" lang="ko-Kore-KR" altLang="en-US" sz="1600" dirty="0">
+              <a:solidFill>
+                <a:schemeClr val="tx1"/>
+              </a:solidFill>
+              <a:latin typeface="DM Mono" panose="020B0509040201040103" pitchFamily="49" charset="0"/>
+            </a:endParaRPr>
+          </a:p>
+        </p:txBody>
+      </p:sp>
+      <p:sp>
+        <p:nvSpPr>
+          <p:cNvPr id="9" name="TextBox 8">
+            <a:extLst>
+              <a:ext uri="{FF2B5EF4-FFF2-40B4-BE49-F238E27FC236}">
+                <a16:creationId xmlns:a16="http://schemas.microsoft.com/office/drawing/2014/main" id="{40F5470D-37AD-B379-4FF8-25D26C48836B}"/>
+              </a:ext>
+            </a:extLst>
+          </p:cNvPr>
+          <p:cNvSpPr txBox="1"/>
+          <p:nvPr/>
+        </p:nvSpPr>
+        <p:spPr>
+          <a:xfrm>
+            <a:off x="4787228" y="499413"/>
+            <a:ext cx="878816" cy="369332"/>
+          </a:xfrm>
+          <a:prstGeom prst="rect">
+            <a:avLst/>
+          </a:prstGeom>
+          <a:noFill/>
+        </p:spPr>
+        <p:txBody>
+          <a:bodyPr wrap="square">
+            <a:spAutoFit/>
+          </a:bodyPr>
+          <a:lstStyle/>
+          <a:p>
+            <a:r>
+              <a:rPr lang="en-US" altLang="ko-Kore-KR" dirty="0">
+                <a:latin typeface="DM Mono" panose="020B0509040201040103" pitchFamily="49" charset="0"/>
+              </a:rPr>
+              <a:t>user1</a:t>
+            </a:r>
+            <a:endParaRPr lang="ko-Kore-KR" altLang="en-US" dirty="0"/>
+          </a:p>
+        </p:txBody>
+      </p:sp>
+      <p:sp>
+        <p:nvSpPr>
+          <p:cNvPr id="10" name="TextBox 9">
+            <a:extLst>
+              <a:ext uri="{FF2B5EF4-FFF2-40B4-BE49-F238E27FC236}">
+                <a16:creationId xmlns:a16="http://schemas.microsoft.com/office/drawing/2014/main" id="{D1EE629E-DEFC-2D6D-FFFE-81A1816C48D8}"/>
+              </a:ext>
+            </a:extLst>
+          </p:cNvPr>
+          <p:cNvSpPr txBox="1"/>
+          <p:nvPr/>
+        </p:nvSpPr>
+        <p:spPr>
+          <a:xfrm>
+            <a:off x="3811185" y="964437"/>
+            <a:ext cx="794349" cy="369332"/>
+          </a:xfrm>
+          <a:prstGeom prst="rect">
+            <a:avLst/>
+          </a:prstGeom>
+          <a:noFill/>
+        </p:spPr>
+        <p:txBody>
+          <a:bodyPr wrap="square">
+            <a:spAutoFit/>
+          </a:bodyPr>
+          <a:lstStyle/>
+          <a:p>
+            <a:pPr algn="r"/>
+            <a:r>
+              <a:rPr lang="en-US" altLang="ko-Kore-KR" dirty="0">
+                <a:latin typeface="DM Mono" panose="020B0509040201040103" pitchFamily="49" charset="0"/>
+              </a:rPr>
+              <a:t>name</a:t>
+            </a:r>
+            <a:endParaRPr lang="ko-Kore-KR" altLang="en-US" dirty="0"/>
+          </a:p>
+        </p:txBody>
+      </p:sp>
+      <p:sp>
+        <p:nvSpPr>
+          <p:cNvPr id="11" name="직사각형 10">
+            <a:extLst>
+              <a:ext uri="{FF2B5EF4-FFF2-40B4-BE49-F238E27FC236}">
+                <a16:creationId xmlns:a16="http://schemas.microsoft.com/office/drawing/2014/main" id="{C8AFE9BD-EC5A-74EA-40A2-B58CD85470F8}"/>
+              </a:ext>
+            </a:extLst>
+          </p:cNvPr>
+          <p:cNvSpPr/>
+          <p:nvPr/>
+        </p:nvSpPr>
+        <p:spPr>
+          <a:xfrm>
+            <a:off x="4605534" y="1429461"/>
+            <a:ext cx="1242204" cy="543464"/>
+          </a:xfrm>
+          <a:prstGeom prst="rect">
+            <a:avLst/>
+          </a:prstGeom>
+          <a:solidFill>
+            <a:srgbClr val="FFFF00"/>
+          </a:solidFill>
+        </p:spPr>
+        <p:style>
+          <a:lnRef idx="2">
+            <a:schemeClr val="accent4">
+              <a:shade val="50000"/>
+            </a:schemeClr>
+          </a:lnRef>
+          <a:fillRef idx="1">
+            <a:schemeClr val="accent4"/>
+          </a:fillRef>
+          <a:effectRef idx="0">
+            <a:schemeClr val="accent4"/>
+          </a:effectRef>
+          <a:fontRef idx="minor">
+            <a:schemeClr val="lt1"/>
+          </a:fontRef>
+        </p:style>
+        <p:txBody>
+          <a:bodyPr rtlCol="0" anchor="ctr"/>
+          <a:lstStyle/>
+          <a:p>
+            <a:pPr algn="ctr"/>
+            <a:r>
+              <a:rPr kumimoji="1" lang="en-US" altLang="ko-Kore-KR" sz="1600" dirty="0">
+                <a:solidFill>
+                  <a:schemeClr val="tx1"/>
+                </a:solidFill>
+                <a:latin typeface="DM Mono" panose="020B0509040201040103" pitchFamily="49" charset="0"/>
+              </a:rPr>
+              <a:t>42</a:t>
+            </a:r>
+            <a:endParaRPr kumimoji="1" lang="ko-Kore-KR" altLang="en-US" sz="1600" dirty="0">
+              <a:solidFill>
+                <a:schemeClr val="tx1"/>
+              </a:solidFill>
+              <a:latin typeface="DM Mono" panose="020B0509040201040103" pitchFamily="49" charset="0"/>
+            </a:endParaRPr>
+          </a:p>
+        </p:txBody>
+      </p:sp>
+      <p:sp>
+        <p:nvSpPr>
+          <p:cNvPr id="12" name="TextBox 11">
+            <a:extLst>
+              <a:ext uri="{FF2B5EF4-FFF2-40B4-BE49-F238E27FC236}">
+                <a16:creationId xmlns:a16="http://schemas.microsoft.com/office/drawing/2014/main" id="{61E071AD-26B0-2AD5-0544-429B60751643}"/>
+              </a:ext>
+            </a:extLst>
+          </p:cNvPr>
+          <p:cNvSpPr txBox="1"/>
+          <p:nvPr/>
+        </p:nvSpPr>
+        <p:spPr>
+          <a:xfrm>
+            <a:off x="3745035" y="1516527"/>
+            <a:ext cx="860499" cy="369332"/>
+          </a:xfrm>
+          <a:prstGeom prst="rect">
+            <a:avLst/>
+          </a:prstGeom>
+          <a:noFill/>
+        </p:spPr>
+        <p:txBody>
+          <a:bodyPr wrap="square">
+            <a:spAutoFit/>
+          </a:bodyPr>
+          <a:lstStyle/>
+          <a:p>
+            <a:pPr algn="r"/>
+            <a:r>
+              <a:rPr lang="en-US" altLang="ko-Kore-KR" dirty="0">
+                <a:latin typeface="DM Mono" panose="020B0509040201040103" pitchFamily="49" charset="0"/>
+              </a:rPr>
+              <a:t>age</a:t>
+            </a:r>
+            <a:endParaRPr lang="ko-Kore-KR" altLang="en-US" dirty="0"/>
+          </a:p>
+        </p:txBody>
+      </p:sp>
+      <p:sp>
+        <p:nvSpPr>
+          <p:cNvPr id="13" name="직사각형 12">
+            <a:extLst>
+              <a:ext uri="{FF2B5EF4-FFF2-40B4-BE49-F238E27FC236}">
+                <a16:creationId xmlns:a16="http://schemas.microsoft.com/office/drawing/2014/main" id="{59B76654-A045-AC5D-7DD6-7340D6D98C38}"/>
+              </a:ext>
+            </a:extLst>
+          </p:cNvPr>
+          <p:cNvSpPr/>
+          <p:nvPr/>
+        </p:nvSpPr>
+        <p:spPr>
+          <a:xfrm>
+            <a:off x="9409263" y="605639"/>
+            <a:ext cx="1242204" cy="543464"/>
+          </a:xfrm>
+          <a:prstGeom prst="rect">
+            <a:avLst/>
+          </a:prstGeom>
+          <a:solidFill>
+            <a:srgbClr val="FFFF00"/>
+          </a:solidFill>
+        </p:spPr>
+        <p:style>
+          <a:lnRef idx="2">
+            <a:schemeClr val="accent4">
+              <a:shade val="50000"/>
+            </a:schemeClr>
+          </a:lnRef>
+          <a:fillRef idx="1">
+            <a:schemeClr val="accent4"/>
+          </a:fillRef>
+          <a:effectRef idx="0">
+            <a:schemeClr val="accent4"/>
+          </a:effectRef>
+          <a:fontRef idx="minor">
+            <a:schemeClr val="lt1"/>
+          </a:fontRef>
+        </p:style>
+        <p:txBody>
+          <a:bodyPr rtlCol="0" anchor="ctr"/>
+          <a:lstStyle/>
+          <a:p>
+            <a:pPr algn="ctr"/>
+            <a:r>
+              <a:rPr kumimoji="1" lang="en-US" altLang="ko-Kore-KR" sz="1600" dirty="0">
+                <a:solidFill>
+                  <a:schemeClr val="tx1"/>
+                </a:solidFill>
+                <a:latin typeface="DM Mono" panose="020B0509040201040103" pitchFamily="49" charset="0"/>
+              </a:rPr>
+              <a:t>“Tom”</a:t>
+            </a:r>
+            <a:endParaRPr kumimoji="1" lang="ko-Kore-KR" altLang="en-US" sz="1600" dirty="0">
+              <a:solidFill>
+                <a:schemeClr val="tx1"/>
+              </a:solidFill>
+              <a:latin typeface="DM Mono" panose="020B0509040201040103" pitchFamily="49" charset="0"/>
+            </a:endParaRPr>
+          </a:p>
+        </p:txBody>
+      </p:sp>
+      <p:cxnSp>
+        <p:nvCxnSpPr>
+          <p:cNvPr id="15" name="구부러진 연결선[U] 14">
+            <a:extLst>
+              <a:ext uri="{FF2B5EF4-FFF2-40B4-BE49-F238E27FC236}">
+                <a16:creationId xmlns:a16="http://schemas.microsoft.com/office/drawing/2014/main" id="{38BEF0C6-0D84-A648-D8BD-80B5DDB76218}"/>
+              </a:ext>
+            </a:extLst>
+          </p:cNvPr>
+          <p:cNvCxnSpPr>
+            <a:cxnSpLocks/>
+            <a:stCxn id="8" idx="3"/>
+            <a:endCxn id="13" idx="1"/>
+          </p:cNvCxnSpPr>
+          <p:nvPr/>
+        </p:nvCxnSpPr>
+        <p:spPr>
+          <a:xfrm flipV="1">
+            <a:off x="5847738" y="877371"/>
+            <a:ext cx="3561525" cy="271732"/>
+          </a:xfrm>
+          <a:prstGeom prst="curvedConnector3">
+            <a:avLst>
+              <a:gd name="adj1" fmla="val 50000"/>
+            </a:avLst>
+          </a:prstGeom>
+          <a:ln>
+            <a:tailEnd type="triangle"/>
+          </a:ln>
+        </p:spPr>
+        <p:style>
+          <a:lnRef idx="1">
+            <a:schemeClr val="dk1"/>
+          </a:lnRef>
+          <a:fillRef idx="0">
+            <a:schemeClr val="dk1"/>
+          </a:fillRef>
+          <a:effectRef idx="0">
+            <a:schemeClr val="dk1"/>
+          </a:effectRef>
+          <a:fontRef idx="minor">
+            <a:schemeClr val="tx1"/>
+          </a:fontRef>
+        </p:style>
+      </p:cxnSp>
+      <p:sp>
+        <p:nvSpPr>
+          <p:cNvPr id="2" name="직사각형 1">
+            <a:extLst>
+              <a:ext uri="{FF2B5EF4-FFF2-40B4-BE49-F238E27FC236}">
+                <a16:creationId xmlns:a16="http://schemas.microsoft.com/office/drawing/2014/main" id="{C95C37C7-2244-9AB9-7EBD-03DE16F29FF8}"/>
+              </a:ext>
+            </a:extLst>
+          </p:cNvPr>
+          <p:cNvSpPr/>
+          <p:nvPr/>
+        </p:nvSpPr>
+        <p:spPr>
+          <a:xfrm>
+            <a:off x="4614848" y="1998629"/>
+            <a:ext cx="1242204" cy="543464"/>
+          </a:xfrm>
+          <a:prstGeom prst="rect">
+            <a:avLst/>
+          </a:prstGeom>
+          <a:solidFill>
+            <a:srgbClr val="FFFF00"/>
+          </a:solidFill>
+        </p:spPr>
+        <p:style>
+          <a:lnRef idx="2">
+            <a:schemeClr val="accent4">
+              <a:shade val="50000"/>
+            </a:schemeClr>
+          </a:lnRef>
+          <a:fillRef idx="1">
+            <a:schemeClr val="accent4"/>
+          </a:fillRef>
+          <a:effectRef idx="0">
+            <a:schemeClr val="accent4"/>
+          </a:effectRef>
+          <a:fontRef idx="minor">
+            <a:schemeClr val="lt1"/>
+          </a:fontRef>
+        </p:style>
+        <p:txBody>
+          <a:bodyPr rtlCol="0" anchor="ctr"/>
+          <a:lstStyle/>
+          <a:p>
+            <a:pPr algn="ctr"/>
+            <a:endParaRPr kumimoji="1" lang="ko-Kore-KR" altLang="en-US" sz="1600" dirty="0">
+              <a:solidFill>
+                <a:schemeClr val="tx1"/>
+              </a:solidFill>
+              <a:latin typeface="DM Mono" panose="020B0509040201040103" pitchFamily="49" charset="0"/>
+            </a:endParaRPr>
+          </a:p>
+        </p:txBody>
+      </p:sp>
+      <p:sp>
+        <p:nvSpPr>
+          <p:cNvPr id="3" name="TextBox 2">
+            <a:extLst>
+              <a:ext uri="{FF2B5EF4-FFF2-40B4-BE49-F238E27FC236}">
+                <a16:creationId xmlns:a16="http://schemas.microsoft.com/office/drawing/2014/main" id="{2A189152-95FA-6318-D681-B44321D61697}"/>
+              </a:ext>
+            </a:extLst>
+          </p:cNvPr>
+          <p:cNvSpPr txBox="1"/>
+          <p:nvPr/>
+        </p:nvSpPr>
+        <p:spPr>
+          <a:xfrm>
+            <a:off x="3754349" y="2085695"/>
+            <a:ext cx="860499" cy="369332"/>
+          </a:xfrm>
+          <a:prstGeom prst="rect">
+            <a:avLst/>
+          </a:prstGeom>
+          <a:noFill/>
+        </p:spPr>
+        <p:txBody>
+          <a:bodyPr wrap="square">
+            <a:spAutoFit/>
+          </a:bodyPr>
+          <a:lstStyle/>
+          <a:p>
+            <a:pPr algn="r"/>
+            <a:r>
+              <a:rPr lang="en-US" altLang="ko-Kore-KR" dirty="0">
+                <a:latin typeface="DM Mono" panose="020B0509040201040103" pitchFamily="49" charset="0"/>
+              </a:rPr>
+              <a:t>ref</a:t>
+            </a:r>
+            <a:endParaRPr lang="ko-Kore-KR" altLang="en-US" dirty="0"/>
+          </a:p>
+        </p:txBody>
+      </p:sp>
+      <p:cxnSp>
+        <p:nvCxnSpPr>
+          <p:cNvPr id="4" name="구부러진 연결선[U] 3">
+            <a:extLst>
+              <a:ext uri="{FF2B5EF4-FFF2-40B4-BE49-F238E27FC236}">
+                <a16:creationId xmlns:a16="http://schemas.microsoft.com/office/drawing/2014/main" id="{81473FCD-36DE-44AC-FAFE-417D603220A6}"/>
+              </a:ext>
+            </a:extLst>
+          </p:cNvPr>
+          <p:cNvCxnSpPr>
+            <a:cxnSpLocks/>
+            <a:stCxn id="2" idx="3"/>
+            <a:endCxn id="16" idx="1"/>
+          </p:cNvCxnSpPr>
+          <p:nvPr/>
+        </p:nvCxnSpPr>
+        <p:spPr>
+          <a:xfrm flipV="1">
+            <a:off x="5857052" y="1971066"/>
+            <a:ext cx="4081128" cy="299295"/>
+          </a:xfrm>
+          <a:prstGeom prst="curvedConnector3">
+            <a:avLst>
+              <a:gd name="adj1" fmla="val 50000"/>
+            </a:avLst>
+          </a:prstGeom>
+          <a:ln>
+            <a:tailEnd type="triangle"/>
+          </a:ln>
+        </p:spPr>
+        <p:style>
+          <a:lnRef idx="1">
+            <a:schemeClr val="dk1"/>
+          </a:lnRef>
+          <a:fillRef idx="0">
+            <a:schemeClr val="dk1"/>
+          </a:fillRef>
+          <a:effectRef idx="0">
+            <a:schemeClr val="dk1"/>
+          </a:effectRef>
+          <a:fontRef idx="minor">
+            <a:schemeClr val="tx1"/>
+          </a:fontRef>
+        </p:style>
+      </p:cxnSp>
+      <p:sp>
+        <p:nvSpPr>
+          <p:cNvPr id="16" name="직사각형 15">
+            <a:extLst>
+              <a:ext uri="{FF2B5EF4-FFF2-40B4-BE49-F238E27FC236}">
+                <a16:creationId xmlns:a16="http://schemas.microsoft.com/office/drawing/2014/main" id="{E16BEFDB-5B75-CF39-00B5-DB8999CF238A}"/>
+              </a:ext>
+            </a:extLst>
+          </p:cNvPr>
+          <p:cNvSpPr/>
+          <p:nvPr/>
+        </p:nvSpPr>
+        <p:spPr>
+          <a:xfrm>
+            <a:off x="9938180" y="1699334"/>
+            <a:ext cx="1242204" cy="543464"/>
+          </a:xfrm>
+          <a:prstGeom prst="rect">
+            <a:avLst/>
+          </a:prstGeom>
+          <a:solidFill>
+            <a:srgbClr val="FFFF00"/>
+          </a:solidFill>
+        </p:spPr>
+        <p:style>
+          <a:lnRef idx="2">
+            <a:schemeClr val="accent4">
+              <a:shade val="50000"/>
+            </a:schemeClr>
+          </a:lnRef>
+          <a:fillRef idx="1">
+            <a:schemeClr val="accent4"/>
+          </a:fillRef>
+          <a:effectRef idx="0">
+            <a:schemeClr val="accent4"/>
+          </a:effectRef>
+          <a:fontRef idx="minor">
+            <a:schemeClr val="lt1"/>
+          </a:fontRef>
+        </p:style>
+        <p:txBody>
+          <a:bodyPr rtlCol="0" anchor="ctr"/>
+          <a:lstStyle/>
+          <a:p>
+            <a:pPr algn="ctr"/>
+            <a:r>
+              <a:rPr kumimoji="1" lang="en-US" altLang="ko-Kore-KR" sz="1600" dirty="0">
+                <a:solidFill>
+                  <a:srgbClr val="FF0000"/>
+                </a:solidFill>
+                <a:latin typeface="DM Mono" panose="020B0509040201040103" pitchFamily="49" charset="0"/>
+              </a:rPr>
+              <a:t>2</a:t>
+            </a:r>
+            <a:endParaRPr kumimoji="1" lang="ko-Kore-KR" altLang="en-US" sz="1600" dirty="0">
+              <a:solidFill>
+                <a:srgbClr val="FF0000"/>
+              </a:solidFill>
+              <a:latin typeface="DM Mono" panose="020B0509040201040103" pitchFamily="49" charset="0"/>
+            </a:endParaRPr>
+          </a:p>
+        </p:txBody>
+      </p:sp>
+      <p:sp>
+        <p:nvSpPr>
+          <p:cNvPr id="5" name="직사각형 4">
+            <a:extLst>
+              <a:ext uri="{FF2B5EF4-FFF2-40B4-BE49-F238E27FC236}">
+                <a16:creationId xmlns:a16="http://schemas.microsoft.com/office/drawing/2014/main" id="{E6C33E5C-8FCC-9613-7F77-50F9892FF0E5}"/>
+              </a:ext>
+            </a:extLst>
+          </p:cNvPr>
+          <p:cNvSpPr/>
+          <p:nvPr/>
+        </p:nvSpPr>
+        <p:spPr>
+          <a:xfrm>
+            <a:off x="4596220" y="3113343"/>
+            <a:ext cx="1242204" cy="543464"/>
+          </a:xfrm>
+          <a:prstGeom prst="rect">
+            <a:avLst/>
+          </a:prstGeom>
+          <a:solidFill>
+            <a:srgbClr val="FFFF00"/>
+          </a:solidFill>
+        </p:spPr>
+        <p:style>
+          <a:lnRef idx="2">
+            <a:schemeClr val="accent4">
+              <a:shade val="50000"/>
+            </a:schemeClr>
+          </a:lnRef>
+          <a:fillRef idx="1">
+            <a:schemeClr val="accent4"/>
+          </a:fillRef>
+          <a:effectRef idx="0">
+            <a:schemeClr val="accent4"/>
+          </a:effectRef>
+          <a:fontRef idx="minor">
+            <a:schemeClr val="lt1"/>
+          </a:fontRef>
+        </p:style>
+        <p:txBody>
+          <a:bodyPr rtlCol="0" anchor="ctr"/>
+          <a:lstStyle/>
+          <a:p>
+            <a:pPr algn="ctr"/>
+            <a:endParaRPr kumimoji="1" lang="ko-Kore-KR" altLang="en-US" sz="1600" dirty="0">
+              <a:solidFill>
+                <a:schemeClr val="tx1"/>
+              </a:solidFill>
+              <a:latin typeface="DM Mono" panose="020B0509040201040103" pitchFamily="49" charset="0"/>
+            </a:endParaRPr>
+          </a:p>
+        </p:txBody>
+      </p:sp>
+      <p:sp>
+        <p:nvSpPr>
+          <p:cNvPr id="6" name="TextBox 5">
+            <a:extLst>
+              <a:ext uri="{FF2B5EF4-FFF2-40B4-BE49-F238E27FC236}">
+                <a16:creationId xmlns:a16="http://schemas.microsoft.com/office/drawing/2014/main" id="{A6091E38-2397-AFA7-6497-7B61A09EE4E7}"/>
+              </a:ext>
+            </a:extLst>
+          </p:cNvPr>
+          <p:cNvSpPr txBox="1"/>
+          <p:nvPr/>
+        </p:nvSpPr>
+        <p:spPr>
+          <a:xfrm>
+            <a:off x="4777914" y="2735385"/>
+            <a:ext cx="878816" cy="369332"/>
+          </a:xfrm>
+          <a:prstGeom prst="rect">
+            <a:avLst/>
+          </a:prstGeom>
+          <a:noFill/>
+        </p:spPr>
+        <p:txBody>
+          <a:bodyPr wrap="square">
+            <a:spAutoFit/>
+          </a:bodyPr>
+          <a:lstStyle/>
+          <a:p>
+            <a:r>
+              <a:rPr lang="en-US" altLang="ko-Kore-KR" dirty="0">
+                <a:latin typeface="DM Mono" panose="020B0509040201040103" pitchFamily="49" charset="0"/>
+              </a:rPr>
+              <a:t>user2</a:t>
+            </a:r>
+            <a:endParaRPr lang="ko-Kore-KR" altLang="en-US" dirty="0"/>
+          </a:p>
+        </p:txBody>
+      </p:sp>
+      <p:sp>
+        <p:nvSpPr>
+          <p:cNvPr id="7" name="TextBox 6">
+            <a:extLst>
+              <a:ext uri="{FF2B5EF4-FFF2-40B4-BE49-F238E27FC236}">
+                <a16:creationId xmlns:a16="http://schemas.microsoft.com/office/drawing/2014/main" id="{DACC879E-ED80-8244-560B-88509E986ADA}"/>
+              </a:ext>
+            </a:extLst>
+          </p:cNvPr>
+          <p:cNvSpPr txBox="1"/>
+          <p:nvPr/>
+        </p:nvSpPr>
+        <p:spPr>
+          <a:xfrm>
+            <a:off x="3801871" y="3200409"/>
+            <a:ext cx="794349" cy="369332"/>
+          </a:xfrm>
+          <a:prstGeom prst="rect">
+            <a:avLst/>
+          </a:prstGeom>
+          <a:noFill/>
+        </p:spPr>
+        <p:txBody>
+          <a:bodyPr wrap="square">
+            <a:spAutoFit/>
+          </a:bodyPr>
+          <a:lstStyle/>
+          <a:p>
+            <a:pPr algn="r"/>
+            <a:r>
+              <a:rPr lang="en-US" altLang="ko-Kore-KR" dirty="0">
+                <a:latin typeface="DM Mono" panose="020B0509040201040103" pitchFamily="49" charset="0"/>
+              </a:rPr>
+              <a:t>name</a:t>
+            </a:r>
+            <a:endParaRPr lang="ko-Kore-KR" altLang="en-US" dirty="0"/>
+          </a:p>
+        </p:txBody>
+      </p:sp>
+      <p:sp>
+        <p:nvSpPr>
+          <p:cNvPr id="14" name="직사각형 13">
+            <a:extLst>
+              <a:ext uri="{FF2B5EF4-FFF2-40B4-BE49-F238E27FC236}">
+                <a16:creationId xmlns:a16="http://schemas.microsoft.com/office/drawing/2014/main" id="{AD39B08C-048A-2476-7F41-C973E4F855B4}"/>
+              </a:ext>
+            </a:extLst>
+          </p:cNvPr>
+          <p:cNvSpPr/>
+          <p:nvPr/>
+        </p:nvSpPr>
+        <p:spPr>
+          <a:xfrm>
+            <a:off x="4596220" y="3665433"/>
+            <a:ext cx="1242204" cy="543464"/>
+          </a:xfrm>
+          <a:prstGeom prst="rect">
+            <a:avLst/>
+          </a:prstGeom>
+          <a:solidFill>
+            <a:srgbClr val="FFFF00"/>
+          </a:solidFill>
+        </p:spPr>
+        <p:style>
+          <a:lnRef idx="2">
+            <a:schemeClr val="accent4">
+              <a:shade val="50000"/>
+            </a:schemeClr>
+          </a:lnRef>
+          <a:fillRef idx="1">
+            <a:schemeClr val="accent4"/>
+          </a:fillRef>
+          <a:effectRef idx="0">
+            <a:schemeClr val="accent4"/>
+          </a:effectRef>
+          <a:fontRef idx="minor">
+            <a:schemeClr val="lt1"/>
+          </a:fontRef>
+        </p:style>
+        <p:txBody>
+          <a:bodyPr rtlCol="0" anchor="ctr"/>
+          <a:lstStyle/>
+          <a:p>
+            <a:pPr algn="ctr"/>
+            <a:r>
+              <a:rPr kumimoji="1" lang="en-US" altLang="ko-Kore-KR" sz="1600" dirty="0">
+                <a:solidFill>
+                  <a:schemeClr val="tx1"/>
+                </a:solidFill>
+                <a:latin typeface="DM Mono" panose="020B0509040201040103" pitchFamily="49" charset="0"/>
+              </a:rPr>
+              <a:t>42</a:t>
+            </a:r>
+            <a:endParaRPr kumimoji="1" lang="ko-Kore-KR" altLang="en-US" sz="1600" dirty="0">
+              <a:solidFill>
+                <a:schemeClr val="tx1"/>
+              </a:solidFill>
+              <a:latin typeface="DM Mono" panose="020B0509040201040103" pitchFamily="49" charset="0"/>
+            </a:endParaRPr>
+          </a:p>
+        </p:txBody>
+      </p:sp>
+      <p:sp>
+        <p:nvSpPr>
+          <p:cNvPr id="17" name="TextBox 16">
+            <a:extLst>
+              <a:ext uri="{FF2B5EF4-FFF2-40B4-BE49-F238E27FC236}">
+                <a16:creationId xmlns:a16="http://schemas.microsoft.com/office/drawing/2014/main" id="{1409FDC9-B849-56F4-BE8B-7144AA94F2AF}"/>
+              </a:ext>
+            </a:extLst>
+          </p:cNvPr>
+          <p:cNvSpPr txBox="1"/>
+          <p:nvPr/>
+        </p:nvSpPr>
+        <p:spPr>
+          <a:xfrm>
+            <a:off x="3735721" y="3752499"/>
+            <a:ext cx="860499" cy="369332"/>
+          </a:xfrm>
+          <a:prstGeom prst="rect">
+            <a:avLst/>
+          </a:prstGeom>
+          <a:noFill/>
+        </p:spPr>
+        <p:txBody>
+          <a:bodyPr wrap="square">
+            <a:spAutoFit/>
+          </a:bodyPr>
+          <a:lstStyle/>
+          <a:p>
+            <a:pPr algn="r"/>
+            <a:r>
+              <a:rPr lang="en-US" altLang="ko-Kore-KR" dirty="0">
+                <a:latin typeface="DM Mono" panose="020B0509040201040103" pitchFamily="49" charset="0"/>
+              </a:rPr>
+              <a:t>age</a:t>
+            </a:r>
+            <a:endParaRPr lang="ko-Kore-KR" altLang="en-US" dirty="0"/>
+          </a:p>
+        </p:txBody>
+      </p:sp>
+      <p:sp>
+        <p:nvSpPr>
+          <p:cNvPr id="18" name="직사각형 17">
+            <a:extLst>
+              <a:ext uri="{FF2B5EF4-FFF2-40B4-BE49-F238E27FC236}">
+                <a16:creationId xmlns:a16="http://schemas.microsoft.com/office/drawing/2014/main" id="{19C278BA-1803-0122-FFEE-EB19ADAEF5A4}"/>
+              </a:ext>
+            </a:extLst>
+          </p:cNvPr>
+          <p:cNvSpPr/>
+          <p:nvPr/>
+        </p:nvSpPr>
+        <p:spPr>
+          <a:xfrm>
+            <a:off x="4605534" y="4234601"/>
+            <a:ext cx="1242204" cy="543464"/>
+          </a:xfrm>
+          <a:prstGeom prst="rect">
+            <a:avLst/>
+          </a:prstGeom>
+          <a:solidFill>
+            <a:srgbClr val="FFFF00"/>
+          </a:solidFill>
+        </p:spPr>
+        <p:style>
+          <a:lnRef idx="2">
+            <a:schemeClr val="accent4">
+              <a:shade val="50000"/>
+            </a:schemeClr>
+          </a:lnRef>
+          <a:fillRef idx="1">
+            <a:schemeClr val="accent4"/>
+          </a:fillRef>
+          <a:effectRef idx="0">
+            <a:schemeClr val="accent4"/>
+          </a:effectRef>
+          <a:fontRef idx="minor">
+            <a:schemeClr val="lt1"/>
+          </a:fontRef>
+        </p:style>
+        <p:txBody>
+          <a:bodyPr rtlCol="0" anchor="ctr"/>
+          <a:lstStyle/>
+          <a:p>
+            <a:pPr algn="ctr"/>
+            <a:endParaRPr kumimoji="1" lang="ko-Kore-KR" altLang="en-US" sz="1600" dirty="0">
+              <a:solidFill>
+                <a:schemeClr val="tx1"/>
+              </a:solidFill>
+              <a:latin typeface="DM Mono" panose="020B0509040201040103" pitchFamily="49" charset="0"/>
+            </a:endParaRPr>
+          </a:p>
+        </p:txBody>
+      </p:sp>
+      <p:sp>
+        <p:nvSpPr>
+          <p:cNvPr id="19" name="TextBox 18">
+            <a:extLst>
+              <a:ext uri="{FF2B5EF4-FFF2-40B4-BE49-F238E27FC236}">
+                <a16:creationId xmlns:a16="http://schemas.microsoft.com/office/drawing/2014/main" id="{DF324C46-11A5-24C4-CB71-A09F8B85506C}"/>
+              </a:ext>
+            </a:extLst>
+          </p:cNvPr>
+          <p:cNvSpPr txBox="1"/>
+          <p:nvPr/>
+        </p:nvSpPr>
+        <p:spPr>
+          <a:xfrm>
+            <a:off x="3745035" y="4321667"/>
+            <a:ext cx="860499" cy="369332"/>
+          </a:xfrm>
+          <a:prstGeom prst="rect">
+            <a:avLst/>
+          </a:prstGeom>
+          <a:noFill/>
+        </p:spPr>
+        <p:txBody>
+          <a:bodyPr wrap="square">
+            <a:spAutoFit/>
+          </a:bodyPr>
+          <a:lstStyle/>
+          <a:p>
+            <a:pPr algn="r"/>
+            <a:r>
+              <a:rPr lang="en-US" altLang="ko-Kore-KR" dirty="0">
+                <a:latin typeface="DM Mono" panose="020B0509040201040103" pitchFamily="49" charset="0"/>
+              </a:rPr>
+              <a:t>ref</a:t>
+            </a:r>
+            <a:endParaRPr lang="ko-Kore-KR" altLang="en-US" dirty="0"/>
+          </a:p>
+        </p:txBody>
+      </p:sp>
+      <p:cxnSp>
+        <p:nvCxnSpPr>
+          <p:cNvPr id="20" name="구부러진 연결선[U] 19">
+            <a:extLst>
+              <a:ext uri="{FF2B5EF4-FFF2-40B4-BE49-F238E27FC236}">
+                <a16:creationId xmlns:a16="http://schemas.microsoft.com/office/drawing/2014/main" id="{CEE2F542-0EE7-4861-0A14-FD9D33F7E671}"/>
+              </a:ext>
+            </a:extLst>
+          </p:cNvPr>
+          <p:cNvCxnSpPr>
+            <a:cxnSpLocks/>
+            <a:stCxn id="5" idx="3"/>
+            <a:endCxn id="13" idx="1"/>
+          </p:cNvCxnSpPr>
+          <p:nvPr/>
+        </p:nvCxnSpPr>
+        <p:spPr>
+          <a:xfrm flipV="1">
+            <a:off x="5838424" y="877371"/>
+            <a:ext cx="3570839" cy="2507704"/>
+          </a:xfrm>
+          <a:prstGeom prst="curvedConnector3">
+            <a:avLst>
+              <a:gd name="adj1" fmla="val 50000"/>
+            </a:avLst>
+          </a:prstGeom>
+          <a:ln>
+            <a:tailEnd type="triangle"/>
+          </a:ln>
+        </p:spPr>
+        <p:style>
+          <a:lnRef idx="1">
+            <a:schemeClr val="dk1"/>
+          </a:lnRef>
+          <a:fillRef idx="0">
+            <a:schemeClr val="dk1"/>
+          </a:fillRef>
+          <a:effectRef idx="0">
+            <a:schemeClr val="dk1"/>
+          </a:effectRef>
+          <a:fontRef idx="minor">
+            <a:schemeClr val="tx1"/>
+          </a:fontRef>
+        </p:style>
+      </p:cxnSp>
+      <p:cxnSp>
+        <p:nvCxnSpPr>
+          <p:cNvPr id="23" name="구부러진 연결선[U] 22">
+            <a:extLst>
+              <a:ext uri="{FF2B5EF4-FFF2-40B4-BE49-F238E27FC236}">
+                <a16:creationId xmlns:a16="http://schemas.microsoft.com/office/drawing/2014/main" id="{29BA4283-5308-7549-2435-9A9385FC5E27}"/>
+              </a:ext>
+            </a:extLst>
+          </p:cNvPr>
+          <p:cNvCxnSpPr>
+            <a:cxnSpLocks/>
+            <a:stCxn id="18" idx="3"/>
+            <a:endCxn id="16" idx="1"/>
+          </p:cNvCxnSpPr>
+          <p:nvPr/>
+        </p:nvCxnSpPr>
+        <p:spPr>
+          <a:xfrm flipV="1">
+            <a:off x="5847738" y="1971066"/>
+            <a:ext cx="4090442" cy="2535267"/>
+          </a:xfrm>
+          <a:prstGeom prst="curvedConnector3">
+            <a:avLst>
+              <a:gd name="adj1" fmla="val 50000"/>
+            </a:avLst>
+          </a:prstGeom>
+          <a:ln>
+            <a:tailEnd type="triangle"/>
+          </a:ln>
+        </p:spPr>
+        <p:style>
+          <a:lnRef idx="1">
+            <a:schemeClr val="dk1"/>
+          </a:lnRef>
+          <a:fillRef idx="0">
+            <a:schemeClr val="dk1"/>
+          </a:fillRef>
+          <a:effectRef idx="0">
+            <a:schemeClr val="dk1"/>
+          </a:effectRef>
+          <a:fontRef idx="minor">
+            <a:schemeClr val="tx1"/>
+          </a:fontRef>
+        </p:style>
+      </p:cxnSp>
+    </p:spTree>
+    <p:extLst>
+      <p:ext uri="{BB962C8B-B14F-4D97-AF65-F5344CB8AC3E}">
+        <p14:creationId xmlns:p14="http://schemas.microsoft.com/office/powerpoint/2010/main" val="2500183048"/>
+      </p:ext>
+    </p:extLst>
+  </p:cSld>
+  <p:clrMapOvr>
+    <a:masterClrMapping/>
+  </p:clrMapOvr>
+</p:sld>
+</file>
+
+<file path=ppt/slides/slide17.xml><?xml version="1.0" encoding="utf-8"?>
+<p:sld xmlns:a="http://schemas.openxmlformats.org/drawingml/2006/main" xmlns:r="http://schemas.openxmlformats.org/officeDocument/2006/relationships" xmlns:p="http://schemas.openxmlformats.org/presentationml/2006/main">
+  <p:cSld>
+    <p:spTree>
+      <p:nvGrpSpPr>
+        <p:cNvPr id="1" name=""/>
+        <p:cNvGrpSpPr/>
+        <p:nvPr/>
+      </p:nvGrpSpPr>
+      <p:grpSpPr>
+        <a:xfrm>
+          <a:off x="0" y="0"/>
+          <a:ext cx="0" cy="0"/>
+          <a:chOff x="0" y="0"/>
+          <a:chExt cx="0" cy="0"/>
+        </a:xfrm>
+      </p:grpSpPr>
+      <p:sp>
+        <p:nvSpPr>
+          <p:cNvPr id="8" name="직사각형 7">
+            <a:extLst>
+              <a:ext uri="{FF2B5EF4-FFF2-40B4-BE49-F238E27FC236}">
+                <a16:creationId xmlns:a16="http://schemas.microsoft.com/office/drawing/2014/main" id="{B3BF2BFC-0B55-160D-55C6-F3BD3753D6EA}"/>
+              </a:ext>
+            </a:extLst>
+          </p:cNvPr>
+          <p:cNvSpPr/>
+          <p:nvPr/>
+        </p:nvSpPr>
+        <p:spPr>
+          <a:xfrm>
+            <a:off x="4605534" y="877371"/>
+            <a:ext cx="1242204" cy="543464"/>
+          </a:xfrm>
+          <a:prstGeom prst="rect">
+            <a:avLst/>
+          </a:prstGeom>
+          <a:solidFill>
+            <a:srgbClr val="FFFF00"/>
+          </a:solidFill>
+        </p:spPr>
+        <p:style>
+          <a:lnRef idx="2">
+            <a:schemeClr val="accent4">
+              <a:shade val="50000"/>
+            </a:schemeClr>
+          </a:lnRef>
+          <a:fillRef idx="1">
+            <a:schemeClr val="accent4"/>
+          </a:fillRef>
+          <a:effectRef idx="0">
+            <a:schemeClr val="accent4"/>
+          </a:effectRef>
+          <a:fontRef idx="minor">
+            <a:schemeClr val="lt1"/>
+          </a:fontRef>
+        </p:style>
+        <p:txBody>
+          <a:bodyPr rtlCol="0" anchor="ctr"/>
+          <a:lstStyle/>
+          <a:p>
+            <a:pPr algn="ctr"/>
+            <a:endParaRPr kumimoji="1" lang="ko-Kore-KR" altLang="en-US" sz="1600" dirty="0">
+              <a:solidFill>
+                <a:schemeClr val="tx1"/>
+              </a:solidFill>
+              <a:latin typeface="DM Mono" panose="020B0509040201040103" pitchFamily="49" charset="0"/>
+            </a:endParaRPr>
+          </a:p>
+        </p:txBody>
+      </p:sp>
+      <p:sp>
+        <p:nvSpPr>
+          <p:cNvPr id="9" name="TextBox 8">
+            <a:extLst>
+              <a:ext uri="{FF2B5EF4-FFF2-40B4-BE49-F238E27FC236}">
+                <a16:creationId xmlns:a16="http://schemas.microsoft.com/office/drawing/2014/main" id="{40F5470D-37AD-B379-4FF8-25D26C48836B}"/>
+              </a:ext>
+            </a:extLst>
+          </p:cNvPr>
+          <p:cNvSpPr txBox="1"/>
+          <p:nvPr/>
+        </p:nvSpPr>
+        <p:spPr>
+          <a:xfrm>
+            <a:off x="4787228" y="499413"/>
+            <a:ext cx="878816" cy="369332"/>
+          </a:xfrm>
+          <a:prstGeom prst="rect">
+            <a:avLst/>
+          </a:prstGeom>
+          <a:noFill/>
+        </p:spPr>
+        <p:txBody>
+          <a:bodyPr wrap="square">
+            <a:spAutoFit/>
+          </a:bodyPr>
+          <a:lstStyle/>
+          <a:p>
+            <a:r>
+              <a:rPr lang="en-US" altLang="ko-Kore-KR" dirty="0">
+                <a:latin typeface="DM Mono" panose="020B0509040201040103" pitchFamily="49" charset="0"/>
+              </a:rPr>
+              <a:t>user1</a:t>
+            </a:r>
+            <a:endParaRPr lang="ko-Kore-KR" altLang="en-US" dirty="0"/>
+          </a:p>
+        </p:txBody>
+      </p:sp>
+      <p:sp>
+        <p:nvSpPr>
+          <p:cNvPr id="10" name="TextBox 9">
+            <a:extLst>
+              <a:ext uri="{FF2B5EF4-FFF2-40B4-BE49-F238E27FC236}">
+                <a16:creationId xmlns:a16="http://schemas.microsoft.com/office/drawing/2014/main" id="{D1EE629E-DEFC-2D6D-FFFE-81A1816C48D8}"/>
+              </a:ext>
+            </a:extLst>
+          </p:cNvPr>
+          <p:cNvSpPr txBox="1"/>
+          <p:nvPr/>
+        </p:nvSpPr>
+        <p:spPr>
+          <a:xfrm>
+            <a:off x="3811185" y="964437"/>
+            <a:ext cx="794349" cy="369332"/>
+          </a:xfrm>
+          <a:prstGeom prst="rect">
+            <a:avLst/>
+          </a:prstGeom>
+          <a:noFill/>
+        </p:spPr>
+        <p:txBody>
+          <a:bodyPr wrap="square">
+            <a:spAutoFit/>
+          </a:bodyPr>
+          <a:lstStyle/>
+          <a:p>
+            <a:pPr algn="r"/>
+            <a:r>
+              <a:rPr lang="en-US" altLang="ko-Kore-KR" dirty="0">
+                <a:latin typeface="DM Mono" panose="020B0509040201040103" pitchFamily="49" charset="0"/>
+              </a:rPr>
+              <a:t>name</a:t>
+            </a:r>
+            <a:endParaRPr lang="ko-Kore-KR" altLang="en-US" dirty="0"/>
+          </a:p>
+        </p:txBody>
+      </p:sp>
+      <p:sp>
+        <p:nvSpPr>
+          <p:cNvPr id="11" name="직사각형 10">
+            <a:extLst>
+              <a:ext uri="{FF2B5EF4-FFF2-40B4-BE49-F238E27FC236}">
+                <a16:creationId xmlns:a16="http://schemas.microsoft.com/office/drawing/2014/main" id="{C8AFE9BD-EC5A-74EA-40A2-B58CD85470F8}"/>
+              </a:ext>
+            </a:extLst>
+          </p:cNvPr>
+          <p:cNvSpPr/>
+          <p:nvPr/>
+        </p:nvSpPr>
+        <p:spPr>
+          <a:xfrm>
+            <a:off x="4605534" y="1429461"/>
+            <a:ext cx="1242204" cy="543464"/>
+          </a:xfrm>
+          <a:prstGeom prst="rect">
+            <a:avLst/>
+          </a:prstGeom>
+          <a:solidFill>
+            <a:srgbClr val="FFFF00"/>
+          </a:solidFill>
+        </p:spPr>
+        <p:style>
+          <a:lnRef idx="2">
+            <a:schemeClr val="accent4">
+              <a:shade val="50000"/>
+            </a:schemeClr>
+          </a:lnRef>
+          <a:fillRef idx="1">
+            <a:schemeClr val="accent4"/>
+          </a:fillRef>
+          <a:effectRef idx="0">
+            <a:schemeClr val="accent4"/>
+          </a:effectRef>
+          <a:fontRef idx="minor">
+            <a:schemeClr val="lt1"/>
+          </a:fontRef>
+        </p:style>
+        <p:txBody>
+          <a:bodyPr rtlCol="0" anchor="ctr"/>
+          <a:lstStyle/>
+          <a:p>
+            <a:pPr algn="ctr"/>
+            <a:r>
+              <a:rPr kumimoji="1" lang="en-US" altLang="ko-Kore-KR" sz="1600" dirty="0">
+                <a:solidFill>
+                  <a:schemeClr val="tx1"/>
+                </a:solidFill>
+                <a:latin typeface="DM Mono" panose="020B0509040201040103" pitchFamily="49" charset="0"/>
+              </a:rPr>
+              <a:t>42</a:t>
+            </a:r>
+            <a:endParaRPr kumimoji="1" lang="ko-Kore-KR" altLang="en-US" sz="1600" dirty="0">
+              <a:solidFill>
+                <a:schemeClr val="tx1"/>
+              </a:solidFill>
+              <a:latin typeface="DM Mono" panose="020B0509040201040103" pitchFamily="49" charset="0"/>
+            </a:endParaRPr>
+          </a:p>
+        </p:txBody>
+      </p:sp>
+      <p:sp>
+        <p:nvSpPr>
+          <p:cNvPr id="12" name="TextBox 11">
+            <a:extLst>
+              <a:ext uri="{FF2B5EF4-FFF2-40B4-BE49-F238E27FC236}">
+                <a16:creationId xmlns:a16="http://schemas.microsoft.com/office/drawing/2014/main" id="{61E071AD-26B0-2AD5-0544-429B60751643}"/>
+              </a:ext>
+            </a:extLst>
+          </p:cNvPr>
+          <p:cNvSpPr txBox="1"/>
+          <p:nvPr/>
+        </p:nvSpPr>
+        <p:spPr>
+          <a:xfrm>
+            <a:off x="3745035" y="1516527"/>
+            <a:ext cx="860499" cy="369332"/>
+          </a:xfrm>
+          <a:prstGeom prst="rect">
+            <a:avLst/>
+          </a:prstGeom>
+          <a:noFill/>
+        </p:spPr>
+        <p:txBody>
+          <a:bodyPr wrap="square">
+            <a:spAutoFit/>
+          </a:bodyPr>
+          <a:lstStyle/>
+          <a:p>
+            <a:pPr algn="r"/>
+            <a:r>
+              <a:rPr lang="en-US" altLang="ko-Kore-KR" dirty="0">
+                <a:latin typeface="DM Mono" panose="020B0509040201040103" pitchFamily="49" charset="0"/>
+              </a:rPr>
+              <a:t>age</a:t>
+            </a:r>
+            <a:endParaRPr lang="ko-Kore-KR" altLang="en-US" dirty="0"/>
+          </a:p>
+        </p:txBody>
+      </p:sp>
+      <p:sp>
+        <p:nvSpPr>
+          <p:cNvPr id="13" name="직사각형 12">
+            <a:extLst>
+              <a:ext uri="{FF2B5EF4-FFF2-40B4-BE49-F238E27FC236}">
+                <a16:creationId xmlns:a16="http://schemas.microsoft.com/office/drawing/2014/main" id="{59B76654-A045-AC5D-7DD6-7340D6D98C38}"/>
+              </a:ext>
+            </a:extLst>
+          </p:cNvPr>
+          <p:cNvSpPr/>
+          <p:nvPr/>
+        </p:nvSpPr>
+        <p:spPr>
+          <a:xfrm>
+            <a:off x="9409263" y="605639"/>
+            <a:ext cx="1242204" cy="543464"/>
+          </a:xfrm>
+          <a:prstGeom prst="rect">
+            <a:avLst/>
+          </a:prstGeom>
+          <a:solidFill>
+            <a:srgbClr val="FFFF00"/>
+          </a:solidFill>
+        </p:spPr>
+        <p:style>
+          <a:lnRef idx="2">
+            <a:schemeClr val="accent4">
+              <a:shade val="50000"/>
+            </a:schemeClr>
+          </a:lnRef>
+          <a:fillRef idx="1">
+            <a:schemeClr val="accent4"/>
+          </a:fillRef>
+          <a:effectRef idx="0">
+            <a:schemeClr val="accent4"/>
+          </a:effectRef>
+          <a:fontRef idx="minor">
+            <a:schemeClr val="lt1"/>
+          </a:fontRef>
+        </p:style>
+        <p:txBody>
+          <a:bodyPr rtlCol="0" anchor="ctr"/>
+          <a:lstStyle/>
+          <a:p>
+            <a:pPr algn="ctr"/>
+            <a:r>
+              <a:rPr kumimoji="1" lang="en-US" altLang="ko-Kore-KR" sz="1600" dirty="0">
+                <a:solidFill>
+                  <a:schemeClr val="tx1"/>
+                </a:solidFill>
+                <a:latin typeface="DM Mono" panose="020B0509040201040103" pitchFamily="49" charset="0"/>
+              </a:rPr>
+              <a:t>“Tom”</a:t>
+            </a:r>
+            <a:endParaRPr kumimoji="1" lang="ko-Kore-KR" altLang="en-US" sz="1600" dirty="0">
+              <a:solidFill>
+                <a:schemeClr val="tx1"/>
+              </a:solidFill>
+              <a:latin typeface="DM Mono" panose="020B0509040201040103" pitchFamily="49" charset="0"/>
+            </a:endParaRPr>
+          </a:p>
+        </p:txBody>
+      </p:sp>
+      <p:cxnSp>
+        <p:nvCxnSpPr>
+          <p:cNvPr id="15" name="구부러진 연결선[U] 14">
+            <a:extLst>
+              <a:ext uri="{FF2B5EF4-FFF2-40B4-BE49-F238E27FC236}">
+                <a16:creationId xmlns:a16="http://schemas.microsoft.com/office/drawing/2014/main" id="{38BEF0C6-0D84-A648-D8BD-80B5DDB76218}"/>
+              </a:ext>
+            </a:extLst>
+          </p:cNvPr>
+          <p:cNvCxnSpPr>
+            <a:cxnSpLocks/>
+            <a:stCxn id="8" idx="3"/>
+            <a:endCxn id="13" idx="1"/>
+          </p:cNvCxnSpPr>
+          <p:nvPr/>
+        </p:nvCxnSpPr>
+        <p:spPr>
+          <a:xfrm flipV="1">
+            <a:off x="5847738" y="877371"/>
+            <a:ext cx="3561525" cy="271732"/>
+          </a:xfrm>
+          <a:prstGeom prst="curvedConnector3">
+            <a:avLst>
+              <a:gd name="adj1" fmla="val 50000"/>
+            </a:avLst>
+          </a:prstGeom>
+          <a:ln>
+            <a:tailEnd type="triangle"/>
+          </a:ln>
+        </p:spPr>
+        <p:style>
+          <a:lnRef idx="1">
+            <a:schemeClr val="dk1"/>
+          </a:lnRef>
+          <a:fillRef idx="0">
+            <a:schemeClr val="dk1"/>
+          </a:fillRef>
+          <a:effectRef idx="0">
+            <a:schemeClr val="dk1"/>
+          </a:effectRef>
+          <a:fontRef idx="minor">
+            <a:schemeClr val="tx1"/>
+          </a:fontRef>
+        </p:style>
+      </p:cxnSp>
+      <p:sp>
+        <p:nvSpPr>
+          <p:cNvPr id="2" name="직사각형 1">
+            <a:extLst>
+              <a:ext uri="{FF2B5EF4-FFF2-40B4-BE49-F238E27FC236}">
+                <a16:creationId xmlns:a16="http://schemas.microsoft.com/office/drawing/2014/main" id="{C95C37C7-2244-9AB9-7EBD-03DE16F29FF8}"/>
+              </a:ext>
+            </a:extLst>
+          </p:cNvPr>
+          <p:cNvSpPr/>
+          <p:nvPr/>
+        </p:nvSpPr>
+        <p:spPr>
+          <a:xfrm>
+            <a:off x="4614848" y="1998629"/>
+            <a:ext cx="1242204" cy="543464"/>
+          </a:xfrm>
+          <a:prstGeom prst="rect">
+            <a:avLst/>
+          </a:prstGeom>
+          <a:solidFill>
+            <a:srgbClr val="FFFF00"/>
+          </a:solidFill>
+        </p:spPr>
+        <p:style>
+          <a:lnRef idx="2">
+            <a:schemeClr val="accent4">
+              <a:shade val="50000"/>
+            </a:schemeClr>
+          </a:lnRef>
+          <a:fillRef idx="1">
+            <a:schemeClr val="accent4"/>
+          </a:fillRef>
+          <a:effectRef idx="0">
+            <a:schemeClr val="accent4"/>
+          </a:effectRef>
+          <a:fontRef idx="minor">
+            <a:schemeClr val="lt1"/>
+          </a:fontRef>
+        </p:style>
+        <p:txBody>
+          <a:bodyPr rtlCol="0" anchor="ctr"/>
+          <a:lstStyle/>
+          <a:p>
+            <a:pPr algn="ctr"/>
+            <a:endParaRPr kumimoji="1" lang="ko-Kore-KR" altLang="en-US" sz="1600" dirty="0">
+              <a:solidFill>
+                <a:schemeClr val="tx1"/>
+              </a:solidFill>
+              <a:latin typeface="DM Mono" panose="020B0509040201040103" pitchFamily="49" charset="0"/>
+            </a:endParaRPr>
+          </a:p>
+        </p:txBody>
+      </p:sp>
+      <p:sp>
+        <p:nvSpPr>
+          <p:cNvPr id="3" name="TextBox 2">
+            <a:extLst>
+              <a:ext uri="{FF2B5EF4-FFF2-40B4-BE49-F238E27FC236}">
+                <a16:creationId xmlns:a16="http://schemas.microsoft.com/office/drawing/2014/main" id="{2A189152-95FA-6318-D681-B44321D61697}"/>
+              </a:ext>
+            </a:extLst>
+          </p:cNvPr>
+          <p:cNvSpPr txBox="1"/>
+          <p:nvPr/>
+        </p:nvSpPr>
+        <p:spPr>
+          <a:xfrm>
+            <a:off x="3754349" y="2085695"/>
+            <a:ext cx="860499" cy="369332"/>
+          </a:xfrm>
+          <a:prstGeom prst="rect">
+            <a:avLst/>
+          </a:prstGeom>
+          <a:noFill/>
+        </p:spPr>
+        <p:txBody>
+          <a:bodyPr wrap="square">
+            <a:spAutoFit/>
+          </a:bodyPr>
+          <a:lstStyle/>
+          <a:p>
+            <a:pPr algn="r"/>
+            <a:r>
+              <a:rPr lang="en-US" altLang="ko-Kore-KR" dirty="0">
+                <a:latin typeface="DM Mono" panose="020B0509040201040103" pitchFamily="49" charset="0"/>
+              </a:rPr>
+              <a:t>ref</a:t>
+            </a:r>
+            <a:endParaRPr lang="ko-Kore-KR" altLang="en-US" dirty="0"/>
+          </a:p>
+        </p:txBody>
+      </p:sp>
+      <p:cxnSp>
+        <p:nvCxnSpPr>
+          <p:cNvPr id="4" name="구부러진 연결선[U] 3">
+            <a:extLst>
+              <a:ext uri="{FF2B5EF4-FFF2-40B4-BE49-F238E27FC236}">
+                <a16:creationId xmlns:a16="http://schemas.microsoft.com/office/drawing/2014/main" id="{81473FCD-36DE-44AC-FAFE-417D603220A6}"/>
+              </a:ext>
+            </a:extLst>
+          </p:cNvPr>
+          <p:cNvCxnSpPr>
+            <a:cxnSpLocks/>
+            <a:stCxn id="2" idx="3"/>
+            <a:endCxn id="16" idx="1"/>
+          </p:cNvCxnSpPr>
+          <p:nvPr/>
+        </p:nvCxnSpPr>
+        <p:spPr>
+          <a:xfrm flipV="1">
+            <a:off x="5857052" y="1971066"/>
+            <a:ext cx="4081128" cy="299295"/>
+          </a:xfrm>
+          <a:prstGeom prst="curvedConnector3">
+            <a:avLst>
+              <a:gd name="adj1" fmla="val 50000"/>
+            </a:avLst>
+          </a:prstGeom>
+          <a:ln>
+            <a:tailEnd type="triangle"/>
+          </a:ln>
+        </p:spPr>
+        <p:style>
+          <a:lnRef idx="1">
+            <a:schemeClr val="dk1"/>
+          </a:lnRef>
+          <a:fillRef idx="0">
+            <a:schemeClr val="dk1"/>
+          </a:fillRef>
+          <a:effectRef idx="0">
+            <a:schemeClr val="dk1"/>
+          </a:effectRef>
+          <a:fontRef idx="minor">
+            <a:schemeClr val="tx1"/>
+          </a:fontRef>
+        </p:style>
+      </p:cxnSp>
+      <p:sp>
+        <p:nvSpPr>
+          <p:cNvPr id="16" name="직사각형 15">
+            <a:extLst>
+              <a:ext uri="{FF2B5EF4-FFF2-40B4-BE49-F238E27FC236}">
+                <a16:creationId xmlns:a16="http://schemas.microsoft.com/office/drawing/2014/main" id="{E16BEFDB-5B75-CF39-00B5-DB8999CF238A}"/>
+              </a:ext>
+            </a:extLst>
+          </p:cNvPr>
+          <p:cNvSpPr/>
+          <p:nvPr/>
+        </p:nvSpPr>
+        <p:spPr>
+          <a:xfrm>
+            <a:off x="9938180" y="1699334"/>
+            <a:ext cx="1242204" cy="543464"/>
+          </a:xfrm>
+          <a:prstGeom prst="rect">
+            <a:avLst/>
+          </a:prstGeom>
+          <a:solidFill>
+            <a:srgbClr val="FFFF00"/>
+          </a:solidFill>
+        </p:spPr>
+        <p:style>
+          <a:lnRef idx="2">
+            <a:schemeClr val="accent4">
+              <a:shade val="50000"/>
+            </a:schemeClr>
+          </a:lnRef>
+          <a:fillRef idx="1">
+            <a:schemeClr val="accent4"/>
+          </a:fillRef>
+          <a:effectRef idx="0">
+            <a:schemeClr val="accent4"/>
+          </a:effectRef>
+          <a:fontRef idx="minor">
+            <a:schemeClr val="lt1"/>
+          </a:fontRef>
+        </p:style>
+        <p:txBody>
+          <a:bodyPr rtlCol="0" anchor="ctr"/>
+          <a:lstStyle/>
+          <a:p>
+            <a:pPr algn="ctr"/>
+            <a:r>
+              <a:rPr kumimoji="1" lang="en-US" altLang="ko-Kore-KR" sz="1600" dirty="0">
+                <a:solidFill>
+                  <a:srgbClr val="FF0000"/>
+                </a:solidFill>
+                <a:latin typeface="DM Mono" panose="020B0509040201040103" pitchFamily="49" charset="0"/>
+              </a:rPr>
+              <a:t>3</a:t>
+            </a:r>
+            <a:endParaRPr kumimoji="1" lang="ko-Kore-KR" altLang="en-US" sz="1600" dirty="0">
+              <a:solidFill>
+                <a:srgbClr val="FF0000"/>
+              </a:solidFill>
+              <a:latin typeface="DM Mono" panose="020B0509040201040103" pitchFamily="49" charset="0"/>
+            </a:endParaRPr>
+          </a:p>
+        </p:txBody>
+      </p:sp>
+      <p:sp>
+        <p:nvSpPr>
+          <p:cNvPr id="5" name="직사각형 4">
+            <a:extLst>
+              <a:ext uri="{FF2B5EF4-FFF2-40B4-BE49-F238E27FC236}">
+                <a16:creationId xmlns:a16="http://schemas.microsoft.com/office/drawing/2014/main" id="{E6C33E5C-8FCC-9613-7F77-50F9892FF0E5}"/>
+              </a:ext>
+            </a:extLst>
+          </p:cNvPr>
+          <p:cNvSpPr/>
+          <p:nvPr/>
+        </p:nvSpPr>
+        <p:spPr>
+          <a:xfrm>
+            <a:off x="4596220" y="3113343"/>
+            <a:ext cx="1242204" cy="543464"/>
+          </a:xfrm>
+          <a:prstGeom prst="rect">
+            <a:avLst/>
+          </a:prstGeom>
+          <a:solidFill>
+            <a:srgbClr val="FFFF00"/>
+          </a:solidFill>
+        </p:spPr>
+        <p:style>
+          <a:lnRef idx="2">
+            <a:schemeClr val="accent4">
+              <a:shade val="50000"/>
+            </a:schemeClr>
+          </a:lnRef>
+          <a:fillRef idx="1">
+            <a:schemeClr val="accent4"/>
+          </a:fillRef>
+          <a:effectRef idx="0">
+            <a:schemeClr val="accent4"/>
+          </a:effectRef>
+          <a:fontRef idx="minor">
+            <a:schemeClr val="lt1"/>
+          </a:fontRef>
+        </p:style>
+        <p:txBody>
+          <a:bodyPr rtlCol="0" anchor="ctr"/>
+          <a:lstStyle/>
+          <a:p>
+            <a:pPr algn="ctr"/>
+            <a:endParaRPr kumimoji="1" lang="ko-Kore-KR" altLang="en-US" sz="1600" dirty="0">
+              <a:solidFill>
+                <a:schemeClr val="tx1"/>
+              </a:solidFill>
+              <a:latin typeface="DM Mono" panose="020B0509040201040103" pitchFamily="49" charset="0"/>
+            </a:endParaRPr>
+          </a:p>
+        </p:txBody>
+      </p:sp>
+      <p:sp>
+        <p:nvSpPr>
+          <p:cNvPr id="6" name="TextBox 5">
+            <a:extLst>
+              <a:ext uri="{FF2B5EF4-FFF2-40B4-BE49-F238E27FC236}">
+                <a16:creationId xmlns:a16="http://schemas.microsoft.com/office/drawing/2014/main" id="{A6091E38-2397-AFA7-6497-7B61A09EE4E7}"/>
+              </a:ext>
+            </a:extLst>
+          </p:cNvPr>
+          <p:cNvSpPr txBox="1"/>
+          <p:nvPr/>
+        </p:nvSpPr>
+        <p:spPr>
+          <a:xfrm>
+            <a:off x="4777914" y="2735385"/>
+            <a:ext cx="878816" cy="369332"/>
+          </a:xfrm>
+          <a:prstGeom prst="rect">
+            <a:avLst/>
+          </a:prstGeom>
+          <a:noFill/>
+        </p:spPr>
+        <p:txBody>
+          <a:bodyPr wrap="square">
+            <a:spAutoFit/>
+          </a:bodyPr>
+          <a:lstStyle/>
+          <a:p>
+            <a:r>
+              <a:rPr lang="en-US" altLang="ko-Kore-KR" dirty="0">
+                <a:latin typeface="DM Mono" panose="020B0509040201040103" pitchFamily="49" charset="0"/>
+              </a:rPr>
+              <a:t>user2</a:t>
+            </a:r>
+            <a:endParaRPr lang="ko-Kore-KR" altLang="en-US" dirty="0"/>
+          </a:p>
+        </p:txBody>
+      </p:sp>
+      <p:sp>
+        <p:nvSpPr>
+          <p:cNvPr id="7" name="TextBox 6">
+            <a:extLst>
+              <a:ext uri="{FF2B5EF4-FFF2-40B4-BE49-F238E27FC236}">
+                <a16:creationId xmlns:a16="http://schemas.microsoft.com/office/drawing/2014/main" id="{DACC879E-ED80-8244-560B-88509E986ADA}"/>
+              </a:ext>
+            </a:extLst>
+          </p:cNvPr>
+          <p:cNvSpPr txBox="1"/>
+          <p:nvPr/>
+        </p:nvSpPr>
+        <p:spPr>
+          <a:xfrm>
+            <a:off x="3801871" y="3200409"/>
+            <a:ext cx="794349" cy="369332"/>
+          </a:xfrm>
+          <a:prstGeom prst="rect">
+            <a:avLst/>
+          </a:prstGeom>
+          <a:noFill/>
+        </p:spPr>
+        <p:txBody>
+          <a:bodyPr wrap="square">
+            <a:spAutoFit/>
+          </a:bodyPr>
+          <a:lstStyle/>
+          <a:p>
+            <a:pPr algn="r"/>
+            <a:r>
+              <a:rPr lang="en-US" altLang="ko-Kore-KR" dirty="0">
+                <a:latin typeface="DM Mono" panose="020B0509040201040103" pitchFamily="49" charset="0"/>
+              </a:rPr>
+              <a:t>name</a:t>
+            </a:r>
+            <a:endParaRPr lang="ko-Kore-KR" altLang="en-US" dirty="0"/>
+          </a:p>
+        </p:txBody>
+      </p:sp>
+      <p:sp>
+        <p:nvSpPr>
+          <p:cNvPr id="14" name="직사각형 13">
+            <a:extLst>
+              <a:ext uri="{FF2B5EF4-FFF2-40B4-BE49-F238E27FC236}">
+                <a16:creationId xmlns:a16="http://schemas.microsoft.com/office/drawing/2014/main" id="{AD39B08C-048A-2476-7F41-C973E4F855B4}"/>
+              </a:ext>
+            </a:extLst>
+          </p:cNvPr>
+          <p:cNvSpPr/>
+          <p:nvPr/>
+        </p:nvSpPr>
+        <p:spPr>
+          <a:xfrm>
+            <a:off x="4596220" y="3665433"/>
+            <a:ext cx="1242204" cy="543464"/>
+          </a:xfrm>
+          <a:prstGeom prst="rect">
+            <a:avLst/>
+          </a:prstGeom>
+          <a:solidFill>
+            <a:srgbClr val="FFFF00"/>
+          </a:solidFill>
+        </p:spPr>
+        <p:style>
+          <a:lnRef idx="2">
+            <a:schemeClr val="accent4">
+              <a:shade val="50000"/>
+            </a:schemeClr>
+          </a:lnRef>
+          <a:fillRef idx="1">
+            <a:schemeClr val="accent4"/>
+          </a:fillRef>
+          <a:effectRef idx="0">
+            <a:schemeClr val="accent4"/>
+          </a:effectRef>
+          <a:fontRef idx="minor">
+            <a:schemeClr val="lt1"/>
+          </a:fontRef>
+        </p:style>
+        <p:txBody>
+          <a:bodyPr rtlCol="0" anchor="ctr"/>
+          <a:lstStyle/>
+          <a:p>
+            <a:pPr algn="ctr"/>
+            <a:r>
+              <a:rPr kumimoji="1" lang="en-US" altLang="ko-Kore-KR" sz="1600" dirty="0">
+                <a:solidFill>
+                  <a:schemeClr val="tx1"/>
+                </a:solidFill>
+                <a:latin typeface="DM Mono" panose="020B0509040201040103" pitchFamily="49" charset="0"/>
+              </a:rPr>
+              <a:t>42</a:t>
+            </a:r>
+            <a:endParaRPr kumimoji="1" lang="ko-Kore-KR" altLang="en-US" sz="1600" dirty="0">
+              <a:solidFill>
+                <a:schemeClr val="tx1"/>
+              </a:solidFill>
+              <a:latin typeface="DM Mono" panose="020B0509040201040103" pitchFamily="49" charset="0"/>
+            </a:endParaRPr>
+          </a:p>
+        </p:txBody>
+      </p:sp>
+      <p:sp>
+        <p:nvSpPr>
+          <p:cNvPr id="17" name="TextBox 16">
+            <a:extLst>
+              <a:ext uri="{FF2B5EF4-FFF2-40B4-BE49-F238E27FC236}">
+                <a16:creationId xmlns:a16="http://schemas.microsoft.com/office/drawing/2014/main" id="{1409FDC9-B849-56F4-BE8B-7144AA94F2AF}"/>
+              </a:ext>
+            </a:extLst>
+          </p:cNvPr>
+          <p:cNvSpPr txBox="1"/>
+          <p:nvPr/>
+        </p:nvSpPr>
+        <p:spPr>
+          <a:xfrm>
+            <a:off x="3735721" y="3752499"/>
+            <a:ext cx="860499" cy="369332"/>
+          </a:xfrm>
+          <a:prstGeom prst="rect">
+            <a:avLst/>
+          </a:prstGeom>
+          <a:noFill/>
+        </p:spPr>
+        <p:txBody>
+          <a:bodyPr wrap="square">
+            <a:spAutoFit/>
+          </a:bodyPr>
+          <a:lstStyle/>
+          <a:p>
+            <a:pPr algn="r"/>
+            <a:r>
+              <a:rPr lang="en-US" altLang="ko-Kore-KR" dirty="0">
+                <a:latin typeface="DM Mono" panose="020B0509040201040103" pitchFamily="49" charset="0"/>
+              </a:rPr>
+              <a:t>age</a:t>
+            </a:r>
+            <a:endParaRPr lang="ko-Kore-KR" altLang="en-US" dirty="0"/>
+          </a:p>
+        </p:txBody>
+      </p:sp>
+      <p:sp>
+        <p:nvSpPr>
+          <p:cNvPr id="18" name="직사각형 17">
+            <a:extLst>
+              <a:ext uri="{FF2B5EF4-FFF2-40B4-BE49-F238E27FC236}">
+                <a16:creationId xmlns:a16="http://schemas.microsoft.com/office/drawing/2014/main" id="{19C278BA-1803-0122-FFEE-EB19ADAEF5A4}"/>
+              </a:ext>
+            </a:extLst>
+          </p:cNvPr>
+          <p:cNvSpPr/>
+          <p:nvPr/>
+        </p:nvSpPr>
+        <p:spPr>
+          <a:xfrm>
+            <a:off x="4605534" y="4234601"/>
+            <a:ext cx="1242204" cy="543464"/>
+          </a:xfrm>
+          <a:prstGeom prst="rect">
+            <a:avLst/>
+          </a:prstGeom>
+          <a:solidFill>
+            <a:srgbClr val="FFFF00"/>
+          </a:solidFill>
+        </p:spPr>
+        <p:style>
+          <a:lnRef idx="2">
+            <a:schemeClr val="accent4">
+              <a:shade val="50000"/>
+            </a:schemeClr>
+          </a:lnRef>
+          <a:fillRef idx="1">
+            <a:schemeClr val="accent4"/>
+          </a:fillRef>
+          <a:effectRef idx="0">
+            <a:schemeClr val="accent4"/>
+          </a:effectRef>
+          <a:fontRef idx="minor">
+            <a:schemeClr val="lt1"/>
+          </a:fontRef>
+        </p:style>
+        <p:txBody>
+          <a:bodyPr rtlCol="0" anchor="ctr"/>
+          <a:lstStyle/>
+          <a:p>
+            <a:pPr algn="ctr"/>
+            <a:endParaRPr kumimoji="1" lang="ko-Kore-KR" altLang="en-US" sz="1600" dirty="0">
+              <a:solidFill>
+                <a:schemeClr val="tx1"/>
+              </a:solidFill>
+              <a:latin typeface="DM Mono" panose="020B0509040201040103" pitchFamily="49" charset="0"/>
+            </a:endParaRPr>
+          </a:p>
+        </p:txBody>
+      </p:sp>
+      <p:sp>
+        <p:nvSpPr>
+          <p:cNvPr id="19" name="TextBox 18">
+            <a:extLst>
+              <a:ext uri="{FF2B5EF4-FFF2-40B4-BE49-F238E27FC236}">
+                <a16:creationId xmlns:a16="http://schemas.microsoft.com/office/drawing/2014/main" id="{DF324C46-11A5-24C4-CB71-A09F8B85506C}"/>
+              </a:ext>
+            </a:extLst>
+          </p:cNvPr>
+          <p:cNvSpPr txBox="1"/>
+          <p:nvPr/>
+        </p:nvSpPr>
+        <p:spPr>
+          <a:xfrm>
+            <a:off x="3745035" y="4321667"/>
+            <a:ext cx="860499" cy="369332"/>
+          </a:xfrm>
+          <a:prstGeom prst="rect">
+            <a:avLst/>
+          </a:prstGeom>
+          <a:noFill/>
+        </p:spPr>
+        <p:txBody>
+          <a:bodyPr wrap="square">
+            <a:spAutoFit/>
+          </a:bodyPr>
+          <a:lstStyle/>
+          <a:p>
+            <a:pPr algn="r"/>
+            <a:r>
+              <a:rPr lang="en-US" altLang="ko-Kore-KR" dirty="0">
+                <a:latin typeface="DM Mono" panose="020B0509040201040103" pitchFamily="49" charset="0"/>
+              </a:rPr>
+              <a:t>ref</a:t>
+            </a:r>
+            <a:endParaRPr lang="ko-Kore-KR" altLang="en-US" dirty="0"/>
+          </a:p>
+        </p:txBody>
+      </p:sp>
+      <p:cxnSp>
+        <p:nvCxnSpPr>
+          <p:cNvPr id="20" name="구부러진 연결선[U] 19">
+            <a:extLst>
+              <a:ext uri="{FF2B5EF4-FFF2-40B4-BE49-F238E27FC236}">
+                <a16:creationId xmlns:a16="http://schemas.microsoft.com/office/drawing/2014/main" id="{CEE2F542-0EE7-4861-0A14-FD9D33F7E671}"/>
+              </a:ext>
+            </a:extLst>
+          </p:cNvPr>
+          <p:cNvCxnSpPr>
+            <a:cxnSpLocks/>
+            <a:stCxn id="5" idx="3"/>
+            <a:endCxn id="13" idx="1"/>
+          </p:cNvCxnSpPr>
+          <p:nvPr/>
+        </p:nvCxnSpPr>
+        <p:spPr>
+          <a:xfrm flipV="1">
+            <a:off x="5838424" y="877371"/>
+            <a:ext cx="3570839" cy="2507704"/>
+          </a:xfrm>
+          <a:prstGeom prst="curvedConnector3">
+            <a:avLst>
+              <a:gd name="adj1" fmla="val 50000"/>
+            </a:avLst>
+          </a:prstGeom>
+          <a:ln>
+            <a:tailEnd type="triangle"/>
+          </a:ln>
+        </p:spPr>
+        <p:style>
+          <a:lnRef idx="1">
+            <a:schemeClr val="dk1"/>
+          </a:lnRef>
+          <a:fillRef idx="0">
+            <a:schemeClr val="dk1"/>
+          </a:fillRef>
+          <a:effectRef idx="0">
+            <a:schemeClr val="dk1"/>
+          </a:effectRef>
+          <a:fontRef idx="minor">
+            <a:schemeClr val="tx1"/>
+          </a:fontRef>
+        </p:style>
+      </p:cxnSp>
+      <p:cxnSp>
+        <p:nvCxnSpPr>
+          <p:cNvPr id="23" name="구부러진 연결선[U] 22">
+            <a:extLst>
+              <a:ext uri="{FF2B5EF4-FFF2-40B4-BE49-F238E27FC236}">
+                <a16:creationId xmlns:a16="http://schemas.microsoft.com/office/drawing/2014/main" id="{29BA4283-5308-7549-2435-9A9385FC5E27}"/>
+              </a:ext>
+            </a:extLst>
+          </p:cNvPr>
+          <p:cNvCxnSpPr>
+            <a:cxnSpLocks/>
+            <a:stCxn id="18" idx="3"/>
+            <a:endCxn id="16" idx="1"/>
+          </p:cNvCxnSpPr>
+          <p:nvPr/>
+        </p:nvCxnSpPr>
+        <p:spPr>
+          <a:xfrm flipV="1">
+            <a:off x="5847738" y="1971066"/>
+            <a:ext cx="4090442" cy="2535267"/>
+          </a:xfrm>
+          <a:prstGeom prst="curvedConnector3">
+            <a:avLst>
+              <a:gd name="adj1" fmla="val 50000"/>
+            </a:avLst>
+          </a:prstGeom>
+          <a:ln>
+            <a:tailEnd type="triangle"/>
+          </a:ln>
+        </p:spPr>
+        <p:style>
+          <a:lnRef idx="1">
+            <a:schemeClr val="dk1"/>
+          </a:lnRef>
+          <a:fillRef idx="0">
+            <a:schemeClr val="dk1"/>
+          </a:fillRef>
+          <a:effectRef idx="0">
+            <a:schemeClr val="dk1"/>
+          </a:effectRef>
+          <a:fontRef idx="minor">
+            <a:schemeClr val="tx1"/>
+          </a:fontRef>
+        </p:style>
+      </p:cxnSp>
+      <p:sp>
+        <p:nvSpPr>
+          <p:cNvPr id="21" name="직사각형 20">
+            <a:extLst>
+              <a:ext uri="{FF2B5EF4-FFF2-40B4-BE49-F238E27FC236}">
+                <a16:creationId xmlns:a16="http://schemas.microsoft.com/office/drawing/2014/main" id="{C5B3E1D2-DE83-E6FE-9B47-68D1797B7867}"/>
+              </a:ext>
+            </a:extLst>
+          </p:cNvPr>
+          <p:cNvSpPr/>
+          <p:nvPr/>
+        </p:nvSpPr>
+        <p:spPr>
+          <a:xfrm>
+            <a:off x="4586906" y="5223846"/>
+            <a:ext cx="1242204" cy="543464"/>
+          </a:xfrm>
+          <a:prstGeom prst="rect">
+            <a:avLst/>
+          </a:prstGeom>
+          <a:solidFill>
+            <a:srgbClr val="FFFF00"/>
+          </a:solidFill>
+        </p:spPr>
+        <p:style>
+          <a:lnRef idx="2">
+            <a:schemeClr val="accent4">
+              <a:shade val="50000"/>
+            </a:schemeClr>
+          </a:lnRef>
+          <a:fillRef idx="1">
+            <a:schemeClr val="accent4"/>
+          </a:fillRef>
+          <a:effectRef idx="0">
+            <a:schemeClr val="accent4"/>
+          </a:effectRef>
+          <a:fontRef idx="minor">
+            <a:schemeClr val="lt1"/>
+          </a:fontRef>
+        </p:style>
+        <p:txBody>
+          <a:bodyPr rtlCol="0" anchor="ctr"/>
+          <a:lstStyle/>
+          <a:p>
+            <a:pPr algn="ctr"/>
+            <a:endParaRPr kumimoji="1" lang="ko-Kore-KR" altLang="en-US" sz="1600" dirty="0">
+              <a:solidFill>
+                <a:schemeClr val="tx1"/>
+              </a:solidFill>
+              <a:latin typeface="DM Mono" panose="020B0509040201040103" pitchFamily="49" charset="0"/>
+            </a:endParaRPr>
+          </a:p>
+        </p:txBody>
+      </p:sp>
+      <p:sp>
+        <p:nvSpPr>
+          <p:cNvPr id="22" name="TextBox 21">
+            <a:extLst>
+              <a:ext uri="{FF2B5EF4-FFF2-40B4-BE49-F238E27FC236}">
+                <a16:creationId xmlns:a16="http://schemas.microsoft.com/office/drawing/2014/main" id="{7CB45D95-62FF-E4D3-8764-9334B1B24C6F}"/>
+              </a:ext>
+            </a:extLst>
+          </p:cNvPr>
+          <p:cNvSpPr txBox="1"/>
+          <p:nvPr/>
+        </p:nvSpPr>
+        <p:spPr>
+          <a:xfrm>
+            <a:off x="4768600" y="4845888"/>
+            <a:ext cx="878816" cy="369332"/>
+          </a:xfrm>
+          <a:prstGeom prst="rect">
+            <a:avLst/>
+          </a:prstGeom>
+          <a:noFill/>
+        </p:spPr>
+        <p:txBody>
+          <a:bodyPr wrap="square">
+            <a:spAutoFit/>
+          </a:bodyPr>
+          <a:lstStyle/>
+          <a:p>
+            <a:r>
+              <a:rPr lang="en-US" altLang="ko-Kore-KR" dirty="0">
+                <a:latin typeface="DM Mono" panose="020B0509040201040103" pitchFamily="49" charset="0"/>
+              </a:rPr>
+              <a:t>user3</a:t>
+            </a:r>
+            <a:endParaRPr lang="ko-Kore-KR" altLang="en-US" dirty="0"/>
+          </a:p>
+        </p:txBody>
+      </p:sp>
+      <p:sp>
+        <p:nvSpPr>
+          <p:cNvPr id="24" name="TextBox 23">
+            <a:extLst>
+              <a:ext uri="{FF2B5EF4-FFF2-40B4-BE49-F238E27FC236}">
+                <a16:creationId xmlns:a16="http://schemas.microsoft.com/office/drawing/2014/main" id="{3CED41A8-2715-4ABD-F206-0CF0CD228AB8}"/>
+              </a:ext>
+            </a:extLst>
+          </p:cNvPr>
+          <p:cNvSpPr txBox="1"/>
+          <p:nvPr/>
+        </p:nvSpPr>
+        <p:spPr>
+          <a:xfrm>
+            <a:off x="3792557" y="5310912"/>
+            <a:ext cx="794349" cy="369332"/>
+          </a:xfrm>
+          <a:prstGeom prst="rect">
+            <a:avLst/>
+          </a:prstGeom>
+          <a:noFill/>
+        </p:spPr>
+        <p:txBody>
+          <a:bodyPr wrap="square">
+            <a:spAutoFit/>
+          </a:bodyPr>
+          <a:lstStyle/>
+          <a:p>
+            <a:pPr algn="r"/>
+            <a:r>
+              <a:rPr lang="en-US" altLang="ko-Kore-KR" dirty="0">
+                <a:latin typeface="DM Mono" panose="020B0509040201040103" pitchFamily="49" charset="0"/>
+              </a:rPr>
+              <a:t>name</a:t>
+            </a:r>
+            <a:endParaRPr lang="ko-Kore-KR" altLang="en-US" dirty="0"/>
+          </a:p>
+        </p:txBody>
+      </p:sp>
+      <p:sp>
+        <p:nvSpPr>
+          <p:cNvPr id="25" name="직사각형 24">
+            <a:extLst>
+              <a:ext uri="{FF2B5EF4-FFF2-40B4-BE49-F238E27FC236}">
+                <a16:creationId xmlns:a16="http://schemas.microsoft.com/office/drawing/2014/main" id="{63B6CA4E-3220-0513-EC11-C90498D42DEF}"/>
+              </a:ext>
+            </a:extLst>
+          </p:cNvPr>
+          <p:cNvSpPr/>
+          <p:nvPr/>
+        </p:nvSpPr>
+        <p:spPr>
+          <a:xfrm>
+            <a:off x="4586906" y="5775936"/>
+            <a:ext cx="1242204" cy="543464"/>
+          </a:xfrm>
+          <a:prstGeom prst="rect">
+            <a:avLst/>
+          </a:prstGeom>
+          <a:solidFill>
+            <a:srgbClr val="FFFF00"/>
+          </a:solidFill>
+        </p:spPr>
+        <p:style>
+          <a:lnRef idx="2">
+            <a:schemeClr val="accent4">
+              <a:shade val="50000"/>
+            </a:schemeClr>
+          </a:lnRef>
+          <a:fillRef idx="1">
+            <a:schemeClr val="accent4"/>
+          </a:fillRef>
+          <a:effectRef idx="0">
+            <a:schemeClr val="accent4"/>
+          </a:effectRef>
+          <a:fontRef idx="minor">
+            <a:schemeClr val="lt1"/>
+          </a:fontRef>
+        </p:style>
+        <p:txBody>
+          <a:bodyPr rtlCol="0" anchor="ctr"/>
+          <a:lstStyle/>
+          <a:p>
+            <a:pPr algn="ctr"/>
+            <a:r>
+              <a:rPr kumimoji="1" lang="en-US" altLang="ko-Kore-KR" sz="1600" dirty="0">
+                <a:solidFill>
+                  <a:schemeClr val="tx1"/>
+                </a:solidFill>
+                <a:latin typeface="DM Mono" panose="020B0509040201040103" pitchFamily="49" charset="0"/>
+              </a:rPr>
+              <a:t>42</a:t>
+            </a:r>
+            <a:endParaRPr kumimoji="1" lang="ko-Kore-KR" altLang="en-US" sz="1600" dirty="0">
+              <a:solidFill>
+                <a:schemeClr val="tx1"/>
+              </a:solidFill>
+              <a:latin typeface="DM Mono" panose="020B0509040201040103" pitchFamily="49" charset="0"/>
+            </a:endParaRPr>
+          </a:p>
+        </p:txBody>
+      </p:sp>
+      <p:sp>
+        <p:nvSpPr>
+          <p:cNvPr id="26" name="TextBox 25">
+            <a:extLst>
+              <a:ext uri="{FF2B5EF4-FFF2-40B4-BE49-F238E27FC236}">
+                <a16:creationId xmlns:a16="http://schemas.microsoft.com/office/drawing/2014/main" id="{F45AA4CF-B33F-23C0-9C76-9971C84CF4A6}"/>
+              </a:ext>
+            </a:extLst>
+          </p:cNvPr>
+          <p:cNvSpPr txBox="1"/>
+          <p:nvPr/>
+        </p:nvSpPr>
+        <p:spPr>
+          <a:xfrm>
+            <a:off x="3726407" y="5863002"/>
+            <a:ext cx="860499" cy="369332"/>
+          </a:xfrm>
+          <a:prstGeom prst="rect">
+            <a:avLst/>
+          </a:prstGeom>
+          <a:noFill/>
+        </p:spPr>
+        <p:txBody>
+          <a:bodyPr wrap="square">
+            <a:spAutoFit/>
+          </a:bodyPr>
+          <a:lstStyle/>
+          <a:p>
+            <a:pPr algn="r"/>
+            <a:r>
+              <a:rPr lang="en-US" altLang="ko-Kore-KR" dirty="0">
+                <a:latin typeface="DM Mono" panose="020B0509040201040103" pitchFamily="49" charset="0"/>
+              </a:rPr>
+              <a:t>age</a:t>
+            </a:r>
+            <a:endParaRPr lang="ko-Kore-KR" altLang="en-US" dirty="0"/>
+          </a:p>
+        </p:txBody>
+      </p:sp>
+      <p:sp>
+        <p:nvSpPr>
+          <p:cNvPr id="27" name="직사각형 26">
+            <a:extLst>
+              <a:ext uri="{FF2B5EF4-FFF2-40B4-BE49-F238E27FC236}">
+                <a16:creationId xmlns:a16="http://schemas.microsoft.com/office/drawing/2014/main" id="{3DCC6389-23B7-BFB1-62A0-796B752C2B1F}"/>
+              </a:ext>
+            </a:extLst>
+          </p:cNvPr>
+          <p:cNvSpPr/>
+          <p:nvPr/>
+        </p:nvSpPr>
+        <p:spPr>
+          <a:xfrm>
+            <a:off x="4596220" y="6345104"/>
+            <a:ext cx="1242204" cy="543464"/>
+          </a:xfrm>
+          <a:prstGeom prst="rect">
+            <a:avLst/>
+          </a:prstGeom>
+          <a:solidFill>
+            <a:srgbClr val="FFFF00"/>
+          </a:solidFill>
+        </p:spPr>
+        <p:style>
+          <a:lnRef idx="2">
+            <a:schemeClr val="accent4">
+              <a:shade val="50000"/>
+            </a:schemeClr>
+          </a:lnRef>
+          <a:fillRef idx="1">
+            <a:schemeClr val="accent4"/>
+          </a:fillRef>
+          <a:effectRef idx="0">
+            <a:schemeClr val="accent4"/>
+          </a:effectRef>
+          <a:fontRef idx="minor">
+            <a:schemeClr val="lt1"/>
+          </a:fontRef>
+        </p:style>
+        <p:txBody>
+          <a:bodyPr rtlCol="0" anchor="ctr"/>
+          <a:lstStyle/>
+          <a:p>
+            <a:pPr algn="ctr"/>
+            <a:endParaRPr kumimoji="1" lang="ko-Kore-KR" altLang="en-US" sz="1600" dirty="0">
+              <a:solidFill>
+                <a:schemeClr val="tx1"/>
+              </a:solidFill>
+              <a:latin typeface="DM Mono" panose="020B0509040201040103" pitchFamily="49" charset="0"/>
+            </a:endParaRPr>
+          </a:p>
+        </p:txBody>
+      </p:sp>
+      <p:sp>
+        <p:nvSpPr>
+          <p:cNvPr id="28" name="TextBox 27">
+            <a:extLst>
+              <a:ext uri="{FF2B5EF4-FFF2-40B4-BE49-F238E27FC236}">
+                <a16:creationId xmlns:a16="http://schemas.microsoft.com/office/drawing/2014/main" id="{1D54EF37-2E5D-CDC8-D986-D1B0C35B4551}"/>
+              </a:ext>
+            </a:extLst>
+          </p:cNvPr>
+          <p:cNvSpPr txBox="1"/>
+          <p:nvPr/>
+        </p:nvSpPr>
+        <p:spPr>
+          <a:xfrm>
+            <a:off x="3735721" y="6432170"/>
+            <a:ext cx="860499" cy="369332"/>
+          </a:xfrm>
+          <a:prstGeom prst="rect">
+            <a:avLst/>
+          </a:prstGeom>
+          <a:noFill/>
+        </p:spPr>
+        <p:txBody>
+          <a:bodyPr wrap="square">
+            <a:spAutoFit/>
+          </a:bodyPr>
+          <a:lstStyle/>
+          <a:p>
+            <a:pPr algn="r"/>
+            <a:r>
+              <a:rPr lang="en-US" altLang="ko-Kore-KR" dirty="0">
+                <a:latin typeface="DM Mono" panose="020B0509040201040103" pitchFamily="49" charset="0"/>
+              </a:rPr>
+              <a:t>ref</a:t>
+            </a:r>
+            <a:endParaRPr lang="ko-Kore-KR" altLang="en-US" dirty="0"/>
+          </a:p>
+        </p:txBody>
+      </p:sp>
+      <p:cxnSp>
+        <p:nvCxnSpPr>
+          <p:cNvPr id="29" name="구부러진 연결선[U] 28">
+            <a:extLst>
+              <a:ext uri="{FF2B5EF4-FFF2-40B4-BE49-F238E27FC236}">
+                <a16:creationId xmlns:a16="http://schemas.microsoft.com/office/drawing/2014/main" id="{D154FB51-8F19-817A-B921-85B8987F9B8B}"/>
+              </a:ext>
+            </a:extLst>
+          </p:cNvPr>
+          <p:cNvCxnSpPr>
+            <a:cxnSpLocks/>
+            <a:stCxn id="21" idx="3"/>
+            <a:endCxn id="13" idx="1"/>
+          </p:cNvCxnSpPr>
+          <p:nvPr/>
+        </p:nvCxnSpPr>
+        <p:spPr>
+          <a:xfrm flipV="1">
+            <a:off x="5829110" y="877371"/>
+            <a:ext cx="3580153" cy="4618207"/>
+          </a:xfrm>
+          <a:prstGeom prst="curvedConnector3">
+            <a:avLst>
+              <a:gd name="adj1" fmla="val 50000"/>
+            </a:avLst>
+          </a:prstGeom>
+          <a:ln>
+            <a:tailEnd type="triangle"/>
+          </a:ln>
+        </p:spPr>
+        <p:style>
+          <a:lnRef idx="1">
+            <a:schemeClr val="dk1"/>
+          </a:lnRef>
+          <a:fillRef idx="0">
+            <a:schemeClr val="dk1"/>
+          </a:fillRef>
+          <a:effectRef idx="0">
+            <a:schemeClr val="dk1"/>
+          </a:effectRef>
+          <a:fontRef idx="minor">
+            <a:schemeClr val="tx1"/>
+          </a:fontRef>
+        </p:style>
+      </p:cxnSp>
+      <p:cxnSp>
+        <p:nvCxnSpPr>
+          <p:cNvPr id="32" name="구부러진 연결선[U] 31">
+            <a:extLst>
+              <a:ext uri="{FF2B5EF4-FFF2-40B4-BE49-F238E27FC236}">
+                <a16:creationId xmlns:a16="http://schemas.microsoft.com/office/drawing/2014/main" id="{40EF58A7-E22C-612D-084E-1DD081D0E91C}"/>
+              </a:ext>
+            </a:extLst>
+          </p:cNvPr>
+          <p:cNvCxnSpPr>
+            <a:cxnSpLocks/>
+            <a:stCxn id="27" idx="3"/>
+            <a:endCxn id="16" idx="1"/>
+          </p:cNvCxnSpPr>
+          <p:nvPr/>
+        </p:nvCxnSpPr>
+        <p:spPr>
+          <a:xfrm flipV="1">
+            <a:off x="5838424" y="1971066"/>
+            <a:ext cx="4099756" cy="4645770"/>
+          </a:xfrm>
+          <a:prstGeom prst="curvedConnector3">
+            <a:avLst>
+              <a:gd name="adj1" fmla="val 50000"/>
+            </a:avLst>
+          </a:prstGeom>
+          <a:ln>
+            <a:tailEnd type="triangle"/>
+          </a:ln>
+        </p:spPr>
+        <p:style>
+          <a:lnRef idx="1">
+            <a:schemeClr val="dk1"/>
+          </a:lnRef>
+          <a:fillRef idx="0">
+            <a:schemeClr val="dk1"/>
+          </a:fillRef>
+          <a:effectRef idx="0">
+            <a:schemeClr val="dk1"/>
+          </a:effectRef>
+          <a:fontRef idx="minor">
+            <a:schemeClr val="tx1"/>
+          </a:fontRef>
+        </p:style>
+      </p:cxnSp>
+    </p:spTree>
+    <p:extLst>
+      <p:ext uri="{BB962C8B-B14F-4D97-AF65-F5344CB8AC3E}">
+        <p14:creationId xmlns:p14="http://schemas.microsoft.com/office/powerpoint/2010/main" val="1359206773"/>
+      </p:ext>
+    </p:extLst>
+  </p:cSld>
+  <p:clrMapOvr>
+    <a:masterClrMapping/>
+  </p:clrMapOvr>
+</p:sld>
+</file>
+
+<file path=ppt/slides/slide18.xml><?xml version="1.0" encoding="utf-8"?>
+<p:sld xmlns:a="http://schemas.openxmlformats.org/drawingml/2006/main" xmlns:r="http://schemas.openxmlformats.org/officeDocument/2006/relationships" xmlns:p="http://schemas.openxmlformats.org/presentationml/2006/main">
+  <p:cSld>
+    <p:spTree>
+      <p:nvGrpSpPr>
+        <p:cNvPr id="1" name=""/>
+        <p:cNvGrpSpPr/>
+        <p:nvPr/>
+      </p:nvGrpSpPr>
+      <p:grpSpPr>
+        <a:xfrm>
+          <a:off x="0" y="0"/>
+          <a:ext cx="0" cy="0"/>
+          <a:chOff x="0" y="0"/>
+          <a:chExt cx="0" cy="0"/>
+        </a:xfrm>
+      </p:grpSpPr>
+      <p:sp>
+        <p:nvSpPr>
+          <p:cNvPr id="8" name="직사각형 7">
+            <a:extLst>
+              <a:ext uri="{FF2B5EF4-FFF2-40B4-BE49-F238E27FC236}">
+                <a16:creationId xmlns:a16="http://schemas.microsoft.com/office/drawing/2014/main" id="{B3BF2BFC-0B55-160D-55C6-F3BD3753D6EA}"/>
+              </a:ext>
+            </a:extLst>
+          </p:cNvPr>
+          <p:cNvSpPr/>
+          <p:nvPr/>
+        </p:nvSpPr>
+        <p:spPr>
+          <a:xfrm>
+            <a:off x="4605534" y="877371"/>
+            <a:ext cx="1242204" cy="543464"/>
+          </a:xfrm>
+          <a:prstGeom prst="rect">
+            <a:avLst/>
+          </a:prstGeom>
+          <a:solidFill>
+            <a:schemeClr val="accent2"/>
+          </a:solidFill>
+        </p:spPr>
+        <p:style>
+          <a:lnRef idx="2">
+            <a:schemeClr val="accent4">
+              <a:shade val="50000"/>
+            </a:schemeClr>
+          </a:lnRef>
+          <a:fillRef idx="1">
+            <a:schemeClr val="accent4"/>
+          </a:fillRef>
+          <a:effectRef idx="0">
+            <a:schemeClr val="accent4"/>
+          </a:effectRef>
+          <a:fontRef idx="minor">
+            <a:schemeClr val="lt1"/>
+          </a:fontRef>
+        </p:style>
+        <p:txBody>
+          <a:bodyPr rtlCol="0" anchor="ctr"/>
+          <a:lstStyle/>
+          <a:p>
+            <a:pPr algn="ctr"/>
+            <a:endParaRPr kumimoji="1" lang="ko-Kore-KR" altLang="en-US" sz="1600" dirty="0">
+              <a:solidFill>
+                <a:schemeClr val="tx1"/>
+              </a:solidFill>
+              <a:latin typeface="DM Mono" panose="020B0509040201040103" pitchFamily="49" charset="0"/>
+            </a:endParaRPr>
+          </a:p>
+        </p:txBody>
+      </p:sp>
+      <p:sp>
+        <p:nvSpPr>
+          <p:cNvPr id="9" name="TextBox 8">
+            <a:extLst>
+              <a:ext uri="{FF2B5EF4-FFF2-40B4-BE49-F238E27FC236}">
+                <a16:creationId xmlns:a16="http://schemas.microsoft.com/office/drawing/2014/main" id="{40F5470D-37AD-B379-4FF8-25D26C48836B}"/>
+              </a:ext>
+            </a:extLst>
+          </p:cNvPr>
+          <p:cNvSpPr txBox="1"/>
+          <p:nvPr/>
+        </p:nvSpPr>
+        <p:spPr>
+          <a:xfrm>
+            <a:off x="4787228" y="499413"/>
+            <a:ext cx="878816" cy="369332"/>
+          </a:xfrm>
+          <a:prstGeom prst="rect">
+            <a:avLst/>
+          </a:prstGeom>
+          <a:noFill/>
+        </p:spPr>
+        <p:txBody>
+          <a:bodyPr wrap="square">
+            <a:spAutoFit/>
+          </a:bodyPr>
+          <a:lstStyle/>
+          <a:p>
+            <a:r>
+              <a:rPr lang="en-US" altLang="ko-Kore-KR" dirty="0">
+                <a:latin typeface="DM Mono" panose="020B0509040201040103" pitchFamily="49" charset="0"/>
+              </a:rPr>
+              <a:t>user1</a:t>
+            </a:r>
+            <a:endParaRPr lang="ko-Kore-KR" altLang="en-US" dirty="0"/>
+          </a:p>
+        </p:txBody>
+      </p:sp>
+      <p:sp>
+        <p:nvSpPr>
+          <p:cNvPr id="10" name="TextBox 9">
+            <a:extLst>
+              <a:ext uri="{FF2B5EF4-FFF2-40B4-BE49-F238E27FC236}">
+                <a16:creationId xmlns:a16="http://schemas.microsoft.com/office/drawing/2014/main" id="{D1EE629E-DEFC-2D6D-FFFE-81A1816C48D8}"/>
+              </a:ext>
+            </a:extLst>
+          </p:cNvPr>
+          <p:cNvSpPr txBox="1"/>
+          <p:nvPr/>
+        </p:nvSpPr>
+        <p:spPr>
+          <a:xfrm>
+            <a:off x="3811185" y="964437"/>
+            <a:ext cx="794349" cy="369332"/>
+          </a:xfrm>
+          <a:prstGeom prst="rect">
+            <a:avLst/>
+          </a:prstGeom>
+          <a:noFill/>
+        </p:spPr>
+        <p:txBody>
+          <a:bodyPr wrap="square">
+            <a:spAutoFit/>
+          </a:bodyPr>
+          <a:lstStyle/>
+          <a:p>
+            <a:pPr algn="r"/>
+            <a:r>
+              <a:rPr lang="en-US" altLang="ko-Kore-KR" dirty="0">
+                <a:latin typeface="DM Mono" panose="020B0509040201040103" pitchFamily="49" charset="0"/>
+              </a:rPr>
+              <a:t>name</a:t>
+            </a:r>
+            <a:endParaRPr lang="ko-Kore-KR" altLang="en-US" dirty="0"/>
+          </a:p>
+        </p:txBody>
+      </p:sp>
+      <p:sp>
+        <p:nvSpPr>
+          <p:cNvPr id="11" name="직사각형 10">
+            <a:extLst>
+              <a:ext uri="{FF2B5EF4-FFF2-40B4-BE49-F238E27FC236}">
+                <a16:creationId xmlns:a16="http://schemas.microsoft.com/office/drawing/2014/main" id="{C8AFE9BD-EC5A-74EA-40A2-B58CD85470F8}"/>
+              </a:ext>
+            </a:extLst>
+          </p:cNvPr>
+          <p:cNvSpPr/>
+          <p:nvPr/>
+        </p:nvSpPr>
+        <p:spPr>
+          <a:xfrm>
+            <a:off x="4605534" y="1429461"/>
+            <a:ext cx="1242204" cy="543464"/>
+          </a:xfrm>
+          <a:prstGeom prst="rect">
+            <a:avLst/>
+          </a:prstGeom>
+          <a:solidFill>
+            <a:schemeClr val="accent2"/>
+          </a:solidFill>
+        </p:spPr>
+        <p:style>
+          <a:lnRef idx="2">
+            <a:schemeClr val="accent4">
+              <a:shade val="50000"/>
+            </a:schemeClr>
+          </a:lnRef>
+          <a:fillRef idx="1">
+            <a:schemeClr val="accent4"/>
+          </a:fillRef>
+          <a:effectRef idx="0">
+            <a:schemeClr val="accent4"/>
+          </a:effectRef>
+          <a:fontRef idx="minor">
+            <a:schemeClr val="lt1"/>
+          </a:fontRef>
+        </p:style>
+        <p:txBody>
+          <a:bodyPr rtlCol="0" anchor="ctr"/>
+          <a:lstStyle/>
+          <a:p>
+            <a:pPr algn="ctr"/>
+            <a:r>
+              <a:rPr kumimoji="1" lang="en-US" altLang="ko-Kore-KR" sz="1600" dirty="0">
+                <a:solidFill>
+                  <a:schemeClr val="tx1"/>
+                </a:solidFill>
+                <a:latin typeface="DM Mono" panose="020B0509040201040103" pitchFamily="49" charset="0"/>
+              </a:rPr>
+              <a:t>42</a:t>
+            </a:r>
+            <a:endParaRPr kumimoji="1" lang="ko-Kore-KR" altLang="en-US" sz="1600" dirty="0">
+              <a:solidFill>
+                <a:schemeClr val="tx1"/>
+              </a:solidFill>
+              <a:latin typeface="DM Mono" panose="020B0509040201040103" pitchFamily="49" charset="0"/>
+            </a:endParaRPr>
+          </a:p>
+        </p:txBody>
+      </p:sp>
+      <p:sp>
+        <p:nvSpPr>
+          <p:cNvPr id="12" name="TextBox 11">
+            <a:extLst>
+              <a:ext uri="{FF2B5EF4-FFF2-40B4-BE49-F238E27FC236}">
+                <a16:creationId xmlns:a16="http://schemas.microsoft.com/office/drawing/2014/main" id="{61E071AD-26B0-2AD5-0544-429B60751643}"/>
+              </a:ext>
+            </a:extLst>
+          </p:cNvPr>
+          <p:cNvSpPr txBox="1"/>
+          <p:nvPr/>
+        </p:nvSpPr>
+        <p:spPr>
+          <a:xfrm>
+            <a:off x="3745035" y="1516527"/>
+            <a:ext cx="860499" cy="369332"/>
+          </a:xfrm>
+          <a:prstGeom prst="rect">
+            <a:avLst/>
+          </a:prstGeom>
+          <a:noFill/>
+        </p:spPr>
+        <p:txBody>
+          <a:bodyPr wrap="square">
+            <a:spAutoFit/>
+          </a:bodyPr>
+          <a:lstStyle/>
+          <a:p>
+            <a:pPr algn="r"/>
+            <a:r>
+              <a:rPr lang="en-US" altLang="ko-Kore-KR" dirty="0">
+                <a:latin typeface="DM Mono" panose="020B0509040201040103" pitchFamily="49" charset="0"/>
+              </a:rPr>
+              <a:t>age</a:t>
+            </a:r>
+            <a:endParaRPr lang="ko-Kore-KR" altLang="en-US" dirty="0"/>
+          </a:p>
+        </p:txBody>
+      </p:sp>
+      <p:sp>
+        <p:nvSpPr>
+          <p:cNvPr id="13" name="직사각형 12">
+            <a:extLst>
+              <a:ext uri="{FF2B5EF4-FFF2-40B4-BE49-F238E27FC236}">
+                <a16:creationId xmlns:a16="http://schemas.microsoft.com/office/drawing/2014/main" id="{59B76654-A045-AC5D-7DD6-7340D6D98C38}"/>
+              </a:ext>
+            </a:extLst>
+          </p:cNvPr>
+          <p:cNvSpPr/>
+          <p:nvPr/>
+        </p:nvSpPr>
+        <p:spPr>
+          <a:xfrm>
+            <a:off x="9409263" y="605639"/>
+            <a:ext cx="1242204" cy="543464"/>
+          </a:xfrm>
+          <a:prstGeom prst="rect">
+            <a:avLst/>
+          </a:prstGeom>
+          <a:solidFill>
+            <a:srgbClr val="FFFF00"/>
+          </a:solidFill>
+        </p:spPr>
+        <p:style>
+          <a:lnRef idx="2">
+            <a:schemeClr val="accent4">
+              <a:shade val="50000"/>
+            </a:schemeClr>
+          </a:lnRef>
+          <a:fillRef idx="1">
+            <a:schemeClr val="accent4"/>
+          </a:fillRef>
+          <a:effectRef idx="0">
+            <a:schemeClr val="accent4"/>
+          </a:effectRef>
+          <a:fontRef idx="minor">
+            <a:schemeClr val="lt1"/>
+          </a:fontRef>
+        </p:style>
+        <p:txBody>
+          <a:bodyPr rtlCol="0" anchor="ctr"/>
+          <a:lstStyle/>
+          <a:p>
+            <a:pPr algn="ctr"/>
+            <a:r>
+              <a:rPr kumimoji="1" lang="en-US" altLang="ko-Kore-KR" sz="1600" dirty="0">
+                <a:solidFill>
+                  <a:schemeClr val="tx1"/>
+                </a:solidFill>
+                <a:latin typeface="DM Mono" panose="020B0509040201040103" pitchFamily="49" charset="0"/>
+              </a:rPr>
+              <a:t>“Tom”</a:t>
+            </a:r>
+            <a:endParaRPr kumimoji="1" lang="ko-Kore-KR" altLang="en-US" sz="1600" dirty="0">
+              <a:solidFill>
+                <a:schemeClr val="tx1"/>
+              </a:solidFill>
+              <a:latin typeface="DM Mono" panose="020B0509040201040103" pitchFamily="49" charset="0"/>
+            </a:endParaRPr>
+          </a:p>
+        </p:txBody>
+      </p:sp>
+      <p:cxnSp>
+        <p:nvCxnSpPr>
+          <p:cNvPr id="15" name="구부러진 연결선[U] 14">
+            <a:extLst>
+              <a:ext uri="{FF2B5EF4-FFF2-40B4-BE49-F238E27FC236}">
+                <a16:creationId xmlns:a16="http://schemas.microsoft.com/office/drawing/2014/main" id="{38BEF0C6-0D84-A648-D8BD-80B5DDB76218}"/>
+              </a:ext>
+            </a:extLst>
+          </p:cNvPr>
+          <p:cNvCxnSpPr>
+            <a:cxnSpLocks/>
+            <a:stCxn id="8" idx="3"/>
+            <a:endCxn id="13" idx="1"/>
+          </p:cNvCxnSpPr>
+          <p:nvPr/>
+        </p:nvCxnSpPr>
+        <p:spPr>
+          <a:xfrm flipV="1">
+            <a:off x="5847738" y="877371"/>
+            <a:ext cx="3561525" cy="271732"/>
+          </a:xfrm>
+          <a:prstGeom prst="curvedConnector3">
+            <a:avLst>
+              <a:gd name="adj1" fmla="val 50000"/>
+            </a:avLst>
+          </a:prstGeom>
+          <a:ln>
+            <a:tailEnd type="triangle"/>
+          </a:ln>
+        </p:spPr>
+        <p:style>
+          <a:lnRef idx="1">
+            <a:schemeClr val="dk1"/>
+          </a:lnRef>
+          <a:fillRef idx="0">
+            <a:schemeClr val="dk1"/>
+          </a:fillRef>
+          <a:effectRef idx="0">
+            <a:schemeClr val="dk1"/>
+          </a:effectRef>
+          <a:fontRef idx="minor">
+            <a:schemeClr val="tx1"/>
+          </a:fontRef>
+        </p:style>
+      </p:cxnSp>
+      <p:sp>
+        <p:nvSpPr>
+          <p:cNvPr id="2" name="직사각형 1">
+            <a:extLst>
+              <a:ext uri="{FF2B5EF4-FFF2-40B4-BE49-F238E27FC236}">
+                <a16:creationId xmlns:a16="http://schemas.microsoft.com/office/drawing/2014/main" id="{C95C37C7-2244-9AB9-7EBD-03DE16F29FF8}"/>
+              </a:ext>
+            </a:extLst>
+          </p:cNvPr>
+          <p:cNvSpPr/>
+          <p:nvPr/>
+        </p:nvSpPr>
+        <p:spPr>
+          <a:xfrm>
+            <a:off x="4614848" y="1998629"/>
+            <a:ext cx="1242204" cy="543464"/>
+          </a:xfrm>
+          <a:prstGeom prst="rect">
+            <a:avLst/>
+          </a:prstGeom>
+          <a:solidFill>
+            <a:schemeClr val="accent2"/>
+          </a:solidFill>
+        </p:spPr>
+        <p:style>
+          <a:lnRef idx="2">
+            <a:schemeClr val="accent4">
+              <a:shade val="50000"/>
+            </a:schemeClr>
+          </a:lnRef>
+          <a:fillRef idx="1">
+            <a:schemeClr val="accent4"/>
+          </a:fillRef>
+          <a:effectRef idx="0">
+            <a:schemeClr val="accent4"/>
+          </a:effectRef>
+          <a:fontRef idx="minor">
+            <a:schemeClr val="lt1"/>
+          </a:fontRef>
+        </p:style>
+        <p:txBody>
+          <a:bodyPr rtlCol="0" anchor="ctr"/>
+          <a:lstStyle/>
+          <a:p>
+            <a:pPr algn="ctr"/>
+            <a:endParaRPr kumimoji="1" lang="ko-Kore-KR" altLang="en-US" sz="1600" dirty="0">
+              <a:solidFill>
+                <a:schemeClr val="tx1"/>
+              </a:solidFill>
+              <a:latin typeface="DM Mono" panose="020B0509040201040103" pitchFamily="49" charset="0"/>
+            </a:endParaRPr>
+          </a:p>
+        </p:txBody>
+      </p:sp>
+      <p:sp>
+        <p:nvSpPr>
+          <p:cNvPr id="3" name="TextBox 2">
+            <a:extLst>
+              <a:ext uri="{FF2B5EF4-FFF2-40B4-BE49-F238E27FC236}">
+                <a16:creationId xmlns:a16="http://schemas.microsoft.com/office/drawing/2014/main" id="{2A189152-95FA-6318-D681-B44321D61697}"/>
+              </a:ext>
+            </a:extLst>
+          </p:cNvPr>
+          <p:cNvSpPr txBox="1"/>
+          <p:nvPr/>
+        </p:nvSpPr>
+        <p:spPr>
+          <a:xfrm>
+            <a:off x="3754349" y="2085695"/>
+            <a:ext cx="860499" cy="369332"/>
+          </a:xfrm>
+          <a:prstGeom prst="rect">
+            <a:avLst/>
+          </a:prstGeom>
+          <a:noFill/>
+        </p:spPr>
+        <p:txBody>
+          <a:bodyPr wrap="square">
+            <a:spAutoFit/>
+          </a:bodyPr>
+          <a:lstStyle/>
+          <a:p>
+            <a:pPr algn="r"/>
+            <a:r>
+              <a:rPr lang="en-US" altLang="ko-Kore-KR" dirty="0">
+                <a:latin typeface="DM Mono" panose="020B0509040201040103" pitchFamily="49" charset="0"/>
+              </a:rPr>
+              <a:t>ref</a:t>
+            </a:r>
+            <a:endParaRPr lang="ko-Kore-KR" altLang="en-US" dirty="0"/>
+          </a:p>
+        </p:txBody>
+      </p:sp>
+      <p:cxnSp>
+        <p:nvCxnSpPr>
+          <p:cNvPr id="4" name="구부러진 연결선[U] 3">
+            <a:extLst>
+              <a:ext uri="{FF2B5EF4-FFF2-40B4-BE49-F238E27FC236}">
+                <a16:creationId xmlns:a16="http://schemas.microsoft.com/office/drawing/2014/main" id="{81473FCD-36DE-44AC-FAFE-417D603220A6}"/>
+              </a:ext>
+            </a:extLst>
+          </p:cNvPr>
+          <p:cNvCxnSpPr>
+            <a:cxnSpLocks/>
+            <a:stCxn id="2" idx="3"/>
+            <a:endCxn id="16" idx="1"/>
+          </p:cNvCxnSpPr>
+          <p:nvPr/>
+        </p:nvCxnSpPr>
+        <p:spPr>
+          <a:xfrm flipV="1">
+            <a:off x="5857052" y="1971066"/>
+            <a:ext cx="4081128" cy="299295"/>
+          </a:xfrm>
+          <a:prstGeom prst="curvedConnector3">
+            <a:avLst>
+              <a:gd name="adj1" fmla="val 50000"/>
+            </a:avLst>
+          </a:prstGeom>
+          <a:ln>
+            <a:tailEnd type="triangle"/>
+          </a:ln>
+        </p:spPr>
+        <p:style>
+          <a:lnRef idx="1">
+            <a:schemeClr val="dk1"/>
+          </a:lnRef>
+          <a:fillRef idx="0">
+            <a:schemeClr val="dk1"/>
+          </a:fillRef>
+          <a:effectRef idx="0">
+            <a:schemeClr val="dk1"/>
+          </a:effectRef>
+          <a:fontRef idx="minor">
+            <a:schemeClr val="tx1"/>
+          </a:fontRef>
+        </p:style>
+      </p:cxnSp>
+      <p:sp>
+        <p:nvSpPr>
+          <p:cNvPr id="16" name="직사각형 15">
+            <a:extLst>
+              <a:ext uri="{FF2B5EF4-FFF2-40B4-BE49-F238E27FC236}">
+                <a16:creationId xmlns:a16="http://schemas.microsoft.com/office/drawing/2014/main" id="{E16BEFDB-5B75-CF39-00B5-DB8999CF238A}"/>
+              </a:ext>
+            </a:extLst>
+          </p:cNvPr>
+          <p:cNvSpPr/>
+          <p:nvPr/>
+        </p:nvSpPr>
+        <p:spPr>
+          <a:xfrm>
+            <a:off x="9938180" y="1699334"/>
+            <a:ext cx="1242204" cy="543464"/>
+          </a:xfrm>
+          <a:prstGeom prst="rect">
+            <a:avLst/>
+          </a:prstGeom>
+          <a:solidFill>
+            <a:srgbClr val="FFFF00"/>
+          </a:solidFill>
+        </p:spPr>
+        <p:style>
+          <a:lnRef idx="2">
+            <a:schemeClr val="accent4">
+              <a:shade val="50000"/>
+            </a:schemeClr>
+          </a:lnRef>
+          <a:fillRef idx="1">
+            <a:schemeClr val="accent4"/>
+          </a:fillRef>
+          <a:effectRef idx="0">
+            <a:schemeClr val="accent4"/>
+          </a:effectRef>
+          <a:fontRef idx="minor">
+            <a:schemeClr val="lt1"/>
+          </a:fontRef>
+        </p:style>
+        <p:txBody>
+          <a:bodyPr rtlCol="0" anchor="ctr"/>
+          <a:lstStyle/>
+          <a:p>
+            <a:pPr algn="ctr"/>
+            <a:r>
+              <a:rPr kumimoji="1" lang="en-US" altLang="ko-Kore-KR" sz="1600" dirty="0">
+                <a:solidFill>
+                  <a:srgbClr val="FF0000"/>
+                </a:solidFill>
+                <a:latin typeface="DM Mono" panose="020B0509040201040103" pitchFamily="49" charset="0"/>
+              </a:rPr>
+              <a:t>2</a:t>
+            </a:r>
+            <a:endParaRPr kumimoji="1" lang="ko-Kore-KR" altLang="en-US" sz="1600" dirty="0">
+              <a:solidFill>
+                <a:srgbClr val="FF0000"/>
+              </a:solidFill>
+              <a:latin typeface="DM Mono" panose="020B0509040201040103" pitchFamily="49" charset="0"/>
+            </a:endParaRPr>
+          </a:p>
+        </p:txBody>
+      </p:sp>
+      <p:sp>
+        <p:nvSpPr>
+          <p:cNvPr id="5" name="직사각형 4">
+            <a:extLst>
+              <a:ext uri="{FF2B5EF4-FFF2-40B4-BE49-F238E27FC236}">
+                <a16:creationId xmlns:a16="http://schemas.microsoft.com/office/drawing/2014/main" id="{E6C33E5C-8FCC-9613-7F77-50F9892FF0E5}"/>
+              </a:ext>
+            </a:extLst>
+          </p:cNvPr>
+          <p:cNvSpPr/>
+          <p:nvPr/>
+        </p:nvSpPr>
+        <p:spPr>
+          <a:xfrm>
+            <a:off x="4596220" y="3113343"/>
+            <a:ext cx="1242204" cy="543464"/>
+          </a:xfrm>
+          <a:prstGeom prst="rect">
+            <a:avLst/>
+          </a:prstGeom>
+          <a:solidFill>
+            <a:srgbClr val="FFFF00"/>
+          </a:solidFill>
+        </p:spPr>
+        <p:style>
+          <a:lnRef idx="2">
+            <a:schemeClr val="accent4">
+              <a:shade val="50000"/>
+            </a:schemeClr>
+          </a:lnRef>
+          <a:fillRef idx="1">
+            <a:schemeClr val="accent4"/>
+          </a:fillRef>
+          <a:effectRef idx="0">
+            <a:schemeClr val="accent4"/>
+          </a:effectRef>
+          <a:fontRef idx="minor">
+            <a:schemeClr val="lt1"/>
+          </a:fontRef>
+        </p:style>
+        <p:txBody>
+          <a:bodyPr rtlCol="0" anchor="ctr"/>
+          <a:lstStyle/>
+          <a:p>
+            <a:pPr algn="ctr"/>
+            <a:endParaRPr kumimoji="1" lang="ko-Kore-KR" altLang="en-US" sz="1600" dirty="0">
+              <a:solidFill>
+                <a:schemeClr val="tx1"/>
+              </a:solidFill>
+              <a:latin typeface="DM Mono" panose="020B0509040201040103" pitchFamily="49" charset="0"/>
+            </a:endParaRPr>
+          </a:p>
+        </p:txBody>
+      </p:sp>
+      <p:sp>
+        <p:nvSpPr>
+          <p:cNvPr id="6" name="TextBox 5">
+            <a:extLst>
+              <a:ext uri="{FF2B5EF4-FFF2-40B4-BE49-F238E27FC236}">
+                <a16:creationId xmlns:a16="http://schemas.microsoft.com/office/drawing/2014/main" id="{A6091E38-2397-AFA7-6497-7B61A09EE4E7}"/>
+              </a:ext>
+            </a:extLst>
+          </p:cNvPr>
+          <p:cNvSpPr txBox="1"/>
+          <p:nvPr/>
+        </p:nvSpPr>
+        <p:spPr>
+          <a:xfrm>
+            <a:off x="4777914" y="2735385"/>
+            <a:ext cx="878816" cy="369332"/>
+          </a:xfrm>
+          <a:prstGeom prst="rect">
+            <a:avLst/>
+          </a:prstGeom>
+          <a:noFill/>
+        </p:spPr>
+        <p:txBody>
+          <a:bodyPr wrap="square">
+            <a:spAutoFit/>
+          </a:bodyPr>
+          <a:lstStyle/>
+          <a:p>
+            <a:r>
+              <a:rPr lang="en-US" altLang="ko-Kore-KR" dirty="0">
+                <a:latin typeface="DM Mono" panose="020B0509040201040103" pitchFamily="49" charset="0"/>
+              </a:rPr>
+              <a:t>user2</a:t>
+            </a:r>
+            <a:endParaRPr lang="ko-Kore-KR" altLang="en-US" dirty="0"/>
+          </a:p>
+        </p:txBody>
+      </p:sp>
+      <p:sp>
+        <p:nvSpPr>
+          <p:cNvPr id="7" name="TextBox 6">
+            <a:extLst>
+              <a:ext uri="{FF2B5EF4-FFF2-40B4-BE49-F238E27FC236}">
+                <a16:creationId xmlns:a16="http://schemas.microsoft.com/office/drawing/2014/main" id="{DACC879E-ED80-8244-560B-88509E986ADA}"/>
+              </a:ext>
+            </a:extLst>
+          </p:cNvPr>
+          <p:cNvSpPr txBox="1"/>
+          <p:nvPr/>
+        </p:nvSpPr>
+        <p:spPr>
+          <a:xfrm>
+            <a:off x="3801871" y="3200409"/>
+            <a:ext cx="794349" cy="369332"/>
+          </a:xfrm>
+          <a:prstGeom prst="rect">
+            <a:avLst/>
+          </a:prstGeom>
+          <a:noFill/>
+        </p:spPr>
+        <p:txBody>
+          <a:bodyPr wrap="square">
+            <a:spAutoFit/>
+          </a:bodyPr>
+          <a:lstStyle/>
+          <a:p>
+            <a:pPr algn="r"/>
+            <a:r>
+              <a:rPr lang="en-US" altLang="ko-Kore-KR" dirty="0">
+                <a:latin typeface="DM Mono" panose="020B0509040201040103" pitchFamily="49" charset="0"/>
+              </a:rPr>
+              <a:t>name</a:t>
+            </a:r>
+            <a:endParaRPr lang="ko-Kore-KR" altLang="en-US" dirty="0"/>
+          </a:p>
+        </p:txBody>
+      </p:sp>
+      <p:sp>
+        <p:nvSpPr>
+          <p:cNvPr id="14" name="직사각형 13">
+            <a:extLst>
+              <a:ext uri="{FF2B5EF4-FFF2-40B4-BE49-F238E27FC236}">
+                <a16:creationId xmlns:a16="http://schemas.microsoft.com/office/drawing/2014/main" id="{AD39B08C-048A-2476-7F41-C973E4F855B4}"/>
+              </a:ext>
+            </a:extLst>
+          </p:cNvPr>
+          <p:cNvSpPr/>
+          <p:nvPr/>
+        </p:nvSpPr>
+        <p:spPr>
+          <a:xfrm>
+            <a:off x="4596220" y="3665433"/>
+            <a:ext cx="1242204" cy="543464"/>
+          </a:xfrm>
+          <a:prstGeom prst="rect">
+            <a:avLst/>
+          </a:prstGeom>
+          <a:solidFill>
+            <a:srgbClr val="FFFF00"/>
+          </a:solidFill>
+        </p:spPr>
+        <p:style>
+          <a:lnRef idx="2">
+            <a:schemeClr val="accent4">
+              <a:shade val="50000"/>
+            </a:schemeClr>
+          </a:lnRef>
+          <a:fillRef idx="1">
+            <a:schemeClr val="accent4"/>
+          </a:fillRef>
+          <a:effectRef idx="0">
+            <a:schemeClr val="accent4"/>
+          </a:effectRef>
+          <a:fontRef idx="minor">
+            <a:schemeClr val="lt1"/>
+          </a:fontRef>
+        </p:style>
+        <p:txBody>
+          <a:bodyPr rtlCol="0" anchor="ctr"/>
+          <a:lstStyle/>
+          <a:p>
+            <a:pPr algn="ctr"/>
+            <a:r>
+              <a:rPr kumimoji="1" lang="en-US" altLang="ko-Kore-KR" sz="1600" dirty="0">
+                <a:solidFill>
+                  <a:schemeClr val="tx1"/>
+                </a:solidFill>
+                <a:latin typeface="DM Mono" panose="020B0509040201040103" pitchFamily="49" charset="0"/>
+              </a:rPr>
+              <a:t>42</a:t>
+            </a:r>
+            <a:endParaRPr kumimoji="1" lang="ko-Kore-KR" altLang="en-US" sz="1600" dirty="0">
+              <a:solidFill>
+                <a:schemeClr val="tx1"/>
+              </a:solidFill>
+              <a:latin typeface="DM Mono" panose="020B0509040201040103" pitchFamily="49" charset="0"/>
+            </a:endParaRPr>
+          </a:p>
+        </p:txBody>
+      </p:sp>
+      <p:sp>
+        <p:nvSpPr>
+          <p:cNvPr id="17" name="TextBox 16">
+            <a:extLst>
+              <a:ext uri="{FF2B5EF4-FFF2-40B4-BE49-F238E27FC236}">
+                <a16:creationId xmlns:a16="http://schemas.microsoft.com/office/drawing/2014/main" id="{1409FDC9-B849-56F4-BE8B-7144AA94F2AF}"/>
+              </a:ext>
+            </a:extLst>
+          </p:cNvPr>
+          <p:cNvSpPr txBox="1"/>
+          <p:nvPr/>
+        </p:nvSpPr>
+        <p:spPr>
+          <a:xfrm>
+            <a:off x="3735721" y="3752499"/>
+            <a:ext cx="860499" cy="369332"/>
+          </a:xfrm>
+          <a:prstGeom prst="rect">
+            <a:avLst/>
+          </a:prstGeom>
+          <a:noFill/>
+        </p:spPr>
+        <p:txBody>
+          <a:bodyPr wrap="square">
+            <a:spAutoFit/>
+          </a:bodyPr>
+          <a:lstStyle/>
+          <a:p>
+            <a:pPr algn="r"/>
+            <a:r>
+              <a:rPr lang="en-US" altLang="ko-Kore-KR" dirty="0">
+                <a:latin typeface="DM Mono" panose="020B0509040201040103" pitchFamily="49" charset="0"/>
+              </a:rPr>
+              <a:t>age</a:t>
+            </a:r>
+            <a:endParaRPr lang="ko-Kore-KR" altLang="en-US" dirty="0"/>
+          </a:p>
+        </p:txBody>
+      </p:sp>
+      <p:sp>
+        <p:nvSpPr>
+          <p:cNvPr id="18" name="직사각형 17">
+            <a:extLst>
+              <a:ext uri="{FF2B5EF4-FFF2-40B4-BE49-F238E27FC236}">
+                <a16:creationId xmlns:a16="http://schemas.microsoft.com/office/drawing/2014/main" id="{19C278BA-1803-0122-FFEE-EB19ADAEF5A4}"/>
+              </a:ext>
+            </a:extLst>
+          </p:cNvPr>
+          <p:cNvSpPr/>
+          <p:nvPr/>
+        </p:nvSpPr>
+        <p:spPr>
+          <a:xfrm>
+            <a:off x="4605534" y="4234601"/>
+            <a:ext cx="1242204" cy="543464"/>
+          </a:xfrm>
+          <a:prstGeom prst="rect">
+            <a:avLst/>
+          </a:prstGeom>
+          <a:solidFill>
+            <a:srgbClr val="FFFF00"/>
+          </a:solidFill>
+        </p:spPr>
+        <p:style>
+          <a:lnRef idx="2">
+            <a:schemeClr val="accent4">
+              <a:shade val="50000"/>
+            </a:schemeClr>
+          </a:lnRef>
+          <a:fillRef idx="1">
+            <a:schemeClr val="accent4"/>
+          </a:fillRef>
+          <a:effectRef idx="0">
+            <a:schemeClr val="accent4"/>
+          </a:effectRef>
+          <a:fontRef idx="minor">
+            <a:schemeClr val="lt1"/>
+          </a:fontRef>
+        </p:style>
+        <p:txBody>
+          <a:bodyPr rtlCol="0" anchor="ctr"/>
+          <a:lstStyle/>
+          <a:p>
+            <a:pPr algn="ctr"/>
+            <a:endParaRPr kumimoji="1" lang="ko-Kore-KR" altLang="en-US" sz="1600" dirty="0">
+              <a:solidFill>
+                <a:schemeClr val="tx1"/>
+              </a:solidFill>
+              <a:latin typeface="DM Mono" panose="020B0509040201040103" pitchFamily="49" charset="0"/>
+            </a:endParaRPr>
+          </a:p>
+        </p:txBody>
+      </p:sp>
+      <p:sp>
+        <p:nvSpPr>
+          <p:cNvPr id="19" name="TextBox 18">
+            <a:extLst>
+              <a:ext uri="{FF2B5EF4-FFF2-40B4-BE49-F238E27FC236}">
+                <a16:creationId xmlns:a16="http://schemas.microsoft.com/office/drawing/2014/main" id="{DF324C46-11A5-24C4-CB71-A09F8B85506C}"/>
+              </a:ext>
+            </a:extLst>
+          </p:cNvPr>
+          <p:cNvSpPr txBox="1"/>
+          <p:nvPr/>
+        </p:nvSpPr>
+        <p:spPr>
+          <a:xfrm>
+            <a:off x="3745035" y="4321667"/>
+            <a:ext cx="860499" cy="369332"/>
+          </a:xfrm>
+          <a:prstGeom prst="rect">
+            <a:avLst/>
+          </a:prstGeom>
+          <a:noFill/>
+        </p:spPr>
+        <p:txBody>
+          <a:bodyPr wrap="square">
+            <a:spAutoFit/>
+          </a:bodyPr>
+          <a:lstStyle/>
+          <a:p>
+            <a:pPr algn="r"/>
+            <a:r>
+              <a:rPr lang="en-US" altLang="ko-Kore-KR" dirty="0">
+                <a:latin typeface="DM Mono" panose="020B0509040201040103" pitchFamily="49" charset="0"/>
+              </a:rPr>
+              <a:t>ref</a:t>
+            </a:r>
+            <a:endParaRPr lang="ko-Kore-KR" altLang="en-US" dirty="0"/>
+          </a:p>
+        </p:txBody>
+      </p:sp>
+      <p:cxnSp>
+        <p:nvCxnSpPr>
+          <p:cNvPr id="20" name="구부러진 연결선[U] 19">
+            <a:extLst>
+              <a:ext uri="{FF2B5EF4-FFF2-40B4-BE49-F238E27FC236}">
+                <a16:creationId xmlns:a16="http://schemas.microsoft.com/office/drawing/2014/main" id="{CEE2F542-0EE7-4861-0A14-FD9D33F7E671}"/>
+              </a:ext>
+            </a:extLst>
+          </p:cNvPr>
+          <p:cNvCxnSpPr>
+            <a:cxnSpLocks/>
+            <a:stCxn id="5" idx="3"/>
+            <a:endCxn id="13" idx="1"/>
+          </p:cNvCxnSpPr>
+          <p:nvPr/>
+        </p:nvCxnSpPr>
+        <p:spPr>
+          <a:xfrm flipV="1">
+            <a:off x="5838424" y="877371"/>
+            <a:ext cx="3570839" cy="2507704"/>
+          </a:xfrm>
+          <a:prstGeom prst="curvedConnector3">
+            <a:avLst>
+              <a:gd name="adj1" fmla="val 50000"/>
+            </a:avLst>
+          </a:prstGeom>
+          <a:ln>
+            <a:tailEnd type="triangle"/>
+          </a:ln>
+        </p:spPr>
+        <p:style>
+          <a:lnRef idx="1">
+            <a:schemeClr val="dk1"/>
+          </a:lnRef>
+          <a:fillRef idx="0">
+            <a:schemeClr val="dk1"/>
+          </a:fillRef>
+          <a:effectRef idx="0">
+            <a:schemeClr val="dk1"/>
+          </a:effectRef>
+          <a:fontRef idx="minor">
+            <a:schemeClr val="tx1"/>
+          </a:fontRef>
+        </p:style>
+      </p:cxnSp>
+      <p:cxnSp>
+        <p:nvCxnSpPr>
+          <p:cNvPr id="23" name="구부러진 연결선[U] 22">
+            <a:extLst>
+              <a:ext uri="{FF2B5EF4-FFF2-40B4-BE49-F238E27FC236}">
+                <a16:creationId xmlns:a16="http://schemas.microsoft.com/office/drawing/2014/main" id="{29BA4283-5308-7549-2435-9A9385FC5E27}"/>
+              </a:ext>
+            </a:extLst>
+          </p:cNvPr>
+          <p:cNvCxnSpPr>
+            <a:cxnSpLocks/>
+            <a:stCxn id="18" idx="3"/>
+            <a:endCxn id="16" idx="1"/>
+          </p:cNvCxnSpPr>
+          <p:nvPr/>
+        </p:nvCxnSpPr>
+        <p:spPr>
+          <a:xfrm flipV="1">
+            <a:off x="5847738" y="1971066"/>
+            <a:ext cx="4090442" cy="2535267"/>
+          </a:xfrm>
+          <a:prstGeom prst="curvedConnector3">
+            <a:avLst>
+              <a:gd name="adj1" fmla="val 50000"/>
+            </a:avLst>
+          </a:prstGeom>
+          <a:ln>
+            <a:tailEnd type="triangle"/>
+          </a:ln>
+        </p:spPr>
+        <p:style>
+          <a:lnRef idx="1">
+            <a:schemeClr val="dk1"/>
+          </a:lnRef>
+          <a:fillRef idx="0">
+            <a:schemeClr val="dk1"/>
+          </a:fillRef>
+          <a:effectRef idx="0">
+            <a:schemeClr val="dk1"/>
+          </a:effectRef>
+          <a:fontRef idx="minor">
+            <a:schemeClr val="tx1"/>
+          </a:fontRef>
+        </p:style>
+      </p:cxnSp>
+      <p:sp>
+        <p:nvSpPr>
+          <p:cNvPr id="21" name="직사각형 20">
+            <a:extLst>
+              <a:ext uri="{FF2B5EF4-FFF2-40B4-BE49-F238E27FC236}">
+                <a16:creationId xmlns:a16="http://schemas.microsoft.com/office/drawing/2014/main" id="{C5B3E1D2-DE83-E6FE-9B47-68D1797B7867}"/>
+              </a:ext>
+            </a:extLst>
+          </p:cNvPr>
+          <p:cNvSpPr/>
+          <p:nvPr/>
+        </p:nvSpPr>
+        <p:spPr>
+          <a:xfrm>
+            <a:off x="4586906" y="5223846"/>
+            <a:ext cx="1242204" cy="543464"/>
+          </a:xfrm>
+          <a:prstGeom prst="rect">
+            <a:avLst/>
+          </a:prstGeom>
+          <a:solidFill>
+            <a:srgbClr val="FFFF00"/>
+          </a:solidFill>
+        </p:spPr>
+        <p:style>
+          <a:lnRef idx="2">
+            <a:schemeClr val="accent4">
+              <a:shade val="50000"/>
+            </a:schemeClr>
+          </a:lnRef>
+          <a:fillRef idx="1">
+            <a:schemeClr val="accent4"/>
+          </a:fillRef>
+          <a:effectRef idx="0">
+            <a:schemeClr val="accent4"/>
+          </a:effectRef>
+          <a:fontRef idx="minor">
+            <a:schemeClr val="lt1"/>
+          </a:fontRef>
+        </p:style>
+        <p:txBody>
+          <a:bodyPr rtlCol="0" anchor="ctr"/>
+          <a:lstStyle/>
+          <a:p>
+            <a:pPr algn="ctr"/>
+            <a:endParaRPr kumimoji="1" lang="ko-Kore-KR" altLang="en-US" sz="1600" dirty="0">
+              <a:solidFill>
+                <a:schemeClr val="tx1"/>
+              </a:solidFill>
+              <a:latin typeface="DM Mono" panose="020B0509040201040103" pitchFamily="49" charset="0"/>
+            </a:endParaRPr>
+          </a:p>
+        </p:txBody>
+      </p:sp>
+      <p:sp>
+        <p:nvSpPr>
+          <p:cNvPr id="22" name="TextBox 21">
+            <a:extLst>
+              <a:ext uri="{FF2B5EF4-FFF2-40B4-BE49-F238E27FC236}">
+                <a16:creationId xmlns:a16="http://schemas.microsoft.com/office/drawing/2014/main" id="{7CB45D95-62FF-E4D3-8764-9334B1B24C6F}"/>
+              </a:ext>
+            </a:extLst>
+          </p:cNvPr>
+          <p:cNvSpPr txBox="1"/>
+          <p:nvPr/>
+        </p:nvSpPr>
+        <p:spPr>
+          <a:xfrm>
+            <a:off x="4768600" y="4845888"/>
+            <a:ext cx="878816" cy="369332"/>
+          </a:xfrm>
+          <a:prstGeom prst="rect">
+            <a:avLst/>
+          </a:prstGeom>
+          <a:noFill/>
+        </p:spPr>
+        <p:txBody>
+          <a:bodyPr wrap="square">
+            <a:spAutoFit/>
+          </a:bodyPr>
+          <a:lstStyle/>
+          <a:p>
+            <a:r>
+              <a:rPr lang="en-US" altLang="ko-Kore-KR" dirty="0">
+                <a:latin typeface="DM Mono" panose="020B0509040201040103" pitchFamily="49" charset="0"/>
+              </a:rPr>
+              <a:t>user3</a:t>
+            </a:r>
+            <a:endParaRPr lang="ko-Kore-KR" altLang="en-US" dirty="0"/>
+          </a:p>
+        </p:txBody>
+      </p:sp>
+      <p:sp>
+        <p:nvSpPr>
+          <p:cNvPr id="24" name="TextBox 23">
+            <a:extLst>
+              <a:ext uri="{FF2B5EF4-FFF2-40B4-BE49-F238E27FC236}">
+                <a16:creationId xmlns:a16="http://schemas.microsoft.com/office/drawing/2014/main" id="{3CED41A8-2715-4ABD-F206-0CF0CD228AB8}"/>
+              </a:ext>
+            </a:extLst>
+          </p:cNvPr>
+          <p:cNvSpPr txBox="1"/>
+          <p:nvPr/>
+        </p:nvSpPr>
+        <p:spPr>
+          <a:xfrm>
+            <a:off x="3792557" y="5310912"/>
+            <a:ext cx="794349" cy="369332"/>
+          </a:xfrm>
+          <a:prstGeom prst="rect">
+            <a:avLst/>
+          </a:prstGeom>
+          <a:noFill/>
+        </p:spPr>
+        <p:txBody>
+          <a:bodyPr wrap="square">
+            <a:spAutoFit/>
+          </a:bodyPr>
+          <a:lstStyle/>
+          <a:p>
+            <a:pPr algn="r"/>
+            <a:r>
+              <a:rPr lang="en-US" altLang="ko-Kore-KR" dirty="0">
+                <a:latin typeface="DM Mono" panose="020B0509040201040103" pitchFamily="49" charset="0"/>
+              </a:rPr>
+              <a:t>name</a:t>
+            </a:r>
+            <a:endParaRPr lang="ko-Kore-KR" altLang="en-US" dirty="0"/>
+          </a:p>
+        </p:txBody>
+      </p:sp>
+      <p:sp>
+        <p:nvSpPr>
+          <p:cNvPr id="25" name="직사각형 24">
+            <a:extLst>
+              <a:ext uri="{FF2B5EF4-FFF2-40B4-BE49-F238E27FC236}">
+                <a16:creationId xmlns:a16="http://schemas.microsoft.com/office/drawing/2014/main" id="{63B6CA4E-3220-0513-EC11-C90498D42DEF}"/>
+              </a:ext>
+            </a:extLst>
+          </p:cNvPr>
+          <p:cNvSpPr/>
+          <p:nvPr/>
+        </p:nvSpPr>
+        <p:spPr>
+          <a:xfrm>
+            <a:off x="4586906" y="5775936"/>
+            <a:ext cx="1242204" cy="543464"/>
+          </a:xfrm>
+          <a:prstGeom prst="rect">
+            <a:avLst/>
+          </a:prstGeom>
+          <a:solidFill>
+            <a:srgbClr val="FFFF00"/>
+          </a:solidFill>
+        </p:spPr>
+        <p:style>
+          <a:lnRef idx="2">
+            <a:schemeClr val="accent4">
+              <a:shade val="50000"/>
+            </a:schemeClr>
+          </a:lnRef>
+          <a:fillRef idx="1">
+            <a:schemeClr val="accent4"/>
+          </a:fillRef>
+          <a:effectRef idx="0">
+            <a:schemeClr val="accent4"/>
+          </a:effectRef>
+          <a:fontRef idx="minor">
+            <a:schemeClr val="lt1"/>
+          </a:fontRef>
+        </p:style>
+        <p:txBody>
+          <a:bodyPr rtlCol="0" anchor="ctr"/>
+          <a:lstStyle/>
+          <a:p>
+            <a:pPr algn="ctr"/>
+            <a:r>
+              <a:rPr kumimoji="1" lang="en-US" altLang="ko-Kore-KR" sz="1600" dirty="0">
+                <a:solidFill>
+                  <a:schemeClr val="tx1"/>
+                </a:solidFill>
+                <a:latin typeface="DM Mono" panose="020B0509040201040103" pitchFamily="49" charset="0"/>
+              </a:rPr>
+              <a:t>42</a:t>
+            </a:r>
+            <a:endParaRPr kumimoji="1" lang="ko-Kore-KR" altLang="en-US" sz="1600" dirty="0">
+              <a:solidFill>
+                <a:schemeClr val="tx1"/>
+              </a:solidFill>
+              <a:latin typeface="DM Mono" panose="020B0509040201040103" pitchFamily="49" charset="0"/>
+            </a:endParaRPr>
+          </a:p>
+        </p:txBody>
+      </p:sp>
+      <p:sp>
+        <p:nvSpPr>
+          <p:cNvPr id="26" name="TextBox 25">
+            <a:extLst>
+              <a:ext uri="{FF2B5EF4-FFF2-40B4-BE49-F238E27FC236}">
+                <a16:creationId xmlns:a16="http://schemas.microsoft.com/office/drawing/2014/main" id="{F45AA4CF-B33F-23C0-9C76-9971C84CF4A6}"/>
+              </a:ext>
+            </a:extLst>
+          </p:cNvPr>
+          <p:cNvSpPr txBox="1"/>
+          <p:nvPr/>
+        </p:nvSpPr>
+        <p:spPr>
+          <a:xfrm>
+            <a:off x="3726407" y="5863002"/>
+            <a:ext cx="860499" cy="369332"/>
+          </a:xfrm>
+          <a:prstGeom prst="rect">
+            <a:avLst/>
+          </a:prstGeom>
+          <a:noFill/>
+        </p:spPr>
+        <p:txBody>
+          <a:bodyPr wrap="square">
+            <a:spAutoFit/>
+          </a:bodyPr>
+          <a:lstStyle/>
+          <a:p>
+            <a:pPr algn="r"/>
+            <a:r>
+              <a:rPr lang="en-US" altLang="ko-Kore-KR" dirty="0">
+                <a:latin typeface="DM Mono" panose="020B0509040201040103" pitchFamily="49" charset="0"/>
+              </a:rPr>
+              <a:t>age</a:t>
+            </a:r>
+            <a:endParaRPr lang="ko-Kore-KR" altLang="en-US" dirty="0"/>
+          </a:p>
+        </p:txBody>
+      </p:sp>
+      <p:sp>
+        <p:nvSpPr>
+          <p:cNvPr id="27" name="직사각형 26">
+            <a:extLst>
+              <a:ext uri="{FF2B5EF4-FFF2-40B4-BE49-F238E27FC236}">
+                <a16:creationId xmlns:a16="http://schemas.microsoft.com/office/drawing/2014/main" id="{3DCC6389-23B7-BFB1-62A0-796B752C2B1F}"/>
+              </a:ext>
+            </a:extLst>
+          </p:cNvPr>
+          <p:cNvSpPr/>
+          <p:nvPr/>
+        </p:nvSpPr>
+        <p:spPr>
+          <a:xfrm>
+            <a:off x="4596220" y="6345104"/>
+            <a:ext cx="1242204" cy="543464"/>
+          </a:xfrm>
+          <a:prstGeom prst="rect">
+            <a:avLst/>
+          </a:prstGeom>
+          <a:solidFill>
+            <a:srgbClr val="FFFF00"/>
+          </a:solidFill>
+        </p:spPr>
+        <p:style>
+          <a:lnRef idx="2">
+            <a:schemeClr val="accent4">
+              <a:shade val="50000"/>
+            </a:schemeClr>
+          </a:lnRef>
+          <a:fillRef idx="1">
+            <a:schemeClr val="accent4"/>
+          </a:fillRef>
+          <a:effectRef idx="0">
+            <a:schemeClr val="accent4"/>
+          </a:effectRef>
+          <a:fontRef idx="minor">
+            <a:schemeClr val="lt1"/>
+          </a:fontRef>
+        </p:style>
+        <p:txBody>
+          <a:bodyPr rtlCol="0" anchor="ctr"/>
+          <a:lstStyle/>
+          <a:p>
+            <a:pPr algn="ctr"/>
+            <a:endParaRPr kumimoji="1" lang="ko-Kore-KR" altLang="en-US" sz="1600" dirty="0">
+              <a:solidFill>
+                <a:schemeClr val="tx1"/>
+              </a:solidFill>
+              <a:latin typeface="DM Mono" panose="020B0509040201040103" pitchFamily="49" charset="0"/>
+            </a:endParaRPr>
+          </a:p>
+        </p:txBody>
+      </p:sp>
+      <p:sp>
+        <p:nvSpPr>
+          <p:cNvPr id="28" name="TextBox 27">
+            <a:extLst>
+              <a:ext uri="{FF2B5EF4-FFF2-40B4-BE49-F238E27FC236}">
+                <a16:creationId xmlns:a16="http://schemas.microsoft.com/office/drawing/2014/main" id="{1D54EF37-2E5D-CDC8-D986-D1B0C35B4551}"/>
+              </a:ext>
+            </a:extLst>
+          </p:cNvPr>
+          <p:cNvSpPr txBox="1"/>
+          <p:nvPr/>
+        </p:nvSpPr>
+        <p:spPr>
+          <a:xfrm>
+            <a:off x="3735721" y="6432170"/>
+            <a:ext cx="860499" cy="369332"/>
+          </a:xfrm>
+          <a:prstGeom prst="rect">
+            <a:avLst/>
+          </a:prstGeom>
+          <a:noFill/>
+        </p:spPr>
+        <p:txBody>
+          <a:bodyPr wrap="square">
+            <a:spAutoFit/>
+          </a:bodyPr>
+          <a:lstStyle/>
+          <a:p>
+            <a:pPr algn="r"/>
+            <a:r>
+              <a:rPr lang="en-US" altLang="ko-Kore-KR" dirty="0">
+                <a:latin typeface="DM Mono" panose="020B0509040201040103" pitchFamily="49" charset="0"/>
+              </a:rPr>
+              <a:t>ref</a:t>
+            </a:r>
+            <a:endParaRPr lang="ko-Kore-KR" altLang="en-US" dirty="0"/>
+          </a:p>
+        </p:txBody>
+      </p:sp>
+      <p:cxnSp>
+        <p:nvCxnSpPr>
+          <p:cNvPr id="29" name="구부러진 연결선[U] 28">
+            <a:extLst>
+              <a:ext uri="{FF2B5EF4-FFF2-40B4-BE49-F238E27FC236}">
+                <a16:creationId xmlns:a16="http://schemas.microsoft.com/office/drawing/2014/main" id="{D154FB51-8F19-817A-B921-85B8987F9B8B}"/>
+              </a:ext>
+            </a:extLst>
+          </p:cNvPr>
+          <p:cNvCxnSpPr>
+            <a:cxnSpLocks/>
+            <a:stCxn id="21" idx="3"/>
+            <a:endCxn id="13" idx="1"/>
+          </p:cNvCxnSpPr>
+          <p:nvPr/>
+        </p:nvCxnSpPr>
+        <p:spPr>
+          <a:xfrm flipV="1">
+            <a:off x="5829110" y="877371"/>
+            <a:ext cx="3580153" cy="4618207"/>
+          </a:xfrm>
+          <a:prstGeom prst="curvedConnector3">
+            <a:avLst>
+              <a:gd name="adj1" fmla="val 50000"/>
+            </a:avLst>
+          </a:prstGeom>
+          <a:ln>
+            <a:tailEnd type="triangle"/>
+          </a:ln>
+        </p:spPr>
+        <p:style>
+          <a:lnRef idx="1">
+            <a:schemeClr val="dk1"/>
+          </a:lnRef>
+          <a:fillRef idx="0">
+            <a:schemeClr val="dk1"/>
+          </a:fillRef>
+          <a:effectRef idx="0">
+            <a:schemeClr val="dk1"/>
+          </a:effectRef>
+          <a:fontRef idx="minor">
+            <a:schemeClr val="tx1"/>
+          </a:fontRef>
+        </p:style>
+      </p:cxnSp>
+      <p:cxnSp>
+        <p:nvCxnSpPr>
+          <p:cNvPr id="32" name="구부러진 연결선[U] 31">
+            <a:extLst>
+              <a:ext uri="{FF2B5EF4-FFF2-40B4-BE49-F238E27FC236}">
+                <a16:creationId xmlns:a16="http://schemas.microsoft.com/office/drawing/2014/main" id="{40EF58A7-E22C-612D-084E-1DD081D0E91C}"/>
+              </a:ext>
+            </a:extLst>
+          </p:cNvPr>
+          <p:cNvCxnSpPr>
+            <a:cxnSpLocks/>
+            <a:stCxn id="27" idx="3"/>
+            <a:endCxn id="16" idx="1"/>
+          </p:cNvCxnSpPr>
+          <p:nvPr/>
+        </p:nvCxnSpPr>
+        <p:spPr>
+          <a:xfrm flipV="1">
+            <a:off x="5838424" y="1971066"/>
+            <a:ext cx="4099756" cy="4645770"/>
+          </a:xfrm>
+          <a:prstGeom prst="curvedConnector3">
+            <a:avLst>
+              <a:gd name="adj1" fmla="val 50000"/>
+            </a:avLst>
+          </a:prstGeom>
+          <a:ln>
+            <a:tailEnd type="triangle"/>
+          </a:ln>
+        </p:spPr>
+        <p:style>
+          <a:lnRef idx="1">
+            <a:schemeClr val="dk1"/>
+          </a:lnRef>
+          <a:fillRef idx="0">
+            <a:schemeClr val="dk1"/>
+          </a:fillRef>
+          <a:effectRef idx="0">
+            <a:schemeClr val="dk1"/>
+          </a:effectRef>
+          <a:fontRef idx="minor">
+            <a:schemeClr val="tx1"/>
+          </a:fontRef>
+        </p:style>
+      </p:cxnSp>
+    </p:spTree>
+    <p:extLst>
+      <p:ext uri="{BB962C8B-B14F-4D97-AF65-F5344CB8AC3E}">
+        <p14:creationId xmlns:p14="http://schemas.microsoft.com/office/powerpoint/2010/main" val="3852506614"/>
+      </p:ext>
+    </p:extLst>
+  </p:cSld>
+  <p:clrMapOvr>
+    <a:masterClrMapping/>
+  </p:clrMapOvr>
+</p:sld>
+</file>
+
+<file path=ppt/slides/slide19.xml><?xml version="1.0" encoding="utf-8"?>
+<p:sld xmlns:a="http://schemas.openxmlformats.org/drawingml/2006/main" xmlns:r="http://schemas.openxmlformats.org/officeDocument/2006/relationships" xmlns:p="http://schemas.openxmlformats.org/presentationml/2006/main">
+  <p:cSld>
+    <p:spTree>
+      <p:nvGrpSpPr>
+        <p:cNvPr id="1" name=""/>
+        <p:cNvGrpSpPr/>
+        <p:nvPr/>
+      </p:nvGrpSpPr>
+      <p:grpSpPr>
+        <a:xfrm>
+          <a:off x="0" y="0"/>
+          <a:ext cx="0" cy="0"/>
+          <a:chOff x="0" y="0"/>
+          <a:chExt cx="0" cy="0"/>
+        </a:xfrm>
+      </p:grpSpPr>
+      <p:sp>
+        <p:nvSpPr>
+          <p:cNvPr id="13" name="직사각형 12">
+            <a:extLst>
+              <a:ext uri="{FF2B5EF4-FFF2-40B4-BE49-F238E27FC236}">
+                <a16:creationId xmlns:a16="http://schemas.microsoft.com/office/drawing/2014/main" id="{59B76654-A045-AC5D-7DD6-7340D6D98C38}"/>
+              </a:ext>
+            </a:extLst>
+          </p:cNvPr>
+          <p:cNvSpPr/>
+          <p:nvPr/>
+        </p:nvSpPr>
+        <p:spPr>
+          <a:xfrm>
+            <a:off x="9409263" y="605639"/>
+            <a:ext cx="1242204" cy="543464"/>
+          </a:xfrm>
+          <a:prstGeom prst="rect">
+            <a:avLst/>
+          </a:prstGeom>
+          <a:solidFill>
+            <a:srgbClr val="FFFF00"/>
+          </a:solidFill>
+        </p:spPr>
+        <p:style>
+          <a:lnRef idx="2">
+            <a:schemeClr val="accent4">
+              <a:shade val="50000"/>
+            </a:schemeClr>
+          </a:lnRef>
+          <a:fillRef idx="1">
+            <a:schemeClr val="accent4"/>
+          </a:fillRef>
+          <a:effectRef idx="0">
+            <a:schemeClr val="accent4"/>
+          </a:effectRef>
+          <a:fontRef idx="minor">
+            <a:schemeClr val="lt1"/>
+          </a:fontRef>
+        </p:style>
+        <p:txBody>
+          <a:bodyPr rtlCol="0" anchor="ctr"/>
+          <a:lstStyle/>
+          <a:p>
+            <a:pPr algn="ctr"/>
+            <a:r>
+              <a:rPr kumimoji="1" lang="en-US" altLang="ko-Kore-KR" sz="1600" dirty="0">
+                <a:solidFill>
+                  <a:schemeClr val="tx1"/>
+                </a:solidFill>
+                <a:latin typeface="DM Mono" panose="020B0509040201040103" pitchFamily="49" charset="0"/>
+              </a:rPr>
+              <a:t>“Tom”</a:t>
+            </a:r>
+            <a:endParaRPr kumimoji="1" lang="ko-Kore-KR" altLang="en-US" sz="1600" dirty="0">
+              <a:solidFill>
+                <a:schemeClr val="tx1"/>
+              </a:solidFill>
+              <a:latin typeface="DM Mono" panose="020B0509040201040103" pitchFamily="49" charset="0"/>
+            </a:endParaRPr>
+          </a:p>
+        </p:txBody>
+      </p:sp>
+      <p:sp>
+        <p:nvSpPr>
+          <p:cNvPr id="16" name="직사각형 15">
+            <a:extLst>
+              <a:ext uri="{FF2B5EF4-FFF2-40B4-BE49-F238E27FC236}">
+                <a16:creationId xmlns:a16="http://schemas.microsoft.com/office/drawing/2014/main" id="{E16BEFDB-5B75-CF39-00B5-DB8999CF238A}"/>
+              </a:ext>
+            </a:extLst>
+          </p:cNvPr>
+          <p:cNvSpPr/>
+          <p:nvPr/>
+        </p:nvSpPr>
+        <p:spPr>
+          <a:xfrm>
+            <a:off x="9938180" y="1699334"/>
+            <a:ext cx="1242204" cy="543464"/>
+          </a:xfrm>
+          <a:prstGeom prst="rect">
+            <a:avLst/>
+          </a:prstGeom>
+          <a:solidFill>
+            <a:srgbClr val="FFFF00"/>
+          </a:solidFill>
+        </p:spPr>
+        <p:style>
+          <a:lnRef idx="2">
+            <a:schemeClr val="accent4">
+              <a:shade val="50000"/>
+            </a:schemeClr>
+          </a:lnRef>
+          <a:fillRef idx="1">
+            <a:schemeClr val="accent4"/>
+          </a:fillRef>
+          <a:effectRef idx="0">
+            <a:schemeClr val="accent4"/>
+          </a:effectRef>
+          <a:fontRef idx="minor">
+            <a:schemeClr val="lt1"/>
+          </a:fontRef>
+        </p:style>
+        <p:txBody>
+          <a:bodyPr rtlCol="0" anchor="ctr"/>
+          <a:lstStyle/>
+          <a:p>
+            <a:pPr algn="ctr"/>
+            <a:r>
+              <a:rPr kumimoji="1" lang="en-US" altLang="ko-Kore-KR" sz="1600" dirty="0">
+                <a:solidFill>
+                  <a:srgbClr val="FF0000"/>
+                </a:solidFill>
+                <a:latin typeface="DM Mono" panose="020B0509040201040103" pitchFamily="49" charset="0"/>
+              </a:rPr>
+              <a:t>1</a:t>
+            </a:r>
+            <a:endParaRPr kumimoji="1" lang="ko-Kore-KR" altLang="en-US" sz="1600" dirty="0">
+              <a:solidFill>
+                <a:srgbClr val="FF0000"/>
+              </a:solidFill>
+              <a:latin typeface="DM Mono" panose="020B0509040201040103" pitchFamily="49" charset="0"/>
+            </a:endParaRPr>
+          </a:p>
+        </p:txBody>
+      </p:sp>
+      <p:sp>
+        <p:nvSpPr>
+          <p:cNvPr id="5" name="직사각형 4">
+            <a:extLst>
+              <a:ext uri="{FF2B5EF4-FFF2-40B4-BE49-F238E27FC236}">
+                <a16:creationId xmlns:a16="http://schemas.microsoft.com/office/drawing/2014/main" id="{E6C33E5C-8FCC-9613-7F77-50F9892FF0E5}"/>
+              </a:ext>
+            </a:extLst>
+          </p:cNvPr>
+          <p:cNvSpPr/>
+          <p:nvPr/>
+        </p:nvSpPr>
+        <p:spPr>
+          <a:xfrm>
+            <a:off x="4596220" y="3113343"/>
+            <a:ext cx="1242204" cy="543464"/>
+          </a:xfrm>
+          <a:prstGeom prst="rect">
+            <a:avLst/>
+          </a:prstGeom>
+          <a:solidFill>
+            <a:schemeClr val="accent2"/>
+          </a:solidFill>
+        </p:spPr>
+        <p:style>
+          <a:lnRef idx="2">
+            <a:schemeClr val="accent4">
+              <a:shade val="50000"/>
+            </a:schemeClr>
+          </a:lnRef>
+          <a:fillRef idx="1">
+            <a:schemeClr val="accent4"/>
+          </a:fillRef>
+          <a:effectRef idx="0">
+            <a:schemeClr val="accent4"/>
+          </a:effectRef>
+          <a:fontRef idx="minor">
+            <a:schemeClr val="lt1"/>
+          </a:fontRef>
+        </p:style>
+        <p:txBody>
+          <a:bodyPr rtlCol="0" anchor="ctr"/>
+          <a:lstStyle/>
+          <a:p>
+            <a:pPr algn="ctr"/>
+            <a:endParaRPr kumimoji="1" lang="ko-Kore-KR" altLang="en-US" sz="1600" dirty="0">
+              <a:solidFill>
+                <a:schemeClr val="tx1"/>
+              </a:solidFill>
+              <a:latin typeface="DM Mono" panose="020B0509040201040103" pitchFamily="49" charset="0"/>
+            </a:endParaRPr>
+          </a:p>
+        </p:txBody>
+      </p:sp>
+      <p:sp>
+        <p:nvSpPr>
+          <p:cNvPr id="6" name="TextBox 5">
+            <a:extLst>
+              <a:ext uri="{FF2B5EF4-FFF2-40B4-BE49-F238E27FC236}">
+                <a16:creationId xmlns:a16="http://schemas.microsoft.com/office/drawing/2014/main" id="{A6091E38-2397-AFA7-6497-7B61A09EE4E7}"/>
+              </a:ext>
+            </a:extLst>
+          </p:cNvPr>
+          <p:cNvSpPr txBox="1"/>
+          <p:nvPr/>
+        </p:nvSpPr>
+        <p:spPr>
+          <a:xfrm>
+            <a:off x="4777914" y="2735385"/>
+            <a:ext cx="878816" cy="369332"/>
+          </a:xfrm>
+          <a:prstGeom prst="rect">
+            <a:avLst/>
+          </a:prstGeom>
+          <a:noFill/>
+        </p:spPr>
+        <p:txBody>
+          <a:bodyPr wrap="square">
+            <a:spAutoFit/>
+          </a:bodyPr>
+          <a:lstStyle/>
+          <a:p>
+            <a:r>
+              <a:rPr lang="en-US" altLang="ko-Kore-KR" dirty="0">
+                <a:latin typeface="DM Mono" panose="020B0509040201040103" pitchFamily="49" charset="0"/>
+              </a:rPr>
+              <a:t>user2</a:t>
+            </a:r>
+            <a:endParaRPr lang="ko-Kore-KR" altLang="en-US" dirty="0"/>
+          </a:p>
+        </p:txBody>
+      </p:sp>
+      <p:sp>
+        <p:nvSpPr>
+          <p:cNvPr id="7" name="TextBox 6">
+            <a:extLst>
+              <a:ext uri="{FF2B5EF4-FFF2-40B4-BE49-F238E27FC236}">
+                <a16:creationId xmlns:a16="http://schemas.microsoft.com/office/drawing/2014/main" id="{DACC879E-ED80-8244-560B-88509E986ADA}"/>
+              </a:ext>
+            </a:extLst>
+          </p:cNvPr>
+          <p:cNvSpPr txBox="1"/>
+          <p:nvPr/>
+        </p:nvSpPr>
+        <p:spPr>
+          <a:xfrm>
+            <a:off x="3801871" y="3200409"/>
+            <a:ext cx="794349" cy="369332"/>
+          </a:xfrm>
+          <a:prstGeom prst="rect">
+            <a:avLst/>
+          </a:prstGeom>
+          <a:noFill/>
+        </p:spPr>
+        <p:txBody>
+          <a:bodyPr wrap="square">
+            <a:spAutoFit/>
+          </a:bodyPr>
+          <a:lstStyle/>
+          <a:p>
+            <a:pPr algn="r"/>
+            <a:r>
+              <a:rPr lang="en-US" altLang="ko-Kore-KR" dirty="0">
+                <a:latin typeface="DM Mono" panose="020B0509040201040103" pitchFamily="49" charset="0"/>
+              </a:rPr>
+              <a:t>name</a:t>
+            </a:r>
+            <a:endParaRPr lang="ko-Kore-KR" altLang="en-US" dirty="0"/>
+          </a:p>
+        </p:txBody>
+      </p:sp>
+      <p:sp>
+        <p:nvSpPr>
+          <p:cNvPr id="14" name="직사각형 13">
+            <a:extLst>
+              <a:ext uri="{FF2B5EF4-FFF2-40B4-BE49-F238E27FC236}">
+                <a16:creationId xmlns:a16="http://schemas.microsoft.com/office/drawing/2014/main" id="{AD39B08C-048A-2476-7F41-C973E4F855B4}"/>
+              </a:ext>
+            </a:extLst>
+          </p:cNvPr>
+          <p:cNvSpPr/>
+          <p:nvPr/>
+        </p:nvSpPr>
+        <p:spPr>
+          <a:xfrm>
+            <a:off x="4596220" y="3665433"/>
+            <a:ext cx="1242204" cy="543464"/>
+          </a:xfrm>
+          <a:prstGeom prst="rect">
+            <a:avLst/>
+          </a:prstGeom>
+          <a:solidFill>
+            <a:schemeClr val="accent2"/>
+          </a:solidFill>
+        </p:spPr>
+        <p:style>
+          <a:lnRef idx="2">
+            <a:schemeClr val="accent4">
+              <a:shade val="50000"/>
+            </a:schemeClr>
+          </a:lnRef>
+          <a:fillRef idx="1">
+            <a:schemeClr val="accent4"/>
+          </a:fillRef>
+          <a:effectRef idx="0">
+            <a:schemeClr val="accent4"/>
+          </a:effectRef>
+          <a:fontRef idx="minor">
+            <a:schemeClr val="lt1"/>
+          </a:fontRef>
+        </p:style>
+        <p:txBody>
+          <a:bodyPr rtlCol="0" anchor="ctr"/>
+          <a:lstStyle/>
+          <a:p>
+            <a:pPr algn="ctr"/>
+            <a:r>
+              <a:rPr kumimoji="1" lang="en-US" altLang="ko-Kore-KR" sz="1600" dirty="0">
+                <a:solidFill>
+                  <a:schemeClr val="tx1"/>
+                </a:solidFill>
+                <a:latin typeface="DM Mono" panose="020B0509040201040103" pitchFamily="49" charset="0"/>
+              </a:rPr>
+              <a:t>42</a:t>
+            </a:r>
+            <a:endParaRPr kumimoji="1" lang="ko-Kore-KR" altLang="en-US" sz="1600" dirty="0">
+              <a:solidFill>
+                <a:schemeClr val="tx1"/>
+              </a:solidFill>
+              <a:latin typeface="DM Mono" panose="020B0509040201040103" pitchFamily="49" charset="0"/>
+            </a:endParaRPr>
+          </a:p>
+        </p:txBody>
+      </p:sp>
+      <p:sp>
+        <p:nvSpPr>
+          <p:cNvPr id="17" name="TextBox 16">
+            <a:extLst>
+              <a:ext uri="{FF2B5EF4-FFF2-40B4-BE49-F238E27FC236}">
+                <a16:creationId xmlns:a16="http://schemas.microsoft.com/office/drawing/2014/main" id="{1409FDC9-B849-56F4-BE8B-7144AA94F2AF}"/>
+              </a:ext>
+            </a:extLst>
+          </p:cNvPr>
+          <p:cNvSpPr txBox="1"/>
+          <p:nvPr/>
+        </p:nvSpPr>
+        <p:spPr>
+          <a:xfrm>
+            <a:off x="3735721" y="3752499"/>
+            <a:ext cx="860499" cy="369332"/>
+          </a:xfrm>
+          <a:prstGeom prst="rect">
+            <a:avLst/>
+          </a:prstGeom>
+          <a:noFill/>
+        </p:spPr>
+        <p:txBody>
+          <a:bodyPr wrap="square">
+            <a:spAutoFit/>
+          </a:bodyPr>
+          <a:lstStyle/>
+          <a:p>
+            <a:pPr algn="r"/>
+            <a:r>
+              <a:rPr lang="en-US" altLang="ko-Kore-KR" dirty="0">
+                <a:latin typeface="DM Mono" panose="020B0509040201040103" pitchFamily="49" charset="0"/>
+              </a:rPr>
+              <a:t>age</a:t>
+            </a:r>
+            <a:endParaRPr lang="ko-Kore-KR" altLang="en-US" dirty="0"/>
+          </a:p>
+        </p:txBody>
+      </p:sp>
+      <p:sp>
+        <p:nvSpPr>
+          <p:cNvPr id="18" name="직사각형 17">
+            <a:extLst>
+              <a:ext uri="{FF2B5EF4-FFF2-40B4-BE49-F238E27FC236}">
+                <a16:creationId xmlns:a16="http://schemas.microsoft.com/office/drawing/2014/main" id="{19C278BA-1803-0122-FFEE-EB19ADAEF5A4}"/>
+              </a:ext>
+            </a:extLst>
+          </p:cNvPr>
+          <p:cNvSpPr/>
+          <p:nvPr/>
+        </p:nvSpPr>
+        <p:spPr>
+          <a:xfrm>
+            <a:off x="4605534" y="4234601"/>
+            <a:ext cx="1242204" cy="543464"/>
+          </a:xfrm>
+          <a:prstGeom prst="rect">
+            <a:avLst/>
+          </a:prstGeom>
+          <a:solidFill>
+            <a:schemeClr val="accent2"/>
+          </a:solidFill>
+        </p:spPr>
+        <p:style>
+          <a:lnRef idx="2">
+            <a:schemeClr val="accent4">
+              <a:shade val="50000"/>
+            </a:schemeClr>
+          </a:lnRef>
+          <a:fillRef idx="1">
+            <a:schemeClr val="accent4"/>
+          </a:fillRef>
+          <a:effectRef idx="0">
+            <a:schemeClr val="accent4"/>
+          </a:effectRef>
+          <a:fontRef idx="minor">
+            <a:schemeClr val="lt1"/>
+          </a:fontRef>
+        </p:style>
+        <p:txBody>
+          <a:bodyPr rtlCol="0" anchor="ctr"/>
+          <a:lstStyle/>
+          <a:p>
+            <a:pPr algn="ctr"/>
+            <a:endParaRPr kumimoji="1" lang="ko-Kore-KR" altLang="en-US" sz="1600" dirty="0">
+              <a:solidFill>
+                <a:schemeClr val="tx1"/>
+              </a:solidFill>
+              <a:latin typeface="DM Mono" panose="020B0509040201040103" pitchFamily="49" charset="0"/>
+            </a:endParaRPr>
+          </a:p>
+        </p:txBody>
+      </p:sp>
+      <p:sp>
+        <p:nvSpPr>
+          <p:cNvPr id="19" name="TextBox 18">
+            <a:extLst>
+              <a:ext uri="{FF2B5EF4-FFF2-40B4-BE49-F238E27FC236}">
+                <a16:creationId xmlns:a16="http://schemas.microsoft.com/office/drawing/2014/main" id="{DF324C46-11A5-24C4-CB71-A09F8B85506C}"/>
+              </a:ext>
+            </a:extLst>
+          </p:cNvPr>
+          <p:cNvSpPr txBox="1"/>
+          <p:nvPr/>
+        </p:nvSpPr>
+        <p:spPr>
+          <a:xfrm>
+            <a:off x="3745035" y="4321667"/>
+            <a:ext cx="860499" cy="369332"/>
+          </a:xfrm>
+          <a:prstGeom prst="rect">
+            <a:avLst/>
+          </a:prstGeom>
+          <a:noFill/>
+        </p:spPr>
+        <p:txBody>
+          <a:bodyPr wrap="square">
+            <a:spAutoFit/>
+          </a:bodyPr>
+          <a:lstStyle/>
+          <a:p>
+            <a:pPr algn="r"/>
+            <a:r>
+              <a:rPr lang="en-US" altLang="ko-Kore-KR" dirty="0">
+                <a:latin typeface="DM Mono" panose="020B0509040201040103" pitchFamily="49" charset="0"/>
+              </a:rPr>
+              <a:t>ref</a:t>
+            </a:r>
+            <a:endParaRPr lang="ko-Kore-KR" altLang="en-US" dirty="0"/>
+          </a:p>
+        </p:txBody>
+      </p:sp>
+      <p:cxnSp>
+        <p:nvCxnSpPr>
+          <p:cNvPr id="20" name="구부러진 연결선[U] 19">
+            <a:extLst>
+              <a:ext uri="{FF2B5EF4-FFF2-40B4-BE49-F238E27FC236}">
+                <a16:creationId xmlns:a16="http://schemas.microsoft.com/office/drawing/2014/main" id="{CEE2F542-0EE7-4861-0A14-FD9D33F7E671}"/>
+              </a:ext>
+            </a:extLst>
+          </p:cNvPr>
+          <p:cNvCxnSpPr>
+            <a:cxnSpLocks/>
+            <a:stCxn id="5" idx="3"/>
+            <a:endCxn id="13" idx="1"/>
+          </p:cNvCxnSpPr>
+          <p:nvPr/>
+        </p:nvCxnSpPr>
+        <p:spPr>
+          <a:xfrm flipV="1">
+            <a:off x="5838424" y="877371"/>
+            <a:ext cx="3570839" cy="2507704"/>
+          </a:xfrm>
+          <a:prstGeom prst="curvedConnector3">
+            <a:avLst>
+              <a:gd name="adj1" fmla="val 50000"/>
+            </a:avLst>
+          </a:prstGeom>
+          <a:ln>
+            <a:tailEnd type="triangle"/>
+          </a:ln>
+        </p:spPr>
+        <p:style>
+          <a:lnRef idx="1">
+            <a:schemeClr val="dk1"/>
+          </a:lnRef>
+          <a:fillRef idx="0">
+            <a:schemeClr val="dk1"/>
+          </a:fillRef>
+          <a:effectRef idx="0">
+            <a:schemeClr val="dk1"/>
+          </a:effectRef>
+          <a:fontRef idx="minor">
+            <a:schemeClr val="tx1"/>
+          </a:fontRef>
+        </p:style>
+      </p:cxnSp>
+      <p:cxnSp>
+        <p:nvCxnSpPr>
+          <p:cNvPr id="23" name="구부러진 연결선[U] 22">
+            <a:extLst>
+              <a:ext uri="{FF2B5EF4-FFF2-40B4-BE49-F238E27FC236}">
+                <a16:creationId xmlns:a16="http://schemas.microsoft.com/office/drawing/2014/main" id="{29BA4283-5308-7549-2435-9A9385FC5E27}"/>
+              </a:ext>
+            </a:extLst>
+          </p:cNvPr>
+          <p:cNvCxnSpPr>
+            <a:cxnSpLocks/>
+            <a:stCxn id="18" idx="3"/>
+            <a:endCxn id="16" idx="1"/>
+          </p:cNvCxnSpPr>
+          <p:nvPr/>
+        </p:nvCxnSpPr>
+        <p:spPr>
+          <a:xfrm flipV="1">
+            <a:off x="5847738" y="1971066"/>
+            <a:ext cx="4090442" cy="2535267"/>
+          </a:xfrm>
+          <a:prstGeom prst="curvedConnector3">
+            <a:avLst>
+              <a:gd name="adj1" fmla="val 50000"/>
+            </a:avLst>
+          </a:prstGeom>
+          <a:ln>
+            <a:tailEnd type="triangle"/>
+          </a:ln>
+        </p:spPr>
+        <p:style>
+          <a:lnRef idx="1">
+            <a:schemeClr val="dk1"/>
+          </a:lnRef>
+          <a:fillRef idx="0">
+            <a:schemeClr val="dk1"/>
+          </a:fillRef>
+          <a:effectRef idx="0">
+            <a:schemeClr val="dk1"/>
+          </a:effectRef>
+          <a:fontRef idx="minor">
+            <a:schemeClr val="tx1"/>
+          </a:fontRef>
+        </p:style>
+      </p:cxnSp>
+      <p:sp>
+        <p:nvSpPr>
+          <p:cNvPr id="21" name="직사각형 20">
+            <a:extLst>
+              <a:ext uri="{FF2B5EF4-FFF2-40B4-BE49-F238E27FC236}">
+                <a16:creationId xmlns:a16="http://schemas.microsoft.com/office/drawing/2014/main" id="{C5B3E1D2-DE83-E6FE-9B47-68D1797B7867}"/>
+              </a:ext>
+            </a:extLst>
+          </p:cNvPr>
+          <p:cNvSpPr/>
+          <p:nvPr/>
+        </p:nvSpPr>
+        <p:spPr>
+          <a:xfrm>
+            <a:off x="4586906" y="5223846"/>
+            <a:ext cx="1242204" cy="543464"/>
+          </a:xfrm>
+          <a:prstGeom prst="rect">
+            <a:avLst/>
+          </a:prstGeom>
+          <a:solidFill>
+            <a:srgbClr val="FFFF00"/>
+          </a:solidFill>
+        </p:spPr>
+        <p:style>
+          <a:lnRef idx="2">
+            <a:schemeClr val="accent4">
+              <a:shade val="50000"/>
+            </a:schemeClr>
+          </a:lnRef>
+          <a:fillRef idx="1">
+            <a:schemeClr val="accent4"/>
+          </a:fillRef>
+          <a:effectRef idx="0">
+            <a:schemeClr val="accent4"/>
+          </a:effectRef>
+          <a:fontRef idx="minor">
+            <a:schemeClr val="lt1"/>
+          </a:fontRef>
+        </p:style>
+        <p:txBody>
+          <a:bodyPr rtlCol="0" anchor="ctr"/>
+          <a:lstStyle/>
+          <a:p>
+            <a:pPr algn="ctr"/>
+            <a:endParaRPr kumimoji="1" lang="ko-Kore-KR" altLang="en-US" sz="1600" dirty="0">
+              <a:solidFill>
+                <a:schemeClr val="tx1"/>
+              </a:solidFill>
+              <a:latin typeface="DM Mono" panose="020B0509040201040103" pitchFamily="49" charset="0"/>
+            </a:endParaRPr>
+          </a:p>
+        </p:txBody>
+      </p:sp>
+      <p:sp>
+        <p:nvSpPr>
+          <p:cNvPr id="22" name="TextBox 21">
+            <a:extLst>
+              <a:ext uri="{FF2B5EF4-FFF2-40B4-BE49-F238E27FC236}">
+                <a16:creationId xmlns:a16="http://schemas.microsoft.com/office/drawing/2014/main" id="{7CB45D95-62FF-E4D3-8764-9334B1B24C6F}"/>
+              </a:ext>
+            </a:extLst>
+          </p:cNvPr>
+          <p:cNvSpPr txBox="1"/>
+          <p:nvPr/>
+        </p:nvSpPr>
+        <p:spPr>
+          <a:xfrm>
+            <a:off x="4768600" y="4845888"/>
+            <a:ext cx="878816" cy="369332"/>
+          </a:xfrm>
+          <a:prstGeom prst="rect">
+            <a:avLst/>
+          </a:prstGeom>
+          <a:noFill/>
+        </p:spPr>
+        <p:txBody>
+          <a:bodyPr wrap="square">
+            <a:spAutoFit/>
+          </a:bodyPr>
+          <a:lstStyle/>
+          <a:p>
+            <a:r>
+              <a:rPr lang="en-US" altLang="ko-Kore-KR" dirty="0">
+                <a:latin typeface="DM Mono" panose="020B0509040201040103" pitchFamily="49" charset="0"/>
+              </a:rPr>
+              <a:t>user3</a:t>
+            </a:r>
+            <a:endParaRPr lang="ko-Kore-KR" altLang="en-US" dirty="0"/>
+          </a:p>
+        </p:txBody>
+      </p:sp>
+      <p:sp>
+        <p:nvSpPr>
+          <p:cNvPr id="24" name="TextBox 23">
+            <a:extLst>
+              <a:ext uri="{FF2B5EF4-FFF2-40B4-BE49-F238E27FC236}">
+                <a16:creationId xmlns:a16="http://schemas.microsoft.com/office/drawing/2014/main" id="{3CED41A8-2715-4ABD-F206-0CF0CD228AB8}"/>
+              </a:ext>
+            </a:extLst>
+          </p:cNvPr>
+          <p:cNvSpPr txBox="1"/>
+          <p:nvPr/>
+        </p:nvSpPr>
+        <p:spPr>
+          <a:xfrm>
+            <a:off x="3792557" y="5310912"/>
+            <a:ext cx="794349" cy="369332"/>
+          </a:xfrm>
+          <a:prstGeom prst="rect">
+            <a:avLst/>
+          </a:prstGeom>
+          <a:noFill/>
+        </p:spPr>
+        <p:txBody>
+          <a:bodyPr wrap="square">
+            <a:spAutoFit/>
+          </a:bodyPr>
+          <a:lstStyle/>
+          <a:p>
+            <a:pPr algn="r"/>
+            <a:r>
+              <a:rPr lang="en-US" altLang="ko-Kore-KR" dirty="0">
+                <a:latin typeface="DM Mono" panose="020B0509040201040103" pitchFamily="49" charset="0"/>
+              </a:rPr>
+              <a:t>name</a:t>
+            </a:r>
+            <a:endParaRPr lang="ko-Kore-KR" altLang="en-US" dirty="0"/>
+          </a:p>
+        </p:txBody>
+      </p:sp>
+      <p:sp>
+        <p:nvSpPr>
+          <p:cNvPr id="25" name="직사각형 24">
+            <a:extLst>
+              <a:ext uri="{FF2B5EF4-FFF2-40B4-BE49-F238E27FC236}">
+                <a16:creationId xmlns:a16="http://schemas.microsoft.com/office/drawing/2014/main" id="{63B6CA4E-3220-0513-EC11-C90498D42DEF}"/>
+              </a:ext>
+            </a:extLst>
+          </p:cNvPr>
+          <p:cNvSpPr/>
+          <p:nvPr/>
+        </p:nvSpPr>
+        <p:spPr>
+          <a:xfrm>
+            <a:off x="4586906" y="5775936"/>
+            <a:ext cx="1242204" cy="543464"/>
+          </a:xfrm>
+          <a:prstGeom prst="rect">
+            <a:avLst/>
+          </a:prstGeom>
+          <a:solidFill>
+            <a:srgbClr val="FFFF00"/>
+          </a:solidFill>
+        </p:spPr>
+        <p:style>
+          <a:lnRef idx="2">
+            <a:schemeClr val="accent4">
+              <a:shade val="50000"/>
+            </a:schemeClr>
+          </a:lnRef>
+          <a:fillRef idx="1">
+            <a:schemeClr val="accent4"/>
+          </a:fillRef>
+          <a:effectRef idx="0">
+            <a:schemeClr val="accent4"/>
+          </a:effectRef>
+          <a:fontRef idx="minor">
+            <a:schemeClr val="lt1"/>
+          </a:fontRef>
+        </p:style>
+        <p:txBody>
+          <a:bodyPr rtlCol="0" anchor="ctr"/>
+          <a:lstStyle/>
+          <a:p>
+            <a:pPr algn="ctr"/>
+            <a:r>
+              <a:rPr kumimoji="1" lang="en-US" altLang="ko-Kore-KR" sz="1600" dirty="0">
+                <a:solidFill>
+                  <a:schemeClr val="tx1"/>
+                </a:solidFill>
+                <a:latin typeface="DM Mono" panose="020B0509040201040103" pitchFamily="49" charset="0"/>
+              </a:rPr>
+              <a:t>42</a:t>
+            </a:r>
+            <a:endParaRPr kumimoji="1" lang="ko-Kore-KR" altLang="en-US" sz="1600" dirty="0">
+              <a:solidFill>
+                <a:schemeClr val="tx1"/>
+              </a:solidFill>
+              <a:latin typeface="DM Mono" panose="020B0509040201040103" pitchFamily="49" charset="0"/>
+            </a:endParaRPr>
+          </a:p>
+        </p:txBody>
+      </p:sp>
+      <p:sp>
+        <p:nvSpPr>
+          <p:cNvPr id="26" name="TextBox 25">
+            <a:extLst>
+              <a:ext uri="{FF2B5EF4-FFF2-40B4-BE49-F238E27FC236}">
+                <a16:creationId xmlns:a16="http://schemas.microsoft.com/office/drawing/2014/main" id="{F45AA4CF-B33F-23C0-9C76-9971C84CF4A6}"/>
+              </a:ext>
+            </a:extLst>
+          </p:cNvPr>
+          <p:cNvSpPr txBox="1"/>
+          <p:nvPr/>
+        </p:nvSpPr>
+        <p:spPr>
+          <a:xfrm>
+            <a:off x="3726407" y="5863002"/>
+            <a:ext cx="860499" cy="369332"/>
+          </a:xfrm>
+          <a:prstGeom prst="rect">
+            <a:avLst/>
+          </a:prstGeom>
+          <a:noFill/>
+        </p:spPr>
+        <p:txBody>
+          <a:bodyPr wrap="square">
+            <a:spAutoFit/>
+          </a:bodyPr>
+          <a:lstStyle/>
+          <a:p>
+            <a:pPr algn="r"/>
+            <a:r>
+              <a:rPr lang="en-US" altLang="ko-Kore-KR" dirty="0">
+                <a:latin typeface="DM Mono" panose="020B0509040201040103" pitchFamily="49" charset="0"/>
+              </a:rPr>
+              <a:t>age</a:t>
+            </a:r>
+            <a:endParaRPr lang="ko-Kore-KR" altLang="en-US" dirty="0"/>
+          </a:p>
+        </p:txBody>
+      </p:sp>
+      <p:sp>
+        <p:nvSpPr>
+          <p:cNvPr id="27" name="직사각형 26">
+            <a:extLst>
+              <a:ext uri="{FF2B5EF4-FFF2-40B4-BE49-F238E27FC236}">
+                <a16:creationId xmlns:a16="http://schemas.microsoft.com/office/drawing/2014/main" id="{3DCC6389-23B7-BFB1-62A0-796B752C2B1F}"/>
+              </a:ext>
+            </a:extLst>
+          </p:cNvPr>
+          <p:cNvSpPr/>
+          <p:nvPr/>
+        </p:nvSpPr>
+        <p:spPr>
+          <a:xfrm>
+            <a:off x="4596220" y="6345104"/>
+            <a:ext cx="1242204" cy="543464"/>
+          </a:xfrm>
+          <a:prstGeom prst="rect">
+            <a:avLst/>
+          </a:prstGeom>
+          <a:solidFill>
+            <a:srgbClr val="FFFF00"/>
+          </a:solidFill>
+        </p:spPr>
+        <p:style>
+          <a:lnRef idx="2">
+            <a:schemeClr val="accent4">
+              <a:shade val="50000"/>
+            </a:schemeClr>
+          </a:lnRef>
+          <a:fillRef idx="1">
+            <a:schemeClr val="accent4"/>
+          </a:fillRef>
+          <a:effectRef idx="0">
+            <a:schemeClr val="accent4"/>
+          </a:effectRef>
+          <a:fontRef idx="minor">
+            <a:schemeClr val="lt1"/>
+          </a:fontRef>
+        </p:style>
+        <p:txBody>
+          <a:bodyPr rtlCol="0" anchor="ctr"/>
+          <a:lstStyle/>
+          <a:p>
+            <a:pPr algn="ctr"/>
+            <a:endParaRPr kumimoji="1" lang="ko-Kore-KR" altLang="en-US" sz="1600" dirty="0">
+              <a:solidFill>
+                <a:schemeClr val="tx1"/>
+              </a:solidFill>
+              <a:latin typeface="DM Mono" panose="020B0509040201040103" pitchFamily="49" charset="0"/>
+            </a:endParaRPr>
+          </a:p>
+        </p:txBody>
+      </p:sp>
+      <p:sp>
+        <p:nvSpPr>
+          <p:cNvPr id="28" name="TextBox 27">
+            <a:extLst>
+              <a:ext uri="{FF2B5EF4-FFF2-40B4-BE49-F238E27FC236}">
+                <a16:creationId xmlns:a16="http://schemas.microsoft.com/office/drawing/2014/main" id="{1D54EF37-2E5D-CDC8-D986-D1B0C35B4551}"/>
+              </a:ext>
+            </a:extLst>
+          </p:cNvPr>
+          <p:cNvSpPr txBox="1"/>
+          <p:nvPr/>
+        </p:nvSpPr>
+        <p:spPr>
+          <a:xfrm>
+            <a:off x="3735721" y="6432170"/>
+            <a:ext cx="860499" cy="369332"/>
+          </a:xfrm>
+          <a:prstGeom prst="rect">
+            <a:avLst/>
+          </a:prstGeom>
+          <a:noFill/>
+        </p:spPr>
+        <p:txBody>
+          <a:bodyPr wrap="square">
+            <a:spAutoFit/>
+          </a:bodyPr>
+          <a:lstStyle/>
+          <a:p>
+            <a:pPr algn="r"/>
+            <a:r>
+              <a:rPr lang="en-US" altLang="ko-Kore-KR" dirty="0">
+                <a:latin typeface="DM Mono" panose="020B0509040201040103" pitchFamily="49" charset="0"/>
+              </a:rPr>
+              <a:t>ref</a:t>
+            </a:r>
+            <a:endParaRPr lang="ko-Kore-KR" altLang="en-US" dirty="0"/>
+          </a:p>
+        </p:txBody>
+      </p:sp>
+      <p:cxnSp>
+        <p:nvCxnSpPr>
+          <p:cNvPr id="29" name="구부러진 연결선[U] 28">
+            <a:extLst>
+              <a:ext uri="{FF2B5EF4-FFF2-40B4-BE49-F238E27FC236}">
+                <a16:creationId xmlns:a16="http://schemas.microsoft.com/office/drawing/2014/main" id="{D154FB51-8F19-817A-B921-85B8987F9B8B}"/>
+              </a:ext>
+            </a:extLst>
+          </p:cNvPr>
+          <p:cNvCxnSpPr>
+            <a:cxnSpLocks/>
+            <a:stCxn id="21" idx="3"/>
+            <a:endCxn id="13" idx="1"/>
+          </p:cNvCxnSpPr>
+          <p:nvPr/>
+        </p:nvCxnSpPr>
+        <p:spPr>
+          <a:xfrm flipV="1">
+            <a:off x="5829110" y="877371"/>
+            <a:ext cx="3580153" cy="4618207"/>
+          </a:xfrm>
+          <a:prstGeom prst="curvedConnector3">
+            <a:avLst>
+              <a:gd name="adj1" fmla="val 50000"/>
+            </a:avLst>
+          </a:prstGeom>
+          <a:ln>
+            <a:tailEnd type="triangle"/>
+          </a:ln>
+        </p:spPr>
+        <p:style>
+          <a:lnRef idx="1">
+            <a:schemeClr val="dk1"/>
+          </a:lnRef>
+          <a:fillRef idx="0">
+            <a:schemeClr val="dk1"/>
+          </a:fillRef>
+          <a:effectRef idx="0">
+            <a:schemeClr val="dk1"/>
+          </a:effectRef>
+          <a:fontRef idx="minor">
+            <a:schemeClr val="tx1"/>
+          </a:fontRef>
+        </p:style>
+      </p:cxnSp>
+      <p:cxnSp>
+        <p:nvCxnSpPr>
+          <p:cNvPr id="32" name="구부러진 연결선[U] 31">
+            <a:extLst>
+              <a:ext uri="{FF2B5EF4-FFF2-40B4-BE49-F238E27FC236}">
+                <a16:creationId xmlns:a16="http://schemas.microsoft.com/office/drawing/2014/main" id="{40EF58A7-E22C-612D-084E-1DD081D0E91C}"/>
+              </a:ext>
+            </a:extLst>
+          </p:cNvPr>
+          <p:cNvCxnSpPr>
+            <a:cxnSpLocks/>
+            <a:stCxn id="27" idx="3"/>
+            <a:endCxn id="16" idx="1"/>
+          </p:cNvCxnSpPr>
+          <p:nvPr/>
+        </p:nvCxnSpPr>
+        <p:spPr>
+          <a:xfrm flipV="1">
+            <a:off x="5838424" y="1971066"/>
+            <a:ext cx="4099756" cy="4645770"/>
+          </a:xfrm>
+          <a:prstGeom prst="curvedConnector3">
+            <a:avLst>
+              <a:gd name="adj1" fmla="val 50000"/>
+            </a:avLst>
+          </a:prstGeom>
+          <a:ln>
+            <a:tailEnd type="triangle"/>
+          </a:ln>
+        </p:spPr>
+        <p:style>
+          <a:lnRef idx="1">
+            <a:schemeClr val="dk1"/>
+          </a:lnRef>
+          <a:fillRef idx="0">
+            <a:schemeClr val="dk1"/>
+          </a:fillRef>
+          <a:effectRef idx="0">
+            <a:schemeClr val="dk1"/>
+          </a:effectRef>
+          <a:fontRef idx="minor">
+            <a:schemeClr val="tx1"/>
+          </a:fontRef>
+        </p:style>
+      </p:cxnSp>
+    </p:spTree>
+    <p:extLst>
+      <p:ext uri="{BB962C8B-B14F-4D97-AF65-F5344CB8AC3E}">
+        <p14:creationId xmlns:p14="http://schemas.microsoft.com/office/powerpoint/2010/main" val="964139498"/>
+      </p:ext>
+    </p:extLst>
+  </p:cSld>
+  <p:clrMapOvr>
+    <a:masterClrMapping/>
+  </p:clrMapOvr>
+</p:sld>
+</file>
+
 <file path=ppt/slides/slide2.xml><?xml version="1.0" encoding="utf-8"?>
 <p:sld xmlns:a="http://schemas.openxmlformats.org/drawingml/2006/main" xmlns:r="http://schemas.openxmlformats.org/officeDocument/2006/relationships" xmlns:p="http://schemas.openxmlformats.org/presentationml/2006/main">
   <p:cSld>
@@ -8882,6 +14244,578 @@
     <p:extLst>
       <p:ext uri="{BB962C8B-B14F-4D97-AF65-F5344CB8AC3E}">
         <p14:creationId xmlns:p14="http://schemas.microsoft.com/office/powerpoint/2010/main" val="1101045436"/>
+      </p:ext>
+    </p:extLst>
+  </p:cSld>
+  <p:clrMapOvr>
+    <a:masterClrMapping/>
+  </p:clrMapOvr>
+</p:sld>
+</file>
+
+<file path=ppt/slides/slide20.xml><?xml version="1.0" encoding="utf-8"?>
+<p:sld xmlns:a="http://schemas.openxmlformats.org/drawingml/2006/main" xmlns:r="http://schemas.openxmlformats.org/officeDocument/2006/relationships" xmlns:p="http://schemas.openxmlformats.org/presentationml/2006/main">
+  <p:cSld>
+    <p:spTree>
+      <p:nvGrpSpPr>
+        <p:cNvPr id="1" name=""/>
+        <p:cNvGrpSpPr/>
+        <p:nvPr/>
+      </p:nvGrpSpPr>
+      <p:grpSpPr>
+        <a:xfrm>
+          <a:off x="0" y="0"/>
+          <a:ext cx="0" cy="0"/>
+          <a:chOff x="0" y="0"/>
+          <a:chExt cx="0" cy="0"/>
+        </a:xfrm>
+      </p:grpSpPr>
+      <p:sp>
+        <p:nvSpPr>
+          <p:cNvPr id="13" name="직사각형 12">
+            <a:extLst>
+              <a:ext uri="{FF2B5EF4-FFF2-40B4-BE49-F238E27FC236}">
+                <a16:creationId xmlns:a16="http://schemas.microsoft.com/office/drawing/2014/main" id="{59B76654-A045-AC5D-7DD6-7340D6D98C38}"/>
+              </a:ext>
+            </a:extLst>
+          </p:cNvPr>
+          <p:cNvSpPr/>
+          <p:nvPr/>
+        </p:nvSpPr>
+        <p:spPr>
+          <a:xfrm>
+            <a:off x="9409263" y="605639"/>
+            <a:ext cx="1242204" cy="543464"/>
+          </a:xfrm>
+          <a:prstGeom prst="rect">
+            <a:avLst/>
+          </a:prstGeom>
+          <a:solidFill>
+            <a:schemeClr val="accent2"/>
+          </a:solidFill>
+        </p:spPr>
+        <p:style>
+          <a:lnRef idx="2">
+            <a:schemeClr val="accent4">
+              <a:shade val="50000"/>
+            </a:schemeClr>
+          </a:lnRef>
+          <a:fillRef idx="1">
+            <a:schemeClr val="accent4"/>
+          </a:fillRef>
+          <a:effectRef idx="0">
+            <a:schemeClr val="accent4"/>
+          </a:effectRef>
+          <a:fontRef idx="minor">
+            <a:schemeClr val="lt1"/>
+          </a:fontRef>
+        </p:style>
+        <p:txBody>
+          <a:bodyPr rtlCol="0" anchor="ctr"/>
+          <a:lstStyle/>
+          <a:p>
+            <a:pPr algn="ctr"/>
+            <a:r>
+              <a:rPr kumimoji="1" lang="en-US" altLang="ko-Kore-KR" sz="1600" dirty="0">
+                <a:solidFill>
+                  <a:schemeClr val="tx1"/>
+                </a:solidFill>
+                <a:latin typeface="DM Mono" panose="020B0509040201040103" pitchFamily="49" charset="0"/>
+              </a:rPr>
+              <a:t>“Tom”</a:t>
+            </a:r>
+            <a:endParaRPr kumimoji="1" lang="ko-Kore-KR" altLang="en-US" sz="1600" dirty="0">
+              <a:solidFill>
+                <a:schemeClr val="tx1"/>
+              </a:solidFill>
+              <a:latin typeface="DM Mono" panose="020B0509040201040103" pitchFamily="49" charset="0"/>
+            </a:endParaRPr>
+          </a:p>
+        </p:txBody>
+      </p:sp>
+      <p:sp>
+        <p:nvSpPr>
+          <p:cNvPr id="16" name="직사각형 15">
+            <a:extLst>
+              <a:ext uri="{FF2B5EF4-FFF2-40B4-BE49-F238E27FC236}">
+                <a16:creationId xmlns:a16="http://schemas.microsoft.com/office/drawing/2014/main" id="{E16BEFDB-5B75-CF39-00B5-DB8999CF238A}"/>
+              </a:ext>
+            </a:extLst>
+          </p:cNvPr>
+          <p:cNvSpPr/>
+          <p:nvPr/>
+        </p:nvSpPr>
+        <p:spPr>
+          <a:xfrm>
+            <a:off x="9938180" y="1699334"/>
+            <a:ext cx="1242204" cy="543464"/>
+          </a:xfrm>
+          <a:prstGeom prst="rect">
+            <a:avLst/>
+          </a:prstGeom>
+          <a:solidFill>
+            <a:schemeClr val="accent2"/>
+          </a:solidFill>
+        </p:spPr>
+        <p:style>
+          <a:lnRef idx="2">
+            <a:schemeClr val="accent4">
+              <a:shade val="50000"/>
+            </a:schemeClr>
+          </a:lnRef>
+          <a:fillRef idx="1">
+            <a:schemeClr val="accent4"/>
+          </a:fillRef>
+          <a:effectRef idx="0">
+            <a:schemeClr val="accent4"/>
+          </a:effectRef>
+          <a:fontRef idx="minor">
+            <a:schemeClr val="lt1"/>
+          </a:fontRef>
+        </p:style>
+        <p:txBody>
+          <a:bodyPr rtlCol="0" anchor="ctr"/>
+          <a:lstStyle/>
+          <a:p>
+            <a:pPr algn="ctr"/>
+            <a:r>
+              <a:rPr kumimoji="1" lang="en-US" altLang="ko-Kore-KR" sz="1600" dirty="0">
+                <a:solidFill>
+                  <a:srgbClr val="FF0000"/>
+                </a:solidFill>
+                <a:latin typeface="DM Mono" panose="020B0509040201040103" pitchFamily="49" charset="0"/>
+              </a:rPr>
+              <a:t>0</a:t>
+            </a:r>
+            <a:endParaRPr kumimoji="1" lang="ko-Kore-KR" altLang="en-US" sz="1600" dirty="0">
+              <a:solidFill>
+                <a:srgbClr val="FF0000"/>
+              </a:solidFill>
+              <a:latin typeface="DM Mono" panose="020B0509040201040103" pitchFamily="49" charset="0"/>
+            </a:endParaRPr>
+          </a:p>
+        </p:txBody>
+      </p:sp>
+      <p:sp>
+        <p:nvSpPr>
+          <p:cNvPr id="21" name="직사각형 20">
+            <a:extLst>
+              <a:ext uri="{FF2B5EF4-FFF2-40B4-BE49-F238E27FC236}">
+                <a16:creationId xmlns:a16="http://schemas.microsoft.com/office/drawing/2014/main" id="{C5B3E1D2-DE83-E6FE-9B47-68D1797B7867}"/>
+              </a:ext>
+            </a:extLst>
+          </p:cNvPr>
+          <p:cNvSpPr/>
+          <p:nvPr/>
+        </p:nvSpPr>
+        <p:spPr>
+          <a:xfrm>
+            <a:off x="4658623" y="2077292"/>
+            <a:ext cx="1242204" cy="543464"/>
+          </a:xfrm>
+          <a:prstGeom prst="rect">
+            <a:avLst/>
+          </a:prstGeom>
+          <a:solidFill>
+            <a:schemeClr val="accent2"/>
+          </a:solidFill>
+        </p:spPr>
+        <p:style>
+          <a:lnRef idx="2">
+            <a:schemeClr val="accent4">
+              <a:shade val="50000"/>
+            </a:schemeClr>
+          </a:lnRef>
+          <a:fillRef idx="1">
+            <a:schemeClr val="accent4"/>
+          </a:fillRef>
+          <a:effectRef idx="0">
+            <a:schemeClr val="accent4"/>
+          </a:effectRef>
+          <a:fontRef idx="minor">
+            <a:schemeClr val="lt1"/>
+          </a:fontRef>
+        </p:style>
+        <p:txBody>
+          <a:bodyPr rtlCol="0" anchor="ctr"/>
+          <a:lstStyle/>
+          <a:p>
+            <a:pPr algn="ctr"/>
+            <a:endParaRPr kumimoji="1" lang="ko-Kore-KR" altLang="en-US" sz="1600" dirty="0">
+              <a:solidFill>
+                <a:schemeClr val="tx1"/>
+              </a:solidFill>
+              <a:latin typeface="DM Mono" panose="020B0509040201040103" pitchFamily="49" charset="0"/>
+            </a:endParaRPr>
+          </a:p>
+        </p:txBody>
+      </p:sp>
+      <p:sp>
+        <p:nvSpPr>
+          <p:cNvPr id="22" name="TextBox 21">
+            <a:extLst>
+              <a:ext uri="{FF2B5EF4-FFF2-40B4-BE49-F238E27FC236}">
+                <a16:creationId xmlns:a16="http://schemas.microsoft.com/office/drawing/2014/main" id="{7CB45D95-62FF-E4D3-8764-9334B1B24C6F}"/>
+              </a:ext>
+            </a:extLst>
+          </p:cNvPr>
+          <p:cNvSpPr txBox="1"/>
+          <p:nvPr/>
+        </p:nvSpPr>
+        <p:spPr>
+          <a:xfrm>
+            <a:off x="4840317" y="1699334"/>
+            <a:ext cx="878816" cy="369332"/>
+          </a:xfrm>
+          <a:prstGeom prst="rect">
+            <a:avLst/>
+          </a:prstGeom>
+          <a:noFill/>
+        </p:spPr>
+        <p:txBody>
+          <a:bodyPr wrap="square">
+            <a:spAutoFit/>
+          </a:bodyPr>
+          <a:lstStyle/>
+          <a:p>
+            <a:r>
+              <a:rPr lang="en-US" altLang="ko-Kore-KR" dirty="0">
+                <a:latin typeface="DM Mono" panose="020B0509040201040103" pitchFamily="49" charset="0"/>
+              </a:rPr>
+              <a:t>user3</a:t>
+            </a:r>
+            <a:endParaRPr lang="ko-Kore-KR" altLang="en-US" dirty="0"/>
+          </a:p>
+        </p:txBody>
+      </p:sp>
+      <p:sp>
+        <p:nvSpPr>
+          <p:cNvPr id="24" name="TextBox 23">
+            <a:extLst>
+              <a:ext uri="{FF2B5EF4-FFF2-40B4-BE49-F238E27FC236}">
+                <a16:creationId xmlns:a16="http://schemas.microsoft.com/office/drawing/2014/main" id="{3CED41A8-2715-4ABD-F206-0CF0CD228AB8}"/>
+              </a:ext>
+            </a:extLst>
+          </p:cNvPr>
+          <p:cNvSpPr txBox="1"/>
+          <p:nvPr/>
+        </p:nvSpPr>
+        <p:spPr>
+          <a:xfrm>
+            <a:off x="3864274" y="2164358"/>
+            <a:ext cx="794349" cy="369332"/>
+          </a:xfrm>
+          <a:prstGeom prst="rect">
+            <a:avLst/>
+          </a:prstGeom>
+          <a:noFill/>
+        </p:spPr>
+        <p:txBody>
+          <a:bodyPr wrap="square">
+            <a:spAutoFit/>
+          </a:bodyPr>
+          <a:lstStyle/>
+          <a:p>
+            <a:pPr algn="r"/>
+            <a:r>
+              <a:rPr lang="en-US" altLang="ko-Kore-KR" dirty="0">
+                <a:latin typeface="DM Mono" panose="020B0509040201040103" pitchFamily="49" charset="0"/>
+              </a:rPr>
+              <a:t>name</a:t>
+            </a:r>
+            <a:endParaRPr lang="ko-Kore-KR" altLang="en-US" dirty="0"/>
+          </a:p>
+        </p:txBody>
+      </p:sp>
+      <p:sp>
+        <p:nvSpPr>
+          <p:cNvPr id="25" name="직사각형 24">
+            <a:extLst>
+              <a:ext uri="{FF2B5EF4-FFF2-40B4-BE49-F238E27FC236}">
+                <a16:creationId xmlns:a16="http://schemas.microsoft.com/office/drawing/2014/main" id="{63B6CA4E-3220-0513-EC11-C90498D42DEF}"/>
+              </a:ext>
+            </a:extLst>
+          </p:cNvPr>
+          <p:cNvSpPr/>
+          <p:nvPr/>
+        </p:nvSpPr>
+        <p:spPr>
+          <a:xfrm>
+            <a:off x="4658623" y="2629382"/>
+            <a:ext cx="1242204" cy="543464"/>
+          </a:xfrm>
+          <a:prstGeom prst="rect">
+            <a:avLst/>
+          </a:prstGeom>
+          <a:solidFill>
+            <a:schemeClr val="accent2"/>
+          </a:solidFill>
+        </p:spPr>
+        <p:style>
+          <a:lnRef idx="2">
+            <a:schemeClr val="accent4">
+              <a:shade val="50000"/>
+            </a:schemeClr>
+          </a:lnRef>
+          <a:fillRef idx="1">
+            <a:schemeClr val="accent4"/>
+          </a:fillRef>
+          <a:effectRef idx="0">
+            <a:schemeClr val="accent4"/>
+          </a:effectRef>
+          <a:fontRef idx="minor">
+            <a:schemeClr val="lt1"/>
+          </a:fontRef>
+        </p:style>
+        <p:txBody>
+          <a:bodyPr rtlCol="0" anchor="ctr"/>
+          <a:lstStyle/>
+          <a:p>
+            <a:pPr algn="ctr"/>
+            <a:r>
+              <a:rPr kumimoji="1" lang="en-US" altLang="ko-Kore-KR" sz="1600" dirty="0">
+                <a:solidFill>
+                  <a:schemeClr val="tx1"/>
+                </a:solidFill>
+                <a:latin typeface="DM Mono" panose="020B0509040201040103" pitchFamily="49" charset="0"/>
+              </a:rPr>
+              <a:t>42</a:t>
+            </a:r>
+            <a:endParaRPr kumimoji="1" lang="ko-Kore-KR" altLang="en-US" sz="1600" dirty="0">
+              <a:solidFill>
+                <a:schemeClr val="tx1"/>
+              </a:solidFill>
+              <a:latin typeface="DM Mono" panose="020B0509040201040103" pitchFamily="49" charset="0"/>
+            </a:endParaRPr>
+          </a:p>
+        </p:txBody>
+      </p:sp>
+      <p:sp>
+        <p:nvSpPr>
+          <p:cNvPr id="26" name="TextBox 25">
+            <a:extLst>
+              <a:ext uri="{FF2B5EF4-FFF2-40B4-BE49-F238E27FC236}">
+                <a16:creationId xmlns:a16="http://schemas.microsoft.com/office/drawing/2014/main" id="{F45AA4CF-B33F-23C0-9C76-9971C84CF4A6}"/>
+              </a:ext>
+            </a:extLst>
+          </p:cNvPr>
+          <p:cNvSpPr txBox="1"/>
+          <p:nvPr/>
+        </p:nvSpPr>
+        <p:spPr>
+          <a:xfrm>
+            <a:off x="3798124" y="2716448"/>
+            <a:ext cx="860499" cy="369332"/>
+          </a:xfrm>
+          <a:prstGeom prst="rect">
+            <a:avLst/>
+          </a:prstGeom>
+          <a:noFill/>
+        </p:spPr>
+        <p:txBody>
+          <a:bodyPr wrap="square">
+            <a:spAutoFit/>
+          </a:bodyPr>
+          <a:lstStyle/>
+          <a:p>
+            <a:pPr algn="r"/>
+            <a:r>
+              <a:rPr lang="en-US" altLang="ko-Kore-KR" dirty="0">
+                <a:latin typeface="DM Mono" panose="020B0509040201040103" pitchFamily="49" charset="0"/>
+              </a:rPr>
+              <a:t>age</a:t>
+            </a:r>
+            <a:endParaRPr lang="ko-Kore-KR" altLang="en-US" dirty="0"/>
+          </a:p>
+        </p:txBody>
+      </p:sp>
+      <p:sp>
+        <p:nvSpPr>
+          <p:cNvPr id="27" name="직사각형 26">
+            <a:extLst>
+              <a:ext uri="{FF2B5EF4-FFF2-40B4-BE49-F238E27FC236}">
+                <a16:creationId xmlns:a16="http://schemas.microsoft.com/office/drawing/2014/main" id="{3DCC6389-23B7-BFB1-62A0-796B752C2B1F}"/>
+              </a:ext>
+            </a:extLst>
+          </p:cNvPr>
+          <p:cNvSpPr/>
+          <p:nvPr/>
+        </p:nvSpPr>
+        <p:spPr>
+          <a:xfrm>
+            <a:off x="4667937" y="3198550"/>
+            <a:ext cx="1242204" cy="543464"/>
+          </a:xfrm>
+          <a:prstGeom prst="rect">
+            <a:avLst/>
+          </a:prstGeom>
+          <a:solidFill>
+            <a:schemeClr val="accent2"/>
+          </a:solidFill>
+        </p:spPr>
+        <p:style>
+          <a:lnRef idx="2">
+            <a:schemeClr val="accent4">
+              <a:shade val="50000"/>
+            </a:schemeClr>
+          </a:lnRef>
+          <a:fillRef idx="1">
+            <a:schemeClr val="accent4"/>
+          </a:fillRef>
+          <a:effectRef idx="0">
+            <a:schemeClr val="accent4"/>
+          </a:effectRef>
+          <a:fontRef idx="minor">
+            <a:schemeClr val="lt1"/>
+          </a:fontRef>
+        </p:style>
+        <p:txBody>
+          <a:bodyPr rtlCol="0" anchor="ctr"/>
+          <a:lstStyle/>
+          <a:p>
+            <a:pPr algn="ctr"/>
+            <a:endParaRPr kumimoji="1" lang="ko-Kore-KR" altLang="en-US" sz="1600" dirty="0">
+              <a:solidFill>
+                <a:schemeClr val="tx1"/>
+              </a:solidFill>
+              <a:latin typeface="DM Mono" panose="020B0509040201040103" pitchFamily="49" charset="0"/>
+            </a:endParaRPr>
+          </a:p>
+        </p:txBody>
+      </p:sp>
+      <p:sp>
+        <p:nvSpPr>
+          <p:cNvPr id="28" name="TextBox 27">
+            <a:extLst>
+              <a:ext uri="{FF2B5EF4-FFF2-40B4-BE49-F238E27FC236}">
+                <a16:creationId xmlns:a16="http://schemas.microsoft.com/office/drawing/2014/main" id="{1D54EF37-2E5D-CDC8-D986-D1B0C35B4551}"/>
+              </a:ext>
+            </a:extLst>
+          </p:cNvPr>
+          <p:cNvSpPr txBox="1"/>
+          <p:nvPr/>
+        </p:nvSpPr>
+        <p:spPr>
+          <a:xfrm>
+            <a:off x="3807438" y="3285616"/>
+            <a:ext cx="860499" cy="369332"/>
+          </a:xfrm>
+          <a:prstGeom prst="rect">
+            <a:avLst/>
+          </a:prstGeom>
+          <a:noFill/>
+        </p:spPr>
+        <p:txBody>
+          <a:bodyPr wrap="square">
+            <a:spAutoFit/>
+          </a:bodyPr>
+          <a:lstStyle/>
+          <a:p>
+            <a:pPr algn="r"/>
+            <a:r>
+              <a:rPr lang="en-US" altLang="ko-Kore-KR" dirty="0">
+                <a:latin typeface="DM Mono" panose="020B0509040201040103" pitchFamily="49" charset="0"/>
+              </a:rPr>
+              <a:t>ref</a:t>
+            </a:r>
+            <a:endParaRPr lang="ko-Kore-KR" altLang="en-US" dirty="0"/>
+          </a:p>
+        </p:txBody>
+      </p:sp>
+      <p:cxnSp>
+        <p:nvCxnSpPr>
+          <p:cNvPr id="29" name="구부러진 연결선[U] 28">
+            <a:extLst>
+              <a:ext uri="{FF2B5EF4-FFF2-40B4-BE49-F238E27FC236}">
+                <a16:creationId xmlns:a16="http://schemas.microsoft.com/office/drawing/2014/main" id="{D154FB51-8F19-817A-B921-85B8987F9B8B}"/>
+              </a:ext>
+            </a:extLst>
+          </p:cNvPr>
+          <p:cNvCxnSpPr>
+            <a:cxnSpLocks/>
+            <a:stCxn id="21" idx="3"/>
+            <a:endCxn id="13" idx="1"/>
+          </p:cNvCxnSpPr>
+          <p:nvPr/>
+        </p:nvCxnSpPr>
+        <p:spPr>
+          <a:xfrm flipV="1">
+            <a:off x="5900827" y="877371"/>
+            <a:ext cx="3508436" cy="1471653"/>
+          </a:xfrm>
+          <a:prstGeom prst="curvedConnector3">
+            <a:avLst>
+              <a:gd name="adj1" fmla="val 50000"/>
+            </a:avLst>
+          </a:prstGeom>
+          <a:ln>
+            <a:tailEnd type="triangle"/>
+          </a:ln>
+        </p:spPr>
+        <p:style>
+          <a:lnRef idx="1">
+            <a:schemeClr val="dk1"/>
+          </a:lnRef>
+          <a:fillRef idx="0">
+            <a:schemeClr val="dk1"/>
+          </a:fillRef>
+          <a:effectRef idx="0">
+            <a:schemeClr val="dk1"/>
+          </a:effectRef>
+          <a:fontRef idx="minor">
+            <a:schemeClr val="tx1"/>
+          </a:fontRef>
+        </p:style>
+      </p:cxnSp>
+      <p:cxnSp>
+        <p:nvCxnSpPr>
+          <p:cNvPr id="32" name="구부러진 연결선[U] 31">
+            <a:extLst>
+              <a:ext uri="{FF2B5EF4-FFF2-40B4-BE49-F238E27FC236}">
+                <a16:creationId xmlns:a16="http://schemas.microsoft.com/office/drawing/2014/main" id="{40EF58A7-E22C-612D-084E-1DD081D0E91C}"/>
+              </a:ext>
+            </a:extLst>
+          </p:cNvPr>
+          <p:cNvCxnSpPr>
+            <a:cxnSpLocks/>
+            <a:stCxn id="27" idx="3"/>
+            <a:endCxn id="16" idx="1"/>
+          </p:cNvCxnSpPr>
+          <p:nvPr/>
+        </p:nvCxnSpPr>
+        <p:spPr>
+          <a:xfrm flipV="1">
+            <a:off x="5910141" y="1971066"/>
+            <a:ext cx="4028039" cy="1499216"/>
+          </a:xfrm>
+          <a:prstGeom prst="curvedConnector3">
+            <a:avLst>
+              <a:gd name="adj1" fmla="val 50000"/>
+            </a:avLst>
+          </a:prstGeom>
+          <a:ln>
+            <a:tailEnd type="triangle"/>
+          </a:ln>
+        </p:spPr>
+        <p:style>
+          <a:lnRef idx="1">
+            <a:schemeClr val="dk1"/>
+          </a:lnRef>
+          <a:fillRef idx="0">
+            <a:schemeClr val="dk1"/>
+          </a:fillRef>
+          <a:effectRef idx="0">
+            <a:schemeClr val="dk1"/>
+          </a:effectRef>
+          <a:fontRef idx="minor">
+            <a:schemeClr val="tx1"/>
+          </a:fontRef>
+        </p:style>
+      </p:cxnSp>
+    </p:spTree>
+    <p:extLst>
+      <p:ext uri="{BB962C8B-B14F-4D97-AF65-F5344CB8AC3E}">
+        <p14:creationId xmlns:p14="http://schemas.microsoft.com/office/powerpoint/2010/main" val="3551017554"/>
       </p:ext>
     </p:extLst>
   </p:cSld>

--- a/cpp/230223.pptx
+++ b/cpp/230223.pptx
@@ -25,6 +25,7 @@
     <p:sldId id="275" r:id="rId19"/>
     <p:sldId id="276" r:id="rId20"/>
     <p:sldId id="277" r:id="rId21"/>
+    <p:sldId id="278" r:id="rId22"/>
   </p:sldIdLst>
   <p:sldSz cx="12192000" cy="6858000"/>
   <p:notesSz cx="6858000" cy="9144000"/>
@@ -8932,6 +8933,96 @@
           </a:p>
         </p:txBody>
       </p:sp>
+      <p:sp>
+        <p:nvSpPr>
+          <p:cNvPr id="21" name="TextBox 20">
+            <a:extLst>
+              <a:ext uri="{FF2B5EF4-FFF2-40B4-BE49-F238E27FC236}">
+                <a16:creationId xmlns:a16="http://schemas.microsoft.com/office/drawing/2014/main" id="{53542D4B-ECE4-85B5-17C5-8C15C8BD0455}"/>
+              </a:ext>
+            </a:extLst>
+          </p:cNvPr>
+          <p:cNvSpPr txBox="1"/>
+          <p:nvPr/>
+        </p:nvSpPr>
+        <p:spPr>
+          <a:xfrm>
+            <a:off x="108281" y="3525591"/>
+            <a:ext cx="6937977" cy="2123658"/>
+          </a:xfrm>
+          <a:prstGeom prst="rect">
+            <a:avLst/>
+          </a:prstGeom>
+          <a:noFill/>
+        </p:spPr>
+        <p:txBody>
+          <a:bodyPr wrap="square">
+            <a:spAutoFit/>
+          </a:bodyPr>
+          <a:lstStyle/>
+          <a:p>
+            <a:r>
+              <a:rPr lang="ko-Kore-KR" altLang="en-US" sz="1600" dirty="0">
+                <a:latin typeface="DM Mono" panose="020B0509040201040103" pitchFamily="49" charset="0"/>
+              </a:rPr>
+              <a:t> User(const char* s, int n)</a:t>
+            </a:r>
+          </a:p>
+          <a:p>
+            <a:r>
+              <a:rPr lang="ko-Kore-KR" altLang="en-US" sz="1600" dirty="0">
+                <a:latin typeface="DM Mono" panose="020B0509040201040103" pitchFamily="49" charset="0"/>
+              </a:rPr>
+              <a:t>        : age(n)</a:t>
+            </a:r>
+          </a:p>
+          <a:p>
+            <a:r>
+              <a:rPr lang="ko-Kore-KR" altLang="en-US" sz="1600" dirty="0">
+                <a:latin typeface="DM Mono" panose="020B0509040201040103" pitchFamily="49" charset="0"/>
+              </a:rPr>
+              <a:t>    {</a:t>
+            </a:r>
+          </a:p>
+          <a:p>
+            <a:r>
+              <a:rPr lang="ko-Kore-KR" altLang="en-US" sz="1600" dirty="0">
+                <a:latin typeface="DM Mono" panose="020B0509040201040103" pitchFamily="49" charset="0"/>
+              </a:rPr>
+              <a:t>        name = new char[strlen(s) + 1];</a:t>
+            </a:r>
+          </a:p>
+          <a:p>
+            <a:r>
+              <a:rPr lang="ko-Kore-KR" altLang="en-US" sz="1600" dirty="0">
+                <a:latin typeface="DM Mono" panose="020B0509040201040103" pitchFamily="49" charset="0"/>
+              </a:rPr>
+              <a:t>        strcpy(name, s);</a:t>
+            </a:r>
+          </a:p>
+          <a:p>
+            <a:endParaRPr lang="ko-Kore-KR" altLang="en-US" sz="1600" dirty="0">
+              <a:latin typeface="DM Mono" panose="020B0509040201040103" pitchFamily="49" charset="0"/>
+            </a:endParaRPr>
+          </a:p>
+          <a:p>
+            <a:r>
+              <a:rPr lang="ko-Kore-KR" altLang="en-US" sz="1600" dirty="0">
+                <a:latin typeface="DM Mono" panose="020B0509040201040103" pitchFamily="49" charset="0"/>
+              </a:rPr>
+              <a:t>        ref = new int(1);</a:t>
+            </a:r>
+          </a:p>
+          <a:p>
+            <a:r>
+              <a:rPr lang="ko-Kore-KR" altLang="en-US" sz="1600" dirty="0">
+                <a:latin typeface="DM Mono" panose="020B0509040201040103" pitchFamily="49" charset="0"/>
+              </a:rPr>
+              <a:t>    }</a:t>
+            </a:r>
+          </a:p>
+        </p:txBody>
+      </p:sp>
     </p:spTree>
     <p:extLst>
       <p:ext uri="{BB962C8B-B14F-4D97-AF65-F5344CB8AC3E}">
@@ -9920,6 +10011,94 @@
           </a:fontRef>
         </p:style>
       </p:cxnSp>
+      <p:sp>
+        <p:nvSpPr>
+          <p:cNvPr id="27" name="TextBox 26">
+            <a:extLst>
+              <a:ext uri="{FF2B5EF4-FFF2-40B4-BE49-F238E27FC236}">
+                <a16:creationId xmlns:a16="http://schemas.microsoft.com/office/drawing/2014/main" id="{0009FCDC-7301-B6D4-9708-999E85423984}"/>
+              </a:ext>
+            </a:extLst>
+          </p:cNvPr>
+          <p:cNvSpPr txBox="1"/>
+          <p:nvPr/>
+        </p:nvSpPr>
+        <p:spPr>
+          <a:xfrm>
+            <a:off x="173078" y="1025633"/>
+            <a:ext cx="3638107" cy="1846659"/>
+          </a:xfrm>
+          <a:prstGeom prst="rect">
+            <a:avLst/>
+          </a:prstGeom>
+          <a:noFill/>
+        </p:spPr>
+        <p:txBody>
+          <a:bodyPr wrap="square">
+            <a:spAutoFit/>
+          </a:bodyPr>
+          <a:lstStyle/>
+          <a:p>
+            <a:r>
+              <a:rPr lang="ko-Kore-KR" altLang="en-US" sz="1600" dirty="0">
+                <a:latin typeface="DM Mono" panose="020B0509040201040103" pitchFamily="49" charset="0"/>
+              </a:rPr>
+              <a:t> User(const User&amp; rhs)</a:t>
+            </a:r>
+          </a:p>
+          <a:p>
+            <a:r>
+              <a:rPr lang="ko-Kore-KR" altLang="en-US" sz="1600" dirty="0">
+                <a:latin typeface="DM Mono" panose="020B0509040201040103" pitchFamily="49" charset="0"/>
+              </a:rPr>
+              <a:t>        : name(rhs.name)</a:t>
+            </a:r>
+          </a:p>
+          <a:p>
+            <a:r>
+              <a:rPr lang="ko-Kore-KR" altLang="en-US" sz="1600" dirty="0">
+                <a:latin typeface="DM Mono" panose="020B0509040201040103" pitchFamily="49" charset="0"/>
+              </a:rPr>
+              <a:t>        , age(rhs.age)</a:t>
+            </a:r>
+          </a:p>
+          <a:p>
+            <a:r>
+              <a:rPr lang="ko-Kore-KR" altLang="en-US" sz="1600" dirty="0">
+                <a:latin typeface="DM Mono" panose="020B0509040201040103" pitchFamily="49" charset="0"/>
+              </a:rPr>
+              <a:t>        , ref(rhs.ref)</a:t>
+            </a:r>
+          </a:p>
+          <a:p>
+            <a:r>
+              <a:rPr lang="ko-Kore-KR" altLang="en-US" sz="1600" dirty="0">
+                <a:latin typeface="DM Mono" panose="020B0509040201040103" pitchFamily="49" charset="0"/>
+              </a:rPr>
+              <a:t>    {</a:t>
+            </a:r>
+          </a:p>
+          <a:p>
+            <a:r>
+              <a:rPr lang="ko-Kore-KR" altLang="en-US" sz="1600" dirty="0">
+                <a:solidFill>
+                  <a:srgbClr val="FF0000"/>
+                </a:solidFill>
+                <a:latin typeface="DM Mono" panose="020B0509040201040103" pitchFamily="49" charset="0"/>
+              </a:rPr>
+              <a:t>        ++(*ref);</a:t>
+            </a:r>
+          </a:p>
+          <a:p>
+            <a:r>
+              <a:rPr lang="ko-Kore-KR" altLang="en-US" sz="1600" dirty="0">
+                <a:latin typeface="DM Mono" panose="020B0509040201040103" pitchFamily="49" charset="0"/>
+              </a:rPr>
+              <a:t>    }</a:t>
+            </a:r>
+          </a:p>
+        </p:txBody>
+      </p:sp>
     </p:spTree>
     <p:extLst>
       <p:ext uri="{BB962C8B-B14F-4D97-AF65-F5344CB8AC3E}">
@@ -11324,6 +11503,94 @@
           </a:fontRef>
         </p:style>
       </p:cxnSp>
+      <p:sp>
+        <p:nvSpPr>
+          <p:cNvPr id="35" name="TextBox 34">
+            <a:extLst>
+              <a:ext uri="{FF2B5EF4-FFF2-40B4-BE49-F238E27FC236}">
+                <a16:creationId xmlns:a16="http://schemas.microsoft.com/office/drawing/2014/main" id="{E3FD7113-75EE-5535-EFF5-F1CA4561D973}"/>
+              </a:ext>
+            </a:extLst>
+          </p:cNvPr>
+          <p:cNvSpPr txBox="1"/>
+          <p:nvPr/>
+        </p:nvSpPr>
+        <p:spPr>
+          <a:xfrm>
+            <a:off x="173078" y="1025633"/>
+            <a:ext cx="6096000" cy="1846659"/>
+          </a:xfrm>
+          <a:prstGeom prst="rect">
+            <a:avLst/>
+          </a:prstGeom>
+          <a:noFill/>
+        </p:spPr>
+        <p:txBody>
+          <a:bodyPr wrap="square">
+            <a:spAutoFit/>
+          </a:bodyPr>
+          <a:lstStyle/>
+          <a:p>
+            <a:r>
+              <a:rPr lang="ko-Kore-KR" altLang="en-US" sz="1600" dirty="0">
+                <a:latin typeface="DM Mono" panose="020B0509040201040103" pitchFamily="49" charset="0"/>
+              </a:rPr>
+              <a:t> User(const User&amp; rhs)</a:t>
+            </a:r>
+          </a:p>
+          <a:p>
+            <a:r>
+              <a:rPr lang="ko-Kore-KR" altLang="en-US" sz="1600" dirty="0">
+                <a:latin typeface="DM Mono" panose="020B0509040201040103" pitchFamily="49" charset="0"/>
+              </a:rPr>
+              <a:t>        : name(rhs.name)</a:t>
+            </a:r>
+          </a:p>
+          <a:p>
+            <a:r>
+              <a:rPr lang="ko-Kore-KR" altLang="en-US" sz="1600" dirty="0">
+                <a:latin typeface="DM Mono" panose="020B0509040201040103" pitchFamily="49" charset="0"/>
+              </a:rPr>
+              <a:t>        , age(rhs.age)</a:t>
+            </a:r>
+          </a:p>
+          <a:p>
+            <a:r>
+              <a:rPr lang="ko-Kore-KR" altLang="en-US" sz="1600" dirty="0">
+                <a:latin typeface="DM Mono" panose="020B0509040201040103" pitchFamily="49" charset="0"/>
+              </a:rPr>
+              <a:t>        , ref(rhs.ref)</a:t>
+            </a:r>
+          </a:p>
+          <a:p>
+            <a:r>
+              <a:rPr lang="ko-Kore-KR" altLang="en-US" sz="1600" dirty="0">
+                <a:latin typeface="DM Mono" panose="020B0509040201040103" pitchFamily="49" charset="0"/>
+              </a:rPr>
+              <a:t>    {</a:t>
+            </a:r>
+          </a:p>
+          <a:p>
+            <a:r>
+              <a:rPr lang="ko-Kore-KR" altLang="en-US" sz="1600" dirty="0">
+                <a:solidFill>
+                  <a:srgbClr val="FF0000"/>
+                </a:solidFill>
+                <a:latin typeface="DM Mono" panose="020B0509040201040103" pitchFamily="49" charset="0"/>
+              </a:rPr>
+              <a:t>        ++(*ref);</a:t>
+            </a:r>
+          </a:p>
+          <a:p>
+            <a:r>
+              <a:rPr lang="ko-Kore-KR" altLang="en-US" sz="1600" dirty="0">
+                <a:latin typeface="DM Mono" panose="020B0509040201040103" pitchFamily="49" charset="0"/>
+              </a:rPr>
+              <a:t>    }</a:t>
+            </a:r>
+          </a:p>
+        </p:txBody>
+      </p:sp>
     </p:spTree>
     <p:extLst>
       <p:ext uri="{BB962C8B-B14F-4D97-AF65-F5344CB8AC3E}">
@@ -12728,6 +12995,94 @@
           </a:fontRef>
         </p:style>
       </p:cxnSp>
+      <p:sp>
+        <p:nvSpPr>
+          <p:cNvPr id="30" name="TextBox 29">
+            <a:extLst>
+              <a:ext uri="{FF2B5EF4-FFF2-40B4-BE49-F238E27FC236}">
+                <a16:creationId xmlns:a16="http://schemas.microsoft.com/office/drawing/2014/main" id="{10777800-08F4-287B-BFD8-0558271D0865}"/>
+              </a:ext>
+            </a:extLst>
+          </p:cNvPr>
+          <p:cNvSpPr txBox="1"/>
+          <p:nvPr/>
+        </p:nvSpPr>
+        <p:spPr>
+          <a:xfrm>
+            <a:off x="260606" y="396226"/>
+            <a:ext cx="6096000" cy="1600438"/>
+          </a:xfrm>
+          <a:prstGeom prst="rect">
+            <a:avLst/>
+          </a:prstGeom>
+          <a:noFill/>
+        </p:spPr>
+        <p:txBody>
+          <a:bodyPr wrap="square">
+            <a:spAutoFit/>
+          </a:bodyPr>
+          <a:lstStyle/>
+          <a:p>
+            <a:r>
+              <a:rPr lang="ko-Kore-KR" altLang="en-US" sz="1400" dirty="0">
+                <a:latin typeface="DM Mono" panose="020B0509040201040103" pitchFamily="49" charset="0"/>
+              </a:rPr>
+              <a:t> ~User()</a:t>
+            </a:r>
+          </a:p>
+          <a:p>
+            <a:r>
+              <a:rPr lang="ko-Kore-KR" altLang="en-US" sz="1400" dirty="0">
+                <a:latin typeface="DM Mono" panose="020B0509040201040103" pitchFamily="49" charset="0"/>
+              </a:rPr>
+              <a:t>    {</a:t>
+            </a:r>
+          </a:p>
+          <a:p>
+            <a:r>
+              <a:rPr lang="ko-Kore-KR" altLang="en-US" sz="1400" dirty="0">
+                <a:solidFill>
+                  <a:srgbClr val="FF0000"/>
+                </a:solidFill>
+                <a:latin typeface="DM Mono" panose="020B0509040201040103" pitchFamily="49" charset="0"/>
+              </a:rPr>
+              <a:t>        if (--(*ref) == 0) {</a:t>
+            </a:r>
+          </a:p>
+          <a:p>
+            <a:r>
+              <a:rPr lang="ko-Kore-KR" altLang="en-US" sz="1400" dirty="0">
+                <a:latin typeface="DM Mono" panose="020B0509040201040103" pitchFamily="49" charset="0"/>
+              </a:rPr>
+              <a:t>            delete[] name;</a:t>
+            </a:r>
+          </a:p>
+          <a:p>
+            <a:r>
+              <a:rPr lang="ko-Kore-KR" altLang="en-US" sz="1400" dirty="0">
+                <a:latin typeface="DM Mono" panose="020B0509040201040103" pitchFamily="49" charset="0"/>
+              </a:rPr>
+              <a:t>            delete ref;</a:t>
+            </a:r>
+          </a:p>
+          <a:p>
+            <a:r>
+              <a:rPr lang="ko-Kore-KR" altLang="en-US" sz="1400" dirty="0">
+                <a:latin typeface="DM Mono" panose="020B0509040201040103" pitchFamily="49" charset="0"/>
+              </a:rPr>
+              <a:t>        }</a:t>
+            </a:r>
+          </a:p>
+          <a:p>
+            <a:r>
+              <a:rPr lang="ko-Kore-KR" altLang="en-US" sz="1400" dirty="0">
+                <a:latin typeface="DM Mono" panose="020B0509040201040103" pitchFamily="49" charset="0"/>
+              </a:rPr>
+              <a:t>    }</a:t>
+            </a:r>
+          </a:p>
+        </p:txBody>
+      </p:sp>
     </p:spTree>
     <p:extLst>
       <p:ext uri="{BB962C8B-B14F-4D97-AF65-F5344CB8AC3E}">
@@ -13716,6 +14071,94 @@
           </a:fontRef>
         </p:style>
       </p:cxnSp>
+      <p:sp>
+        <p:nvSpPr>
+          <p:cNvPr id="30" name="TextBox 29">
+            <a:extLst>
+              <a:ext uri="{FF2B5EF4-FFF2-40B4-BE49-F238E27FC236}">
+                <a16:creationId xmlns:a16="http://schemas.microsoft.com/office/drawing/2014/main" id="{88E22028-69E0-81DB-F1D9-40F58482728A}"/>
+              </a:ext>
+            </a:extLst>
+          </p:cNvPr>
+          <p:cNvSpPr txBox="1"/>
+          <p:nvPr/>
+        </p:nvSpPr>
+        <p:spPr>
+          <a:xfrm>
+            <a:off x="260606" y="396226"/>
+            <a:ext cx="6096000" cy="1600438"/>
+          </a:xfrm>
+          <a:prstGeom prst="rect">
+            <a:avLst/>
+          </a:prstGeom>
+          <a:noFill/>
+        </p:spPr>
+        <p:txBody>
+          <a:bodyPr wrap="square">
+            <a:spAutoFit/>
+          </a:bodyPr>
+          <a:lstStyle/>
+          <a:p>
+            <a:r>
+              <a:rPr lang="ko-Kore-KR" altLang="en-US" sz="1400" dirty="0">
+                <a:latin typeface="DM Mono" panose="020B0509040201040103" pitchFamily="49" charset="0"/>
+              </a:rPr>
+              <a:t> ~User()</a:t>
+            </a:r>
+          </a:p>
+          <a:p>
+            <a:r>
+              <a:rPr lang="ko-Kore-KR" altLang="en-US" sz="1400" dirty="0">
+                <a:latin typeface="DM Mono" panose="020B0509040201040103" pitchFamily="49" charset="0"/>
+              </a:rPr>
+              <a:t>    {</a:t>
+            </a:r>
+          </a:p>
+          <a:p>
+            <a:r>
+              <a:rPr lang="ko-Kore-KR" altLang="en-US" sz="1400" dirty="0">
+                <a:solidFill>
+                  <a:srgbClr val="FF0000"/>
+                </a:solidFill>
+                <a:latin typeface="DM Mono" panose="020B0509040201040103" pitchFamily="49" charset="0"/>
+              </a:rPr>
+              <a:t>        if (--(*ref) == 0) {</a:t>
+            </a:r>
+          </a:p>
+          <a:p>
+            <a:r>
+              <a:rPr lang="ko-Kore-KR" altLang="en-US" sz="1400" dirty="0">
+                <a:latin typeface="DM Mono" panose="020B0509040201040103" pitchFamily="49" charset="0"/>
+              </a:rPr>
+              <a:t>            delete[] name;</a:t>
+            </a:r>
+          </a:p>
+          <a:p>
+            <a:r>
+              <a:rPr lang="ko-Kore-KR" altLang="en-US" sz="1400" dirty="0">
+                <a:latin typeface="DM Mono" panose="020B0509040201040103" pitchFamily="49" charset="0"/>
+              </a:rPr>
+              <a:t>            delete ref;</a:t>
+            </a:r>
+          </a:p>
+          <a:p>
+            <a:r>
+              <a:rPr lang="ko-Kore-KR" altLang="en-US" sz="1400" dirty="0">
+                <a:latin typeface="DM Mono" panose="020B0509040201040103" pitchFamily="49" charset="0"/>
+              </a:rPr>
+              <a:t>        }</a:t>
+            </a:r>
+          </a:p>
+          <a:p>
+            <a:r>
+              <a:rPr lang="ko-Kore-KR" altLang="en-US" sz="1400" dirty="0">
+                <a:latin typeface="DM Mono" panose="020B0509040201040103" pitchFamily="49" charset="0"/>
+              </a:rPr>
+              <a:t>    }</a:t>
+            </a:r>
+          </a:p>
+        </p:txBody>
+      </p:sp>
     </p:spTree>
     <p:extLst>
       <p:ext uri="{BB962C8B-B14F-4D97-AF65-F5344CB8AC3E}">
@@ -14812,10 +15255,1003 @@
           </a:fontRef>
         </p:style>
       </p:cxnSp>
+      <p:sp>
+        <p:nvSpPr>
+          <p:cNvPr id="8" name="TextBox 7">
+            <a:extLst>
+              <a:ext uri="{FF2B5EF4-FFF2-40B4-BE49-F238E27FC236}">
+                <a16:creationId xmlns:a16="http://schemas.microsoft.com/office/drawing/2014/main" id="{E998901D-6615-DD56-59FE-A3CE7A78C35C}"/>
+              </a:ext>
+            </a:extLst>
+          </p:cNvPr>
+          <p:cNvSpPr txBox="1"/>
+          <p:nvPr/>
+        </p:nvSpPr>
+        <p:spPr>
+          <a:xfrm>
+            <a:off x="260606" y="396226"/>
+            <a:ext cx="6096000" cy="1600438"/>
+          </a:xfrm>
+          <a:prstGeom prst="rect">
+            <a:avLst/>
+          </a:prstGeom>
+          <a:noFill/>
+        </p:spPr>
+        <p:txBody>
+          <a:bodyPr wrap="square">
+            <a:spAutoFit/>
+          </a:bodyPr>
+          <a:lstStyle/>
+          <a:p>
+            <a:r>
+              <a:rPr lang="ko-Kore-KR" altLang="en-US" sz="1400" dirty="0">
+                <a:latin typeface="DM Mono" panose="020B0509040201040103" pitchFamily="49" charset="0"/>
+              </a:rPr>
+              <a:t> ~User()</a:t>
+            </a:r>
+          </a:p>
+          <a:p>
+            <a:r>
+              <a:rPr lang="ko-Kore-KR" altLang="en-US" sz="1400" dirty="0">
+                <a:latin typeface="DM Mono" panose="020B0509040201040103" pitchFamily="49" charset="0"/>
+              </a:rPr>
+              <a:t>    {</a:t>
+            </a:r>
+          </a:p>
+          <a:p>
+            <a:r>
+              <a:rPr lang="ko-Kore-KR" altLang="en-US" sz="1400" dirty="0">
+                <a:solidFill>
+                  <a:srgbClr val="FF0000"/>
+                </a:solidFill>
+                <a:latin typeface="DM Mono" panose="020B0509040201040103" pitchFamily="49" charset="0"/>
+              </a:rPr>
+              <a:t>        if (--(*ref) == 0) {</a:t>
+            </a:r>
+          </a:p>
+          <a:p>
+            <a:r>
+              <a:rPr lang="ko-Kore-KR" altLang="en-US" sz="1400" dirty="0">
+                <a:solidFill>
+                  <a:srgbClr val="FF0000"/>
+                </a:solidFill>
+                <a:latin typeface="DM Mono" panose="020B0509040201040103" pitchFamily="49" charset="0"/>
+              </a:rPr>
+              <a:t>            delete[] name;</a:t>
+            </a:r>
+          </a:p>
+          <a:p>
+            <a:r>
+              <a:rPr lang="ko-Kore-KR" altLang="en-US" sz="1400" dirty="0">
+                <a:solidFill>
+                  <a:srgbClr val="FF0000"/>
+                </a:solidFill>
+                <a:latin typeface="DM Mono" panose="020B0509040201040103" pitchFamily="49" charset="0"/>
+              </a:rPr>
+              <a:t>            delete ref;</a:t>
+            </a:r>
+          </a:p>
+          <a:p>
+            <a:r>
+              <a:rPr lang="ko-Kore-KR" altLang="en-US" sz="1400" dirty="0">
+                <a:solidFill>
+                  <a:srgbClr val="FF0000"/>
+                </a:solidFill>
+                <a:latin typeface="DM Mono" panose="020B0509040201040103" pitchFamily="49" charset="0"/>
+              </a:rPr>
+              <a:t>        }</a:t>
+            </a:r>
+          </a:p>
+          <a:p>
+            <a:r>
+              <a:rPr lang="ko-Kore-KR" altLang="en-US" sz="1400" dirty="0">
+                <a:latin typeface="DM Mono" panose="020B0509040201040103" pitchFamily="49" charset="0"/>
+              </a:rPr>
+              <a:t>    }</a:t>
+            </a:r>
+          </a:p>
+        </p:txBody>
+      </p:sp>
     </p:spTree>
     <p:extLst>
       <p:ext uri="{BB962C8B-B14F-4D97-AF65-F5344CB8AC3E}">
         <p14:creationId xmlns:p14="http://schemas.microsoft.com/office/powerpoint/2010/main" val="3551017554"/>
+      </p:ext>
+    </p:extLst>
+  </p:cSld>
+  <p:clrMapOvr>
+    <a:masterClrMapping/>
+  </p:clrMapOvr>
+</p:sld>
+</file>
+
+<file path=ppt/slides/slide21.xml><?xml version="1.0" encoding="utf-8"?>
+<p:sld xmlns:a="http://schemas.openxmlformats.org/drawingml/2006/main" xmlns:r="http://schemas.openxmlformats.org/officeDocument/2006/relationships" xmlns:p="http://schemas.openxmlformats.org/presentationml/2006/main">
+  <p:cSld>
+    <p:spTree>
+      <p:nvGrpSpPr>
+        <p:cNvPr id="1" name=""/>
+        <p:cNvGrpSpPr/>
+        <p:nvPr/>
+      </p:nvGrpSpPr>
+      <p:grpSpPr>
+        <a:xfrm>
+          <a:off x="0" y="0"/>
+          <a:ext cx="0" cy="0"/>
+          <a:chOff x="0" y="0"/>
+          <a:chExt cx="0" cy="0"/>
+        </a:xfrm>
+      </p:grpSpPr>
+      <p:sp>
+        <p:nvSpPr>
+          <p:cNvPr id="5" name="TextBox 4">
+            <a:extLst>
+              <a:ext uri="{FF2B5EF4-FFF2-40B4-BE49-F238E27FC236}">
+                <a16:creationId xmlns:a16="http://schemas.microsoft.com/office/drawing/2014/main" id="{A9C408B7-EB2C-4D9F-4A24-834069D4D7F1}"/>
+              </a:ext>
+            </a:extLst>
+          </p:cNvPr>
+          <p:cNvSpPr txBox="1"/>
+          <p:nvPr/>
+        </p:nvSpPr>
+        <p:spPr>
+          <a:xfrm>
+            <a:off x="476609" y="445128"/>
+            <a:ext cx="6094562" cy="1600438"/>
+          </a:xfrm>
+          <a:prstGeom prst="rect">
+            <a:avLst/>
+          </a:prstGeom>
+          <a:noFill/>
+        </p:spPr>
+        <p:txBody>
+          <a:bodyPr wrap="square">
+            <a:spAutoFit/>
+          </a:bodyPr>
+          <a:lstStyle/>
+          <a:p>
+            <a:r>
+              <a:rPr lang="ko-KR" altLang="en-US" sz="1400" dirty="0">
+                <a:latin typeface="DM Mono" panose="020B0509040201040103" pitchFamily="49" charset="0"/>
+              </a:rPr>
+              <a:t> </a:t>
+            </a:r>
+            <a:r>
+              <a:rPr lang="en-US" altLang="ko-KR" sz="1400" dirty="0">
+                <a:latin typeface="DM Mono" panose="020B0509040201040103" pitchFamily="49" charset="0"/>
+              </a:rPr>
+              <a:t>// </a:t>
+            </a:r>
+            <a:r>
+              <a:rPr lang="ko-KR" altLang="en-US" sz="1400" dirty="0">
+                <a:latin typeface="DM Mono" panose="020B0509040201040103" pitchFamily="49" charset="0"/>
+              </a:rPr>
+              <a:t>깊은 복사</a:t>
+            </a:r>
+          </a:p>
+          <a:p>
+            <a:r>
+              <a:rPr lang="ko-KR" altLang="en-US" sz="1400" dirty="0">
+                <a:latin typeface="DM Mono" panose="020B0509040201040103" pitchFamily="49" charset="0"/>
+              </a:rPr>
+              <a:t>    </a:t>
+            </a:r>
+            <a:r>
+              <a:rPr lang="en" altLang="ko-Kore-KR" sz="1400" dirty="0">
+                <a:latin typeface="DM Mono" panose="020B0509040201040103" pitchFamily="49" charset="0"/>
+              </a:rPr>
+              <a:t>User(const User&amp; </a:t>
+            </a:r>
+            <a:r>
+              <a:rPr lang="en" altLang="ko-Kore-KR" sz="1400" dirty="0" err="1">
+                <a:latin typeface="DM Mono" panose="020B0509040201040103" pitchFamily="49" charset="0"/>
+              </a:rPr>
+              <a:t>rhs</a:t>
+            </a:r>
+            <a:r>
+              <a:rPr lang="en" altLang="ko-Kore-KR" sz="1400" dirty="0">
+                <a:latin typeface="DM Mono" panose="020B0509040201040103" pitchFamily="49" charset="0"/>
+              </a:rPr>
+              <a:t>)</a:t>
+            </a:r>
+          </a:p>
+          <a:p>
+            <a:r>
+              <a:rPr lang="en" altLang="ko-Kore-KR" sz="1400" dirty="0">
+                <a:latin typeface="DM Mono" panose="020B0509040201040103" pitchFamily="49" charset="0"/>
+              </a:rPr>
+              <a:t>        : age(</a:t>
+            </a:r>
+            <a:r>
+              <a:rPr lang="en" altLang="ko-Kore-KR" sz="1400" dirty="0" err="1">
+                <a:latin typeface="DM Mono" panose="020B0509040201040103" pitchFamily="49" charset="0"/>
+              </a:rPr>
+              <a:t>rhs.age</a:t>
+            </a:r>
+            <a:r>
+              <a:rPr lang="en" altLang="ko-Kore-KR" sz="1400" dirty="0">
+                <a:latin typeface="DM Mono" panose="020B0509040201040103" pitchFamily="49" charset="0"/>
+              </a:rPr>
+              <a:t>) // </a:t>
+            </a:r>
+            <a:r>
+              <a:rPr lang="ko-KR" altLang="en-US" sz="1400" dirty="0">
+                <a:latin typeface="DM Mono" panose="020B0509040201040103" pitchFamily="49" charset="0"/>
+              </a:rPr>
+              <a:t>포인터 아닌 멤버에 대한 복사</a:t>
+            </a:r>
+          </a:p>
+          <a:p>
+            <a:r>
+              <a:rPr lang="ko-KR" altLang="en-US" sz="1400" dirty="0">
+                <a:latin typeface="DM Mono" panose="020B0509040201040103" pitchFamily="49" charset="0"/>
+              </a:rPr>
+              <a:t>    </a:t>
+            </a:r>
+            <a:r>
+              <a:rPr lang="en-US" altLang="ko-KR" sz="1400" dirty="0">
+                <a:latin typeface="DM Mono" panose="020B0509040201040103" pitchFamily="49" charset="0"/>
+              </a:rPr>
+              <a:t>{</a:t>
+            </a:r>
+          </a:p>
+          <a:p>
+            <a:r>
+              <a:rPr lang="en-US" altLang="ko-KR" sz="1400" dirty="0">
+                <a:latin typeface="DM Mono" panose="020B0509040201040103" pitchFamily="49" charset="0"/>
+              </a:rPr>
+              <a:t>        </a:t>
+            </a:r>
+            <a:r>
+              <a:rPr lang="en" altLang="ko-Kore-KR" sz="1400" dirty="0">
+                <a:latin typeface="DM Mono" panose="020B0509040201040103" pitchFamily="49" charset="0"/>
+              </a:rPr>
+              <a:t>name = new char[</a:t>
+            </a:r>
+            <a:r>
+              <a:rPr lang="en" altLang="ko-Kore-KR" sz="1400" dirty="0" err="1">
+                <a:latin typeface="DM Mono" panose="020B0509040201040103" pitchFamily="49" charset="0"/>
+              </a:rPr>
+              <a:t>strlen</a:t>
+            </a:r>
+            <a:r>
+              <a:rPr lang="en" altLang="ko-Kore-KR" sz="1400" dirty="0">
+                <a:latin typeface="DM Mono" panose="020B0509040201040103" pitchFamily="49" charset="0"/>
+              </a:rPr>
+              <a:t>(</a:t>
+            </a:r>
+            <a:r>
+              <a:rPr lang="en" altLang="ko-Kore-KR" sz="1400" dirty="0" err="1">
+                <a:latin typeface="DM Mono" panose="020B0509040201040103" pitchFamily="49" charset="0"/>
+              </a:rPr>
+              <a:t>rhs.name</a:t>
+            </a:r>
+            <a:r>
+              <a:rPr lang="en" altLang="ko-Kore-KR" sz="1400" dirty="0">
+                <a:latin typeface="DM Mono" panose="020B0509040201040103" pitchFamily="49" charset="0"/>
+              </a:rPr>
+              <a:t>) + 1];</a:t>
+            </a:r>
+          </a:p>
+          <a:p>
+            <a:r>
+              <a:rPr lang="en" altLang="ko-Kore-KR" sz="1400" dirty="0">
+                <a:latin typeface="DM Mono" panose="020B0509040201040103" pitchFamily="49" charset="0"/>
+              </a:rPr>
+              <a:t>        </a:t>
+            </a:r>
+            <a:r>
+              <a:rPr lang="en" altLang="ko-Kore-KR" sz="1400" dirty="0" err="1">
+                <a:latin typeface="DM Mono" panose="020B0509040201040103" pitchFamily="49" charset="0"/>
+              </a:rPr>
+              <a:t>strcpy</a:t>
+            </a:r>
+            <a:r>
+              <a:rPr lang="en" altLang="ko-Kore-KR" sz="1400" dirty="0">
+                <a:latin typeface="DM Mono" panose="020B0509040201040103" pitchFamily="49" charset="0"/>
+              </a:rPr>
+              <a:t>(name, </a:t>
+            </a:r>
+            <a:r>
+              <a:rPr lang="en" altLang="ko-Kore-KR" sz="1400" dirty="0" err="1">
+                <a:latin typeface="DM Mono" panose="020B0509040201040103" pitchFamily="49" charset="0"/>
+              </a:rPr>
+              <a:t>rhs.name</a:t>
+            </a:r>
+            <a:r>
+              <a:rPr lang="en" altLang="ko-Kore-KR" sz="1400" dirty="0">
+                <a:latin typeface="DM Mono" panose="020B0509040201040103" pitchFamily="49" charset="0"/>
+              </a:rPr>
+              <a:t>);</a:t>
+            </a:r>
+          </a:p>
+          <a:p>
+            <a:r>
+              <a:rPr lang="en" altLang="ko-Kore-KR" sz="1400" dirty="0">
+                <a:latin typeface="DM Mono" panose="020B0509040201040103" pitchFamily="49" charset="0"/>
+              </a:rPr>
+              <a:t>    }</a:t>
+            </a:r>
+            <a:endParaRPr lang="ko-Kore-KR" altLang="en-US" sz="1400" dirty="0">
+              <a:latin typeface="DM Mono" panose="020B0509040201040103" pitchFamily="49" charset="0"/>
+            </a:endParaRPr>
+          </a:p>
+        </p:txBody>
+      </p:sp>
+      <p:sp>
+        <p:nvSpPr>
+          <p:cNvPr id="6" name="직사각형 5">
+            <a:extLst>
+              <a:ext uri="{FF2B5EF4-FFF2-40B4-BE49-F238E27FC236}">
+                <a16:creationId xmlns:a16="http://schemas.microsoft.com/office/drawing/2014/main" id="{C0CD5A7C-DCA0-1464-3C57-55040947D5C1}"/>
+              </a:ext>
+            </a:extLst>
+          </p:cNvPr>
+          <p:cNvSpPr/>
+          <p:nvPr/>
+        </p:nvSpPr>
+        <p:spPr>
+          <a:xfrm>
+            <a:off x="2742057" y="2505635"/>
+            <a:ext cx="4891177" cy="2665563"/>
+          </a:xfrm>
+          <a:prstGeom prst="rect">
+            <a:avLst/>
+          </a:prstGeom>
+          <a:solidFill>
+            <a:schemeClr val="bg1"/>
+          </a:solidFill>
+        </p:spPr>
+        <p:style>
+          <a:lnRef idx="2">
+            <a:schemeClr val="accent1">
+              <a:shade val="50000"/>
+            </a:schemeClr>
+          </a:lnRef>
+          <a:fillRef idx="1">
+            <a:schemeClr val="accent1"/>
+          </a:fillRef>
+          <a:effectRef idx="0">
+            <a:schemeClr val="accent1"/>
+          </a:effectRef>
+          <a:fontRef idx="minor">
+            <a:schemeClr val="lt1"/>
+          </a:fontRef>
+        </p:style>
+        <p:txBody>
+          <a:bodyPr rtlCol="0" anchor="ctr"/>
+          <a:lstStyle/>
+          <a:p>
+            <a:pPr algn="ctr"/>
+            <a:endParaRPr kumimoji="1" lang="ko-Kore-KR" altLang="en-US"/>
+          </a:p>
+        </p:txBody>
+      </p:sp>
+      <p:sp>
+        <p:nvSpPr>
+          <p:cNvPr id="7" name="TextBox 6">
+            <a:extLst>
+              <a:ext uri="{FF2B5EF4-FFF2-40B4-BE49-F238E27FC236}">
+                <a16:creationId xmlns:a16="http://schemas.microsoft.com/office/drawing/2014/main" id="{95A02362-E5AB-6671-7474-3C62A2CB9350}"/>
+              </a:ext>
+            </a:extLst>
+          </p:cNvPr>
+          <p:cNvSpPr txBox="1"/>
+          <p:nvPr/>
+        </p:nvSpPr>
+        <p:spPr>
+          <a:xfrm>
+            <a:off x="4770343" y="2136303"/>
+            <a:ext cx="834606" cy="369332"/>
+          </a:xfrm>
+          <a:prstGeom prst="rect">
+            <a:avLst/>
+          </a:prstGeom>
+          <a:noFill/>
+        </p:spPr>
+        <p:txBody>
+          <a:bodyPr wrap="square">
+            <a:spAutoFit/>
+          </a:bodyPr>
+          <a:lstStyle/>
+          <a:p>
+            <a:r>
+              <a:rPr lang="ko-Kore-KR" altLang="en-US" sz="1800" dirty="0">
+                <a:latin typeface="DM Mono" panose="020B0509040201040103" pitchFamily="49" charset="0"/>
+              </a:rPr>
+              <a:t>main</a:t>
+            </a:r>
+            <a:endParaRPr lang="ko-Kore-KR" altLang="en-US" dirty="0"/>
+          </a:p>
+        </p:txBody>
+      </p:sp>
+      <p:sp>
+        <p:nvSpPr>
+          <p:cNvPr id="8" name="직사각형 7">
+            <a:extLst>
+              <a:ext uri="{FF2B5EF4-FFF2-40B4-BE49-F238E27FC236}">
+                <a16:creationId xmlns:a16="http://schemas.microsoft.com/office/drawing/2014/main" id="{B3BF2BFC-0B55-160D-55C6-F3BD3753D6EA}"/>
+              </a:ext>
+            </a:extLst>
+          </p:cNvPr>
+          <p:cNvSpPr/>
+          <p:nvPr/>
+        </p:nvSpPr>
+        <p:spPr>
+          <a:xfrm>
+            <a:off x="3458051" y="2937308"/>
+            <a:ext cx="1242204" cy="543464"/>
+          </a:xfrm>
+          <a:prstGeom prst="rect">
+            <a:avLst/>
+          </a:prstGeom>
+          <a:solidFill>
+            <a:srgbClr val="FFFF00"/>
+          </a:solidFill>
+        </p:spPr>
+        <p:style>
+          <a:lnRef idx="2">
+            <a:schemeClr val="accent4">
+              <a:shade val="50000"/>
+            </a:schemeClr>
+          </a:lnRef>
+          <a:fillRef idx="1">
+            <a:schemeClr val="accent4"/>
+          </a:fillRef>
+          <a:effectRef idx="0">
+            <a:schemeClr val="accent4"/>
+          </a:effectRef>
+          <a:fontRef idx="minor">
+            <a:schemeClr val="lt1"/>
+          </a:fontRef>
+        </p:style>
+        <p:txBody>
+          <a:bodyPr rtlCol="0" anchor="ctr"/>
+          <a:lstStyle/>
+          <a:p>
+            <a:pPr algn="ctr"/>
+            <a:r>
+              <a:rPr kumimoji="1" lang="en-US" altLang="ko-Kore-KR" sz="1600" dirty="0" err="1">
+                <a:solidFill>
+                  <a:schemeClr val="tx1"/>
+                </a:solidFill>
+                <a:latin typeface="DM Mono" panose="020B0509040201040103" pitchFamily="49" charset="0"/>
+              </a:rPr>
+              <a:t>nullptr</a:t>
+            </a:r>
+            <a:endParaRPr kumimoji="1" lang="ko-Kore-KR" altLang="en-US" sz="1600" dirty="0">
+              <a:solidFill>
+                <a:schemeClr val="tx1"/>
+              </a:solidFill>
+              <a:latin typeface="DM Mono" panose="020B0509040201040103" pitchFamily="49" charset="0"/>
+            </a:endParaRPr>
+          </a:p>
+        </p:txBody>
+      </p:sp>
+      <p:sp>
+        <p:nvSpPr>
+          <p:cNvPr id="9" name="TextBox 8">
+            <a:extLst>
+              <a:ext uri="{FF2B5EF4-FFF2-40B4-BE49-F238E27FC236}">
+                <a16:creationId xmlns:a16="http://schemas.microsoft.com/office/drawing/2014/main" id="{40F5470D-37AD-B379-4FF8-25D26C48836B}"/>
+              </a:ext>
+            </a:extLst>
+          </p:cNvPr>
+          <p:cNvSpPr txBox="1"/>
+          <p:nvPr/>
+        </p:nvSpPr>
+        <p:spPr>
+          <a:xfrm>
+            <a:off x="3639745" y="2559350"/>
+            <a:ext cx="878816" cy="369332"/>
+          </a:xfrm>
+          <a:prstGeom prst="rect">
+            <a:avLst/>
+          </a:prstGeom>
+          <a:noFill/>
+        </p:spPr>
+        <p:txBody>
+          <a:bodyPr wrap="square">
+            <a:spAutoFit/>
+          </a:bodyPr>
+          <a:lstStyle/>
+          <a:p>
+            <a:r>
+              <a:rPr lang="en-US" altLang="ko-Kore-KR" dirty="0">
+                <a:latin typeface="DM Mono" panose="020B0509040201040103" pitchFamily="49" charset="0"/>
+              </a:rPr>
+              <a:t>user1</a:t>
+            </a:r>
+            <a:endParaRPr lang="ko-Kore-KR" altLang="en-US" dirty="0"/>
+          </a:p>
+        </p:txBody>
+      </p:sp>
+      <p:sp>
+        <p:nvSpPr>
+          <p:cNvPr id="10" name="TextBox 9">
+            <a:extLst>
+              <a:ext uri="{FF2B5EF4-FFF2-40B4-BE49-F238E27FC236}">
+                <a16:creationId xmlns:a16="http://schemas.microsoft.com/office/drawing/2014/main" id="{D1EE629E-DEFC-2D6D-FFFE-81A1816C48D8}"/>
+              </a:ext>
+            </a:extLst>
+          </p:cNvPr>
+          <p:cNvSpPr txBox="1"/>
+          <p:nvPr/>
+        </p:nvSpPr>
+        <p:spPr>
+          <a:xfrm>
+            <a:off x="2663702" y="3024374"/>
+            <a:ext cx="794349" cy="369332"/>
+          </a:xfrm>
+          <a:prstGeom prst="rect">
+            <a:avLst/>
+          </a:prstGeom>
+          <a:noFill/>
+        </p:spPr>
+        <p:txBody>
+          <a:bodyPr wrap="square">
+            <a:spAutoFit/>
+          </a:bodyPr>
+          <a:lstStyle/>
+          <a:p>
+            <a:pPr algn="r"/>
+            <a:r>
+              <a:rPr lang="en-US" altLang="ko-Kore-KR" dirty="0">
+                <a:latin typeface="DM Mono" panose="020B0509040201040103" pitchFamily="49" charset="0"/>
+              </a:rPr>
+              <a:t>name</a:t>
+            </a:r>
+            <a:endParaRPr lang="ko-Kore-KR" altLang="en-US" dirty="0"/>
+          </a:p>
+        </p:txBody>
+      </p:sp>
+      <p:sp>
+        <p:nvSpPr>
+          <p:cNvPr id="11" name="직사각형 10">
+            <a:extLst>
+              <a:ext uri="{FF2B5EF4-FFF2-40B4-BE49-F238E27FC236}">
+                <a16:creationId xmlns:a16="http://schemas.microsoft.com/office/drawing/2014/main" id="{C8AFE9BD-EC5A-74EA-40A2-B58CD85470F8}"/>
+              </a:ext>
+            </a:extLst>
+          </p:cNvPr>
+          <p:cNvSpPr/>
+          <p:nvPr/>
+        </p:nvSpPr>
+        <p:spPr>
+          <a:xfrm>
+            <a:off x="3458051" y="3489398"/>
+            <a:ext cx="1242204" cy="543464"/>
+          </a:xfrm>
+          <a:prstGeom prst="rect">
+            <a:avLst/>
+          </a:prstGeom>
+          <a:solidFill>
+            <a:srgbClr val="FFFF00"/>
+          </a:solidFill>
+        </p:spPr>
+        <p:style>
+          <a:lnRef idx="2">
+            <a:schemeClr val="accent4">
+              <a:shade val="50000"/>
+            </a:schemeClr>
+          </a:lnRef>
+          <a:fillRef idx="1">
+            <a:schemeClr val="accent4"/>
+          </a:fillRef>
+          <a:effectRef idx="0">
+            <a:schemeClr val="accent4"/>
+          </a:effectRef>
+          <a:fontRef idx="minor">
+            <a:schemeClr val="lt1"/>
+          </a:fontRef>
+        </p:style>
+        <p:txBody>
+          <a:bodyPr rtlCol="0" anchor="ctr"/>
+          <a:lstStyle/>
+          <a:p>
+            <a:pPr algn="ctr"/>
+            <a:r>
+              <a:rPr kumimoji="1" lang="en-US" altLang="ko-Kore-KR" sz="1600" dirty="0">
+                <a:solidFill>
+                  <a:schemeClr val="tx1"/>
+                </a:solidFill>
+                <a:latin typeface="DM Mono" panose="020B0509040201040103" pitchFamily="49" charset="0"/>
+              </a:rPr>
+              <a:t>0</a:t>
+            </a:r>
+            <a:endParaRPr kumimoji="1" lang="ko-Kore-KR" altLang="en-US" sz="1600" dirty="0">
+              <a:solidFill>
+                <a:schemeClr val="tx1"/>
+              </a:solidFill>
+              <a:latin typeface="DM Mono" panose="020B0509040201040103" pitchFamily="49" charset="0"/>
+            </a:endParaRPr>
+          </a:p>
+        </p:txBody>
+      </p:sp>
+      <p:sp>
+        <p:nvSpPr>
+          <p:cNvPr id="12" name="TextBox 11">
+            <a:extLst>
+              <a:ext uri="{FF2B5EF4-FFF2-40B4-BE49-F238E27FC236}">
+                <a16:creationId xmlns:a16="http://schemas.microsoft.com/office/drawing/2014/main" id="{61E071AD-26B0-2AD5-0544-429B60751643}"/>
+              </a:ext>
+            </a:extLst>
+          </p:cNvPr>
+          <p:cNvSpPr txBox="1"/>
+          <p:nvPr/>
+        </p:nvSpPr>
+        <p:spPr>
+          <a:xfrm>
+            <a:off x="2597552" y="3576464"/>
+            <a:ext cx="860499" cy="369332"/>
+          </a:xfrm>
+          <a:prstGeom prst="rect">
+            <a:avLst/>
+          </a:prstGeom>
+          <a:noFill/>
+        </p:spPr>
+        <p:txBody>
+          <a:bodyPr wrap="square">
+            <a:spAutoFit/>
+          </a:bodyPr>
+          <a:lstStyle/>
+          <a:p>
+            <a:pPr algn="r"/>
+            <a:r>
+              <a:rPr lang="en-US" altLang="ko-Kore-KR" dirty="0">
+                <a:latin typeface="DM Mono" panose="020B0509040201040103" pitchFamily="49" charset="0"/>
+              </a:rPr>
+              <a:t>age</a:t>
+            </a:r>
+            <a:endParaRPr lang="ko-Kore-KR" altLang="en-US" dirty="0"/>
+          </a:p>
+        </p:txBody>
+      </p:sp>
+      <p:sp>
+        <p:nvSpPr>
+          <p:cNvPr id="13" name="직사각형 12">
+            <a:extLst>
+              <a:ext uri="{FF2B5EF4-FFF2-40B4-BE49-F238E27FC236}">
+                <a16:creationId xmlns:a16="http://schemas.microsoft.com/office/drawing/2014/main" id="{59B76654-A045-AC5D-7DD6-7340D6D98C38}"/>
+              </a:ext>
+            </a:extLst>
+          </p:cNvPr>
+          <p:cNvSpPr/>
+          <p:nvPr/>
+        </p:nvSpPr>
+        <p:spPr>
+          <a:xfrm>
+            <a:off x="9409263" y="605639"/>
+            <a:ext cx="1242204" cy="543464"/>
+          </a:xfrm>
+          <a:prstGeom prst="rect">
+            <a:avLst/>
+          </a:prstGeom>
+          <a:solidFill>
+            <a:srgbClr val="FFFF00"/>
+          </a:solidFill>
+        </p:spPr>
+        <p:style>
+          <a:lnRef idx="2">
+            <a:schemeClr val="accent4">
+              <a:shade val="50000"/>
+            </a:schemeClr>
+          </a:lnRef>
+          <a:fillRef idx="1">
+            <a:schemeClr val="accent4"/>
+          </a:fillRef>
+          <a:effectRef idx="0">
+            <a:schemeClr val="accent4"/>
+          </a:effectRef>
+          <a:fontRef idx="minor">
+            <a:schemeClr val="lt1"/>
+          </a:fontRef>
+        </p:style>
+        <p:txBody>
+          <a:bodyPr rtlCol="0" anchor="ctr"/>
+          <a:lstStyle/>
+          <a:p>
+            <a:pPr algn="ctr"/>
+            <a:r>
+              <a:rPr kumimoji="1" lang="en-US" altLang="ko-Kore-KR" sz="1600" dirty="0">
+                <a:solidFill>
+                  <a:schemeClr val="tx1"/>
+                </a:solidFill>
+                <a:latin typeface="DM Mono" panose="020B0509040201040103" pitchFamily="49" charset="0"/>
+              </a:rPr>
+              <a:t>“Tom”</a:t>
+            </a:r>
+            <a:endParaRPr kumimoji="1" lang="ko-Kore-KR" altLang="en-US" sz="1600" dirty="0">
+              <a:solidFill>
+                <a:schemeClr val="tx1"/>
+              </a:solidFill>
+              <a:latin typeface="DM Mono" panose="020B0509040201040103" pitchFamily="49" charset="0"/>
+            </a:endParaRPr>
+          </a:p>
+        </p:txBody>
+      </p:sp>
+      <p:sp>
+        <p:nvSpPr>
+          <p:cNvPr id="3" name="직사각형 2">
+            <a:extLst>
+              <a:ext uri="{FF2B5EF4-FFF2-40B4-BE49-F238E27FC236}">
+                <a16:creationId xmlns:a16="http://schemas.microsoft.com/office/drawing/2014/main" id="{FC0C6677-9300-CE05-B8EB-F8C6D7156B28}"/>
+              </a:ext>
+            </a:extLst>
+          </p:cNvPr>
+          <p:cNvSpPr/>
+          <p:nvPr/>
+        </p:nvSpPr>
+        <p:spPr>
+          <a:xfrm>
+            <a:off x="5608327" y="3741750"/>
+            <a:ext cx="1242204" cy="543464"/>
+          </a:xfrm>
+          <a:prstGeom prst="rect">
+            <a:avLst/>
+          </a:prstGeom>
+          <a:solidFill>
+            <a:srgbClr val="FFFF00"/>
+          </a:solidFill>
+        </p:spPr>
+        <p:style>
+          <a:lnRef idx="2">
+            <a:schemeClr val="accent4">
+              <a:shade val="50000"/>
+            </a:schemeClr>
+          </a:lnRef>
+          <a:fillRef idx="1">
+            <a:schemeClr val="accent4"/>
+          </a:fillRef>
+          <a:effectRef idx="0">
+            <a:schemeClr val="accent4"/>
+          </a:effectRef>
+          <a:fontRef idx="minor">
+            <a:schemeClr val="lt1"/>
+          </a:fontRef>
+        </p:style>
+        <p:txBody>
+          <a:bodyPr rtlCol="0" anchor="ctr"/>
+          <a:lstStyle/>
+          <a:p>
+            <a:pPr algn="ctr"/>
+            <a:endParaRPr kumimoji="1" lang="ko-Kore-KR" altLang="en-US" sz="1600" dirty="0">
+              <a:solidFill>
+                <a:schemeClr val="tx1"/>
+              </a:solidFill>
+              <a:latin typeface="DM Mono" panose="020B0509040201040103" pitchFamily="49" charset="0"/>
+            </a:endParaRPr>
+          </a:p>
+        </p:txBody>
+      </p:sp>
+      <p:sp>
+        <p:nvSpPr>
+          <p:cNvPr id="4" name="TextBox 3">
+            <a:extLst>
+              <a:ext uri="{FF2B5EF4-FFF2-40B4-BE49-F238E27FC236}">
+                <a16:creationId xmlns:a16="http://schemas.microsoft.com/office/drawing/2014/main" id="{3AEE1F5E-D599-834A-B257-69D3D175AD94}"/>
+              </a:ext>
+            </a:extLst>
+          </p:cNvPr>
+          <p:cNvSpPr txBox="1"/>
+          <p:nvPr/>
+        </p:nvSpPr>
+        <p:spPr>
+          <a:xfrm>
+            <a:off x="5790021" y="3363792"/>
+            <a:ext cx="878816" cy="369332"/>
+          </a:xfrm>
+          <a:prstGeom prst="rect">
+            <a:avLst/>
+          </a:prstGeom>
+          <a:noFill/>
+        </p:spPr>
+        <p:txBody>
+          <a:bodyPr wrap="square">
+            <a:spAutoFit/>
+          </a:bodyPr>
+          <a:lstStyle/>
+          <a:p>
+            <a:r>
+              <a:rPr lang="en-US" altLang="ko-Kore-KR" dirty="0">
+                <a:latin typeface="DM Mono" panose="020B0509040201040103" pitchFamily="49" charset="0"/>
+              </a:rPr>
+              <a:t>user2</a:t>
+            </a:r>
+            <a:endParaRPr lang="ko-Kore-KR" altLang="en-US" dirty="0"/>
+          </a:p>
+        </p:txBody>
+      </p:sp>
+      <p:sp>
+        <p:nvSpPr>
+          <p:cNvPr id="14" name="TextBox 13">
+            <a:extLst>
+              <a:ext uri="{FF2B5EF4-FFF2-40B4-BE49-F238E27FC236}">
+                <a16:creationId xmlns:a16="http://schemas.microsoft.com/office/drawing/2014/main" id="{CEB04603-2D0B-9842-C910-6F1B3781049A}"/>
+              </a:ext>
+            </a:extLst>
+          </p:cNvPr>
+          <p:cNvSpPr txBox="1"/>
+          <p:nvPr/>
+        </p:nvSpPr>
+        <p:spPr>
+          <a:xfrm>
+            <a:off x="4813978" y="3828816"/>
+            <a:ext cx="794349" cy="369332"/>
+          </a:xfrm>
+          <a:prstGeom prst="rect">
+            <a:avLst/>
+          </a:prstGeom>
+          <a:noFill/>
+        </p:spPr>
+        <p:txBody>
+          <a:bodyPr wrap="square">
+            <a:spAutoFit/>
+          </a:bodyPr>
+          <a:lstStyle/>
+          <a:p>
+            <a:pPr algn="r"/>
+            <a:r>
+              <a:rPr lang="en-US" altLang="ko-Kore-KR" dirty="0">
+                <a:latin typeface="DM Mono" panose="020B0509040201040103" pitchFamily="49" charset="0"/>
+              </a:rPr>
+              <a:t>name</a:t>
+            </a:r>
+            <a:endParaRPr lang="ko-Kore-KR" altLang="en-US" dirty="0"/>
+          </a:p>
+        </p:txBody>
+      </p:sp>
+      <p:sp>
+        <p:nvSpPr>
+          <p:cNvPr id="16" name="직사각형 15">
+            <a:extLst>
+              <a:ext uri="{FF2B5EF4-FFF2-40B4-BE49-F238E27FC236}">
+                <a16:creationId xmlns:a16="http://schemas.microsoft.com/office/drawing/2014/main" id="{A45FC98D-2091-B06F-0CEE-784E9E354FDA}"/>
+              </a:ext>
+            </a:extLst>
+          </p:cNvPr>
+          <p:cNvSpPr/>
+          <p:nvPr/>
+        </p:nvSpPr>
+        <p:spPr>
+          <a:xfrm>
+            <a:off x="5608327" y="4293840"/>
+            <a:ext cx="1242204" cy="543464"/>
+          </a:xfrm>
+          <a:prstGeom prst="rect">
+            <a:avLst/>
+          </a:prstGeom>
+          <a:solidFill>
+            <a:srgbClr val="FFFF00"/>
+          </a:solidFill>
+        </p:spPr>
+        <p:style>
+          <a:lnRef idx="2">
+            <a:schemeClr val="accent4">
+              <a:shade val="50000"/>
+            </a:schemeClr>
+          </a:lnRef>
+          <a:fillRef idx="1">
+            <a:schemeClr val="accent4"/>
+          </a:fillRef>
+          <a:effectRef idx="0">
+            <a:schemeClr val="accent4"/>
+          </a:effectRef>
+          <a:fontRef idx="minor">
+            <a:schemeClr val="lt1"/>
+          </a:fontRef>
+        </p:style>
+        <p:txBody>
+          <a:bodyPr rtlCol="0" anchor="ctr"/>
+          <a:lstStyle/>
+          <a:p>
+            <a:pPr algn="ctr"/>
+            <a:r>
+              <a:rPr kumimoji="1" lang="en-US" altLang="ko-Kore-KR" sz="1600" dirty="0">
+                <a:solidFill>
+                  <a:srgbClr val="FF0000"/>
+                </a:solidFill>
+                <a:latin typeface="DM Mono" panose="020B0509040201040103" pitchFamily="49" charset="0"/>
+              </a:rPr>
+              <a:t>42</a:t>
+            </a:r>
+            <a:endParaRPr kumimoji="1" lang="ko-Kore-KR" altLang="en-US" sz="1600" dirty="0">
+              <a:solidFill>
+                <a:srgbClr val="FF0000"/>
+              </a:solidFill>
+              <a:latin typeface="DM Mono" panose="020B0509040201040103" pitchFamily="49" charset="0"/>
+            </a:endParaRPr>
+          </a:p>
+        </p:txBody>
+      </p:sp>
+      <p:sp>
+        <p:nvSpPr>
+          <p:cNvPr id="17" name="TextBox 16">
+            <a:extLst>
+              <a:ext uri="{FF2B5EF4-FFF2-40B4-BE49-F238E27FC236}">
+                <a16:creationId xmlns:a16="http://schemas.microsoft.com/office/drawing/2014/main" id="{2EB42016-C226-914B-27C1-A1EE70B29834}"/>
+              </a:ext>
+            </a:extLst>
+          </p:cNvPr>
+          <p:cNvSpPr txBox="1"/>
+          <p:nvPr/>
+        </p:nvSpPr>
+        <p:spPr>
+          <a:xfrm>
+            <a:off x="4747828" y="4380906"/>
+            <a:ext cx="860499" cy="369332"/>
+          </a:xfrm>
+          <a:prstGeom prst="rect">
+            <a:avLst/>
+          </a:prstGeom>
+          <a:noFill/>
+        </p:spPr>
+        <p:txBody>
+          <a:bodyPr wrap="square">
+            <a:spAutoFit/>
+          </a:bodyPr>
+          <a:lstStyle/>
+          <a:p>
+            <a:pPr algn="r"/>
+            <a:r>
+              <a:rPr lang="en-US" altLang="ko-Kore-KR" dirty="0">
+                <a:latin typeface="DM Mono" panose="020B0509040201040103" pitchFamily="49" charset="0"/>
+              </a:rPr>
+              <a:t>age</a:t>
+            </a:r>
+            <a:endParaRPr lang="ko-Kore-KR" altLang="en-US" dirty="0"/>
+          </a:p>
+        </p:txBody>
+      </p:sp>
+      <p:cxnSp>
+        <p:nvCxnSpPr>
+          <p:cNvPr id="20" name="구부러진 연결선[U] 19">
+            <a:extLst>
+              <a:ext uri="{FF2B5EF4-FFF2-40B4-BE49-F238E27FC236}">
+                <a16:creationId xmlns:a16="http://schemas.microsoft.com/office/drawing/2014/main" id="{A0F3BFC4-522C-E000-6DAF-D19F7C6EEA09}"/>
+              </a:ext>
+            </a:extLst>
+          </p:cNvPr>
+          <p:cNvCxnSpPr>
+            <a:cxnSpLocks/>
+            <a:stCxn id="3" idx="3"/>
+            <a:endCxn id="13" idx="1"/>
+          </p:cNvCxnSpPr>
+          <p:nvPr/>
+        </p:nvCxnSpPr>
+        <p:spPr>
+          <a:xfrm flipV="1">
+            <a:off x="6850531" y="877371"/>
+            <a:ext cx="2558732" cy="3136111"/>
+          </a:xfrm>
+          <a:prstGeom prst="curvedConnector3">
+            <a:avLst>
+              <a:gd name="adj1" fmla="val 50000"/>
+            </a:avLst>
+          </a:prstGeom>
+          <a:ln>
+            <a:tailEnd type="triangle"/>
+          </a:ln>
+        </p:spPr>
+        <p:style>
+          <a:lnRef idx="1">
+            <a:schemeClr val="dk1"/>
+          </a:lnRef>
+          <a:fillRef idx="0">
+            <a:schemeClr val="dk1"/>
+          </a:fillRef>
+          <a:effectRef idx="0">
+            <a:schemeClr val="dk1"/>
+          </a:effectRef>
+          <a:fontRef idx="minor">
+            <a:schemeClr val="tx1"/>
+          </a:fontRef>
+        </p:style>
+      </p:cxnSp>
+    </p:spTree>
+    <p:extLst>
+      <p:ext uri="{BB962C8B-B14F-4D97-AF65-F5344CB8AC3E}">
+        <p14:creationId xmlns:p14="http://schemas.microsoft.com/office/powerpoint/2010/main" val="2170153829"/>
       </p:ext>
     </p:extLst>
   </p:cSld>

--- a/cpp/230223.pptx
+++ b/cpp/230223.pptx
@@ -26,6 +26,8 @@
     <p:sldId id="276" r:id="rId20"/>
     <p:sldId id="277" r:id="rId21"/>
     <p:sldId id="278" r:id="rId22"/>
+    <p:sldId id="279" r:id="rId23"/>
+    <p:sldId id="280" r:id="rId24"/>
   </p:sldIdLst>
   <p:sldSz cx="12192000" cy="6858000"/>
   <p:notesSz cx="6858000" cy="9144000"/>
@@ -16252,6 +16254,1134 @@
     <p:extLst>
       <p:ext uri="{BB962C8B-B14F-4D97-AF65-F5344CB8AC3E}">
         <p14:creationId xmlns:p14="http://schemas.microsoft.com/office/powerpoint/2010/main" val="2170153829"/>
+      </p:ext>
+    </p:extLst>
+  </p:cSld>
+  <p:clrMapOvr>
+    <a:masterClrMapping/>
+  </p:clrMapOvr>
+</p:sld>
+</file>
+
+<file path=ppt/slides/slide22.xml><?xml version="1.0" encoding="utf-8"?>
+<p:sld xmlns:a="http://schemas.openxmlformats.org/drawingml/2006/main" xmlns:r="http://schemas.openxmlformats.org/officeDocument/2006/relationships" xmlns:p="http://schemas.openxmlformats.org/presentationml/2006/main">
+  <p:cSld>
+    <p:spTree>
+      <p:nvGrpSpPr>
+        <p:cNvPr id="1" name=""/>
+        <p:cNvGrpSpPr/>
+        <p:nvPr/>
+      </p:nvGrpSpPr>
+      <p:grpSpPr>
+        <a:xfrm>
+          <a:off x="0" y="0"/>
+          <a:ext cx="0" cy="0"/>
+          <a:chOff x="0" y="0"/>
+          <a:chExt cx="0" cy="0"/>
+        </a:xfrm>
+      </p:grpSpPr>
+      <p:sp>
+        <p:nvSpPr>
+          <p:cNvPr id="16" name="직사각형 15">
+            <a:extLst>
+              <a:ext uri="{FF2B5EF4-FFF2-40B4-BE49-F238E27FC236}">
+                <a16:creationId xmlns:a16="http://schemas.microsoft.com/office/drawing/2014/main" id="{1CF2800F-91BF-8383-014B-77425F9F78DE}"/>
+              </a:ext>
+            </a:extLst>
+          </p:cNvPr>
+          <p:cNvSpPr/>
+          <p:nvPr/>
+        </p:nvSpPr>
+        <p:spPr>
+          <a:xfrm>
+            <a:off x="8584268" y="373517"/>
+            <a:ext cx="3329826" cy="1389720"/>
+          </a:xfrm>
+          <a:prstGeom prst="rect">
+            <a:avLst/>
+          </a:prstGeom>
+          <a:solidFill>
+            <a:schemeClr val="bg1"/>
+          </a:solidFill>
+        </p:spPr>
+        <p:style>
+          <a:lnRef idx="2">
+            <a:schemeClr val="accent1">
+              <a:shade val="50000"/>
+            </a:schemeClr>
+          </a:lnRef>
+          <a:fillRef idx="1">
+            <a:schemeClr val="accent1"/>
+          </a:fillRef>
+          <a:effectRef idx="0">
+            <a:schemeClr val="accent1"/>
+          </a:effectRef>
+          <a:fontRef idx="minor">
+            <a:schemeClr val="lt1"/>
+          </a:fontRef>
+        </p:style>
+        <p:txBody>
+          <a:bodyPr rtlCol="0" anchor="ctr"/>
+          <a:lstStyle/>
+          <a:p>
+            <a:pPr algn="ctr"/>
+            <a:endParaRPr kumimoji="1" lang="ko-Kore-KR" altLang="en-US"/>
+          </a:p>
+        </p:txBody>
+      </p:sp>
+      <p:sp>
+        <p:nvSpPr>
+          <p:cNvPr id="17" name="TextBox 16">
+            <a:extLst>
+              <a:ext uri="{FF2B5EF4-FFF2-40B4-BE49-F238E27FC236}">
+                <a16:creationId xmlns:a16="http://schemas.microsoft.com/office/drawing/2014/main" id="{F43117B1-65C4-82A9-68DF-F8A813B4CC81}"/>
+              </a:ext>
+            </a:extLst>
+          </p:cNvPr>
+          <p:cNvSpPr txBox="1"/>
+          <p:nvPr/>
+        </p:nvSpPr>
+        <p:spPr>
+          <a:xfrm>
+            <a:off x="9598222" y="4184"/>
+            <a:ext cx="944271" cy="369332"/>
+          </a:xfrm>
+          <a:prstGeom prst="rect">
+            <a:avLst/>
+          </a:prstGeom>
+          <a:noFill/>
+        </p:spPr>
+        <p:txBody>
+          <a:bodyPr wrap="square">
+            <a:spAutoFit/>
+          </a:bodyPr>
+          <a:lstStyle/>
+          <a:p>
+            <a:r>
+              <a:rPr lang="en-US" altLang="ko-Kore-KR" sz="1800" dirty="0">
+                <a:latin typeface="DM Mono" panose="020B0509040201040103" pitchFamily="49" charset="0"/>
+              </a:rPr>
+              <a:t>DATA</a:t>
+            </a:r>
+            <a:endParaRPr lang="ko-Kore-KR" altLang="en-US" dirty="0"/>
+          </a:p>
+        </p:txBody>
+      </p:sp>
+      <p:sp>
+        <p:nvSpPr>
+          <p:cNvPr id="5" name="TextBox 4">
+            <a:extLst>
+              <a:ext uri="{FF2B5EF4-FFF2-40B4-BE49-F238E27FC236}">
+                <a16:creationId xmlns:a16="http://schemas.microsoft.com/office/drawing/2014/main" id="{516AA77E-E9C2-FA5F-8D1F-C73776C70906}"/>
+              </a:ext>
+            </a:extLst>
+          </p:cNvPr>
+          <p:cNvSpPr txBox="1"/>
+          <p:nvPr/>
+        </p:nvSpPr>
+        <p:spPr>
+          <a:xfrm>
+            <a:off x="493059" y="113037"/>
+            <a:ext cx="6096000" cy="4247317"/>
+          </a:xfrm>
+          <a:prstGeom prst="rect">
+            <a:avLst/>
+          </a:prstGeom>
+          <a:noFill/>
+        </p:spPr>
+        <p:txBody>
+          <a:bodyPr wrap="square">
+            <a:spAutoFit/>
+          </a:bodyPr>
+          <a:lstStyle/>
+          <a:p>
+            <a:r>
+              <a:rPr lang="ko-Kore-KR" altLang="en-US" dirty="0">
+                <a:latin typeface="DM Mono" panose="020B0509040201040103" pitchFamily="49" charset="0"/>
+              </a:rPr>
+              <a:t>class AAA {</a:t>
+            </a:r>
+          </a:p>
+          <a:p>
+            <a:r>
+              <a:rPr lang="ko-Kore-KR" altLang="en-US" dirty="0">
+                <a:latin typeface="DM Mono" panose="020B0509040201040103" pitchFamily="49" charset="0"/>
+              </a:rPr>
+              <a:t>public:</a:t>
+            </a:r>
+          </a:p>
+          <a:p>
+            <a:r>
+              <a:rPr lang="ko-Kore-KR" altLang="en-US" dirty="0">
+                <a:latin typeface="DM Mono" panose="020B0509040201040103" pitchFamily="49" charset="0"/>
+              </a:rPr>
+              <a:t>    int a; // 멤버 데이터</a:t>
+            </a:r>
+          </a:p>
+          <a:p>
+            <a:r>
+              <a:rPr lang="ko-Kore-KR" altLang="en-US" dirty="0">
+                <a:latin typeface="DM Mono" panose="020B0509040201040103" pitchFamily="49" charset="0"/>
+              </a:rPr>
+              <a:t>    static int b; // 정적 멤버 데이터</a:t>
+            </a:r>
+          </a:p>
+          <a:p>
+            <a:r>
+              <a:rPr lang="ko-Kore-KR" altLang="en-US" dirty="0">
+                <a:latin typeface="DM Mono" panose="020B0509040201040103" pitchFamily="49" charset="0"/>
+              </a:rPr>
+              <a:t>};</a:t>
+            </a:r>
+          </a:p>
+          <a:p>
+            <a:endParaRPr lang="ko-Kore-KR" altLang="en-US" dirty="0">
+              <a:latin typeface="DM Mono" panose="020B0509040201040103" pitchFamily="49" charset="0"/>
+            </a:endParaRPr>
+          </a:p>
+          <a:p>
+            <a:r>
+              <a:rPr lang="ko-Kore-KR" altLang="en-US" dirty="0">
+                <a:latin typeface="DM Mono" panose="020B0509040201040103" pitchFamily="49" charset="0"/>
+              </a:rPr>
+              <a:t>int AAA::b = 0; // 정적 멤버 데이터 외부 정의</a:t>
+            </a:r>
+          </a:p>
+          <a:p>
+            <a:endParaRPr lang="ko-Kore-KR" altLang="en-US" dirty="0">
+              <a:latin typeface="DM Mono" panose="020B0509040201040103" pitchFamily="49" charset="0"/>
+            </a:endParaRPr>
+          </a:p>
+          <a:p>
+            <a:r>
+              <a:rPr lang="ko-Kore-KR" altLang="en-US" dirty="0">
+                <a:latin typeface="DM Mono" panose="020B0509040201040103" pitchFamily="49" charset="0"/>
+              </a:rPr>
+              <a:t>int main()</a:t>
+            </a:r>
+          </a:p>
+          <a:p>
+            <a:r>
+              <a:rPr lang="ko-Kore-KR" altLang="en-US" dirty="0">
+                <a:latin typeface="DM Mono" panose="020B0509040201040103" pitchFamily="49" charset="0"/>
+              </a:rPr>
+              <a:t>{</a:t>
+            </a:r>
+          </a:p>
+          <a:p>
+            <a:r>
+              <a:rPr lang="ko-Kore-KR" altLang="en-US" dirty="0">
+                <a:latin typeface="DM Mono" panose="020B0509040201040103" pitchFamily="49" charset="0"/>
+              </a:rPr>
+              <a:t>    AAA aaa;</a:t>
+            </a:r>
+          </a:p>
+          <a:p>
+            <a:r>
+              <a:rPr lang="ko-Kore-KR" altLang="en-US" dirty="0">
+                <a:latin typeface="DM Mono" panose="020B0509040201040103" pitchFamily="49" charset="0"/>
+              </a:rPr>
+              <a:t>    AAA bbb;</a:t>
+            </a:r>
+          </a:p>
+          <a:p>
+            <a:r>
+              <a:rPr lang="ko-Kore-KR" altLang="en-US" dirty="0">
+                <a:latin typeface="DM Mono" panose="020B0509040201040103" pitchFamily="49" charset="0"/>
+              </a:rPr>
+              <a:t>    cout &lt;&lt; sizeof(aaa) &lt;&lt; endl; // ???</a:t>
+            </a:r>
+          </a:p>
+          <a:p>
+            <a:r>
+              <a:rPr lang="ko-Kore-KR" altLang="en-US" dirty="0">
+                <a:latin typeface="DM Mono" panose="020B0509040201040103" pitchFamily="49" charset="0"/>
+              </a:rPr>
+              <a:t>    cout &lt;&lt; sizeof(bbb) &lt;&lt; endl; // ???</a:t>
+            </a:r>
+          </a:p>
+          <a:p>
+            <a:r>
+              <a:rPr lang="ko-Kore-KR" altLang="en-US" dirty="0">
+                <a:latin typeface="DM Mono" panose="020B0509040201040103" pitchFamily="49" charset="0"/>
+              </a:rPr>
+              <a:t>}</a:t>
+            </a:r>
+          </a:p>
+        </p:txBody>
+      </p:sp>
+      <p:sp>
+        <p:nvSpPr>
+          <p:cNvPr id="6" name="직사각형 5">
+            <a:extLst>
+              <a:ext uri="{FF2B5EF4-FFF2-40B4-BE49-F238E27FC236}">
+                <a16:creationId xmlns:a16="http://schemas.microsoft.com/office/drawing/2014/main" id="{CB57AA45-44C2-1D8B-88CF-000DA22B6B2C}"/>
+              </a:ext>
+            </a:extLst>
+          </p:cNvPr>
+          <p:cNvSpPr/>
+          <p:nvPr/>
+        </p:nvSpPr>
+        <p:spPr>
+          <a:xfrm>
+            <a:off x="6873504" y="2875133"/>
+            <a:ext cx="4891177" cy="2665563"/>
+          </a:xfrm>
+          <a:prstGeom prst="rect">
+            <a:avLst/>
+          </a:prstGeom>
+          <a:solidFill>
+            <a:schemeClr val="bg1"/>
+          </a:solidFill>
+        </p:spPr>
+        <p:style>
+          <a:lnRef idx="2">
+            <a:schemeClr val="accent1">
+              <a:shade val="50000"/>
+            </a:schemeClr>
+          </a:lnRef>
+          <a:fillRef idx="1">
+            <a:schemeClr val="accent1"/>
+          </a:fillRef>
+          <a:effectRef idx="0">
+            <a:schemeClr val="accent1"/>
+          </a:effectRef>
+          <a:fontRef idx="minor">
+            <a:schemeClr val="lt1"/>
+          </a:fontRef>
+        </p:style>
+        <p:txBody>
+          <a:bodyPr rtlCol="0" anchor="ctr"/>
+          <a:lstStyle/>
+          <a:p>
+            <a:pPr algn="ctr"/>
+            <a:endParaRPr kumimoji="1" lang="ko-Kore-KR" altLang="en-US"/>
+          </a:p>
+        </p:txBody>
+      </p:sp>
+      <p:sp>
+        <p:nvSpPr>
+          <p:cNvPr id="7" name="TextBox 6">
+            <a:extLst>
+              <a:ext uri="{FF2B5EF4-FFF2-40B4-BE49-F238E27FC236}">
+                <a16:creationId xmlns:a16="http://schemas.microsoft.com/office/drawing/2014/main" id="{CCFBA5C5-AEDB-2560-85C0-D0C66851B636}"/>
+              </a:ext>
+            </a:extLst>
+          </p:cNvPr>
+          <p:cNvSpPr txBox="1"/>
+          <p:nvPr/>
+        </p:nvSpPr>
+        <p:spPr>
+          <a:xfrm>
+            <a:off x="8895462" y="2602468"/>
+            <a:ext cx="834606" cy="369332"/>
+          </a:xfrm>
+          <a:prstGeom prst="rect">
+            <a:avLst/>
+          </a:prstGeom>
+          <a:noFill/>
+        </p:spPr>
+        <p:txBody>
+          <a:bodyPr wrap="square">
+            <a:spAutoFit/>
+          </a:bodyPr>
+          <a:lstStyle/>
+          <a:p>
+            <a:r>
+              <a:rPr lang="ko-Kore-KR" altLang="en-US" sz="1800" dirty="0">
+                <a:latin typeface="DM Mono" panose="020B0509040201040103" pitchFamily="49" charset="0"/>
+              </a:rPr>
+              <a:t>main</a:t>
+            </a:r>
+            <a:endParaRPr lang="ko-Kore-KR" altLang="en-US" dirty="0"/>
+          </a:p>
+        </p:txBody>
+      </p:sp>
+      <p:sp>
+        <p:nvSpPr>
+          <p:cNvPr id="8" name="직사각형 7">
+            <a:extLst>
+              <a:ext uri="{FF2B5EF4-FFF2-40B4-BE49-F238E27FC236}">
+                <a16:creationId xmlns:a16="http://schemas.microsoft.com/office/drawing/2014/main" id="{A22E6215-B85D-C6E4-738C-03280A8DA97C}"/>
+              </a:ext>
+            </a:extLst>
+          </p:cNvPr>
+          <p:cNvSpPr/>
+          <p:nvPr/>
+        </p:nvSpPr>
+        <p:spPr>
+          <a:xfrm>
+            <a:off x="7583170" y="3403473"/>
+            <a:ext cx="1242204" cy="543464"/>
+          </a:xfrm>
+          <a:prstGeom prst="rect">
+            <a:avLst/>
+          </a:prstGeom>
+          <a:solidFill>
+            <a:srgbClr val="FFFF00"/>
+          </a:solidFill>
+        </p:spPr>
+        <p:style>
+          <a:lnRef idx="2">
+            <a:schemeClr val="accent4">
+              <a:shade val="50000"/>
+            </a:schemeClr>
+          </a:lnRef>
+          <a:fillRef idx="1">
+            <a:schemeClr val="accent4"/>
+          </a:fillRef>
+          <a:effectRef idx="0">
+            <a:schemeClr val="accent4"/>
+          </a:effectRef>
+          <a:fontRef idx="minor">
+            <a:schemeClr val="lt1"/>
+          </a:fontRef>
+        </p:style>
+        <p:txBody>
+          <a:bodyPr rtlCol="0" anchor="ctr"/>
+          <a:lstStyle/>
+          <a:p>
+            <a:pPr algn="ctr"/>
+            <a:endParaRPr kumimoji="1" lang="ko-Kore-KR" altLang="en-US" sz="1600" dirty="0">
+              <a:solidFill>
+                <a:schemeClr val="tx1"/>
+              </a:solidFill>
+              <a:latin typeface="DM Mono" panose="020B0509040201040103" pitchFamily="49" charset="0"/>
+            </a:endParaRPr>
+          </a:p>
+        </p:txBody>
+      </p:sp>
+      <p:sp>
+        <p:nvSpPr>
+          <p:cNvPr id="9" name="TextBox 8">
+            <a:extLst>
+              <a:ext uri="{FF2B5EF4-FFF2-40B4-BE49-F238E27FC236}">
+                <a16:creationId xmlns:a16="http://schemas.microsoft.com/office/drawing/2014/main" id="{DFE228E5-11ED-EFD9-87A4-2E7B8A7B8B2D}"/>
+              </a:ext>
+            </a:extLst>
+          </p:cNvPr>
+          <p:cNvSpPr txBox="1"/>
+          <p:nvPr/>
+        </p:nvSpPr>
+        <p:spPr>
+          <a:xfrm>
+            <a:off x="7764864" y="3025515"/>
+            <a:ext cx="878816" cy="369332"/>
+          </a:xfrm>
+          <a:prstGeom prst="rect">
+            <a:avLst/>
+          </a:prstGeom>
+          <a:noFill/>
+        </p:spPr>
+        <p:txBody>
+          <a:bodyPr wrap="square">
+            <a:spAutoFit/>
+          </a:bodyPr>
+          <a:lstStyle/>
+          <a:p>
+            <a:r>
+              <a:rPr lang="en-US" altLang="ko-Kore-KR" dirty="0" err="1">
+                <a:latin typeface="DM Mono" panose="020B0509040201040103" pitchFamily="49" charset="0"/>
+              </a:rPr>
+              <a:t>aaa</a:t>
+            </a:r>
+            <a:endParaRPr lang="ko-Kore-KR" altLang="en-US" dirty="0"/>
+          </a:p>
+        </p:txBody>
+      </p:sp>
+      <p:sp>
+        <p:nvSpPr>
+          <p:cNvPr id="10" name="TextBox 9">
+            <a:extLst>
+              <a:ext uri="{FF2B5EF4-FFF2-40B4-BE49-F238E27FC236}">
+                <a16:creationId xmlns:a16="http://schemas.microsoft.com/office/drawing/2014/main" id="{595F95D2-DEE9-1BF5-16ED-42463E9CA243}"/>
+              </a:ext>
+            </a:extLst>
+          </p:cNvPr>
+          <p:cNvSpPr txBox="1"/>
+          <p:nvPr/>
+        </p:nvSpPr>
+        <p:spPr>
+          <a:xfrm>
+            <a:off x="6788821" y="3490539"/>
+            <a:ext cx="794349" cy="369332"/>
+          </a:xfrm>
+          <a:prstGeom prst="rect">
+            <a:avLst/>
+          </a:prstGeom>
+          <a:noFill/>
+        </p:spPr>
+        <p:txBody>
+          <a:bodyPr wrap="square">
+            <a:spAutoFit/>
+          </a:bodyPr>
+          <a:lstStyle/>
+          <a:p>
+            <a:pPr algn="r"/>
+            <a:r>
+              <a:rPr lang="en-US" altLang="ko-Kore-KR" dirty="0">
+                <a:latin typeface="DM Mono" panose="020B0509040201040103" pitchFamily="49" charset="0"/>
+              </a:rPr>
+              <a:t>a</a:t>
+            </a:r>
+            <a:endParaRPr lang="ko-Kore-KR" altLang="en-US" dirty="0"/>
+          </a:p>
+        </p:txBody>
+      </p:sp>
+      <p:sp>
+        <p:nvSpPr>
+          <p:cNvPr id="11" name="직사각형 10">
+            <a:extLst>
+              <a:ext uri="{FF2B5EF4-FFF2-40B4-BE49-F238E27FC236}">
+                <a16:creationId xmlns:a16="http://schemas.microsoft.com/office/drawing/2014/main" id="{96311AAE-57A6-7A4E-A6A6-7D9CFF2C3028}"/>
+              </a:ext>
+            </a:extLst>
+          </p:cNvPr>
+          <p:cNvSpPr/>
+          <p:nvPr/>
+        </p:nvSpPr>
+        <p:spPr>
+          <a:xfrm>
+            <a:off x="9733446" y="4207915"/>
+            <a:ext cx="1242204" cy="543464"/>
+          </a:xfrm>
+          <a:prstGeom prst="rect">
+            <a:avLst/>
+          </a:prstGeom>
+          <a:solidFill>
+            <a:srgbClr val="FFFF00"/>
+          </a:solidFill>
+        </p:spPr>
+        <p:style>
+          <a:lnRef idx="2">
+            <a:schemeClr val="accent4">
+              <a:shade val="50000"/>
+            </a:schemeClr>
+          </a:lnRef>
+          <a:fillRef idx="1">
+            <a:schemeClr val="accent4"/>
+          </a:fillRef>
+          <a:effectRef idx="0">
+            <a:schemeClr val="accent4"/>
+          </a:effectRef>
+          <a:fontRef idx="minor">
+            <a:schemeClr val="lt1"/>
+          </a:fontRef>
+        </p:style>
+        <p:txBody>
+          <a:bodyPr rtlCol="0" anchor="ctr"/>
+          <a:lstStyle/>
+          <a:p>
+            <a:pPr algn="ctr"/>
+            <a:endParaRPr kumimoji="1" lang="ko-Kore-KR" altLang="en-US" sz="1600" dirty="0">
+              <a:solidFill>
+                <a:schemeClr val="tx1"/>
+              </a:solidFill>
+              <a:latin typeface="DM Mono" panose="020B0509040201040103" pitchFamily="49" charset="0"/>
+            </a:endParaRPr>
+          </a:p>
+        </p:txBody>
+      </p:sp>
+      <p:sp>
+        <p:nvSpPr>
+          <p:cNvPr id="12" name="TextBox 11">
+            <a:extLst>
+              <a:ext uri="{FF2B5EF4-FFF2-40B4-BE49-F238E27FC236}">
+                <a16:creationId xmlns:a16="http://schemas.microsoft.com/office/drawing/2014/main" id="{245B92CA-44CA-0764-2EEE-9EAA86AD9221}"/>
+              </a:ext>
+            </a:extLst>
+          </p:cNvPr>
+          <p:cNvSpPr txBox="1"/>
+          <p:nvPr/>
+        </p:nvSpPr>
+        <p:spPr>
+          <a:xfrm>
+            <a:off x="9915140" y="3829957"/>
+            <a:ext cx="878816" cy="369332"/>
+          </a:xfrm>
+          <a:prstGeom prst="rect">
+            <a:avLst/>
+          </a:prstGeom>
+          <a:noFill/>
+        </p:spPr>
+        <p:txBody>
+          <a:bodyPr wrap="square">
+            <a:spAutoFit/>
+          </a:bodyPr>
+          <a:lstStyle/>
+          <a:p>
+            <a:r>
+              <a:rPr lang="en-US" altLang="ko-Kore-KR" dirty="0" err="1">
+                <a:latin typeface="DM Mono" panose="020B0509040201040103" pitchFamily="49" charset="0"/>
+              </a:rPr>
+              <a:t>bbb</a:t>
+            </a:r>
+            <a:endParaRPr lang="ko-Kore-KR" altLang="en-US" dirty="0"/>
+          </a:p>
+        </p:txBody>
+      </p:sp>
+      <p:sp>
+        <p:nvSpPr>
+          <p:cNvPr id="13" name="TextBox 12">
+            <a:extLst>
+              <a:ext uri="{FF2B5EF4-FFF2-40B4-BE49-F238E27FC236}">
+                <a16:creationId xmlns:a16="http://schemas.microsoft.com/office/drawing/2014/main" id="{0E08E2AA-EAFD-C1F4-B198-58344427EC0F}"/>
+              </a:ext>
+            </a:extLst>
+          </p:cNvPr>
+          <p:cNvSpPr txBox="1"/>
+          <p:nvPr/>
+        </p:nvSpPr>
+        <p:spPr>
+          <a:xfrm>
+            <a:off x="8939097" y="4294981"/>
+            <a:ext cx="794349" cy="369332"/>
+          </a:xfrm>
+          <a:prstGeom prst="rect">
+            <a:avLst/>
+          </a:prstGeom>
+          <a:noFill/>
+        </p:spPr>
+        <p:txBody>
+          <a:bodyPr wrap="square">
+            <a:spAutoFit/>
+          </a:bodyPr>
+          <a:lstStyle/>
+          <a:p>
+            <a:pPr algn="r"/>
+            <a:r>
+              <a:rPr lang="en-US" altLang="ko-Kore-KR" dirty="0">
+                <a:latin typeface="DM Mono" panose="020B0509040201040103" pitchFamily="49" charset="0"/>
+              </a:rPr>
+              <a:t>a</a:t>
+            </a:r>
+            <a:endParaRPr lang="ko-Kore-KR" altLang="en-US" dirty="0"/>
+          </a:p>
+        </p:txBody>
+      </p:sp>
+      <p:sp>
+        <p:nvSpPr>
+          <p:cNvPr id="14" name="직사각형 13">
+            <a:extLst>
+              <a:ext uri="{FF2B5EF4-FFF2-40B4-BE49-F238E27FC236}">
+                <a16:creationId xmlns:a16="http://schemas.microsoft.com/office/drawing/2014/main" id="{0446328A-85D8-765C-AB4A-2FEB04CD39FF}"/>
+              </a:ext>
+            </a:extLst>
+          </p:cNvPr>
+          <p:cNvSpPr/>
+          <p:nvPr/>
+        </p:nvSpPr>
+        <p:spPr>
+          <a:xfrm>
+            <a:off x="10113442" y="408505"/>
+            <a:ext cx="1242204" cy="543464"/>
+          </a:xfrm>
+          <a:prstGeom prst="rect">
+            <a:avLst/>
+          </a:prstGeom>
+          <a:solidFill>
+            <a:srgbClr val="FFFF00"/>
+          </a:solidFill>
+        </p:spPr>
+        <p:style>
+          <a:lnRef idx="2">
+            <a:schemeClr val="accent4">
+              <a:shade val="50000"/>
+            </a:schemeClr>
+          </a:lnRef>
+          <a:fillRef idx="1">
+            <a:schemeClr val="accent4"/>
+          </a:fillRef>
+          <a:effectRef idx="0">
+            <a:schemeClr val="accent4"/>
+          </a:effectRef>
+          <a:fontRef idx="minor">
+            <a:schemeClr val="lt1"/>
+          </a:fontRef>
+        </p:style>
+        <p:txBody>
+          <a:bodyPr rtlCol="0" anchor="ctr"/>
+          <a:lstStyle/>
+          <a:p>
+            <a:pPr algn="ctr"/>
+            <a:r>
+              <a:rPr kumimoji="1" lang="en-US" altLang="ko-Kore-KR" sz="1600" dirty="0">
+                <a:solidFill>
+                  <a:schemeClr val="tx1"/>
+                </a:solidFill>
+                <a:latin typeface="DM Mono" panose="020B0509040201040103" pitchFamily="49" charset="0"/>
+              </a:rPr>
+              <a:t>0</a:t>
+            </a:r>
+            <a:endParaRPr kumimoji="1" lang="ko-Kore-KR" altLang="en-US" sz="1600" dirty="0">
+              <a:solidFill>
+                <a:schemeClr val="tx1"/>
+              </a:solidFill>
+              <a:latin typeface="DM Mono" panose="020B0509040201040103" pitchFamily="49" charset="0"/>
+            </a:endParaRPr>
+          </a:p>
+        </p:txBody>
+      </p:sp>
+      <p:sp>
+        <p:nvSpPr>
+          <p:cNvPr id="15" name="TextBox 14">
+            <a:extLst>
+              <a:ext uri="{FF2B5EF4-FFF2-40B4-BE49-F238E27FC236}">
+                <a16:creationId xmlns:a16="http://schemas.microsoft.com/office/drawing/2014/main" id="{BFBF1902-2343-B890-9480-C5AEEE52EC86}"/>
+              </a:ext>
+            </a:extLst>
+          </p:cNvPr>
+          <p:cNvSpPr txBox="1"/>
+          <p:nvPr/>
+        </p:nvSpPr>
+        <p:spPr>
+          <a:xfrm>
+            <a:off x="9319093" y="495571"/>
+            <a:ext cx="794349" cy="369332"/>
+          </a:xfrm>
+          <a:prstGeom prst="rect">
+            <a:avLst/>
+          </a:prstGeom>
+          <a:noFill/>
+        </p:spPr>
+        <p:txBody>
+          <a:bodyPr wrap="square">
+            <a:spAutoFit/>
+          </a:bodyPr>
+          <a:lstStyle/>
+          <a:p>
+            <a:pPr algn="r"/>
+            <a:r>
+              <a:rPr lang="en-US" altLang="ko-Kore-KR" dirty="0">
+                <a:latin typeface="DM Mono" panose="020B0509040201040103" pitchFamily="49" charset="0"/>
+              </a:rPr>
+              <a:t>b</a:t>
+            </a:r>
+            <a:endParaRPr lang="ko-Kore-KR" altLang="en-US" dirty="0"/>
+          </a:p>
+        </p:txBody>
+      </p:sp>
+    </p:spTree>
+    <p:extLst>
+      <p:ext uri="{BB962C8B-B14F-4D97-AF65-F5344CB8AC3E}">
+        <p14:creationId xmlns:p14="http://schemas.microsoft.com/office/powerpoint/2010/main" val="3734930059"/>
+      </p:ext>
+    </p:extLst>
+  </p:cSld>
+  <p:clrMapOvr>
+    <a:masterClrMapping/>
+  </p:clrMapOvr>
+</p:sld>
+</file>
+
+<file path=ppt/slides/slide23.xml><?xml version="1.0" encoding="utf-8"?>
+<p:sld xmlns:a="http://schemas.openxmlformats.org/drawingml/2006/main" xmlns:r="http://schemas.openxmlformats.org/officeDocument/2006/relationships" xmlns:p="http://schemas.openxmlformats.org/presentationml/2006/main">
+  <p:cSld>
+    <p:spTree>
+      <p:nvGrpSpPr>
+        <p:cNvPr id="1" name=""/>
+        <p:cNvGrpSpPr/>
+        <p:nvPr/>
+      </p:nvGrpSpPr>
+      <p:grpSpPr>
+        <a:xfrm>
+          <a:off x="0" y="0"/>
+          <a:ext cx="0" cy="0"/>
+          <a:chOff x="0" y="0"/>
+          <a:chExt cx="0" cy="0"/>
+        </a:xfrm>
+      </p:grpSpPr>
+      <p:sp>
+        <p:nvSpPr>
+          <p:cNvPr id="16" name="직사각형 15">
+            <a:extLst>
+              <a:ext uri="{FF2B5EF4-FFF2-40B4-BE49-F238E27FC236}">
+                <a16:creationId xmlns:a16="http://schemas.microsoft.com/office/drawing/2014/main" id="{1CF2800F-91BF-8383-014B-77425F9F78DE}"/>
+              </a:ext>
+            </a:extLst>
+          </p:cNvPr>
+          <p:cNvSpPr/>
+          <p:nvPr/>
+        </p:nvSpPr>
+        <p:spPr>
+          <a:xfrm>
+            <a:off x="8584268" y="373517"/>
+            <a:ext cx="3329826" cy="1389720"/>
+          </a:xfrm>
+          <a:prstGeom prst="rect">
+            <a:avLst/>
+          </a:prstGeom>
+          <a:solidFill>
+            <a:schemeClr val="bg1"/>
+          </a:solidFill>
+        </p:spPr>
+        <p:style>
+          <a:lnRef idx="2">
+            <a:schemeClr val="accent1">
+              <a:shade val="50000"/>
+            </a:schemeClr>
+          </a:lnRef>
+          <a:fillRef idx="1">
+            <a:schemeClr val="accent1"/>
+          </a:fillRef>
+          <a:effectRef idx="0">
+            <a:schemeClr val="accent1"/>
+          </a:effectRef>
+          <a:fontRef idx="minor">
+            <a:schemeClr val="lt1"/>
+          </a:fontRef>
+        </p:style>
+        <p:txBody>
+          <a:bodyPr rtlCol="0" anchor="ctr"/>
+          <a:lstStyle/>
+          <a:p>
+            <a:pPr algn="ctr"/>
+            <a:endParaRPr kumimoji="1" lang="ko-Kore-KR" altLang="en-US"/>
+          </a:p>
+        </p:txBody>
+      </p:sp>
+      <p:sp>
+        <p:nvSpPr>
+          <p:cNvPr id="17" name="TextBox 16">
+            <a:extLst>
+              <a:ext uri="{FF2B5EF4-FFF2-40B4-BE49-F238E27FC236}">
+                <a16:creationId xmlns:a16="http://schemas.microsoft.com/office/drawing/2014/main" id="{F43117B1-65C4-82A9-68DF-F8A813B4CC81}"/>
+              </a:ext>
+            </a:extLst>
+          </p:cNvPr>
+          <p:cNvSpPr txBox="1"/>
+          <p:nvPr/>
+        </p:nvSpPr>
+        <p:spPr>
+          <a:xfrm>
+            <a:off x="9598222" y="4184"/>
+            <a:ext cx="944271" cy="369332"/>
+          </a:xfrm>
+          <a:prstGeom prst="rect">
+            <a:avLst/>
+          </a:prstGeom>
+          <a:noFill/>
+        </p:spPr>
+        <p:txBody>
+          <a:bodyPr wrap="square">
+            <a:spAutoFit/>
+          </a:bodyPr>
+          <a:lstStyle/>
+          <a:p>
+            <a:r>
+              <a:rPr lang="en-US" altLang="ko-Kore-KR" sz="1800" dirty="0">
+                <a:latin typeface="DM Mono" panose="020B0509040201040103" pitchFamily="49" charset="0"/>
+              </a:rPr>
+              <a:t>DATA</a:t>
+            </a:r>
+            <a:endParaRPr lang="ko-Kore-KR" altLang="en-US" dirty="0"/>
+          </a:p>
+        </p:txBody>
+      </p:sp>
+      <p:sp>
+        <p:nvSpPr>
+          <p:cNvPr id="5" name="TextBox 4">
+            <a:extLst>
+              <a:ext uri="{FF2B5EF4-FFF2-40B4-BE49-F238E27FC236}">
+                <a16:creationId xmlns:a16="http://schemas.microsoft.com/office/drawing/2014/main" id="{516AA77E-E9C2-FA5F-8D1F-C73776C70906}"/>
+              </a:ext>
+            </a:extLst>
+          </p:cNvPr>
+          <p:cNvSpPr txBox="1"/>
+          <p:nvPr/>
+        </p:nvSpPr>
+        <p:spPr>
+          <a:xfrm>
+            <a:off x="493059" y="113037"/>
+            <a:ext cx="6096000" cy="3139321"/>
+          </a:xfrm>
+          <a:prstGeom prst="rect">
+            <a:avLst/>
+          </a:prstGeom>
+          <a:noFill/>
+        </p:spPr>
+        <p:txBody>
+          <a:bodyPr wrap="square">
+            <a:spAutoFit/>
+          </a:bodyPr>
+          <a:lstStyle/>
+          <a:p>
+            <a:r>
+              <a:rPr lang="ko-Kore-KR" altLang="en-US" dirty="0">
+                <a:latin typeface="DM Mono" panose="020B0509040201040103" pitchFamily="49" charset="0"/>
+              </a:rPr>
+              <a:t>class AAA {</a:t>
+            </a:r>
+          </a:p>
+          <a:p>
+            <a:r>
+              <a:rPr lang="ko-Kore-KR" altLang="en-US" dirty="0">
+                <a:latin typeface="DM Mono" panose="020B0509040201040103" pitchFamily="49" charset="0"/>
+              </a:rPr>
+              <a:t>public:</a:t>
+            </a:r>
+          </a:p>
+          <a:p>
+            <a:r>
+              <a:rPr lang="ko-Kore-KR" altLang="en-US" dirty="0">
+                <a:latin typeface="DM Mono" panose="020B0509040201040103" pitchFamily="49" charset="0"/>
+              </a:rPr>
+              <a:t>    int a; // 멤버 데이터</a:t>
+            </a:r>
+          </a:p>
+          <a:p>
+            <a:r>
+              <a:rPr lang="ko-Kore-KR" altLang="en-US" dirty="0">
+                <a:latin typeface="DM Mono" panose="020B0509040201040103" pitchFamily="49" charset="0"/>
+              </a:rPr>
+              <a:t>    static int b; // 정적 멤버 데이터</a:t>
+            </a:r>
+          </a:p>
+          <a:p>
+            <a:r>
+              <a:rPr lang="ko-Kore-KR" altLang="en-US" dirty="0">
+                <a:latin typeface="DM Mono" panose="020B0509040201040103" pitchFamily="49" charset="0"/>
+              </a:rPr>
+              <a:t>};</a:t>
+            </a:r>
+          </a:p>
+          <a:p>
+            <a:endParaRPr lang="ko-Kore-KR" altLang="en-US" dirty="0">
+              <a:latin typeface="DM Mono" panose="020B0509040201040103" pitchFamily="49" charset="0"/>
+            </a:endParaRPr>
+          </a:p>
+          <a:p>
+            <a:r>
+              <a:rPr lang="ko-Kore-KR" altLang="en-US" dirty="0">
+                <a:latin typeface="DM Mono" panose="020B0509040201040103" pitchFamily="49" charset="0"/>
+              </a:rPr>
+              <a:t>int AAA::b = 0; // 정적 멤버 데이터 외부 정의</a:t>
+            </a:r>
+          </a:p>
+          <a:p>
+            <a:endParaRPr lang="ko-Kore-KR" altLang="en-US" dirty="0">
+              <a:latin typeface="DM Mono" panose="020B0509040201040103" pitchFamily="49" charset="0"/>
+            </a:endParaRPr>
+          </a:p>
+          <a:p>
+            <a:r>
+              <a:rPr lang="ko-Kore-KR" altLang="en-US" dirty="0">
+                <a:latin typeface="DM Mono" panose="020B0509040201040103" pitchFamily="49" charset="0"/>
+              </a:rPr>
+              <a:t>int main()</a:t>
+            </a:r>
+          </a:p>
+          <a:p>
+            <a:r>
+              <a:rPr lang="ko-Kore-KR" altLang="en-US" dirty="0">
+                <a:latin typeface="DM Mono" panose="020B0509040201040103" pitchFamily="49" charset="0"/>
+              </a:rPr>
+              <a:t>{</a:t>
+            </a:r>
+          </a:p>
+          <a:p>
+            <a:r>
+              <a:rPr lang="ko-Kore-KR" altLang="en-US" dirty="0">
+                <a:latin typeface="DM Mono" panose="020B0509040201040103" pitchFamily="49" charset="0"/>
+              </a:rPr>
+              <a:t>}</a:t>
+            </a:r>
+          </a:p>
+        </p:txBody>
+      </p:sp>
+      <p:sp>
+        <p:nvSpPr>
+          <p:cNvPr id="6" name="직사각형 5">
+            <a:extLst>
+              <a:ext uri="{FF2B5EF4-FFF2-40B4-BE49-F238E27FC236}">
+                <a16:creationId xmlns:a16="http://schemas.microsoft.com/office/drawing/2014/main" id="{CB57AA45-44C2-1D8B-88CF-000DA22B6B2C}"/>
+              </a:ext>
+            </a:extLst>
+          </p:cNvPr>
+          <p:cNvSpPr/>
+          <p:nvPr/>
+        </p:nvSpPr>
+        <p:spPr>
+          <a:xfrm>
+            <a:off x="6873504" y="2875133"/>
+            <a:ext cx="4891177" cy="2665563"/>
+          </a:xfrm>
+          <a:prstGeom prst="rect">
+            <a:avLst/>
+          </a:prstGeom>
+          <a:solidFill>
+            <a:schemeClr val="bg1"/>
+          </a:solidFill>
+        </p:spPr>
+        <p:style>
+          <a:lnRef idx="2">
+            <a:schemeClr val="accent1">
+              <a:shade val="50000"/>
+            </a:schemeClr>
+          </a:lnRef>
+          <a:fillRef idx="1">
+            <a:schemeClr val="accent1"/>
+          </a:fillRef>
+          <a:effectRef idx="0">
+            <a:schemeClr val="accent1"/>
+          </a:effectRef>
+          <a:fontRef idx="minor">
+            <a:schemeClr val="lt1"/>
+          </a:fontRef>
+        </p:style>
+        <p:txBody>
+          <a:bodyPr rtlCol="0" anchor="ctr"/>
+          <a:lstStyle/>
+          <a:p>
+            <a:pPr algn="ctr"/>
+            <a:endParaRPr kumimoji="1" lang="ko-Kore-KR" altLang="en-US"/>
+          </a:p>
+        </p:txBody>
+      </p:sp>
+      <p:sp>
+        <p:nvSpPr>
+          <p:cNvPr id="7" name="TextBox 6">
+            <a:extLst>
+              <a:ext uri="{FF2B5EF4-FFF2-40B4-BE49-F238E27FC236}">
+                <a16:creationId xmlns:a16="http://schemas.microsoft.com/office/drawing/2014/main" id="{CCFBA5C5-AEDB-2560-85C0-D0C66851B636}"/>
+              </a:ext>
+            </a:extLst>
+          </p:cNvPr>
+          <p:cNvSpPr txBox="1"/>
+          <p:nvPr/>
+        </p:nvSpPr>
+        <p:spPr>
+          <a:xfrm>
+            <a:off x="8895462" y="2602468"/>
+            <a:ext cx="834606" cy="369332"/>
+          </a:xfrm>
+          <a:prstGeom prst="rect">
+            <a:avLst/>
+          </a:prstGeom>
+          <a:noFill/>
+        </p:spPr>
+        <p:txBody>
+          <a:bodyPr wrap="square">
+            <a:spAutoFit/>
+          </a:bodyPr>
+          <a:lstStyle/>
+          <a:p>
+            <a:r>
+              <a:rPr lang="ko-Kore-KR" altLang="en-US" sz="1800" dirty="0">
+                <a:latin typeface="DM Mono" panose="020B0509040201040103" pitchFamily="49" charset="0"/>
+              </a:rPr>
+              <a:t>main</a:t>
+            </a:r>
+            <a:endParaRPr lang="ko-Kore-KR" altLang="en-US" dirty="0"/>
+          </a:p>
+        </p:txBody>
+      </p:sp>
+      <p:sp>
+        <p:nvSpPr>
+          <p:cNvPr id="14" name="직사각형 13">
+            <a:extLst>
+              <a:ext uri="{FF2B5EF4-FFF2-40B4-BE49-F238E27FC236}">
+                <a16:creationId xmlns:a16="http://schemas.microsoft.com/office/drawing/2014/main" id="{0446328A-85D8-765C-AB4A-2FEB04CD39FF}"/>
+              </a:ext>
+            </a:extLst>
+          </p:cNvPr>
+          <p:cNvSpPr/>
+          <p:nvPr/>
+        </p:nvSpPr>
+        <p:spPr>
+          <a:xfrm>
+            <a:off x="10113442" y="408505"/>
+            <a:ext cx="1242204" cy="543464"/>
+          </a:xfrm>
+          <a:prstGeom prst="rect">
+            <a:avLst/>
+          </a:prstGeom>
+          <a:solidFill>
+            <a:srgbClr val="FFFF00"/>
+          </a:solidFill>
+        </p:spPr>
+        <p:style>
+          <a:lnRef idx="2">
+            <a:schemeClr val="accent4">
+              <a:shade val="50000"/>
+            </a:schemeClr>
+          </a:lnRef>
+          <a:fillRef idx="1">
+            <a:schemeClr val="accent4"/>
+          </a:fillRef>
+          <a:effectRef idx="0">
+            <a:schemeClr val="accent4"/>
+          </a:effectRef>
+          <a:fontRef idx="minor">
+            <a:schemeClr val="lt1"/>
+          </a:fontRef>
+        </p:style>
+        <p:txBody>
+          <a:bodyPr rtlCol="0" anchor="ctr"/>
+          <a:lstStyle/>
+          <a:p>
+            <a:pPr algn="ctr"/>
+            <a:r>
+              <a:rPr kumimoji="1" lang="en-US" altLang="ko-Kore-KR" sz="1600" dirty="0">
+                <a:solidFill>
+                  <a:schemeClr val="tx1"/>
+                </a:solidFill>
+                <a:latin typeface="DM Mono" panose="020B0509040201040103" pitchFamily="49" charset="0"/>
+              </a:rPr>
+              <a:t>0</a:t>
+            </a:r>
+            <a:endParaRPr kumimoji="1" lang="ko-Kore-KR" altLang="en-US" sz="1600" dirty="0">
+              <a:solidFill>
+                <a:schemeClr val="tx1"/>
+              </a:solidFill>
+              <a:latin typeface="DM Mono" panose="020B0509040201040103" pitchFamily="49" charset="0"/>
+            </a:endParaRPr>
+          </a:p>
+        </p:txBody>
+      </p:sp>
+      <p:sp>
+        <p:nvSpPr>
+          <p:cNvPr id="15" name="TextBox 14">
+            <a:extLst>
+              <a:ext uri="{FF2B5EF4-FFF2-40B4-BE49-F238E27FC236}">
+                <a16:creationId xmlns:a16="http://schemas.microsoft.com/office/drawing/2014/main" id="{BFBF1902-2343-B890-9480-C5AEEE52EC86}"/>
+              </a:ext>
+            </a:extLst>
+          </p:cNvPr>
+          <p:cNvSpPr txBox="1"/>
+          <p:nvPr/>
+        </p:nvSpPr>
+        <p:spPr>
+          <a:xfrm>
+            <a:off x="9319093" y="495571"/>
+            <a:ext cx="794349" cy="369332"/>
+          </a:xfrm>
+          <a:prstGeom prst="rect">
+            <a:avLst/>
+          </a:prstGeom>
+          <a:noFill/>
+        </p:spPr>
+        <p:txBody>
+          <a:bodyPr wrap="square">
+            <a:spAutoFit/>
+          </a:bodyPr>
+          <a:lstStyle/>
+          <a:p>
+            <a:pPr algn="r"/>
+            <a:r>
+              <a:rPr lang="en-US" altLang="ko-Kore-KR" dirty="0">
+                <a:latin typeface="DM Mono" panose="020B0509040201040103" pitchFamily="49" charset="0"/>
+              </a:rPr>
+              <a:t>b</a:t>
+            </a:r>
+            <a:endParaRPr lang="ko-Kore-KR" altLang="en-US" dirty="0"/>
+          </a:p>
+        </p:txBody>
+      </p:sp>
+    </p:spTree>
+    <p:extLst>
+      <p:ext uri="{BB962C8B-B14F-4D97-AF65-F5344CB8AC3E}">
+        <p14:creationId xmlns:p14="http://schemas.microsoft.com/office/powerpoint/2010/main" val="3023456894"/>
       </p:ext>
     </p:extLst>
   </p:cSld>

--- a/cpp/230223.pptx
+++ b/cpp/230223.pptx
@@ -28,6 +28,8 @@
     <p:sldId id="278" r:id="rId22"/>
     <p:sldId id="279" r:id="rId23"/>
     <p:sldId id="280" r:id="rId24"/>
+    <p:sldId id="281" r:id="rId25"/>
+    <p:sldId id="282" r:id="rId26"/>
   </p:sldIdLst>
   <p:sldSz cx="12192000" cy="6858000"/>
   <p:notesSz cx="6858000" cy="9144000"/>
@@ -17382,6 +17384,1497 @@
     <p:extLst>
       <p:ext uri="{BB962C8B-B14F-4D97-AF65-F5344CB8AC3E}">
         <p14:creationId xmlns:p14="http://schemas.microsoft.com/office/powerpoint/2010/main" val="3023456894"/>
+      </p:ext>
+    </p:extLst>
+  </p:cSld>
+  <p:clrMapOvr>
+    <a:masterClrMapping/>
+  </p:clrMapOvr>
+</p:sld>
+</file>
+
+<file path=ppt/slides/slide24.xml><?xml version="1.0" encoding="utf-8"?>
+<p:sld xmlns:a="http://schemas.openxmlformats.org/drawingml/2006/main" xmlns:r="http://schemas.openxmlformats.org/officeDocument/2006/relationships" xmlns:p="http://schemas.openxmlformats.org/presentationml/2006/main">
+  <p:cSld>
+    <p:spTree>
+      <p:nvGrpSpPr>
+        <p:cNvPr id="1" name=""/>
+        <p:cNvGrpSpPr/>
+        <p:nvPr/>
+      </p:nvGrpSpPr>
+      <p:grpSpPr>
+        <a:xfrm>
+          <a:off x="0" y="0"/>
+          <a:ext cx="0" cy="0"/>
+          <a:chOff x="0" y="0"/>
+          <a:chExt cx="0" cy="0"/>
+        </a:xfrm>
+      </p:grpSpPr>
+      <p:sp>
+        <p:nvSpPr>
+          <p:cNvPr id="5" name="TextBox 4">
+            <a:extLst>
+              <a:ext uri="{FF2B5EF4-FFF2-40B4-BE49-F238E27FC236}">
+                <a16:creationId xmlns:a16="http://schemas.microsoft.com/office/drawing/2014/main" id="{F704CFD7-25A2-B8E2-F47E-6EB8CFF0F85E}"/>
+              </a:ext>
+            </a:extLst>
+          </p:cNvPr>
+          <p:cNvSpPr txBox="1"/>
+          <p:nvPr/>
+        </p:nvSpPr>
+        <p:spPr>
+          <a:xfrm>
+            <a:off x="525518" y="246424"/>
+            <a:ext cx="6096000" cy="4801314"/>
+          </a:xfrm>
+          <a:prstGeom prst="rect">
+            <a:avLst/>
+          </a:prstGeom>
+          <a:noFill/>
+        </p:spPr>
+        <p:txBody>
+          <a:bodyPr wrap="square">
+            <a:spAutoFit/>
+          </a:bodyPr>
+          <a:lstStyle/>
+          <a:p>
+            <a:r>
+              <a:rPr lang="ko-Kore-KR" altLang="en-US" dirty="0">
+                <a:latin typeface="DM Mono" panose="020B0509040201040103" pitchFamily="49" charset="0"/>
+              </a:rPr>
+              <a:t>class Dog {</a:t>
+            </a:r>
+          </a:p>
+          <a:p>
+            <a:r>
+              <a:rPr lang="ko-Kore-KR" altLang="en-US" dirty="0">
+                <a:latin typeface="DM Mono" panose="020B0509040201040103" pitchFamily="49" charset="0"/>
+              </a:rPr>
+              <a:t>    int age;</a:t>
+            </a:r>
+          </a:p>
+          <a:p>
+            <a:r>
+              <a:rPr lang="ko-Kore-KR" altLang="en-US" dirty="0">
+                <a:latin typeface="DM Mono" panose="020B0509040201040103" pitchFamily="49" charset="0"/>
+              </a:rPr>
+              <a:t>    int color;</a:t>
+            </a:r>
+          </a:p>
+          <a:p>
+            <a:r>
+              <a:rPr lang="ko-Kore-KR" altLang="en-US" dirty="0">
+                <a:latin typeface="DM Mono" panose="020B0509040201040103" pitchFamily="49" charset="0"/>
+              </a:rPr>
+              <a:t>};</a:t>
+            </a:r>
+          </a:p>
+          <a:p>
+            <a:endParaRPr lang="ko-Kore-KR" altLang="en-US" dirty="0">
+              <a:latin typeface="DM Mono" panose="020B0509040201040103" pitchFamily="49" charset="0"/>
+            </a:endParaRPr>
+          </a:p>
+          <a:p>
+            <a:r>
+              <a:rPr lang="ko-Kore-KR" altLang="en-US" dirty="0">
+                <a:latin typeface="DM Mono" panose="020B0509040201040103" pitchFamily="49" charset="0"/>
+              </a:rPr>
+              <a:t>class Cat {</a:t>
+            </a:r>
+          </a:p>
+          <a:p>
+            <a:r>
+              <a:rPr lang="ko-Kore-KR" altLang="en-US" dirty="0">
+                <a:latin typeface="DM Mono" panose="020B0509040201040103" pitchFamily="49" charset="0"/>
+              </a:rPr>
+              <a:t>    int age;</a:t>
+            </a:r>
+          </a:p>
+          <a:p>
+            <a:r>
+              <a:rPr lang="ko-Kore-KR" altLang="en-US" dirty="0">
+                <a:latin typeface="DM Mono" panose="020B0509040201040103" pitchFamily="49" charset="0"/>
+              </a:rPr>
+              <a:t>    double speed;</a:t>
+            </a:r>
+          </a:p>
+          <a:p>
+            <a:r>
+              <a:rPr lang="ko-Kore-KR" altLang="en-US" dirty="0">
+                <a:latin typeface="DM Mono" panose="020B0509040201040103" pitchFamily="49" charset="0"/>
+              </a:rPr>
+              <a:t>};</a:t>
+            </a:r>
+          </a:p>
+          <a:p>
+            <a:endParaRPr lang="ko-Kore-KR" altLang="en-US" dirty="0">
+              <a:latin typeface="DM Mono" panose="020B0509040201040103" pitchFamily="49" charset="0"/>
+            </a:endParaRPr>
+          </a:p>
+          <a:p>
+            <a:r>
+              <a:rPr lang="ko-Kore-KR" altLang="en-US" dirty="0">
+                <a:latin typeface="DM Mono" panose="020B0509040201040103" pitchFamily="49" charset="0"/>
+              </a:rPr>
+              <a:t>int main()</a:t>
+            </a:r>
+          </a:p>
+          <a:p>
+            <a:r>
+              <a:rPr lang="ko-Kore-KR" altLang="en-US" dirty="0">
+                <a:latin typeface="DM Mono" panose="020B0509040201040103" pitchFamily="49" charset="0"/>
+              </a:rPr>
+              <a:t>{</a:t>
+            </a:r>
+            <a:endParaRPr lang="en-US" altLang="ko-Kore-KR" dirty="0">
+              <a:latin typeface="DM Mono" panose="020B0509040201040103" pitchFamily="49" charset="0"/>
+            </a:endParaRPr>
+          </a:p>
+          <a:p>
+            <a:r>
+              <a:rPr lang="en-US" altLang="ko-Kore-KR" dirty="0">
+                <a:latin typeface="DM Mono" panose="020B0509040201040103" pitchFamily="49" charset="0"/>
+              </a:rPr>
+              <a:t>    Dog d;</a:t>
+            </a:r>
+          </a:p>
+          <a:p>
+            <a:r>
+              <a:rPr lang="en-US" altLang="ko-Kore-KR" dirty="0">
+                <a:latin typeface="DM Mono" panose="020B0509040201040103" pitchFamily="49" charset="0"/>
+              </a:rPr>
+              <a:t>    Cat c;</a:t>
+            </a:r>
+            <a:endParaRPr lang="ko-Kore-KR" altLang="en-US" dirty="0">
+              <a:latin typeface="DM Mono" panose="020B0509040201040103" pitchFamily="49" charset="0"/>
+            </a:endParaRPr>
+          </a:p>
+          <a:p>
+            <a:r>
+              <a:rPr lang="ko-Kore-KR" altLang="en-US" dirty="0">
+                <a:latin typeface="DM Mono" panose="020B0509040201040103" pitchFamily="49" charset="0"/>
+              </a:rPr>
+              <a:t>    cout &lt;&lt; sizeof(Dog) &lt;&lt; endl;</a:t>
+            </a:r>
+          </a:p>
+          <a:p>
+            <a:r>
+              <a:rPr lang="ko-Kore-KR" altLang="en-US" dirty="0">
+                <a:latin typeface="DM Mono" panose="020B0509040201040103" pitchFamily="49" charset="0"/>
+              </a:rPr>
+              <a:t>    cout &lt;&lt; sizeof(Cat) &lt;&lt; endl;</a:t>
+            </a:r>
+          </a:p>
+          <a:p>
+            <a:r>
+              <a:rPr lang="ko-Kore-KR" altLang="en-US" dirty="0">
+                <a:latin typeface="DM Mono" panose="020B0509040201040103" pitchFamily="49" charset="0"/>
+              </a:rPr>
+              <a:t>}</a:t>
+            </a:r>
+          </a:p>
+        </p:txBody>
+      </p:sp>
+      <p:sp>
+        <p:nvSpPr>
+          <p:cNvPr id="6" name="직사각형 5">
+            <a:extLst>
+              <a:ext uri="{FF2B5EF4-FFF2-40B4-BE49-F238E27FC236}">
+                <a16:creationId xmlns:a16="http://schemas.microsoft.com/office/drawing/2014/main" id="{BF34D296-6C08-1FC3-2B2A-90ADBC48F436}"/>
+              </a:ext>
+            </a:extLst>
+          </p:cNvPr>
+          <p:cNvSpPr/>
+          <p:nvPr/>
+        </p:nvSpPr>
+        <p:spPr>
+          <a:xfrm>
+            <a:off x="5517931" y="1828178"/>
+            <a:ext cx="5237757" cy="2817394"/>
+          </a:xfrm>
+          <a:prstGeom prst="rect">
+            <a:avLst/>
+          </a:prstGeom>
+          <a:solidFill>
+            <a:schemeClr val="bg1"/>
+          </a:solidFill>
+        </p:spPr>
+        <p:style>
+          <a:lnRef idx="2">
+            <a:schemeClr val="accent1">
+              <a:shade val="50000"/>
+            </a:schemeClr>
+          </a:lnRef>
+          <a:fillRef idx="1">
+            <a:schemeClr val="accent1"/>
+          </a:fillRef>
+          <a:effectRef idx="0">
+            <a:schemeClr val="accent1"/>
+          </a:effectRef>
+          <a:fontRef idx="minor">
+            <a:schemeClr val="lt1"/>
+          </a:fontRef>
+        </p:style>
+        <p:txBody>
+          <a:bodyPr rtlCol="0" anchor="ctr"/>
+          <a:lstStyle/>
+          <a:p>
+            <a:pPr algn="ctr"/>
+            <a:endParaRPr kumimoji="1" lang="ko-Kore-KR" altLang="en-US"/>
+          </a:p>
+        </p:txBody>
+      </p:sp>
+      <p:sp>
+        <p:nvSpPr>
+          <p:cNvPr id="7" name="TextBox 6">
+            <a:extLst>
+              <a:ext uri="{FF2B5EF4-FFF2-40B4-BE49-F238E27FC236}">
+                <a16:creationId xmlns:a16="http://schemas.microsoft.com/office/drawing/2014/main" id="{598963ED-E28A-317A-5E8D-CDCD79D67D65}"/>
+              </a:ext>
+            </a:extLst>
+          </p:cNvPr>
+          <p:cNvSpPr txBox="1"/>
+          <p:nvPr/>
+        </p:nvSpPr>
+        <p:spPr>
+          <a:xfrm>
+            <a:off x="7719506" y="1497607"/>
+            <a:ext cx="834606" cy="369332"/>
+          </a:xfrm>
+          <a:prstGeom prst="rect">
+            <a:avLst/>
+          </a:prstGeom>
+          <a:noFill/>
+        </p:spPr>
+        <p:txBody>
+          <a:bodyPr wrap="square">
+            <a:spAutoFit/>
+          </a:bodyPr>
+          <a:lstStyle/>
+          <a:p>
+            <a:r>
+              <a:rPr lang="ko-Kore-KR" altLang="en-US" sz="1800" dirty="0">
+                <a:latin typeface="DM Mono" panose="020B0509040201040103" pitchFamily="49" charset="0"/>
+              </a:rPr>
+              <a:t>main</a:t>
+            </a:r>
+            <a:endParaRPr lang="ko-Kore-KR" altLang="en-US" dirty="0"/>
+          </a:p>
+        </p:txBody>
+      </p:sp>
+      <p:sp>
+        <p:nvSpPr>
+          <p:cNvPr id="8" name="직사각형 7">
+            <a:extLst>
+              <a:ext uri="{FF2B5EF4-FFF2-40B4-BE49-F238E27FC236}">
+                <a16:creationId xmlns:a16="http://schemas.microsoft.com/office/drawing/2014/main" id="{D3259C3B-E975-7672-3D22-38D79C3FD719}"/>
+              </a:ext>
+            </a:extLst>
+          </p:cNvPr>
+          <p:cNvSpPr/>
+          <p:nvPr/>
+        </p:nvSpPr>
+        <p:spPr>
+          <a:xfrm>
+            <a:off x="6574177" y="2356518"/>
+            <a:ext cx="1242204" cy="543464"/>
+          </a:xfrm>
+          <a:prstGeom prst="rect">
+            <a:avLst/>
+          </a:prstGeom>
+          <a:solidFill>
+            <a:srgbClr val="FFFF00"/>
+          </a:solidFill>
+        </p:spPr>
+        <p:style>
+          <a:lnRef idx="2">
+            <a:schemeClr val="accent4">
+              <a:shade val="50000"/>
+            </a:schemeClr>
+          </a:lnRef>
+          <a:fillRef idx="1">
+            <a:schemeClr val="accent4"/>
+          </a:fillRef>
+          <a:effectRef idx="0">
+            <a:schemeClr val="accent4"/>
+          </a:effectRef>
+          <a:fontRef idx="minor">
+            <a:schemeClr val="lt1"/>
+          </a:fontRef>
+        </p:style>
+        <p:txBody>
+          <a:bodyPr rtlCol="0" anchor="ctr"/>
+          <a:lstStyle/>
+          <a:p>
+            <a:pPr algn="ctr"/>
+            <a:endParaRPr kumimoji="1" lang="ko-Kore-KR" altLang="en-US" sz="1600" dirty="0">
+              <a:solidFill>
+                <a:schemeClr val="tx1"/>
+              </a:solidFill>
+              <a:latin typeface="DM Mono" panose="020B0509040201040103" pitchFamily="49" charset="0"/>
+            </a:endParaRPr>
+          </a:p>
+        </p:txBody>
+      </p:sp>
+      <p:sp>
+        <p:nvSpPr>
+          <p:cNvPr id="9" name="TextBox 8">
+            <a:extLst>
+              <a:ext uri="{FF2B5EF4-FFF2-40B4-BE49-F238E27FC236}">
+                <a16:creationId xmlns:a16="http://schemas.microsoft.com/office/drawing/2014/main" id="{FEEB1B3C-1694-15C3-4666-80EE109C27BC}"/>
+              </a:ext>
+            </a:extLst>
+          </p:cNvPr>
+          <p:cNvSpPr txBox="1"/>
+          <p:nvPr/>
+        </p:nvSpPr>
+        <p:spPr>
+          <a:xfrm>
+            <a:off x="6755871" y="1978560"/>
+            <a:ext cx="878816" cy="369332"/>
+          </a:xfrm>
+          <a:prstGeom prst="rect">
+            <a:avLst/>
+          </a:prstGeom>
+          <a:noFill/>
+        </p:spPr>
+        <p:txBody>
+          <a:bodyPr wrap="square">
+            <a:spAutoFit/>
+          </a:bodyPr>
+          <a:lstStyle/>
+          <a:p>
+            <a:r>
+              <a:rPr lang="en-US" altLang="ko-Kore-KR" dirty="0">
+                <a:latin typeface="DM Mono" panose="020B0509040201040103" pitchFamily="49" charset="0"/>
+              </a:rPr>
+              <a:t>Dog</a:t>
+            </a:r>
+            <a:endParaRPr lang="ko-Kore-KR" altLang="en-US" dirty="0"/>
+          </a:p>
+        </p:txBody>
+      </p:sp>
+      <p:sp>
+        <p:nvSpPr>
+          <p:cNvPr id="10" name="TextBox 9">
+            <a:extLst>
+              <a:ext uri="{FF2B5EF4-FFF2-40B4-BE49-F238E27FC236}">
+                <a16:creationId xmlns:a16="http://schemas.microsoft.com/office/drawing/2014/main" id="{092CA1C9-A2F1-897C-190A-F1007D7079E7}"/>
+              </a:ext>
+            </a:extLst>
+          </p:cNvPr>
+          <p:cNvSpPr txBox="1"/>
+          <p:nvPr/>
+        </p:nvSpPr>
+        <p:spPr>
+          <a:xfrm>
+            <a:off x="5779828" y="2443584"/>
+            <a:ext cx="794349" cy="369332"/>
+          </a:xfrm>
+          <a:prstGeom prst="rect">
+            <a:avLst/>
+          </a:prstGeom>
+          <a:noFill/>
+        </p:spPr>
+        <p:txBody>
+          <a:bodyPr wrap="square">
+            <a:spAutoFit/>
+          </a:bodyPr>
+          <a:lstStyle/>
+          <a:p>
+            <a:pPr algn="r"/>
+            <a:r>
+              <a:rPr lang="en-US" altLang="ko-Kore-KR" dirty="0">
+                <a:latin typeface="DM Mono" panose="020B0509040201040103" pitchFamily="49" charset="0"/>
+              </a:rPr>
+              <a:t>age</a:t>
+            </a:r>
+            <a:endParaRPr lang="ko-Kore-KR" altLang="en-US" dirty="0"/>
+          </a:p>
+        </p:txBody>
+      </p:sp>
+      <p:sp>
+        <p:nvSpPr>
+          <p:cNvPr id="11" name="직사각형 10">
+            <a:extLst>
+              <a:ext uri="{FF2B5EF4-FFF2-40B4-BE49-F238E27FC236}">
+                <a16:creationId xmlns:a16="http://schemas.microsoft.com/office/drawing/2014/main" id="{A5FE6B9A-E6C7-498C-1109-E8044FE16C25}"/>
+              </a:ext>
+            </a:extLst>
+          </p:cNvPr>
+          <p:cNvSpPr/>
+          <p:nvPr/>
+        </p:nvSpPr>
+        <p:spPr>
+          <a:xfrm>
+            <a:off x="8724453" y="3160960"/>
+            <a:ext cx="1242204" cy="543464"/>
+          </a:xfrm>
+          <a:prstGeom prst="rect">
+            <a:avLst/>
+          </a:prstGeom>
+          <a:solidFill>
+            <a:srgbClr val="FFFF00"/>
+          </a:solidFill>
+        </p:spPr>
+        <p:style>
+          <a:lnRef idx="2">
+            <a:schemeClr val="accent4">
+              <a:shade val="50000"/>
+            </a:schemeClr>
+          </a:lnRef>
+          <a:fillRef idx="1">
+            <a:schemeClr val="accent4"/>
+          </a:fillRef>
+          <a:effectRef idx="0">
+            <a:schemeClr val="accent4"/>
+          </a:effectRef>
+          <a:fontRef idx="minor">
+            <a:schemeClr val="lt1"/>
+          </a:fontRef>
+        </p:style>
+        <p:txBody>
+          <a:bodyPr rtlCol="0" anchor="ctr"/>
+          <a:lstStyle/>
+          <a:p>
+            <a:pPr algn="ctr"/>
+            <a:endParaRPr kumimoji="1" lang="ko-Kore-KR" altLang="en-US" sz="1600" dirty="0">
+              <a:solidFill>
+                <a:schemeClr val="tx1"/>
+              </a:solidFill>
+              <a:latin typeface="DM Mono" panose="020B0509040201040103" pitchFamily="49" charset="0"/>
+            </a:endParaRPr>
+          </a:p>
+        </p:txBody>
+      </p:sp>
+      <p:sp>
+        <p:nvSpPr>
+          <p:cNvPr id="12" name="TextBox 11">
+            <a:extLst>
+              <a:ext uri="{FF2B5EF4-FFF2-40B4-BE49-F238E27FC236}">
+                <a16:creationId xmlns:a16="http://schemas.microsoft.com/office/drawing/2014/main" id="{CEF923B1-4D51-AAA3-FF14-B0CD6647C111}"/>
+              </a:ext>
+            </a:extLst>
+          </p:cNvPr>
+          <p:cNvSpPr txBox="1"/>
+          <p:nvPr/>
+        </p:nvSpPr>
+        <p:spPr>
+          <a:xfrm>
+            <a:off x="8906147" y="2783002"/>
+            <a:ext cx="878816" cy="369332"/>
+          </a:xfrm>
+          <a:prstGeom prst="rect">
+            <a:avLst/>
+          </a:prstGeom>
+          <a:noFill/>
+        </p:spPr>
+        <p:txBody>
+          <a:bodyPr wrap="square">
+            <a:spAutoFit/>
+          </a:bodyPr>
+          <a:lstStyle/>
+          <a:p>
+            <a:r>
+              <a:rPr lang="en-US" altLang="ko-Kore-KR" dirty="0">
+                <a:latin typeface="DM Mono" panose="020B0509040201040103" pitchFamily="49" charset="0"/>
+              </a:rPr>
+              <a:t>Cat</a:t>
+            </a:r>
+            <a:endParaRPr lang="ko-Kore-KR" altLang="en-US" dirty="0"/>
+          </a:p>
+        </p:txBody>
+      </p:sp>
+      <p:sp>
+        <p:nvSpPr>
+          <p:cNvPr id="13" name="TextBox 12">
+            <a:extLst>
+              <a:ext uri="{FF2B5EF4-FFF2-40B4-BE49-F238E27FC236}">
+                <a16:creationId xmlns:a16="http://schemas.microsoft.com/office/drawing/2014/main" id="{EB97A7F1-B5C5-81EB-21C7-7A4CBB139EB5}"/>
+              </a:ext>
+            </a:extLst>
+          </p:cNvPr>
+          <p:cNvSpPr txBox="1"/>
+          <p:nvPr/>
+        </p:nvSpPr>
+        <p:spPr>
+          <a:xfrm>
+            <a:off x="7930104" y="3248026"/>
+            <a:ext cx="794349" cy="369332"/>
+          </a:xfrm>
+          <a:prstGeom prst="rect">
+            <a:avLst/>
+          </a:prstGeom>
+          <a:noFill/>
+        </p:spPr>
+        <p:txBody>
+          <a:bodyPr wrap="square">
+            <a:spAutoFit/>
+          </a:bodyPr>
+          <a:lstStyle/>
+          <a:p>
+            <a:pPr algn="r"/>
+            <a:r>
+              <a:rPr lang="en-US" altLang="ko-Kore-KR" dirty="0">
+                <a:latin typeface="DM Mono" panose="020B0509040201040103" pitchFamily="49" charset="0"/>
+              </a:rPr>
+              <a:t>age</a:t>
+            </a:r>
+            <a:endParaRPr lang="ko-Kore-KR" altLang="en-US" dirty="0"/>
+          </a:p>
+        </p:txBody>
+      </p:sp>
+      <p:sp>
+        <p:nvSpPr>
+          <p:cNvPr id="14" name="직사각형 13">
+            <a:extLst>
+              <a:ext uri="{FF2B5EF4-FFF2-40B4-BE49-F238E27FC236}">
+                <a16:creationId xmlns:a16="http://schemas.microsoft.com/office/drawing/2014/main" id="{A5D12444-B8D5-9AB5-47DD-F3B91C07E97E}"/>
+              </a:ext>
+            </a:extLst>
+          </p:cNvPr>
+          <p:cNvSpPr/>
+          <p:nvPr/>
+        </p:nvSpPr>
+        <p:spPr>
+          <a:xfrm>
+            <a:off x="6571518" y="2908608"/>
+            <a:ext cx="1242204" cy="543464"/>
+          </a:xfrm>
+          <a:prstGeom prst="rect">
+            <a:avLst/>
+          </a:prstGeom>
+          <a:solidFill>
+            <a:srgbClr val="FFFF00"/>
+          </a:solidFill>
+        </p:spPr>
+        <p:style>
+          <a:lnRef idx="2">
+            <a:schemeClr val="accent4">
+              <a:shade val="50000"/>
+            </a:schemeClr>
+          </a:lnRef>
+          <a:fillRef idx="1">
+            <a:schemeClr val="accent4"/>
+          </a:fillRef>
+          <a:effectRef idx="0">
+            <a:schemeClr val="accent4"/>
+          </a:effectRef>
+          <a:fontRef idx="minor">
+            <a:schemeClr val="lt1"/>
+          </a:fontRef>
+        </p:style>
+        <p:txBody>
+          <a:bodyPr rtlCol="0" anchor="ctr"/>
+          <a:lstStyle/>
+          <a:p>
+            <a:pPr algn="ctr"/>
+            <a:endParaRPr kumimoji="1" lang="ko-Kore-KR" altLang="en-US" sz="1600" dirty="0">
+              <a:solidFill>
+                <a:schemeClr val="tx1"/>
+              </a:solidFill>
+              <a:latin typeface="DM Mono" panose="020B0509040201040103" pitchFamily="49" charset="0"/>
+            </a:endParaRPr>
+          </a:p>
+        </p:txBody>
+      </p:sp>
+      <p:sp>
+        <p:nvSpPr>
+          <p:cNvPr id="15" name="TextBox 14">
+            <a:extLst>
+              <a:ext uri="{FF2B5EF4-FFF2-40B4-BE49-F238E27FC236}">
+                <a16:creationId xmlns:a16="http://schemas.microsoft.com/office/drawing/2014/main" id="{1C36ADA6-EF7A-FF10-8AC3-9D188198C104}"/>
+              </a:ext>
+            </a:extLst>
+          </p:cNvPr>
+          <p:cNvSpPr txBox="1"/>
+          <p:nvPr/>
+        </p:nvSpPr>
+        <p:spPr>
+          <a:xfrm>
+            <a:off x="5633545" y="2995674"/>
+            <a:ext cx="937973" cy="369332"/>
+          </a:xfrm>
+          <a:prstGeom prst="rect">
+            <a:avLst/>
+          </a:prstGeom>
+          <a:noFill/>
+        </p:spPr>
+        <p:txBody>
+          <a:bodyPr wrap="square">
+            <a:spAutoFit/>
+          </a:bodyPr>
+          <a:lstStyle/>
+          <a:p>
+            <a:pPr algn="r"/>
+            <a:r>
+              <a:rPr lang="en-US" altLang="ko-Kore-KR" dirty="0">
+                <a:latin typeface="DM Mono" panose="020B0509040201040103" pitchFamily="49" charset="0"/>
+              </a:rPr>
+              <a:t>color</a:t>
+            </a:r>
+            <a:endParaRPr lang="ko-Kore-KR" altLang="en-US" dirty="0"/>
+          </a:p>
+        </p:txBody>
+      </p:sp>
+      <p:sp>
+        <p:nvSpPr>
+          <p:cNvPr id="16" name="직사각형 15">
+            <a:extLst>
+              <a:ext uri="{FF2B5EF4-FFF2-40B4-BE49-F238E27FC236}">
+                <a16:creationId xmlns:a16="http://schemas.microsoft.com/office/drawing/2014/main" id="{0705C436-470B-C944-2593-1AF5D2445542}"/>
+              </a:ext>
+            </a:extLst>
+          </p:cNvPr>
+          <p:cNvSpPr/>
+          <p:nvPr/>
+        </p:nvSpPr>
+        <p:spPr>
+          <a:xfrm>
+            <a:off x="8724453" y="3701174"/>
+            <a:ext cx="1242204" cy="783942"/>
+          </a:xfrm>
+          <a:prstGeom prst="rect">
+            <a:avLst/>
+          </a:prstGeom>
+          <a:solidFill>
+            <a:srgbClr val="FFFF00"/>
+          </a:solidFill>
+        </p:spPr>
+        <p:style>
+          <a:lnRef idx="2">
+            <a:schemeClr val="accent4">
+              <a:shade val="50000"/>
+            </a:schemeClr>
+          </a:lnRef>
+          <a:fillRef idx="1">
+            <a:schemeClr val="accent4"/>
+          </a:fillRef>
+          <a:effectRef idx="0">
+            <a:schemeClr val="accent4"/>
+          </a:effectRef>
+          <a:fontRef idx="minor">
+            <a:schemeClr val="lt1"/>
+          </a:fontRef>
+        </p:style>
+        <p:txBody>
+          <a:bodyPr rtlCol="0" anchor="ctr"/>
+          <a:lstStyle/>
+          <a:p>
+            <a:pPr algn="ctr"/>
+            <a:endParaRPr kumimoji="1" lang="ko-Kore-KR" altLang="en-US" sz="1600" dirty="0">
+              <a:solidFill>
+                <a:schemeClr val="tx1"/>
+              </a:solidFill>
+              <a:latin typeface="DM Mono" panose="020B0509040201040103" pitchFamily="49" charset="0"/>
+            </a:endParaRPr>
+          </a:p>
+        </p:txBody>
+      </p:sp>
+      <p:sp>
+        <p:nvSpPr>
+          <p:cNvPr id="17" name="TextBox 16">
+            <a:extLst>
+              <a:ext uri="{FF2B5EF4-FFF2-40B4-BE49-F238E27FC236}">
+                <a16:creationId xmlns:a16="http://schemas.microsoft.com/office/drawing/2014/main" id="{7B63844E-3423-3066-F614-B34C9BBAD2CC}"/>
+              </a:ext>
+            </a:extLst>
+          </p:cNvPr>
+          <p:cNvSpPr txBox="1"/>
+          <p:nvPr/>
+        </p:nvSpPr>
+        <p:spPr>
+          <a:xfrm>
+            <a:off x="7786480" y="3788240"/>
+            <a:ext cx="937973" cy="369332"/>
+          </a:xfrm>
+          <a:prstGeom prst="rect">
+            <a:avLst/>
+          </a:prstGeom>
+          <a:noFill/>
+        </p:spPr>
+        <p:txBody>
+          <a:bodyPr wrap="square">
+            <a:spAutoFit/>
+          </a:bodyPr>
+          <a:lstStyle/>
+          <a:p>
+            <a:pPr algn="r"/>
+            <a:r>
+              <a:rPr lang="en-US" altLang="ko-Kore-KR" dirty="0">
+                <a:latin typeface="DM Mono" panose="020B0509040201040103" pitchFamily="49" charset="0"/>
+              </a:rPr>
+              <a:t>speed</a:t>
+            </a:r>
+            <a:endParaRPr lang="ko-Kore-KR" altLang="en-US" dirty="0"/>
+          </a:p>
+        </p:txBody>
+      </p:sp>
+    </p:spTree>
+    <p:extLst>
+      <p:ext uri="{BB962C8B-B14F-4D97-AF65-F5344CB8AC3E}">
+        <p14:creationId xmlns:p14="http://schemas.microsoft.com/office/powerpoint/2010/main" val="225662616"/>
+      </p:ext>
+    </p:extLst>
+  </p:cSld>
+  <p:clrMapOvr>
+    <a:masterClrMapping/>
+  </p:clrMapOvr>
+</p:sld>
+</file>
+
+<file path=ppt/slides/slide25.xml><?xml version="1.0" encoding="utf-8"?>
+<p:sld xmlns:a="http://schemas.openxmlformats.org/drawingml/2006/main" xmlns:r="http://schemas.openxmlformats.org/officeDocument/2006/relationships" xmlns:p="http://schemas.openxmlformats.org/presentationml/2006/main">
+  <p:cSld>
+    <p:spTree>
+      <p:nvGrpSpPr>
+        <p:cNvPr id="1" name=""/>
+        <p:cNvGrpSpPr/>
+        <p:nvPr/>
+      </p:nvGrpSpPr>
+      <p:grpSpPr>
+        <a:xfrm>
+          <a:off x="0" y="0"/>
+          <a:ext cx="0" cy="0"/>
+          <a:chOff x="0" y="0"/>
+          <a:chExt cx="0" cy="0"/>
+        </a:xfrm>
+      </p:grpSpPr>
+      <p:sp>
+        <p:nvSpPr>
+          <p:cNvPr id="5" name="TextBox 4">
+            <a:extLst>
+              <a:ext uri="{FF2B5EF4-FFF2-40B4-BE49-F238E27FC236}">
+                <a16:creationId xmlns:a16="http://schemas.microsoft.com/office/drawing/2014/main" id="{F704CFD7-25A2-B8E2-F47E-6EB8CFF0F85E}"/>
+              </a:ext>
+            </a:extLst>
+          </p:cNvPr>
+          <p:cNvSpPr txBox="1"/>
+          <p:nvPr/>
+        </p:nvSpPr>
+        <p:spPr>
+          <a:xfrm>
+            <a:off x="525518" y="246424"/>
+            <a:ext cx="6096000" cy="5355312"/>
+          </a:xfrm>
+          <a:prstGeom prst="rect">
+            <a:avLst/>
+          </a:prstGeom>
+          <a:noFill/>
+        </p:spPr>
+        <p:txBody>
+          <a:bodyPr wrap="square">
+            <a:spAutoFit/>
+          </a:bodyPr>
+          <a:lstStyle/>
+          <a:p>
+            <a:r>
+              <a:rPr lang="en" altLang="ko-Kore-KR" dirty="0">
+                <a:latin typeface="DM Mono" panose="020B0509040201040103" pitchFamily="49" charset="0"/>
+              </a:rPr>
+              <a:t>class Animal {</a:t>
+            </a:r>
+          </a:p>
+          <a:p>
+            <a:r>
+              <a:rPr lang="en" altLang="ko-Kore-KR" dirty="0">
+                <a:latin typeface="DM Mono" panose="020B0509040201040103" pitchFamily="49" charset="0"/>
+              </a:rPr>
+              <a:t>    int age;</a:t>
+            </a:r>
+          </a:p>
+          <a:p>
+            <a:r>
+              <a:rPr lang="en" altLang="ko-Kore-KR" dirty="0">
+                <a:latin typeface="DM Mono" panose="020B0509040201040103" pitchFamily="49" charset="0"/>
+              </a:rPr>
+              <a:t>};</a:t>
+            </a:r>
+          </a:p>
+          <a:p>
+            <a:endParaRPr lang="en" altLang="ko-Kore-KR" dirty="0">
+              <a:latin typeface="DM Mono" panose="020B0509040201040103" pitchFamily="49" charset="0"/>
+            </a:endParaRPr>
+          </a:p>
+          <a:p>
+            <a:r>
+              <a:rPr lang="en" altLang="ko-Kore-KR" dirty="0">
+                <a:latin typeface="DM Mono" panose="020B0509040201040103" pitchFamily="49" charset="0"/>
+              </a:rPr>
+              <a:t>class Dog : public Animal {</a:t>
+            </a:r>
+          </a:p>
+          <a:p>
+            <a:r>
+              <a:rPr lang="en" altLang="ko-Kore-KR" dirty="0">
+                <a:latin typeface="DM Mono" panose="020B0509040201040103" pitchFamily="49" charset="0"/>
+              </a:rPr>
+              <a:t>    int color;</a:t>
+            </a:r>
+          </a:p>
+          <a:p>
+            <a:r>
+              <a:rPr lang="en" altLang="ko-Kore-KR" dirty="0">
+                <a:latin typeface="DM Mono" panose="020B0509040201040103" pitchFamily="49" charset="0"/>
+              </a:rPr>
+              <a:t>};</a:t>
+            </a:r>
+          </a:p>
+          <a:p>
+            <a:endParaRPr lang="en" altLang="ko-Kore-KR" dirty="0">
+              <a:latin typeface="DM Mono" panose="020B0509040201040103" pitchFamily="49" charset="0"/>
+            </a:endParaRPr>
+          </a:p>
+          <a:p>
+            <a:r>
+              <a:rPr lang="en" altLang="ko-Kore-KR" dirty="0">
+                <a:latin typeface="DM Mono" panose="020B0509040201040103" pitchFamily="49" charset="0"/>
+              </a:rPr>
+              <a:t>class Cat : public Animal {</a:t>
+            </a:r>
+          </a:p>
+          <a:p>
+            <a:r>
+              <a:rPr lang="en" altLang="ko-Kore-KR" dirty="0">
+                <a:latin typeface="DM Mono" panose="020B0509040201040103" pitchFamily="49" charset="0"/>
+              </a:rPr>
+              <a:t>    double speed;</a:t>
+            </a:r>
+          </a:p>
+          <a:p>
+            <a:r>
+              <a:rPr lang="en" altLang="ko-Kore-KR" dirty="0">
+                <a:latin typeface="DM Mono" panose="020B0509040201040103" pitchFamily="49" charset="0"/>
+              </a:rPr>
+              <a:t>};</a:t>
+            </a:r>
+          </a:p>
+          <a:p>
+            <a:endParaRPr lang="ko-Kore-KR" altLang="en-US" dirty="0">
+              <a:latin typeface="DM Mono" panose="020B0509040201040103" pitchFamily="49" charset="0"/>
+            </a:endParaRPr>
+          </a:p>
+          <a:p>
+            <a:r>
+              <a:rPr lang="ko-Kore-KR" altLang="en-US" dirty="0">
+                <a:latin typeface="DM Mono" panose="020B0509040201040103" pitchFamily="49" charset="0"/>
+              </a:rPr>
+              <a:t>int main()</a:t>
+            </a:r>
+          </a:p>
+          <a:p>
+            <a:r>
+              <a:rPr lang="ko-Kore-KR" altLang="en-US" dirty="0">
+                <a:latin typeface="DM Mono" panose="020B0509040201040103" pitchFamily="49" charset="0"/>
+              </a:rPr>
+              <a:t>{</a:t>
+            </a:r>
+            <a:endParaRPr lang="en-US" altLang="ko-Kore-KR" dirty="0">
+              <a:latin typeface="DM Mono" panose="020B0509040201040103" pitchFamily="49" charset="0"/>
+            </a:endParaRPr>
+          </a:p>
+          <a:p>
+            <a:r>
+              <a:rPr lang="en-US" altLang="ko-Kore-KR" dirty="0">
+                <a:latin typeface="DM Mono" panose="020B0509040201040103" pitchFamily="49" charset="0"/>
+              </a:rPr>
+              <a:t>    Dog d;</a:t>
+            </a:r>
+          </a:p>
+          <a:p>
+            <a:r>
+              <a:rPr lang="en-US" altLang="ko-Kore-KR" dirty="0">
+                <a:latin typeface="DM Mono" panose="020B0509040201040103" pitchFamily="49" charset="0"/>
+              </a:rPr>
+              <a:t>    Cat c;</a:t>
+            </a:r>
+            <a:endParaRPr lang="ko-Kore-KR" altLang="en-US" dirty="0">
+              <a:latin typeface="DM Mono" panose="020B0509040201040103" pitchFamily="49" charset="0"/>
+            </a:endParaRPr>
+          </a:p>
+          <a:p>
+            <a:r>
+              <a:rPr lang="ko-Kore-KR" altLang="en-US" dirty="0">
+                <a:latin typeface="DM Mono" panose="020B0509040201040103" pitchFamily="49" charset="0"/>
+              </a:rPr>
+              <a:t>    cout &lt;&lt; sizeof(Dog) &lt;&lt; endl;</a:t>
+            </a:r>
+          </a:p>
+          <a:p>
+            <a:r>
+              <a:rPr lang="ko-Kore-KR" altLang="en-US" dirty="0">
+                <a:latin typeface="DM Mono" panose="020B0509040201040103" pitchFamily="49" charset="0"/>
+              </a:rPr>
+              <a:t>    cout &lt;&lt; sizeof(Cat) &lt;&lt; endl;</a:t>
+            </a:r>
+          </a:p>
+          <a:p>
+            <a:r>
+              <a:rPr lang="ko-Kore-KR" altLang="en-US" dirty="0">
+                <a:latin typeface="DM Mono" panose="020B0509040201040103" pitchFamily="49" charset="0"/>
+              </a:rPr>
+              <a:t>}</a:t>
+            </a:r>
+          </a:p>
+        </p:txBody>
+      </p:sp>
+      <p:sp>
+        <p:nvSpPr>
+          <p:cNvPr id="6" name="직사각형 5">
+            <a:extLst>
+              <a:ext uri="{FF2B5EF4-FFF2-40B4-BE49-F238E27FC236}">
+                <a16:creationId xmlns:a16="http://schemas.microsoft.com/office/drawing/2014/main" id="{BF34D296-6C08-1FC3-2B2A-90ADBC48F436}"/>
+              </a:ext>
+            </a:extLst>
+          </p:cNvPr>
+          <p:cNvSpPr/>
+          <p:nvPr/>
+        </p:nvSpPr>
+        <p:spPr>
+          <a:xfrm>
+            <a:off x="5517931" y="1828178"/>
+            <a:ext cx="5237757" cy="2817394"/>
+          </a:xfrm>
+          <a:prstGeom prst="rect">
+            <a:avLst/>
+          </a:prstGeom>
+          <a:solidFill>
+            <a:schemeClr val="bg1"/>
+          </a:solidFill>
+        </p:spPr>
+        <p:style>
+          <a:lnRef idx="2">
+            <a:schemeClr val="accent1">
+              <a:shade val="50000"/>
+            </a:schemeClr>
+          </a:lnRef>
+          <a:fillRef idx="1">
+            <a:schemeClr val="accent1"/>
+          </a:fillRef>
+          <a:effectRef idx="0">
+            <a:schemeClr val="accent1"/>
+          </a:effectRef>
+          <a:fontRef idx="minor">
+            <a:schemeClr val="lt1"/>
+          </a:fontRef>
+        </p:style>
+        <p:txBody>
+          <a:bodyPr rtlCol="0" anchor="ctr"/>
+          <a:lstStyle/>
+          <a:p>
+            <a:pPr algn="ctr"/>
+            <a:endParaRPr kumimoji="1" lang="ko-Kore-KR" altLang="en-US"/>
+          </a:p>
+        </p:txBody>
+      </p:sp>
+      <p:sp>
+        <p:nvSpPr>
+          <p:cNvPr id="7" name="TextBox 6">
+            <a:extLst>
+              <a:ext uri="{FF2B5EF4-FFF2-40B4-BE49-F238E27FC236}">
+                <a16:creationId xmlns:a16="http://schemas.microsoft.com/office/drawing/2014/main" id="{598963ED-E28A-317A-5E8D-CDCD79D67D65}"/>
+              </a:ext>
+            </a:extLst>
+          </p:cNvPr>
+          <p:cNvSpPr txBox="1"/>
+          <p:nvPr/>
+        </p:nvSpPr>
+        <p:spPr>
+          <a:xfrm>
+            <a:off x="7719506" y="1497607"/>
+            <a:ext cx="834606" cy="369332"/>
+          </a:xfrm>
+          <a:prstGeom prst="rect">
+            <a:avLst/>
+          </a:prstGeom>
+          <a:noFill/>
+        </p:spPr>
+        <p:txBody>
+          <a:bodyPr wrap="square">
+            <a:spAutoFit/>
+          </a:bodyPr>
+          <a:lstStyle/>
+          <a:p>
+            <a:r>
+              <a:rPr lang="ko-Kore-KR" altLang="en-US" sz="1800" dirty="0">
+                <a:latin typeface="DM Mono" panose="020B0509040201040103" pitchFamily="49" charset="0"/>
+              </a:rPr>
+              <a:t>main</a:t>
+            </a:r>
+            <a:endParaRPr lang="ko-Kore-KR" altLang="en-US" dirty="0"/>
+          </a:p>
+        </p:txBody>
+      </p:sp>
+      <p:sp>
+        <p:nvSpPr>
+          <p:cNvPr id="8" name="직사각형 7">
+            <a:extLst>
+              <a:ext uri="{FF2B5EF4-FFF2-40B4-BE49-F238E27FC236}">
+                <a16:creationId xmlns:a16="http://schemas.microsoft.com/office/drawing/2014/main" id="{D3259C3B-E975-7672-3D22-38D79C3FD719}"/>
+              </a:ext>
+            </a:extLst>
+          </p:cNvPr>
+          <p:cNvSpPr/>
+          <p:nvPr/>
+        </p:nvSpPr>
+        <p:spPr>
+          <a:xfrm>
+            <a:off x="6574177" y="2356518"/>
+            <a:ext cx="1242204" cy="543464"/>
+          </a:xfrm>
+          <a:prstGeom prst="rect">
+            <a:avLst/>
+          </a:prstGeom>
+          <a:solidFill>
+            <a:srgbClr val="FFC000"/>
+          </a:solidFill>
+        </p:spPr>
+        <p:style>
+          <a:lnRef idx="2">
+            <a:schemeClr val="accent4">
+              <a:shade val="50000"/>
+            </a:schemeClr>
+          </a:lnRef>
+          <a:fillRef idx="1">
+            <a:schemeClr val="accent4"/>
+          </a:fillRef>
+          <a:effectRef idx="0">
+            <a:schemeClr val="accent4"/>
+          </a:effectRef>
+          <a:fontRef idx="minor">
+            <a:schemeClr val="lt1"/>
+          </a:fontRef>
+        </p:style>
+        <p:txBody>
+          <a:bodyPr rtlCol="0" anchor="ctr"/>
+          <a:lstStyle/>
+          <a:p>
+            <a:pPr algn="ctr"/>
+            <a:r>
+              <a:rPr kumimoji="1" lang="en-US" altLang="ko-Kore-KR" sz="1600" dirty="0">
+                <a:solidFill>
+                  <a:schemeClr val="tx1"/>
+                </a:solidFill>
+                <a:latin typeface="DM Mono" panose="020B0509040201040103" pitchFamily="49" charset="0"/>
+              </a:rPr>
+              <a:t>Animal</a:t>
+            </a:r>
+            <a:endParaRPr kumimoji="1" lang="ko-Kore-KR" altLang="en-US" sz="1600" dirty="0">
+              <a:solidFill>
+                <a:schemeClr val="tx1"/>
+              </a:solidFill>
+              <a:latin typeface="DM Mono" panose="020B0509040201040103" pitchFamily="49" charset="0"/>
+            </a:endParaRPr>
+          </a:p>
+        </p:txBody>
+      </p:sp>
+      <p:sp>
+        <p:nvSpPr>
+          <p:cNvPr id="9" name="TextBox 8">
+            <a:extLst>
+              <a:ext uri="{FF2B5EF4-FFF2-40B4-BE49-F238E27FC236}">
+                <a16:creationId xmlns:a16="http://schemas.microsoft.com/office/drawing/2014/main" id="{FEEB1B3C-1694-15C3-4666-80EE109C27BC}"/>
+              </a:ext>
+            </a:extLst>
+          </p:cNvPr>
+          <p:cNvSpPr txBox="1"/>
+          <p:nvPr/>
+        </p:nvSpPr>
+        <p:spPr>
+          <a:xfrm>
+            <a:off x="6755871" y="1978560"/>
+            <a:ext cx="878816" cy="369332"/>
+          </a:xfrm>
+          <a:prstGeom prst="rect">
+            <a:avLst/>
+          </a:prstGeom>
+          <a:noFill/>
+        </p:spPr>
+        <p:txBody>
+          <a:bodyPr wrap="square">
+            <a:spAutoFit/>
+          </a:bodyPr>
+          <a:lstStyle/>
+          <a:p>
+            <a:r>
+              <a:rPr lang="en-US" altLang="ko-Kore-KR" dirty="0">
+                <a:latin typeface="DM Mono" panose="020B0509040201040103" pitchFamily="49" charset="0"/>
+              </a:rPr>
+              <a:t>Dog</a:t>
+            </a:r>
+            <a:endParaRPr lang="ko-Kore-KR" altLang="en-US" dirty="0"/>
+          </a:p>
+        </p:txBody>
+      </p:sp>
+      <p:sp>
+        <p:nvSpPr>
+          <p:cNvPr id="10" name="TextBox 9">
+            <a:extLst>
+              <a:ext uri="{FF2B5EF4-FFF2-40B4-BE49-F238E27FC236}">
+                <a16:creationId xmlns:a16="http://schemas.microsoft.com/office/drawing/2014/main" id="{092CA1C9-A2F1-897C-190A-F1007D7079E7}"/>
+              </a:ext>
+            </a:extLst>
+          </p:cNvPr>
+          <p:cNvSpPr txBox="1"/>
+          <p:nvPr/>
+        </p:nvSpPr>
+        <p:spPr>
+          <a:xfrm>
+            <a:off x="5779828" y="2443584"/>
+            <a:ext cx="794349" cy="369332"/>
+          </a:xfrm>
+          <a:prstGeom prst="rect">
+            <a:avLst/>
+          </a:prstGeom>
+          <a:noFill/>
+        </p:spPr>
+        <p:txBody>
+          <a:bodyPr wrap="square">
+            <a:spAutoFit/>
+          </a:bodyPr>
+          <a:lstStyle/>
+          <a:p>
+            <a:pPr algn="r"/>
+            <a:r>
+              <a:rPr lang="en-US" altLang="ko-Kore-KR" dirty="0">
+                <a:latin typeface="DM Mono" panose="020B0509040201040103" pitchFamily="49" charset="0"/>
+              </a:rPr>
+              <a:t>age</a:t>
+            </a:r>
+            <a:endParaRPr lang="ko-Kore-KR" altLang="en-US" dirty="0"/>
+          </a:p>
+        </p:txBody>
+      </p:sp>
+      <p:sp>
+        <p:nvSpPr>
+          <p:cNvPr id="11" name="직사각형 10">
+            <a:extLst>
+              <a:ext uri="{FF2B5EF4-FFF2-40B4-BE49-F238E27FC236}">
+                <a16:creationId xmlns:a16="http://schemas.microsoft.com/office/drawing/2014/main" id="{A5FE6B9A-E6C7-498C-1109-E8044FE16C25}"/>
+              </a:ext>
+            </a:extLst>
+          </p:cNvPr>
+          <p:cNvSpPr/>
+          <p:nvPr/>
+        </p:nvSpPr>
+        <p:spPr>
+          <a:xfrm>
+            <a:off x="8724453" y="3160960"/>
+            <a:ext cx="1242204" cy="543464"/>
+          </a:xfrm>
+          <a:prstGeom prst="rect">
+            <a:avLst/>
+          </a:prstGeom>
+          <a:solidFill>
+            <a:srgbClr val="FFC000"/>
+          </a:solidFill>
+        </p:spPr>
+        <p:style>
+          <a:lnRef idx="2">
+            <a:schemeClr val="accent4">
+              <a:shade val="50000"/>
+            </a:schemeClr>
+          </a:lnRef>
+          <a:fillRef idx="1">
+            <a:schemeClr val="accent4"/>
+          </a:fillRef>
+          <a:effectRef idx="0">
+            <a:schemeClr val="accent4"/>
+          </a:effectRef>
+          <a:fontRef idx="minor">
+            <a:schemeClr val="lt1"/>
+          </a:fontRef>
+        </p:style>
+        <p:txBody>
+          <a:bodyPr rtlCol="0" anchor="ctr"/>
+          <a:lstStyle/>
+          <a:p>
+            <a:pPr algn="ctr"/>
+            <a:r>
+              <a:rPr kumimoji="1" lang="en-US" altLang="ko-Kore-KR" sz="1600" dirty="0">
+                <a:solidFill>
+                  <a:schemeClr val="tx1"/>
+                </a:solidFill>
+                <a:latin typeface="DM Mono" panose="020B0509040201040103" pitchFamily="49" charset="0"/>
+              </a:rPr>
+              <a:t>Animal</a:t>
+            </a:r>
+            <a:endParaRPr kumimoji="1" lang="ko-Kore-KR" altLang="en-US" sz="1600" dirty="0">
+              <a:solidFill>
+                <a:schemeClr val="tx1"/>
+              </a:solidFill>
+              <a:latin typeface="DM Mono" panose="020B0509040201040103" pitchFamily="49" charset="0"/>
+            </a:endParaRPr>
+          </a:p>
+        </p:txBody>
+      </p:sp>
+      <p:sp>
+        <p:nvSpPr>
+          <p:cNvPr id="12" name="TextBox 11">
+            <a:extLst>
+              <a:ext uri="{FF2B5EF4-FFF2-40B4-BE49-F238E27FC236}">
+                <a16:creationId xmlns:a16="http://schemas.microsoft.com/office/drawing/2014/main" id="{CEF923B1-4D51-AAA3-FF14-B0CD6647C111}"/>
+              </a:ext>
+            </a:extLst>
+          </p:cNvPr>
+          <p:cNvSpPr txBox="1"/>
+          <p:nvPr/>
+        </p:nvSpPr>
+        <p:spPr>
+          <a:xfrm>
+            <a:off x="8906147" y="2783002"/>
+            <a:ext cx="878816" cy="369332"/>
+          </a:xfrm>
+          <a:prstGeom prst="rect">
+            <a:avLst/>
+          </a:prstGeom>
+          <a:noFill/>
+        </p:spPr>
+        <p:txBody>
+          <a:bodyPr wrap="square">
+            <a:spAutoFit/>
+          </a:bodyPr>
+          <a:lstStyle/>
+          <a:p>
+            <a:r>
+              <a:rPr lang="en-US" altLang="ko-Kore-KR" dirty="0">
+                <a:latin typeface="DM Mono" panose="020B0509040201040103" pitchFamily="49" charset="0"/>
+              </a:rPr>
+              <a:t>Cat</a:t>
+            </a:r>
+            <a:endParaRPr lang="ko-Kore-KR" altLang="en-US" dirty="0"/>
+          </a:p>
+        </p:txBody>
+      </p:sp>
+      <p:sp>
+        <p:nvSpPr>
+          <p:cNvPr id="13" name="TextBox 12">
+            <a:extLst>
+              <a:ext uri="{FF2B5EF4-FFF2-40B4-BE49-F238E27FC236}">
+                <a16:creationId xmlns:a16="http://schemas.microsoft.com/office/drawing/2014/main" id="{EB97A7F1-B5C5-81EB-21C7-7A4CBB139EB5}"/>
+              </a:ext>
+            </a:extLst>
+          </p:cNvPr>
+          <p:cNvSpPr txBox="1"/>
+          <p:nvPr/>
+        </p:nvSpPr>
+        <p:spPr>
+          <a:xfrm>
+            <a:off x="7930104" y="3248026"/>
+            <a:ext cx="794349" cy="369332"/>
+          </a:xfrm>
+          <a:prstGeom prst="rect">
+            <a:avLst/>
+          </a:prstGeom>
+          <a:noFill/>
+        </p:spPr>
+        <p:txBody>
+          <a:bodyPr wrap="square">
+            <a:spAutoFit/>
+          </a:bodyPr>
+          <a:lstStyle/>
+          <a:p>
+            <a:pPr algn="r"/>
+            <a:r>
+              <a:rPr lang="en-US" altLang="ko-Kore-KR" dirty="0">
+                <a:latin typeface="DM Mono" panose="020B0509040201040103" pitchFamily="49" charset="0"/>
+              </a:rPr>
+              <a:t>age</a:t>
+            </a:r>
+            <a:endParaRPr lang="ko-Kore-KR" altLang="en-US" dirty="0"/>
+          </a:p>
+        </p:txBody>
+      </p:sp>
+      <p:sp>
+        <p:nvSpPr>
+          <p:cNvPr id="14" name="직사각형 13">
+            <a:extLst>
+              <a:ext uri="{FF2B5EF4-FFF2-40B4-BE49-F238E27FC236}">
+                <a16:creationId xmlns:a16="http://schemas.microsoft.com/office/drawing/2014/main" id="{A5D12444-B8D5-9AB5-47DD-F3B91C07E97E}"/>
+              </a:ext>
+            </a:extLst>
+          </p:cNvPr>
+          <p:cNvSpPr/>
+          <p:nvPr/>
+        </p:nvSpPr>
+        <p:spPr>
+          <a:xfrm>
+            <a:off x="6571518" y="2908608"/>
+            <a:ext cx="1242204" cy="543464"/>
+          </a:xfrm>
+          <a:prstGeom prst="rect">
+            <a:avLst/>
+          </a:prstGeom>
+          <a:solidFill>
+            <a:srgbClr val="FFFF00"/>
+          </a:solidFill>
+        </p:spPr>
+        <p:style>
+          <a:lnRef idx="2">
+            <a:schemeClr val="accent4">
+              <a:shade val="50000"/>
+            </a:schemeClr>
+          </a:lnRef>
+          <a:fillRef idx="1">
+            <a:schemeClr val="accent4"/>
+          </a:fillRef>
+          <a:effectRef idx="0">
+            <a:schemeClr val="accent4"/>
+          </a:effectRef>
+          <a:fontRef idx="minor">
+            <a:schemeClr val="lt1"/>
+          </a:fontRef>
+        </p:style>
+        <p:txBody>
+          <a:bodyPr rtlCol="0" anchor="ctr"/>
+          <a:lstStyle/>
+          <a:p>
+            <a:pPr algn="ctr"/>
+            <a:endParaRPr kumimoji="1" lang="ko-Kore-KR" altLang="en-US" sz="1600" dirty="0">
+              <a:solidFill>
+                <a:schemeClr val="tx1"/>
+              </a:solidFill>
+              <a:latin typeface="DM Mono" panose="020B0509040201040103" pitchFamily="49" charset="0"/>
+            </a:endParaRPr>
+          </a:p>
+        </p:txBody>
+      </p:sp>
+      <p:sp>
+        <p:nvSpPr>
+          <p:cNvPr id="15" name="TextBox 14">
+            <a:extLst>
+              <a:ext uri="{FF2B5EF4-FFF2-40B4-BE49-F238E27FC236}">
+                <a16:creationId xmlns:a16="http://schemas.microsoft.com/office/drawing/2014/main" id="{1C36ADA6-EF7A-FF10-8AC3-9D188198C104}"/>
+              </a:ext>
+            </a:extLst>
+          </p:cNvPr>
+          <p:cNvSpPr txBox="1"/>
+          <p:nvPr/>
+        </p:nvSpPr>
+        <p:spPr>
+          <a:xfrm>
+            <a:off x="5633545" y="2995674"/>
+            <a:ext cx="937973" cy="369332"/>
+          </a:xfrm>
+          <a:prstGeom prst="rect">
+            <a:avLst/>
+          </a:prstGeom>
+          <a:noFill/>
+        </p:spPr>
+        <p:txBody>
+          <a:bodyPr wrap="square">
+            <a:spAutoFit/>
+          </a:bodyPr>
+          <a:lstStyle/>
+          <a:p>
+            <a:pPr algn="r"/>
+            <a:r>
+              <a:rPr lang="en-US" altLang="ko-Kore-KR" dirty="0">
+                <a:latin typeface="DM Mono" panose="020B0509040201040103" pitchFamily="49" charset="0"/>
+              </a:rPr>
+              <a:t>color</a:t>
+            </a:r>
+            <a:endParaRPr lang="ko-Kore-KR" altLang="en-US" dirty="0"/>
+          </a:p>
+        </p:txBody>
+      </p:sp>
+      <p:sp>
+        <p:nvSpPr>
+          <p:cNvPr id="16" name="직사각형 15">
+            <a:extLst>
+              <a:ext uri="{FF2B5EF4-FFF2-40B4-BE49-F238E27FC236}">
+                <a16:creationId xmlns:a16="http://schemas.microsoft.com/office/drawing/2014/main" id="{0705C436-470B-C944-2593-1AF5D2445542}"/>
+              </a:ext>
+            </a:extLst>
+          </p:cNvPr>
+          <p:cNvSpPr/>
+          <p:nvPr/>
+        </p:nvSpPr>
+        <p:spPr>
+          <a:xfrm>
+            <a:off x="8724453" y="3701174"/>
+            <a:ext cx="1242204" cy="783942"/>
+          </a:xfrm>
+          <a:prstGeom prst="rect">
+            <a:avLst/>
+          </a:prstGeom>
+          <a:solidFill>
+            <a:srgbClr val="FFFF00"/>
+          </a:solidFill>
+        </p:spPr>
+        <p:style>
+          <a:lnRef idx="2">
+            <a:schemeClr val="accent4">
+              <a:shade val="50000"/>
+            </a:schemeClr>
+          </a:lnRef>
+          <a:fillRef idx="1">
+            <a:schemeClr val="accent4"/>
+          </a:fillRef>
+          <a:effectRef idx="0">
+            <a:schemeClr val="accent4"/>
+          </a:effectRef>
+          <a:fontRef idx="minor">
+            <a:schemeClr val="lt1"/>
+          </a:fontRef>
+        </p:style>
+        <p:txBody>
+          <a:bodyPr rtlCol="0" anchor="ctr"/>
+          <a:lstStyle/>
+          <a:p>
+            <a:pPr algn="ctr"/>
+            <a:endParaRPr kumimoji="1" lang="ko-Kore-KR" altLang="en-US" sz="1600" dirty="0">
+              <a:solidFill>
+                <a:schemeClr val="tx1"/>
+              </a:solidFill>
+              <a:latin typeface="DM Mono" panose="020B0509040201040103" pitchFamily="49" charset="0"/>
+            </a:endParaRPr>
+          </a:p>
+        </p:txBody>
+      </p:sp>
+      <p:sp>
+        <p:nvSpPr>
+          <p:cNvPr id="17" name="TextBox 16">
+            <a:extLst>
+              <a:ext uri="{FF2B5EF4-FFF2-40B4-BE49-F238E27FC236}">
+                <a16:creationId xmlns:a16="http://schemas.microsoft.com/office/drawing/2014/main" id="{7B63844E-3423-3066-F614-B34C9BBAD2CC}"/>
+              </a:ext>
+            </a:extLst>
+          </p:cNvPr>
+          <p:cNvSpPr txBox="1"/>
+          <p:nvPr/>
+        </p:nvSpPr>
+        <p:spPr>
+          <a:xfrm>
+            <a:off x="7786480" y="3788240"/>
+            <a:ext cx="937973" cy="369332"/>
+          </a:xfrm>
+          <a:prstGeom prst="rect">
+            <a:avLst/>
+          </a:prstGeom>
+          <a:noFill/>
+        </p:spPr>
+        <p:txBody>
+          <a:bodyPr wrap="square">
+            <a:spAutoFit/>
+          </a:bodyPr>
+          <a:lstStyle/>
+          <a:p>
+            <a:pPr algn="r"/>
+            <a:r>
+              <a:rPr lang="en-US" altLang="ko-Kore-KR" dirty="0">
+                <a:latin typeface="DM Mono" panose="020B0509040201040103" pitchFamily="49" charset="0"/>
+              </a:rPr>
+              <a:t>speed</a:t>
+            </a:r>
+            <a:endParaRPr lang="ko-Kore-KR" altLang="en-US" dirty="0"/>
+          </a:p>
+        </p:txBody>
+      </p:sp>
+    </p:spTree>
+    <p:extLst>
+      <p:ext uri="{BB962C8B-B14F-4D97-AF65-F5344CB8AC3E}">
+        <p14:creationId xmlns:p14="http://schemas.microsoft.com/office/powerpoint/2010/main" val="2165585185"/>
       </p:ext>
     </p:extLst>
   </p:cSld>
@@ -22205,6 +23698,21 @@
         </a:fontRef>
       </a:style>
     </a:lnDef>
+    <a:txDef>
+      <a:spPr>
+        <a:noFill/>
+      </a:spPr>
+      <a:bodyPr wrap="square">
+        <a:spAutoFit/>
+      </a:bodyPr>
+      <a:lstStyle>
+        <a:defPPr algn="l">
+          <a:defRPr dirty="0">
+            <a:latin typeface="DM Mono" panose="020B0509040201040103" pitchFamily="49" charset="0"/>
+          </a:defRPr>
+        </a:defPPr>
+      </a:lstStyle>
+    </a:txDef>
   </a:objectDefaults>
   <a:extraClrSchemeLst/>
   <a:extLst>

--- a/cpp/230223.pptx
+++ b/cpp/230223.pptx
@@ -30,6 +30,12 @@
     <p:sldId id="280" r:id="rId24"/>
     <p:sldId id="281" r:id="rId25"/>
     <p:sldId id="282" r:id="rId26"/>
+    <p:sldId id="283" r:id="rId27"/>
+    <p:sldId id="284" r:id="rId28"/>
+    <p:sldId id="285" r:id="rId29"/>
+    <p:sldId id="286" r:id="rId30"/>
+    <p:sldId id="287" r:id="rId31"/>
+    <p:sldId id="288" r:id="rId32"/>
   </p:sldIdLst>
   <p:sldSz cx="12192000" cy="6858000"/>
   <p:notesSz cx="6858000" cy="9144000"/>
@@ -18884,6 +18890,5516 @@
 </p:sld>
 </file>
 
+<file path=ppt/slides/slide26.xml><?xml version="1.0" encoding="utf-8"?>
+<p:sld xmlns:a="http://schemas.openxmlformats.org/drawingml/2006/main" xmlns:r="http://schemas.openxmlformats.org/officeDocument/2006/relationships" xmlns:p="http://schemas.openxmlformats.org/presentationml/2006/main">
+  <p:cSld>
+    <p:spTree>
+      <p:nvGrpSpPr>
+        <p:cNvPr id="1" name=""/>
+        <p:cNvGrpSpPr/>
+        <p:nvPr/>
+      </p:nvGrpSpPr>
+      <p:grpSpPr>
+        <a:xfrm>
+          <a:off x="0" y="0"/>
+          <a:ext cx="0" cy="0"/>
+          <a:chOff x="0" y="0"/>
+          <a:chExt cx="0" cy="0"/>
+        </a:xfrm>
+      </p:grpSpPr>
+      <p:sp>
+        <p:nvSpPr>
+          <p:cNvPr id="5" name="TextBox 4">
+            <a:extLst>
+              <a:ext uri="{FF2B5EF4-FFF2-40B4-BE49-F238E27FC236}">
+                <a16:creationId xmlns:a16="http://schemas.microsoft.com/office/drawing/2014/main" id="{16585DA1-2063-D0BB-B202-9795908530E4}"/>
+              </a:ext>
+            </a:extLst>
+          </p:cNvPr>
+          <p:cNvSpPr txBox="1"/>
+          <p:nvPr/>
+        </p:nvSpPr>
+        <p:spPr>
+          <a:xfrm>
+            <a:off x="338587" y="171944"/>
+            <a:ext cx="6094562" cy="4524315"/>
+          </a:xfrm>
+          <a:prstGeom prst="rect">
+            <a:avLst/>
+          </a:prstGeom>
+          <a:noFill/>
+        </p:spPr>
+        <p:txBody>
+          <a:bodyPr wrap="square">
+            <a:spAutoFit/>
+          </a:bodyPr>
+          <a:lstStyle/>
+          <a:p>
+            <a:r>
+              <a:rPr lang="ko-Kore-KR" altLang="en-US" dirty="0">
+                <a:latin typeface="DM Mono" panose="020B0509040201040103" pitchFamily="49" charset="0"/>
+              </a:rPr>
+              <a:t>class Animal {</a:t>
+            </a:r>
+          </a:p>
+          <a:p>
+            <a:r>
+              <a:rPr lang="ko-Kore-KR" altLang="en-US" dirty="0">
+                <a:latin typeface="DM Mono" panose="020B0509040201040103" pitchFamily="49" charset="0"/>
+              </a:rPr>
+              <a:t>    int color;</a:t>
+            </a:r>
+          </a:p>
+          <a:p>
+            <a:r>
+              <a:rPr lang="ko-Kore-KR" altLang="en-US" dirty="0">
+                <a:latin typeface="DM Mono" panose="020B0509040201040103" pitchFamily="49" charset="0"/>
+              </a:rPr>
+              <a:t>public:</a:t>
+            </a:r>
+          </a:p>
+          <a:p>
+            <a:r>
+              <a:rPr lang="ko-Kore-KR" altLang="en-US" dirty="0">
+                <a:latin typeface="DM Mono" panose="020B0509040201040103" pitchFamily="49" charset="0"/>
+              </a:rPr>
+              <a:t>};</a:t>
+            </a:r>
+          </a:p>
+          <a:p>
+            <a:endParaRPr lang="ko-Kore-KR" altLang="en-US" dirty="0">
+              <a:latin typeface="DM Mono" panose="020B0509040201040103" pitchFamily="49" charset="0"/>
+            </a:endParaRPr>
+          </a:p>
+          <a:p>
+            <a:r>
+              <a:rPr lang="ko-Kore-KR" altLang="en-US" dirty="0">
+                <a:latin typeface="DM Mono" panose="020B0509040201040103" pitchFamily="49" charset="0"/>
+              </a:rPr>
+              <a:t>class Dog : public Animal {</a:t>
+            </a:r>
+            <a:endParaRPr lang="en-US" altLang="ko-Kore-KR" dirty="0">
+              <a:latin typeface="DM Mono" panose="020B0509040201040103" pitchFamily="49" charset="0"/>
+            </a:endParaRPr>
+          </a:p>
+          <a:p>
+            <a:r>
+              <a:rPr lang="en-US" altLang="ko-Kore-KR" dirty="0">
+                <a:latin typeface="DM Mono" panose="020B0509040201040103" pitchFamily="49" charset="0"/>
+              </a:rPr>
+              <a:t>    int age;</a:t>
+            </a:r>
+            <a:endParaRPr lang="ko-Kore-KR" altLang="en-US" dirty="0">
+              <a:latin typeface="DM Mono" panose="020B0509040201040103" pitchFamily="49" charset="0"/>
+            </a:endParaRPr>
+          </a:p>
+          <a:p>
+            <a:r>
+              <a:rPr lang="ko-Kore-KR" altLang="en-US" dirty="0">
+                <a:latin typeface="DM Mono" panose="020B0509040201040103" pitchFamily="49" charset="0"/>
+              </a:rPr>
+              <a:t>public:</a:t>
+            </a:r>
+          </a:p>
+          <a:p>
+            <a:r>
+              <a:rPr lang="ko-Kore-KR" altLang="en-US" dirty="0">
+                <a:latin typeface="DM Mono" panose="020B0509040201040103" pitchFamily="49" charset="0"/>
+              </a:rPr>
+              <a:t>};</a:t>
+            </a:r>
+          </a:p>
+          <a:p>
+            <a:endParaRPr lang="ko-Kore-KR" altLang="en-US" dirty="0">
+              <a:latin typeface="DM Mono" panose="020B0509040201040103" pitchFamily="49" charset="0"/>
+            </a:endParaRPr>
+          </a:p>
+          <a:p>
+            <a:endParaRPr lang="ko-Kore-KR" altLang="en-US" dirty="0">
+              <a:latin typeface="DM Mono" panose="020B0509040201040103" pitchFamily="49" charset="0"/>
+            </a:endParaRPr>
+          </a:p>
+          <a:p>
+            <a:r>
+              <a:rPr lang="ko-Kore-KR" altLang="en-US" dirty="0">
+                <a:latin typeface="DM Mono" panose="020B0509040201040103" pitchFamily="49" charset="0"/>
+              </a:rPr>
+              <a:t>int main()</a:t>
+            </a:r>
+          </a:p>
+          <a:p>
+            <a:r>
+              <a:rPr lang="ko-Kore-KR" altLang="en-US" dirty="0">
+                <a:latin typeface="DM Mono" panose="020B0509040201040103" pitchFamily="49" charset="0"/>
+              </a:rPr>
+              <a:t>{</a:t>
+            </a:r>
+          </a:p>
+          <a:p>
+            <a:r>
+              <a:rPr lang="ko-Kore-KR" altLang="en-US" dirty="0">
+                <a:latin typeface="DM Mono" panose="020B0509040201040103" pitchFamily="49" charset="0"/>
+              </a:rPr>
+              <a:t>    Animal a;</a:t>
+            </a:r>
+          </a:p>
+          <a:p>
+            <a:r>
+              <a:rPr lang="ko-Kore-KR" altLang="en-US" dirty="0">
+                <a:latin typeface="DM Mono" panose="020B0509040201040103" pitchFamily="49" charset="0"/>
+              </a:rPr>
+              <a:t>    Dog d;</a:t>
+            </a:r>
+            <a:endParaRPr lang="en-US" altLang="ko-Kore-KR" dirty="0">
+              <a:latin typeface="DM Mono" panose="020B0509040201040103" pitchFamily="49" charset="0"/>
+            </a:endParaRPr>
+          </a:p>
+          <a:p>
+            <a:r>
+              <a:rPr lang="en-US" altLang="ko-Kore-KR" dirty="0">
+                <a:latin typeface="DM Mono" panose="020B0509040201040103" pitchFamily="49" charset="0"/>
+              </a:rPr>
+              <a:t>}</a:t>
+            </a:r>
+            <a:endParaRPr lang="ko-Kore-KR" altLang="en-US" dirty="0">
+              <a:latin typeface="DM Mono" panose="020B0509040201040103" pitchFamily="49" charset="0"/>
+            </a:endParaRPr>
+          </a:p>
+        </p:txBody>
+      </p:sp>
+      <p:sp>
+        <p:nvSpPr>
+          <p:cNvPr id="8" name="직사각형 7">
+            <a:extLst>
+              <a:ext uri="{FF2B5EF4-FFF2-40B4-BE49-F238E27FC236}">
+                <a16:creationId xmlns:a16="http://schemas.microsoft.com/office/drawing/2014/main" id="{96506392-9444-AA6F-F9C9-2DC6FCD0F854}"/>
+              </a:ext>
+            </a:extLst>
+          </p:cNvPr>
+          <p:cNvSpPr/>
+          <p:nvPr/>
+        </p:nvSpPr>
+        <p:spPr>
+          <a:xfrm>
+            <a:off x="6574177" y="2356518"/>
+            <a:ext cx="1242204" cy="543464"/>
+          </a:xfrm>
+          <a:prstGeom prst="rect">
+            <a:avLst/>
+          </a:prstGeom>
+          <a:solidFill>
+            <a:srgbClr val="FFC000"/>
+          </a:solidFill>
+        </p:spPr>
+        <p:style>
+          <a:lnRef idx="2">
+            <a:schemeClr val="accent4">
+              <a:shade val="50000"/>
+            </a:schemeClr>
+          </a:lnRef>
+          <a:fillRef idx="1">
+            <a:schemeClr val="accent4"/>
+          </a:fillRef>
+          <a:effectRef idx="0">
+            <a:schemeClr val="accent4"/>
+          </a:effectRef>
+          <a:fontRef idx="minor">
+            <a:schemeClr val="lt1"/>
+          </a:fontRef>
+        </p:style>
+        <p:txBody>
+          <a:bodyPr rtlCol="0" anchor="ctr"/>
+          <a:lstStyle/>
+          <a:p>
+            <a:pPr algn="ctr"/>
+            <a:r>
+              <a:rPr kumimoji="1" lang="en-US" altLang="ko-Kore-KR" sz="1600" dirty="0">
+                <a:solidFill>
+                  <a:schemeClr val="tx1"/>
+                </a:solidFill>
+                <a:latin typeface="DM Mono" panose="020B0509040201040103" pitchFamily="49" charset="0"/>
+              </a:rPr>
+              <a:t>Animal</a:t>
+            </a:r>
+            <a:endParaRPr kumimoji="1" lang="ko-Kore-KR" altLang="en-US" sz="1600" dirty="0">
+              <a:solidFill>
+                <a:schemeClr val="tx1"/>
+              </a:solidFill>
+              <a:latin typeface="DM Mono" panose="020B0509040201040103" pitchFamily="49" charset="0"/>
+            </a:endParaRPr>
+          </a:p>
+        </p:txBody>
+      </p:sp>
+      <p:sp>
+        <p:nvSpPr>
+          <p:cNvPr id="9" name="TextBox 8">
+            <a:extLst>
+              <a:ext uri="{FF2B5EF4-FFF2-40B4-BE49-F238E27FC236}">
+                <a16:creationId xmlns:a16="http://schemas.microsoft.com/office/drawing/2014/main" id="{7573710C-059D-5C52-ECA4-96DA8B2FA1EF}"/>
+              </a:ext>
+            </a:extLst>
+          </p:cNvPr>
+          <p:cNvSpPr txBox="1"/>
+          <p:nvPr/>
+        </p:nvSpPr>
+        <p:spPr>
+          <a:xfrm>
+            <a:off x="6262777" y="1978560"/>
+            <a:ext cx="1735298" cy="369332"/>
+          </a:xfrm>
+          <a:prstGeom prst="rect">
+            <a:avLst/>
+          </a:prstGeom>
+          <a:noFill/>
+        </p:spPr>
+        <p:txBody>
+          <a:bodyPr wrap="square">
+            <a:spAutoFit/>
+          </a:bodyPr>
+          <a:lstStyle/>
+          <a:p>
+            <a:pPr algn="ctr"/>
+            <a:r>
+              <a:rPr lang="en-US" altLang="ko-Kore-KR" dirty="0">
+                <a:latin typeface="DM Mono" panose="020B0509040201040103" pitchFamily="49" charset="0"/>
+              </a:rPr>
+              <a:t>Animal a</a:t>
+            </a:r>
+            <a:endParaRPr lang="ko-Kore-KR" altLang="en-US" dirty="0"/>
+          </a:p>
+        </p:txBody>
+      </p:sp>
+      <p:sp>
+        <p:nvSpPr>
+          <p:cNvPr id="10" name="TextBox 9">
+            <a:extLst>
+              <a:ext uri="{FF2B5EF4-FFF2-40B4-BE49-F238E27FC236}">
+                <a16:creationId xmlns:a16="http://schemas.microsoft.com/office/drawing/2014/main" id="{CE487AAE-3A93-CE35-E3EC-43CD2D97C6AE}"/>
+              </a:ext>
+            </a:extLst>
+          </p:cNvPr>
+          <p:cNvSpPr txBox="1"/>
+          <p:nvPr/>
+        </p:nvSpPr>
+        <p:spPr>
+          <a:xfrm>
+            <a:off x="5600794" y="2443584"/>
+            <a:ext cx="973384" cy="369332"/>
+          </a:xfrm>
+          <a:prstGeom prst="rect">
+            <a:avLst/>
+          </a:prstGeom>
+          <a:noFill/>
+        </p:spPr>
+        <p:txBody>
+          <a:bodyPr wrap="square">
+            <a:spAutoFit/>
+          </a:bodyPr>
+          <a:lstStyle/>
+          <a:p>
+            <a:pPr algn="r"/>
+            <a:r>
+              <a:rPr lang="en-US" altLang="ko-Kore-KR" dirty="0">
+                <a:latin typeface="DM Mono" panose="020B0509040201040103" pitchFamily="49" charset="0"/>
+              </a:rPr>
+              <a:t>color</a:t>
+            </a:r>
+            <a:endParaRPr lang="ko-Kore-KR" altLang="en-US" dirty="0"/>
+          </a:p>
+        </p:txBody>
+      </p:sp>
+      <p:sp>
+        <p:nvSpPr>
+          <p:cNvPr id="11" name="직사각형 10">
+            <a:extLst>
+              <a:ext uri="{FF2B5EF4-FFF2-40B4-BE49-F238E27FC236}">
+                <a16:creationId xmlns:a16="http://schemas.microsoft.com/office/drawing/2014/main" id="{6F6BC458-AAB3-2692-EB74-490CB8CA849C}"/>
+              </a:ext>
+            </a:extLst>
+          </p:cNvPr>
+          <p:cNvSpPr/>
+          <p:nvPr/>
+        </p:nvSpPr>
+        <p:spPr>
+          <a:xfrm>
+            <a:off x="6579729" y="3708273"/>
+            <a:ext cx="1242204" cy="543464"/>
+          </a:xfrm>
+          <a:prstGeom prst="rect">
+            <a:avLst/>
+          </a:prstGeom>
+          <a:solidFill>
+            <a:srgbClr val="FFC000"/>
+          </a:solidFill>
+        </p:spPr>
+        <p:style>
+          <a:lnRef idx="2">
+            <a:schemeClr val="accent4">
+              <a:shade val="50000"/>
+            </a:schemeClr>
+          </a:lnRef>
+          <a:fillRef idx="1">
+            <a:schemeClr val="accent4"/>
+          </a:fillRef>
+          <a:effectRef idx="0">
+            <a:schemeClr val="accent4"/>
+          </a:effectRef>
+          <a:fontRef idx="minor">
+            <a:schemeClr val="lt1"/>
+          </a:fontRef>
+        </p:style>
+        <p:txBody>
+          <a:bodyPr rtlCol="0" anchor="ctr"/>
+          <a:lstStyle/>
+          <a:p>
+            <a:pPr algn="ctr"/>
+            <a:r>
+              <a:rPr kumimoji="1" lang="en-US" altLang="ko-Kore-KR" sz="1600" dirty="0">
+                <a:solidFill>
+                  <a:schemeClr val="tx1"/>
+                </a:solidFill>
+                <a:latin typeface="DM Mono" panose="020B0509040201040103" pitchFamily="49" charset="0"/>
+              </a:rPr>
+              <a:t>Animal</a:t>
+            </a:r>
+            <a:endParaRPr kumimoji="1" lang="ko-Kore-KR" altLang="en-US" sz="1600" dirty="0">
+              <a:solidFill>
+                <a:schemeClr val="tx1"/>
+              </a:solidFill>
+              <a:latin typeface="DM Mono" panose="020B0509040201040103" pitchFamily="49" charset="0"/>
+            </a:endParaRPr>
+          </a:p>
+        </p:txBody>
+      </p:sp>
+      <p:sp>
+        <p:nvSpPr>
+          <p:cNvPr id="12" name="TextBox 11">
+            <a:extLst>
+              <a:ext uri="{FF2B5EF4-FFF2-40B4-BE49-F238E27FC236}">
+                <a16:creationId xmlns:a16="http://schemas.microsoft.com/office/drawing/2014/main" id="{EE2C0D07-0AD5-F7AB-82CC-73E69F6EEF43}"/>
+              </a:ext>
+            </a:extLst>
+          </p:cNvPr>
+          <p:cNvSpPr txBox="1"/>
+          <p:nvPr/>
+        </p:nvSpPr>
+        <p:spPr>
+          <a:xfrm>
+            <a:off x="6761423" y="3330315"/>
+            <a:ext cx="878816" cy="369332"/>
+          </a:xfrm>
+          <a:prstGeom prst="rect">
+            <a:avLst/>
+          </a:prstGeom>
+          <a:noFill/>
+        </p:spPr>
+        <p:txBody>
+          <a:bodyPr wrap="square">
+            <a:spAutoFit/>
+          </a:bodyPr>
+          <a:lstStyle/>
+          <a:p>
+            <a:r>
+              <a:rPr lang="en-US" altLang="ko-Kore-KR" dirty="0">
+                <a:latin typeface="DM Mono" panose="020B0509040201040103" pitchFamily="49" charset="0"/>
+              </a:rPr>
+              <a:t>Dog d</a:t>
+            </a:r>
+            <a:endParaRPr lang="ko-Kore-KR" altLang="en-US" dirty="0"/>
+          </a:p>
+        </p:txBody>
+      </p:sp>
+      <p:sp>
+        <p:nvSpPr>
+          <p:cNvPr id="13" name="TextBox 12">
+            <a:extLst>
+              <a:ext uri="{FF2B5EF4-FFF2-40B4-BE49-F238E27FC236}">
+                <a16:creationId xmlns:a16="http://schemas.microsoft.com/office/drawing/2014/main" id="{A85F2A6A-C557-4327-EE28-7ED82CC6D8D9}"/>
+              </a:ext>
+            </a:extLst>
+          </p:cNvPr>
+          <p:cNvSpPr txBox="1"/>
+          <p:nvPr/>
+        </p:nvSpPr>
+        <p:spPr>
+          <a:xfrm>
+            <a:off x="5226398" y="3795339"/>
+            <a:ext cx="1353331" cy="369332"/>
+          </a:xfrm>
+          <a:prstGeom prst="rect">
+            <a:avLst/>
+          </a:prstGeom>
+          <a:noFill/>
+        </p:spPr>
+        <p:txBody>
+          <a:bodyPr wrap="square">
+            <a:spAutoFit/>
+          </a:bodyPr>
+          <a:lstStyle/>
+          <a:p>
+            <a:pPr algn="r"/>
+            <a:r>
+              <a:rPr lang="en-US" altLang="ko-Kore-KR" dirty="0">
+                <a:latin typeface="DM Mono" panose="020B0509040201040103" pitchFamily="49" charset="0"/>
+              </a:rPr>
+              <a:t>color</a:t>
+            </a:r>
+            <a:endParaRPr lang="ko-Kore-KR" altLang="en-US" dirty="0"/>
+          </a:p>
+        </p:txBody>
+      </p:sp>
+      <p:sp>
+        <p:nvSpPr>
+          <p:cNvPr id="16" name="직사각형 15">
+            <a:extLst>
+              <a:ext uri="{FF2B5EF4-FFF2-40B4-BE49-F238E27FC236}">
+                <a16:creationId xmlns:a16="http://schemas.microsoft.com/office/drawing/2014/main" id="{31EED7D1-AF9C-478F-413F-01FB3701DA32}"/>
+              </a:ext>
+            </a:extLst>
+          </p:cNvPr>
+          <p:cNvSpPr/>
+          <p:nvPr/>
+        </p:nvSpPr>
+        <p:spPr>
+          <a:xfrm>
+            <a:off x="6579729" y="4248487"/>
+            <a:ext cx="1242204" cy="543464"/>
+          </a:xfrm>
+          <a:prstGeom prst="rect">
+            <a:avLst/>
+          </a:prstGeom>
+          <a:solidFill>
+            <a:srgbClr val="FFFF00"/>
+          </a:solidFill>
+        </p:spPr>
+        <p:style>
+          <a:lnRef idx="2">
+            <a:schemeClr val="accent4">
+              <a:shade val="50000"/>
+            </a:schemeClr>
+          </a:lnRef>
+          <a:fillRef idx="1">
+            <a:schemeClr val="accent4"/>
+          </a:fillRef>
+          <a:effectRef idx="0">
+            <a:schemeClr val="accent4"/>
+          </a:effectRef>
+          <a:fontRef idx="minor">
+            <a:schemeClr val="lt1"/>
+          </a:fontRef>
+        </p:style>
+        <p:txBody>
+          <a:bodyPr rtlCol="0" anchor="ctr"/>
+          <a:lstStyle/>
+          <a:p>
+            <a:pPr algn="ctr"/>
+            <a:endParaRPr kumimoji="1" lang="ko-Kore-KR" altLang="en-US" sz="1600" dirty="0">
+              <a:solidFill>
+                <a:schemeClr val="tx1"/>
+              </a:solidFill>
+              <a:latin typeface="DM Mono" panose="020B0509040201040103" pitchFamily="49" charset="0"/>
+            </a:endParaRPr>
+          </a:p>
+        </p:txBody>
+      </p:sp>
+      <p:sp>
+        <p:nvSpPr>
+          <p:cNvPr id="17" name="TextBox 16">
+            <a:extLst>
+              <a:ext uri="{FF2B5EF4-FFF2-40B4-BE49-F238E27FC236}">
+                <a16:creationId xmlns:a16="http://schemas.microsoft.com/office/drawing/2014/main" id="{49C4124B-B6E6-F056-3FC6-3ED0182AAD98}"/>
+              </a:ext>
+            </a:extLst>
+          </p:cNvPr>
+          <p:cNvSpPr txBox="1"/>
+          <p:nvPr/>
+        </p:nvSpPr>
+        <p:spPr>
+          <a:xfrm>
+            <a:off x="5641756" y="4335553"/>
+            <a:ext cx="937973" cy="369332"/>
+          </a:xfrm>
+          <a:prstGeom prst="rect">
+            <a:avLst/>
+          </a:prstGeom>
+          <a:noFill/>
+        </p:spPr>
+        <p:txBody>
+          <a:bodyPr wrap="square">
+            <a:spAutoFit/>
+          </a:bodyPr>
+          <a:lstStyle/>
+          <a:p>
+            <a:pPr algn="r"/>
+            <a:r>
+              <a:rPr lang="en-US" altLang="ko-Kore-KR" dirty="0">
+                <a:latin typeface="DM Mono" panose="020B0509040201040103" pitchFamily="49" charset="0"/>
+              </a:rPr>
+              <a:t>age</a:t>
+            </a:r>
+            <a:endParaRPr lang="ko-Kore-KR" altLang="en-US" dirty="0"/>
+          </a:p>
+        </p:txBody>
+      </p:sp>
+    </p:spTree>
+    <p:extLst>
+      <p:ext uri="{BB962C8B-B14F-4D97-AF65-F5344CB8AC3E}">
+        <p14:creationId xmlns:p14="http://schemas.microsoft.com/office/powerpoint/2010/main" val="457779819"/>
+      </p:ext>
+    </p:extLst>
+  </p:cSld>
+  <p:clrMapOvr>
+    <a:masterClrMapping/>
+  </p:clrMapOvr>
+</p:sld>
+</file>
+
+<file path=ppt/slides/slide27.xml><?xml version="1.0" encoding="utf-8"?>
+<p:sld xmlns:a="http://schemas.openxmlformats.org/drawingml/2006/main" xmlns:r="http://schemas.openxmlformats.org/officeDocument/2006/relationships" xmlns:p="http://schemas.openxmlformats.org/presentationml/2006/main">
+  <p:cSld>
+    <p:spTree>
+      <p:nvGrpSpPr>
+        <p:cNvPr id="1" name=""/>
+        <p:cNvGrpSpPr/>
+        <p:nvPr/>
+      </p:nvGrpSpPr>
+      <p:grpSpPr>
+        <a:xfrm>
+          <a:off x="0" y="0"/>
+          <a:ext cx="0" cy="0"/>
+          <a:chOff x="0" y="0"/>
+          <a:chExt cx="0" cy="0"/>
+        </a:xfrm>
+      </p:grpSpPr>
+      <p:sp>
+        <p:nvSpPr>
+          <p:cNvPr id="5" name="TextBox 4">
+            <a:extLst>
+              <a:ext uri="{FF2B5EF4-FFF2-40B4-BE49-F238E27FC236}">
+                <a16:creationId xmlns:a16="http://schemas.microsoft.com/office/drawing/2014/main" id="{16585DA1-2063-D0BB-B202-9795908530E4}"/>
+              </a:ext>
+            </a:extLst>
+          </p:cNvPr>
+          <p:cNvSpPr txBox="1"/>
+          <p:nvPr/>
+        </p:nvSpPr>
+        <p:spPr>
+          <a:xfrm>
+            <a:off x="338587" y="179311"/>
+            <a:ext cx="6094562" cy="4801314"/>
+          </a:xfrm>
+          <a:prstGeom prst="rect">
+            <a:avLst/>
+          </a:prstGeom>
+          <a:noFill/>
+        </p:spPr>
+        <p:txBody>
+          <a:bodyPr wrap="square">
+            <a:spAutoFit/>
+          </a:bodyPr>
+          <a:lstStyle/>
+          <a:p>
+            <a:r>
+              <a:rPr lang="ko-Kore-KR" altLang="en-US" dirty="0">
+                <a:latin typeface="DM Mono" panose="020B0509040201040103" pitchFamily="49" charset="0"/>
+              </a:rPr>
+              <a:t>class Animal {</a:t>
+            </a:r>
+          </a:p>
+          <a:p>
+            <a:r>
+              <a:rPr lang="ko-Kore-KR" altLang="en-US" dirty="0">
+                <a:latin typeface="DM Mono" panose="020B0509040201040103" pitchFamily="49" charset="0"/>
+              </a:rPr>
+              <a:t>    int color;</a:t>
+            </a:r>
+          </a:p>
+          <a:p>
+            <a:r>
+              <a:rPr lang="ko-Kore-KR" altLang="en-US" dirty="0">
+                <a:latin typeface="DM Mono" panose="020B0509040201040103" pitchFamily="49" charset="0"/>
+              </a:rPr>
+              <a:t>public:</a:t>
+            </a:r>
+            <a:endParaRPr lang="en-US" altLang="ko-Kore-KR" dirty="0">
+              <a:latin typeface="DM Mono" panose="020B0509040201040103" pitchFamily="49" charset="0"/>
+            </a:endParaRPr>
+          </a:p>
+          <a:p>
+            <a:r>
+              <a:rPr lang="en-US" altLang="ko-Kore-KR" dirty="0">
+                <a:latin typeface="DM Mono" panose="020B0509040201040103" pitchFamily="49" charset="0"/>
+              </a:rPr>
+              <a:t>     virtual void Go();</a:t>
+            </a:r>
+          </a:p>
+          <a:p>
+            <a:r>
+              <a:rPr lang="en-US" altLang="ko-Kore-KR" dirty="0">
+                <a:latin typeface="DM Mono" panose="020B0509040201040103" pitchFamily="49" charset="0"/>
+              </a:rPr>
+              <a:t>};</a:t>
+            </a:r>
+          </a:p>
+          <a:p>
+            <a:endParaRPr lang="ko-Kore-KR" altLang="en-US" dirty="0">
+              <a:latin typeface="DM Mono" panose="020B0509040201040103" pitchFamily="49" charset="0"/>
+            </a:endParaRPr>
+          </a:p>
+          <a:p>
+            <a:r>
+              <a:rPr lang="ko-Kore-KR" altLang="en-US" dirty="0">
+                <a:latin typeface="DM Mono" panose="020B0509040201040103" pitchFamily="49" charset="0"/>
+              </a:rPr>
+              <a:t>class Dog : public Animal {</a:t>
+            </a:r>
+            <a:endParaRPr lang="en-US" altLang="ko-Kore-KR" dirty="0">
+              <a:latin typeface="DM Mono" panose="020B0509040201040103" pitchFamily="49" charset="0"/>
+            </a:endParaRPr>
+          </a:p>
+          <a:p>
+            <a:r>
+              <a:rPr lang="en-US" altLang="ko-Kore-KR" dirty="0">
+                <a:latin typeface="DM Mono" panose="020B0509040201040103" pitchFamily="49" charset="0"/>
+              </a:rPr>
+              <a:t>    int age;</a:t>
+            </a:r>
+            <a:endParaRPr lang="ko-Kore-KR" altLang="en-US" dirty="0">
+              <a:latin typeface="DM Mono" panose="020B0509040201040103" pitchFamily="49" charset="0"/>
+            </a:endParaRPr>
+          </a:p>
+          <a:p>
+            <a:r>
+              <a:rPr lang="ko-Kore-KR" altLang="en-US" dirty="0">
+                <a:latin typeface="DM Mono" panose="020B0509040201040103" pitchFamily="49" charset="0"/>
+              </a:rPr>
+              <a:t>public:</a:t>
+            </a:r>
+          </a:p>
+          <a:p>
+            <a:r>
+              <a:rPr lang="ko-Kore-KR" altLang="en-US" dirty="0">
+                <a:latin typeface="DM Mono" panose="020B0509040201040103" pitchFamily="49" charset="0"/>
+              </a:rPr>
+              <a:t>};</a:t>
+            </a:r>
+          </a:p>
+          <a:p>
+            <a:endParaRPr lang="ko-Kore-KR" altLang="en-US" dirty="0">
+              <a:latin typeface="DM Mono" panose="020B0509040201040103" pitchFamily="49" charset="0"/>
+            </a:endParaRPr>
+          </a:p>
+          <a:p>
+            <a:endParaRPr lang="ko-Kore-KR" altLang="en-US" dirty="0">
+              <a:latin typeface="DM Mono" panose="020B0509040201040103" pitchFamily="49" charset="0"/>
+            </a:endParaRPr>
+          </a:p>
+          <a:p>
+            <a:r>
+              <a:rPr lang="ko-Kore-KR" altLang="en-US" dirty="0">
+                <a:latin typeface="DM Mono" panose="020B0509040201040103" pitchFamily="49" charset="0"/>
+              </a:rPr>
+              <a:t>int main()</a:t>
+            </a:r>
+          </a:p>
+          <a:p>
+            <a:r>
+              <a:rPr lang="ko-Kore-KR" altLang="en-US" dirty="0">
+                <a:latin typeface="DM Mono" panose="020B0509040201040103" pitchFamily="49" charset="0"/>
+              </a:rPr>
+              <a:t>{</a:t>
+            </a:r>
+          </a:p>
+          <a:p>
+            <a:r>
+              <a:rPr lang="ko-Kore-KR" altLang="en-US" dirty="0">
+                <a:latin typeface="DM Mono" panose="020B0509040201040103" pitchFamily="49" charset="0"/>
+              </a:rPr>
+              <a:t>    Animal a;</a:t>
+            </a:r>
+          </a:p>
+          <a:p>
+            <a:r>
+              <a:rPr lang="ko-Kore-KR" altLang="en-US" dirty="0">
+                <a:latin typeface="DM Mono" panose="020B0509040201040103" pitchFamily="49" charset="0"/>
+              </a:rPr>
+              <a:t>    Dog d;</a:t>
+            </a:r>
+            <a:endParaRPr lang="en-US" altLang="ko-Kore-KR" dirty="0">
+              <a:latin typeface="DM Mono" panose="020B0509040201040103" pitchFamily="49" charset="0"/>
+            </a:endParaRPr>
+          </a:p>
+          <a:p>
+            <a:r>
+              <a:rPr lang="en-US" altLang="ko-Kore-KR" dirty="0">
+                <a:latin typeface="DM Mono" panose="020B0509040201040103" pitchFamily="49" charset="0"/>
+              </a:rPr>
+              <a:t>}</a:t>
+            </a:r>
+            <a:endParaRPr lang="ko-Kore-KR" altLang="en-US" dirty="0">
+              <a:latin typeface="DM Mono" panose="020B0509040201040103" pitchFamily="49" charset="0"/>
+            </a:endParaRPr>
+          </a:p>
+        </p:txBody>
+      </p:sp>
+      <p:sp>
+        <p:nvSpPr>
+          <p:cNvPr id="8" name="직사각형 7">
+            <a:extLst>
+              <a:ext uri="{FF2B5EF4-FFF2-40B4-BE49-F238E27FC236}">
+                <a16:creationId xmlns:a16="http://schemas.microsoft.com/office/drawing/2014/main" id="{96506392-9444-AA6F-F9C9-2DC6FCD0F854}"/>
+              </a:ext>
+            </a:extLst>
+          </p:cNvPr>
+          <p:cNvSpPr/>
+          <p:nvPr/>
+        </p:nvSpPr>
+        <p:spPr>
+          <a:xfrm>
+            <a:off x="6559227" y="2898343"/>
+            <a:ext cx="1242204" cy="543464"/>
+          </a:xfrm>
+          <a:prstGeom prst="rect">
+            <a:avLst/>
+          </a:prstGeom>
+          <a:solidFill>
+            <a:srgbClr val="FFC000"/>
+          </a:solidFill>
+        </p:spPr>
+        <p:style>
+          <a:lnRef idx="2">
+            <a:schemeClr val="accent4">
+              <a:shade val="50000"/>
+            </a:schemeClr>
+          </a:lnRef>
+          <a:fillRef idx="1">
+            <a:schemeClr val="accent4"/>
+          </a:fillRef>
+          <a:effectRef idx="0">
+            <a:schemeClr val="accent4"/>
+          </a:effectRef>
+          <a:fontRef idx="minor">
+            <a:schemeClr val="lt1"/>
+          </a:fontRef>
+        </p:style>
+        <p:txBody>
+          <a:bodyPr rtlCol="0" anchor="ctr"/>
+          <a:lstStyle/>
+          <a:p>
+            <a:pPr algn="ctr"/>
+            <a:endParaRPr kumimoji="1" lang="ko-Kore-KR" altLang="en-US" sz="1600" dirty="0">
+              <a:solidFill>
+                <a:schemeClr val="tx1"/>
+              </a:solidFill>
+              <a:latin typeface="DM Mono" panose="020B0509040201040103" pitchFamily="49" charset="0"/>
+            </a:endParaRPr>
+          </a:p>
+        </p:txBody>
+      </p:sp>
+      <p:sp>
+        <p:nvSpPr>
+          <p:cNvPr id="9" name="TextBox 8">
+            <a:extLst>
+              <a:ext uri="{FF2B5EF4-FFF2-40B4-BE49-F238E27FC236}">
+                <a16:creationId xmlns:a16="http://schemas.microsoft.com/office/drawing/2014/main" id="{7573710C-059D-5C52-ECA4-96DA8B2FA1EF}"/>
+              </a:ext>
+            </a:extLst>
+          </p:cNvPr>
+          <p:cNvSpPr txBox="1"/>
+          <p:nvPr/>
+        </p:nvSpPr>
+        <p:spPr>
+          <a:xfrm>
+            <a:off x="6262777" y="1978560"/>
+            <a:ext cx="1735298" cy="369332"/>
+          </a:xfrm>
+          <a:prstGeom prst="rect">
+            <a:avLst/>
+          </a:prstGeom>
+          <a:noFill/>
+        </p:spPr>
+        <p:txBody>
+          <a:bodyPr wrap="square">
+            <a:spAutoFit/>
+          </a:bodyPr>
+          <a:lstStyle/>
+          <a:p>
+            <a:pPr algn="ctr"/>
+            <a:r>
+              <a:rPr lang="en-US" altLang="ko-Kore-KR" dirty="0">
+                <a:latin typeface="DM Mono" panose="020B0509040201040103" pitchFamily="49" charset="0"/>
+              </a:rPr>
+              <a:t>Animal a</a:t>
+            </a:r>
+            <a:endParaRPr lang="ko-Kore-KR" altLang="en-US" dirty="0"/>
+          </a:p>
+        </p:txBody>
+      </p:sp>
+      <p:sp>
+        <p:nvSpPr>
+          <p:cNvPr id="10" name="TextBox 9">
+            <a:extLst>
+              <a:ext uri="{FF2B5EF4-FFF2-40B4-BE49-F238E27FC236}">
+                <a16:creationId xmlns:a16="http://schemas.microsoft.com/office/drawing/2014/main" id="{CE487AAE-3A93-CE35-E3EC-43CD2D97C6AE}"/>
+              </a:ext>
+            </a:extLst>
+          </p:cNvPr>
+          <p:cNvSpPr txBox="1"/>
+          <p:nvPr/>
+        </p:nvSpPr>
+        <p:spPr>
+          <a:xfrm>
+            <a:off x="5585844" y="2985409"/>
+            <a:ext cx="973384" cy="369332"/>
+          </a:xfrm>
+          <a:prstGeom prst="rect">
+            <a:avLst/>
+          </a:prstGeom>
+          <a:noFill/>
+        </p:spPr>
+        <p:txBody>
+          <a:bodyPr wrap="square">
+            <a:spAutoFit/>
+          </a:bodyPr>
+          <a:lstStyle/>
+          <a:p>
+            <a:pPr algn="r"/>
+            <a:r>
+              <a:rPr lang="en-US" altLang="ko-Kore-KR" dirty="0">
+                <a:latin typeface="DM Mono" panose="020B0509040201040103" pitchFamily="49" charset="0"/>
+              </a:rPr>
+              <a:t>color</a:t>
+            </a:r>
+            <a:endParaRPr lang="ko-Kore-KR" altLang="en-US" dirty="0"/>
+          </a:p>
+        </p:txBody>
+      </p:sp>
+      <p:sp>
+        <p:nvSpPr>
+          <p:cNvPr id="11" name="직사각형 10">
+            <a:extLst>
+              <a:ext uri="{FF2B5EF4-FFF2-40B4-BE49-F238E27FC236}">
+                <a16:creationId xmlns:a16="http://schemas.microsoft.com/office/drawing/2014/main" id="{6F6BC458-AAB3-2692-EB74-490CB8CA849C}"/>
+              </a:ext>
+            </a:extLst>
+          </p:cNvPr>
+          <p:cNvSpPr/>
+          <p:nvPr/>
+        </p:nvSpPr>
+        <p:spPr>
+          <a:xfrm>
+            <a:off x="6559227" y="4889625"/>
+            <a:ext cx="1242204" cy="543464"/>
+          </a:xfrm>
+          <a:prstGeom prst="rect">
+            <a:avLst/>
+          </a:prstGeom>
+          <a:solidFill>
+            <a:srgbClr val="FFC000"/>
+          </a:solidFill>
+        </p:spPr>
+        <p:style>
+          <a:lnRef idx="2">
+            <a:schemeClr val="accent4">
+              <a:shade val="50000"/>
+            </a:schemeClr>
+          </a:lnRef>
+          <a:fillRef idx="1">
+            <a:schemeClr val="accent4"/>
+          </a:fillRef>
+          <a:effectRef idx="0">
+            <a:schemeClr val="accent4"/>
+          </a:effectRef>
+          <a:fontRef idx="minor">
+            <a:schemeClr val="lt1"/>
+          </a:fontRef>
+        </p:style>
+        <p:txBody>
+          <a:bodyPr rtlCol="0" anchor="ctr"/>
+          <a:lstStyle/>
+          <a:p>
+            <a:pPr algn="ctr"/>
+            <a:endParaRPr kumimoji="1" lang="ko-Kore-KR" altLang="en-US" sz="1600" dirty="0">
+              <a:solidFill>
+                <a:schemeClr val="tx1"/>
+              </a:solidFill>
+              <a:latin typeface="DM Mono" panose="020B0509040201040103" pitchFamily="49" charset="0"/>
+            </a:endParaRPr>
+          </a:p>
+        </p:txBody>
+      </p:sp>
+      <p:sp>
+        <p:nvSpPr>
+          <p:cNvPr id="12" name="TextBox 11">
+            <a:extLst>
+              <a:ext uri="{FF2B5EF4-FFF2-40B4-BE49-F238E27FC236}">
+                <a16:creationId xmlns:a16="http://schemas.microsoft.com/office/drawing/2014/main" id="{EE2C0D07-0AD5-F7AB-82CC-73E69F6EEF43}"/>
+              </a:ext>
+            </a:extLst>
+          </p:cNvPr>
+          <p:cNvSpPr txBox="1"/>
+          <p:nvPr/>
+        </p:nvSpPr>
+        <p:spPr>
+          <a:xfrm>
+            <a:off x="6740921" y="3922810"/>
+            <a:ext cx="878816" cy="369332"/>
+          </a:xfrm>
+          <a:prstGeom prst="rect">
+            <a:avLst/>
+          </a:prstGeom>
+          <a:noFill/>
+        </p:spPr>
+        <p:txBody>
+          <a:bodyPr wrap="square">
+            <a:spAutoFit/>
+          </a:bodyPr>
+          <a:lstStyle/>
+          <a:p>
+            <a:r>
+              <a:rPr lang="en-US" altLang="ko-Kore-KR" dirty="0">
+                <a:latin typeface="DM Mono" panose="020B0509040201040103" pitchFamily="49" charset="0"/>
+              </a:rPr>
+              <a:t>Dog d</a:t>
+            </a:r>
+            <a:endParaRPr lang="ko-Kore-KR" altLang="en-US" dirty="0"/>
+          </a:p>
+        </p:txBody>
+      </p:sp>
+      <p:sp>
+        <p:nvSpPr>
+          <p:cNvPr id="13" name="TextBox 12">
+            <a:extLst>
+              <a:ext uri="{FF2B5EF4-FFF2-40B4-BE49-F238E27FC236}">
+                <a16:creationId xmlns:a16="http://schemas.microsoft.com/office/drawing/2014/main" id="{A85F2A6A-C557-4327-EE28-7ED82CC6D8D9}"/>
+              </a:ext>
+            </a:extLst>
+          </p:cNvPr>
+          <p:cNvSpPr txBox="1"/>
+          <p:nvPr/>
+        </p:nvSpPr>
+        <p:spPr>
+          <a:xfrm>
+            <a:off x="5205896" y="4976691"/>
+            <a:ext cx="1353331" cy="369332"/>
+          </a:xfrm>
+          <a:prstGeom prst="rect">
+            <a:avLst/>
+          </a:prstGeom>
+          <a:noFill/>
+        </p:spPr>
+        <p:txBody>
+          <a:bodyPr wrap="square">
+            <a:spAutoFit/>
+          </a:bodyPr>
+          <a:lstStyle/>
+          <a:p>
+            <a:pPr algn="r"/>
+            <a:r>
+              <a:rPr lang="en-US" altLang="ko-Kore-KR" dirty="0">
+                <a:latin typeface="DM Mono" panose="020B0509040201040103" pitchFamily="49" charset="0"/>
+              </a:rPr>
+              <a:t>color</a:t>
+            </a:r>
+            <a:endParaRPr lang="ko-Kore-KR" altLang="en-US" dirty="0"/>
+          </a:p>
+        </p:txBody>
+      </p:sp>
+      <p:sp>
+        <p:nvSpPr>
+          <p:cNvPr id="16" name="직사각형 15">
+            <a:extLst>
+              <a:ext uri="{FF2B5EF4-FFF2-40B4-BE49-F238E27FC236}">
+                <a16:creationId xmlns:a16="http://schemas.microsoft.com/office/drawing/2014/main" id="{31EED7D1-AF9C-478F-413F-01FB3701DA32}"/>
+              </a:ext>
+            </a:extLst>
+          </p:cNvPr>
+          <p:cNvSpPr/>
+          <p:nvPr/>
+        </p:nvSpPr>
+        <p:spPr>
+          <a:xfrm>
+            <a:off x="6559227" y="5429839"/>
+            <a:ext cx="1242204" cy="543464"/>
+          </a:xfrm>
+          <a:prstGeom prst="rect">
+            <a:avLst/>
+          </a:prstGeom>
+          <a:solidFill>
+            <a:srgbClr val="FFFF00"/>
+          </a:solidFill>
+        </p:spPr>
+        <p:style>
+          <a:lnRef idx="2">
+            <a:schemeClr val="accent4">
+              <a:shade val="50000"/>
+            </a:schemeClr>
+          </a:lnRef>
+          <a:fillRef idx="1">
+            <a:schemeClr val="accent4"/>
+          </a:fillRef>
+          <a:effectRef idx="0">
+            <a:schemeClr val="accent4"/>
+          </a:effectRef>
+          <a:fontRef idx="minor">
+            <a:schemeClr val="lt1"/>
+          </a:fontRef>
+        </p:style>
+        <p:txBody>
+          <a:bodyPr rtlCol="0" anchor="ctr"/>
+          <a:lstStyle/>
+          <a:p>
+            <a:pPr algn="ctr"/>
+            <a:endParaRPr kumimoji="1" lang="ko-Kore-KR" altLang="en-US" sz="1600" dirty="0">
+              <a:solidFill>
+                <a:schemeClr val="tx1"/>
+              </a:solidFill>
+              <a:latin typeface="DM Mono" panose="020B0509040201040103" pitchFamily="49" charset="0"/>
+            </a:endParaRPr>
+          </a:p>
+        </p:txBody>
+      </p:sp>
+      <p:sp>
+        <p:nvSpPr>
+          <p:cNvPr id="17" name="TextBox 16">
+            <a:extLst>
+              <a:ext uri="{FF2B5EF4-FFF2-40B4-BE49-F238E27FC236}">
+                <a16:creationId xmlns:a16="http://schemas.microsoft.com/office/drawing/2014/main" id="{49C4124B-B6E6-F056-3FC6-3ED0182AAD98}"/>
+              </a:ext>
+            </a:extLst>
+          </p:cNvPr>
+          <p:cNvSpPr txBox="1"/>
+          <p:nvPr/>
+        </p:nvSpPr>
+        <p:spPr>
+          <a:xfrm>
+            <a:off x="5621254" y="5516905"/>
+            <a:ext cx="937973" cy="369332"/>
+          </a:xfrm>
+          <a:prstGeom prst="rect">
+            <a:avLst/>
+          </a:prstGeom>
+          <a:noFill/>
+        </p:spPr>
+        <p:txBody>
+          <a:bodyPr wrap="square">
+            <a:spAutoFit/>
+          </a:bodyPr>
+          <a:lstStyle/>
+          <a:p>
+            <a:pPr algn="r"/>
+            <a:r>
+              <a:rPr lang="en-US" altLang="ko-Kore-KR" dirty="0">
+                <a:latin typeface="DM Mono" panose="020B0509040201040103" pitchFamily="49" charset="0"/>
+              </a:rPr>
+              <a:t>age</a:t>
+            </a:r>
+            <a:endParaRPr lang="ko-Kore-KR" altLang="en-US" dirty="0"/>
+          </a:p>
+        </p:txBody>
+      </p:sp>
+      <p:sp>
+        <p:nvSpPr>
+          <p:cNvPr id="4" name="직사각형 3">
+            <a:extLst>
+              <a:ext uri="{FF2B5EF4-FFF2-40B4-BE49-F238E27FC236}">
+                <a16:creationId xmlns:a16="http://schemas.microsoft.com/office/drawing/2014/main" id="{9455DE1E-3D07-3466-E2F9-3E96559DB27E}"/>
+              </a:ext>
+            </a:extLst>
+          </p:cNvPr>
+          <p:cNvSpPr/>
+          <p:nvPr/>
+        </p:nvSpPr>
+        <p:spPr>
+          <a:xfrm>
+            <a:off x="6559227" y="2354879"/>
+            <a:ext cx="1242204" cy="543464"/>
+          </a:xfrm>
+          <a:prstGeom prst="rect">
+            <a:avLst/>
+          </a:prstGeom>
+          <a:solidFill>
+            <a:srgbClr val="FFFF00"/>
+          </a:solidFill>
+        </p:spPr>
+        <p:style>
+          <a:lnRef idx="2">
+            <a:schemeClr val="accent4">
+              <a:shade val="50000"/>
+            </a:schemeClr>
+          </a:lnRef>
+          <a:fillRef idx="1">
+            <a:schemeClr val="accent4"/>
+          </a:fillRef>
+          <a:effectRef idx="0">
+            <a:schemeClr val="accent4"/>
+          </a:effectRef>
+          <a:fontRef idx="minor">
+            <a:schemeClr val="lt1"/>
+          </a:fontRef>
+        </p:style>
+        <p:txBody>
+          <a:bodyPr rtlCol="0" anchor="ctr"/>
+          <a:lstStyle/>
+          <a:p>
+            <a:pPr algn="ctr"/>
+            <a:endParaRPr kumimoji="1" lang="ko-Kore-KR" altLang="en-US" sz="1600" dirty="0">
+              <a:solidFill>
+                <a:schemeClr val="tx1"/>
+              </a:solidFill>
+              <a:latin typeface="DM Mono" panose="020B0509040201040103" pitchFamily="49" charset="0"/>
+            </a:endParaRPr>
+          </a:p>
+        </p:txBody>
+      </p:sp>
+      <p:sp>
+        <p:nvSpPr>
+          <p:cNvPr id="6" name="직사각형 5">
+            <a:extLst>
+              <a:ext uri="{FF2B5EF4-FFF2-40B4-BE49-F238E27FC236}">
+                <a16:creationId xmlns:a16="http://schemas.microsoft.com/office/drawing/2014/main" id="{61CA6490-9C84-624B-854F-31F38BC64358}"/>
+              </a:ext>
+            </a:extLst>
+          </p:cNvPr>
+          <p:cNvSpPr/>
+          <p:nvPr/>
+        </p:nvSpPr>
+        <p:spPr>
+          <a:xfrm>
+            <a:off x="6559227" y="4330714"/>
+            <a:ext cx="1242204" cy="543464"/>
+          </a:xfrm>
+          <a:prstGeom prst="rect">
+            <a:avLst/>
+          </a:prstGeom>
+          <a:solidFill>
+            <a:srgbClr val="FFFF00"/>
+          </a:solidFill>
+        </p:spPr>
+        <p:style>
+          <a:lnRef idx="2">
+            <a:schemeClr val="accent4">
+              <a:shade val="50000"/>
+            </a:schemeClr>
+          </a:lnRef>
+          <a:fillRef idx="1">
+            <a:schemeClr val="accent4"/>
+          </a:fillRef>
+          <a:effectRef idx="0">
+            <a:schemeClr val="accent4"/>
+          </a:effectRef>
+          <a:fontRef idx="minor">
+            <a:schemeClr val="lt1"/>
+          </a:fontRef>
+        </p:style>
+        <p:txBody>
+          <a:bodyPr rtlCol="0" anchor="ctr"/>
+          <a:lstStyle/>
+          <a:p>
+            <a:pPr algn="ctr"/>
+            <a:endParaRPr kumimoji="1" lang="ko-Kore-KR" altLang="en-US" sz="1600" dirty="0">
+              <a:solidFill>
+                <a:schemeClr val="tx1"/>
+              </a:solidFill>
+              <a:latin typeface="DM Mono" panose="020B0509040201040103" pitchFamily="49" charset="0"/>
+            </a:endParaRPr>
+          </a:p>
+        </p:txBody>
+      </p:sp>
+      <p:sp>
+        <p:nvSpPr>
+          <p:cNvPr id="7" name="TextBox 6">
+            <a:extLst>
+              <a:ext uri="{FF2B5EF4-FFF2-40B4-BE49-F238E27FC236}">
+                <a16:creationId xmlns:a16="http://schemas.microsoft.com/office/drawing/2014/main" id="{16363DBA-6BB5-31AE-18D7-DDA11E5D9535}"/>
+              </a:ext>
+            </a:extLst>
+          </p:cNvPr>
+          <p:cNvSpPr txBox="1"/>
+          <p:nvPr/>
+        </p:nvSpPr>
+        <p:spPr>
+          <a:xfrm>
+            <a:off x="5585843" y="2423013"/>
+            <a:ext cx="973384" cy="369332"/>
+          </a:xfrm>
+          <a:prstGeom prst="rect">
+            <a:avLst/>
+          </a:prstGeom>
+          <a:noFill/>
+        </p:spPr>
+        <p:txBody>
+          <a:bodyPr wrap="square">
+            <a:spAutoFit/>
+          </a:bodyPr>
+          <a:lstStyle/>
+          <a:p>
+            <a:pPr algn="r"/>
+            <a:r>
+              <a:rPr lang="en-US" altLang="ko-Kore-KR" dirty="0" err="1">
+                <a:latin typeface="DM Mono" panose="020B0509040201040103" pitchFamily="49" charset="0"/>
+              </a:rPr>
+              <a:t>vftp</a:t>
+            </a:r>
+            <a:endParaRPr lang="ko-Kore-KR" altLang="en-US" dirty="0"/>
+          </a:p>
+        </p:txBody>
+      </p:sp>
+      <p:sp>
+        <p:nvSpPr>
+          <p:cNvPr id="14" name="TextBox 13">
+            <a:extLst>
+              <a:ext uri="{FF2B5EF4-FFF2-40B4-BE49-F238E27FC236}">
+                <a16:creationId xmlns:a16="http://schemas.microsoft.com/office/drawing/2014/main" id="{F65602B3-21A0-F5C4-3F1D-B0D1B9DCD983}"/>
+              </a:ext>
+            </a:extLst>
+          </p:cNvPr>
+          <p:cNvSpPr txBox="1"/>
+          <p:nvPr/>
+        </p:nvSpPr>
+        <p:spPr>
+          <a:xfrm>
+            <a:off x="5522804" y="4417780"/>
+            <a:ext cx="973384" cy="369332"/>
+          </a:xfrm>
+          <a:prstGeom prst="rect">
+            <a:avLst/>
+          </a:prstGeom>
+          <a:noFill/>
+        </p:spPr>
+        <p:txBody>
+          <a:bodyPr wrap="square">
+            <a:spAutoFit/>
+          </a:bodyPr>
+          <a:lstStyle/>
+          <a:p>
+            <a:pPr algn="r"/>
+            <a:r>
+              <a:rPr lang="en-US" altLang="ko-Kore-KR" dirty="0" err="1">
+                <a:latin typeface="DM Mono" panose="020B0509040201040103" pitchFamily="49" charset="0"/>
+              </a:rPr>
+              <a:t>vftp</a:t>
+            </a:r>
+            <a:endParaRPr lang="ko-Kore-KR" altLang="en-US" dirty="0"/>
+          </a:p>
+        </p:txBody>
+      </p:sp>
+      <p:sp>
+        <p:nvSpPr>
+          <p:cNvPr id="15" name="직사각형 14">
+            <a:extLst>
+              <a:ext uri="{FF2B5EF4-FFF2-40B4-BE49-F238E27FC236}">
+                <a16:creationId xmlns:a16="http://schemas.microsoft.com/office/drawing/2014/main" id="{F411EF05-36A6-0220-AE51-488F3660B278}"/>
+              </a:ext>
+            </a:extLst>
+          </p:cNvPr>
+          <p:cNvSpPr/>
+          <p:nvPr/>
+        </p:nvSpPr>
+        <p:spPr>
+          <a:xfrm>
+            <a:off x="8738834" y="643974"/>
+            <a:ext cx="2277097" cy="543464"/>
+          </a:xfrm>
+          <a:prstGeom prst="rect">
+            <a:avLst/>
+          </a:prstGeom>
+          <a:solidFill>
+            <a:srgbClr val="FFFF00"/>
+          </a:solidFill>
+        </p:spPr>
+        <p:style>
+          <a:lnRef idx="2">
+            <a:schemeClr val="accent4">
+              <a:shade val="50000"/>
+            </a:schemeClr>
+          </a:lnRef>
+          <a:fillRef idx="1">
+            <a:schemeClr val="accent4"/>
+          </a:fillRef>
+          <a:effectRef idx="0">
+            <a:schemeClr val="accent4"/>
+          </a:effectRef>
+          <a:fontRef idx="minor">
+            <a:schemeClr val="lt1"/>
+          </a:fontRef>
+        </p:style>
+        <p:txBody>
+          <a:bodyPr rtlCol="0" anchor="ctr"/>
+          <a:lstStyle/>
+          <a:p>
+            <a:pPr algn="ctr"/>
+            <a:r>
+              <a:rPr kumimoji="1" lang="en-US" altLang="ko-Kore-KR" sz="1600" dirty="0">
+                <a:solidFill>
+                  <a:schemeClr val="tx1"/>
+                </a:solidFill>
+                <a:latin typeface="DM Mono" panose="020B0509040201040103" pitchFamily="49" charset="0"/>
+              </a:rPr>
+              <a:t>&amp;Animal::Go</a:t>
+            </a:r>
+            <a:endParaRPr kumimoji="1" lang="ko-Kore-KR" altLang="en-US" sz="1600" dirty="0">
+              <a:solidFill>
+                <a:schemeClr val="tx1"/>
+              </a:solidFill>
+              <a:latin typeface="DM Mono" panose="020B0509040201040103" pitchFamily="49" charset="0"/>
+            </a:endParaRPr>
+          </a:p>
+        </p:txBody>
+      </p:sp>
+      <p:sp>
+        <p:nvSpPr>
+          <p:cNvPr id="19" name="TextBox 18">
+            <a:extLst>
+              <a:ext uri="{FF2B5EF4-FFF2-40B4-BE49-F238E27FC236}">
+                <a16:creationId xmlns:a16="http://schemas.microsoft.com/office/drawing/2014/main" id="{1DF3FDD2-6A46-C25A-4DB9-7B8AFC6A6E8A}"/>
+              </a:ext>
+            </a:extLst>
+          </p:cNvPr>
+          <p:cNvSpPr txBox="1"/>
+          <p:nvPr/>
+        </p:nvSpPr>
+        <p:spPr>
+          <a:xfrm>
+            <a:off x="9387696" y="274642"/>
+            <a:ext cx="1119277" cy="369332"/>
+          </a:xfrm>
+          <a:prstGeom prst="rect">
+            <a:avLst/>
+          </a:prstGeom>
+          <a:noFill/>
+        </p:spPr>
+        <p:txBody>
+          <a:bodyPr wrap="square">
+            <a:spAutoFit/>
+          </a:bodyPr>
+          <a:lstStyle/>
+          <a:p>
+            <a:r>
+              <a:rPr lang="en-US" altLang="ko-Kore-KR" dirty="0">
+                <a:latin typeface="DM Mono" panose="020B0509040201040103" pitchFamily="49" charset="0"/>
+              </a:rPr>
+              <a:t>Animal</a:t>
+            </a:r>
+            <a:endParaRPr lang="ko-Kore-KR" altLang="en-US" dirty="0"/>
+          </a:p>
+        </p:txBody>
+      </p:sp>
+      <p:cxnSp>
+        <p:nvCxnSpPr>
+          <p:cNvPr id="21" name="구부러진 연결선[U] 20">
+            <a:extLst>
+              <a:ext uri="{FF2B5EF4-FFF2-40B4-BE49-F238E27FC236}">
+                <a16:creationId xmlns:a16="http://schemas.microsoft.com/office/drawing/2014/main" id="{36E4A824-6EE2-67D2-4617-AE35EA3C5C15}"/>
+              </a:ext>
+            </a:extLst>
+          </p:cNvPr>
+          <p:cNvCxnSpPr>
+            <a:stCxn id="4" idx="3"/>
+            <a:endCxn id="15" idx="1"/>
+          </p:cNvCxnSpPr>
+          <p:nvPr/>
+        </p:nvCxnSpPr>
+        <p:spPr>
+          <a:xfrm flipV="1">
+            <a:off x="7801431" y="915706"/>
+            <a:ext cx="937403" cy="1710905"/>
+          </a:xfrm>
+          <a:prstGeom prst="curvedConnector3">
+            <a:avLst/>
+          </a:prstGeom>
+          <a:ln>
+            <a:tailEnd type="triangle"/>
+          </a:ln>
+        </p:spPr>
+        <p:style>
+          <a:lnRef idx="1">
+            <a:schemeClr val="dk1"/>
+          </a:lnRef>
+          <a:fillRef idx="0">
+            <a:schemeClr val="dk1"/>
+          </a:fillRef>
+          <a:effectRef idx="0">
+            <a:schemeClr val="dk1"/>
+          </a:effectRef>
+          <a:fontRef idx="minor">
+            <a:schemeClr val="tx1"/>
+          </a:fontRef>
+        </p:style>
+      </p:cxnSp>
+      <p:sp>
+        <p:nvSpPr>
+          <p:cNvPr id="22" name="직사각형 21">
+            <a:extLst>
+              <a:ext uri="{FF2B5EF4-FFF2-40B4-BE49-F238E27FC236}">
+                <a16:creationId xmlns:a16="http://schemas.microsoft.com/office/drawing/2014/main" id="{4C051FE3-E821-1F40-9457-516499E1341B}"/>
+              </a:ext>
+            </a:extLst>
+          </p:cNvPr>
+          <p:cNvSpPr/>
+          <p:nvPr/>
+        </p:nvSpPr>
+        <p:spPr>
+          <a:xfrm>
+            <a:off x="9207536" y="2626611"/>
+            <a:ext cx="2277097" cy="543464"/>
+          </a:xfrm>
+          <a:prstGeom prst="rect">
+            <a:avLst/>
+          </a:prstGeom>
+          <a:solidFill>
+            <a:srgbClr val="FFFF00"/>
+          </a:solidFill>
+        </p:spPr>
+        <p:style>
+          <a:lnRef idx="2">
+            <a:schemeClr val="accent4">
+              <a:shade val="50000"/>
+            </a:schemeClr>
+          </a:lnRef>
+          <a:fillRef idx="1">
+            <a:schemeClr val="accent4"/>
+          </a:fillRef>
+          <a:effectRef idx="0">
+            <a:schemeClr val="accent4"/>
+          </a:effectRef>
+          <a:fontRef idx="minor">
+            <a:schemeClr val="lt1"/>
+          </a:fontRef>
+        </p:style>
+        <p:txBody>
+          <a:bodyPr rtlCol="0" anchor="ctr"/>
+          <a:lstStyle/>
+          <a:p>
+            <a:pPr algn="ctr"/>
+            <a:r>
+              <a:rPr kumimoji="1" lang="en-US" altLang="ko-Kore-KR" sz="1600" dirty="0">
+                <a:solidFill>
+                  <a:schemeClr val="tx1"/>
+                </a:solidFill>
+                <a:latin typeface="DM Mono" panose="020B0509040201040103" pitchFamily="49" charset="0"/>
+              </a:rPr>
+              <a:t>&amp;Animal::Go</a:t>
+            </a:r>
+            <a:endParaRPr kumimoji="1" lang="ko-Kore-KR" altLang="en-US" sz="1600" dirty="0">
+              <a:solidFill>
+                <a:schemeClr val="tx1"/>
+              </a:solidFill>
+              <a:latin typeface="DM Mono" panose="020B0509040201040103" pitchFamily="49" charset="0"/>
+            </a:endParaRPr>
+          </a:p>
+        </p:txBody>
+      </p:sp>
+      <p:cxnSp>
+        <p:nvCxnSpPr>
+          <p:cNvPr id="23" name="구부러진 연결선[U] 22">
+            <a:extLst>
+              <a:ext uri="{FF2B5EF4-FFF2-40B4-BE49-F238E27FC236}">
+                <a16:creationId xmlns:a16="http://schemas.microsoft.com/office/drawing/2014/main" id="{862EEC96-FD5A-E282-4CC0-334CF11BD97D}"/>
+              </a:ext>
+            </a:extLst>
+          </p:cNvPr>
+          <p:cNvCxnSpPr>
+            <a:cxnSpLocks/>
+            <a:stCxn id="6" idx="3"/>
+            <a:endCxn id="22" idx="1"/>
+          </p:cNvCxnSpPr>
+          <p:nvPr/>
+        </p:nvCxnSpPr>
+        <p:spPr>
+          <a:xfrm flipV="1">
+            <a:off x="7801431" y="2898343"/>
+            <a:ext cx="1406105" cy="1704103"/>
+          </a:xfrm>
+          <a:prstGeom prst="curvedConnector3">
+            <a:avLst/>
+          </a:prstGeom>
+          <a:ln>
+            <a:tailEnd type="triangle"/>
+          </a:ln>
+        </p:spPr>
+        <p:style>
+          <a:lnRef idx="1">
+            <a:schemeClr val="dk1"/>
+          </a:lnRef>
+          <a:fillRef idx="0">
+            <a:schemeClr val="dk1"/>
+          </a:fillRef>
+          <a:effectRef idx="0">
+            <a:schemeClr val="dk1"/>
+          </a:effectRef>
+          <a:fontRef idx="minor">
+            <a:schemeClr val="tx1"/>
+          </a:fontRef>
+        </p:style>
+      </p:cxnSp>
+      <p:sp>
+        <p:nvSpPr>
+          <p:cNvPr id="25" name="TextBox 24">
+            <a:extLst>
+              <a:ext uri="{FF2B5EF4-FFF2-40B4-BE49-F238E27FC236}">
+                <a16:creationId xmlns:a16="http://schemas.microsoft.com/office/drawing/2014/main" id="{0960025B-697D-C478-93AE-7E999DA7DB7B}"/>
+              </a:ext>
+            </a:extLst>
+          </p:cNvPr>
+          <p:cNvSpPr txBox="1"/>
+          <p:nvPr/>
+        </p:nvSpPr>
+        <p:spPr>
+          <a:xfrm>
+            <a:off x="9786445" y="2210636"/>
+            <a:ext cx="1119277" cy="369332"/>
+          </a:xfrm>
+          <a:prstGeom prst="rect">
+            <a:avLst/>
+          </a:prstGeom>
+          <a:noFill/>
+        </p:spPr>
+        <p:txBody>
+          <a:bodyPr wrap="square">
+            <a:spAutoFit/>
+          </a:bodyPr>
+          <a:lstStyle/>
+          <a:p>
+            <a:r>
+              <a:rPr lang="en-US" altLang="ko-Kore-KR" dirty="0">
+                <a:latin typeface="DM Mono" panose="020B0509040201040103" pitchFamily="49" charset="0"/>
+              </a:rPr>
+              <a:t>Dog</a:t>
+            </a:r>
+            <a:endParaRPr lang="ko-Kore-KR" altLang="en-US" dirty="0"/>
+          </a:p>
+        </p:txBody>
+      </p:sp>
+      <p:sp>
+        <p:nvSpPr>
+          <p:cNvPr id="26" name="직사각형 25">
+            <a:extLst>
+              <a:ext uri="{FF2B5EF4-FFF2-40B4-BE49-F238E27FC236}">
+                <a16:creationId xmlns:a16="http://schemas.microsoft.com/office/drawing/2014/main" id="{49621CC7-11EA-401A-0776-D420D1090983}"/>
+              </a:ext>
+            </a:extLst>
+          </p:cNvPr>
+          <p:cNvSpPr/>
+          <p:nvPr/>
+        </p:nvSpPr>
+        <p:spPr>
+          <a:xfrm>
+            <a:off x="6478618" y="1159870"/>
+            <a:ext cx="1242204" cy="543464"/>
+          </a:xfrm>
+          <a:prstGeom prst="rect">
+            <a:avLst/>
+          </a:prstGeom>
+          <a:solidFill>
+            <a:srgbClr val="FFC000"/>
+          </a:solidFill>
+        </p:spPr>
+        <p:style>
+          <a:lnRef idx="2">
+            <a:schemeClr val="accent4">
+              <a:shade val="50000"/>
+            </a:schemeClr>
+          </a:lnRef>
+          <a:fillRef idx="1">
+            <a:schemeClr val="accent4"/>
+          </a:fillRef>
+          <a:effectRef idx="0">
+            <a:schemeClr val="accent4"/>
+          </a:effectRef>
+          <a:fontRef idx="minor">
+            <a:schemeClr val="lt1"/>
+          </a:fontRef>
+        </p:style>
+        <p:txBody>
+          <a:bodyPr rtlCol="0" anchor="ctr"/>
+          <a:lstStyle/>
+          <a:p>
+            <a:pPr algn="ctr"/>
+            <a:endParaRPr kumimoji="1" lang="ko-Kore-KR" altLang="en-US" sz="1600" dirty="0">
+              <a:solidFill>
+                <a:schemeClr val="tx1"/>
+              </a:solidFill>
+              <a:latin typeface="DM Mono" panose="020B0509040201040103" pitchFamily="49" charset="0"/>
+            </a:endParaRPr>
+          </a:p>
+        </p:txBody>
+      </p:sp>
+      <p:sp>
+        <p:nvSpPr>
+          <p:cNvPr id="27" name="TextBox 26">
+            <a:extLst>
+              <a:ext uri="{FF2B5EF4-FFF2-40B4-BE49-F238E27FC236}">
+                <a16:creationId xmlns:a16="http://schemas.microsoft.com/office/drawing/2014/main" id="{0D529B5A-41F1-E91E-DFF8-6E176187431C}"/>
+              </a:ext>
+            </a:extLst>
+          </p:cNvPr>
+          <p:cNvSpPr txBox="1"/>
+          <p:nvPr/>
+        </p:nvSpPr>
+        <p:spPr>
+          <a:xfrm>
+            <a:off x="6182168" y="240087"/>
+            <a:ext cx="1735298" cy="369332"/>
+          </a:xfrm>
+          <a:prstGeom prst="rect">
+            <a:avLst/>
+          </a:prstGeom>
+          <a:noFill/>
+        </p:spPr>
+        <p:txBody>
+          <a:bodyPr wrap="square">
+            <a:spAutoFit/>
+          </a:bodyPr>
+          <a:lstStyle/>
+          <a:p>
+            <a:pPr algn="ctr"/>
+            <a:r>
+              <a:rPr lang="en-US" altLang="ko-Kore-KR" dirty="0">
+                <a:latin typeface="DM Mono" panose="020B0509040201040103" pitchFamily="49" charset="0"/>
+              </a:rPr>
+              <a:t>Animal a</a:t>
+            </a:r>
+            <a:endParaRPr lang="ko-Kore-KR" altLang="en-US" dirty="0"/>
+          </a:p>
+        </p:txBody>
+      </p:sp>
+      <p:sp>
+        <p:nvSpPr>
+          <p:cNvPr id="28" name="TextBox 27">
+            <a:extLst>
+              <a:ext uri="{FF2B5EF4-FFF2-40B4-BE49-F238E27FC236}">
+                <a16:creationId xmlns:a16="http://schemas.microsoft.com/office/drawing/2014/main" id="{BDA1FDB6-DF3A-8096-A470-C27011B627F7}"/>
+              </a:ext>
+            </a:extLst>
+          </p:cNvPr>
+          <p:cNvSpPr txBox="1"/>
+          <p:nvPr/>
+        </p:nvSpPr>
+        <p:spPr>
+          <a:xfrm>
+            <a:off x="5505235" y="1246936"/>
+            <a:ext cx="973384" cy="369332"/>
+          </a:xfrm>
+          <a:prstGeom prst="rect">
+            <a:avLst/>
+          </a:prstGeom>
+          <a:noFill/>
+        </p:spPr>
+        <p:txBody>
+          <a:bodyPr wrap="square">
+            <a:spAutoFit/>
+          </a:bodyPr>
+          <a:lstStyle/>
+          <a:p>
+            <a:pPr algn="r"/>
+            <a:r>
+              <a:rPr lang="en-US" altLang="ko-Kore-KR" dirty="0">
+                <a:latin typeface="DM Mono" panose="020B0509040201040103" pitchFamily="49" charset="0"/>
+              </a:rPr>
+              <a:t>color</a:t>
+            </a:r>
+            <a:endParaRPr lang="ko-Kore-KR" altLang="en-US" dirty="0"/>
+          </a:p>
+        </p:txBody>
+      </p:sp>
+      <p:sp>
+        <p:nvSpPr>
+          <p:cNvPr id="29" name="직사각형 28">
+            <a:extLst>
+              <a:ext uri="{FF2B5EF4-FFF2-40B4-BE49-F238E27FC236}">
+                <a16:creationId xmlns:a16="http://schemas.microsoft.com/office/drawing/2014/main" id="{826EC69F-50B3-82D1-0DA1-8ECD5742E9B6}"/>
+              </a:ext>
+            </a:extLst>
+          </p:cNvPr>
+          <p:cNvSpPr/>
+          <p:nvPr/>
+        </p:nvSpPr>
+        <p:spPr>
+          <a:xfrm>
+            <a:off x="6478618" y="616406"/>
+            <a:ext cx="1242204" cy="543464"/>
+          </a:xfrm>
+          <a:prstGeom prst="rect">
+            <a:avLst/>
+          </a:prstGeom>
+          <a:solidFill>
+            <a:srgbClr val="FFFF00"/>
+          </a:solidFill>
+        </p:spPr>
+        <p:style>
+          <a:lnRef idx="2">
+            <a:schemeClr val="accent4">
+              <a:shade val="50000"/>
+            </a:schemeClr>
+          </a:lnRef>
+          <a:fillRef idx="1">
+            <a:schemeClr val="accent4"/>
+          </a:fillRef>
+          <a:effectRef idx="0">
+            <a:schemeClr val="accent4"/>
+          </a:effectRef>
+          <a:fontRef idx="minor">
+            <a:schemeClr val="lt1"/>
+          </a:fontRef>
+        </p:style>
+        <p:txBody>
+          <a:bodyPr rtlCol="0" anchor="ctr"/>
+          <a:lstStyle/>
+          <a:p>
+            <a:pPr algn="ctr"/>
+            <a:endParaRPr kumimoji="1" lang="ko-Kore-KR" altLang="en-US" sz="1600" dirty="0">
+              <a:solidFill>
+                <a:schemeClr val="tx1"/>
+              </a:solidFill>
+              <a:latin typeface="DM Mono" panose="020B0509040201040103" pitchFamily="49" charset="0"/>
+            </a:endParaRPr>
+          </a:p>
+        </p:txBody>
+      </p:sp>
+      <p:sp>
+        <p:nvSpPr>
+          <p:cNvPr id="30" name="TextBox 29">
+            <a:extLst>
+              <a:ext uri="{FF2B5EF4-FFF2-40B4-BE49-F238E27FC236}">
+                <a16:creationId xmlns:a16="http://schemas.microsoft.com/office/drawing/2014/main" id="{E780F370-6EE9-52EC-F848-ECFFA3E865DB}"/>
+              </a:ext>
+            </a:extLst>
+          </p:cNvPr>
+          <p:cNvSpPr txBox="1"/>
+          <p:nvPr/>
+        </p:nvSpPr>
+        <p:spPr>
+          <a:xfrm>
+            <a:off x="5505234" y="684540"/>
+            <a:ext cx="973384" cy="369332"/>
+          </a:xfrm>
+          <a:prstGeom prst="rect">
+            <a:avLst/>
+          </a:prstGeom>
+          <a:noFill/>
+        </p:spPr>
+        <p:txBody>
+          <a:bodyPr wrap="square">
+            <a:spAutoFit/>
+          </a:bodyPr>
+          <a:lstStyle/>
+          <a:p>
+            <a:pPr algn="r"/>
+            <a:r>
+              <a:rPr lang="en-US" altLang="ko-Kore-KR" dirty="0" err="1">
+                <a:latin typeface="DM Mono" panose="020B0509040201040103" pitchFamily="49" charset="0"/>
+              </a:rPr>
+              <a:t>vftp</a:t>
+            </a:r>
+            <a:endParaRPr lang="ko-Kore-KR" altLang="en-US" dirty="0"/>
+          </a:p>
+        </p:txBody>
+      </p:sp>
+      <p:cxnSp>
+        <p:nvCxnSpPr>
+          <p:cNvPr id="31" name="구부러진 연결선[U] 30">
+            <a:extLst>
+              <a:ext uri="{FF2B5EF4-FFF2-40B4-BE49-F238E27FC236}">
+                <a16:creationId xmlns:a16="http://schemas.microsoft.com/office/drawing/2014/main" id="{C42FC7B3-D0E2-519F-161B-73395E5CA79E}"/>
+              </a:ext>
+            </a:extLst>
+          </p:cNvPr>
+          <p:cNvCxnSpPr>
+            <a:cxnSpLocks/>
+            <a:stCxn id="29" idx="3"/>
+            <a:endCxn id="15" idx="1"/>
+          </p:cNvCxnSpPr>
+          <p:nvPr/>
+        </p:nvCxnSpPr>
+        <p:spPr>
+          <a:xfrm>
+            <a:off x="7720822" y="888138"/>
+            <a:ext cx="1018012" cy="27568"/>
+          </a:xfrm>
+          <a:prstGeom prst="curvedConnector3">
+            <a:avLst/>
+          </a:prstGeom>
+          <a:ln>
+            <a:tailEnd type="triangle"/>
+          </a:ln>
+        </p:spPr>
+        <p:style>
+          <a:lnRef idx="1">
+            <a:schemeClr val="dk1"/>
+          </a:lnRef>
+          <a:fillRef idx="0">
+            <a:schemeClr val="dk1"/>
+          </a:fillRef>
+          <a:effectRef idx="0">
+            <a:schemeClr val="dk1"/>
+          </a:effectRef>
+          <a:fontRef idx="minor">
+            <a:schemeClr val="tx1"/>
+          </a:fontRef>
+        </p:style>
+      </p:cxnSp>
+      <p:sp>
+        <p:nvSpPr>
+          <p:cNvPr id="40" name="직사각형 39">
+            <a:extLst>
+              <a:ext uri="{FF2B5EF4-FFF2-40B4-BE49-F238E27FC236}">
+                <a16:creationId xmlns:a16="http://schemas.microsoft.com/office/drawing/2014/main" id="{2731C973-1782-96CE-DC2B-F3227A403FEE}"/>
+              </a:ext>
+            </a:extLst>
+          </p:cNvPr>
+          <p:cNvSpPr/>
+          <p:nvPr/>
+        </p:nvSpPr>
+        <p:spPr>
+          <a:xfrm>
+            <a:off x="9456520" y="5256558"/>
+            <a:ext cx="1242204" cy="543464"/>
+          </a:xfrm>
+          <a:prstGeom prst="rect">
+            <a:avLst/>
+          </a:prstGeom>
+          <a:solidFill>
+            <a:srgbClr val="FFC000"/>
+          </a:solidFill>
+        </p:spPr>
+        <p:style>
+          <a:lnRef idx="2">
+            <a:schemeClr val="accent4">
+              <a:shade val="50000"/>
+            </a:schemeClr>
+          </a:lnRef>
+          <a:fillRef idx="1">
+            <a:schemeClr val="accent4"/>
+          </a:fillRef>
+          <a:effectRef idx="0">
+            <a:schemeClr val="accent4"/>
+          </a:effectRef>
+          <a:fontRef idx="minor">
+            <a:schemeClr val="lt1"/>
+          </a:fontRef>
+        </p:style>
+        <p:txBody>
+          <a:bodyPr rtlCol="0" anchor="ctr"/>
+          <a:lstStyle/>
+          <a:p>
+            <a:pPr algn="ctr"/>
+            <a:endParaRPr kumimoji="1" lang="ko-Kore-KR" altLang="en-US" sz="1600" dirty="0">
+              <a:solidFill>
+                <a:schemeClr val="tx1"/>
+              </a:solidFill>
+              <a:latin typeface="DM Mono" panose="020B0509040201040103" pitchFamily="49" charset="0"/>
+            </a:endParaRPr>
+          </a:p>
+        </p:txBody>
+      </p:sp>
+      <p:sp>
+        <p:nvSpPr>
+          <p:cNvPr id="41" name="TextBox 40">
+            <a:extLst>
+              <a:ext uri="{FF2B5EF4-FFF2-40B4-BE49-F238E27FC236}">
+                <a16:creationId xmlns:a16="http://schemas.microsoft.com/office/drawing/2014/main" id="{226451D4-C9AB-2DB7-DDAA-63723D7FFFA2}"/>
+              </a:ext>
+            </a:extLst>
+          </p:cNvPr>
+          <p:cNvSpPr txBox="1"/>
+          <p:nvPr/>
+        </p:nvSpPr>
+        <p:spPr>
+          <a:xfrm>
+            <a:off x="9638214" y="4289743"/>
+            <a:ext cx="878816" cy="369332"/>
+          </a:xfrm>
+          <a:prstGeom prst="rect">
+            <a:avLst/>
+          </a:prstGeom>
+          <a:noFill/>
+        </p:spPr>
+        <p:txBody>
+          <a:bodyPr wrap="square">
+            <a:spAutoFit/>
+          </a:bodyPr>
+          <a:lstStyle/>
+          <a:p>
+            <a:r>
+              <a:rPr lang="en-US" altLang="ko-Kore-KR" dirty="0">
+                <a:latin typeface="DM Mono" panose="020B0509040201040103" pitchFamily="49" charset="0"/>
+              </a:rPr>
+              <a:t>Dog d</a:t>
+            </a:r>
+            <a:endParaRPr lang="ko-Kore-KR" altLang="en-US" dirty="0"/>
+          </a:p>
+        </p:txBody>
+      </p:sp>
+      <p:sp>
+        <p:nvSpPr>
+          <p:cNvPr id="42" name="TextBox 41">
+            <a:extLst>
+              <a:ext uri="{FF2B5EF4-FFF2-40B4-BE49-F238E27FC236}">
+                <a16:creationId xmlns:a16="http://schemas.microsoft.com/office/drawing/2014/main" id="{66EA52EC-6D91-1938-DBE2-5CF0CC65F515}"/>
+              </a:ext>
+            </a:extLst>
+          </p:cNvPr>
+          <p:cNvSpPr txBox="1"/>
+          <p:nvPr/>
+        </p:nvSpPr>
+        <p:spPr>
+          <a:xfrm>
+            <a:off x="8103189" y="5343624"/>
+            <a:ext cx="1353331" cy="369332"/>
+          </a:xfrm>
+          <a:prstGeom prst="rect">
+            <a:avLst/>
+          </a:prstGeom>
+          <a:noFill/>
+        </p:spPr>
+        <p:txBody>
+          <a:bodyPr wrap="square">
+            <a:spAutoFit/>
+          </a:bodyPr>
+          <a:lstStyle/>
+          <a:p>
+            <a:pPr algn="r"/>
+            <a:r>
+              <a:rPr lang="en-US" altLang="ko-Kore-KR" dirty="0">
+                <a:latin typeface="DM Mono" panose="020B0509040201040103" pitchFamily="49" charset="0"/>
+              </a:rPr>
+              <a:t>color</a:t>
+            </a:r>
+            <a:endParaRPr lang="ko-Kore-KR" altLang="en-US" dirty="0"/>
+          </a:p>
+        </p:txBody>
+      </p:sp>
+      <p:sp>
+        <p:nvSpPr>
+          <p:cNvPr id="43" name="직사각형 42">
+            <a:extLst>
+              <a:ext uri="{FF2B5EF4-FFF2-40B4-BE49-F238E27FC236}">
+                <a16:creationId xmlns:a16="http://schemas.microsoft.com/office/drawing/2014/main" id="{0F89E525-4E40-2B29-187F-813E005B2D31}"/>
+              </a:ext>
+            </a:extLst>
+          </p:cNvPr>
+          <p:cNvSpPr/>
+          <p:nvPr/>
+        </p:nvSpPr>
+        <p:spPr>
+          <a:xfrm>
+            <a:off x="9456520" y="5796772"/>
+            <a:ext cx="1242204" cy="543464"/>
+          </a:xfrm>
+          <a:prstGeom prst="rect">
+            <a:avLst/>
+          </a:prstGeom>
+          <a:solidFill>
+            <a:srgbClr val="FFFF00"/>
+          </a:solidFill>
+        </p:spPr>
+        <p:style>
+          <a:lnRef idx="2">
+            <a:schemeClr val="accent4">
+              <a:shade val="50000"/>
+            </a:schemeClr>
+          </a:lnRef>
+          <a:fillRef idx="1">
+            <a:schemeClr val="accent4"/>
+          </a:fillRef>
+          <a:effectRef idx="0">
+            <a:schemeClr val="accent4"/>
+          </a:effectRef>
+          <a:fontRef idx="minor">
+            <a:schemeClr val="lt1"/>
+          </a:fontRef>
+        </p:style>
+        <p:txBody>
+          <a:bodyPr rtlCol="0" anchor="ctr"/>
+          <a:lstStyle/>
+          <a:p>
+            <a:pPr algn="ctr"/>
+            <a:endParaRPr kumimoji="1" lang="ko-Kore-KR" altLang="en-US" sz="1600" dirty="0">
+              <a:solidFill>
+                <a:schemeClr val="tx1"/>
+              </a:solidFill>
+              <a:latin typeface="DM Mono" panose="020B0509040201040103" pitchFamily="49" charset="0"/>
+            </a:endParaRPr>
+          </a:p>
+        </p:txBody>
+      </p:sp>
+      <p:sp>
+        <p:nvSpPr>
+          <p:cNvPr id="44" name="TextBox 43">
+            <a:extLst>
+              <a:ext uri="{FF2B5EF4-FFF2-40B4-BE49-F238E27FC236}">
+                <a16:creationId xmlns:a16="http://schemas.microsoft.com/office/drawing/2014/main" id="{93766753-D3BA-DAB3-BBE4-069907583439}"/>
+              </a:ext>
+            </a:extLst>
+          </p:cNvPr>
+          <p:cNvSpPr txBox="1"/>
+          <p:nvPr/>
+        </p:nvSpPr>
+        <p:spPr>
+          <a:xfrm>
+            <a:off x="8518547" y="5883838"/>
+            <a:ext cx="937973" cy="369332"/>
+          </a:xfrm>
+          <a:prstGeom prst="rect">
+            <a:avLst/>
+          </a:prstGeom>
+          <a:noFill/>
+        </p:spPr>
+        <p:txBody>
+          <a:bodyPr wrap="square">
+            <a:spAutoFit/>
+          </a:bodyPr>
+          <a:lstStyle/>
+          <a:p>
+            <a:pPr algn="r"/>
+            <a:r>
+              <a:rPr lang="en-US" altLang="ko-Kore-KR" dirty="0">
+                <a:latin typeface="DM Mono" panose="020B0509040201040103" pitchFamily="49" charset="0"/>
+              </a:rPr>
+              <a:t>age</a:t>
+            </a:r>
+            <a:endParaRPr lang="ko-Kore-KR" altLang="en-US" dirty="0"/>
+          </a:p>
+        </p:txBody>
+      </p:sp>
+      <p:sp>
+        <p:nvSpPr>
+          <p:cNvPr id="45" name="직사각형 44">
+            <a:extLst>
+              <a:ext uri="{FF2B5EF4-FFF2-40B4-BE49-F238E27FC236}">
+                <a16:creationId xmlns:a16="http://schemas.microsoft.com/office/drawing/2014/main" id="{8DB82E24-202C-B7A0-CD4E-0D9850D5771E}"/>
+              </a:ext>
+            </a:extLst>
+          </p:cNvPr>
+          <p:cNvSpPr/>
+          <p:nvPr/>
+        </p:nvSpPr>
+        <p:spPr>
+          <a:xfrm>
+            <a:off x="9456520" y="4697647"/>
+            <a:ext cx="1242204" cy="543464"/>
+          </a:xfrm>
+          <a:prstGeom prst="rect">
+            <a:avLst/>
+          </a:prstGeom>
+          <a:solidFill>
+            <a:srgbClr val="FFFF00"/>
+          </a:solidFill>
+        </p:spPr>
+        <p:style>
+          <a:lnRef idx="2">
+            <a:schemeClr val="accent4">
+              <a:shade val="50000"/>
+            </a:schemeClr>
+          </a:lnRef>
+          <a:fillRef idx="1">
+            <a:schemeClr val="accent4"/>
+          </a:fillRef>
+          <a:effectRef idx="0">
+            <a:schemeClr val="accent4"/>
+          </a:effectRef>
+          <a:fontRef idx="minor">
+            <a:schemeClr val="lt1"/>
+          </a:fontRef>
+        </p:style>
+        <p:txBody>
+          <a:bodyPr rtlCol="0" anchor="ctr"/>
+          <a:lstStyle/>
+          <a:p>
+            <a:pPr algn="ctr"/>
+            <a:endParaRPr kumimoji="1" lang="ko-Kore-KR" altLang="en-US" sz="1600" dirty="0">
+              <a:solidFill>
+                <a:schemeClr val="tx1"/>
+              </a:solidFill>
+              <a:latin typeface="DM Mono" panose="020B0509040201040103" pitchFamily="49" charset="0"/>
+            </a:endParaRPr>
+          </a:p>
+        </p:txBody>
+      </p:sp>
+      <p:sp>
+        <p:nvSpPr>
+          <p:cNvPr id="46" name="TextBox 45">
+            <a:extLst>
+              <a:ext uri="{FF2B5EF4-FFF2-40B4-BE49-F238E27FC236}">
+                <a16:creationId xmlns:a16="http://schemas.microsoft.com/office/drawing/2014/main" id="{C483187A-BBC9-1837-66A7-9EEA4F188AFC}"/>
+              </a:ext>
+            </a:extLst>
+          </p:cNvPr>
+          <p:cNvSpPr txBox="1"/>
+          <p:nvPr/>
+        </p:nvSpPr>
+        <p:spPr>
+          <a:xfrm>
+            <a:off x="8420097" y="4784713"/>
+            <a:ext cx="973384" cy="369332"/>
+          </a:xfrm>
+          <a:prstGeom prst="rect">
+            <a:avLst/>
+          </a:prstGeom>
+          <a:noFill/>
+        </p:spPr>
+        <p:txBody>
+          <a:bodyPr wrap="square">
+            <a:spAutoFit/>
+          </a:bodyPr>
+          <a:lstStyle/>
+          <a:p>
+            <a:pPr algn="r"/>
+            <a:r>
+              <a:rPr lang="en-US" altLang="ko-Kore-KR" dirty="0" err="1">
+                <a:latin typeface="DM Mono" panose="020B0509040201040103" pitchFamily="49" charset="0"/>
+              </a:rPr>
+              <a:t>vftp</a:t>
+            </a:r>
+            <a:endParaRPr lang="ko-Kore-KR" altLang="en-US" dirty="0"/>
+          </a:p>
+        </p:txBody>
+      </p:sp>
+      <p:cxnSp>
+        <p:nvCxnSpPr>
+          <p:cNvPr id="47" name="구부러진 연결선[U] 46">
+            <a:extLst>
+              <a:ext uri="{FF2B5EF4-FFF2-40B4-BE49-F238E27FC236}">
+                <a16:creationId xmlns:a16="http://schemas.microsoft.com/office/drawing/2014/main" id="{588482E4-322A-C07F-2F5B-8A7C840BD3DA}"/>
+              </a:ext>
+            </a:extLst>
+          </p:cNvPr>
+          <p:cNvCxnSpPr>
+            <a:cxnSpLocks/>
+            <a:stCxn id="45" idx="3"/>
+            <a:endCxn id="22" idx="1"/>
+          </p:cNvCxnSpPr>
+          <p:nvPr/>
+        </p:nvCxnSpPr>
+        <p:spPr>
+          <a:xfrm flipH="1" flipV="1">
+            <a:off x="9207536" y="2898343"/>
+            <a:ext cx="1491188" cy="2071036"/>
+          </a:xfrm>
+          <a:prstGeom prst="curvedConnector5">
+            <a:avLst>
+              <a:gd name="adj1" fmla="val -15330"/>
+              <a:gd name="adj2" fmla="val 50000"/>
+              <a:gd name="adj3" fmla="val 115330"/>
+            </a:avLst>
+          </a:prstGeom>
+          <a:ln>
+            <a:tailEnd type="triangle"/>
+          </a:ln>
+        </p:spPr>
+        <p:style>
+          <a:lnRef idx="1">
+            <a:schemeClr val="dk1"/>
+          </a:lnRef>
+          <a:fillRef idx="0">
+            <a:schemeClr val="dk1"/>
+          </a:fillRef>
+          <a:effectRef idx="0">
+            <a:schemeClr val="dk1"/>
+          </a:effectRef>
+          <a:fontRef idx="minor">
+            <a:schemeClr val="tx1"/>
+          </a:fontRef>
+        </p:style>
+      </p:cxnSp>
+    </p:spTree>
+    <p:extLst>
+      <p:ext uri="{BB962C8B-B14F-4D97-AF65-F5344CB8AC3E}">
+        <p14:creationId xmlns:p14="http://schemas.microsoft.com/office/powerpoint/2010/main" val="4026059007"/>
+      </p:ext>
+    </p:extLst>
+  </p:cSld>
+  <p:clrMapOvr>
+    <a:masterClrMapping/>
+  </p:clrMapOvr>
+</p:sld>
+</file>
+
+<file path=ppt/slides/slide28.xml><?xml version="1.0" encoding="utf-8"?>
+<p:sld xmlns:a="http://schemas.openxmlformats.org/drawingml/2006/main" xmlns:r="http://schemas.openxmlformats.org/officeDocument/2006/relationships" xmlns:p="http://schemas.openxmlformats.org/presentationml/2006/main">
+  <p:cSld>
+    <p:spTree>
+      <p:nvGrpSpPr>
+        <p:cNvPr id="1" name=""/>
+        <p:cNvGrpSpPr/>
+        <p:nvPr/>
+      </p:nvGrpSpPr>
+      <p:grpSpPr>
+        <a:xfrm>
+          <a:off x="0" y="0"/>
+          <a:ext cx="0" cy="0"/>
+          <a:chOff x="0" y="0"/>
+          <a:chExt cx="0" cy="0"/>
+        </a:xfrm>
+      </p:grpSpPr>
+      <p:sp>
+        <p:nvSpPr>
+          <p:cNvPr id="5" name="TextBox 4">
+            <a:extLst>
+              <a:ext uri="{FF2B5EF4-FFF2-40B4-BE49-F238E27FC236}">
+                <a16:creationId xmlns:a16="http://schemas.microsoft.com/office/drawing/2014/main" id="{16585DA1-2063-D0BB-B202-9795908530E4}"/>
+              </a:ext>
+            </a:extLst>
+          </p:cNvPr>
+          <p:cNvSpPr txBox="1"/>
+          <p:nvPr/>
+        </p:nvSpPr>
+        <p:spPr>
+          <a:xfrm>
+            <a:off x="338587" y="179311"/>
+            <a:ext cx="6094562" cy="5078313"/>
+          </a:xfrm>
+          <a:prstGeom prst="rect">
+            <a:avLst/>
+          </a:prstGeom>
+          <a:noFill/>
+        </p:spPr>
+        <p:txBody>
+          <a:bodyPr wrap="square">
+            <a:spAutoFit/>
+          </a:bodyPr>
+          <a:lstStyle/>
+          <a:p>
+            <a:r>
+              <a:rPr lang="ko-Kore-KR" altLang="en-US" dirty="0">
+                <a:latin typeface="DM Mono" panose="020B0509040201040103" pitchFamily="49" charset="0"/>
+              </a:rPr>
+              <a:t>class Animal {</a:t>
+            </a:r>
+          </a:p>
+          <a:p>
+            <a:r>
+              <a:rPr lang="ko-Kore-KR" altLang="en-US" dirty="0">
+                <a:latin typeface="DM Mono" panose="020B0509040201040103" pitchFamily="49" charset="0"/>
+              </a:rPr>
+              <a:t>    int color;</a:t>
+            </a:r>
+          </a:p>
+          <a:p>
+            <a:r>
+              <a:rPr lang="ko-Kore-KR" altLang="en-US" dirty="0">
+                <a:latin typeface="DM Mono" panose="020B0509040201040103" pitchFamily="49" charset="0"/>
+              </a:rPr>
+              <a:t>public:</a:t>
+            </a:r>
+            <a:endParaRPr lang="en-US" altLang="ko-Kore-KR" dirty="0">
+              <a:latin typeface="DM Mono" panose="020B0509040201040103" pitchFamily="49" charset="0"/>
+            </a:endParaRPr>
+          </a:p>
+          <a:p>
+            <a:r>
+              <a:rPr lang="en-US" altLang="ko-Kore-KR" dirty="0">
+                <a:latin typeface="DM Mono" panose="020B0509040201040103" pitchFamily="49" charset="0"/>
+              </a:rPr>
+              <a:t>     virtual void Go();</a:t>
+            </a:r>
+          </a:p>
+          <a:p>
+            <a:r>
+              <a:rPr lang="en-US" altLang="ko-Kore-KR" dirty="0">
+                <a:latin typeface="DM Mono" panose="020B0509040201040103" pitchFamily="49" charset="0"/>
+              </a:rPr>
+              <a:t>    </a:t>
+            </a:r>
+            <a:r>
+              <a:rPr lang="en-US" altLang="ko-Kore-KR" dirty="0">
+                <a:solidFill>
+                  <a:srgbClr val="FF0000"/>
+                </a:solidFill>
+                <a:latin typeface="DM Mono" panose="020B0509040201040103" pitchFamily="49" charset="0"/>
+              </a:rPr>
+              <a:t> virtual void Hello(); 		</a:t>
+            </a:r>
+          </a:p>
+          <a:p>
+            <a:r>
+              <a:rPr lang="en-US" altLang="ko-Kore-KR" dirty="0">
+                <a:latin typeface="DM Mono" panose="020B0509040201040103" pitchFamily="49" charset="0"/>
+              </a:rPr>
+              <a:t>};</a:t>
+            </a:r>
+          </a:p>
+          <a:p>
+            <a:endParaRPr lang="ko-Kore-KR" altLang="en-US" dirty="0">
+              <a:latin typeface="DM Mono" panose="020B0509040201040103" pitchFamily="49" charset="0"/>
+            </a:endParaRPr>
+          </a:p>
+          <a:p>
+            <a:r>
+              <a:rPr lang="ko-Kore-KR" altLang="en-US" dirty="0">
+                <a:latin typeface="DM Mono" panose="020B0509040201040103" pitchFamily="49" charset="0"/>
+              </a:rPr>
+              <a:t>class Dog : public Animal {</a:t>
+            </a:r>
+            <a:endParaRPr lang="en-US" altLang="ko-Kore-KR" dirty="0">
+              <a:latin typeface="DM Mono" panose="020B0509040201040103" pitchFamily="49" charset="0"/>
+            </a:endParaRPr>
+          </a:p>
+          <a:p>
+            <a:r>
+              <a:rPr lang="en-US" altLang="ko-Kore-KR" dirty="0">
+                <a:latin typeface="DM Mono" panose="020B0509040201040103" pitchFamily="49" charset="0"/>
+              </a:rPr>
+              <a:t>    int age;</a:t>
+            </a:r>
+            <a:endParaRPr lang="ko-Kore-KR" altLang="en-US" dirty="0">
+              <a:latin typeface="DM Mono" panose="020B0509040201040103" pitchFamily="49" charset="0"/>
+            </a:endParaRPr>
+          </a:p>
+          <a:p>
+            <a:r>
+              <a:rPr lang="ko-Kore-KR" altLang="en-US" dirty="0">
+                <a:latin typeface="DM Mono" panose="020B0509040201040103" pitchFamily="49" charset="0"/>
+              </a:rPr>
+              <a:t>public:</a:t>
+            </a:r>
+          </a:p>
+          <a:p>
+            <a:r>
+              <a:rPr lang="ko-Kore-KR" altLang="en-US" dirty="0">
+                <a:latin typeface="DM Mono" panose="020B0509040201040103" pitchFamily="49" charset="0"/>
+              </a:rPr>
+              <a:t>};</a:t>
+            </a:r>
+          </a:p>
+          <a:p>
+            <a:endParaRPr lang="ko-Kore-KR" altLang="en-US" dirty="0">
+              <a:latin typeface="DM Mono" panose="020B0509040201040103" pitchFamily="49" charset="0"/>
+            </a:endParaRPr>
+          </a:p>
+          <a:p>
+            <a:endParaRPr lang="ko-Kore-KR" altLang="en-US" dirty="0">
+              <a:latin typeface="DM Mono" panose="020B0509040201040103" pitchFamily="49" charset="0"/>
+            </a:endParaRPr>
+          </a:p>
+          <a:p>
+            <a:r>
+              <a:rPr lang="ko-Kore-KR" altLang="en-US" dirty="0">
+                <a:latin typeface="DM Mono" panose="020B0509040201040103" pitchFamily="49" charset="0"/>
+              </a:rPr>
+              <a:t>int main()</a:t>
+            </a:r>
+          </a:p>
+          <a:p>
+            <a:r>
+              <a:rPr lang="ko-Kore-KR" altLang="en-US" dirty="0">
+                <a:latin typeface="DM Mono" panose="020B0509040201040103" pitchFamily="49" charset="0"/>
+              </a:rPr>
+              <a:t>{</a:t>
+            </a:r>
+          </a:p>
+          <a:p>
+            <a:r>
+              <a:rPr lang="ko-Kore-KR" altLang="en-US" dirty="0">
+                <a:latin typeface="DM Mono" panose="020B0509040201040103" pitchFamily="49" charset="0"/>
+              </a:rPr>
+              <a:t>    Animal a;</a:t>
+            </a:r>
+          </a:p>
+          <a:p>
+            <a:r>
+              <a:rPr lang="ko-Kore-KR" altLang="en-US" dirty="0">
+                <a:latin typeface="DM Mono" panose="020B0509040201040103" pitchFamily="49" charset="0"/>
+              </a:rPr>
+              <a:t>    Dog d;</a:t>
+            </a:r>
+            <a:endParaRPr lang="en-US" altLang="ko-Kore-KR" dirty="0">
+              <a:latin typeface="DM Mono" panose="020B0509040201040103" pitchFamily="49" charset="0"/>
+            </a:endParaRPr>
+          </a:p>
+          <a:p>
+            <a:r>
+              <a:rPr lang="en-US" altLang="ko-Kore-KR" dirty="0">
+                <a:latin typeface="DM Mono" panose="020B0509040201040103" pitchFamily="49" charset="0"/>
+              </a:rPr>
+              <a:t>}</a:t>
+            </a:r>
+            <a:endParaRPr lang="ko-Kore-KR" altLang="en-US" dirty="0">
+              <a:latin typeface="DM Mono" panose="020B0509040201040103" pitchFamily="49" charset="0"/>
+            </a:endParaRPr>
+          </a:p>
+        </p:txBody>
+      </p:sp>
+      <p:sp>
+        <p:nvSpPr>
+          <p:cNvPr id="8" name="직사각형 7">
+            <a:extLst>
+              <a:ext uri="{FF2B5EF4-FFF2-40B4-BE49-F238E27FC236}">
+                <a16:creationId xmlns:a16="http://schemas.microsoft.com/office/drawing/2014/main" id="{96506392-9444-AA6F-F9C9-2DC6FCD0F854}"/>
+              </a:ext>
+            </a:extLst>
+          </p:cNvPr>
+          <p:cNvSpPr/>
+          <p:nvPr/>
+        </p:nvSpPr>
+        <p:spPr>
+          <a:xfrm>
+            <a:off x="6559227" y="2898343"/>
+            <a:ext cx="1242204" cy="543464"/>
+          </a:xfrm>
+          <a:prstGeom prst="rect">
+            <a:avLst/>
+          </a:prstGeom>
+          <a:solidFill>
+            <a:srgbClr val="FFC000"/>
+          </a:solidFill>
+        </p:spPr>
+        <p:style>
+          <a:lnRef idx="2">
+            <a:schemeClr val="accent4">
+              <a:shade val="50000"/>
+            </a:schemeClr>
+          </a:lnRef>
+          <a:fillRef idx="1">
+            <a:schemeClr val="accent4"/>
+          </a:fillRef>
+          <a:effectRef idx="0">
+            <a:schemeClr val="accent4"/>
+          </a:effectRef>
+          <a:fontRef idx="minor">
+            <a:schemeClr val="lt1"/>
+          </a:fontRef>
+        </p:style>
+        <p:txBody>
+          <a:bodyPr rtlCol="0" anchor="ctr"/>
+          <a:lstStyle/>
+          <a:p>
+            <a:pPr algn="ctr"/>
+            <a:endParaRPr kumimoji="1" lang="ko-Kore-KR" altLang="en-US" sz="1600" dirty="0">
+              <a:solidFill>
+                <a:schemeClr val="tx1"/>
+              </a:solidFill>
+              <a:latin typeface="DM Mono" panose="020B0509040201040103" pitchFamily="49" charset="0"/>
+            </a:endParaRPr>
+          </a:p>
+        </p:txBody>
+      </p:sp>
+      <p:sp>
+        <p:nvSpPr>
+          <p:cNvPr id="9" name="TextBox 8">
+            <a:extLst>
+              <a:ext uri="{FF2B5EF4-FFF2-40B4-BE49-F238E27FC236}">
+                <a16:creationId xmlns:a16="http://schemas.microsoft.com/office/drawing/2014/main" id="{7573710C-059D-5C52-ECA4-96DA8B2FA1EF}"/>
+              </a:ext>
+            </a:extLst>
+          </p:cNvPr>
+          <p:cNvSpPr txBox="1"/>
+          <p:nvPr/>
+        </p:nvSpPr>
+        <p:spPr>
+          <a:xfrm>
+            <a:off x="6262777" y="1978560"/>
+            <a:ext cx="1735298" cy="369332"/>
+          </a:xfrm>
+          <a:prstGeom prst="rect">
+            <a:avLst/>
+          </a:prstGeom>
+          <a:noFill/>
+        </p:spPr>
+        <p:txBody>
+          <a:bodyPr wrap="square">
+            <a:spAutoFit/>
+          </a:bodyPr>
+          <a:lstStyle/>
+          <a:p>
+            <a:pPr algn="ctr"/>
+            <a:r>
+              <a:rPr lang="en-US" altLang="ko-Kore-KR" dirty="0">
+                <a:latin typeface="DM Mono" panose="020B0509040201040103" pitchFamily="49" charset="0"/>
+              </a:rPr>
+              <a:t>Animal a</a:t>
+            </a:r>
+            <a:endParaRPr lang="ko-Kore-KR" altLang="en-US" dirty="0"/>
+          </a:p>
+        </p:txBody>
+      </p:sp>
+      <p:sp>
+        <p:nvSpPr>
+          <p:cNvPr id="10" name="TextBox 9">
+            <a:extLst>
+              <a:ext uri="{FF2B5EF4-FFF2-40B4-BE49-F238E27FC236}">
+                <a16:creationId xmlns:a16="http://schemas.microsoft.com/office/drawing/2014/main" id="{CE487AAE-3A93-CE35-E3EC-43CD2D97C6AE}"/>
+              </a:ext>
+            </a:extLst>
+          </p:cNvPr>
+          <p:cNvSpPr txBox="1"/>
+          <p:nvPr/>
+        </p:nvSpPr>
+        <p:spPr>
+          <a:xfrm>
+            <a:off x="5585844" y="2985409"/>
+            <a:ext cx="973384" cy="369332"/>
+          </a:xfrm>
+          <a:prstGeom prst="rect">
+            <a:avLst/>
+          </a:prstGeom>
+          <a:noFill/>
+        </p:spPr>
+        <p:txBody>
+          <a:bodyPr wrap="square">
+            <a:spAutoFit/>
+          </a:bodyPr>
+          <a:lstStyle/>
+          <a:p>
+            <a:pPr algn="r"/>
+            <a:r>
+              <a:rPr lang="en-US" altLang="ko-Kore-KR" dirty="0">
+                <a:latin typeface="DM Mono" panose="020B0509040201040103" pitchFamily="49" charset="0"/>
+              </a:rPr>
+              <a:t>color</a:t>
+            </a:r>
+            <a:endParaRPr lang="ko-Kore-KR" altLang="en-US" dirty="0"/>
+          </a:p>
+        </p:txBody>
+      </p:sp>
+      <p:sp>
+        <p:nvSpPr>
+          <p:cNvPr id="11" name="직사각형 10">
+            <a:extLst>
+              <a:ext uri="{FF2B5EF4-FFF2-40B4-BE49-F238E27FC236}">
+                <a16:creationId xmlns:a16="http://schemas.microsoft.com/office/drawing/2014/main" id="{6F6BC458-AAB3-2692-EB74-490CB8CA849C}"/>
+              </a:ext>
+            </a:extLst>
+          </p:cNvPr>
+          <p:cNvSpPr/>
+          <p:nvPr/>
+        </p:nvSpPr>
+        <p:spPr>
+          <a:xfrm>
+            <a:off x="6559227" y="4889625"/>
+            <a:ext cx="1242204" cy="543464"/>
+          </a:xfrm>
+          <a:prstGeom prst="rect">
+            <a:avLst/>
+          </a:prstGeom>
+          <a:solidFill>
+            <a:srgbClr val="FFC000"/>
+          </a:solidFill>
+        </p:spPr>
+        <p:style>
+          <a:lnRef idx="2">
+            <a:schemeClr val="accent4">
+              <a:shade val="50000"/>
+            </a:schemeClr>
+          </a:lnRef>
+          <a:fillRef idx="1">
+            <a:schemeClr val="accent4"/>
+          </a:fillRef>
+          <a:effectRef idx="0">
+            <a:schemeClr val="accent4"/>
+          </a:effectRef>
+          <a:fontRef idx="minor">
+            <a:schemeClr val="lt1"/>
+          </a:fontRef>
+        </p:style>
+        <p:txBody>
+          <a:bodyPr rtlCol="0" anchor="ctr"/>
+          <a:lstStyle/>
+          <a:p>
+            <a:pPr algn="ctr"/>
+            <a:endParaRPr kumimoji="1" lang="ko-Kore-KR" altLang="en-US" sz="1600" dirty="0">
+              <a:solidFill>
+                <a:schemeClr val="tx1"/>
+              </a:solidFill>
+              <a:latin typeface="DM Mono" panose="020B0509040201040103" pitchFamily="49" charset="0"/>
+            </a:endParaRPr>
+          </a:p>
+        </p:txBody>
+      </p:sp>
+      <p:sp>
+        <p:nvSpPr>
+          <p:cNvPr id="12" name="TextBox 11">
+            <a:extLst>
+              <a:ext uri="{FF2B5EF4-FFF2-40B4-BE49-F238E27FC236}">
+                <a16:creationId xmlns:a16="http://schemas.microsoft.com/office/drawing/2014/main" id="{EE2C0D07-0AD5-F7AB-82CC-73E69F6EEF43}"/>
+              </a:ext>
+            </a:extLst>
+          </p:cNvPr>
+          <p:cNvSpPr txBox="1"/>
+          <p:nvPr/>
+        </p:nvSpPr>
+        <p:spPr>
+          <a:xfrm>
+            <a:off x="6740921" y="3922810"/>
+            <a:ext cx="878816" cy="369332"/>
+          </a:xfrm>
+          <a:prstGeom prst="rect">
+            <a:avLst/>
+          </a:prstGeom>
+          <a:noFill/>
+        </p:spPr>
+        <p:txBody>
+          <a:bodyPr wrap="square">
+            <a:spAutoFit/>
+          </a:bodyPr>
+          <a:lstStyle/>
+          <a:p>
+            <a:r>
+              <a:rPr lang="en-US" altLang="ko-Kore-KR" dirty="0">
+                <a:latin typeface="DM Mono" panose="020B0509040201040103" pitchFamily="49" charset="0"/>
+              </a:rPr>
+              <a:t>Dog d</a:t>
+            </a:r>
+            <a:endParaRPr lang="ko-Kore-KR" altLang="en-US" dirty="0"/>
+          </a:p>
+        </p:txBody>
+      </p:sp>
+      <p:sp>
+        <p:nvSpPr>
+          <p:cNvPr id="13" name="TextBox 12">
+            <a:extLst>
+              <a:ext uri="{FF2B5EF4-FFF2-40B4-BE49-F238E27FC236}">
+                <a16:creationId xmlns:a16="http://schemas.microsoft.com/office/drawing/2014/main" id="{A85F2A6A-C557-4327-EE28-7ED82CC6D8D9}"/>
+              </a:ext>
+            </a:extLst>
+          </p:cNvPr>
+          <p:cNvSpPr txBox="1"/>
+          <p:nvPr/>
+        </p:nvSpPr>
+        <p:spPr>
+          <a:xfrm>
+            <a:off x="5205896" y="4976691"/>
+            <a:ext cx="1353331" cy="369332"/>
+          </a:xfrm>
+          <a:prstGeom prst="rect">
+            <a:avLst/>
+          </a:prstGeom>
+          <a:noFill/>
+        </p:spPr>
+        <p:txBody>
+          <a:bodyPr wrap="square">
+            <a:spAutoFit/>
+          </a:bodyPr>
+          <a:lstStyle/>
+          <a:p>
+            <a:pPr algn="r"/>
+            <a:r>
+              <a:rPr lang="en-US" altLang="ko-Kore-KR" dirty="0">
+                <a:latin typeface="DM Mono" panose="020B0509040201040103" pitchFamily="49" charset="0"/>
+              </a:rPr>
+              <a:t>color</a:t>
+            </a:r>
+            <a:endParaRPr lang="ko-Kore-KR" altLang="en-US" dirty="0"/>
+          </a:p>
+        </p:txBody>
+      </p:sp>
+      <p:sp>
+        <p:nvSpPr>
+          <p:cNvPr id="16" name="직사각형 15">
+            <a:extLst>
+              <a:ext uri="{FF2B5EF4-FFF2-40B4-BE49-F238E27FC236}">
+                <a16:creationId xmlns:a16="http://schemas.microsoft.com/office/drawing/2014/main" id="{31EED7D1-AF9C-478F-413F-01FB3701DA32}"/>
+              </a:ext>
+            </a:extLst>
+          </p:cNvPr>
+          <p:cNvSpPr/>
+          <p:nvPr/>
+        </p:nvSpPr>
+        <p:spPr>
+          <a:xfrm>
+            <a:off x="6559227" y="5429839"/>
+            <a:ext cx="1242204" cy="543464"/>
+          </a:xfrm>
+          <a:prstGeom prst="rect">
+            <a:avLst/>
+          </a:prstGeom>
+          <a:solidFill>
+            <a:srgbClr val="FFFF00"/>
+          </a:solidFill>
+        </p:spPr>
+        <p:style>
+          <a:lnRef idx="2">
+            <a:schemeClr val="accent4">
+              <a:shade val="50000"/>
+            </a:schemeClr>
+          </a:lnRef>
+          <a:fillRef idx="1">
+            <a:schemeClr val="accent4"/>
+          </a:fillRef>
+          <a:effectRef idx="0">
+            <a:schemeClr val="accent4"/>
+          </a:effectRef>
+          <a:fontRef idx="minor">
+            <a:schemeClr val="lt1"/>
+          </a:fontRef>
+        </p:style>
+        <p:txBody>
+          <a:bodyPr rtlCol="0" anchor="ctr"/>
+          <a:lstStyle/>
+          <a:p>
+            <a:pPr algn="ctr"/>
+            <a:endParaRPr kumimoji="1" lang="ko-Kore-KR" altLang="en-US" sz="1600" dirty="0">
+              <a:solidFill>
+                <a:schemeClr val="tx1"/>
+              </a:solidFill>
+              <a:latin typeface="DM Mono" panose="020B0509040201040103" pitchFamily="49" charset="0"/>
+            </a:endParaRPr>
+          </a:p>
+        </p:txBody>
+      </p:sp>
+      <p:sp>
+        <p:nvSpPr>
+          <p:cNvPr id="17" name="TextBox 16">
+            <a:extLst>
+              <a:ext uri="{FF2B5EF4-FFF2-40B4-BE49-F238E27FC236}">
+                <a16:creationId xmlns:a16="http://schemas.microsoft.com/office/drawing/2014/main" id="{49C4124B-B6E6-F056-3FC6-3ED0182AAD98}"/>
+              </a:ext>
+            </a:extLst>
+          </p:cNvPr>
+          <p:cNvSpPr txBox="1"/>
+          <p:nvPr/>
+        </p:nvSpPr>
+        <p:spPr>
+          <a:xfrm>
+            <a:off x="5621254" y="5516905"/>
+            <a:ext cx="937973" cy="369332"/>
+          </a:xfrm>
+          <a:prstGeom prst="rect">
+            <a:avLst/>
+          </a:prstGeom>
+          <a:noFill/>
+        </p:spPr>
+        <p:txBody>
+          <a:bodyPr wrap="square">
+            <a:spAutoFit/>
+          </a:bodyPr>
+          <a:lstStyle/>
+          <a:p>
+            <a:pPr algn="r"/>
+            <a:r>
+              <a:rPr lang="en-US" altLang="ko-Kore-KR" dirty="0">
+                <a:latin typeface="DM Mono" panose="020B0509040201040103" pitchFamily="49" charset="0"/>
+              </a:rPr>
+              <a:t>age</a:t>
+            </a:r>
+            <a:endParaRPr lang="ko-Kore-KR" altLang="en-US" dirty="0"/>
+          </a:p>
+        </p:txBody>
+      </p:sp>
+      <p:sp>
+        <p:nvSpPr>
+          <p:cNvPr id="4" name="직사각형 3">
+            <a:extLst>
+              <a:ext uri="{FF2B5EF4-FFF2-40B4-BE49-F238E27FC236}">
+                <a16:creationId xmlns:a16="http://schemas.microsoft.com/office/drawing/2014/main" id="{9455DE1E-3D07-3466-E2F9-3E96559DB27E}"/>
+              </a:ext>
+            </a:extLst>
+          </p:cNvPr>
+          <p:cNvSpPr/>
+          <p:nvPr/>
+        </p:nvSpPr>
+        <p:spPr>
+          <a:xfrm>
+            <a:off x="6559227" y="2354879"/>
+            <a:ext cx="1242204" cy="543464"/>
+          </a:xfrm>
+          <a:prstGeom prst="rect">
+            <a:avLst/>
+          </a:prstGeom>
+          <a:solidFill>
+            <a:srgbClr val="FFFF00"/>
+          </a:solidFill>
+        </p:spPr>
+        <p:style>
+          <a:lnRef idx="2">
+            <a:schemeClr val="accent4">
+              <a:shade val="50000"/>
+            </a:schemeClr>
+          </a:lnRef>
+          <a:fillRef idx="1">
+            <a:schemeClr val="accent4"/>
+          </a:fillRef>
+          <a:effectRef idx="0">
+            <a:schemeClr val="accent4"/>
+          </a:effectRef>
+          <a:fontRef idx="minor">
+            <a:schemeClr val="lt1"/>
+          </a:fontRef>
+        </p:style>
+        <p:txBody>
+          <a:bodyPr rtlCol="0" anchor="ctr"/>
+          <a:lstStyle/>
+          <a:p>
+            <a:pPr algn="ctr"/>
+            <a:endParaRPr kumimoji="1" lang="ko-Kore-KR" altLang="en-US" sz="1600" dirty="0">
+              <a:solidFill>
+                <a:schemeClr val="tx1"/>
+              </a:solidFill>
+              <a:latin typeface="DM Mono" panose="020B0509040201040103" pitchFamily="49" charset="0"/>
+            </a:endParaRPr>
+          </a:p>
+        </p:txBody>
+      </p:sp>
+      <p:sp>
+        <p:nvSpPr>
+          <p:cNvPr id="6" name="직사각형 5">
+            <a:extLst>
+              <a:ext uri="{FF2B5EF4-FFF2-40B4-BE49-F238E27FC236}">
+                <a16:creationId xmlns:a16="http://schemas.microsoft.com/office/drawing/2014/main" id="{61CA6490-9C84-624B-854F-31F38BC64358}"/>
+              </a:ext>
+            </a:extLst>
+          </p:cNvPr>
+          <p:cNvSpPr/>
+          <p:nvPr/>
+        </p:nvSpPr>
+        <p:spPr>
+          <a:xfrm>
+            <a:off x="6559227" y="4330714"/>
+            <a:ext cx="1242204" cy="543464"/>
+          </a:xfrm>
+          <a:prstGeom prst="rect">
+            <a:avLst/>
+          </a:prstGeom>
+          <a:solidFill>
+            <a:srgbClr val="FFFF00"/>
+          </a:solidFill>
+        </p:spPr>
+        <p:style>
+          <a:lnRef idx="2">
+            <a:schemeClr val="accent4">
+              <a:shade val="50000"/>
+            </a:schemeClr>
+          </a:lnRef>
+          <a:fillRef idx="1">
+            <a:schemeClr val="accent4"/>
+          </a:fillRef>
+          <a:effectRef idx="0">
+            <a:schemeClr val="accent4"/>
+          </a:effectRef>
+          <a:fontRef idx="minor">
+            <a:schemeClr val="lt1"/>
+          </a:fontRef>
+        </p:style>
+        <p:txBody>
+          <a:bodyPr rtlCol="0" anchor="ctr"/>
+          <a:lstStyle/>
+          <a:p>
+            <a:pPr algn="ctr"/>
+            <a:endParaRPr kumimoji="1" lang="ko-Kore-KR" altLang="en-US" sz="1600" dirty="0">
+              <a:solidFill>
+                <a:schemeClr val="tx1"/>
+              </a:solidFill>
+              <a:latin typeface="DM Mono" panose="020B0509040201040103" pitchFamily="49" charset="0"/>
+            </a:endParaRPr>
+          </a:p>
+        </p:txBody>
+      </p:sp>
+      <p:sp>
+        <p:nvSpPr>
+          <p:cNvPr id="7" name="TextBox 6">
+            <a:extLst>
+              <a:ext uri="{FF2B5EF4-FFF2-40B4-BE49-F238E27FC236}">
+                <a16:creationId xmlns:a16="http://schemas.microsoft.com/office/drawing/2014/main" id="{16363DBA-6BB5-31AE-18D7-DDA11E5D9535}"/>
+              </a:ext>
+            </a:extLst>
+          </p:cNvPr>
+          <p:cNvSpPr txBox="1"/>
+          <p:nvPr/>
+        </p:nvSpPr>
+        <p:spPr>
+          <a:xfrm>
+            <a:off x="5585843" y="2423013"/>
+            <a:ext cx="973384" cy="369332"/>
+          </a:xfrm>
+          <a:prstGeom prst="rect">
+            <a:avLst/>
+          </a:prstGeom>
+          <a:noFill/>
+        </p:spPr>
+        <p:txBody>
+          <a:bodyPr wrap="square">
+            <a:spAutoFit/>
+          </a:bodyPr>
+          <a:lstStyle/>
+          <a:p>
+            <a:pPr algn="r"/>
+            <a:r>
+              <a:rPr lang="en-US" altLang="ko-Kore-KR" dirty="0" err="1">
+                <a:latin typeface="DM Mono" panose="020B0509040201040103" pitchFamily="49" charset="0"/>
+              </a:rPr>
+              <a:t>vftp</a:t>
+            </a:r>
+            <a:endParaRPr lang="ko-Kore-KR" altLang="en-US" dirty="0"/>
+          </a:p>
+        </p:txBody>
+      </p:sp>
+      <p:sp>
+        <p:nvSpPr>
+          <p:cNvPr id="14" name="TextBox 13">
+            <a:extLst>
+              <a:ext uri="{FF2B5EF4-FFF2-40B4-BE49-F238E27FC236}">
+                <a16:creationId xmlns:a16="http://schemas.microsoft.com/office/drawing/2014/main" id="{F65602B3-21A0-F5C4-3F1D-B0D1B9DCD983}"/>
+              </a:ext>
+            </a:extLst>
+          </p:cNvPr>
+          <p:cNvSpPr txBox="1"/>
+          <p:nvPr/>
+        </p:nvSpPr>
+        <p:spPr>
+          <a:xfrm>
+            <a:off x="5522804" y="4417780"/>
+            <a:ext cx="973384" cy="369332"/>
+          </a:xfrm>
+          <a:prstGeom prst="rect">
+            <a:avLst/>
+          </a:prstGeom>
+          <a:noFill/>
+        </p:spPr>
+        <p:txBody>
+          <a:bodyPr wrap="square">
+            <a:spAutoFit/>
+          </a:bodyPr>
+          <a:lstStyle/>
+          <a:p>
+            <a:pPr algn="r"/>
+            <a:r>
+              <a:rPr lang="en-US" altLang="ko-Kore-KR" dirty="0" err="1">
+                <a:latin typeface="DM Mono" panose="020B0509040201040103" pitchFamily="49" charset="0"/>
+              </a:rPr>
+              <a:t>vftp</a:t>
+            </a:r>
+            <a:endParaRPr lang="ko-Kore-KR" altLang="en-US" dirty="0"/>
+          </a:p>
+        </p:txBody>
+      </p:sp>
+      <p:sp>
+        <p:nvSpPr>
+          <p:cNvPr id="15" name="직사각형 14">
+            <a:extLst>
+              <a:ext uri="{FF2B5EF4-FFF2-40B4-BE49-F238E27FC236}">
+                <a16:creationId xmlns:a16="http://schemas.microsoft.com/office/drawing/2014/main" id="{F411EF05-36A6-0220-AE51-488F3660B278}"/>
+              </a:ext>
+            </a:extLst>
+          </p:cNvPr>
+          <p:cNvSpPr/>
+          <p:nvPr/>
+        </p:nvSpPr>
+        <p:spPr>
+          <a:xfrm>
+            <a:off x="8738834" y="643974"/>
+            <a:ext cx="2277097" cy="543464"/>
+          </a:xfrm>
+          <a:prstGeom prst="rect">
+            <a:avLst/>
+          </a:prstGeom>
+          <a:solidFill>
+            <a:srgbClr val="FFFF00"/>
+          </a:solidFill>
+        </p:spPr>
+        <p:style>
+          <a:lnRef idx="2">
+            <a:schemeClr val="accent4">
+              <a:shade val="50000"/>
+            </a:schemeClr>
+          </a:lnRef>
+          <a:fillRef idx="1">
+            <a:schemeClr val="accent4"/>
+          </a:fillRef>
+          <a:effectRef idx="0">
+            <a:schemeClr val="accent4"/>
+          </a:effectRef>
+          <a:fontRef idx="minor">
+            <a:schemeClr val="lt1"/>
+          </a:fontRef>
+        </p:style>
+        <p:txBody>
+          <a:bodyPr rtlCol="0" anchor="ctr"/>
+          <a:lstStyle/>
+          <a:p>
+            <a:pPr algn="ctr"/>
+            <a:r>
+              <a:rPr kumimoji="1" lang="en-US" altLang="ko-Kore-KR" sz="1600" dirty="0">
+                <a:solidFill>
+                  <a:schemeClr val="tx1"/>
+                </a:solidFill>
+                <a:latin typeface="DM Mono" panose="020B0509040201040103" pitchFamily="49" charset="0"/>
+              </a:rPr>
+              <a:t>&amp;Animal::Go</a:t>
+            </a:r>
+            <a:endParaRPr kumimoji="1" lang="ko-Kore-KR" altLang="en-US" sz="1600" dirty="0">
+              <a:solidFill>
+                <a:schemeClr val="tx1"/>
+              </a:solidFill>
+              <a:latin typeface="DM Mono" panose="020B0509040201040103" pitchFamily="49" charset="0"/>
+            </a:endParaRPr>
+          </a:p>
+        </p:txBody>
+      </p:sp>
+      <p:sp>
+        <p:nvSpPr>
+          <p:cNvPr id="19" name="TextBox 18">
+            <a:extLst>
+              <a:ext uri="{FF2B5EF4-FFF2-40B4-BE49-F238E27FC236}">
+                <a16:creationId xmlns:a16="http://schemas.microsoft.com/office/drawing/2014/main" id="{1DF3FDD2-6A46-C25A-4DB9-7B8AFC6A6E8A}"/>
+              </a:ext>
+            </a:extLst>
+          </p:cNvPr>
+          <p:cNvSpPr txBox="1"/>
+          <p:nvPr/>
+        </p:nvSpPr>
+        <p:spPr>
+          <a:xfrm>
+            <a:off x="9387696" y="274642"/>
+            <a:ext cx="1119277" cy="369332"/>
+          </a:xfrm>
+          <a:prstGeom prst="rect">
+            <a:avLst/>
+          </a:prstGeom>
+          <a:noFill/>
+        </p:spPr>
+        <p:txBody>
+          <a:bodyPr wrap="square">
+            <a:spAutoFit/>
+          </a:bodyPr>
+          <a:lstStyle/>
+          <a:p>
+            <a:r>
+              <a:rPr lang="en-US" altLang="ko-Kore-KR" dirty="0">
+                <a:latin typeface="DM Mono" panose="020B0509040201040103" pitchFamily="49" charset="0"/>
+              </a:rPr>
+              <a:t>Animal</a:t>
+            </a:r>
+            <a:endParaRPr lang="ko-Kore-KR" altLang="en-US" dirty="0"/>
+          </a:p>
+        </p:txBody>
+      </p:sp>
+      <p:cxnSp>
+        <p:nvCxnSpPr>
+          <p:cNvPr id="21" name="구부러진 연결선[U] 20">
+            <a:extLst>
+              <a:ext uri="{FF2B5EF4-FFF2-40B4-BE49-F238E27FC236}">
+                <a16:creationId xmlns:a16="http://schemas.microsoft.com/office/drawing/2014/main" id="{36E4A824-6EE2-67D2-4617-AE35EA3C5C15}"/>
+              </a:ext>
+            </a:extLst>
+          </p:cNvPr>
+          <p:cNvCxnSpPr>
+            <a:stCxn id="4" idx="3"/>
+            <a:endCxn id="15" idx="1"/>
+          </p:cNvCxnSpPr>
+          <p:nvPr/>
+        </p:nvCxnSpPr>
+        <p:spPr>
+          <a:xfrm flipV="1">
+            <a:off x="7801431" y="915706"/>
+            <a:ext cx="937403" cy="1710905"/>
+          </a:xfrm>
+          <a:prstGeom prst="curvedConnector3">
+            <a:avLst/>
+          </a:prstGeom>
+          <a:ln>
+            <a:tailEnd type="triangle"/>
+          </a:ln>
+        </p:spPr>
+        <p:style>
+          <a:lnRef idx="1">
+            <a:schemeClr val="dk1"/>
+          </a:lnRef>
+          <a:fillRef idx="0">
+            <a:schemeClr val="dk1"/>
+          </a:fillRef>
+          <a:effectRef idx="0">
+            <a:schemeClr val="dk1"/>
+          </a:effectRef>
+          <a:fontRef idx="minor">
+            <a:schemeClr val="tx1"/>
+          </a:fontRef>
+        </p:style>
+      </p:cxnSp>
+      <p:sp>
+        <p:nvSpPr>
+          <p:cNvPr id="22" name="직사각형 21">
+            <a:extLst>
+              <a:ext uri="{FF2B5EF4-FFF2-40B4-BE49-F238E27FC236}">
+                <a16:creationId xmlns:a16="http://schemas.microsoft.com/office/drawing/2014/main" id="{4C051FE3-E821-1F40-9457-516499E1341B}"/>
+              </a:ext>
+            </a:extLst>
+          </p:cNvPr>
+          <p:cNvSpPr/>
+          <p:nvPr/>
+        </p:nvSpPr>
+        <p:spPr>
+          <a:xfrm>
+            <a:off x="9207536" y="2626611"/>
+            <a:ext cx="2277097" cy="543464"/>
+          </a:xfrm>
+          <a:prstGeom prst="rect">
+            <a:avLst/>
+          </a:prstGeom>
+          <a:solidFill>
+            <a:srgbClr val="FFFF00"/>
+          </a:solidFill>
+        </p:spPr>
+        <p:style>
+          <a:lnRef idx="2">
+            <a:schemeClr val="accent4">
+              <a:shade val="50000"/>
+            </a:schemeClr>
+          </a:lnRef>
+          <a:fillRef idx="1">
+            <a:schemeClr val="accent4"/>
+          </a:fillRef>
+          <a:effectRef idx="0">
+            <a:schemeClr val="accent4"/>
+          </a:effectRef>
+          <a:fontRef idx="minor">
+            <a:schemeClr val="lt1"/>
+          </a:fontRef>
+        </p:style>
+        <p:txBody>
+          <a:bodyPr rtlCol="0" anchor="ctr"/>
+          <a:lstStyle/>
+          <a:p>
+            <a:pPr algn="ctr"/>
+            <a:r>
+              <a:rPr kumimoji="1" lang="en-US" altLang="ko-Kore-KR" sz="1600" dirty="0">
+                <a:solidFill>
+                  <a:schemeClr val="tx1"/>
+                </a:solidFill>
+                <a:latin typeface="DM Mono" panose="020B0509040201040103" pitchFamily="49" charset="0"/>
+              </a:rPr>
+              <a:t>&amp;Animal::Go</a:t>
+            </a:r>
+            <a:endParaRPr kumimoji="1" lang="ko-Kore-KR" altLang="en-US" sz="1600" dirty="0">
+              <a:solidFill>
+                <a:schemeClr val="tx1"/>
+              </a:solidFill>
+              <a:latin typeface="DM Mono" panose="020B0509040201040103" pitchFamily="49" charset="0"/>
+            </a:endParaRPr>
+          </a:p>
+        </p:txBody>
+      </p:sp>
+      <p:cxnSp>
+        <p:nvCxnSpPr>
+          <p:cNvPr id="23" name="구부러진 연결선[U] 22">
+            <a:extLst>
+              <a:ext uri="{FF2B5EF4-FFF2-40B4-BE49-F238E27FC236}">
+                <a16:creationId xmlns:a16="http://schemas.microsoft.com/office/drawing/2014/main" id="{862EEC96-FD5A-E282-4CC0-334CF11BD97D}"/>
+              </a:ext>
+            </a:extLst>
+          </p:cNvPr>
+          <p:cNvCxnSpPr>
+            <a:cxnSpLocks/>
+            <a:stCxn id="6" idx="3"/>
+            <a:endCxn id="22" idx="1"/>
+          </p:cNvCxnSpPr>
+          <p:nvPr/>
+        </p:nvCxnSpPr>
+        <p:spPr>
+          <a:xfrm flipV="1">
+            <a:off x="7801431" y="2898343"/>
+            <a:ext cx="1406105" cy="1704103"/>
+          </a:xfrm>
+          <a:prstGeom prst="curvedConnector3">
+            <a:avLst/>
+          </a:prstGeom>
+          <a:ln>
+            <a:tailEnd type="triangle"/>
+          </a:ln>
+        </p:spPr>
+        <p:style>
+          <a:lnRef idx="1">
+            <a:schemeClr val="dk1"/>
+          </a:lnRef>
+          <a:fillRef idx="0">
+            <a:schemeClr val="dk1"/>
+          </a:fillRef>
+          <a:effectRef idx="0">
+            <a:schemeClr val="dk1"/>
+          </a:effectRef>
+          <a:fontRef idx="minor">
+            <a:schemeClr val="tx1"/>
+          </a:fontRef>
+        </p:style>
+      </p:cxnSp>
+      <p:sp>
+        <p:nvSpPr>
+          <p:cNvPr id="25" name="TextBox 24">
+            <a:extLst>
+              <a:ext uri="{FF2B5EF4-FFF2-40B4-BE49-F238E27FC236}">
+                <a16:creationId xmlns:a16="http://schemas.microsoft.com/office/drawing/2014/main" id="{0960025B-697D-C478-93AE-7E999DA7DB7B}"/>
+              </a:ext>
+            </a:extLst>
+          </p:cNvPr>
+          <p:cNvSpPr txBox="1"/>
+          <p:nvPr/>
+        </p:nvSpPr>
+        <p:spPr>
+          <a:xfrm>
+            <a:off x="9786445" y="2210636"/>
+            <a:ext cx="1119277" cy="369332"/>
+          </a:xfrm>
+          <a:prstGeom prst="rect">
+            <a:avLst/>
+          </a:prstGeom>
+          <a:noFill/>
+        </p:spPr>
+        <p:txBody>
+          <a:bodyPr wrap="square">
+            <a:spAutoFit/>
+          </a:bodyPr>
+          <a:lstStyle/>
+          <a:p>
+            <a:r>
+              <a:rPr lang="en-US" altLang="ko-Kore-KR" dirty="0">
+                <a:latin typeface="DM Mono" panose="020B0509040201040103" pitchFamily="49" charset="0"/>
+              </a:rPr>
+              <a:t>Dog</a:t>
+            </a:r>
+            <a:endParaRPr lang="ko-Kore-KR" altLang="en-US" dirty="0"/>
+          </a:p>
+        </p:txBody>
+      </p:sp>
+      <p:sp>
+        <p:nvSpPr>
+          <p:cNvPr id="26" name="직사각형 25">
+            <a:extLst>
+              <a:ext uri="{FF2B5EF4-FFF2-40B4-BE49-F238E27FC236}">
+                <a16:creationId xmlns:a16="http://schemas.microsoft.com/office/drawing/2014/main" id="{49621CC7-11EA-401A-0776-D420D1090983}"/>
+              </a:ext>
+            </a:extLst>
+          </p:cNvPr>
+          <p:cNvSpPr/>
+          <p:nvPr/>
+        </p:nvSpPr>
+        <p:spPr>
+          <a:xfrm>
+            <a:off x="6478618" y="1159870"/>
+            <a:ext cx="1242204" cy="543464"/>
+          </a:xfrm>
+          <a:prstGeom prst="rect">
+            <a:avLst/>
+          </a:prstGeom>
+          <a:solidFill>
+            <a:srgbClr val="FFC000"/>
+          </a:solidFill>
+        </p:spPr>
+        <p:style>
+          <a:lnRef idx="2">
+            <a:schemeClr val="accent4">
+              <a:shade val="50000"/>
+            </a:schemeClr>
+          </a:lnRef>
+          <a:fillRef idx="1">
+            <a:schemeClr val="accent4"/>
+          </a:fillRef>
+          <a:effectRef idx="0">
+            <a:schemeClr val="accent4"/>
+          </a:effectRef>
+          <a:fontRef idx="minor">
+            <a:schemeClr val="lt1"/>
+          </a:fontRef>
+        </p:style>
+        <p:txBody>
+          <a:bodyPr rtlCol="0" anchor="ctr"/>
+          <a:lstStyle/>
+          <a:p>
+            <a:pPr algn="ctr"/>
+            <a:endParaRPr kumimoji="1" lang="ko-Kore-KR" altLang="en-US" sz="1600" dirty="0">
+              <a:solidFill>
+                <a:schemeClr val="tx1"/>
+              </a:solidFill>
+              <a:latin typeface="DM Mono" panose="020B0509040201040103" pitchFamily="49" charset="0"/>
+            </a:endParaRPr>
+          </a:p>
+        </p:txBody>
+      </p:sp>
+      <p:sp>
+        <p:nvSpPr>
+          <p:cNvPr id="27" name="TextBox 26">
+            <a:extLst>
+              <a:ext uri="{FF2B5EF4-FFF2-40B4-BE49-F238E27FC236}">
+                <a16:creationId xmlns:a16="http://schemas.microsoft.com/office/drawing/2014/main" id="{0D529B5A-41F1-E91E-DFF8-6E176187431C}"/>
+              </a:ext>
+            </a:extLst>
+          </p:cNvPr>
+          <p:cNvSpPr txBox="1"/>
+          <p:nvPr/>
+        </p:nvSpPr>
+        <p:spPr>
+          <a:xfrm>
+            <a:off x="6182168" y="240087"/>
+            <a:ext cx="1735298" cy="369332"/>
+          </a:xfrm>
+          <a:prstGeom prst="rect">
+            <a:avLst/>
+          </a:prstGeom>
+          <a:noFill/>
+        </p:spPr>
+        <p:txBody>
+          <a:bodyPr wrap="square">
+            <a:spAutoFit/>
+          </a:bodyPr>
+          <a:lstStyle/>
+          <a:p>
+            <a:pPr algn="ctr"/>
+            <a:r>
+              <a:rPr lang="en-US" altLang="ko-Kore-KR" dirty="0">
+                <a:latin typeface="DM Mono" panose="020B0509040201040103" pitchFamily="49" charset="0"/>
+              </a:rPr>
+              <a:t>Animal a</a:t>
+            </a:r>
+            <a:endParaRPr lang="ko-Kore-KR" altLang="en-US" dirty="0"/>
+          </a:p>
+        </p:txBody>
+      </p:sp>
+      <p:sp>
+        <p:nvSpPr>
+          <p:cNvPr id="28" name="TextBox 27">
+            <a:extLst>
+              <a:ext uri="{FF2B5EF4-FFF2-40B4-BE49-F238E27FC236}">
+                <a16:creationId xmlns:a16="http://schemas.microsoft.com/office/drawing/2014/main" id="{BDA1FDB6-DF3A-8096-A470-C27011B627F7}"/>
+              </a:ext>
+            </a:extLst>
+          </p:cNvPr>
+          <p:cNvSpPr txBox="1"/>
+          <p:nvPr/>
+        </p:nvSpPr>
+        <p:spPr>
+          <a:xfrm>
+            <a:off x="5505235" y="1246936"/>
+            <a:ext cx="973384" cy="369332"/>
+          </a:xfrm>
+          <a:prstGeom prst="rect">
+            <a:avLst/>
+          </a:prstGeom>
+          <a:noFill/>
+        </p:spPr>
+        <p:txBody>
+          <a:bodyPr wrap="square">
+            <a:spAutoFit/>
+          </a:bodyPr>
+          <a:lstStyle/>
+          <a:p>
+            <a:pPr algn="r"/>
+            <a:r>
+              <a:rPr lang="en-US" altLang="ko-Kore-KR" dirty="0">
+                <a:latin typeface="DM Mono" panose="020B0509040201040103" pitchFamily="49" charset="0"/>
+              </a:rPr>
+              <a:t>color</a:t>
+            </a:r>
+            <a:endParaRPr lang="ko-Kore-KR" altLang="en-US" dirty="0"/>
+          </a:p>
+        </p:txBody>
+      </p:sp>
+      <p:sp>
+        <p:nvSpPr>
+          <p:cNvPr id="29" name="직사각형 28">
+            <a:extLst>
+              <a:ext uri="{FF2B5EF4-FFF2-40B4-BE49-F238E27FC236}">
+                <a16:creationId xmlns:a16="http://schemas.microsoft.com/office/drawing/2014/main" id="{826EC69F-50B3-82D1-0DA1-8ECD5742E9B6}"/>
+              </a:ext>
+            </a:extLst>
+          </p:cNvPr>
+          <p:cNvSpPr/>
+          <p:nvPr/>
+        </p:nvSpPr>
+        <p:spPr>
+          <a:xfrm>
+            <a:off x="6478618" y="616406"/>
+            <a:ext cx="1242204" cy="543464"/>
+          </a:xfrm>
+          <a:prstGeom prst="rect">
+            <a:avLst/>
+          </a:prstGeom>
+          <a:solidFill>
+            <a:srgbClr val="FFFF00"/>
+          </a:solidFill>
+        </p:spPr>
+        <p:style>
+          <a:lnRef idx="2">
+            <a:schemeClr val="accent4">
+              <a:shade val="50000"/>
+            </a:schemeClr>
+          </a:lnRef>
+          <a:fillRef idx="1">
+            <a:schemeClr val="accent4"/>
+          </a:fillRef>
+          <a:effectRef idx="0">
+            <a:schemeClr val="accent4"/>
+          </a:effectRef>
+          <a:fontRef idx="minor">
+            <a:schemeClr val="lt1"/>
+          </a:fontRef>
+        </p:style>
+        <p:txBody>
+          <a:bodyPr rtlCol="0" anchor="ctr"/>
+          <a:lstStyle/>
+          <a:p>
+            <a:pPr algn="ctr"/>
+            <a:endParaRPr kumimoji="1" lang="ko-Kore-KR" altLang="en-US" sz="1600" dirty="0">
+              <a:solidFill>
+                <a:schemeClr val="tx1"/>
+              </a:solidFill>
+              <a:latin typeface="DM Mono" panose="020B0509040201040103" pitchFamily="49" charset="0"/>
+            </a:endParaRPr>
+          </a:p>
+        </p:txBody>
+      </p:sp>
+      <p:sp>
+        <p:nvSpPr>
+          <p:cNvPr id="30" name="TextBox 29">
+            <a:extLst>
+              <a:ext uri="{FF2B5EF4-FFF2-40B4-BE49-F238E27FC236}">
+                <a16:creationId xmlns:a16="http://schemas.microsoft.com/office/drawing/2014/main" id="{E780F370-6EE9-52EC-F848-ECFFA3E865DB}"/>
+              </a:ext>
+            </a:extLst>
+          </p:cNvPr>
+          <p:cNvSpPr txBox="1"/>
+          <p:nvPr/>
+        </p:nvSpPr>
+        <p:spPr>
+          <a:xfrm>
+            <a:off x="5505234" y="684540"/>
+            <a:ext cx="973384" cy="369332"/>
+          </a:xfrm>
+          <a:prstGeom prst="rect">
+            <a:avLst/>
+          </a:prstGeom>
+          <a:noFill/>
+        </p:spPr>
+        <p:txBody>
+          <a:bodyPr wrap="square">
+            <a:spAutoFit/>
+          </a:bodyPr>
+          <a:lstStyle/>
+          <a:p>
+            <a:pPr algn="r"/>
+            <a:r>
+              <a:rPr lang="en-US" altLang="ko-Kore-KR" dirty="0" err="1">
+                <a:latin typeface="DM Mono" panose="020B0509040201040103" pitchFamily="49" charset="0"/>
+              </a:rPr>
+              <a:t>vftp</a:t>
+            </a:r>
+            <a:endParaRPr lang="ko-Kore-KR" altLang="en-US" dirty="0"/>
+          </a:p>
+        </p:txBody>
+      </p:sp>
+      <p:cxnSp>
+        <p:nvCxnSpPr>
+          <p:cNvPr id="31" name="구부러진 연결선[U] 30">
+            <a:extLst>
+              <a:ext uri="{FF2B5EF4-FFF2-40B4-BE49-F238E27FC236}">
+                <a16:creationId xmlns:a16="http://schemas.microsoft.com/office/drawing/2014/main" id="{C42FC7B3-D0E2-519F-161B-73395E5CA79E}"/>
+              </a:ext>
+            </a:extLst>
+          </p:cNvPr>
+          <p:cNvCxnSpPr>
+            <a:cxnSpLocks/>
+            <a:stCxn id="29" idx="3"/>
+            <a:endCxn id="15" idx="1"/>
+          </p:cNvCxnSpPr>
+          <p:nvPr/>
+        </p:nvCxnSpPr>
+        <p:spPr>
+          <a:xfrm>
+            <a:off x="7720822" y="888138"/>
+            <a:ext cx="1018012" cy="27568"/>
+          </a:xfrm>
+          <a:prstGeom prst="curvedConnector3">
+            <a:avLst/>
+          </a:prstGeom>
+          <a:ln>
+            <a:tailEnd type="triangle"/>
+          </a:ln>
+        </p:spPr>
+        <p:style>
+          <a:lnRef idx="1">
+            <a:schemeClr val="dk1"/>
+          </a:lnRef>
+          <a:fillRef idx="0">
+            <a:schemeClr val="dk1"/>
+          </a:fillRef>
+          <a:effectRef idx="0">
+            <a:schemeClr val="dk1"/>
+          </a:effectRef>
+          <a:fontRef idx="minor">
+            <a:schemeClr val="tx1"/>
+          </a:fontRef>
+        </p:style>
+      </p:cxnSp>
+      <p:sp>
+        <p:nvSpPr>
+          <p:cNvPr id="40" name="직사각형 39">
+            <a:extLst>
+              <a:ext uri="{FF2B5EF4-FFF2-40B4-BE49-F238E27FC236}">
+                <a16:creationId xmlns:a16="http://schemas.microsoft.com/office/drawing/2014/main" id="{2731C973-1782-96CE-DC2B-F3227A403FEE}"/>
+              </a:ext>
+            </a:extLst>
+          </p:cNvPr>
+          <p:cNvSpPr/>
+          <p:nvPr/>
+        </p:nvSpPr>
+        <p:spPr>
+          <a:xfrm>
+            <a:off x="9456520" y="5256558"/>
+            <a:ext cx="1242204" cy="543464"/>
+          </a:xfrm>
+          <a:prstGeom prst="rect">
+            <a:avLst/>
+          </a:prstGeom>
+          <a:solidFill>
+            <a:srgbClr val="FFC000"/>
+          </a:solidFill>
+        </p:spPr>
+        <p:style>
+          <a:lnRef idx="2">
+            <a:schemeClr val="accent4">
+              <a:shade val="50000"/>
+            </a:schemeClr>
+          </a:lnRef>
+          <a:fillRef idx="1">
+            <a:schemeClr val="accent4"/>
+          </a:fillRef>
+          <a:effectRef idx="0">
+            <a:schemeClr val="accent4"/>
+          </a:effectRef>
+          <a:fontRef idx="minor">
+            <a:schemeClr val="lt1"/>
+          </a:fontRef>
+        </p:style>
+        <p:txBody>
+          <a:bodyPr rtlCol="0" anchor="ctr"/>
+          <a:lstStyle/>
+          <a:p>
+            <a:pPr algn="ctr"/>
+            <a:endParaRPr kumimoji="1" lang="ko-Kore-KR" altLang="en-US" sz="1600" dirty="0">
+              <a:solidFill>
+                <a:schemeClr val="tx1"/>
+              </a:solidFill>
+              <a:latin typeface="DM Mono" panose="020B0509040201040103" pitchFamily="49" charset="0"/>
+            </a:endParaRPr>
+          </a:p>
+        </p:txBody>
+      </p:sp>
+      <p:sp>
+        <p:nvSpPr>
+          <p:cNvPr id="41" name="TextBox 40">
+            <a:extLst>
+              <a:ext uri="{FF2B5EF4-FFF2-40B4-BE49-F238E27FC236}">
+                <a16:creationId xmlns:a16="http://schemas.microsoft.com/office/drawing/2014/main" id="{226451D4-C9AB-2DB7-DDAA-63723D7FFFA2}"/>
+              </a:ext>
+            </a:extLst>
+          </p:cNvPr>
+          <p:cNvSpPr txBox="1"/>
+          <p:nvPr/>
+        </p:nvSpPr>
+        <p:spPr>
+          <a:xfrm>
+            <a:off x="9638214" y="4289743"/>
+            <a:ext cx="878816" cy="369332"/>
+          </a:xfrm>
+          <a:prstGeom prst="rect">
+            <a:avLst/>
+          </a:prstGeom>
+          <a:noFill/>
+        </p:spPr>
+        <p:txBody>
+          <a:bodyPr wrap="square">
+            <a:spAutoFit/>
+          </a:bodyPr>
+          <a:lstStyle/>
+          <a:p>
+            <a:r>
+              <a:rPr lang="en-US" altLang="ko-Kore-KR" dirty="0">
+                <a:latin typeface="DM Mono" panose="020B0509040201040103" pitchFamily="49" charset="0"/>
+              </a:rPr>
+              <a:t>Dog d</a:t>
+            </a:r>
+            <a:endParaRPr lang="ko-Kore-KR" altLang="en-US" dirty="0"/>
+          </a:p>
+        </p:txBody>
+      </p:sp>
+      <p:sp>
+        <p:nvSpPr>
+          <p:cNvPr id="42" name="TextBox 41">
+            <a:extLst>
+              <a:ext uri="{FF2B5EF4-FFF2-40B4-BE49-F238E27FC236}">
+                <a16:creationId xmlns:a16="http://schemas.microsoft.com/office/drawing/2014/main" id="{66EA52EC-6D91-1938-DBE2-5CF0CC65F515}"/>
+              </a:ext>
+            </a:extLst>
+          </p:cNvPr>
+          <p:cNvSpPr txBox="1"/>
+          <p:nvPr/>
+        </p:nvSpPr>
+        <p:spPr>
+          <a:xfrm>
+            <a:off x="8103189" y="5343624"/>
+            <a:ext cx="1353331" cy="369332"/>
+          </a:xfrm>
+          <a:prstGeom prst="rect">
+            <a:avLst/>
+          </a:prstGeom>
+          <a:noFill/>
+        </p:spPr>
+        <p:txBody>
+          <a:bodyPr wrap="square">
+            <a:spAutoFit/>
+          </a:bodyPr>
+          <a:lstStyle/>
+          <a:p>
+            <a:pPr algn="r"/>
+            <a:r>
+              <a:rPr lang="en-US" altLang="ko-Kore-KR" dirty="0">
+                <a:latin typeface="DM Mono" panose="020B0509040201040103" pitchFamily="49" charset="0"/>
+              </a:rPr>
+              <a:t>color</a:t>
+            </a:r>
+            <a:endParaRPr lang="ko-Kore-KR" altLang="en-US" dirty="0"/>
+          </a:p>
+        </p:txBody>
+      </p:sp>
+      <p:sp>
+        <p:nvSpPr>
+          <p:cNvPr id="43" name="직사각형 42">
+            <a:extLst>
+              <a:ext uri="{FF2B5EF4-FFF2-40B4-BE49-F238E27FC236}">
+                <a16:creationId xmlns:a16="http://schemas.microsoft.com/office/drawing/2014/main" id="{0F89E525-4E40-2B29-187F-813E005B2D31}"/>
+              </a:ext>
+            </a:extLst>
+          </p:cNvPr>
+          <p:cNvSpPr/>
+          <p:nvPr/>
+        </p:nvSpPr>
+        <p:spPr>
+          <a:xfrm>
+            <a:off x="9456520" y="5796772"/>
+            <a:ext cx="1242204" cy="543464"/>
+          </a:xfrm>
+          <a:prstGeom prst="rect">
+            <a:avLst/>
+          </a:prstGeom>
+          <a:solidFill>
+            <a:srgbClr val="FFFF00"/>
+          </a:solidFill>
+        </p:spPr>
+        <p:style>
+          <a:lnRef idx="2">
+            <a:schemeClr val="accent4">
+              <a:shade val="50000"/>
+            </a:schemeClr>
+          </a:lnRef>
+          <a:fillRef idx="1">
+            <a:schemeClr val="accent4"/>
+          </a:fillRef>
+          <a:effectRef idx="0">
+            <a:schemeClr val="accent4"/>
+          </a:effectRef>
+          <a:fontRef idx="minor">
+            <a:schemeClr val="lt1"/>
+          </a:fontRef>
+        </p:style>
+        <p:txBody>
+          <a:bodyPr rtlCol="0" anchor="ctr"/>
+          <a:lstStyle/>
+          <a:p>
+            <a:pPr algn="ctr"/>
+            <a:endParaRPr kumimoji="1" lang="ko-Kore-KR" altLang="en-US" sz="1600" dirty="0">
+              <a:solidFill>
+                <a:schemeClr val="tx1"/>
+              </a:solidFill>
+              <a:latin typeface="DM Mono" panose="020B0509040201040103" pitchFamily="49" charset="0"/>
+            </a:endParaRPr>
+          </a:p>
+        </p:txBody>
+      </p:sp>
+      <p:sp>
+        <p:nvSpPr>
+          <p:cNvPr id="44" name="TextBox 43">
+            <a:extLst>
+              <a:ext uri="{FF2B5EF4-FFF2-40B4-BE49-F238E27FC236}">
+                <a16:creationId xmlns:a16="http://schemas.microsoft.com/office/drawing/2014/main" id="{93766753-D3BA-DAB3-BBE4-069907583439}"/>
+              </a:ext>
+            </a:extLst>
+          </p:cNvPr>
+          <p:cNvSpPr txBox="1"/>
+          <p:nvPr/>
+        </p:nvSpPr>
+        <p:spPr>
+          <a:xfrm>
+            <a:off x="8518547" y="5883838"/>
+            <a:ext cx="937973" cy="369332"/>
+          </a:xfrm>
+          <a:prstGeom prst="rect">
+            <a:avLst/>
+          </a:prstGeom>
+          <a:noFill/>
+        </p:spPr>
+        <p:txBody>
+          <a:bodyPr wrap="square">
+            <a:spAutoFit/>
+          </a:bodyPr>
+          <a:lstStyle/>
+          <a:p>
+            <a:pPr algn="r"/>
+            <a:r>
+              <a:rPr lang="en-US" altLang="ko-Kore-KR" dirty="0">
+                <a:latin typeface="DM Mono" panose="020B0509040201040103" pitchFamily="49" charset="0"/>
+              </a:rPr>
+              <a:t>age</a:t>
+            </a:r>
+            <a:endParaRPr lang="ko-Kore-KR" altLang="en-US" dirty="0"/>
+          </a:p>
+        </p:txBody>
+      </p:sp>
+      <p:sp>
+        <p:nvSpPr>
+          <p:cNvPr id="45" name="직사각형 44">
+            <a:extLst>
+              <a:ext uri="{FF2B5EF4-FFF2-40B4-BE49-F238E27FC236}">
+                <a16:creationId xmlns:a16="http://schemas.microsoft.com/office/drawing/2014/main" id="{8DB82E24-202C-B7A0-CD4E-0D9850D5771E}"/>
+              </a:ext>
+            </a:extLst>
+          </p:cNvPr>
+          <p:cNvSpPr/>
+          <p:nvPr/>
+        </p:nvSpPr>
+        <p:spPr>
+          <a:xfrm>
+            <a:off x="9456520" y="4697647"/>
+            <a:ext cx="1242204" cy="543464"/>
+          </a:xfrm>
+          <a:prstGeom prst="rect">
+            <a:avLst/>
+          </a:prstGeom>
+          <a:solidFill>
+            <a:srgbClr val="FFFF00"/>
+          </a:solidFill>
+        </p:spPr>
+        <p:style>
+          <a:lnRef idx="2">
+            <a:schemeClr val="accent4">
+              <a:shade val="50000"/>
+            </a:schemeClr>
+          </a:lnRef>
+          <a:fillRef idx="1">
+            <a:schemeClr val="accent4"/>
+          </a:fillRef>
+          <a:effectRef idx="0">
+            <a:schemeClr val="accent4"/>
+          </a:effectRef>
+          <a:fontRef idx="minor">
+            <a:schemeClr val="lt1"/>
+          </a:fontRef>
+        </p:style>
+        <p:txBody>
+          <a:bodyPr rtlCol="0" anchor="ctr"/>
+          <a:lstStyle/>
+          <a:p>
+            <a:pPr algn="ctr"/>
+            <a:endParaRPr kumimoji="1" lang="ko-Kore-KR" altLang="en-US" sz="1600" dirty="0">
+              <a:solidFill>
+                <a:schemeClr val="tx1"/>
+              </a:solidFill>
+              <a:latin typeface="DM Mono" panose="020B0509040201040103" pitchFamily="49" charset="0"/>
+            </a:endParaRPr>
+          </a:p>
+        </p:txBody>
+      </p:sp>
+      <p:sp>
+        <p:nvSpPr>
+          <p:cNvPr id="46" name="TextBox 45">
+            <a:extLst>
+              <a:ext uri="{FF2B5EF4-FFF2-40B4-BE49-F238E27FC236}">
+                <a16:creationId xmlns:a16="http://schemas.microsoft.com/office/drawing/2014/main" id="{C483187A-BBC9-1837-66A7-9EEA4F188AFC}"/>
+              </a:ext>
+            </a:extLst>
+          </p:cNvPr>
+          <p:cNvSpPr txBox="1"/>
+          <p:nvPr/>
+        </p:nvSpPr>
+        <p:spPr>
+          <a:xfrm>
+            <a:off x="8420097" y="4784713"/>
+            <a:ext cx="973384" cy="369332"/>
+          </a:xfrm>
+          <a:prstGeom prst="rect">
+            <a:avLst/>
+          </a:prstGeom>
+          <a:noFill/>
+        </p:spPr>
+        <p:txBody>
+          <a:bodyPr wrap="square">
+            <a:spAutoFit/>
+          </a:bodyPr>
+          <a:lstStyle/>
+          <a:p>
+            <a:pPr algn="r"/>
+            <a:r>
+              <a:rPr lang="en-US" altLang="ko-Kore-KR" dirty="0" err="1">
+                <a:latin typeface="DM Mono" panose="020B0509040201040103" pitchFamily="49" charset="0"/>
+              </a:rPr>
+              <a:t>vftp</a:t>
+            </a:r>
+            <a:endParaRPr lang="ko-Kore-KR" altLang="en-US" dirty="0"/>
+          </a:p>
+        </p:txBody>
+      </p:sp>
+      <p:cxnSp>
+        <p:nvCxnSpPr>
+          <p:cNvPr id="47" name="구부러진 연결선[U] 46">
+            <a:extLst>
+              <a:ext uri="{FF2B5EF4-FFF2-40B4-BE49-F238E27FC236}">
+                <a16:creationId xmlns:a16="http://schemas.microsoft.com/office/drawing/2014/main" id="{588482E4-322A-C07F-2F5B-8A7C840BD3DA}"/>
+              </a:ext>
+            </a:extLst>
+          </p:cNvPr>
+          <p:cNvCxnSpPr>
+            <a:cxnSpLocks/>
+            <a:stCxn id="45" idx="3"/>
+            <a:endCxn id="22" idx="1"/>
+          </p:cNvCxnSpPr>
+          <p:nvPr/>
+        </p:nvCxnSpPr>
+        <p:spPr>
+          <a:xfrm flipH="1" flipV="1">
+            <a:off x="9207536" y="2898343"/>
+            <a:ext cx="1491188" cy="2071036"/>
+          </a:xfrm>
+          <a:prstGeom prst="curvedConnector5">
+            <a:avLst>
+              <a:gd name="adj1" fmla="val -15330"/>
+              <a:gd name="adj2" fmla="val 50000"/>
+              <a:gd name="adj3" fmla="val 115330"/>
+            </a:avLst>
+          </a:prstGeom>
+          <a:ln>
+            <a:tailEnd type="triangle"/>
+          </a:ln>
+        </p:spPr>
+        <p:style>
+          <a:lnRef idx="1">
+            <a:schemeClr val="dk1"/>
+          </a:lnRef>
+          <a:fillRef idx="0">
+            <a:schemeClr val="dk1"/>
+          </a:fillRef>
+          <a:effectRef idx="0">
+            <a:schemeClr val="dk1"/>
+          </a:effectRef>
+          <a:fontRef idx="minor">
+            <a:schemeClr val="tx1"/>
+          </a:fontRef>
+        </p:style>
+      </p:cxnSp>
+      <p:sp>
+        <p:nvSpPr>
+          <p:cNvPr id="2" name="직사각형 1">
+            <a:extLst>
+              <a:ext uri="{FF2B5EF4-FFF2-40B4-BE49-F238E27FC236}">
+                <a16:creationId xmlns:a16="http://schemas.microsoft.com/office/drawing/2014/main" id="{2361E698-67EF-670C-9725-1B608BF1FE9C}"/>
+              </a:ext>
+            </a:extLst>
+          </p:cNvPr>
+          <p:cNvSpPr/>
+          <p:nvPr/>
+        </p:nvSpPr>
+        <p:spPr>
+          <a:xfrm>
+            <a:off x="8738834" y="1192920"/>
+            <a:ext cx="2277097" cy="543464"/>
+          </a:xfrm>
+          <a:prstGeom prst="rect">
+            <a:avLst/>
+          </a:prstGeom>
+          <a:solidFill>
+            <a:srgbClr val="FFFF00"/>
+          </a:solidFill>
+        </p:spPr>
+        <p:style>
+          <a:lnRef idx="2">
+            <a:schemeClr val="accent4">
+              <a:shade val="50000"/>
+            </a:schemeClr>
+          </a:lnRef>
+          <a:fillRef idx="1">
+            <a:schemeClr val="accent4"/>
+          </a:fillRef>
+          <a:effectRef idx="0">
+            <a:schemeClr val="accent4"/>
+          </a:effectRef>
+          <a:fontRef idx="minor">
+            <a:schemeClr val="lt1"/>
+          </a:fontRef>
+        </p:style>
+        <p:txBody>
+          <a:bodyPr rtlCol="0" anchor="ctr"/>
+          <a:lstStyle/>
+          <a:p>
+            <a:pPr algn="ctr"/>
+            <a:r>
+              <a:rPr kumimoji="1" lang="en-US" altLang="ko-Kore-KR" sz="1600" dirty="0">
+                <a:solidFill>
+                  <a:schemeClr val="tx1"/>
+                </a:solidFill>
+                <a:latin typeface="DM Mono" panose="020B0509040201040103" pitchFamily="49" charset="0"/>
+              </a:rPr>
+              <a:t>&amp;Animal::Hello</a:t>
+            </a:r>
+            <a:endParaRPr kumimoji="1" lang="ko-Kore-KR" altLang="en-US" sz="1600" dirty="0">
+              <a:solidFill>
+                <a:schemeClr val="tx1"/>
+              </a:solidFill>
+              <a:latin typeface="DM Mono" panose="020B0509040201040103" pitchFamily="49" charset="0"/>
+            </a:endParaRPr>
+          </a:p>
+        </p:txBody>
+      </p:sp>
+      <p:sp>
+        <p:nvSpPr>
+          <p:cNvPr id="3" name="직사각형 2">
+            <a:extLst>
+              <a:ext uri="{FF2B5EF4-FFF2-40B4-BE49-F238E27FC236}">
+                <a16:creationId xmlns:a16="http://schemas.microsoft.com/office/drawing/2014/main" id="{E147AEC9-BE67-6B91-3C64-B21A8C81E05F}"/>
+              </a:ext>
+            </a:extLst>
+          </p:cNvPr>
+          <p:cNvSpPr/>
+          <p:nvPr/>
+        </p:nvSpPr>
+        <p:spPr>
+          <a:xfrm>
+            <a:off x="9207534" y="3165300"/>
+            <a:ext cx="2277097" cy="543464"/>
+          </a:xfrm>
+          <a:prstGeom prst="rect">
+            <a:avLst/>
+          </a:prstGeom>
+          <a:solidFill>
+            <a:srgbClr val="FFFF00"/>
+          </a:solidFill>
+        </p:spPr>
+        <p:style>
+          <a:lnRef idx="2">
+            <a:schemeClr val="accent4">
+              <a:shade val="50000"/>
+            </a:schemeClr>
+          </a:lnRef>
+          <a:fillRef idx="1">
+            <a:schemeClr val="accent4"/>
+          </a:fillRef>
+          <a:effectRef idx="0">
+            <a:schemeClr val="accent4"/>
+          </a:effectRef>
+          <a:fontRef idx="minor">
+            <a:schemeClr val="lt1"/>
+          </a:fontRef>
+        </p:style>
+        <p:txBody>
+          <a:bodyPr rtlCol="0" anchor="ctr"/>
+          <a:lstStyle/>
+          <a:p>
+            <a:pPr algn="ctr"/>
+            <a:r>
+              <a:rPr kumimoji="1" lang="en-US" altLang="ko-Kore-KR" sz="1600" dirty="0">
+                <a:solidFill>
+                  <a:schemeClr val="tx1"/>
+                </a:solidFill>
+                <a:latin typeface="DM Mono" panose="020B0509040201040103" pitchFamily="49" charset="0"/>
+              </a:rPr>
+              <a:t>&amp;Animal::Hello</a:t>
+            </a:r>
+            <a:endParaRPr kumimoji="1" lang="ko-Kore-KR" altLang="en-US" sz="1600" dirty="0">
+              <a:solidFill>
+                <a:schemeClr val="tx1"/>
+              </a:solidFill>
+              <a:latin typeface="DM Mono" panose="020B0509040201040103" pitchFamily="49" charset="0"/>
+            </a:endParaRPr>
+          </a:p>
+        </p:txBody>
+      </p:sp>
+    </p:spTree>
+    <p:extLst>
+      <p:ext uri="{BB962C8B-B14F-4D97-AF65-F5344CB8AC3E}">
+        <p14:creationId xmlns:p14="http://schemas.microsoft.com/office/powerpoint/2010/main" val="344339611"/>
+      </p:ext>
+    </p:extLst>
+  </p:cSld>
+  <p:clrMapOvr>
+    <a:masterClrMapping/>
+  </p:clrMapOvr>
+</p:sld>
+</file>
+
+<file path=ppt/slides/slide29.xml><?xml version="1.0" encoding="utf-8"?>
+<p:sld xmlns:a="http://schemas.openxmlformats.org/drawingml/2006/main" xmlns:r="http://schemas.openxmlformats.org/officeDocument/2006/relationships" xmlns:p="http://schemas.openxmlformats.org/presentationml/2006/main">
+  <p:cSld>
+    <p:spTree>
+      <p:nvGrpSpPr>
+        <p:cNvPr id="1" name=""/>
+        <p:cNvGrpSpPr/>
+        <p:nvPr/>
+      </p:nvGrpSpPr>
+      <p:grpSpPr>
+        <a:xfrm>
+          <a:off x="0" y="0"/>
+          <a:ext cx="0" cy="0"/>
+          <a:chOff x="0" y="0"/>
+          <a:chExt cx="0" cy="0"/>
+        </a:xfrm>
+      </p:grpSpPr>
+      <p:sp>
+        <p:nvSpPr>
+          <p:cNvPr id="5" name="TextBox 4">
+            <a:extLst>
+              <a:ext uri="{FF2B5EF4-FFF2-40B4-BE49-F238E27FC236}">
+                <a16:creationId xmlns:a16="http://schemas.microsoft.com/office/drawing/2014/main" id="{16585DA1-2063-D0BB-B202-9795908530E4}"/>
+              </a:ext>
+            </a:extLst>
+          </p:cNvPr>
+          <p:cNvSpPr txBox="1"/>
+          <p:nvPr/>
+        </p:nvSpPr>
+        <p:spPr>
+          <a:xfrm>
+            <a:off x="338587" y="179311"/>
+            <a:ext cx="6094562" cy="5909310"/>
+          </a:xfrm>
+          <a:prstGeom prst="rect">
+            <a:avLst/>
+          </a:prstGeom>
+          <a:noFill/>
+        </p:spPr>
+        <p:txBody>
+          <a:bodyPr wrap="square">
+            <a:spAutoFit/>
+          </a:bodyPr>
+          <a:lstStyle/>
+          <a:p>
+            <a:r>
+              <a:rPr lang="ko-Kore-KR" altLang="en-US" dirty="0">
+                <a:latin typeface="DM Mono" panose="020B0509040201040103" pitchFamily="49" charset="0"/>
+              </a:rPr>
+              <a:t>class Animal {</a:t>
+            </a:r>
+          </a:p>
+          <a:p>
+            <a:r>
+              <a:rPr lang="ko-Kore-KR" altLang="en-US" dirty="0">
+                <a:latin typeface="DM Mono" panose="020B0509040201040103" pitchFamily="49" charset="0"/>
+              </a:rPr>
+              <a:t>    int color;</a:t>
+            </a:r>
+          </a:p>
+          <a:p>
+            <a:r>
+              <a:rPr lang="ko-Kore-KR" altLang="en-US" dirty="0">
+                <a:latin typeface="DM Mono" panose="020B0509040201040103" pitchFamily="49" charset="0"/>
+              </a:rPr>
+              <a:t>public:</a:t>
+            </a:r>
+            <a:endParaRPr lang="en-US" altLang="ko-Kore-KR" dirty="0">
+              <a:latin typeface="DM Mono" panose="020B0509040201040103" pitchFamily="49" charset="0"/>
+            </a:endParaRPr>
+          </a:p>
+          <a:p>
+            <a:r>
+              <a:rPr lang="en-US" altLang="ko-Kore-KR" dirty="0">
+                <a:latin typeface="DM Mono" panose="020B0509040201040103" pitchFamily="49" charset="0"/>
+              </a:rPr>
+              <a:t>     virtual void Go();</a:t>
+            </a:r>
+          </a:p>
+          <a:p>
+            <a:r>
+              <a:rPr lang="en-US" altLang="ko-Kore-KR" dirty="0">
+                <a:latin typeface="DM Mono" panose="020B0509040201040103" pitchFamily="49" charset="0"/>
+              </a:rPr>
+              <a:t>     virtual void Hello();</a:t>
+            </a:r>
+          </a:p>
+          <a:p>
+            <a:r>
+              <a:rPr lang="en-US" altLang="ko-Kore-KR" dirty="0">
+                <a:latin typeface="DM Mono" panose="020B0509040201040103" pitchFamily="49" charset="0"/>
+              </a:rPr>
+              <a:t>     virtual ~Animal(); 		</a:t>
+            </a:r>
+          </a:p>
+          <a:p>
+            <a:r>
+              <a:rPr lang="en-US" altLang="ko-Kore-KR" dirty="0">
+                <a:latin typeface="DM Mono" panose="020B0509040201040103" pitchFamily="49" charset="0"/>
+              </a:rPr>
+              <a:t>};</a:t>
+            </a:r>
+          </a:p>
+          <a:p>
+            <a:endParaRPr lang="ko-Kore-KR" altLang="en-US" dirty="0">
+              <a:latin typeface="DM Mono" panose="020B0509040201040103" pitchFamily="49" charset="0"/>
+            </a:endParaRPr>
+          </a:p>
+          <a:p>
+            <a:r>
+              <a:rPr lang="ko-Kore-KR" altLang="en-US" dirty="0">
+                <a:latin typeface="DM Mono" panose="020B0509040201040103" pitchFamily="49" charset="0"/>
+              </a:rPr>
+              <a:t>class Dog : public Animal {</a:t>
+            </a:r>
+            <a:endParaRPr lang="en-US" altLang="ko-Kore-KR" dirty="0">
+              <a:latin typeface="DM Mono" panose="020B0509040201040103" pitchFamily="49" charset="0"/>
+            </a:endParaRPr>
+          </a:p>
+          <a:p>
+            <a:r>
+              <a:rPr lang="en-US" altLang="ko-Kore-KR" dirty="0">
+                <a:latin typeface="DM Mono" panose="020B0509040201040103" pitchFamily="49" charset="0"/>
+              </a:rPr>
+              <a:t>    int age;</a:t>
+            </a:r>
+            <a:endParaRPr lang="ko-Kore-KR" altLang="en-US" dirty="0">
+              <a:latin typeface="DM Mono" panose="020B0509040201040103" pitchFamily="49" charset="0"/>
+            </a:endParaRPr>
+          </a:p>
+          <a:p>
+            <a:r>
+              <a:rPr lang="ko-Kore-KR" altLang="en-US" dirty="0">
+                <a:latin typeface="DM Mono" panose="020B0509040201040103" pitchFamily="49" charset="0"/>
+              </a:rPr>
+              <a:t>public:</a:t>
+            </a:r>
+            <a:endParaRPr lang="en-US" altLang="ko-Kore-KR" dirty="0">
+              <a:latin typeface="DM Mono" panose="020B0509040201040103" pitchFamily="49" charset="0"/>
+            </a:endParaRPr>
+          </a:p>
+          <a:p>
+            <a:r>
+              <a:rPr lang="en-US" altLang="ko-Kore-KR" dirty="0">
+                <a:latin typeface="DM Mono" panose="020B0509040201040103" pitchFamily="49" charset="0"/>
+              </a:rPr>
+              <a:t>    void Hello() override {}</a:t>
+            </a:r>
+            <a:endParaRPr lang="ko-Kore-KR" altLang="en-US" dirty="0">
+              <a:latin typeface="DM Mono" panose="020B0509040201040103" pitchFamily="49" charset="0"/>
+            </a:endParaRPr>
+          </a:p>
+          <a:p>
+            <a:r>
+              <a:rPr lang="ko-Kore-KR" altLang="en-US" dirty="0">
+                <a:latin typeface="DM Mono" panose="020B0509040201040103" pitchFamily="49" charset="0"/>
+              </a:rPr>
+              <a:t>};</a:t>
+            </a:r>
+          </a:p>
+          <a:p>
+            <a:endParaRPr lang="ko-Kore-KR" altLang="en-US" dirty="0">
+              <a:latin typeface="DM Mono" panose="020B0509040201040103" pitchFamily="49" charset="0"/>
+            </a:endParaRPr>
+          </a:p>
+          <a:p>
+            <a:endParaRPr lang="ko-Kore-KR" altLang="en-US" dirty="0">
+              <a:latin typeface="DM Mono" panose="020B0509040201040103" pitchFamily="49" charset="0"/>
+            </a:endParaRPr>
+          </a:p>
+          <a:p>
+            <a:r>
+              <a:rPr lang="ko-Kore-KR" altLang="en-US" dirty="0">
+                <a:latin typeface="DM Mono" panose="020B0509040201040103" pitchFamily="49" charset="0"/>
+              </a:rPr>
+              <a:t>int main()</a:t>
+            </a:r>
+          </a:p>
+          <a:p>
+            <a:r>
+              <a:rPr lang="ko-Kore-KR" altLang="en-US" dirty="0">
+                <a:latin typeface="DM Mono" panose="020B0509040201040103" pitchFamily="49" charset="0"/>
+              </a:rPr>
+              <a:t>{</a:t>
+            </a:r>
+          </a:p>
+          <a:p>
+            <a:r>
+              <a:rPr lang="en" altLang="ko-Kore-KR" dirty="0">
+                <a:latin typeface="DM Mono" panose="020B0509040201040103" pitchFamily="49" charset="0"/>
+              </a:rPr>
+              <a:t>    Animal* p = &amp;a;</a:t>
+            </a:r>
+          </a:p>
+          <a:p>
+            <a:r>
+              <a:rPr lang="en" altLang="ko-Kore-KR" dirty="0">
+                <a:solidFill>
+                  <a:srgbClr val="FF0000"/>
+                </a:solidFill>
+                <a:latin typeface="DM Mono" panose="020B0509040201040103" pitchFamily="49" charset="0"/>
+              </a:rPr>
+              <a:t>    p-&gt;Go();</a:t>
+            </a:r>
+          </a:p>
+          <a:p>
+            <a:r>
+              <a:rPr lang="en" altLang="ko-Kore-KR" dirty="0">
+                <a:solidFill>
+                  <a:srgbClr val="FF0000"/>
+                </a:solidFill>
+                <a:latin typeface="DM Mono" panose="020B0509040201040103" pitchFamily="49" charset="0"/>
+              </a:rPr>
+              <a:t>    // (p-&gt;</a:t>
+            </a:r>
+            <a:r>
+              <a:rPr lang="en" altLang="ko-Kore-KR" dirty="0" err="1">
+                <a:solidFill>
+                  <a:srgbClr val="FF0000"/>
+                </a:solidFill>
+                <a:latin typeface="DM Mono" panose="020B0509040201040103" pitchFamily="49" charset="0"/>
+              </a:rPr>
+              <a:t>vftp</a:t>
+            </a:r>
+            <a:r>
+              <a:rPr lang="en" altLang="ko-Kore-KR" dirty="0">
+                <a:solidFill>
+                  <a:srgbClr val="FF0000"/>
+                </a:solidFill>
+                <a:latin typeface="DM Mono" panose="020B0509040201040103" pitchFamily="49" charset="0"/>
+              </a:rPr>
+              <a:t>)[0](p);</a:t>
+            </a:r>
+          </a:p>
+          <a:p>
+            <a:r>
+              <a:rPr lang="en-US" altLang="ko-Kore-KR" dirty="0">
+                <a:latin typeface="DM Mono" panose="020B0509040201040103" pitchFamily="49" charset="0"/>
+              </a:rPr>
+              <a:t>}</a:t>
+            </a:r>
+            <a:endParaRPr lang="ko-Kore-KR" altLang="en-US" dirty="0">
+              <a:latin typeface="DM Mono" panose="020B0509040201040103" pitchFamily="49" charset="0"/>
+            </a:endParaRPr>
+          </a:p>
+        </p:txBody>
+      </p:sp>
+      <p:sp>
+        <p:nvSpPr>
+          <p:cNvPr id="11" name="직사각형 10">
+            <a:extLst>
+              <a:ext uri="{FF2B5EF4-FFF2-40B4-BE49-F238E27FC236}">
+                <a16:creationId xmlns:a16="http://schemas.microsoft.com/office/drawing/2014/main" id="{6F6BC458-AAB3-2692-EB74-490CB8CA849C}"/>
+              </a:ext>
+            </a:extLst>
+          </p:cNvPr>
+          <p:cNvSpPr/>
+          <p:nvPr/>
+        </p:nvSpPr>
+        <p:spPr>
+          <a:xfrm>
+            <a:off x="6559227" y="4889625"/>
+            <a:ext cx="1242204" cy="543464"/>
+          </a:xfrm>
+          <a:prstGeom prst="rect">
+            <a:avLst/>
+          </a:prstGeom>
+          <a:solidFill>
+            <a:srgbClr val="FFC000"/>
+          </a:solidFill>
+        </p:spPr>
+        <p:style>
+          <a:lnRef idx="2">
+            <a:schemeClr val="accent4">
+              <a:shade val="50000"/>
+            </a:schemeClr>
+          </a:lnRef>
+          <a:fillRef idx="1">
+            <a:schemeClr val="accent4"/>
+          </a:fillRef>
+          <a:effectRef idx="0">
+            <a:schemeClr val="accent4"/>
+          </a:effectRef>
+          <a:fontRef idx="minor">
+            <a:schemeClr val="lt1"/>
+          </a:fontRef>
+        </p:style>
+        <p:txBody>
+          <a:bodyPr rtlCol="0" anchor="ctr"/>
+          <a:lstStyle/>
+          <a:p>
+            <a:pPr algn="ctr"/>
+            <a:endParaRPr kumimoji="1" lang="ko-Kore-KR" altLang="en-US" sz="1600" dirty="0">
+              <a:solidFill>
+                <a:schemeClr val="tx1"/>
+              </a:solidFill>
+              <a:latin typeface="DM Mono" panose="020B0509040201040103" pitchFamily="49" charset="0"/>
+            </a:endParaRPr>
+          </a:p>
+        </p:txBody>
+      </p:sp>
+      <p:sp>
+        <p:nvSpPr>
+          <p:cNvPr id="12" name="TextBox 11">
+            <a:extLst>
+              <a:ext uri="{FF2B5EF4-FFF2-40B4-BE49-F238E27FC236}">
+                <a16:creationId xmlns:a16="http://schemas.microsoft.com/office/drawing/2014/main" id="{EE2C0D07-0AD5-F7AB-82CC-73E69F6EEF43}"/>
+              </a:ext>
+            </a:extLst>
+          </p:cNvPr>
+          <p:cNvSpPr txBox="1"/>
+          <p:nvPr/>
+        </p:nvSpPr>
+        <p:spPr>
+          <a:xfrm>
+            <a:off x="6740921" y="3922810"/>
+            <a:ext cx="878816" cy="369332"/>
+          </a:xfrm>
+          <a:prstGeom prst="rect">
+            <a:avLst/>
+          </a:prstGeom>
+          <a:noFill/>
+        </p:spPr>
+        <p:txBody>
+          <a:bodyPr wrap="square">
+            <a:spAutoFit/>
+          </a:bodyPr>
+          <a:lstStyle/>
+          <a:p>
+            <a:r>
+              <a:rPr lang="en-US" altLang="ko-Kore-KR" dirty="0">
+                <a:latin typeface="DM Mono" panose="020B0509040201040103" pitchFamily="49" charset="0"/>
+              </a:rPr>
+              <a:t>Dog d</a:t>
+            </a:r>
+            <a:endParaRPr lang="ko-Kore-KR" altLang="en-US" dirty="0"/>
+          </a:p>
+        </p:txBody>
+      </p:sp>
+      <p:sp>
+        <p:nvSpPr>
+          <p:cNvPr id="13" name="TextBox 12">
+            <a:extLst>
+              <a:ext uri="{FF2B5EF4-FFF2-40B4-BE49-F238E27FC236}">
+                <a16:creationId xmlns:a16="http://schemas.microsoft.com/office/drawing/2014/main" id="{A85F2A6A-C557-4327-EE28-7ED82CC6D8D9}"/>
+              </a:ext>
+            </a:extLst>
+          </p:cNvPr>
+          <p:cNvSpPr txBox="1"/>
+          <p:nvPr/>
+        </p:nvSpPr>
+        <p:spPr>
+          <a:xfrm>
+            <a:off x="5205896" y="4976691"/>
+            <a:ext cx="1353331" cy="369332"/>
+          </a:xfrm>
+          <a:prstGeom prst="rect">
+            <a:avLst/>
+          </a:prstGeom>
+          <a:noFill/>
+        </p:spPr>
+        <p:txBody>
+          <a:bodyPr wrap="square">
+            <a:spAutoFit/>
+          </a:bodyPr>
+          <a:lstStyle/>
+          <a:p>
+            <a:pPr algn="r"/>
+            <a:r>
+              <a:rPr lang="en-US" altLang="ko-Kore-KR" dirty="0">
+                <a:latin typeface="DM Mono" panose="020B0509040201040103" pitchFamily="49" charset="0"/>
+              </a:rPr>
+              <a:t>color</a:t>
+            </a:r>
+            <a:endParaRPr lang="ko-Kore-KR" altLang="en-US" dirty="0"/>
+          </a:p>
+        </p:txBody>
+      </p:sp>
+      <p:sp>
+        <p:nvSpPr>
+          <p:cNvPr id="16" name="직사각형 15">
+            <a:extLst>
+              <a:ext uri="{FF2B5EF4-FFF2-40B4-BE49-F238E27FC236}">
+                <a16:creationId xmlns:a16="http://schemas.microsoft.com/office/drawing/2014/main" id="{31EED7D1-AF9C-478F-413F-01FB3701DA32}"/>
+              </a:ext>
+            </a:extLst>
+          </p:cNvPr>
+          <p:cNvSpPr/>
+          <p:nvPr/>
+        </p:nvSpPr>
+        <p:spPr>
+          <a:xfrm>
+            <a:off x="6559227" y="5429839"/>
+            <a:ext cx="1242204" cy="543464"/>
+          </a:xfrm>
+          <a:prstGeom prst="rect">
+            <a:avLst/>
+          </a:prstGeom>
+          <a:solidFill>
+            <a:srgbClr val="FFFF00"/>
+          </a:solidFill>
+        </p:spPr>
+        <p:style>
+          <a:lnRef idx="2">
+            <a:schemeClr val="accent4">
+              <a:shade val="50000"/>
+            </a:schemeClr>
+          </a:lnRef>
+          <a:fillRef idx="1">
+            <a:schemeClr val="accent4"/>
+          </a:fillRef>
+          <a:effectRef idx="0">
+            <a:schemeClr val="accent4"/>
+          </a:effectRef>
+          <a:fontRef idx="minor">
+            <a:schemeClr val="lt1"/>
+          </a:fontRef>
+        </p:style>
+        <p:txBody>
+          <a:bodyPr rtlCol="0" anchor="ctr"/>
+          <a:lstStyle/>
+          <a:p>
+            <a:pPr algn="ctr"/>
+            <a:endParaRPr kumimoji="1" lang="ko-Kore-KR" altLang="en-US" sz="1600" dirty="0">
+              <a:solidFill>
+                <a:schemeClr val="tx1"/>
+              </a:solidFill>
+              <a:latin typeface="DM Mono" panose="020B0509040201040103" pitchFamily="49" charset="0"/>
+            </a:endParaRPr>
+          </a:p>
+        </p:txBody>
+      </p:sp>
+      <p:sp>
+        <p:nvSpPr>
+          <p:cNvPr id="17" name="TextBox 16">
+            <a:extLst>
+              <a:ext uri="{FF2B5EF4-FFF2-40B4-BE49-F238E27FC236}">
+                <a16:creationId xmlns:a16="http://schemas.microsoft.com/office/drawing/2014/main" id="{49C4124B-B6E6-F056-3FC6-3ED0182AAD98}"/>
+              </a:ext>
+            </a:extLst>
+          </p:cNvPr>
+          <p:cNvSpPr txBox="1"/>
+          <p:nvPr/>
+        </p:nvSpPr>
+        <p:spPr>
+          <a:xfrm>
+            <a:off x="5621254" y="5516905"/>
+            <a:ext cx="937973" cy="369332"/>
+          </a:xfrm>
+          <a:prstGeom prst="rect">
+            <a:avLst/>
+          </a:prstGeom>
+          <a:noFill/>
+        </p:spPr>
+        <p:txBody>
+          <a:bodyPr wrap="square">
+            <a:spAutoFit/>
+          </a:bodyPr>
+          <a:lstStyle/>
+          <a:p>
+            <a:pPr algn="r"/>
+            <a:r>
+              <a:rPr lang="en-US" altLang="ko-Kore-KR" dirty="0">
+                <a:latin typeface="DM Mono" panose="020B0509040201040103" pitchFamily="49" charset="0"/>
+              </a:rPr>
+              <a:t>age</a:t>
+            </a:r>
+            <a:endParaRPr lang="ko-Kore-KR" altLang="en-US" dirty="0"/>
+          </a:p>
+        </p:txBody>
+      </p:sp>
+      <p:sp>
+        <p:nvSpPr>
+          <p:cNvPr id="6" name="직사각형 5">
+            <a:extLst>
+              <a:ext uri="{FF2B5EF4-FFF2-40B4-BE49-F238E27FC236}">
+                <a16:creationId xmlns:a16="http://schemas.microsoft.com/office/drawing/2014/main" id="{61CA6490-9C84-624B-854F-31F38BC64358}"/>
+              </a:ext>
+            </a:extLst>
+          </p:cNvPr>
+          <p:cNvSpPr/>
+          <p:nvPr/>
+        </p:nvSpPr>
+        <p:spPr>
+          <a:xfrm>
+            <a:off x="6559227" y="4330714"/>
+            <a:ext cx="1242204" cy="543464"/>
+          </a:xfrm>
+          <a:prstGeom prst="rect">
+            <a:avLst/>
+          </a:prstGeom>
+          <a:solidFill>
+            <a:srgbClr val="FFFF00"/>
+          </a:solidFill>
+        </p:spPr>
+        <p:style>
+          <a:lnRef idx="2">
+            <a:schemeClr val="accent4">
+              <a:shade val="50000"/>
+            </a:schemeClr>
+          </a:lnRef>
+          <a:fillRef idx="1">
+            <a:schemeClr val="accent4"/>
+          </a:fillRef>
+          <a:effectRef idx="0">
+            <a:schemeClr val="accent4"/>
+          </a:effectRef>
+          <a:fontRef idx="minor">
+            <a:schemeClr val="lt1"/>
+          </a:fontRef>
+        </p:style>
+        <p:txBody>
+          <a:bodyPr rtlCol="0" anchor="ctr"/>
+          <a:lstStyle/>
+          <a:p>
+            <a:pPr algn="ctr"/>
+            <a:endParaRPr kumimoji="1" lang="ko-Kore-KR" altLang="en-US" sz="1600" dirty="0">
+              <a:solidFill>
+                <a:schemeClr val="tx1"/>
+              </a:solidFill>
+              <a:latin typeface="DM Mono" panose="020B0509040201040103" pitchFamily="49" charset="0"/>
+            </a:endParaRPr>
+          </a:p>
+        </p:txBody>
+      </p:sp>
+      <p:sp>
+        <p:nvSpPr>
+          <p:cNvPr id="14" name="TextBox 13">
+            <a:extLst>
+              <a:ext uri="{FF2B5EF4-FFF2-40B4-BE49-F238E27FC236}">
+                <a16:creationId xmlns:a16="http://schemas.microsoft.com/office/drawing/2014/main" id="{F65602B3-21A0-F5C4-3F1D-B0D1B9DCD983}"/>
+              </a:ext>
+            </a:extLst>
+          </p:cNvPr>
+          <p:cNvSpPr txBox="1"/>
+          <p:nvPr/>
+        </p:nvSpPr>
+        <p:spPr>
+          <a:xfrm>
+            <a:off x="5522804" y="4417780"/>
+            <a:ext cx="973384" cy="369332"/>
+          </a:xfrm>
+          <a:prstGeom prst="rect">
+            <a:avLst/>
+          </a:prstGeom>
+          <a:noFill/>
+        </p:spPr>
+        <p:txBody>
+          <a:bodyPr wrap="square">
+            <a:spAutoFit/>
+          </a:bodyPr>
+          <a:lstStyle/>
+          <a:p>
+            <a:pPr algn="r"/>
+            <a:r>
+              <a:rPr lang="en-US" altLang="ko-Kore-KR" dirty="0" err="1">
+                <a:latin typeface="DM Mono" panose="020B0509040201040103" pitchFamily="49" charset="0"/>
+              </a:rPr>
+              <a:t>vftp</a:t>
+            </a:r>
+            <a:endParaRPr lang="ko-Kore-KR" altLang="en-US" dirty="0"/>
+          </a:p>
+        </p:txBody>
+      </p:sp>
+      <p:sp>
+        <p:nvSpPr>
+          <p:cNvPr id="15" name="직사각형 14">
+            <a:extLst>
+              <a:ext uri="{FF2B5EF4-FFF2-40B4-BE49-F238E27FC236}">
+                <a16:creationId xmlns:a16="http://schemas.microsoft.com/office/drawing/2014/main" id="{F411EF05-36A6-0220-AE51-488F3660B278}"/>
+              </a:ext>
+            </a:extLst>
+          </p:cNvPr>
+          <p:cNvSpPr/>
+          <p:nvPr/>
+        </p:nvSpPr>
+        <p:spPr>
+          <a:xfrm>
+            <a:off x="8738834" y="643974"/>
+            <a:ext cx="2277097" cy="543464"/>
+          </a:xfrm>
+          <a:prstGeom prst="rect">
+            <a:avLst/>
+          </a:prstGeom>
+          <a:solidFill>
+            <a:srgbClr val="FFFF00"/>
+          </a:solidFill>
+        </p:spPr>
+        <p:style>
+          <a:lnRef idx="2">
+            <a:schemeClr val="accent4">
+              <a:shade val="50000"/>
+            </a:schemeClr>
+          </a:lnRef>
+          <a:fillRef idx="1">
+            <a:schemeClr val="accent4"/>
+          </a:fillRef>
+          <a:effectRef idx="0">
+            <a:schemeClr val="accent4"/>
+          </a:effectRef>
+          <a:fontRef idx="minor">
+            <a:schemeClr val="lt1"/>
+          </a:fontRef>
+        </p:style>
+        <p:txBody>
+          <a:bodyPr rtlCol="0" anchor="ctr"/>
+          <a:lstStyle/>
+          <a:p>
+            <a:pPr algn="ctr"/>
+            <a:r>
+              <a:rPr kumimoji="1" lang="en-US" altLang="ko-Kore-KR" sz="1600" dirty="0">
+                <a:solidFill>
+                  <a:srgbClr val="FF0000"/>
+                </a:solidFill>
+                <a:latin typeface="DM Mono" panose="020B0509040201040103" pitchFamily="49" charset="0"/>
+              </a:rPr>
+              <a:t>&amp;Animal::Go</a:t>
+            </a:r>
+            <a:endParaRPr kumimoji="1" lang="ko-Kore-KR" altLang="en-US" sz="1600" dirty="0">
+              <a:solidFill>
+                <a:srgbClr val="FF0000"/>
+              </a:solidFill>
+              <a:latin typeface="DM Mono" panose="020B0509040201040103" pitchFamily="49" charset="0"/>
+            </a:endParaRPr>
+          </a:p>
+        </p:txBody>
+      </p:sp>
+      <p:sp>
+        <p:nvSpPr>
+          <p:cNvPr id="19" name="TextBox 18">
+            <a:extLst>
+              <a:ext uri="{FF2B5EF4-FFF2-40B4-BE49-F238E27FC236}">
+                <a16:creationId xmlns:a16="http://schemas.microsoft.com/office/drawing/2014/main" id="{1DF3FDD2-6A46-C25A-4DB9-7B8AFC6A6E8A}"/>
+              </a:ext>
+            </a:extLst>
+          </p:cNvPr>
+          <p:cNvSpPr txBox="1"/>
+          <p:nvPr/>
+        </p:nvSpPr>
+        <p:spPr>
+          <a:xfrm>
+            <a:off x="9387696" y="274642"/>
+            <a:ext cx="1119277" cy="369332"/>
+          </a:xfrm>
+          <a:prstGeom prst="rect">
+            <a:avLst/>
+          </a:prstGeom>
+          <a:noFill/>
+        </p:spPr>
+        <p:txBody>
+          <a:bodyPr wrap="square">
+            <a:spAutoFit/>
+          </a:bodyPr>
+          <a:lstStyle/>
+          <a:p>
+            <a:r>
+              <a:rPr lang="en-US" altLang="ko-Kore-KR" dirty="0">
+                <a:latin typeface="DM Mono" panose="020B0509040201040103" pitchFamily="49" charset="0"/>
+              </a:rPr>
+              <a:t>Animal</a:t>
+            </a:r>
+            <a:endParaRPr lang="ko-Kore-KR" altLang="en-US" dirty="0"/>
+          </a:p>
+        </p:txBody>
+      </p:sp>
+      <p:sp>
+        <p:nvSpPr>
+          <p:cNvPr id="22" name="직사각형 21">
+            <a:extLst>
+              <a:ext uri="{FF2B5EF4-FFF2-40B4-BE49-F238E27FC236}">
+                <a16:creationId xmlns:a16="http://schemas.microsoft.com/office/drawing/2014/main" id="{4C051FE3-E821-1F40-9457-516499E1341B}"/>
+              </a:ext>
+            </a:extLst>
+          </p:cNvPr>
+          <p:cNvSpPr/>
+          <p:nvPr/>
+        </p:nvSpPr>
+        <p:spPr>
+          <a:xfrm>
+            <a:off x="9121272" y="3082788"/>
+            <a:ext cx="2277097" cy="543464"/>
+          </a:xfrm>
+          <a:prstGeom prst="rect">
+            <a:avLst/>
+          </a:prstGeom>
+          <a:solidFill>
+            <a:srgbClr val="FFFF00"/>
+          </a:solidFill>
+        </p:spPr>
+        <p:style>
+          <a:lnRef idx="2">
+            <a:schemeClr val="accent4">
+              <a:shade val="50000"/>
+            </a:schemeClr>
+          </a:lnRef>
+          <a:fillRef idx="1">
+            <a:schemeClr val="accent4"/>
+          </a:fillRef>
+          <a:effectRef idx="0">
+            <a:schemeClr val="accent4"/>
+          </a:effectRef>
+          <a:fontRef idx="minor">
+            <a:schemeClr val="lt1"/>
+          </a:fontRef>
+        </p:style>
+        <p:txBody>
+          <a:bodyPr rtlCol="0" anchor="ctr"/>
+          <a:lstStyle/>
+          <a:p>
+            <a:pPr algn="ctr"/>
+            <a:r>
+              <a:rPr kumimoji="1" lang="en-US" altLang="ko-Kore-KR" sz="1600" dirty="0">
+                <a:solidFill>
+                  <a:schemeClr val="tx1"/>
+                </a:solidFill>
+                <a:latin typeface="DM Mono" panose="020B0509040201040103" pitchFamily="49" charset="0"/>
+              </a:rPr>
+              <a:t>&amp;Animal::Go</a:t>
+            </a:r>
+            <a:endParaRPr kumimoji="1" lang="ko-Kore-KR" altLang="en-US" sz="1600" dirty="0">
+              <a:solidFill>
+                <a:schemeClr val="tx1"/>
+              </a:solidFill>
+              <a:latin typeface="DM Mono" panose="020B0509040201040103" pitchFamily="49" charset="0"/>
+            </a:endParaRPr>
+          </a:p>
+        </p:txBody>
+      </p:sp>
+      <p:cxnSp>
+        <p:nvCxnSpPr>
+          <p:cNvPr id="23" name="구부러진 연결선[U] 22">
+            <a:extLst>
+              <a:ext uri="{FF2B5EF4-FFF2-40B4-BE49-F238E27FC236}">
+                <a16:creationId xmlns:a16="http://schemas.microsoft.com/office/drawing/2014/main" id="{862EEC96-FD5A-E282-4CC0-334CF11BD97D}"/>
+              </a:ext>
+            </a:extLst>
+          </p:cNvPr>
+          <p:cNvCxnSpPr>
+            <a:cxnSpLocks/>
+            <a:stCxn id="6" idx="3"/>
+            <a:endCxn id="22" idx="1"/>
+          </p:cNvCxnSpPr>
+          <p:nvPr/>
+        </p:nvCxnSpPr>
+        <p:spPr>
+          <a:xfrm flipV="1">
+            <a:off x="7801431" y="3354520"/>
+            <a:ext cx="1319841" cy="1247926"/>
+          </a:xfrm>
+          <a:prstGeom prst="curvedConnector3">
+            <a:avLst/>
+          </a:prstGeom>
+          <a:ln>
+            <a:tailEnd type="triangle"/>
+          </a:ln>
+        </p:spPr>
+        <p:style>
+          <a:lnRef idx="1">
+            <a:schemeClr val="dk1"/>
+          </a:lnRef>
+          <a:fillRef idx="0">
+            <a:schemeClr val="dk1"/>
+          </a:fillRef>
+          <a:effectRef idx="0">
+            <a:schemeClr val="dk1"/>
+          </a:effectRef>
+          <a:fontRef idx="minor">
+            <a:schemeClr val="tx1"/>
+          </a:fontRef>
+        </p:style>
+      </p:cxnSp>
+      <p:sp>
+        <p:nvSpPr>
+          <p:cNvPr id="25" name="TextBox 24">
+            <a:extLst>
+              <a:ext uri="{FF2B5EF4-FFF2-40B4-BE49-F238E27FC236}">
+                <a16:creationId xmlns:a16="http://schemas.microsoft.com/office/drawing/2014/main" id="{0960025B-697D-C478-93AE-7E999DA7DB7B}"/>
+              </a:ext>
+            </a:extLst>
+          </p:cNvPr>
+          <p:cNvSpPr txBox="1"/>
+          <p:nvPr/>
+        </p:nvSpPr>
+        <p:spPr>
+          <a:xfrm>
+            <a:off x="9700181" y="2666813"/>
+            <a:ext cx="1119277" cy="369332"/>
+          </a:xfrm>
+          <a:prstGeom prst="rect">
+            <a:avLst/>
+          </a:prstGeom>
+          <a:noFill/>
+        </p:spPr>
+        <p:txBody>
+          <a:bodyPr wrap="square">
+            <a:spAutoFit/>
+          </a:bodyPr>
+          <a:lstStyle/>
+          <a:p>
+            <a:r>
+              <a:rPr lang="en-US" altLang="ko-Kore-KR" dirty="0">
+                <a:latin typeface="DM Mono" panose="020B0509040201040103" pitchFamily="49" charset="0"/>
+              </a:rPr>
+              <a:t>Dog</a:t>
+            </a:r>
+            <a:endParaRPr lang="ko-Kore-KR" altLang="en-US" dirty="0"/>
+          </a:p>
+        </p:txBody>
+      </p:sp>
+      <p:sp>
+        <p:nvSpPr>
+          <p:cNvPr id="26" name="직사각형 25">
+            <a:extLst>
+              <a:ext uri="{FF2B5EF4-FFF2-40B4-BE49-F238E27FC236}">
+                <a16:creationId xmlns:a16="http://schemas.microsoft.com/office/drawing/2014/main" id="{49621CC7-11EA-401A-0776-D420D1090983}"/>
+              </a:ext>
+            </a:extLst>
+          </p:cNvPr>
+          <p:cNvSpPr/>
+          <p:nvPr/>
+        </p:nvSpPr>
+        <p:spPr>
+          <a:xfrm>
+            <a:off x="6478618" y="1159870"/>
+            <a:ext cx="1242204" cy="543464"/>
+          </a:xfrm>
+          <a:prstGeom prst="rect">
+            <a:avLst/>
+          </a:prstGeom>
+          <a:solidFill>
+            <a:srgbClr val="FFC000"/>
+          </a:solidFill>
+        </p:spPr>
+        <p:style>
+          <a:lnRef idx="2">
+            <a:schemeClr val="accent4">
+              <a:shade val="50000"/>
+            </a:schemeClr>
+          </a:lnRef>
+          <a:fillRef idx="1">
+            <a:schemeClr val="accent4"/>
+          </a:fillRef>
+          <a:effectRef idx="0">
+            <a:schemeClr val="accent4"/>
+          </a:effectRef>
+          <a:fontRef idx="minor">
+            <a:schemeClr val="lt1"/>
+          </a:fontRef>
+        </p:style>
+        <p:txBody>
+          <a:bodyPr rtlCol="0" anchor="ctr"/>
+          <a:lstStyle/>
+          <a:p>
+            <a:pPr algn="ctr"/>
+            <a:endParaRPr kumimoji="1" lang="ko-Kore-KR" altLang="en-US" sz="1600" dirty="0">
+              <a:solidFill>
+                <a:schemeClr val="tx1"/>
+              </a:solidFill>
+              <a:latin typeface="DM Mono" panose="020B0509040201040103" pitchFamily="49" charset="0"/>
+            </a:endParaRPr>
+          </a:p>
+        </p:txBody>
+      </p:sp>
+      <p:sp>
+        <p:nvSpPr>
+          <p:cNvPr id="27" name="TextBox 26">
+            <a:extLst>
+              <a:ext uri="{FF2B5EF4-FFF2-40B4-BE49-F238E27FC236}">
+                <a16:creationId xmlns:a16="http://schemas.microsoft.com/office/drawing/2014/main" id="{0D529B5A-41F1-E91E-DFF8-6E176187431C}"/>
+              </a:ext>
+            </a:extLst>
+          </p:cNvPr>
+          <p:cNvSpPr txBox="1"/>
+          <p:nvPr/>
+        </p:nvSpPr>
+        <p:spPr>
+          <a:xfrm>
+            <a:off x="6182168" y="240087"/>
+            <a:ext cx="1735298" cy="369332"/>
+          </a:xfrm>
+          <a:prstGeom prst="rect">
+            <a:avLst/>
+          </a:prstGeom>
+          <a:noFill/>
+        </p:spPr>
+        <p:txBody>
+          <a:bodyPr wrap="square">
+            <a:spAutoFit/>
+          </a:bodyPr>
+          <a:lstStyle/>
+          <a:p>
+            <a:pPr algn="ctr"/>
+            <a:r>
+              <a:rPr lang="en-US" altLang="ko-Kore-KR" dirty="0">
+                <a:latin typeface="DM Mono" panose="020B0509040201040103" pitchFamily="49" charset="0"/>
+              </a:rPr>
+              <a:t>Animal a</a:t>
+            </a:r>
+            <a:endParaRPr lang="ko-Kore-KR" altLang="en-US" dirty="0"/>
+          </a:p>
+        </p:txBody>
+      </p:sp>
+      <p:sp>
+        <p:nvSpPr>
+          <p:cNvPr id="28" name="TextBox 27">
+            <a:extLst>
+              <a:ext uri="{FF2B5EF4-FFF2-40B4-BE49-F238E27FC236}">
+                <a16:creationId xmlns:a16="http://schemas.microsoft.com/office/drawing/2014/main" id="{BDA1FDB6-DF3A-8096-A470-C27011B627F7}"/>
+              </a:ext>
+            </a:extLst>
+          </p:cNvPr>
+          <p:cNvSpPr txBox="1"/>
+          <p:nvPr/>
+        </p:nvSpPr>
+        <p:spPr>
+          <a:xfrm>
+            <a:off x="5505235" y="1246936"/>
+            <a:ext cx="973384" cy="369332"/>
+          </a:xfrm>
+          <a:prstGeom prst="rect">
+            <a:avLst/>
+          </a:prstGeom>
+          <a:noFill/>
+        </p:spPr>
+        <p:txBody>
+          <a:bodyPr wrap="square">
+            <a:spAutoFit/>
+          </a:bodyPr>
+          <a:lstStyle/>
+          <a:p>
+            <a:pPr algn="r"/>
+            <a:r>
+              <a:rPr lang="en-US" altLang="ko-Kore-KR" dirty="0">
+                <a:latin typeface="DM Mono" panose="020B0509040201040103" pitchFamily="49" charset="0"/>
+              </a:rPr>
+              <a:t>color</a:t>
+            </a:r>
+            <a:endParaRPr lang="ko-Kore-KR" altLang="en-US" dirty="0"/>
+          </a:p>
+        </p:txBody>
+      </p:sp>
+      <p:sp>
+        <p:nvSpPr>
+          <p:cNvPr id="29" name="직사각형 28">
+            <a:extLst>
+              <a:ext uri="{FF2B5EF4-FFF2-40B4-BE49-F238E27FC236}">
+                <a16:creationId xmlns:a16="http://schemas.microsoft.com/office/drawing/2014/main" id="{826EC69F-50B3-82D1-0DA1-8ECD5742E9B6}"/>
+              </a:ext>
+            </a:extLst>
+          </p:cNvPr>
+          <p:cNvSpPr/>
+          <p:nvPr/>
+        </p:nvSpPr>
+        <p:spPr>
+          <a:xfrm>
+            <a:off x="6478618" y="616406"/>
+            <a:ext cx="1242204" cy="543464"/>
+          </a:xfrm>
+          <a:prstGeom prst="rect">
+            <a:avLst/>
+          </a:prstGeom>
+          <a:solidFill>
+            <a:srgbClr val="FFFF00"/>
+          </a:solidFill>
+        </p:spPr>
+        <p:style>
+          <a:lnRef idx="2">
+            <a:schemeClr val="accent4">
+              <a:shade val="50000"/>
+            </a:schemeClr>
+          </a:lnRef>
+          <a:fillRef idx="1">
+            <a:schemeClr val="accent4"/>
+          </a:fillRef>
+          <a:effectRef idx="0">
+            <a:schemeClr val="accent4"/>
+          </a:effectRef>
+          <a:fontRef idx="minor">
+            <a:schemeClr val="lt1"/>
+          </a:fontRef>
+        </p:style>
+        <p:txBody>
+          <a:bodyPr rtlCol="0" anchor="ctr"/>
+          <a:lstStyle/>
+          <a:p>
+            <a:pPr algn="ctr"/>
+            <a:endParaRPr kumimoji="1" lang="ko-Kore-KR" altLang="en-US" sz="1600" dirty="0">
+              <a:solidFill>
+                <a:schemeClr val="tx1"/>
+              </a:solidFill>
+              <a:latin typeface="DM Mono" panose="020B0509040201040103" pitchFamily="49" charset="0"/>
+            </a:endParaRPr>
+          </a:p>
+        </p:txBody>
+      </p:sp>
+      <p:sp>
+        <p:nvSpPr>
+          <p:cNvPr id="30" name="TextBox 29">
+            <a:extLst>
+              <a:ext uri="{FF2B5EF4-FFF2-40B4-BE49-F238E27FC236}">
+                <a16:creationId xmlns:a16="http://schemas.microsoft.com/office/drawing/2014/main" id="{E780F370-6EE9-52EC-F848-ECFFA3E865DB}"/>
+              </a:ext>
+            </a:extLst>
+          </p:cNvPr>
+          <p:cNvSpPr txBox="1"/>
+          <p:nvPr/>
+        </p:nvSpPr>
+        <p:spPr>
+          <a:xfrm>
+            <a:off x="5505234" y="684540"/>
+            <a:ext cx="973384" cy="369332"/>
+          </a:xfrm>
+          <a:prstGeom prst="rect">
+            <a:avLst/>
+          </a:prstGeom>
+          <a:noFill/>
+        </p:spPr>
+        <p:txBody>
+          <a:bodyPr wrap="square">
+            <a:spAutoFit/>
+          </a:bodyPr>
+          <a:lstStyle/>
+          <a:p>
+            <a:pPr algn="r"/>
+            <a:r>
+              <a:rPr lang="en-US" altLang="ko-Kore-KR" dirty="0" err="1">
+                <a:latin typeface="DM Mono" panose="020B0509040201040103" pitchFamily="49" charset="0"/>
+              </a:rPr>
+              <a:t>vftp</a:t>
+            </a:r>
+            <a:endParaRPr lang="ko-Kore-KR" altLang="en-US" dirty="0"/>
+          </a:p>
+        </p:txBody>
+      </p:sp>
+      <p:cxnSp>
+        <p:nvCxnSpPr>
+          <p:cNvPr id="31" name="구부러진 연결선[U] 30">
+            <a:extLst>
+              <a:ext uri="{FF2B5EF4-FFF2-40B4-BE49-F238E27FC236}">
+                <a16:creationId xmlns:a16="http://schemas.microsoft.com/office/drawing/2014/main" id="{C42FC7B3-D0E2-519F-161B-73395E5CA79E}"/>
+              </a:ext>
+            </a:extLst>
+          </p:cNvPr>
+          <p:cNvCxnSpPr>
+            <a:cxnSpLocks/>
+            <a:stCxn id="29" idx="3"/>
+            <a:endCxn id="15" idx="1"/>
+          </p:cNvCxnSpPr>
+          <p:nvPr/>
+        </p:nvCxnSpPr>
+        <p:spPr>
+          <a:xfrm>
+            <a:off x="7720822" y="888138"/>
+            <a:ext cx="1018012" cy="27568"/>
+          </a:xfrm>
+          <a:prstGeom prst="curvedConnector3">
+            <a:avLst/>
+          </a:prstGeom>
+          <a:ln>
+            <a:tailEnd type="triangle"/>
+          </a:ln>
+        </p:spPr>
+        <p:style>
+          <a:lnRef idx="1">
+            <a:schemeClr val="dk1"/>
+          </a:lnRef>
+          <a:fillRef idx="0">
+            <a:schemeClr val="dk1"/>
+          </a:fillRef>
+          <a:effectRef idx="0">
+            <a:schemeClr val="dk1"/>
+          </a:effectRef>
+          <a:fontRef idx="minor">
+            <a:schemeClr val="tx1"/>
+          </a:fontRef>
+        </p:style>
+      </p:cxnSp>
+      <p:sp>
+        <p:nvSpPr>
+          <p:cNvPr id="2" name="직사각형 1">
+            <a:extLst>
+              <a:ext uri="{FF2B5EF4-FFF2-40B4-BE49-F238E27FC236}">
+                <a16:creationId xmlns:a16="http://schemas.microsoft.com/office/drawing/2014/main" id="{2361E698-67EF-670C-9725-1B608BF1FE9C}"/>
+              </a:ext>
+            </a:extLst>
+          </p:cNvPr>
+          <p:cNvSpPr/>
+          <p:nvPr/>
+        </p:nvSpPr>
+        <p:spPr>
+          <a:xfrm>
+            <a:off x="8738834" y="1192920"/>
+            <a:ext cx="2277097" cy="543464"/>
+          </a:xfrm>
+          <a:prstGeom prst="rect">
+            <a:avLst/>
+          </a:prstGeom>
+          <a:solidFill>
+            <a:srgbClr val="FFFF00"/>
+          </a:solidFill>
+        </p:spPr>
+        <p:style>
+          <a:lnRef idx="2">
+            <a:schemeClr val="accent4">
+              <a:shade val="50000"/>
+            </a:schemeClr>
+          </a:lnRef>
+          <a:fillRef idx="1">
+            <a:schemeClr val="accent4"/>
+          </a:fillRef>
+          <a:effectRef idx="0">
+            <a:schemeClr val="accent4"/>
+          </a:effectRef>
+          <a:fontRef idx="minor">
+            <a:schemeClr val="lt1"/>
+          </a:fontRef>
+        </p:style>
+        <p:txBody>
+          <a:bodyPr rtlCol="0" anchor="ctr"/>
+          <a:lstStyle/>
+          <a:p>
+            <a:pPr algn="ctr"/>
+            <a:r>
+              <a:rPr kumimoji="1" lang="en-US" altLang="ko-Kore-KR" sz="1600" dirty="0">
+                <a:solidFill>
+                  <a:schemeClr val="tx1"/>
+                </a:solidFill>
+                <a:latin typeface="DM Mono" panose="020B0509040201040103" pitchFamily="49" charset="0"/>
+              </a:rPr>
+              <a:t>&amp;Animal::Hello</a:t>
+            </a:r>
+            <a:endParaRPr kumimoji="1" lang="ko-Kore-KR" altLang="en-US" sz="1600" dirty="0">
+              <a:solidFill>
+                <a:schemeClr val="tx1"/>
+              </a:solidFill>
+              <a:latin typeface="DM Mono" panose="020B0509040201040103" pitchFamily="49" charset="0"/>
+            </a:endParaRPr>
+          </a:p>
+        </p:txBody>
+      </p:sp>
+      <p:sp>
+        <p:nvSpPr>
+          <p:cNvPr id="3" name="직사각형 2">
+            <a:extLst>
+              <a:ext uri="{FF2B5EF4-FFF2-40B4-BE49-F238E27FC236}">
+                <a16:creationId xmlns:a16="http://schemas.microsoft.com/office/drawing/2014/main" id="{E147AEC9-BE67-6B91-3C64-B21A8C81E05F}"/>
+              </a:ext>
+            </a:extLst>
+          </p:cNvPr>
+          <p:cNvSpPr/>
+          <p:nvPr/>
+        </p:nvSpPr>
+        <p:spPr>
+          <a:xfrm>
+            <a:off x="9121270" y="3621477"/>
+            <a:ext cx="2277097" cy="543464"/>
+          </a:xfrm>
+          <a:prstGeom prst="rect">
+            <a:avLst/>
+          </a:prstGeom>
+          <a:solidFill>
+            <a:srgbClr val="FFFF00"/>
+          </a:solidFill>
+        </p:spPr>
+        <p:style>
+          <a:lnRef idx="2">
+            <a:schemeClr val="accent4">
+              <a:shade val="50000"/>
+            </a:schemeClr>
+          </a:lnRef>
+          <a:fillRef idx="1">
+            <a:schemeClr val="accent4"/>
+          </a:fillRef>
+          <a:effectRef idx="0">
+            <a:schemeClr val="accent4"/>
+          </a:effectRef>
+          <a:fontRef idx="minor">
+            <a:schemeClr val="lt1"/>
+          </a:fontRef>
+        </p:style>
+        <p:txBody>
+          <a:bodyPr rtlCol="0" anchor="ctr"/>
+          <a:lstStyle/>
+          <a:p>
+            <a:pPr algn="ctr"/>
+            <a:r>
+              <a:rPr kumimoji="1" lang="en-US" altLang="ko-Kore-KR" sz="1600" dirty="0">
+                <a:solidFill>
+                  <a:schemeClr val="tx1"/>
+                </a:solidFill>
+                <a:latin typeface="DM Mono" panose="020B0509040201040103" pitchFamily="49" charset="0"/>
+              </a:rPr>
+              <a:t>&amp;Dog::Hello</a:t>
+            </a:r>
+            <a:endParaRPr kumimoji="1" lang="ko-Kore-KR" altLang="en-US" sz="1600" dirty="0">
+              <a:solidFill>
+                <a:schemeClr val="tx1"/>
+              </a:solidFill>
+              <a:latin typeface="DM Mono" panose="020B0509040201040103" pitchFamily="49" charset="0"/>
+            </a:endParaRPr>
+          </a:p>
+        </p:txBody>
+      </p:sp>
+      <p:sp>
+        <p:nvSpPr>
+          <p:cNvPr id="32" name="직사각형 31">
+            <a:extLst>
+              <a:ext uri="{FF2B5EF4-FFF2-40B4-BE49-F238E27FC236}">
+                <a16:creationId xmlns:a16="http://schemas.microsoft.com/office/drawing/2014/main" id="{15B9E103-904F-DA6A-5793-F637AC7BA763}"/>
+              </a:ext>
+            </a:extLst>
+          </p:cNvPr>
+          <p:cNvSpPr/>
+          <p:nvPr/>
+        </p:nvSpPr>
+        <p:spPr>
+          <a:xfrm>
+            <a:off x="8738655" y="1733134"/>
+            <a:ext cx="2277097" cy="543464"/>
+          </a:xfrm>
+          <a:prstGeom prst="rect">
+            <a:avLst/>
+          </a:prstGeom>
+          <a:solidFill>
+            <a:srgbClr val="FFFF00"/>
+          </a:solidFill>
+        </p:spPr>
+        <p:style>
+          <a:lnRef idx="2">
+            <a:schemeClr val="accent4">
+              <a:shade val="50000"/>
+            </a:schemeClr>
+          </a:lnRef>
+          <a:fillRef idx="1">
+            <a:schemeClr val="accent4"/>
+          </a:fillRef>
+          <a:effectRef idx="0">
+            <a:schemeClr val="accent4"/>
+          </a:effectRef>
+          <a:fontRef idx="minor">
+            <a:schemeClr val="lt1"/>
+          </a:fontRef>
+        </p:style>
+        <p:txBody>
+          <a:bodyPr rtlCol="0" anchor="ctr"/>
+          <a:lstStyle/>
+          <a:p>
+            <a:pPr algn="ctr"/>
+            <a:r>
+              <a:rPr kumimoji="1" lang="en-US" altLang="ko-Kore-KR" sz="1600" dirty="0">
+                <a:solidFill>
+                  <a:schemeClr val="tx1"/>
+                </a:solidFill>
+                <a:latin typeface="DM Mono" panose="020B0509040201040103" pitchFamily="49" charset="0"/>
+              </a:rPr>
+              <a:t>&amp;Animal::~Animal</a:t>
+            </a:r>
+            <a:endParaRPr kumimoji="1" lang="ko-Kore-KR" altLang="en-US" sz="1600" dirty="0">
+              <a:solidFill>
+                <a:schemeClr val="tx1"/>
+              </a:solidFill>
+              <a:latin typeface="DM Mono" panose="020B0509040201040103" pitchFamily="49" charset="0"/>
+            </a:endParaRPr>
+          </a:p>
+        </p:txBody>
+      </p:sp>
+      <p:sp>
+        <p:nvSpPr>
+          <p:cNvPr id="33" name="직사각형 32">
+            <a:extLst>
+              <a:ext uri="{FF2B5EF4-FFF2-40B4-BE49-F238E27FC236}">
+                <a16:creationId xmlns:a16="http://schemas.microsoft.com/office/drawing/2014/main" id="{1673952C-5809-DF3A-E5EC-B7A9B0EE7961}"/>
+              </a:ext>
+            </a:extLst>
+          </p:cNvPr>
+          <p:cNvSpPr/>
+          <p:nvPr/>
+        </p:nvSpPr>
+        <p:spPr>
+          <a:xfrm>
+            <a:off x="9121268" y="4161764"/>
+            <a:ext cx="2277097" cy="543464"/>
+          </a:xfrm>
+          <a:prstGeom prst="rect">
+            <a:avLst/>
+          </a:prstGeom>
+          <a:solidFill>
+            <a:srgbClr val="FFFF00"/>
+          </a:solidFill>
+        </p:spPr>
+        <p:style>
+          <a:lnRef idx="2">
+            <a:schemeClr val="accent4">
+              <a:shade val="50000"/>
+            </a:schemeClr>
+          </a:lnRef>
+          <a:fillRef idx="1">
+            <a:schemeClr val="accent4"/>
+          </a:fillRef>
+          <a:effectRef idx="0">
+            <a:schemeClr val="accent4"/>
+          </a:effectRef>
+          <a:fontRef idx="minor">
+            <a:schemeClr val="lt1"/>
+          </a:fontRef>
+        </p:style>
+        <p:txBody>
+          <a:bodyPr rtlCol="0" anchor="ctr"/>
+          <a:lstStyle/>
+          <a:p>
+            <a:pPr algn="ctr"/>
+            <a:r>
+              <a:rPr kumimoji="1" lang="en-US" altLang="ko-Kore-KR" sz="1600" dirty="0">
+                <a:solidFill>
+                  <a:schemeClr val="tx1"/>
+                </a:solidFill>
+                <a:latin typeface="DM Mono" panose="020B0509040201040103" pitchFamily="49" charset="0"/>
+              </a:rPr>
+              <a:t>&amp;Dog::~Dog</a:t>
+            </a:r>
+            <a:endParaRPr kumimoji="1" lang="ko-Kore-KR" altLang="en-US" sz="1600" dirty="0">
+              <a:solidFill>
+                <a:schemeClr val="tx1"/>
+              </a:solidFill>
+              <a:latin typeface="DM Mono" panose="020B0509040201040103" pitchFamily="49" charset="0"/>
+            </a:endParaRPr>
+          </a:p>
+        </p:txBody>
+      </p:sp>
+      <p:sp>
+        <p:nvSpPr>
+          <p:cNvPr id="34" name="직사각형 33">
+            <a:extLst>
+              <a:ext uri="{FF2B5EF4-FFF2-40B4-BE49-F238E27FC236}">
+                <a16:creationId xmlns:a16="http://schemas.microsoft.com/office/drawing/2014/main" id="{7B04C9C2-E07B-8EE2-57BF-BC5AF51B32FF}"/>
+              </a:ext>
+            </a:extLst>
+          </p:cNvPr>
+          <p:cNvSpPr/>
+          <p:nvPr/>
+        </p:nvSpPr>
+        <p:spPr>
+          <a:xfrm>
+            <a:off x="4848036" y="3078013"/>
+            <a:ext cx="1242204" cy="543464"/>
+          </a:xfrm>
+          <a:prstGeom prst="rect">
+            <a:avLst/>
+          </a:prstGeom>
+          <a:solidFill>
+            <a:srgbClr val="FFFF00"/>
+          </a:solidFill>
+        </p:spPr>
+        <p:style>
+          <a:lnRef idx="2">
+            <a:schemeClr val="accent4">
+              <a:shade val="50000"/>
+            </a:schemeClr>
+          </a:lnRef>
+          <a:fillRef idx="1">
+            <a:schemeClr val="accent4"/>
+          </a:fillRef>
+          <a:effectRef idx="0">
+            <a:schemeClr val="accent4"/>
+          </a:effectRef>
+          <a:fontRef idx="minor">
+            <a:schemeClr val="lt1"/>
+          </a:fontRef>
+        </p:style>
+        <p:txBody>
+          <a:bodyPr rtlCol="0" anchor="ctr"/>
+          <a:lstStyle/>
+          <a:p>
+            <a:pPr algn="ctr"/>
+            <a:endParaRPr kumimoji="1" lang="ko-Kore-KR" altLang="en-US" sz="1600" dirty="0">
+              <a:solidFill>
+                <a:schemeClr val="tx1"/>
+              </a:solidFill>
+              <a:latin typeface="DM Mono" panose="020B0509040201040103" pitchFamily="49" charset="0"/>
+            </a:endParaRPr>
+          </a:p>
+        </p:txBody>
+      </p:sp>
+      <p:sp>
+        <p:nvSpPr>
+          <p:cNvPr id="36" name="TextBox 35">
+            <a:extLst>
+              <a:ext uri="{FF2B5EF4-FFF2-40B4-BE49-F238E27FC236}">
+                <a16:creationId xmlns:a16="http://schemas.microsoft.com/office/drawing/2014/main" id="{3EB547E2-8216-1850-3988-8257A9919971}"/>
+              </a:ext>
+            </a:extLst>
+          </p:cNvPr>
+          <p:cNvSpPr txBox="1"/>
+          <p:nvPr/>
+        </p:nvSpPr>
+        <p:spPr>
+          <a:xfrm>
+            <a:off x="5360995" y="2203452"/>
+            <a:ext cx="714829" cy="369332"/>
+          </a:xfrm>
+          <a:prstGeom prst="rect">
+            <a:avLst/>
+          </a:prstGeom>
+          <a:noFill/>
+        </p:spPr>
+        <p:txBody>
+          <a:bodyPr wrap="square">
+            <a:spAutoFit/>
+          </a:bodyPr>
+          <a:lstStyle/>
+          <a:p>
+            <a:r>
+              <a:rPr lang="en-US" altLang="ko-Kore-KR" dirty="0">
+                <a:latin typeface="DM Mono" panose="020B0509040201040103" pitchFamily="49" charset="0"/>
+              </a:rPr>
+              <a:t>p</a:t>
+            </a:r>
+            <a:endParaRPr lang="ko-Kore-KR" altLang="en-US" dirty="0"/>
+          </a:p>
+        </p:txBody>
+      </p:sp>
+      <p:cxnSp>
+        <p:nvCxnSpPr>
+          <p:cNvPr id="37" name="구부러진 연결선[U] 36">
+            <a:extLst>
+              <a:ext uri="{FF2B5EF4-FFF2-40B4-BE49-F238E27FC236}">
+                <a16:creationId xmlns:a16="http://schemas.microsoft.com/office/drawing/2014/main" id="{757AC017-8E45-C3EB-8A86-F83630F431A1}"/>
+              </a:ext>
+            </a:extLst>
+          </p:cNvPr>
+          <p:cNvCxnSpPr>
+            <a:cxnSpLocks/>
+            <a:stCxn id="34" idx="3"/>
+            <a:endCxn id="30" idx="3"/>
+          </p:cNvCxnSpPr>
+          <p:nvPr/>
+        </p:nvCxnSpPr>
+        <p:spPr>
+          <a:xfrm flipV="1">
+            <a:off x="6090240" y="869206"/>
+            <a:ext cx="388378" cy="2480539"/>
+          </a:xfrm>
+          <a:prstGeom prst="curvedConnector3">
+            <a:avLst>
+              <a:gd name="adj1" fmla="val 158860"/>
+            </a:avLst>
+          </a:prstGeom>
+          <a:ln>
+            <a:tailEnd type="triangle"/>
+          </a:ln>
+        </p:spPr>
+        <p:style>
+          <a:lnRef idx="1">
+            <a:schemeClr val="dk1"/>
+          </a:lnRef>
+          <a:fillRef idx="0">
+            <a:schemeClr val="dk1"/>
+          </a:fillRef>
+          <a:effectRef idx="0">
+            <a:schemeClr val="dk1"/>
+          </a:effectRef>
+          <a:fontRef idx="minor">
+            <a:schemeClr val="tx1"/>
+          </a:fontRef>
+        </p:style>
+      </p:cxnSp>
+    </p:spTree>
+    <p:extLst>
+      <p:ext uri="{BB962C8B-B14F-4D97-AF65-F5344CB8AC3E}">
+        <p14:creationId xmlns:p14="http://schemas.microsoft.com/office/powerpoint/2010/main" val="405845159"/>
+      </p:ext>
+    </p:extLst>
+  </p:cSld>
+  <p:clrMapOvr>
+    <a:masterClrMapping/>
+  </p:clrMapOvr>
+</p:sld>
+</file>
+
 <file path=ppt/slides/slide3.xml><?xml version="1.0" encoding="utf-8"?>
 <p:sld xmlns:a="http://schemas.openxmlformats.org/drawingml/2006/main" xmlns:r="http://schemas.openxmlformats.org/officeDocument/2006/relationships" xmlns:p="http://schemas.openxmlformats.org/presentationml/2006/main">
   <p:cSld>
@@ -19399,6 +24915,2971 @@
     <p:extLst>
       <p:ext uri="{BB962C8B-B14F-4D97-AF65-F5344CB8AC3E}">
         <p14:creationId xmlns:p14="http://schemas.microsoft.com/office/powerpoint/2010/main" val="3274576931"/>
+      </p:ext>
+    </p:extLst>
+  </p:cSld>
+  <p:clrMapOvr>
+    <a:masterClrMapping/>
+  </p:clrMapOvr>
+</p:sld>
+</file>
+
+<file path=ppt/slides/slide30.xml><?xml version="1.0" encoding="utf-8"?>
+<p:sld xmlns:a="http://schemas.openxmlformats.org/drawingml/2006/main" xmlns:r="http://schemas.openxmlformats.org/officeDocument/2006/relationships" xmlns:p="http://schemas.openxmlformats.org/presentationml/2006/main">
+  <p:cSld>
+    <p:spTree>
+      <p:nvGrpSpPr>
+        <p:cNvPr id="1" name=""/>
+        <p:cNvGrpSpPr/>
+        <p:nvPr/>
+      </p:nvGrpSpPr>
+      <p:grpSpPr>
+        <a:xfrm>
+          <a:off x="0" y="0"/>
+          <a:ext cx="0" cy="0"/>
+          <a:chOff x="0" y="0"/>
+          <a:chExt cx="0" cy="0"/>
+        </a:xfrm>
+      </p:grpSpPr>
+      <p:sp>
+        <p:nvSpPr>
+          <p:cNvPr id="5" name="TextBox 4">
+            <a:extLst>
+              <a:ext uri="{FF2B5EF4-FFF2-40B4-BE49-F238E27FC236}">
+                <a16:creationId xmlns:a16="http://schemas.microsoft.com/office/drawing/2014/main" id="{16585DA1-2063-D0BB-B202-9795908530E4}"/>
+              </a:ext>
+            </a:extLst>
+          </p:cNvPr>
+          <p:cNvSpPr txBox="1"/>
+          <p:nvPr/>
+        </p:nvSpPr>
+        <p:spPr>
+          <a:xfrm>
+            <a:off x="338587" y="179311"/>
+            <a:ext cx="6094562" cy="5909310"/>
+          </a:xfrm>
+          <a:prstGeom prst="rect">
+            <a:avLst/>
+          </a:prstGeom>
+          <a:noFill/>
+        </p:spPr>
+        <p:txBody>
+          <a:bodyPr wrap="square">
+            <a:spAutoFit/>
+          </a:bodyPr>
+          <a:lstStyle/>
+          <a:p>
+            <a:r>
+              <a:rPr lang="ko-Kore-KR" altLang="en-US" dirty="0">
+                <a:latin typeface="DM Mono" panose="020B0509040201040103" pitchFamily="49" charset="0"/>
+              </a:rPr>
+              <a:t>class Animal {</a:t>
+            </a:r>
+          </a:p>
+          <a:p>
+            <a:r>
+              <a:rPr lang="ko-Kore-KR" altLang="en-US" dirty="0">
+                <a:latin typeface="DM Mono" panose="020B0509040201040103" pitchFamily="49" charset="0"/>
+              </a:rPr>
+              <a:t>    int color;</a:t>
+            </a:r>
+          </a:p>
+          <a:p>
+            <a:r>
+              <a:rPr lang="ko-Kore-KR" altLang="en-US" dirty="0">
+                <a:latin typeface="DM Mono" panose="020B0509040201040103" pitchFamily="49" charset="0"/>
+              </a:rPr>
+              <a:t>public:</a:t>
+            </a:r>
+            <a:endParaRPr lang="en-US" altLang="ko-Kore-KR" dirty="0">
+              <a:latin typeface="DM Mono" panose="020B0509040201040103" pitchFamily="49" charset="0"/>
+            </a:endParaRPr>
+          </a:p>
+          <a:p>
+            <a:r>
+              <a:rPr lang="en-US" altLang="ko-Kore-KR" dirty="0">
+                <a:latin typeface="DM Mono" panose="020B0509040201040103" pitchFamily="49" charset="0"/>
+              </a:rPr>
+              <a:t>     virtual void Go();</a:t>
+            </a:r>
+          </a:p>
+          <a:p>
+            <a:r>
+              <a:rPr lang="en-US" altLang="ko-Kore-KR" dirty="0">
+                <a:latin typeface="DM Mono" panose="020B0509040201040103" pitchFamily="49" charset="0"/>
+              </a:rPr>
+              <a:t>     virtual void Hello();</a:t>
+            </a:r>
+          </a:p>
+          <a:p>
+            <a:r>
+              <a:rPr lang="en-US" altLang="ko-Kore-KR" dirty="0">
+                <a:latin typeface="DM Mono" panose="020B0509040201040103" pitchFamily="49" charset="0"/>
+              </a:rPr>
+              <a:t>     virtual ~Animal(); 		</a:t>
+            </a:r>
+          </a:p>
+          <a:p>
+            <a:r>
+              <a:rPr lang="en-US" altLang="ko-Kore-KR" dirty="0">
+                <a:latin typeface="DM Mono" panose="020B0509040201040103" pitchFamily="49" charset="0"/>
+              </a:rPr>
+              <a:t>};</a:t>
+            </a:r>
+          </a:p>
+          <a:p>
+            <a:endParaRPr lang="ko-Kore-KR" altLang="en-US" dirty="0">
+              <a:latin typeface="DM Mono" panose="020B0509040201040103" pitchFamily="49" charset="0"/>
+            </a:endParaRPr>
+          </a:p>
+          <a:p>
+            <a:r>
+              <a:rPr lang="ko-Kore-KR" altLang="en-US" dirty="0">
+                <a:latin typeface="DM Mono" panose="020B0509040201040103" pitchFamily="49" charset="0"/>
+              </a:rPr>
+              <a:t>class Dog : public Animal {</a:t>
+            </a:r>
+            <a:endParaRPr lang="en-US" altLang="ko-Kore-KR" dirty="0">
+              <a:latin typeface="DM Mono" panose="020B0509040201040103" pitchFamily="49" charset="0"/>
+            </a:endParaRPr>
+          </a:p>
+          <a:p>
+            <a:r>
+              <a:rPr lang="en-US" altLang="ko-Kore-KR" dirty="0">
+                <a:latin typeface="DM Mono" panose="020B0509040201040103" pitchFamily="49" charset="0"/>
+              </a:rPr>
+              <a:t>    int age;</a:t>
+            </a:r>
+            <a:endParaRPr lang="ko-Kore-KR" altLang="en-US" dirty="0">
+              <a:latin typeface="DM Mono" panose="020B0509040201040103" pitchFamily="49" charset="0"/>
+            </a:endParaRPr>
+          </a:p>
+          <a:p>
+            <a:r>
+              <a:rPr lang="ko-Kore-KR" altLang="en-US" dirty="0">
+                <a:latin typeface="DM Mono" panose="020B0509040201040103" pitchFamily="49" charset="0"/>
+              </a:rPr>
+              <a:t>public:</a:t>
+            </a:r>
+            <a:endParaRPr lang="en-US" altLang="ko-Kore-KR" dirty="0">
+              <a:latin typeface="DM Mono" panose="020B0509040201040103" pitchFamily="49" charset="0"/>
+            </a:endParaRPr>
+          </a:p>
+          <a:p>
+            <a:r>
+              <a:rPr lang="en-US" altLang="ko-Kore-KR" dirty="0">
+                <a:latin typeface="DM Mono" panose="020B0509040201040103" pitchFamily="49" charset="0"/>
+              </a:rPr>
+              <a:t>    void Hello() override {}</a:t>
+            </a:r>
+            <a:endParaRPr lang="ko-Kore-KR" altLang="en-US" dirty="0">
+              <a:latin typeface="DM Mono" panose="020B0509040201040103" pitchFamily="49" charset="0"/>
+            </a:endParaRPr>
+          </a:p>
+          <a:p>
+            <a:r>
+              <a:rPr lang="ko-Kore-KR" altLang="en-US" dirty="0">
+                <a:latin typeface="DM Mono" panose="020B0509040201040103" pitchFamily="49" charset="0"/>
+              </a:rPr>
+              <a:t>};</a:t>
+            </a:r>
+          </a:p>
+          <a:p>
+            <a:endParaRPr lang="ko-Kore-KR" altLang="en-US" dirty="0">
+              <a:latin typeface="DM Mono" panose="020B0509040201040103" pitchFamily="49" charset="0"/>
+            </a:endParaRPr>
+          </a:p>
+          <a:p>
+            <a:endParaRPr lang="ko-Kore-KR" altLang="en-US" dirty="0">
+              <a:latin typeface="DM Mono" panose="020B0509040201040103" pitchFamily="49" charset="0"/>
+            </a:endParaRPr>
+          </a:p>
+          <a:p>
+            <a:r>
+              <a:rPr lang="ko-Kore-KR" altLang="en-US" dirty="0">
+                <a:latin typeface="DM Mono" panose="020B0509040201040103" pitchFamily="49" charset="0"/>
+              </a:rPr>
+              <a:t>int main()</a:t>
+            </a:r>
+          </a:p>
+          <a:p>
+            <a:r>
+              <a:rPr lang="ko-Kore-KR" altLang="en-US" dirty="0">
+                <a:latin typeface="DM Mono" panose="020B0509040201040103" pitchFamily="49" charset="0"/>
+              </a:rPr>
+              <a:t>{</a:t>
+            </a:r>
+          </a:p>
+          <a:p>
+            <a:r>
+              <a:rPr lang="en" altLang="ko-Kore-KR" dirty="0">
+                <a:latin typeface="DM Mono" panose="020B0509040201040103" pitchFamily="49" charset="0"/>
+              </a:rPr>
+              <a:t>    Animal* p = &amp;d;</a:t>
+            </a:r>
+          </a:p>
+          <a:p>
+            <a:r>
+              <a:rPr lang="en" altLang="ko-Kore-KR" dirty="0">
+                <a:solidFill>
+                  <a:srgbClr val="FF0000"/>
+                </a:solidFill>
+                <a:latin typeface="DM Mono" panose="020B0509040201040103" pitchFamily="49" charset="0"/>
+              </a:rPr>
+              <a:t>    p-&gt;Go();</a:t>
+            </a:r>
+          </a:p>
+          <a:p>
+            <a:r>
+              <a:rPr lang="en" altLang="ko-Kore-KR" dirty="0">
+                <a:solidFill>
+                  <a:srgbClr val="FF0000"/>
+                </a:solidFill>
+                <a:latin typeface="DM Mono" panose="020B0509040201040103" pitchFamily="49" charset="0"/>
+              </a:rPr>
+              <a:t>    // (p-&gt;</a:t>
+            </a:r>
+            <a:r>
+              <a:rPr lang="en" altLang="ko-Kore-KR" dirty="0" err="1">
+                <a:solidFill>
+                  <a:srgbClr val="FF0000"/>
+                </a:solidFill>
+                <a:latin typeface="DM Mono" panose="020B0509040201040103" pitchFamily="49" charset="0"/>
+              </a:rPr>
+              <a:t>vftp</a:t>
+            </a:r>
+            <a:r>
+              <a:rPr lang="en" altLang="ko-Kore-KR" dirty="0">
+                <a:solidFill>
+                  <a:srgbClr val="FF0000"/>
+                </a:solidFill>
+                <a:latin typeface="DM Mono" panose="020B0509040201040103" pitchFamily="49" charset="0"/>
+              </a:rPr>
+              <a:t>)[0](p);</a:t>
+            </a:r>
+          </a:p>
+          <a:p>
+            <a:r>
+              <a:rPr lang="en-US" altLang="ko-Kore-KR" dirty="0">
+                <a:latin typeface="DM Mono" panose="020B0509040201040103" pitchFamily="49" charset="0"/>
+              </a:rPr>
+              <a:t>}</a:t>
+            </a:r>
+            <a:endParaRPr lang="ko-Kore-KR" altLang="en-US" dirty="0">
+              <a:latin typeface="DM Mono" panose="020B0509040201040103" pitchFamily="49" charset="0"/>
+            </a:endParaRPr>
+          </a:p>
+        </p:txBody>
+      </p:sp>
+      <p:sp>
+        <p:nvSpPr>
+          <p:cNvPr id="11" name="직사각형 10">
+            <a:extLst>
+              <a:ext uri="{FF2B5EF4-FFF2-40B4-BE49-F238E27FC236}">
+                <a16:creationId xmlns:a16="http://schemas.microsoft.com/office/drawing/2014/main" id="{6F6BC458-AAB3-2692-EB74-490CB8CA849C}"/>
+              </a:ext>
+            </a:extLst>
+          </p:cNvPr>
+          <p:cNvSpPr/>
+          <p:nvPr/>
+        </p:nvSpPr>
+        <p:spPr>
+          <a:xfrm>
+            <a:off x="6559227" y="4889625"/>
+            <a:ext cx="1242204" cy="543464"/>
+          </a:xfrm>
+          <a:prstGeom prst="rect">
+            <a:avLst/>
+          </a:prstGeom>
+          <a:solidFill>
+            <a:srgbClr val="FFC000"/>
+          </a:solidFill>
+        </p:spPr>
+        <p:style>
+          <a:lnRef idx="2">
+            <a:schemeClr val="accent4">
+              <a:shade val="50000"/>
+            </a:schemeClr>
+          </a:lnRef>
+          <a:fillRef idx="1">
+            <a:schemeClr val="accent4"/>
+          </a:fillRef>
+          <a:effectRef idx="0">
+            <a:schemeClr val="accent4"/>
+          </a:effectRef>
+          <a:fontRef idx="minor">
+            <a:schemeClr val="lt1"/>
+          </a:fontRef>
+        </p:style>
+        <p:txBody>
+          <a:bodyPr rtlCol="0" anchor="ctr"/>
+          <a:lstStyle/>
+          <a:p>
+            <a:pPr algn="ctr"/>
+            <a:endParaRPr kumimoji="1" lang="ko-Kore-KR" altLang="en-US" sz="1600" dirty="0">
+              <a:solidFill>
+                <a:schemeClr val="tx1"/>
+              </a:solidFill>
+              <a:latin typeface="DM Mono" panose="020B0509040201040103" pitchFamily="49" charset="0"/>
+            </a:endParaRPr>
+          </a:p>
+        </p:txBody>
+      </p:sp>
+      <p:sp>
+        <p:nvSpPr>
+          <p:cNvPr id="12" name="TextBox 11">
+            <a:extLst>
+              <a:ext uri="{FF2B5EF4-FFF2-40B4-BE49-F238E27FC236}">
+                <a16:creationId xmlns:a16="http://schemas.microsoft.com/office/drawing/2014/main" id="{EE2C0D07-0AD5-F7AB-82CC-73E69F6EEF43}"/>
+              </a:ext>
+            </a:extLst>
+          </p:cNvPr>
+          <p:cNvSpPr txBox="1"/>
+          <p:nvPr/>
+        </p:nvSpPr>
+        <p:spPr>
+          <a:xfrm>
+            <a:off x="6740921" y="3922810"/>
+            <a:ext cx="878816" cy="369332"/>
+          </a:xfrm>
+          <a:prstGeom prst="rect">
+            <a:avLst/>
+          </a:prstGeom>
+          <a:noFill/>
+        </p:spPr>
+        <p:txBody>
+          <a:bodyPr wrap="square">
+            <a:spAutoFit/>
+          </a:bodyPr>
+          <a:lstStyle/>
+          <a:p>
+            <a:r>
+              <a:rPr lang="en-US" altLang="ko-Kore-KR" dirty="0">
+                <a:latin typeface="DM Mono" panose="020B0509040201040103" pitchFamily="49" charset="0"/>
+              </a:rPr>
+              <a:t>Dog d</a:t>
+            </a:r>
+            <a:endParaRPr lang="ko-Kore-KR" altLang="en-US" dirty="0"/>
+          </a:p>
+        </p:txBody>
+      </p:sp>
+      <p:sp>
+        <p:nvSpPr>
+          <p:cNvPr id="13" name="TextBox 12">
+            <a:extLst>
+              <a:ext uri="{FF2B5EF4-FFF2-40B4-BE49-F238E27FC236}">
+                <a16:creationId xmlns:a16="http://schemas.microsoft.com/office/drawing/2014/main" id="{A85F2A6A-C557-4327-EE28-7ED82CC6D8D9}"/>
+              </a:ext>
+            </a:extLst>
+          </p:cNvPr>
+          <p:cNvSpPr txBox="1"/>
+          <p:nvPr/>
+        </p:nvSpPr>
+        <p:spPr>
+          <a:xfrm>
+            <a:off x="5205896" y="4976691"/>
+            <a:ext cx="1353331" cy="369332"/>
+          </a:xfrm>
+          <a:prstGeom prst="rect">
+            <a:avLst/>
+          </a:prstGeom>
+          <a:noFill/>
+        </p:spPr>
+        <p:txBody>
+          <a:bodyPr wrap="square">
+            <a:spAutoFit/>
+          </a:bodyPr>
+          <a:lstStyle/>
+          <a:p>
+            <a:pPr algn="r"/>
+            <a:r>
+              <a:rPr lang="en-US" altLang="ko-Kore-KR" dirty="0">
+                <a:latin typeface="DM Mono" panose="020B0509040201040103" pitchFamily="49" charset="0"/>
+              </a:rPr>
+              <a:t>color</a:t>
+            </a:r>
+            <a:endParaRPr lang="ko-Kore-KR" altLang="en-US" dirty="0"/>
+          </a:p>
+        </p:txBody>
+      </p:sp>
+      <p:sp>
+        <p:nvSpPr>
+          <p:cNvPr id="16" name="직사각형 15">
+            <a:extLst>
+              <a:ext uri="{FF2B5EF4-FFF2-40B4-BE49-F238E27FC236}">
+                <a16:creationId xmlns:a16="http://schemas.microsoft.com/office/drawing/2014/main" id="{31EED7D1-AF9C-478F-413F-01FB3701DA32}"/>
+              </a:ext>
+            </a:extLst>
+          </p:cNvPr>
+          <p:cNvSpPr/>
+          <p:nvPr/>
+        </p:nvSpPr>
+        <p:spPr>
+          <a:xfrm>
+            <a:off x="6559227" y="5429839"/>
+            <a:ext cx="1242204" cy="543464"/>
+          </a:xfrm>
+          <a:prstGeom prst="rect">
+            <a:avLst/>
+          </a:prstGeom>
+          <a:solidFill>
+            <a:srgbClr val="FFFF00"/>
+          </a:solidFill>
+        </p:spPr>
+        <p:style>
+          <a:lnRef idx="2">
+            <a:schemeClr val="accent4">
+              <a:shade val="50000"/>
+            </a:schemeClr>
+          </a:lnRef>
+          <a:fillRef idx="1">
+            <a:schemeClr val="accent4"/>
+          </a:fillRef>
+          <a:effectRef idx="0">
+            <a:schemeClr val="accent4"/>
+          </a:effectRef>
+          <a:fontRef idx="minor">
+            <a:schemeClr val="lt1"/>
+          </a:fontRef>
+        </p:style>
+        <p:txBody>
+          <a:bodyPr rtlCol="0" anchor="ctr"/>
+          <a:lstStyle/>
+          <a:p>
+            <a:pPr algn="ctr"/>
+            <a:endParaRPr kumimoji="1" lang="ko-Kore-KR" altLang="en-US" sz="1600" dirty="0">
+              <a:solidFill>
+                <a:schemeClr val="tx1"/>
+              </a:solidFill>
+              <a:latin typeface="DM Mono" panose="020B0509040201040103" pitchFamily="49" charset="0"/>
+            </a:endParaRPr>
+          </a:p>
+        </p:txBody>
+      </p:sp>
+      <p:sp>
+        <p:nvSpPr>
+          <p:cNvPr id="17" name="TextBox 16">
+            <a:extLst>
+              <a:ext uri="{FF2B5EF4-FFF2-40B4-BE49-F238E27FC236}">
+                <a16:creationId xmlns:a16="http://schemas.microsoft.com/office/drawing/2014/main" id="{49C4124B-B6E6-F056-3FC6-3ED0182AAD98}"/>
+              </a:ext>
+            </a:extLst>
+          </p:cNvPr>
+          <p:cNvSpPr txBox="1"/>
+          <p:nvPr/>
+        </p:nvSpPr>
+        <p:spPr>
+          <a:xfrm>
+            <a:off x="5621254" y="5516905"/>
+            <a:ext cx="937973" cy="369332"/>
+          </a:xfrm>
+          <a:prstGeom prst="rect">
+            <a:avLst/>
+          </a:prstGeom>
+          <a:noFill/>
+        </p:spPr>
+        <p:txBody>
+          <a:bodyPr wrap="square">
+            <a:spAutoFit/>
+          </a:bodyPr>
+          <a:lstStyle/>
+          <a:p>
+            <a:pPr algn="r"/>
+            <a:r>
+              <a:rPr lang="en-US" altLang="ko-Kore-KR" dirty="0">
+                <a:latin typeface="DM Mono" panose="020B0509040201040103" pitchFamily="49" charset="0"/>
+              </a:rPr>
+              <a:t>age</a:t>
+            </a:r>
+            <a:endParaRPr lang="ko-Kore-KR" altLang="en-US" dirty="0"/>
+          </a:p>
+        </p:txBody>
+      </p:sp>
+      <p:sp>
+        <p:nvSpPr>
+          <p:cNvPr id="6" name="직사각형 5">
+            <a:extLst>
+              <a:ext uri="{FF2B5EF4-FFF2-40B4-BE49-F238E27FC236}">
+                <a16:creationId xmlns:a16="http://schemas.microsoft.com/office/drawing/2014/main" id="{61CA6490-9C84-624B-854F-31F38BC64358}"/>
+              </a:ext>
+            </a:extLst>
+          </p:cNvPr>
+          <p:cNvSpPr/>
+          <p:nvPr/>
+        </p:nvSpPr>
+        <p:spPr>
+          <a:xfrm>
+            <a:off x="6559227" y="4330714"/>
+            <a:ext cx="1242204" cy="543464"/>
+          </a:xfrm>
+          <a:prstGeom prst="rect">
+            <a:avLst/>
+          </a:prstGeom>
+          <a:solidFill>
+            <a:srgbClr val="FFFF00"/>
+          </a:solidFill>
+        </p:spPr>
+        <p:style>
+          <a:lnRef idx="2">
+            <a:schemeClr val="accent4">
+              <a:shade val="50000"/>
+            </a:schemeClr>
+          </a:lnRef>
+          <a:fillRef idx="1">
+            <a:schemeClr val="accent4"/>
+          </a:fillRef>
+          <a:effectRef idx="0">
+            <a:schemeClr val="accent4"/>
+          </a:effectRef>
+          <a:fontRef idx="minor">
+            <a:schemeClr val="lt1"/>
+          </a:fontRef>
+        </p:style>
+        <p:txBody>
+          <a:bodyPr rtlCol="0" anchor="ctr"/>
+          <a:lstStyle/>
+          <a:p>
+            <a:pPr algn="ctr"/>
+            <a:endParaRPr kumimoji="1" lang="ko-Kore-KR" altLang="en-US" sz="1600" dirty="0">
+              <a:solidFill>
+                <a:schemeClr val="tx1"/>
+              </a:solidFill>
+              <a:latin typeface="DM Mono" panose="020B0509040201040103" pitchFamily="49" charset="0"/>
+            </a:endParaRPr>
+          </a:p>
+        </p:txBody>
+      </p:sp>
+      <p:sp>
+        <p:nvSpPr>
+          <p:cNvPr id="14" name="TextBox 13">
+            <a:extLst>
+              <a:ext uri="{FF2B5EF4-FFF2-40B4-BE49-F238E27FC236}">
+                <a16:creationId xmlns:a16="http://schemas.microsoft.com/office/drawing/2014/main" id="{F65602B3-21A0-F5C4-3F1D-B0D1B9DCD983}"/>
+              </a:ext>
+            </a:extLst>
+          </p:cNvPr>
+          <p:cNvSpPr txBox="1"/>
+          <p:nvPr/>
+        </p:nvSpPr>
+        <p:spPr>
+          <a:xfrm>
+            <a:off x="5522804" y="4417780"/>
+            <a:ext cx="973384" cy="369332"/>
+          </a:xfrm>
+          <a:prstGeom prst="rect">
+            <a:avLst/>
+          </a:prstGeom>
+          <a:noFill/>
+        </p:spPr>
+        <p:txBody>
+          <a:bodyPr wrap="square">
+            <a:spAutoFit/>
+          </a:bodyPr>
+          <a:lstStyle/>
+          <a:p>
+            <a:pPr algn="r"/>
+            <a:r>
+              <a:rPr lang="en-US" altLang="ko-Kore-KR" dirty="0" err="1">
+                <a:latin typeface="DM Mono" panose="020B0509040201040103" pitchFamily="49" charset="0"/>
+              </a:rPr>
+              <a:t>vftp</a:t>
+            </a:r>
+            <a:endParaRPr lang="ko-Kore-KR" altLang="en-US" dirty="0"/>
+          </a:p>
+        </p:txBody>
+      </p:sp>
+      <p:sp>
+        <p:nvSpPr>
+          <p:cNvPr id="15" name="직사각형 14">
+            <a:extLst>
+              <a:ext uri="{FF2B5EF4-FFF2-40B4-BE49-F238E27FC236}">
+                <a16:creationId xmlns:a16="http://schemas.microsoft.com/office/drawing/2014/main" id="{F411EF05-36A6-0220-AE51-488F3660B278}"/>
+              </a:ext>
+            </a:extLst>
+          </p:cNvPr>
+          <p:cNvSpPr/>
+          <p:nvPr/>
+        </p:nvSpPr>
+        <p:spPr>
+          <a:xfrm>
+            <a:off x="8738834" y="643974"/>
+            <a:ext cx="2277097" cy="543464"/>
+          </a:xfrm>
+          <a:prstGeom prst="rect">
+            <a:avLst/>
+          </a:prstGeom>
+          <a:solidFill>
+            <a:srgbClr val="FFFF00"/>
+          </a:solidFill>
+        </p:spPr>
+        <p:style>
+          <a:lnRef idx="2">
+            <a:schemeClr val="accent4">
+              <a:shade val="50000"/>
+            </a:schemeClr>
+          </a:lnRef>
+          <a:fillRef idx="1">
+            <a:schemeClr val="accent4"/>
+          </a:fillRef>
+          <a:effectRef idx="0">
+            <a:schemeClr val="accent4"/>
+          </a:effectRef>
+          <a:fontRef idx="minor">
+            <a:schemeClr val="lt1"/>
+          </a:fontRef>
+        </p:style>
+        <p:txBody>
+          <a:bodyPr rtlCol="0" anchor="ctr"/>
+          <a:lstStyle/>
+          <a:p>
+            <a:pPr algn="ctr"/>
+            <a:r>
+              <a:rPr kumimoji="1" lang="en-US" altLang="ko-Kore-KR" sz="1600" dirty="0">
+                <a:solidFill>
+                  <a:schemeClr val="tx1"/>
+                </a:solidFill>
+                <a:latin typeface="DM Mono" panose="020B0509040201040103" pitchFamily="49" charset="0"/>
+              </a:rPr>
+              <a:t>&amp;Animal::Go</a:t>
+            </a:r>
+            <a:endParaRPr kumimoji="1" lang="ko-Kore-KR" altLang="en-US" sz="1600" dirty="0">
+              <a:solidFill>
+                <a:schemeClr val="tx1"/>
+              </a:solidFill>
+              <a:latin typeface="DM Mono" panose="020B0509040201040103" pitchFamily="49" charset="0"/>
+            </a:endParaRPr>
+          </a:p>
+        </p:txBody>
+      </p:sp>
+      <p:sp>
+        <p:nvSpPr>
+          <p:cNvPr id="19" name="TextBox 18">
+            <a:extLst>
+              <a:ext uri="{FF2B5EF4-FFF2-40B4-BE49-F238E27FC236}">
+                <a16:creationId xmlns:a16="http://schemas.microsoft.com/office/drawing/2014/main" id="{1DF3FDD2-6A46-C25A-4DB9-7B8AFC6A6E8A}"/>
+              </a:ext>
+            </a:extLst>
+          </p:cNvPr>
+          <p:cNvSpPr txBox="1"/>
+          <p:nvPr/>
+        </p:nvSpPr>
+        <p:spPr>
+          <a:xfrm>
+            <a:off x="9387696" y="274642"/>
+            <a:ext cx="1119277" cy="369332"/>
+          </a:xfrm>
+          <a:prstGeom prst="rect">
+            <a:avLst/>
+          </a:prstGeom>
+          <a:noFill/>
+        </p:spPr>
+        <p:txBody>
+          <a:bodyPr wrap="square">
+            <a:spAutoFit/>
+          </a:bodyPr>
+          <a:lstStyle/>
+          <a:p>
+            <a:r>
+              <a:rPr lang="en-US" altLang="ko-Kore-KR" dirty="0">
+                <a:latin typeface="DM Mono" panose="020B0509040201040103" pitchFamily="49" charset="0"/>
+              </a:rPr>
+              <a:t>Animal</a:t>
+            </a:r>
+            <a:endParaRPr lang="ko-Kore-KR" altLang="en-US" dirty="0"/>
+          </a:p>
+        </p:txBody>
+      </p:sp>
+      <p:sp>
+        <p:nvSpPr>
+          <p:cNvPr id="22" name="직사각형 21">
+            <a:extLst>
+              <a:ext uri="{FF2B5EF4-FFF2-40B4-BE49-F238E27FC236}">
+                <a16:creationId xmlns:a16="http://schemas.microsoft.com/office/drawing/2014/main" id="{4C051FE3-E821-1F40-9457-516499E1341B}"/>
+              </a:ext>
+            </a:extLst>
+          </p:cNvPr>
+          <p:cNvSpPr/>
+          <p:nvPr/>
+        </p:nvSpPr>
+        <p:spPr>
+          <a:xfrm>
+            <a:off x="9069513" y="3232787"/>
+            <a:ext cx="2277097" cy="543464"/>
+          </a:xfrm>
+          <a:prstGeom prst="rect">
+            <a:avLst/>
+          </a:prstGeom>
+          <a:solidFill>
+            <a:srgbClr val="FFFF00"/>
+          </a:solidFill>
+        </p:spPr>
+        <p:style>
+          <a:lnRef idx="2">
+            <a:schemeClr val="accent4">
+              <a:shade val="50000"/>
+            </a:schemeClr>
+          </a:lnRef>
+          <a:fillRef idx="1">
+            <a:schemeClr val="accent4"/>
+          </a:fillRef>
+          <a:effectRef idx="0">
+            <a:schemeClr val="accent4"/>
+          </a:effectRef>
+          <a:fontRef idx="minor">
+            <a:schemeClr val="lt1"/>
+          </a:fontRef>
+        </p:style>
+        <p:txBody>
+          <a:bodyPr rtlCol="0" anchor="ctr"/>
+          <a:lstStyle/>
+          <a:p>
+            <a:pPr algn="ctr"/>
+            <a:r>
+              <a:rPr kumimoji="1" lang="en-US" altLang="ko-Kore-KR" sz="1600" dirty="0">
+                <a:solidFill>
+                  <a:srgbClr val="FF0000"/>
+                </a:solidFill>
+                <a:latin typeface="DM Mono" panose="020B0509040201040103" pitchFamily="49" charset="0"/>
+              </a:rPr>
+              <a:t>&amp;Animal::Go</a:t>
+            </a:r>
+            <a:endParaRPr kumimoji="1" lang="ko-Kore-KR" altLang="en-US" sz="1600" dirty="0">
+              <a:solidFill>
+                <a:srgbClr val="FF0000"/>
+              </a:solidFill>
+              <a:latin typeface="DM Mono" panose="020B0509040201040103" pitchFamily="49" charset="0"/>
+            </a:endParaRPr>
+          </a:p>
+        </p:txBody>
+      </p:sp>
+      <p:cxnSp>
+        <p:nvCxnSpPr>
+          <p:cNvPr id="23" name="구부러진 연결선[U] 22">
+            <a:extLst>
+              <a:ext uri="{FF2B5EF4-FFF2-40B4-BE49-F238E27FC236}">
+                <a16:creationId xmlns:a16="http://schemas.microsoft.com/office/drawing/2014/main" id="{862EEC96-FD5A-E282-4CC0-334CF11BD97D}"/>
+              </a:ext>
+            </a:extLst>
+          </p:cNvPr>
+          <p:cNvCxnSpPr>
+            <a:cxnSpLocks/>
+            <a:stCxn id="6" idx="3"/>
+            <a:endCxn id="22" idx="1"/>
+          </p:cNvCxnSpPr>
+          <p:nvPr/>
+        </p:nvCxnSpPr>
+        <p:spPr>
+          <a:xfrm flipV="1">
+            <a:off x="7801431" y="3504519"/>
+            <a:ext cx="1268082" cy="1097927"/>
+          </a:xfrm>
+          <a:prstGeom prst="curvedConnector3">
+            <a:avLst/>
+          </a:prstGeom>
+          <a:ln>
+            <a:tailEnd type="triangle"/>
+          </a:ln>
+        </p:spPr>
+        <p:style>
+          <a:lnRef idx="1">
+            <a:schemeClr val="dk1"/>
+          </a:lnRef>
+          <a:fillRef idx="0">
+            <a:schemeClr val="dk1"/>
+          </a:fillRef>
+          <a:effectRef idx="0">
+            <a:schemeClr val="dk1"/>
+          </a:effectRef>
+          <a:fontRef idx="minor">
+            <a:schemeClr val="tx1"/>
+          </a:fontRef>
+        </p:style>
+      </p:cxnSp>
+      <p:sp>
+        <p:nvSpPr>
+          <p:cNvPr id="25" name="TextBox 24">
+            <a:extLst>
+              <a:ext uri="{FF2B5EF4-FFF2-40B4-BE49-F238E27FC236}">
+                <a16:creationId xmlns:a16="http://schemas.microsoft.com/office/drawing/2014/main" id="{0960025B-697D-C478-93AE-7E999DA7DB7B}"/>
+              </a:ext>
+            </a:extLst>
+          </p:cNvPr>
+          <p:cNvSpPr txBox="1"/>
+          <p:nvPr/>
+        </p:nvSpPr>
+        <p:spPr>
+          <a:xfrm>
+            <a:off x="9648422" y="2816812"/>
+            <a:ext cx="1119277" cy="369332"/>
+          </a:xfrm>
+          <a:prstGeom prst="rect">
+            <a:avLst/>
+          </a:prstGeom>
+          <a:noFill/>
+        </p:spPr>
+        <p:txBody>
+          <a:bodyPr wrap="square">
+            <a:spAutoFit/>
+          </a:bodyPr>
+          <a:lstStyle/>
+          <a:p>
+            <a:r>
+              <a:rPr lang="en-US" altLang="ko-Kore-KR" dirty="0">
+                <a:latin typeface="DM Mono" panose="020B0509040201040103" pitchFamily="49" charset="0"/>
+              </a:rPr>
+              <a:t>Dog</a:t>
+            </a:r>
+            <a:endParaRPr lang="ko-Kore-KR" altLang="en-US" dirty="0"/>
+          </a:p>
+        </p:txBody>
+      </p:sp>
+      <p:sp>
+        <p:nvSpPr>
+          <p:cNvPr id="26" name="직사각형 25">
+            <a:extLst>
+              <a:ext uri="{FF2B5EF4-FFF2-40B4-BE49-F238E27FC236}">
+                <a16:creationId xmlns:a16="http://schemas.microsoft.com/office/drawing/2014/main" id="{49621CC7-11EA-401A-0776-D420D1090983}"/>
+              </a:ext>
+            </a:extLst>
+          </p:cNvPr>
+          <p:cNvSpPr/>
+          <p:nvPr/>
+        </p:nvSpPr>
+        <p:spPr>
+          <a:xfrm>
+            <a:off x="6478618" y="1159870"/>
+            <a:ext cx="1242204" cy="543464"/>
+          </a:xfrm>
+          <a:prstGeom prst="rect">
+            <a:avLst/>
+          </a:prstGeom>
+          <a:solidFill>
+            <a:srgbClr val="FFC000"/>
+          </a:solidFill>
+        </p:spPr>
+        <p:style>
+          <a:lnRef idx="2">
+            <a:schemeClr val="accent4">
+              <a:shade val="50000"/>
+            </a:schemeClr>
+          </a:lnRef>
+          <a:fillRef idx="1">
+            <a:schemeClr val="accent4"/>
+          </a:fillRef>
+          <a:effectRef idx="0">
+            <a:schemeClr val="accent4"/>
+          </a:effectRef>
+          <a:fontRef idx="minor">
+            <a:schemeClr val="lt1"/>
+          </a:fontRef>
+        </p:style>
+        <p:txBody>
+          <a:bodyPr rtlCol="0" anchor="ctr"/>
+          <a:lstStyle/>
+          <a:p>
+            <a:pPr algn="ctr"/>
+            <a:endParaRPr kumimoji="1" lang="ko-Kore-KR" altLang="en-US" sz="1600" dirty="0">
+              <a:solidFill>
+                <a:schemeClr val="tx1"/>
+              </a:solidFill>
+              <a:latin typeface="DM Mono" panose="020B0509040201040103" pitchFamily="49" charset="0"/>
+            </a:endParaRPr>
+          </a:p>
+        </p:txBody>
+      </p:sp>
+      <p:sp>
+        <p:nvSpPr>
+          <p:cNvPr id="27" name="TextBox 26">
+            <a:extLst>
+              <a:ext uri="{FF2B5EF4-FFF2-40B4-BE49-F238E27FC236}">
+                <a16:creationId xmlns:a16="http://schemas.microsoft.com/office/drawing/2014/main" id="{0D529B5A-41F1-E91E-DFF8-6E176187431C}"/>
+              </a:ext>
+            </a:extLst>
+          </p:cNvPr>
+          <p:cNvSpPr txBox="1"/>
+          <p:nvPr/>
+        </p:nvSpPr>
+        <p:spPr>
+          <a:xfrm>
+            <a:off x="6182168" y="240087"/>
+            <a:ext cx="1735298" cy="369332"/>
+          </a:xfrm>
+          <a:prstGeom prst="rect">
+            <a:avLst/>
+          </a:prstGeom>
+          <a:noFill/>
+        </p:spPr>
+        <p:txBody>
+          <a:bodyPr wrap="square">
+            <a:spAutoFit/>
+          </a:bodyPr>
+          <a:lstStyle/>
+          <a:p>
+            <a:pPr algn="ctr"/>
+            <a:r>
+              <a:rPr lang="en-US" altLang="ko-Kore-KR" dirty="0">
+                <a:latin typeface="DM Mono" panose="020B0509040201040103" pitchFamily="49" charset="0"/>
+              </a:rPr>
+              <a:t>Animal a</a:t>
+            </a:r>
+            <a:endParaRPr lang="ko-Kore-KR" altLang="en-US" dirty="0"/>
+          </a:p>
+        </p:txBody>
+      </p:sp>
+      <p:sp>
+        <p:nvSpPr>
+          <p:cNvPr id="28" name="TextBox 27">
+            <a:extLst>
+              <a:ext uri="{FF2B5EF4-FFF2-40B4-BE49-F238E27FC236}">
+                <a16:creationId xmlns:a16="http://schemas.microsoft.com/office/drawing/2014/main" id="{BDA1FDB6-DF3A-8096-A470-C27011B627F7}"/>
+              </a:ext>
+            </a:extLst>
+          </p:cNvPr>
+          <p:cNvSpPr txBox="1"/>
+          <p:nvPr/>
+        </p:nvSpPr>
+        <p:spPr>
+          <a:xfrm>
+            <a:off x="5505235" y="1246936"/>
+            <a:ext cx="973384" cy="369332"/>
+          </a:xfrm>
+          <a:prstGeom prst="rect">
+            <a:avLst/>
+          </a:prstGeom>
+          <a:noFill/>
+        </p:spPr>
+        <p:txBody>
+          <a:bodyPr wrap="square">
+            <a:spAutoFit/>
+          </a:bodyPr>
+          <a:lstStyle/>
+          <a:p>
+            <a:pPr algn="r"/>
+            <a:r>
+              <a:rPr lang="en-US" altLang="ko-Kore-KR" dirty="0">
+                <a:latin typeface="DM Mono" panose="020B0509040201040103" pitchFamily="49" charset="0"/>
+              </a:rPr>
+              <a:t>color</a:t>
+            </a:r>
+            <a:endParaRPr lang="ko-Kore-KR" altLang="en-US" dirty="0"/>
+          </a:p>
+        </p:txBody>
+      </p:sp>
+      <p:sp>
+        <p:nvSpPr>
+          <p:cNvPr id="29" name="직사각형 28">
+            <a:extLst>
+              <a:ext uri="{FF2B5EF4-FFF2-40B4-BE49-F238E27FC236}">
+                <a16:creationId xmlns:a16="http://schemas.microsoft.com/office/drawing/2014/main" id="{826EC69F-50B3-82D1-0DA1-8ECD5742E9B6}"/>
+              </a:ext>
+            </a:extLst>
+          </p:cNvPr>
+          <p:cNvSpPr/>
+          <p:nvPr/>
+        </p:nvSpPr>
+        <p:spPr>
+          <a:xfrm>
+            <a:off x="6478618" y="616406"/>
+            <a:ext cx="1242204" cy="543464"/>
+          </a:xfrm>
+          <a:prstGeom prst="rect">
+            <a:avLst/>
+          </a:prstGeom>
+          <a:solidFill>
+            <a:srgbClr val="FFFF00"/>
+          </a:solidFill>
+        </p:spPr>
+        <p:style>
+          <a:lnRef idx="2">
+            <a:schemeClr val="accent4">
+              <a:shade val="50000"/>
+            </a:schemeClr>
+          </a:lnRef>
+          <a:fillRef idx="1">
+            <a:schemeClr val="accent4"/>
+          </a:fillRef>
+          <a:effectRef idx="0">
+            <a:schemeClr val="accent4"/>
+          </a:effectRef>
+          <a:fontRef idx="minor">
+            <a:schemeClr val="lt1"/>
+          </a:fontRef>
+        </p:style>
+        <p:txBody>
+          <a:bodyPr rtlCol="0" anchor="ctr"/>
+          <a:lstStyle/>
+          <a:p>
+            <a:pPr algn="ctr"/>
+            <a:endParaRPr kumimoji="1" lang="ko-Kore-KR" altLang="en-US" sz="1600" dirty="0">
+              <a:solidFill>
+                <a:schemeClr val="tx1"/>
+              </a:solidFill>
+              <a:latin typeface="DM Mono" panose="020B0509040201040103" pitchFamily="49" charset="0"/>
+            </a:endParaRPr>
+          </a:p>
+        </p:txBody>
+      </p:sp>
+      <p:sp>
+        <p:nvSpPr>
+          <p:cNvPr id="30" name="TextBox 29">
+            <a:extLst>
+              <a:ext uri="{FF2B5EF4-FFF2-40B4-BE49-F238E27FC236}">
+                <a16:creationId xmlns:a16="http://schemas.microsoft.com/office/drawing/2014/main" id="{E780F370-6EE9-52EC-F848-ECFFA3E865DB}"/>
+              </a:ext>
+            </a:extLst>
+          </p:cNvPr>
+          <p:cNvSpPr txBox="1"/>
+          <p:nvPr/>
+        </p:nvSpPr>
+        <p:spPr>
+          <a:xfrm>
+            <a:off x="5505234" y="684540"/>
+            <a:ext cx="973384" cy="369332"/>
+          </a:xfrm>
+          <a:prstGeom prst="rect">
+            <a:avLst/>
+          </a:prstGeom>
+          <a:noFill/>
+        </p:spPr>
+        <p:txBody>
+          <a:bodyPr wrap="square">
+            <a:spAutoFit/>
+          </a:bodyPr>
+          <a:lstStyle/>
+          <a:p>
+            <a:pPr algn="r"/>
+            <a:r>
+              <a:rPr lang="en-US" altLang="ko-Kore-KR" dirty="0" err="1">
+                <a:latin typeface="DM Mono" panose="020B0509040201040103" pitchFamily="49" charset="0"/>
+              </a:rPr>
+              <a:t>vftp</a:t>
+            </a:r>
+            <a:endParaRPr lang="ko-Kore-KR" altLang="en-US" dirty="0"/>
+          </a:p>
+        </p:txBody>
+      </p:sp>
+      <p:cxnSp>
+        <p:nvCxnSpPr>
+          <p:cNvPr id="31" name="구부러진 연결선[U] 30">
+            <a:extLst>
+              <a:ext uri="{FF2B5EF4-FFF2-40B4-BE49-F238E27FC236}">
+                <a16:creationId xmlns:a16="http://schemas.microsoft.com/office/drawing/2014/main" id="{C42FC7B3-D0E2-519F-161B-73395E5CA79E}"/>
+              </a:ext>
+            </a:extLst>
+          </p:cNvPr>
+          <p:cNvCxnSpPr>
+            <a:cxnSpLocks/>
+            <a:stCxn id="29" idx="3"/>
+            <a:endCxn id="15" idx="1"/>
+          </p:cNvCxnSpPr>
+          <p:nvPr/>
+        </p:nvCxnSpPr>
+        <p:spPr>
+          <a:xfrm>
+            <a:off x="7720822" y="888138"/>
+            <a:ext cx="1018012" cy="27568"/>
+          </a:xfrm>
+          <a:prstGeom prst="curvedConnector3">
+            <a:avLst/>
+          </a:prstGeom>
+          <a:ln>
+            <a:tailEnd type="triangle"/>
+          </a:ln>
+        </p:spPr>
+        <p:style>
+          <a:lnRef idx="1">
+            <a:schemeClr val="dk1"/>
+          </a:lnRef>
+          <a:fillRef idx="0">
+            <a:schemeClr val="dk1"/>
+          </a:fillRef>
+          <a:effectRef idx="0">
+            <a:schemeClr val="dk1"/>
+          </a:effectRef>
+          <a:fontRef idx="minor">
+            <a:schemeClr val="tx1"/>
+          </a:fontRef>
+        </p:style>
+      </p:cxnSp>
+      <p:sp>
+        <p:nvSpPr>
+          <p:cNvPr id="2" name="직사각형 1">
+            <a:extLst>
+              <a:ext uri="{FF2B5EF4-FFF2-40B4-BE49-F238E27FC236}">
+                <a16:creationId xmlns:a16="http://schemas.microsoft.com/office/drawing/2014/main" id="{2361E698-67EF-670C-9725-1B608BF1FE9C}"/>
+              </a:ext>
+            </a:extLst>
+          </p:cNvPr>
+          <p:cNvSpPr/>
+          <p:nvPr/>
+        </p:nvSpPr>
+        <p:spPr>
+          <a:xfrm>
+            <a:off x="8738834" y="1192920"/>
+            <a:ext cx="2277097" cy="543464"/>
+          </a:xfrm>
+          <a:prstGeom prst="rect">
+            <a:avLst/>
+          </a:prstGeom>
+          <a:solidFill>
+            <a:srgbClr val="FFFF00"/>
+          </a:solidFill>
+        </p:spPr>
+        <p:style>
+          <a:lnRef idx="2">
+            <a:schemeClr val="accent4">
+              <a:shade val="50000"/>
+            </a:schemeClr>
+          </a:lnRef>
+          <a:fillRef idx="1">
+            <a:schemeClr val="accent4"/>
+          </a:fillRef>
+          <a:effectRef idx="0">
+            <a:schemeClr val="accent4"/>
+          </a:effectRef>
+          <a:fontRef idx="minor">
+            <a:schemeClr val="lt1"/>
+          </a:fontRef>
+        </p:style>
+        <p:txBody>
+          <a:bodyPr rtlCol="0" anchor="ctr"/>
+          <a:lstStyle/>
+          <a:p>
+            <a:pPr algn="ctr"/>
+            <a:r>
+              <a:rPr kumimoji="1" lang="en-US" altLang="ko-Kore-KR" sz="1600" dirty="0">
+                <a:solidFill>
+                  <a:schemeClr val="tx1"/>
+                </a:solidFill>
+                <a:latin typeface="DM Mono" panose="020B0509040201040103" pitchFamily="49" charset="0"/>
+              </a:rPr>
+              <a:t>&amp;Animal::Hello</a:t>
+            </a:r>
+            <a:endParaRPr kumimoji="1" lang="ko-Kore-KR" altLang="en-US" sz="1600" dirty="0">
+              <a:solidFill>
+                <a:schemeClr val="tx1"/>
+              </a:solidFill>
+              <a:latin typeface="DM Mono" panose="020B0509040201040103" pitchFamily="49" charset="0"/>
+            </a:endParaRPr>
+          </a:p>
+        </p:txBody>
+      </p:sp>
+      <p:sp>
+        <p:nvSpPr>
+          <p:cNvPr id="3" name="직사각형 2">
+            <a:extLst>
+              <a:ext uri="{FF2B5EF4-FFF2-40B4-BE49-F238E27FC236}">
+                <a16:creationId xmlns:a16="http://schemas.microsoft.com/office/drawing/2014/main" id="{E147AEC9-BE67-6B91-3C64-B21A8C81E05F}"/>
+              </a:ext>
+            </a:extLst>
+          </p:cNvPr>
+          <p:cNvSpPr/>
+          <p:nvPr/>
+        </p:nvSpPr>
+        <p:spPr>
+          <a:xfrm>
+            <a:off x="9069511" y="3771476"/>
+            <a:ext cx="2277097" cy="543464"/>
+          </a:xfrm>
+          <a:prstGeom prst="rect">
+            <a:avLst/>
+          </a:prstGeom>
+          <a:solidFill>
+            <a:srgbClr val="FFFF00"/>
+          </a:solidFill>
+        </p:spPr>
+        <p:style>
+          <a:lnRef idx="2">
+            <a:schemeClr val="accent4">
+              <a:shade val="50000"/>
+            </a:schemeClr>
+          </a:lnRef>
+          <a:fillRef idx="1">
+            <a:schemeClr val="accent4"/>
+          </a:fillRef>
+          <a:effectRef idx="0">
+            <a:schemeClr val="accent4"/>
+          </a:effectRef>
+          <a:fontRef idx="minor">
+            <a:schemeClr val="lt1"/>
+          </a:fontRef>
+        </p:style>
+        <p:txBody>
+          <a:bodyPr rtlCol="0" anchor="ctr"/>
+          <a:lstStyle/>
+          <a:p>
+            <a:pPr algn="ctr"/>
+            <a:r>
+              <a:rPr kumimoji="1" lang="en-US" altLang="ko-Kore-KR" sz="1600" dirty="0">
+                <a:solidFill>
+                  <a:schemeClr val="tx1"/>
+                </a:solidFill>
+                <a:latin typeface="DM Mono" panose="020B0509040201040103" pitchFamily="49" charset="0"/>
+              </a:rPr>
+              <a:t>&amp;Dog::Hello</a:t>
+            </a:r>
+            <a:endParaRPr kumimoji="1" lang="ko-Kore-KR" altLang="en-US" sz="1600" dirty="0">
+              <a:solidFill>
+                <a:schemeClr val="tx1"/>
+              </a:solidFill>
+              <a:latin typeface="DM Mono" panose="020B0509040201040103" pitchFamily="49" charset="0"/>
+            </a:endParaRPr>
+          </a:p>
+        </p:txBody>
+      </p:sp>
+      <p:sp>
+        <p:nvSpPr>
+          <p:cNvPr id="32" name="직사각형 31">
+            <a:extLst>
+              <a:ext uri="{FF2B5EF4-FFF2-40B4-BE49-F238E27FC236}">
+                <a16:creationId xmlns:a16="http://schemas.microsoft.com/office/drawing/2014/main" id="{15B9E103-904F-DA6A-5793-F637AC7BA763}"/>
+              </a:ext>
+            </a:extLst>
+          </p:cNvPr>
+          <p:cNvSpPr/>
+          <p:nvPr/>
+        </p:nvSpPr>
+        <p:spPr>
+          <a:xfrm>
+            <a:off x="8738655" y="1733134"/>
+            <a:ext cx="2277097" cy="543464"/>
+          </a:xfrm>
+          <a:prstGeom prst="rect">
+            <a:avLst/>
+          </a:prstGeom>
+          <a:solidFill>
+            <a:srgbClr val="FFFF00"/>
+          </a:solidFill>
+        </p:spPr>
+        <p:style>
+          <a:lnRef idx="2">
+            <a:schemeClr val="accent4">
+              <a:shade val="50000"/>
+            </a:schemeClr>
+          </a:lnRef>
+          <a:fillRef idx="1">
+            <a:schemeClr val="accent4"/>
+          </a:fillRef>
+          <a:effectRef idx="0">
+            <a:schemeClr val="accent4"/>
+          </a:effectRef>
+          <a:fontRef idx="minor">
+            <a:schemeClr val="lt1"/>
+          </a:fontRef>
+        </p:style>
+        <p:txBody>
+          <a:bodyPr rtlCol="0" anchor="ctr"/>
+          <a:lstStyle/>
+          <a:p>
+            <a:pPr algn="ctr"/>
+            <a:r>
+              <a:rPr kumimoji="1" lang="en-US" altLang="ko-Kore-KR" sz="1600" dirty="0">
+                <a:solidFill>
+                  <a:schemeClr val="tx1"/>
+                </a:solidFill>
+                <a:latin typeface="DM Mono" panose="020B0509040201040103" pitchFamily="49" charset="0"/>
+              </a:rPr>
+              <a:t>&amp;Animal::~Animal</a:t>
+            </a:r>
+            <a:endParaRPr kumimoji="1" lang="ko-Kore-KR" altLang="en-US" sz="1600" dirty="0">
+              <a:solidFill>
+                <a:schemeClr val="tx1"/>
+              </a:solidFill>
+              <a:latin typeface="DM Mono" panose="020B0509040201040103" pitchFamily="49" charset="0"/>
+            </a:endParaRPr>
+          </a:p>
+        </p:txBody>
+      </p:sp>
+      <p:sp>
+        <p:nvSpPr>
+          <p:cNvPr id="33" name="직사각형 32">
+            <a:extLst>
+              <a:ext uri="{FF2B5EF4-FFF2-40B4-BE49-F238E27FC236}">
+                <a16:creationId xmlns:a16="http://schemas.microsoft.com/office/drawing/2014/main" id="{1673952C-5809-DF3A-E5EC-B7A9B0EE7961}"/>
+              </a:ext>
+            </a:extLst>
+          </p:cNvPr>
+          <p:cNvSpPr/>
+          <p:nvPr/>
+        </p:nvSpPr>
+        <p:spPr>
+          <a:xfrm>
+            <a:off x="9069509" y="4311763"/>
+            <a:ext cx="2277097" cy="543464"/>
+          </a:xfrm>
+          <a:prstGeom prst="rect">
+            <a:avLst/>
+          </a:prstGeom>
+          <a:solidFill>
+            <a:srgbClr val="FFFF00"/>
+          </a:solidFill>
+        </p:spPr>
+        <p:style>
+          <a:lnRef idx="2">
+            <a:schemeClr val="accent4">
+              <a:shade val="50000"/>
+            </a:schemeClr>
+          </a:lnRef>
+          <a:fillRef idx="1">
+            <a:schemeClr val="accent4"/>
+          </a:fillRef>
+          <a:effectRef idx="0">
+            <a:schemeClr val="accent4"/>
+          </a:effectRef>
+          <a:fontRef idx="minor">
+            <a:schemeClr val="lt1"/>
+          </a:fontRef>
+        </p:style>
+        <p:txBody>
+          <a:bodyPr rtlCol="0" anchor="ctr"/>
+          <a:lstStyle/>
+          <a:p>
+            <a:pPr algn="ctr"/>
+            <a:r>
+              <a:rPr kumimoji="1" lang="en-US" altLang="ko-Kore-KR" sz="1600" dirty="0">
+                <a:solidFill>
+                  <a:schemeClr val="tx1"/>
+                </a:solidFill>
+                <a:latin typeface="DM Mono" panose="020B0509040201040103" pitchFamily="49" charset="0"/>
+              </a:rPr>
+              <a:t>&amp;Dog::~Dog</a:t>
+            </a:r>
+            <a:endParaRPr kumimoji="1" lang="ko-Kore-KR" altLang="en-US" sz="1600" dirty="0">
+              <a:solidFill>
+                <a:schemeClr val="tx1"/>
+              </a:solidFill>
+              <a:latin typeface="DM Mono" panose="020B0509040201040103" pitchFamily="49" charset="0"/>
+            </a:endParaRPr>
+          </a:p>
+        </p:txBody>
+      </p:sp>
+      <p:sp>
+        <p:nvSpPr>
+          <p:cNvPr id="34" name="직사각형 33">
+            <a:extLst>
+              <a:ext uri="{FF2B5EF4-FFF2-40B4-BE49-F238E27FC236}">
+                <a16:creationId xmlns:a16="http://schemas.microsoft.com/office/drawing/2014/main" id="{7B04C9C2-E07B-8EE2-57BF-BC5AF51B32FF}"/>
+              </a:ext>
+            </a:extLst>
+          </p:cNvPr>
+          <p:cNvSpPr/>
+          <p:nvPr/>
+        </p:nvSpPr>
+        <p:spPr>
+          <a:xfrm>
+            <a:off x="4848036" y="3078013"/>
+            <a:ext cx="1242204" cy="543464"/>
+          </a:xfrm>
+          <a:prstGeom prst="rect">
+            <a:avLst/>
+          </a:prstGeom>
+          <a:solidFill>
+            <a:srgbClr val="FFFF00"/>
+          </a:solidFill>
+        </p:spPr>
+        <p:style>
+          <a:lnRef idx="2">
+            <a:schemeClr val="accent4">
+              <a:shade val="50000"/>
+            </a:schemeClr>
+          </a:lnRef>
+          <a:fillRef idx="1">
+            <a:schemeClr val="accent4"/>
+          </a:fillRef>
+          <a:effectRef idx="0">
+            <a:schemeClr val="accent4"/>
+          </a:effectRef>
+          <a:fontRef idx="minor">
+            <a:schemeClr val="lt1"/>
+          </a:fontRef>
+        </p:style>
+        <p:txBody>
+          <a:bodyPr rtlCol="0" anchor="ctr"/>
+          <a:lstStyle/>
+          <a:p>
+            <a:pPr algn="ctr"/>
+            <a:endParaRPr kumimoji="1" lang="ko-Kore-KR" altLang="en-US" sz="1600" dirty="0">
+              <a:solidFill>
+                <a:schemeClr val="tx1"/>
+              </a:solidFill>
+              <a:latin typeface="DM Mono" panose="020B0509040201040103" pitchFamily="49" charset="0"/>
+            </a:endParaRPr>
+          </a:p>
+        </p:txBody>
+      </p:sp>
+      <p:sp>
+        <p:nvSpPr>
+          <p:cNvPr id="36" name="TextBox 35">
+            <a:extLst>
+              <a:ext uri="{FF2B5EF4-FFF2-40B4-BE49-F238E27FC236}">
+                <a16:creationId xmlns:a16="http://schemas.microsoft.com/office/drawing/2014/main" id="{3EB547E2-8216-1850-3988-8257A9919971}"/>
+              </a:ext>
+            </a:extLst>
+          </p:cNvPr>
+          <p:cNvSpPr txBox="1"/>
+          <p:nvPr/>
+        </p:nvSpPr>
+        <p:spPr>
+          <a:xfrm>
+            <a:off x="5360995" y="2203452"/>
+            <a:ext cx="714829" cy="369332"/>
+          </a:xfrm>
+          <a:prstGeom prst="rect">
+            <a:avLst/>
+          </a:prstGeom>
+          <a:noFill/>
+        </p:spPr>
+        <p:txBody>
+          <a:bodyPr wrap="square">
+            <a:spAutoFit/>
+          </a:bodyPr>
+          <a:lstStyle/>
+          <a:p>
+            <a:r>
+              <a:rPr lang="en-US" altLang="ko-Kore-KR" dirty="0">
+                <a:latin typeface="DM Mono" panose="020B0509040201040103" pitchFamily="49" charset="0"/>
+              </a:rPr>
+              <a:t>p</a:t>
+            </a:r>
+            <a:endParaRPr lang="ko-Kore-KR" altLang="en-US" dirty="0"/>
+          </a:p>
+        </p:txBody>
+      </p:sp>
+      <p:cxnSp>
+        <p:nvCxnSpPr>
+          <p:cNvPr id="37" name="구부러진 연결선[U] 36">
+            <a:extLst>
+              <a:ext uri="{FF2B5EF4-FFF2-40B4-BE49-F238E27FC236}">
+                <a16:creationId xmlns:a16="http://schemas.microsoft.com/office/drawing/2014/main" id="{757AC017-8E45-C3EB-8A86-F83630F431A1}"/>
+              </a:ext>
+            </a:extLst>
+          </p:cNvPr>
+          <p:cNvCxnSpPr>
+            <a:cxnSpLocks/>
+            <a:stCxn id="34" idx="3"/>
+            <a:endCxn id="6" idx="0"/>
+          </p:cNvCxnSpPr>
+          <p:nvPr/>
+        </p:nvCxnSpPr>
+        <p:spPr>
+          <a:xfrm>
+            <a:off x="6090240" y="3349745"/>
+            <a:ext cx="1090089" cy="980969"/>
+          </a:xfrm>
+          <a:prstGeom prst="curvedConnector2">
+            <a:avLst/>
+          </a:prstGeom>
+          <a:ln>
+            <a:tailEnd type="triangle"/>
+          </a:ln>
+        </p:spPr>
+        <p:style>
+          <a:lnRef idx="1">
+            <a:schemeClr val="dk1"/>
+          </a:lnRef>
+          <a:fillRef idx="0">
+            <a:schemeClr val="dk1"/>
+          </a:fillRef>
+          <a:effectRef idx="0">
+            <a:schemeClr val="dk1"/>
+          </a:effectRef>
+          <a:fontRef idx="minor">
+            <a:schemeClr val="tx1"/>
+          </a:fontRef>
+        </p:style>
+      </p:cxnSp>
+    </p:spTree>
+    <p:extLst>
+      <p:ext uri="{BB962C8B-B14F-4D97-AF65-F5344CB8AC3E}">
+        <p14:creationId xmlns:p14="http://schemas.microsoft.com/office/powerpoint/2010/main" val="3432309422"/>
+      </p:ext>
+    </p:extLst>
+  </p:cSld>
+  <p:clrMapOvr>
+    <a:masterClrMapping/>
+  </p:clrMapOvr>
+</p:sld>
+</file>
+
+<file path=ppt/slides/slide31.xml><?xml version="1.0" encoding="utf-8"?>
+<p:sld xmlns:a="http://schemas.openxmlformats.org/drawingml/2006/main" xmlns:r="http://schemas.openxmlformats.org/officeDocument/2006/relationships" xmlns:p="http://schemas.openxmlformats.org/presentationml/2006/main">
+  <p:cSld>
+    <p:spTree>
+      <p:nvGrpSpPr>
+        <p:cNvPr id="1" name=""/>
+        <p:cNvGrpSpPr/>
+        <p:nvPr/>
+      </p:nvGrpSpPr>
+      <p:grpSpPr>
+        <a:xfrm>
+          <a:off x="0" y="0"/>
+          <a:ext cx="0" cy="0"/>
+          <a:chOff x="0" y="0"/>
+          <a:chExt cx="0" cy="0"/>
+        </a:xfrm>
+      </p:grpSpPr>
+      <p:sp>
+        <p:nvSpPr>
+          <p:cNvPr id="5" name="TextBox 4">
+            <a:extLst>
+              <a:ext uri="{FF2B5EF4-FFF2-40B4-BE49-F238E27FC236}">
+                <a16:creationId xmlns:a16="http://schemas.microsoft.com/office/drawing/2014/main" id="{16585DA1-2063-D0BB-B202-9795908530E4}"/>
+              </a:ext>
+            </a:extLst>
+          </p:cNvPr>
+          <p:cNvSpPr txBox="1"/>
+          <p:nvPr/>
+        </p:nvSpPr>
+        <p:spPr>
+          <a:xfrm>
+            <a:off x="338587" y="179311"/>
+            <a:ext cx="6094562" cy="6186309"/>
+          </a:xfrm>
+          <a:prstGeom prst="rect">
+            <a:avLst/>
+          </a:prstGeom>
+          <a:noFill/>
+        </p:spPr>
+        <p:txBody>
+          <a:bodyPr wrap="square">
+            <a:spAutoFit/>
+          </a:bodyPr>
+          <a:lstStyle/>
+          <a:p>
+            <a:r>
+              <a:rPr lang="ko-Kore-KR" altLang="en-US" dirty="0">
+                <a:latin typeface="DM Mono" panose="020B0509040201040103" pitchFamily="49" charset="0"/>
+              </a:rPr>
+              <a:t>class Animal {</a:t>
+            </a:r>
+          </a:p>
+          <a:p>
+            <a:r>
+              <a:rPr lang="ko-Kore-KR" altLang="en-US" dirty="0">
+                <a:latin typeface="DM Mono" panose="020B0509040201040103" pitchFamily="49" charset="0"/>
+              </a:rPr>
+              <a:t>    int color;</a:t>
+            </a:r>
+          </a:p>
+          <a:p>
+            <a:r>
+              <a:rPr lang="ko-Kore-KR" altLang="en-US" dirty="0">
+                <a:latin typeface="DM Mono" panose="020B0509040201040103" pitchFamily="49" charset="0"/>
+              </a:rPr>
+              <a:t>public:</a:t>
+            </a:r>
+            <a:endParaRPr lang="en-US" altLang="ko-Kore-KR" dirty="0">
+              <a:latin typeface="DM Mono" panose="020B0509040201040103" pitchFamily="49" charset="0"/>
+            </a:endParaRPr>
+          </a:p>
+          <a:p>
+            <a:r>
+              <a:rPr lang="en-US" altLang="ko-Kore-KR" dirty="0">
+                <a:latin typeface="DM Mono" panose="020B0509040201040103" pitchFamily="49" charset="0"/>
+              </a:rPr>
+              <a:t>     virtual void Go();</a:t>
+            </a:r>
+          </a:p>
+          <a:p>
+            <a:r>
+              <a:rPr lang="en-US" altLang="ko-Kore-KR" dirty="0">
+                <a:latin typeface="DM Mono" panose="020B0509040201040103" pitchFamily="49" charset="0"/>
+              </a:rPr>
+              <a:t>     virtual void Hello();</a:t>
+            </a:r>
+          </a:p>
+          <a:p>
+            <a:r>
+              <a:rPr lang="en-US" altLang="ko-Kore-KR" dirty="0">
+                <a:latin typeface="DM Mono" panose="020B0509040201040103" pitchFamily="49" charset="0"/>
+              </a:rPr>
+              <a:t>     virtual ~Animal(); 		</a:t>
+            </a:r>
+          </a:p>
+          <a:p>
+            <a:r>
+              <a:rPr lang="en-US" altLang="ko-Kore-KR" dirty="0">
+                <a:latin typeface="DM Mono" panose="020B0509040201040103" pitchFamily="49" charset="0"/>
+              </a:rPr>
+              <a:t>};</a:t>
+            </a:r>
+          </a:p>
+          <a:p>
+            <a:endParaRPr lang="ko-Kore-KR" altLang="en-US" dirty="0">
+              <a:latin typeface="DM Mono" panose="020B0509040201040103" pitchFamily="49" charset="0"/>
+            </a:endParaRPr>
+          </a:p>
+          <a:p>
+            <a:r>
+              <a:rPr lang="ko-Kore-KR" altLang="en-US" dirty="0">
+                <a:latin typeface="DM Mono" panose="020B0509040201040103" pitchFamily="49" charset="0"/>
+              </a:rPr>
+              <a:t>class Dog : public Animal {</a:t>
+            </a:r>
+            <a:endParaRPr lang="en-US" altLang="ko-Kore-KR" dirty="0">
+              <a:latin typeface="DM Mono" panose="020B0509040201040103" pitchFamily="49" charset="0"/>
+            </a:endParaRPr>
+          </a:p>
+          <a:p>
+            <a:r>
+              <a:rPr lang="en-US" altLang="ko-Kore-KR" dirty="0">
+                <a:latin typeface="DM Mono" panose="020B0509040201040103" pitchFamily="49" charset="0"/>
+              </a:rPr>
+              <a:t>    int age;</a:t>
+            </a:r>
+            <a:endParaRPr lang="ko-Kore-KR" altLang="en-US" dirty="0">
+              <a:latin typeface="DM Mono" panose="020B0509040201040103" pitchFamily="49" charset="0"/>
+            </a:endParaRPr>
+          </a:p>
+          <a:p>
+            <a:r>
+              <a:rPr lang="ko-Kore-KR" altLang="en-US" dirty="0">
+                <a:latin typeface="DM Mono" panose="020B0509040201040103" pitchFamily="49" charset="0"/>
+              </a:rPr>
+              <a:t>public:</a:t>
+            </a:r>
+            <a:endParaRPr lang="en-US" altLang="ko-Kore-KR" dirty="0">
+              <a:latin typeface="DM Mono" panose="020B0509040201040103" pitchFamily="49" charset="0"/>
+            </a:endParaRPr>
+          </a:p>
+          <a:p>
+            <a:r>
+              <a:rPr lang="en-US" altLang="ko-Kore-KR" dirty="0">
+                <a:solidFill>
+                  <a:srgbClr val="FF0000"/>
+                </a:solidFill>
+                <a:latin typeface="DM Mono" panose="020B0509040201040103" pitchFamily="49" charset="0"/>
+              </a:rPr>
+              <a:t>    void Go() override {}</a:t>
+            </a:r>
+          </a:p>
+          <a:p>
+            <a:r>
+              <a:rPr lang="en-US" altLang="ko-Kore-KR" dirty="0">
+                <a:latin typeface="DM Mono" panose="020B0509040201040103" pitchFamily="49" charset="0"/>
+              </a:rPr>
+              <a:t>    void Hello() override {}</a:t>
+            </a:r>
+            <a:endParaRPr lang="ko-Kore-KR" altLang="en-US" dirty="0">
+              <a:latin typeface="DM Mono" panose="020B0509040201040103" pitchFamily="49" charset="0"/>
+            </a:endParaRPr>
+          </a:p>
+          <a:p>
+            <a:r>
+              <a:rPr lang="ko-Kore-KR" altLang="en-US" dirty="0">
+                <a:latin typeface="DM Mono" panose="020B0509040201040103" pitchFamily="49" charset="0"/>
+              </a:rPr>
+              <a:t>};</a:t>
+            </a:r>
+          </a:p>
+          <a:p>
+            <a:endParaRPr lang="ko-Kore-KR" altLang="en-US" dirty="0">
+              <a:latin typeface="DM Mono" panose="020B0509040201040103" pitchFamily="49" charset="0"/>
+            </a:endParaRPr>
+          </a:p>
+          <a:p>
+            <a:endParaRPr lang="ko-Kore-KR" altLang="en-US" dirty="0">
+              <a:latin typeface="DM Mono" panose="020B0509040201040103" pitchFamily="49" charset="0"/>
+            </a:endParaRPr>
+          </a:p>
+          <a:p>
+            <a:r>
+              <a:rPr lang="ko-Kore-KR" altLang="en-US" dirty="0">
+                <a:latin typeface="DM Mono" panose="020B0509040201040103" pitchFamily="49" charset="0"/>
+              </a:rPr>
+              <a:t>int main()</a:t>
+            </a:r>
+          </a:p>
+          <a:p>
+            <a:r>
+              <a:rPr lang="ko-Kore-KR" altLang="en-US" dirty="0">
+                <a:latin typeface="DM Mono" panose="020B0509040201040103" pitchFamily="49" charset="0"/>
+              </a:rPr>
+              <a:t>{</a:t>
+            </a:r>
+          </a:p>
+          <a:p>
+            <a:r>
+              <a:rPr lang="en" altLang="ko-Kore-KR" dirty="0">
+                <a:latin typeface="DM Mono" panose="020B0509040201040103" pitchFamily="49" charset="0"/>
+              </a:rPr>
+              <a:t>    Animal* p = &amp;d;</a:t>
+            </a:r>
+          </a:p>
+          <a:p>
+            <a:r>
+              <a:rPr lang="en" altLang="ko-Kore-KR" dirty="0">
+                <a:solidFill>
+                  <a:srgbClr val="FF0000"/>
+                </a:solidFill>
+                <a:latin typeface="DM Mono" panose="020B0509040201040103" pitchFamily="49" charset="0"/>
+              </a:rPr>
+              <a:t>    p-&gt;Go();</a:t>
+            </a:r>
+          </a:p>
+          <a:p>
+            <a:r>
+              <a:rPr lang="en" altLang="ko-Kore-KR" dirty="0">
+                <a:solidFill>
+                  <a:srgbClr val="FF0000"/>
+                </a:solidFill>
+                <a:latin typeface="DM Mono" panose="020B0509040201040103" pitchFamily="49" charset="0"/>
+              </a:rPr>
+              <a:t>    // (p-&gt;</a:t>
+            </a:r>
+            <a:r>
+              <a:rPr lang="en" altLang="ko-Kore-KR" dirty="0" err="1">
+                <a:solidFill>
+                  <a:srgbClr val="FF0000"/>
+                </a:solidFill>
+                <a:latin typeface="DM Mono" panose="020B0509040201040103" pitchFamily="49" charset="0"/>
+              </a:rPr>
+              <a:t>vftp</a:t>
+            </a:r>
+            <a:r>
+              <a:rPr lang="en" altLang="ko-Kore-KR" dirty="0">
+                <a:solidFill>
+                  <a:srgbClr val="FF0000"/>
+                </a:solidFill>
+                <a:latin typeface="DM Mono" panose="020B0509040201040103" pitchFamily="49" charset="0"/>
+              </a:rPr>
+              <a:t>)[0](p);</a:t>
+            </a:r>
+          </a:p>
+          <a:p>
+            <a:r>
+              <a:rPr lang="en-US" altLang="ko-Kore-KR" dirty="0">
+                <a:latin typeface="DM Mono" panose="020B0509040201040103" pitchFamily="49" charset="0"/>
+              </a:rPr>
+              <a:t>}</a:t>
+            </a:r>
+            <a:endParaRPr lang="ko-Kore-KR" altLang="en-US" dirty="0">
+              <a:latin typeface="DM Mono" panose="020B0509040201040103" pitchFamily="49" charset="0"/>
+            </a:endParaRPr>
+          </a:p>
+        </p:txBody>
+      </p:sp>
+      <p:sp>
+        <p:nvSpPr>
+          <p:cNvPr id="11" name="직사각형 10">
+            <a:extLst>
+              <a:ext uri="{FF2B5EF4-FFF2-40B4-BE49-F238E27FC236}">
+                <a16:creationId xmlns:a16="http://schemas.microsoft.com/office/drawing/2014/main" id="{6F6BC458-AAB3-2692-EB74-490CB8CA849C}"/>
+              </a:ext>
+            </a:extLst>
+          </p:cNvPr>
+          <p:cNvSpPr/>
+          <p:nvPr/>
+        </p:nvSpPr>
+        <p:spPr>
+          <a:xfrm>
+            <a:off x="6559227" y="4889625"/>
+            <a:ext cx="1242204" cy="543464"/>
+          </a:xfrm>
+          <a:prstGeom prst="rect">
+            <a:avLst/>
+          </a:prstGeom>
+          <a:solidFill>
+            <a:srgbClr val="FFC000"/>
+          </a:solidFill>
+        </p:spPr>
+        <p:style>
+          <a:lnRef idx="2">
+            <a:schemeClr val="accent4">
+              <a:shade val="50000"/>
+            </a:schemeClr>
+          </a:lnRef>
+          <a:fillRef idx="1">
+            <a:schemeClr val="accent4"/>
+          </a:fillRef>
+          <a:effectRef idx="0">
+            <a:schemeClr val="accent4"/>
+          </a:effectRef>
+          <a:fontRef idx="minor">
+            <a:schemeClr val="lt1"/>
+          </a:fontRef>
+        </p:style>
+        <p:txBody>
+          <a:bodyPr rtlCol="0" anchor="ctr"/>
+          <a:lstStyle/>
+          <a:p>
+            <a:pPr algn="ctr"/>
+            <a:endParaRPr kumimoji="1" lang="ko-Kore-KR" altLang="en-US" sz="1600" dirty="0">
+              <a:solidFill>
+                <a:schemeClr val="tx1"/>
+              </a:solidFill>
+              <a:latin typeface="DM Mono" panose="020B0509040201040103" pitchFamily="49" charset="0"/>
+            </a:endParaRPr>
+          </a:p>
+        </p:txBody>
+      </p:sp>
+      <p:sp>
+        <p:nvSpPr>
+          <p:cNvPr id="12" name="TextBox 11">
+            <a:extLst>
+              <a:ext uri="{FF2B5EF4-FFF2-40B4-BE49-F238E27FC236}">
+                <a16:creationId xmlns:a16="http://schemas.microsoft.com/office/drawing/2014/main" id="{EE2C0D07-0AD5-F7AB-82CC-73E69F6EEF43}"/>
+              </a:ext>
+            </a:extLst>
+          </p:cNvPr>
+          <p:cNvSpPr txBox="1"/>
+          <p:nvPr/>
+        </p:nvSpPr>
+        <p:spPr>
+          <a:xfrm>
+            <a:off x="6740921" y="3922810"/>
+            <a:ext cx="878816" cy="369332"/>
+          </a:xfrm>
+          <a:prstGeom prst="rect">
+            <a:avLst/>
+          </a:prstGeom>
+          <a:noFill/>
+        </p:spPr>
+        <p:txBody>
+          <a:bodyPr wrap="square">
+            <a:spAutoFit/>
+          </a:bodyPr>
+          <a:lstStyle/>
+          <a:p>
+            <a:r>
+              <a:rPr lang="en-US" altLang="ko-Kore-KR" dirty="0">
+                <a:latin typeface="DM Mono" panose="020B0509040201040103" pitchFamily="49" charset="0"/>
+              </a:rPr>
+              <a:t>Dog d</a:t>
+            </a:r>
+            <a:endParaRPr lang="ko-Kore-KR" altLang="en-US" dirty="0"/>
+          </a:p>
+        </p:txBody>
+      </p:sp>
+      <p:sp>
+        <p:nvSpPr>
+          <p:cNvPr id="13" name="TextBox 12">
+            <a:extLst>
+              <a:ext uri="{FF2B5EF4-FFF2-40B4-BE49-F238E27FC236}">
+                <a16:creationId xmlns:a16="http://schemas.microsoft.com/office/drawing/2014/main" id="{A85F2A6A-C557-4327-EE28-7ED82CC6D8D9}"/>
+              </a:ext>
+            </a:extLst>
+          </p:cNvPr>
+          <p:cNvSpPr txBox="1"/>
+          <p:nvPr/>
+        </p:nvSpPr>
+        <p:spPr>
+          <a:xfrm>
+            <a:off x="5205896" y="4976691"/>
+            <a:ext cx="1353331" cy="369332"/>
+          </a:xfrm>
+          <a:prstGeom prst="rect">
+            <a:avLst/>
+          </a:prstGeom>
+          <a:noFill/>
+        </p:spPr>
+        <p:txBody>
+          <a:bodyPr wrap="square">
+            <a:spAutoFit/>
+          </a:bodyPr>
+          <a:lstStyle/>
+          <a:p>
+            <a:pPr algn="r"/>
+            <a:r>
+              <a:rPr lang="en-US" altLang="ko-Kore-KR" dirty="0">
+                <a:latin typeface="DM Mono" panose="020B0509040201040103" pitchFamily="49" charset="0"/>
+              </a:rPr>
+              <a:t>color</a:t>
+            </a:r>
+            <a:endParaRPr lang="ko-Kore-KR" altLang="en-US" dirty="0"/>
+          </a:p>
+        </p:txBody>
+      </p:sp>
+      <p:sp>
+        <p:nvSpPr>
+          <p:cNvPr id="16" name="직사각형 15">
+            <a:extLst>
+              <a:ext uri="{FF2B5EF4-FFF2-40B4-BE49-F238E27FC236}">
+                <a16:creationId xmlns:a16="http://schemas.microsoft.com/office/drawing/2014/main" id="{31EED7D1-AF9C-478F-413F-01FB3701DA32}"/>
+              </a:ext>
+            </a:extLst>
+          </p:cNvPr>
+          <p:cNvSpPr/>
+          <p:nvPr/>
+        </p:nvSpPr>
+        <p:spPr>
+          <a:xfrm>
+            <a:off x="6559227" y="5429839"/>
+            <a:ext cx="1242204" cy="543464"/>
+          </a:xfrm>
+          <a:prstGeom prst="rect">
+            <a:avLst/>
+          </a:prstGeom>
+          <a:solidFill>
+            <a:srgbClr val="FFFF00"/>
+          </a:solidFill>
+        </p:spPr>
+        <p:style>
+          <a:lnRef idx="2">
+            <a:schemeClr val="accent4">
+              <a:shade val="50000"/>
+            </a:schemeClr>
+          </a:lnRef>
+          <a:fillRef idx="1">
+            <a:schemeClr val="accent4"/>
+          </a:fillRef>
+          <a:effectRef idx="0">
+            <a:schemeClr val="accent4"/>
+          </a:effectRef>
+          <a:fontRef idx="minor">
+            <a:schemeClr val="lt1"/>
+          </a:fontRef>
+        </p:style>
+        <p:txBody>
+          <a:bodyPr rtlCol="0" anchor="ctr"/>
+          <a:lstStyle/>
+          <a:p>
+            <a:pPr algn="ctr"/>
+            <a:endParaRPr kumimoji="1" lang="ko-Kore-KR" altLang="en-US" sz="1600" dirty="0">
+              <a:solidFill>
+                <a:schemeClr val="tx1"/>
+              </a:solidFill>
+              <a:latin typeface="DM Mono" panose="020B0509040201040103" pitchFamily="49" charset="0"/>
+            </a:endParaRPr>
+          </a:p>
+        </p:txBody>
+      </p:sp>
+      <p:sp>
+        <p:nvSpPr>
+          <p:cNvPr id="17" name="TextBox 16">
+            <a:extLst>
+              <a:ext uri="{FF2B5EF4-FFF2-40B4-BE49-F238E27FC236}">
+                <a16:creationId xmlns:a16="http://schemas.microsoft.com/office/drawing/2014/main" id="{49C4124B-B6E6-F056-3FC6-3ED0182AAD98}"/>
+              </a:ext>
+            </a:extLst>
+          </p:cNvPr>
+          <p:cNvSpPr txBox="1"/>
+          <p:nvPr/>
+        </p:nvSpPr>
+        <p:spPr>
+          <a:xfrm>
+            <a:off x="5621254" y="5516905"/>
+            <a:ext cx="937973" cy="369332"/>
+          </a:xfrm>
+          <a:prstGeom prst="rect">
+            <a:avLst/>
+          </a:prstGeom>
+          <a:noFill/>
+        </p:spPr>
+        <p:txBody>
+          <a:bodyPr wrap="square">
+            <a:spAutoFit/>
+          </a:bodyPr>
+          <a:lstStyle/>
+          <a:p>
+            <a:pPr algn="r"/>
+            <a:r>
+              <a:rPr lang="en-US" altLang="ko-Kore-KR" dirty="0">
+                <a:latin typeface="DM Mono" panose="020B0509040201040103" pitchFamily="49" charset="0"/>
+              </a:rPr>
+              <a:t>age</a:t>
+            </a:r>
+            <a:endParaRPr lang="ko-Kore-KR" altLang="en-US" dirty="0"/>
+          </a:p>
+        </p:txBody>
+      </p:sp>
+      <p:sp>
+        <p:nvSpPr>
+          <p:cNvPr id="6" name="직사각형 5">
+            <a:extLst>
+              <a:ext uri="{FF2B5EF4-FFF2-40B4-BE49-F238E27FC236}">
+                <a16:creationId xmlns:a16="http://schemas.microsoft.com/office/drawing/2014/main" id="{61CA6490-9C84-624B-854F-31F38BC64358}"/>
+              </a:ext>
+            </a:extLst>
+          </p:cNvPr>
+          <p:cNvSpPr/>
+          <p:nvPr/>
+        </p:nvSpPr>
+        <p:spPr>
+          <a:xfrm>
+            <a:off x="6559227" y="4330714"/>
+            <a:ext cx="1242204" cy="543464"/>
+          </a:xfrm>
+          <a:prstGeom prst="rect">
+            <a:avLst/>
+          </a:prstGeom>
+          <a:solidFill>
+            <a:srgbClr val="FFFF00"/>
+          </a:solidFill>
+        </p:spPr>
+        <p:style>
+          <a:lnRef idx="2">
+            <a:schemeClr val="accent4">
+              <a:shade val="50000"/>
+            </a:schemeClr>
+          </a:lnRef>
+          <a:fillRef idx="1">
+            <a:schemeClr val="accent4"/>
+          </a:fillRef>
+          <a:effectRef idx="0">
+            <a:schemeClr val="accent4"/>
+          </a:effectRef>
+          <a:fontRef idx="minor">
+            <a:schemeClr val="lt1"/>
+          </a:fontRef>
+        </p:style>
+        <p:txBody>
+          <a:bodyPr rtlCol="0" anchor="ctr"/>
+          <a:lstStyle/>
+          <a:p>
+            <a:pPr algn="ctr"/>
+            <a:endParaRPr kumimoji="1" lang="ko-Kore-KR" altLang="en-US" sz="1600" dirty="0">
+              <a:solidFill>
+                <a:schemeClr val="tx1"/>
+              </a:solidFill>
+              <a:latin typeface="DM Mono" panose="020B0509040201040103" pitchFamily="49" charset="0"/>
+            </a:endParaRPr>
+          </a:p>
+        </p:txBody>
+      </p:sp>
+      <p:sp>
+        <p:nvSpPr>
+          <p:cNvPr id="14" name="TextBox 13">
+            <a:extLst>
+              <a:ext uri="{FF2B5EF4-FFF2-40B4-BE49-F238E27FC236}">
+                <a16:creationId xmlns:a16="http://schemas.microsoft.com/office/drawing/2014/main" id="{F65602B3-21A0-F5C4-3F1D-B0D1B9DCD983}"/>
+              </a:ext>
+            </a:extLst>
+          </p:cNvPr>
+          <p:cNvSpPr txBox="1"/>
+          <p:nvPr/>
+        </p:nvSpPr>
+        <p:spPr>
+          <a:xfrm>
+            <a:off x="5522804" y="4417780"/>
+            <a:ext cx="973384" cy="369332"/>
+          </a:xfrm>
+          <a:prstGeom prst="rect">
+            <a:avLst/>
+          </a:prstGeom>
+          <a:noFill/>
+        </p:spPr>
+        <p:txBody>
+          <a:bodyPr wrap="square">
+            <a:spAutoFit/>
+          </a:bodyPr>
+          <a:lstStyle/>
+          <a:p>
+            <a:pPr algn="r"/>
+            <a:r>
+              <a:rPr lang="en-US" altLang="ko-Kore-KR" dirty="0" err="1">
+                <a:latin typeface="DM Mono" panose="020B0509040201040103" pitchFamily="49" charset="0"/>
+              </a:rPr>
+              <a:t>vftp</a:t>
+            </a:r>
+            <a:endParaRPr lang="ko-Kore-KR" altLang="en-US" dirty="0"/>
+          </a:p>
+        </p:txBody>
+      </p:sp>
+      <p:sp>
+        <p:nvSpPr>
+          <p:cNvPr id="15" name="직사각형 14">
+            <a:extLst>
+              <a:ext uri="{FF2B5EF4-FFF2-40B4-BE49-F238E27FC236}">
+                <a16:creationId xmlns:a16="http://schemas.microsoft.com/office/drawing/2014/main" id="{F411EF05-36A6-0220-AE51-488F3660B278}"/>
+              </a:ext>
+            </a:extLst>
+          </p:cNvPr>
+          <p:cNvSpPr/>
+          <p:nvPr/>
+        </p:nvSpPr>
+        <p:spPr>
+          <a:xfrm>
+            <a:off x="8738834" y="643974"/>
+            <a:ext cx="2277097" cy="543464"/>
+          </a:xfrm>
+          <a:prstGeom prst="rect">
+            <a:avLst/>
+          </a:prstGeom>
+          <a:solidFill>
+            <a:srgbClr val="FFFF00"/>
+          </a:solidFill>
+        </p:spPr>
+        <p:style>
+          <a:lnRef idx="2">
+            <a:schemeClr val="accent4">
+              <a:shade val="50000"/>
+            </a:schemeClr>
+          </a:lnRef>
+          <a:fillRef idx="1">
+            <a:schemeClr val="accent4"/>
+          </a:fillRef>
+          <a:effectRef idx="0">
+            <a:schemeClr val="accent4"/>
+          </a:effectRef>
+          <a:fontRef idx="minor">
+            <a:schemeClr val="lt1"/>
+          </a:fontRef>
+        </p:style>
+        <p:txBody>
+          <a:bodyPr rtlCol="0" anchor="ctr"/>
+          <a:lstStyle/>
+          <a:p>
+            <a:pPr algn="ctr"/>
+            <a:r>
+              <a:rPr kumimoji="1" lang="en-US" altLang="ko-Kore-KR" sz="1600" dirty="0">
+                <a:solidFill>
+                  <a:schemeClr val="tx1"/>
+                </a:solidFill>
+                <a:latin typeface="DM Mono" panose="020B0509040201040103" pitchFamily="49" charset="0"/>
+              </a:rPr>
+              <a:t>&amp;Animal::Go</a:t>
+            </a:r>
+            <a:endParaRPr kumimoji="1" lang="ko-Kore-KR" altLang="en-US" sz="1600" dirty="0">
+              <a:solidFill>
+                <a:schemeClr val="tx1"/>
+              </a:solidFill>
+              <a:latin typeface="DM Mono" panose="020B0509040201040103" pitchFamily="49" charset="0"/>
+            </a:endParaRPr>
+          </a:p>
+        </p:txBody>
+      </p:sp>
+      <p:sp>
+        <p:nvSpPr>
+          <p:cNvPr id="19" name="TextBox 18">
+            <a:extLst>
+              <a:ext uri="{FF2B5EF4-FFF2-40B4-BE49-F238E27FC236}">
+                <a16:creationId xmlns:a16="http://schemas.microsoft.com/office/drawing/2014/main" id="{1DF3FDD2-6A46-C25A-4DB9-7B8AFC6A6E8A}"/>
+              </a:ext>
+            </a:extLst>
+          </p:cNvPr>
+          <p:cNvSpPr txBox="1"/>
+          <p:nvPr/>
+        </p:nvSpPr>
+        <p:spPr>
+          <a:xfrm>
+            <a:off x="9387696" y="274642"/>
+            <a:ext cx="1119277" cy="369332"/>
+          </a:xfrm>
+          <a:prstGeom prst="rect">
+            <a:avLst/>
+          </a:prstGeom>
+          <a:noFill/>
+        </p:spPr>
+        <p:txBody>
+          <a:bodyPr wrap="square">
+            <a:spAutoFit/>
+          </a:bodyPr>
+          <a:lstStyle/>
+          <a:p>
+            <a:r>
+              <a:rPr lang="en-US" altLang="ko-Kore-KR" dirty="0">
+                <a:latin typeface="DM Mono" panose="020B0509040201040103" pitchFamily="49" charset="0"/>
+              </a:rPr>
+              <a:t>Animal</a:t>
+            </a:r>
+            <a:endParaRPr lang="ko-Kore-KR" altLang="en-US" dirty="0"/>
+          </a:p>
+        </p:txBody>
+      </p:sp>
+      <p:sp>
+        <p:nvSpPr>
+          <p:cNvPr id="22" name="직사각형 21">
+            <a:extLst>
+              <a:ext uri="{FF2B5EF4-FFF2-40B4-BE49-F238E27FC236}">
+                <a16:creationId xmlns:a16="http://schemas.microsoft.com/office/drawing/2014/main" id="{4C051FE3-E821-1F40-9457-516499E1341B}"/>
+              </a:ext>
+            </a:extLst>
+          </p:cNvPr>
+          <p:cNvSpPr/>
+          <p:nvPr/>
+        </p:nvSpPr>
+        <p:spPr>
+          <a:xfrm>
+            <a:off x="9069513" y="3232787"/>
+            <a:ext cx="2277097" cy="543464"/>
+          </a:xfrm>
+          <a:prstGeom prst="rect">
+            <a:avLst/>
+          </a:prstGeom>
+          <a:solidFill>
+            <a:srgbClr val="FFFF00"/>
+          </a:solidFill>
+        </p:spPr>
+        <p:style>
+          <a:lnRef idx="2">
+            <a:schemeClr val="accent4">
+              <a:shade val="50000"/>
+            </a:schemeClr>
+          </a:lnRef>
+          <a:fillRef idx="1">
+            <a:schemeClr val="accent4"/>
+          </a:fillRef>
+          <a:effectRef idx="0">
+            <a:schemeClr val="accent4"/>
+          </a:effectRef>
+          <a:fontRef idx="minor">
+            <a:schemeClr val="lt1"/>
+          </a:fontRef>
+        </p:style>
+        <p:txBody>
+          <a:bodyPr rtlCol="0" anchor="ctr"/>
+          <a:lstStyle/>
+          <a:p>
+            <a:pPr algn="ctr"/>
+            <a:r>
+              <a:rPr kumimoji="1" lang="en-US" altLang="ko-Kore-KR" sz="1600" dirty="0">
+                <a:solidFill>
+                  <a:srgbClr val="FF0000"/>
+                </a:solidFill>
+                <a:latin typeface="DM Mono" panose="020B0509040201040103" pitchFamily="49" charset="0"/>
+              </a:rPr>
+              <a:t>&amp;Dog::Go</a:t>
+            </a:r>
+            <a:endParaRPr kumimoji="1" lang="ko-Kore-KR" altLang="en-US" sz="1600" dirty="0">
+              <a:solidFill>
+                <a:srgbClr val="FF0000"/>
+              </a:solidFill>
+              <a:latin typeface="DM Mono" panose="020B0509040201040103" pitchFamily="49" charset="0"/>
+            </a:endParaRPr>
+          </a:p>
+        </p:txBody>
+      </p:sp>
+      <p:cxnSp>
+        <p:nvCxnSpPr>
+          <p:cNvPr id="23" name="구부러진 연결선[U] 22">
+            <a:extLst>
+              <a:ext uri="{FF2B5EF4-FFF2-40B4-BE49-F238E27FC236}">
+                <a16:creationId xmlns:a16="http://schemas.microsoft.com/office/drawing/2014/main" id="{862EEC96-FD5A-E282-4CC0-334CF11BD97D}"/>
+              </a:ext>
+            </a:extLst>
+          </p:cNvPr>
+          <p:cNvCxnSpPr>
+            <a:cxnSpLocks/>
+            <a:stCxn id="6" idx="3"/>
+            <a:endCxn id="22" idx="1"/>
+          </p:cNvCxnSpPr>
+          <p:nvPr/>
+        </p:nvCxnSpPr>
+        <p:spPr>
+          <a:xfrm flipV="1">
+            <a:off x="7801431" y="3504519"/>
+            <a:ext cx="1268082" cy="1097927"/>
+          </a:xfrm>
+          <a:prstGeom prst="curvedConnector3">
+            <a:avLst/>
+          </a:prstGeom>
+          <a:ln>
+            <a:tailEnd type="triangle"/>
+          </a:ln>
+        </p:spPr>
+        <p:style>
+          <a:lnRef idx="1">
+            <a:schemeClr val="dk1"/>
+          </a:lnRef>
+          <a:fillRef idx="0">
+            <a:schemeClr val="dk1"/>
+          </a:fillRef>
+          <a:effectRef idx="0">
+            <a:schemeClr val="dk1"/>
+          </a:effectRef>
+          <a:fontRef idx="minor">
+            <a:schemeClr val="tx1"/>
+          </a:fontRef>
+        </p:style>
+      </p:cxnSp>
+      <p:sp>
+        <p:nvSpPr>
+          <p:cNvPr id="25" name="TextBox 24">
+            <a:extLst>
+              <a:ext uri="{FF2B5EF4-FFF2-40B4-BE49-F238E27FC236}">
+                <a16:creationId xmlns:a16="http://schemas.microsoft.com/office/drawing/2014/main" id="{0960025B-697D-C478-93AE-7E999DA7DB7B}"/>
+              </a:ext>
+            </a:extLst>
+          </p:cNvPr>
+          <p:cNvSpPr txBox="1"/>
+          <p:nvPr/>
+        </p:nvSpPr>
+        <p:spPr>
+          <a:xfrm>
+            <a:off x="9648422" y="2816812"/>
+            <a:ext cx="1119277" cy="369332"/>
+          </a:xfrm>
+          <a:prstGeom prst="rect">
+            <a:avLst/>
+          </a:prstGeom>
+          <a:noFill/>
+        </p:spPr>
+        <p:txBody>
+          <a:bodyPr wrap="square">
+            <a:spAutoFit/>
+          </a:bodyPr>
+          <a:lstStyle/>
+          <a:p>
+            <a:r>
+              <a:rPr lang="en-US" altLang="ko-Kore-KR" dirty="0">
+                <a:latin typeface="DM Mono" panose="020B0509040201040103" pitchFamily="49" charset="0"/>
+              </a:rPr>
+              <a:t>Dog</a:t>
+            </a:r>
+            <a:endParaRPr lang="ko-Kore-KR" altLang="en-US" dirty="0"/>
+          </a:p>
+        </p:txBody>
+      </p:sp>
+      <p:sp>
+        <p:nvSpPr>
+          <p:cNvPr id="26" name="직사각형 25">
+            <a:extLst>
+              <a:ext uri="{FF2B5EF4-FFF2-40B4-BE49-F238E27FC236}">
+                <a16:creationId xmlns:a16="http://schemas.microsoft.com/office/drawing/2014/main" id="{49621CC7-11EA-401A-0776-D420D1090983}"/>
+              </a:ext>
+            </a:extLst>
+          </p:cNvPr>
+          <p:cNvSpPr/>
+          <p:nvPr/>
+        </p:nvSpPr>
+        <p:spPr>
+          <a:xfrm>
+            <a:off x="6478618" y="1159870"/>
+            <a:ext cx="1242204" cy="543464"/>
+          </a:xfrm>
+          <a:prstGeom prst="rect">
+            <a:avLst/>
+          </a:prstGeom>
+          <a:solidFill>
+            <a:srgbClr val="FFC000"/>
+          </a:solidFill>
+        </p:spPr>
+        <p:style>
+          <a:lnRef idx="2">
+            <a:schemeClr val="accent4">
+              <a:shade val="50000"/>
+            </a:schemeClr>
+          </a:lnRef>
+          <a:fillRef idx="1">
+            <a:schemeClr val="accent4"/>
+          </a:fillRef>
+          <a:effectRef idx="0">
+            <a:schemeClr val="accent4"/>
+          </a:effectRef>
+          <a:fontRef idx="minor">
+            <a:schemeClr val="lt1"/>
+          </a:fontRef>
+        </p:style>
+        <p:txBody>
+          <a:bodyPr rtlCol="0" anchor="ctr"/>
+          <a:lstStyle/>
+          <a:p>
+            <a:pPr algn="ctr"/>
+            <a:endParaRPr kumimoji="1" lang="ko-Kore-KR" altLang="en-US" sz="1600" dirty="0">
+              <a:solidFill>
+                <a:schemeClr val="tx1"/>
+              </a:solidFill>
+              <a:latin typeface="DM Mono" panose="020B0509040201040103" pitchFamily="49" charset="0"/>
+            </a:endParaRPr>
+          </a:p>
+        </p:txBody>
+      </p:sp>
+      <p:sp>
+        <p:nvSpPr>
+          <p:cNvPr id="27" name="TextBox 26">
+            <a:extLst>
+              <a:ext uri="{FF2B5EF4-FFF2-40B4-BE49-F238E27FC236}">
+                <a16:creationId xmlns:a16="http://schemas.microsoft.com/office/drawing/2014/main" id="{0D529B5A-41F1-E91E-DFF8-6E176187431C}"/>
+              </a:ext>
+            </a:extLst>
+          </p:cNvPr>
+          <p:cNvSpPr txBox="1"/>
+          <p:nvPr/>
+        </p:nvSpPr>
+        <p:spPr>
+          <a:xfrm>
+            <a:off x="6182168" y="240087"/>
+            <a:ext cx="1735298" cy="369332"/>
+          </a:xfrm>
+          <a:prstGeom prst="rect">
+            <a:avLst/>
+          </a:prstGeom>
+          <a:noFill/>
+        </p:spPr>
+        <p:txBody>
+          <a:bodyPr wrap="square">
+            <a:spAutoFit/>
+          </a:bodyPr>
+          <a:lstStyle/>
+          <a:p>
+            <a:pPr algn="ctr"/>
+            <a:r>
+              <a:rPr lang="en-US" altLang="ko-Kore-KR" dirty="0">
+                <a:latin typeface="DM Mono" panose="020B0509040201040103" pitchFamily="49" charset="0"/>
+              </a:rPr>
+              <a:t>Animal a</a:t>
+            </a:r>
+            <a:endParaRPr lang="ko-Kore-KR" altLang="en-US" dirty="0"/>
+          </a:p>
+        </p:txBody>
+      </p:sp>
+      <p:sp>
+        <p:nvSpPr>
+          <p:cNvPr id="28" name="TextBox 27">
+            <a:extLst>
+              <a:ext uri="{FF2B5EF4-FFF2-40B4-BE49-F238E27FC236}">
+                <a16:creationId xmlns:a16="http://schemas.microsoft.com/office/drawing/2014/main" id="{BDA1FDB6-DF3A-8096-A470-C27011B627F7}"/>
+              </a:ext>
+            </a:extLst>
+          </p:cNvPr>
+          <p:cNvSpPr txBox="1"/>
+          <p:nvPr/>
+        </p:nvSpPr>
+        <p:spPr>
+          <a:xfrm>
+            <a:off x="5505235" y="1246936"/>
+            <a:ext cx="973384" cy="369332"/>
+          </a:xfrm>
+          <a:prstGeom prst="rect">
+            <a:avLst/>
+          </a:prstGeom>
+          <a:noFill/>
+        </p:spPr>
+        <p:txBody>
+          <a:bodyPr wrap="square">
+            <a:spAutoFit/>
+          </a:bodyPr>
+          <a:lstStyle/>
+          <a:p>
+            <a:pPr algn="r"/>
+            <a:r>
+              <a:rPr lang="en-US" altLang="ko-Kore-KR" dirty="0">
+                <a:latin typeface="DM Mono" panose="020B0509040201040103" pitchFamily="49" charset="0"/>
+              </a:rPr>
+              <a:t>color</a:t>
+            </a:r>
+            <a:endParaRPr lang="ko-Kore-KR" altLang="en-US" dirty="0"/>
+          </a:p>
+        </p:txBody>
+      </p:sp>
+      <p:sp>
+        <p:nvSpPr>
+          <p:cNvPr id="29" name="직사각형 28">
+            <a:extLst>
+              <a:ext uri="{FF2B5EF4-FFF2-40B4-BE49-F238E27FC236}">
+                <a16:creationId xmlns:a16="http://schemas.microsoft.com/office/drawing/2014/main" id="{826EC69F-50B3-82D1-0DA1-8ECD5742E9B6}"/>
+              </a:ext>
+            </a:extLst>
+          </p:cNvPr>
+          <p:cNvSpPr/>
+          <p:nvPr/>
+        </p:nvSpPr>
+        <p:spPr>
+          <a:xfrm>
+            <a:off x="6478618" y="616406"/>
+            <a:ext cx="1242204" cy="543464"/>
+          </a:xfrm>
+          <a:prstGeom prst="rect">
+            <a:avLst/>
+          </a:prstGeom>
+          <a:solidFill>
+            <a:srgbClr val="FFFF00"/>
+          </a:solidFill>
+        </p:spPr>
+        <p:style>
+          <a:lnRef idx="2">
+            <a:schemeClr val="accent4">
+              <a:shade val="50000"/>
+            </a:schemeClr>
+          </a:lnRef>
+          <a:fillRef idx="1">
+            <a:schemeClr val="accent4"/>
+          </a:fillRef>
+          <a:effectRef idx="0">
+            <a:schemeClr val="accent4"/>
+          </a:effectRef>
+          <a:fontRef idx="minor">
+            <a:schemeClr val="lt1"/>
+          </a:fontRef>
+        </p:style>
+        <p:txBody>
+          <a:bodyPr rtlCol="0" anchor="ctr"/>
+          <a:lstStyle/>
+          <a:p>
+            <a:pPr algn="ctr"/>
+            <a:endParaRPr kumimoji="1" lang="ko-Kore-KR" altLang="en-US" sz="1600" dirty="0">
+              <a:solidFill>
+                <a:schemeClr val="tx1"/>
+              </a:solidFill>
+              <a:latin typeface="DM Mono" panose="020B0509040201040103" pitchFamily="49" charset="0"/>
+            </a:endParaRPr>
+          </a:p>
+        </p:txBody>
+      </p:sp>
+      <p:sp>
+        <p:nvSpPr>
+          <p:cNvPr id="30" name="TextBox 29">
+            <a:extLst>
+              <a:ext uri="{FF2B5EF4-FFF2-40B4-BE49-F238E27FC236}">
+                <a16:creationId xmlns:a16="http://schemas.microsoft.com/office/drawing/2014/main" id="{E780F370-6EE9-52EC-F848-ECFFA3E865DB}"/>
+              </a:ext>
+            </a:extLst>
+          </p:cNvPr>
+          <p:cNvSpPr txBox="1"/>
+          <p:nvPr/>
+        </p:nvSpPr>
+        <p:spPr>
+          <a:xfrm>
+            <a:off x="5505234" y="684540"/>
+            <a:ext cx="973384" cy="369332"/>
+          </a:xfrm>
+          <a:prstGeom prst="rect">
+            <a:avLst/>
+          </a:prstGeom>
+          <a:noFill/>
+        </p:spPr>
+        <p:txBody>
+          <a:bodyPr wrap="square">
+            <a:spAutoFit/>
+          </a:bodyPr>
+          <a:lstStyle/>
+          <a:p>
+            <a:pPr algn="r"/>
+            <a:r>
+              <a:rPr lang="en-US" altLang="ko-Kore-KR" dirty="0" err="1">
+                <a:latin typeface="DM Mono" panose="020B0509040201040103" pitchFamily="49" charset="0"/>
+              </a:rPr>
+              <a:t>vftp</a:t>
+            </a:r>
+            <a:endParaRPr lang="ko-Kore-KR" altLang="en-US" dirty="0"/>
+          </a:p>
+        </p:txBody>
+      </p:sp>
+      <p:cxnSp>
+        <p:nvCxnSpPr>
+          <p:cNvPr id="31" name="구부러진 연결선[U] 30">
+            <a:extLst>
+              <a:ext uri="{FF2B5EF4-FFF2-40B4-BE49-F238E27FC236}">
+                <a16:creationId xmlns:a16="http://schemas.microsoft.com/office/drawing/2014/main" id="{C42FC7B3-D0E2-519F-161B-73395E5CA79E}"/>
+              </a:ext>
+            </a:extLst>
+          </p:cNvPr>
+          <p:cNvCxnSpPr>
+            <a:cxnSpLocks/>
+            <a:stCxn id="29" idx="3"/>
+            <a:endCxn id="15" idx="1"/>
+          </p:cNvCxnSpPr>
+          <p:nvPr/>
+        </p:nvCxnSpPr>
+        <p:spPr>
+          <a:xfrm>
+            <a:off x="7720822" y="888138"/>
+            <a:ext cx="1018012" cy="27568"/>
+          </a:xfrm>
+          <a:prstGeom prst="curvedConnector3">
+            <a:avLst/>
+          </a:prstGeom>
+          <a:ln>
+            <a:tailEnd type="triangle"/>
+          </a:ln>
+        </p:spPr>
+        <p:style>
+          <a:lnRef idx="1">
+            <a:schemeClr val="dk1"/>
+          </a:lnRef>
+          <a:fillRef idx="0">
+            <a:schemeClr val="dk1"/>
+          </a:fillRef>
+          <a:effectRef idx="0">
+            <a:schemeClr val="dk1"/>
+          </a:effectRef>
+          <a:fontRef idx="minor">
+            <a:schemeClr val="tx1"/>
+          </a:fontRef>
+        </p:style>
+      </p:cxnSp>
+      <p:sp>
+        <p:nvSpPr>
+          <p:cNvPr id="2" name="직사각형 1">
+            <a:extLst>
+              <a:ext uri="{FF2B5EF4-FFF2-40B4-BE49-F238E27FC236}">
+                <a16:creationId xmlns:a16="http://schemas.microsoft.com/office/drawing/2014/main" id="{2361E698-67EF-670C-9725-1B608BF1FE9C}"/>
+              </a:ext>
+            </a:extLst>
+          </p:cNvPr>
+          <p:cNvSpPr/>
+          <p:nvPr/>
+        </p:nvSpPr>
+        <p:spPr>
+          <a:xfrm>
+            <a:off x="8738834" y="1192920"/>
+            <a:ext cx="2277097" cy="543464"/>
+          </a:xfrm>
+          <a:prstGeom prst="rect">
+            <a:avLst/>
+          </a:prstGeom>
+          <a:solidFill>
+            <a:srgbClr val="FFFF00"/>
+          </a:solidFill>
+        </p:spPr>
+        <p:style>
+          <a:lnRef idx="2">
+            <a:schemeClr val="accent4">
+              <a:shade val="50000"/>
+            </a:schemeClr>
+          </a:lnRef>
+          <a:fillRef idx="1">
+            <a:schemeClr val="accent4"/>
+          </a:fillRef>
+          <a:effectRef idx="0">
+            <a:schemeClr val="accent4"/>
+          </a:effectRef>
+          <a:fontRef idx="minor">
+            <a:schemeClr val="lt1"/>
+          </a:fontRef>
+        </p:style>
+        <p:txBody>
+          <a:bodyPr rtlCol="0" anchor="ctr"/>
+          <a:lstStyle/>
+          <a:p>
+            <a:pPr algn="ctr"/>
+            <a:r>
+              <a:rPr kumimoji="1" lang="en-US" altLang="ko-Kore-KR" sz="1600" dirty="0">
+                <a:solidFill>
+                  <a:schemeClr val="tx1"/>
+                </a:solidFill>
+                <a:latin typeface="DM Mono" panose="020B0509040201040103" pitchFamily="49" charset="0"/>
+              </a:rPr>
+              <a:t>&amp;Animal::Hello</a:t>
+            </a:r>
+            <a:endParaRPr kumimoji="1" lang="ko-Kore-KR" altLang="en-US" sz="1600" dirty="0">
+              <a:solidFill>
+                <a:schemeClr val="tx1"/>
+              </a:solidFill>
+              <a:latin typeface="DM Mono" panose="020B0509040201040103" pitchFamily="49" charset="0"/>
+            </a:endParaRPr>
+          </a:p>
+        </p:txBody>
+      </p:sp>
+      <p:sp>
+        <p:nvSpPr>
+          <p:cNvPr id="3" name="직사각형 2">
+            <a:extLst>
+              <a:ext uri="{FF2B5EF4-FFF2-40B4-BE49-F238E27FC236}">
+                <a16:creationId xmlns:a16="http://schemas.microsoft.com/office/drawing/2014/main" id="{E147AEC9-BE67-6B91-3C64-B21A8C81E05F}"/>
+              </a:ext>
+            </a:extLst>
+          </p:cNvPr>
+          <p:cNvSpPr/>
+          <p:nvPr/>
+        </p:nvSpPr>
+        <p:spPr>
+          <a:xfrm>
+            <a:off x="9069511" y="3771476"/>
+            <a:ext cx="2277097" cy="543464"/>
+          </a:xfrm>
+          <a:prstGeom prst="rect">
+            <a:avLst/>
+          </a:prstGeom>
+          <a:solidFill>
+            <a:srgbClr val="FFFF00"/>
+          </a:solidFill>
+        </p:spPr>
+        <p:style>
+          <a:lnRef idx="2">
+            <a:schemeClr val="accent4">
+              <a:shade val="50000"/>
+            </a:schemeClr>
+          </a:lnRef>
+          <a:fillRef idx="1">
+            <a:schemeClr val="accent4"/>
+          </a:fillRef>
+          <a:effectRef idx="0">
+            <a:schemeClr val="accent4"/>
+          </a:effectRef>
+          <a:fontRef idx="minor">
+            <a:schemeClr val="lt1"/>
+          </a:fontRef>
+        </p:style>
+        <p:txBody>
+          <a:bodyPr rtlCol="0" anchor="ctr"/>
+          <a:lstStyle/>
+          <a:p>
+            <a:pPr algn="ctr"/>
+            <a:r>
+              <a:rPr kumimoji="1" lang="en-US" altLang="ko-Kore-KR" sz="1600" dirty="0">
+                <a:solidFill>
+                  <a:schemeClr val="tx1"/>
+                </a:solidFill>
+                <a:latin typeface="DM Mono" panose="020B0509040201040103" pitchFamily="49" charset="0"/>
+              </a:rPr>
+              <a:t>&amp;Dog::Hello</a:t>
+            </a:r>
+            <a:endParaRPr kumimoji="1" lang="ko-Kore-KR" altLang="en-US" sz="1600" dirty="0">
+              <a:solidFill>
+                <a:schemeClr val="tx1"/>
+              </a:solidFill>
+              <a:latin typeface="DM Mono" panose="020B0509040201040103" pitchFamily="49" charset="0"/>
+            </a:endParaRPr>
+          </a:p>
+        </p:txBody>
+      </p:sp>
+      <p:sp>
+        <p:nvSpPr>
+          <p:cNvPr id="32" name="직사각형 31">
+            <a:extLst>
+              <a:ext uri="{FF2B5EF4-FFF2-40B4-BE49-F238E27FC236}">
+                <a16:creationId xmlns:a16="http://schemas.microsoft.com/office/drawing/2014/main" id="{15B9E103-904F-DA6A-5793-F637AC7BA763}"/>
+              </a:ext>
+            </a:extLst>
+          </p:cNvPr>
+          <p:cNvSpPr/>
+          <p:nvPr/>
+        </p:nvSpPr>
+        <p:spPr>
+          <a:xfrm>
+            <a:off x="8738655" y="1733134"/>
+            <a:ext cx="2277097" cy="543464"/>
+          </a:xfrm>
+          <a:prstGeom prst="rect">
+            <a:avLst/>
+          </a:prstGeom>
+          <a:solidFill>
+            <a:srgbClr val="FFFF00"/>
+          </a:solidFill>
+        </p:spPr>
+        <p:style>
+          <a:lnRef idx="2">
+            <a:schemeClr val="accent4">
+              <a:shade val="50000"/>
+            </a:schemeClr>
+          </a:lnRef>
+          <a:fillRef idx="1">
+            <a:schemeClr val="accent4"/>
+          </a:fillRef>
+          <a:effectRef idx="0">
+            <a:schemeClr val="accent4"/>
+          </a:effectRef>
+          <a:fontRef idx="minor">
+            <a:schemeClr val="lt1"/>
+          </a:fontRef>
+        </p:style>
+        <p:txBody>
+          <a:bodyPr rtlCol="0" anchor="ctr"/>
+          <a:lstStyle/>
+          <a:p>
+            <a:pPr algn="ctr"/>
+            <a:r>
+              <a:rPr kumimoji="1" lang="en-US" altLang="ko-Kore-KR" sz="1600" dirty="0">
+                <a:solidFill>
+                  <a:schemeClr val="tx1"/>
+                </a:solidFill>
+                <a:latin typeface="DM Mono" panose="020B0509040201040103" pitchFamily="49" charset="0"/>
+              </a:rPr>
+              <a:t>&amp;Animal::~Animal</a:t>
+            </a:r>
+            <a:endParaRPr kumimoji="1" lang="ko-Kore-KR" altLang="en-US" sz="1600" dirty="0">
+              <a:solidFill>
+                <a:schemeClr val="tx1"/>
+              </a:solidFill>
+              <a:latin typeface="DM Mono" panose="020B0509040201040103" pitchFamily="49" charset="0"/>
+            </a:endParaRPr>
+          </a:p>
+        </p:txBody>
+      </p:sp>
+      <p:sp>
+        <p:nvSpPr>
+          <p:cNvPr id="33" name="직사각형 32">
+            <a:extLst>
+              <a:ext uri="{FF2B5EF4-FFF2-40B4-BE49-F238E27FC236}">
+                <a16:creationId xmlns:a16="http://schemas.microsoft.com/office/drawing/2014/main" id="{1673952C-5809-DF3A-E5EC-B7A9B0EE7961}"/>
+              </a:ext>
+            </a:extLst>
+          </p:cNvPr>
+          <p:cNvSpPr/>
+          <p:nvPr/>
+        </p:nvSpPr>
+        <p:spPr>
+          <a:xfrm>
+            <a:off x="9069509" y="4311763"/>
+            <a:ext cx="2277097" cy="543464"/>
+          </a:xfrm>
+          <a:prstGeom prst="rect">
+            <a:avLst/>
+          </a:prstGeom>
+          <a:solidFill>
+            <a:srgbClr val="FFFF00"/>
+          </a:solidFill>
+        </p:spPr>
+        <p:style>
+          <a:lnRef idx="2">
+            <a:schemeClr val="accent4">
+              <a:shade val="50000"/>
+            </a:schemeClr>
+          </a:lnRef>
+          <a:fillRef idx="1">
+            <a:schemeClr val="accent4"/>
+          </a:fillRef>
+          <a:effectRef idx="0">
+            <a:schemeClr val="accent4"/>
+          </a:effectRef>
+          <a:fontRef idx="minor">
+            <a:schemeClr val="lt1"/>
+          </a:fontRef>
+        </p:style>
+        <p:txBody>
+          <a:bodyPr rtlCol="0" anchor="ctr"/>
+          <a:lstStyle/>
+          <a:p>
+            <a:pPr algn="ctr"/>
+            <a:r>
+              <a:rPr kumimoji="1" lang="en-US" altLang="ko-Kore-KR" sz="1600" dirty="0">
+                <a:solidFill>
+                  <a:schemeClr val="tx1"/>
+                </a:solidFill>
+                <a:latin typeface="DM Mono" panose="020B0509040201040103" pitchFamily="49" charset="0"/>
+              </a:rPr>
+              <a:t>&amp;Dog::~Dog</a:t>
+            </a:r>
+            <a:endParaRPr kumimoji="1" lang="ko-Kore-KR" altLang="en-US" sz="1600" dirty="0">
+              <a:solidFill>
+                <a:schemeClr val="tx1"/>
+              </a:solidFill>
+              <a:latin typeface="DM Mono" panose="020B0509040201040103" pitchFamily="49" charset="0"/>
+            </a:endParaRPr>
+          </a:p>
+        </p:txBody>
+      </p:sp>
+      <p:sp>
+        <p:nvSpPr>
+          <p:cNvPr id="34" name="직사각형 33">
+            <a:extLst>
+              <a:ext uri="{FF2B5EF4-FFF2-40B4-BE49-F238E27FC236}">
+                <a16:creationId xmlns:a16="http://schemas.microsoft.com/office/drawing/2014/main" id="{7B04C9C2-E07B-8EE2-57BF-BC5AF51B32FF}"/>
+              </a:ext>
+            </a:extLst>
+          </p:cNvPr>
+          <p:cNvSpPr/>
+          <p:nvPr/>
+        </p:nvSpPr>
+        <p:spPr>
+          <a:xfrm>
+            <a:off x="4848036" y="3078013"/>
+            <a:ext cx="1242204" cy="543464"/>
+          </a:xfrm>
+          <a:prstGeom prst="rect">
+            <a:avLst/>
+          </a:prstGeom>
+          <a:solidFill>
+            <a:srgbClr val="FFFF00"/>
+          </a:solidFill>
+        </p:spPr>
+        <p:style>
+          <a:lnRef idx="2">
+            <a:schemeClr val="accent4">
+              <a:shade val="50000"/>
+            </a:schemeClr>
+          </a:lnRef>
+          <a:fillRef idx="1">
+            <a:schemeClr val="accent4"/>
+          </a:fillRef>
+          <a:effectRef idx="0">
+            <a:schemeClr val="accent4"/>
+          </a:effectRef>
+          <a:fontRef idx="minor">
+            <a:schemeClr val="lt1"/>
+          </a:fontRef>
+        </p:style>
+        <p:txBody>
+          <a:bodyPr rtlCol="0" anchor="ctr"/>
+          <a:lstStyle/>
+          <a:p>
+            <a:pPr algn="ctr"/>
+            <a:endParaRPr kumimoji="1" lang="ko-Kore-KR" altLang="en-US" sz="1600" dirty="0">
+              <a:solidFill>
+                <a:schemeClr val="tx1"/>
+              </a:solidFill>
+              <a:latin typeface="DM Mono" panose="020B0509040201040103" pitchFamily="49" charset="0"/>
+            </a:endParaRPr>
+          </a:p>
+        </p:txBody>
+      </p:sp>
+      <p:sp>
+        <p:nvSpPr>
+          <p:cNvPr id="36" name="TextBox 35">
+            <a:extLst>
+              <a:ext uri="{FF2B5EF4-FFF2-40B4-BE49-F238E27FC236}">
+                <a16:creationId xmlns:a16="http://schemas.microsoft.com/office/drawing/2014/main" id="{3EB547E2-8216-1850-3988-8257A9919971}"/>
+              </a:ext>
+            </a:extLst>
+          </p:cNvPr>
+          <p:cNvSpPr txBox="1"/>
+          <p:nvPr/>
+        </p:nvSpPr>
+        <p:spPr>
+          <a:xfrm>
+            <a:off x="5360995" y="2203452"/>
+            <a:ext cx="714829" cy="369332"/>
+          </a:xfrm>
+          <a:prstGeom prst="rect">
+            <a:avLst/>
+          </a:prstGeom>
+          <a:noFill/>
+        </p:spPr>
+        <p:txBody>
+          <a:bodyPr wrap="square">
+            <a:spAutoFit/>
+          </a:bodyPr>
+          <a:lstStyle/>
+          <a:p>
+            <a:r>
+              <a:rPr lang="en-US" altLang="ko-Kore-KR" dirty="0">
+                <a:latin typeface="DM Mono" panose="020B0509040201040103" pitchFamily="49" charset="0"/>
+              </a:rPr>
+              <a:t>p</a:t>
+            </a:r>
+            <a:endParaRPr lang="ko-Kore-KR" altLang="en-US" dirty="0"/>
+          </a:p>
+        </p:txBody>
+      </p:sp>
+      <p:cxnSp>
+        <p:nvCxnSpPr>
+          <p:cNvPr id="37" name="구부러진 연결선[U] 36">
+            <a:extLst>
+              <a:ext uri="{FF2B5EF4-FFF2-40B4-BE49-F238E27FC236}">
+                <a16:creationId xmlns:a16="http://schemas.microsoft.com/office/drawing/2014/main" id="{757AC017-8E45-C3EB-8A86-F83630F431A1}"/>
+              </a:ext>
+            </a:extLst>
+          </p:cNvPr>
+          <p:cNvCxnSpPr>
+            <a:cxnSpLocks/>
+            <a:stCxn id="34" idx="3"/>
+            <a:endCxn id="6" idx="0"/>
+          </p:cNvCxnSpPr>
+          <p:nvPr/>
+        </p:nvCxnSpPr>
+        <p:spPr>
+          <a:xfrm>
+            <a:off x="6090240" y="3349745"/>
+            <a:ext cx="1090089" cy="980969"/>
+          </a:xfrm>
+          <a:prstGeom prst="curvedConnector2">
+            <a:avLst/>
+          </a:prstGeom>
+          <a:ln>
+            <a:tailEnd type="triangle"/>
+          </a:ln>
+        </p:spPr>
+        <p:style>
+          <a:lnRef idx="1">
+            <a:schemeClr val="dk1"/>
+          </a:lnRef>
+          <a:fillRef idx="0">
+            <a:schemeClr val="dk1"/>
+          </a:fillRef>
+          <a:effectRef idx="0">
+            <a:schemeClr val="dk1"/>
+          </a:effectRef>
+          <a:fontRef idx="minor">
+            <a:schemeClr val="tx1"/>
+          </a:fontRef>
+        </p:style>
+      </p:cxnSp>
+    </p:spTree>
+    <p:extLst>
+      <p:ext uri="{BB962C8B-B14F-4D97-AF65-F5344CB8AC3E}">
+        <p14:creationId xmlns:p14="http://schemas.microsoft.com/office/powerpoint/2010/main" val="2813201259"/>
       </p:ext>
     </p:extLst>
   </p:cSld>

--- a/cpp/230223.pptx
+++ b/cpp/230223.pptx
@@ -36,6 +36,7 @@
     <p:sldId id="286" r:id="rId30"/>
     <p:sldId id="287" r:id="rId31"/>
     <p:sldId id="288" r:id="rId32"/>
+    <p:sldId id="289" r:id="rId33"/>
   </p:sldIdLst>
   <p:sldSz cx="12192000" cy="6858000"/>
   <p:notesSz cx="6858000" cy="9144000"/>
@@ -27880,6 +27881,360 @@
     <p:extLst>
       <p:ext uri="{BB962C8B-B14F-4D97-AF65-F5344CB8AC3E}">
         <p14:creationId xmlns:p14="http://schemas.microsoft.com/office/powerpoint/2010/main" val="2813201259"/>
+      </p:ext>
+    </p:extLst>
+  </p:cSld>
+  <p:clrMapOvr>
+    <a:masterClrMapping/>
+  </p:clrMapOvr>
+</p:sld>
+</file>
+
+<file path=ppt/slides/slide32.xml><?xml version="1.0" encoding="utf-8"?>
+<p:sld xmlns:a="http://schemas.openxmlformats.org/drawingml/2006/main" xmlns:r="http://schemas.openxmlformats.org/officeDocument/2006/relationships" xmlns:p="http://schemas.openxmlformats.org/presentationml/2006/main">
+  <p:cSld>
+    <p:spTree>
+      <p:nvGrpSpPr>
+        <p:cNvPr id="1" name=""/>
+        <p:cNvGrpSpPr/>
+        <p:nvPr/>
+      </p:nvGrpSpPr>
+      <p:grpSpPr>
+        <a:xfrm>
+          <a:off x="0" y="0"/>
+          <a:ext cx="0" cy="0"/>
+          <a:chOff x="0" y="0"/>
+          <a:chExt cx="0" cy="0"/>
+        </a:xfrm>
+      </p:grpSpPr>
+      <p:sp>
+        <p:nvSpPr>
+          <p:cNvPr id="4" name="직사각형 3">
+            <a:extLst>
+              <a:ext uri="{FF2B5EF4-FFF2-40B4-BE49-F238E27FC236}">
+                <a16:creationId xmlns:a16="http://schemas.microsoft.com/office/drawing/2014/main" id="{4793B0B5-F04F-CC8D-AE04-53C71D0ED91F}"/>
+              </a:ext>
+            </a:extLst>
+          </p:cNvPr>
+          <p:cNvSpPr/>
+          <p:nvPr/>
+        </p:nvSpPr>
+        <p:spPr>
+          <a:xfrm>
+            <a:off x="2061713" y="672860"/>
+            <a:ext cx="1130061" cy="1181819"/>
+          </a:xfrm>
+          <a:prstGeom prst="rect">
+            <a:avLst/>
+          </a:prstGeom>
+          <a:solidFill>
+            <a:srgbClr val="FFFF00"/>
+          </a:solidFill>
+        </p:spPr>
+        <p:style>
+          <a:lnRef idx="2">
+            <a:schemeClr val="accent4">
+              <a:shade val="50000"/>
+            </a:schemeClr>
+          </a:lnRef>
+          <a:fillRef idx="1">
+            <a:schemeClr val="accent4"/>
+          </a:fillRef>
+          <a:effectRef idx="0">
+            <a:schemeClr val="accent4"/>
+          </a:effectRef>
+          <a:fontRef idx="minor">
+            <a:schemeClr val="lt1"/>
+          </a:fontRef>
+        </p:style>
+        <p:txBody>
+          <a:bodyPr rtlCol="0" anchor="ctr"/>
+          <a:lstStyle/>
+          <a:p>
+            <a:pPr algn="ctr"/>
+            <a:endParaRPr kumimoji="1" lang="ko-Kore-KR" altLang="en-US" sz="1600" dirty="0">
+              <a:solidFill>
+                <a:schemeClr val="tx2"/>
+              </a:solidFill>
+              <a:latin typeface="DM Mono" panose="020B0509040201040103" pitchFamily="49" charset="0"/>
+            </a:endParaRPr>
+          </a:p>
+        </p:txBody>
+      </p:sp>
+      <p:sp>
+        <p:nvSpPr>
+          <p:cNvPr id="5" name="타원 4">
+            <a:extLst>
+              <a:ext uri="{FF2B5EF4-FFF2-40B4-BE49-F238E27FC236}">
+                <a16:creationId xmlns:a16="http://schemas.microsoft.com/office/drawing/2014/main" id="{24D286C1-F378-AC55-9FF7-3557648B703E}"/>
+              </a:ext>
+            </a:extLst>
+          </p:cNvPr>
+          <p:cNvSpPr/>
+          <p:nvPr/>
+        </p:nvSpPr>
+        <p:spPr>
+          <a:xfrm>
+            <a:off x="3769743" y="983411"/>
+            <a:ext cx="1388853" cy="1414732"/>
+          </a:xfrm>
+          <a:prstGeom prst="ellipse">
+            <a:avLst/>
+          </a:prstGeom>
+          <a:solidFill>
+            <a:srgbClr val="FFFF00"/>
+          </a:solidFill>
+        </p:spPr>
+        <p:style>
+          <a:lnRef idx="2">
+            <a:schemeClr val="accent4">
+              <a:shade val="50000"/>
+            </a:schemeClr>
+          </a:lnRef>
+          <a:fillRef idx="1">
+            <a:schemeClr val="accent4"/>
+          </a:fillRef>
+          <a:effectRef idx="0">
+            <a:schemeClr val="accent4"/>
+          </a:effectRef>
+          <a:fontRef idx="minor">
+            <a:schemeClr val="lt1"/>
+          </a:fontRef>
+        </p:style>
+        <p:txBody>
+          <a:bodyPr rtlCol="0" anchor="ctr"/>
+          <a:lstStyle/>
+          <a:p>
+            <a:pPr algn="ctr"/>
+            <a:endParaRPr kumimoji="1" lang="ko-Kore-KR" altLang="en-US" sz="1600" dirty="0">
+              <a:solidFill>
+                <a:schemeClr val="tx2"/>
+              </a:solidFill>
+              <a:latin typeface="DM Mono" panose="020B0509040201040103" pitchFamily="49" charset="0"/>
+            </a:endParaRPr>
+          </a:p>
+        </p:txBody>
+      </p:sp>
+      <p:sp>
+        <p:nvSpPr>
+          <p:cNvPr id="6" name="타원 5">
+            <a:extLst>
+              <a:ext uri="{FF2B5EF4-FFF2-40B4-BE49-F238E27FC236}">
+                <a16:creationId xmlns:a16="http://schemas.microsoft.com/office/drawing/2014/main" id="{EF8ED851-ACC2-6F05-468F-C070F43FDB9C}"/>
+              </a:ext>
+            </a:extLst>
+          </p:cNvPr>
+          <p:cNvSpPr/>
+          <p:nvPr/>
+        </p:nvSpPr>
+        <p:spPr>
+          <a:xfrm>
+            <a:off x="7476226" y="1627516"/>
+            <a:ext cx="1388853" cy="1414732"/>
+          </a:xfrm>
+          <a:prstGeom prst="ellipse">
+            <a:avLst/>
+          </a:prstGeom>
+          <a:solidFill>
+            <a:srgbClr val="FFFF00"/>
+          </a:solidFill>
+        </p:spPr>
+        <p:style>
+          <a:lnRef idx="2">
+            <a:schemeClr val="accent4">
+              <a:shade val="50000"/>
+            </a:schemeClr>
+          </a:lnRef>
+          <a:fillRef idx="1">
+            <a:schemeClr val="accent4"/>
+          </a:fillRef>
+          <a:effectRef idx="0">
+            <a:schemeClr val="accent4"/>
+          </a:effectRef>
+          <a:fontRef idx="minor">
+            <a:schemeClr val="lt1"/>
+          </a:fontRef>
+        </p:style>
+        <p:txBody>
+          <a:bodyPr rtlCol="0" anchor="ctr"/>
+          <a:lstStyle/>
+          <a:p>
+            <a:pPr algn="ctr"/>
+            <a:endParaRPr kumimoji="1" lang="ko-Kore-KR" altLang="en-US" sz="1600" dirty="0">
+              <a:solidFill>
+                <a:schemeClr val="tx2"/>
+              </a:solidFill>
+              <a:latin typeface="DM Mono" panose="020B0509040201040103" pitchFamily="49" charset="0"/>
+            </a:endParaRPr>
+          </a:p>
+        </p:txBody>
+      </p:sp>
+      <p:sp>
+        <p:nvSpPr>
+          <p:cNvPr id="7" name="직사각형 6">
+            <a:extLst>
+              <a:ext uri="{FF2B5EF4-FFF2-40B4-BE49-F238E27FC236}">
+                <a16:creationId xmlns:a16="http://schemas.microsoft.com/office/drawing/2014/main" id="{D49B0FF7-9778-FB58-4349-7FC195F39E49}"/>
+              </a:ext>
+            </a:extLst>
+          </p:cNvPr>
+          <p:cNvSpPr/>
+          <p:nvPr/>
+        </p:nvSpPr>
+        <p:spPr>
+          <a:xfrm>
+            <a:off x="3234906" y="2838090"/>
+            <a:ext cx="1130061" cy="1181819"/>
+          </a:xfrm>
+          <a:prstGeom prst="rect">
+            <a:avLst/>
+          </a:prstGeom>
+          <a:solidFill>
+            <a:srgbClr val="FFFF00"/>
+          </a:solidFill>
+        </p:spPr>
+        <p:style>
+          <a:lnRef idx="2">
+            <a:schemeClr val="accent4">
+              <a:shade val="50000"/>
+            </a:schemeClr>
+          </a:lnRef>
+          <a:fillRef idx="1">
+            <a:schemeClr val="accent4"/>
+          </a:fillRef>
+          <a:effectRef idx="0">
+            <a:schemeClr val="accent4"/>
+          </a:effectRef>
+          <a:fontRef idx="minor">
+            <a:schemeClr val="lt1"/>
+          </a:fontRef>
+        </p:style>
+        <p:txBody>
+          <a:bodyPr rtlCol="0" anchor="ctr"/>
+          <a:lstStyle/>
+          <a:p>
+            <a:pPr algn="ctr"/>
+            <a:endParaRPr kumimoji="1" lang="ko-Kore-KR" altLang="en-US" sz="1600" dirty="0">
+              <a:solidFill>
+                <a:schemeClr val="tx2"/>
+              </a:solidFill>
+              <a:latin typeface="DM Mono" panose="020B0509040201040103" pitchFamily="49" charset="0"/>
+            </a:endParaRPr>
+          </a:p>
+        </p:txBody>
+      </p:sp>
+      <p:sp>
+        <p:nvSpPr>
+          <p:cNvPr id="8" name="타원 7">
+            <a:extLst>
+              <a:ext uri="{FF2B5EF4-FFF2-40B4-BE49-F238E27FC236}">
+                <a16:creationId xmlns:a16="http://schemas.microsoft.com/office/drawing/2014/main" id="{B746E417-20A2-853A-487B-1FC80929EEB4}"/>
+              </a:ext>
+            </a:extLst>
+          </p:cNvPr>
+          <p:cNvSpPr/>
+          <p:nvPr/>
+        </p:nvSpPr>
+        <p:spPr>
+          <a:xfrm>
+            <a:off x="5622985" y="2721633"/>
+            <a:ext cx="1388853" cy="1414732"/>
+          </a:xfrm>
+          <a:prstGeom prst="ellipse">
+            <a:avLst/>
+          </a:prstGeom>
+          <a:solidFill>
+            <a:srgbClr val="FFFF00"/>
+          </a:solidFill>
+        </p:spPr>
+        <p:style>
+          <a:lnRef idx="2">
+            <a:schemeClr val="accent4">
+              <a:shade val="50000"/>
+            </a:schemeClr>
+          </a:lnRef>
+          <a:fillRef idx="1">
+            <a:schemeClr val="accent4"/>
+          </a:fillRef>
+          <a:effectRef idx="0">
+            <a:schemeClr val="accent4"/>
+          </a:effectRef>
+          <a:fontRef idx="minor">
+            <a:schemeClr val="lt1"/>
+          </a:fontRef>
+        </p:style>
+        <p:txBody>
+          <a:bodyPr rtlCol="0" anchor="ctr"/>
+          <a:lstStyle/>
+          <a:p>
+            <a:pPr algn="ctr"/>
+            <a:endParaRPr kumimoji="1" lang="ko-Kore-KR" altLang="en-US" sz="1600" dirty="0">
+              <a:solidFill>
+                <a:schemeClr val="tx2"/>
+              </a:solidFill>
+              <a:latin typeface="DM Mono" panose="020B0509040201040103" pitchFamily="49" charset="0"/>
+            </a:endParaRPr>
+          </a:p>
+        </p:txBody>
+      </p:sp>
+      <p:sp>
+        <p:nvSpPr>
+          <p:cNvPr id="9" name="직사각형 8">
+            <a:extLst>
+              <a:ext uri="{FF2B5EF4-FFF2-40B4-BE49-F238E27FC236}">
+                <a16:creationId xmlns:a16="http://schemas.microsoft.com/office/drawing/2014/main" id="{20D3562D-9431-DCED-C4CB-AA868320DA05}"/>
+              </a:ext>
+            </a:extLst>
+          </p:cNvPr>
+          <p:cNvSpPr/>
+          <p:nvPr/>
+        </p:nvSpPr>
+        <p:spPr>
+          <a:xfrm>
+            <a:off x="6009737" y="392501"/>
+            <a:ext cx="1130061" cy="1181819"/>
+          </a:xfrm>
+          <a:prstGeom prst="rect">
+            <a:avLst/>
+          </a:prstGeom>
+          <a:solidFill>
+            <a:srgbClr val="FFFF00"/>
+          </a:solidFill>
+        </p:spPr>
+        <p:style>
+          <a:lnRef idx="2">
+            <a:schemeClr val="accent4">
+              <a:shade val="50000"/>
+            </a:schemeClr>
+          </a:lnRef>
+          <a:fillRef idx="1">
+            <a:schemeClr val="accent4"/>
+          </a:fillRef>
+          <a:effectRef idx="0">
+            <a:schemeClr val="accent4"/>
+          </a:effectRef>
+          <a:fontRef idx="minor">
+            <a:schemeClr val="lt1"/>
+          </a:fontRef>
+        </p:style>
+        <p:txBody>
+          <a:bodyPr rtlCol="0" anchor="ctr"/>
+          <a:lstStyle/>
+          <a:p>
+            <a:pPr algn="ctr"/>
+            <a:endParaRPr kumimoji="1" lang="ko-Kore-KR" altLang="en-US" sz="1600" dirty="0">
+              <a:solidFill>
+                <a:schemeClr val="tx2"/>
+              </a:solidFill>
+              <a:latin typeface="DM Mono" panose="020B0509040201040103" pitchFamily="49" charset="0"/>
+            </a:endParaRPr>
+          </a:p>
+        </p:txBody>
+      </p:sp>
+    </p:spTree>
+    <p:extLst>
+      <p:ext uri="{BB962C8B-B14F-4D97-AF65-F5344CB8AC3E}">
+        <p14:creationId xmlns:p14="http://schemas.microsoft.com/office/powerpoint/2010/main" val="1060245969"/>
       </p:ext>
     </p:extLst>
   </p:cSld>

--- a/cpp/230223.pptx
+++ b/cpp/230223.pptx
@@ -36,7 +36,6 @@
     <p:sldId id="286" r:id="rId30"/>
     <p:sldId id="287" r:id="rId31"/>
     <p:sldId id="288" r:id="rId32"/>
-    <p:sldId id="289" r:id="rId33"/>
   </p:sldIdLst>
   <p:sldSz cx="12192000" cy="6858000"/>
   <p:notesSz cx="6858000" cy="9144000"/>
@@ -27881,360 +27880,6 @@
     <p:extLst>
       <p:ext uri="{BB962C8B-B14F-4D97-AF65-F5344CB8AC3E}">
         <p14:creationId xmlns:p14="http://schemas.microsoft.com/office/powerpoint/2010/main" val="2813201259"/>
-      </p:ext>
-    </p:extLst>
-  </p:cSld>
-  <p:clrMapOvr>
-    <a:masterClrMapping/>
-  </p:clrMapOvr>
-</p:sld>
-</file>
-
-<file path=ppt/slides/slide32.xml><?xml version="1.0" encoding="utf-8"?>
-<p:sld xmlns:a="http://schemas.openxmlformats.org/drawingml/2006/main" xmlns:r="http://schemas.openxmlformats.org/officeDocument/2006/relationships" xmlns:p="http://schemas.openxmlformats.org/presentationml/2006/main">
-  <p:cSld>
-    <p:spTree>
-      <p:nvGrpSpPr>
-        <p:cNvPr id="1" name=""/>
-        <p:cNvGrpSpPr/>
-        <p:nvPr/>
-      </p:nvGrpSpPr>
-      <p:grpSpPr>
-        <a:xfrm>
-          <a:off x="0" y="0"/>
-          <a:ext cx="0" cy="0"/>
-          <a:chOff x="0" y="0"/>
-          <a:chExt cx="0" cy="0"/>
-        </a:xfrm>
-      </p:grpSpPr>
-      <p:sp>
-        <p:nvSpPr>
-          <p:cNvPr id="4" name="직사각형 3">
-            <a:extLst>
-              <a:ext uri="{FF2B5EF4-FFF2-40B4-BE49-F238E27FC236}">
-                <a16:creationId xmlns:a16="http://schemas.microsoft.com/office/drawing/2014/main" id="{4793B0B5-F04F-CC8D-AE04-53C71D0ED91F}"/>
-              </a:ext>
-            </a:extLst>
-          </p:cNvPr>
-          <p:cNvSpPr/>
-          <p:nvPr/>
-        </p:nvSpPr>
-        <p:spPr>
-          <a:xfrm>
-            <a:off x="2061713" y="672860"/>
-            <a:ext cx="1130061" cy="1181819"/>
-          </a:xfrm>
-          <a:prstGeom prst="rect">
-            <a:avLst/>
-          </a:prstGeom>
-          <a:solidFill>
-            <a:srgbClr val="FFFF00"/>
-          </a:solidFill>
-        </p:spPr>
-        <p:style>
-          <a:lnRef idx="2">
-            <a:schemeClr val="accent4">
-              <a:shade val="50000"/>
-            </a:schemeClr>
-          </a:lnRef>
-          <a:fillRef idx="1">
-            <a:schemeClr val="accent4"/>
-          </a:fillRef>
-          <a:effectRef idx="0">
-            <a:schemeClr val="accent4"/>
-          </a:effectRef>
-          <a:fontRef idx="minor">
-            <a:schemeClr val="lt1"/>
-          </a:fontRef>
-        </p:style>
-        <p:txBody>
-          <a:bodyPr rtlCol="0" anchor="ctr"/>
-          <a:lstStyle/>
-          <a:p>
-            <a:pPr algn="ctr"/>
-            <a:endParaRPr kumimoji="1" lang="ko-Kore-KR" altLang="en-US" sz="1600" dirty="0">
-              <a:solidFill>
-                <a:schemeClr val="tx2"/>
-              </a:solidFill>
-              <a:latin typeface="DM Mono" panose="020B0509040201040103" pitchFamily="49" charset="0"/>
-            </a:endParaRPr>
-          </a:p>
-        </p:txBody>
-      </p:sp>
-      <p:sp>
-        <p:nvSpPr>
-          <p:cNvPr id="5" name="타원 4">
-            <a:extLst>
-              <a:ext uri="{FF2B5EF4-FFF2-40B4-BE49-F238E27FC236}">
-                <a16:creationId xmlns:a16="http://schemas.microsoft.com/office/drawing/2014/main" id="{24D286C1-F378-AC55-9FF7-3557648B703E}"/>
-              </a:ext>
-            </a:extLst>
-          </p:cNvPr>
-          <p:cNvSpPr/>
-          <p:nvPr/>
-        </p:nvSpPr>
-        <p:spPr>
-          <a:xfrm>
-            <a:off x="3769743" y="983411"/>
-            <a:ext cx="1388853" cy="1414732"/>
-          </a:xfrm>
-          <a:prstGeom prst="ellipse">
-            <a:avLst/>
-          </a:prstGeom>
-          <a:solidFill>
-            <a:srgbClr val="FFFF00"/>
-          </a:solidFill>
-        </p:spPr>
-        <p:style>
-          <a:lnRef idx="2">
-            <a:schemeClr val="accent4">
-              <a:shade val="50000"/>
-            </a:schemeClr>
-          </a:lnRef>
-          <a:fillRef idx="1">
-            <a:schemeClr val="accent4"/>
-          </a:fillRef>
-          <a:effectRef idx="0">
-            <a:schemeClr val="accent4"/>
-          </a:effectRef>
-          <a:fontRef idx="minor">
-            <a:schemeClr val="lt1"/>
-          </a:fontRef>
-        </p:style>
-        <p:txBody>
-          <a:bodyPr rtlCol="0" anchor="ctr"/>
-          <a:lstStyle/>
-          <a:p>
-            <a:pPr algn="ctr"/>
-            <a:endParaRPr kumimoji="1" lang="ko-Kore-KR" altLang="en-US" sz="1600" dirty="0">
-              <a:solidFill>
-                <a:schemeClr val="tx2"/>
-              </a:solidFill>
-              <a:latin typeface="DM Mono" panose="020B0509040201040103" pitchFamily="49" charset="0"/>
-            </a:endParaRPr>
-          </a:p>
-        </p:txBody>
-      </p:sp>
-      <p:sp>
-        <p:nvSpPr>
-          <p:cNvPr id="6" name="타원 5">
-            <a:extLst>
-              <a:ext uri="{FF2B5EF4-FFF2-40B4-BE49-F238E27FC236}">
-                <a16:creationId xmlns:a16="http://schemas.microsoft.com/office/drawing/2014/main" id="{EF8ED851-ACC2-6F05-468F-C070F43FDB9C}"/>
-              </a:ext>
-            </a:extLst>
-          </p:cNvPr>
-          <p:cNvSpPr/>
-          <p:nvPr/>
-        </p:nvSpPr>
-        <p:spPr>
-          <a:xfrm>
-            <a:off x="7476226" y="1627516"/>
-            <a:ext cx="1388853" cy="1414732"/>
-          </a:xfrm>
-          <a:prstGeom prst="ellipse">
-            <a:avLst/>
-          </a:prstGeom>
-          <a:solidFill>
-            <a:srgbClr val="FFFF00"/>
-          </a:solidFill>
-        </p:spPr>
-        <p:style>
-          <a:lnRef idx="2">
-            <a:schemeClr val="accent4">
-              <a:shade val="50000"/>
-            </a:schemeClr>
-          </a:lnRef>
-          <a:fillRef idx="1">
-            <a:schemeClr val="accent4"/>
-          </a:fillRef>
-          <a:effectRef idx="0">
-            <a:schemeClr val="accent4"/>
-          </a:effectRef>
-          <a:fontRef idx="minor">
-            <a:schemeClr val="lt1"/>
-          </a:fontRef>
-        </p:style>
-        <p:txBody>
-          <a:bodyPr rtlCol="0" anchor="ctr"/>
-          <a:lstStyle/>
-          <a:p>
-            <a:pPr algn="ctr"/>
-            <a:endParaRPr kumimoji="1" lang="ko-Kore-KR" altLang="en-US" sz="1600" dirty="0">
-              <a:solidFill>
-                <a:schemeClr val="tx2"/>
-              </a:solidFill>
-              <a:latin typeface="DM Mono" panose="020B0509040201040103" pitchFamily="49" charset="0"/>
-            </a:endParaRPr>
-          </a:p>
-        </p:txBody>
-      </p:sp>
-      <p:sp>
-        <p:nvSpPr>
-          <p:cNvPr id="7" name="직사각형 6">
-            <a:extLst>
-              <a:ext uri="{FF2B5EF4-FFF2-40B4-BE49-F238E27FC236}">
-                <a16:creationId xmlns:a16="http://schemas.microsoft.com/office/drawing/2014/main" id="{D49B0FF7-9778-FB58-4349-7FC195F39E49}"/>
-              </a:ext>
-            </a:extLst>
-          </p:cNvPr>
-          <p:cNvSpPr/>
-          <p:nvPr/>
-        </p:nvSpPr>
-        <p:spPr>
-          <a:xfrm>
-            <a:off x="3234906" y="2838090"/>
-            <a:ext cx="1130061" cy="1181819"/>
-          </a:xfrm>
-          <a:prstGeom prst="rect">
-            <a:avLst/>
-          </a:prstGeom>
-          <a:solidFill>
-            <a:srgbClr val="FFFF00"/>
-          </a:solidFill>
-        </p:spPr>
-        <p:style>
-          <a:lnRef idx="2">
-            <a:schemeClr val="accent4">
-              <a:shade val="50000"/>
-            </a:schemeClr>
-          </a:lnRef>
-          <a:fillRef idx="1">
-            <a:schemeClr val="accent4"/>
-          </a:fillRef>
-          <a:effectRef idx="0">
-            <a:schemeClr val="accent4"/>
-          </a:effectRef>
-          <a:fontRef idx="minor">
-            <a:schemeClr val="lt1"/>
-          </a:fontRef>
-        </p:style>
-        <p:txBody>
-          <a:bodyPr rtlCol="0" anchor="ctr"/>
-          <a:lstStyle/>
-          <a:p>
-            <a:pPr algn="ctr"/>
-            <a:endParaRPr kumimoji="1" lang="ko-Kore-KR" altLang="en-US" sz="1600" dirty="0">
-              <a:solidFill>
-                <a:schemeClr val="tx2"/>
-              </a:solidFill>
-              <a:latin typeface="DM Mono" panose="020B0509040201040103" pitchFamily="49" charset="0"/>
-            </a:endParaRPr>
-          </a:p>
-        </p:txBody>
-      </p:sp>
-      <p:sp>
-        <p:nvSpPr>
-          <p:cNvPr id="8" name="타원 7">
-            <a:extLst>
-              <a:ext uri="{FF2B5EF4-FFF2-40B4-BE49-F238E27FC236}">
-                <a16:creationId xmlns:a16="http://schemas.microsoft.com/office/drawing/2014/main" id="{B746E417-20A2-853A-487B-1FC80929EEB4}"/>
-              </a:ext>
-            </a:extLst>
-          </p:cNvPr>
-          <p:cNvSpPr/>
-          <p:nvPr/>
-        </p:nvSpPr>
-        <p:spPr>
-          <a:xfrm>
-            <a:off x="5622985" y="2721633"/>
-            <a:ext cx="1388853" cy="1414732"/>
-          </a:xfrm>
-          <a:prstGeom prst="ellipse">
-            <a:avLst/>
-          </a:prstGeom>
-          <a:solidFill>
-            <a:srgbClr val="FFFF00"/>
-          </a:solidFill>
-        </p:spPr>
-        <p:style>
-          <a:lnRef idx="2">
-            <a:schemeClr val="accent4">
-              <a:shade val="50000"/>
-            </a:schemeClr>
-          </a:lnRef>
-          <a:fillRef idx="1">
-            <a:schemeClr val="accent4"/>
-          </a:fillRef>
-          <a:effectRef idx="0">
-            <a:schemeClr val="accent4"/>
-          </a:effectRef>
-          <a:fontRef idx="minor">
-            <a:schemeClr val="lt1"/>
-          </a:fontRef>
-        </p:style>
-        <p:txBody>
-          <a:bodyPr rtlCol="0" anchor="ctr"/>
-          <a:lstStyle/>
-          <a:p>
-            <a:pPr algn="ctr"/>
-            <a:endParaRPr kumimoji="1" lang="ko-Kore-KR" altLang="en-US" sz="1600" dirty="0">
-              <a:solidFill>
-                <a:schemeClr val="tx2"/>
-              </a:solidFill>
-              <a:latin typeface="DM Mono" panose="020B0509040201040103" pitchFamily="49" charset="0"/>
-            </a:endParaRPr>
-          </a:p>
-        </p:txBody>
-      </p:sp>
-      <p:sp>
-        <p:nvSpPr>
-          <p:cNvPr id="9" name="직사각형 8">
-            <a:extLst>
-              <a:ext uri="{FF2B5EF4-FFF2-40B4-BE49-F238E27FC236}">
-                <a16:creationId xmlns:a16="http://schemas.microsoft.com/office/drawing/2014/main" id="{20D3562D-9431-DCED-C4CB-AA868320DA05}"/>
-              </a:ext>
-            </a:extLst>
-          </p:cNvPr>
-          <p:cNvSpPr/>
-          <p:nvPr/>
-        </p:nvSpPr>
-        <p:spPr>
-          <a:xfrm>
-            <a:off x="6009737" y="392501"/>
-            <a:ext cx="1130061" cy="1181819"/>
-          </a:xfrm>
-          <a:prstGeom prst="rect">
-            <a:avLst/>
-          </a:prstGeom>
-          <a:solidFill>
-            <a:srgbClr val="FFFF00"/>
-          </a:solidFill>
-        </p:spPr>
-        <p:style>
-          <a:lnRef idx="2">
-            <a:schemeClr val="accent4">
-              <a:shade val="50000"/>
-            </a:schemeClr>
-          </a:lnRef>
-          <a:fillRef idx="1">
-            <a:schemeClr val="accent4"/>
-          </a:fillRef>
-          <a:effectRef idx="0">
-            <a:schemeClr val="accent4"/>
-          </a:effectRef>
-          <a:fontRef idx="minor">
-            <a:schemeClr val="lt1"/>
-          </a:fontRef>
-        </p:style>
-        <p:txBody>
-          <a:bodyPr rtlCol="0" anchor="ctr"/>
-          <a:lstStyle/>
-          <a:p>
-            <a:pPr algn="ctr"/>
-            <a:endParaRPr kumimoji="1" lang="ko-Kore-KR" altLang="en-US" sz="1600" dirty="0">
-              <a:solidFill>
-                <a:schemeClr val="tx2"/>
-              </a:solidFill>
-              <a:latin typeface="DM Mono" panose="020B0509040201040103" pitchFamily="49" charset="0"/>
-            </a:endParaRPr>
-          </a:p>
-        </p:txBody>
-      </p:sp>
-    </p:spTree>
-    <p:extLst>
-      <p:ext uri="{BB962C8B-B14F-4D97-AF65-F5344CB8AC3E}">
-        <p14:creationId xmlns:p14="http://schemas.microsoft.com/office/powerpoint/2010/main" val="1060245969"/>
       </p:ext>
     </p:extLst>
   </p:cSld>

--- a/cpp/230223.pptx
+++ b/cpp/230223.pptx
@@ -291,7 +291,7 @@
           <a:p>
             <a:fld id="{0141C073-73B4-1C4F-81DE-701205FF1F0A}" type="datetimeFigureOut">
               <a:rPr kumimoji="1" lang="ko-Kore-KR" altLang="en-US" smtClean="0"/>
-              <a:t>2023. 2. 27.</a:t>
+              <a:t>2023. 3. 2.</a:t>
             </a:fld>
             <a:endParaRPr kumimoji="1" lang="ko-Kore-KR" altLang="en-US"/>
           </a:p>
@@ -491,7 +491,7 @@
           <a:p>
             <a:fld id="{0141C073-73B4-1C4F-81DE-701205FF1F0A}" type="datetimeFigureOut">
               <a:rPr kumimoji="1" lang="ko-Kore-KR" altLang="en-US" smtClean="0"/>
-              <a:t>2023. 2. 27.</a:t>
+              <a:t>2023. 3. 2.</a:t>
             </a:fld>
             <a:endParaRPr kumimoji="1" lang="ko-Kore-KR" altLang="en-US"/>
           </a:p>
@@ -701,7 +701,7 @@
           <a:p>
             <a:fld id="{0141C073-73B4-1C4F-81DE-701205FF1F0A}" type="datetimeFigureOut">
               <a:rPr kumimoji="1" lang="ko-Kore-KR" altLang="en-US" smtClean="0"/>
-              <a:t>2023. 2. 27.</a:t>
+              <a:t>2023. 3. 2.</a:t>
             </a:fld>
             <a:endParaRPr kumimoji="1" lang="ko-Kore-KR" altLang="en-US"/>
           </a:p>
@@ -901,7 +901,7 @@
           <a:p>
             <a:fld id="{0141C073-73B4-1C4F-81DE-701205FF1F0A}" type="datetimeFigureOut">
               <a:rPr kumimoji="1" lang="ko-Kore-KR" altLang="en-US" smtClean="0"/>
-              <a:t>2023. 2. 27.</a:t>
+              <a:t>2023. 3. 2.</a:t>
             </a:fld>
             <a:endParaRPr kumimoji="1" lang="ko-Kore-KR" altLang="en-US"/>
           </a:p>
@@ -1177,7 +1177,7 @@
           <a:p>
             <a:fld id="{0141C073-73B4-1C4F-81DE-701205FF1F0A}" type="datetimeFigureOut">
               <a:rPr kumimoji="1" lang="ko-Kore-KR" altLang="en-US" smtClean="0"/>
-              <a:t>2023. 2. 27.</a:t>
+              <a:t>2023. 3. 2.</a:t>
             </a:fld>
             <a:endParaRPr kumimoji="1" lang="ko-Kore-KR" altLang="en-US"/>
           </a:p>
@@ -1445,7 +1445,7 @@
           <a:p>
             <a:fld id="{0141C073-73B4-1C4F-81DE-701205FF1F0A}" type="datetimeFigureOut">
               <a:rPr kumimoji="1" lang="ko-Kore-KR" altLang="en-US" smtClean="0"/>
-              <a:t>2023. 2. 27.</a:t>
+              <a:t>2023. 3. 2.</a:t>
             </a:fld>
             <a:endParaRPr kumimoji="1" lang="ko-Kore-KR" altLang="en-US"/>
           </a:p>
@@ -1860,7 +1860,7 @@
           <a:p>
             <a:fld id="{0141C073-73B4-1C4F-81DE-701205FF1F0A}" type="datetimeFigureOut">
               <a:rPr kumimoji="1" lang="ko-Kore-KR" altLang="en-US" smtClean="0"/>
-              <a:t>2023. 2. 27.</a:t>
+              <a:t>2023. 3. 2.</a:t>
             </a:fld>
             <a:endParaRPr kumimoji="1" lang="ko-Kore-KR" altLang="en-US"/>
           </a:p>
@@ -2002,7 +2002,7 @@
           <a:p>
             <a:fld id="{0141C073-73B4-1C4F-81DE-701205FF1F0A}" type="datetimeFigureOut">
               <a:rPr kumimoji="1" lang="ko-Kore-KR" altLang="en-US" smtClean="0"/>
-              <a:t>2023. 2. 27.</a:t>
+              <a:t>2023. 3. 2.</a:t>
             </a:fld>
             <a:endParaRPr kumimoji="1" lang="ko-Kore-KR" altLang="en-US"/>
           </a:p>
@@ -2115,7 +2115,7 @@
           <a:p>
             <a:fld id="{0141C073-73B4-1C4F-81DE-701205FF1F0A}" type="datetimeFigureOut">
               <a:rPr kumimoji="1" lang="ko-Kore-KR" altLang="en-US" smtClean="0"/>
-              <a:t>2023. 2. 27.</a:t>
+              <a:t>2023. 3. 2.</a:t>
             </a:fld>
             <a:endParaRPr kumimoji="1" lang="ko-Kore-KR" altLang="en-US"/>
           </a:p>
@@ -2428,7 +2428,7 @@
           <a:p>
             <a:fld id="{0141C073-73B4-1C4F-81DE-701205FF1F0A}" type="datetimeFigureOut">
               <a:rPr kumimoji="1" lang="ko-Kore-KR" altLang="en-US" smtClean="0"/>
-              <a:t>2023. 2. 27.</a:t>
+              <a:t>2023. 3. 2.</a:t>
             </a:fld>
             <a:endParaRPr kumimoji="1" lang="ko-Kore-KR" altLang="en-US"/>
           </a:p>
@@ -2717,7 +2717,7 @@
           <a:p>
             <a:fld id="{0141C073-73B4-1C4F-81DE-701205FF1F0A}" type="datetimeFigureOut">
               <a:rPr kumimoji="1" lang="ko-Kore-KR" altLang="en-US" smtClean="0"/>
-              <a:t>2023. 2. 27.</a:t>
+              <a:t>2023. 3. 2.</a:t>
             </a:fld>
             <a:endParaRPr kumimoji="1" lang="ko-Kore-KR" altLang="en-US"/>
           </a:p>
@@ -2960,7 +2960,7 @@
           <a:p>
             <a:fld id="{0141C073-73B4-1C4F-81DE-701205FF1F0A}" type="datetimeFigureOut">
               <a:rPr kumimoji="1" lang="ko-Kore-KR" altLang="en-US" smtClean="0"/>
-              <a:t>2023. 2. 27.</a:t>
+              <a:t>2023. 3. 2.</a:t>
             </a:fld>
             <a:endParaRPr kumimoji="1" lang="ko-Kore-KR" altLang="en-US"/>
           </a:p>
